--- a/trunk/mastersProject/presentation/visualizationToolsForWebcams.pptx
+++ b/trunk/mastersProject/presentation/visualizationToolsForWebcams.pptx
@@ -16,11 +16,24 @@
     <p:sldId id="269" r:id="rId10"/>
     <p:sldId id="270" r:id="rId11"/>
     <p:sldId id="271" r:id="rId12"/>
-    <p:sldId id="272" r:id="rId13"/>
-    <p:sldId id="273" r:id="rId14"/>
-    <p:sldId id="264" r:id="rId15"/>
-    <p:sldId id="265" r:id="rId16"/>
-    <p:sldId id="266" r:id="rId17"/>
+    <p:sldId id="286" r:id="rId13"/>
+    <p:sldId id="272" r:id="rId14"/>
+    <p:sldId id="273" r:id="rId15"/>
+    <p:sldId id="274" r:id="rId16"/>
+    <p:sldId id="275" r:id="rId17"/>
+    <p:sldId id="276" r:id="rId18"/>
+    <p:sldId id="264" r:id="rId19"/>
+    <p:sldId id="277" r:id="rId20"/>
+    <p:sldId id="285" r:id="rId21"/>
+    <p:sldId id="278" r:id="rId22"/>
+    <p:sldId id="265" r:id="rId23"/>
+    <p:sldId id="279" r:id="rId24"/>
+    <p:sldId id="282" r:id="rId25"/>
+    <p:sldId id="280" r:id="rId26"/>
+    <p:sldId id="283" r:id="rId27"/>
+    <p:sldId id="284" r:id="rId28"/>
+    <p:sldId id="281" r:id="rId29"/>
+    <p:sldId id="266" r:id="rId30"/>
   </p:sldIdLst>
   <p:sldSz cx="9144000" cy="6858000" type="screen4x3"/>
   <p:notesSz cx="6858000" cy="9144000"/>
@@ -781,7 +794,7 @@
             <a:fld id="{1D8BD707-D9CF-40AE-B4C6-C98DA3205C09}" type="datetimeFigureOut">
               <a:rPr lang="en-US" smtClean="0"/>
               <a:pPr/>
-              <a:t>4/21/2009</a:t>
+              <a:t>4/22/2009</a:t>
             </a:fld>
             <a:endParaRPr lang="en-US"/>
           </a:p>
@@ -966,7 +979,7 @@
             <a:fld id="{1D8BD707-D9CF-40AE-B4C6-C98DA3205C09}" type="datetimeFigureOut">
               <a:rPr lang="en-US" smtClean="0"/>
               <a:pPr/>
-              <a:t>4/21/2009</a:t>
+              <a:t>4/22/2009</a:t>
             </a:fld>
             <a:endParaRPr lang="en-US"/>
           </a:p>
@@ -1143,7 +1156,7 @@
             <a:fld id="{1D8BD707-D9CF-40AE-B4C6-C98DA3205C09}" type="datetimeFigureOut">
               <a:rPr lang="en-US" smtClean="0"/>
               <a:pPr/>
-              <a:t>4/21/2009</a:t>
+              <a:t>4/22/2009</a:t>
             </a:fld>
             <a:endParaRPr lang="en-US"/>
           </a:p>
@@ -1310,7 +1323,7 @@
             <a:fld id="{1D8BD707-D9CF-40AE-B4C6-C98DA3205C09}" type="datetimeFigureOut">
               <a:rPr lang="en-US" smtClean="0"/>
               <a:pPr/>
-              <a:t>4/21/2009</a:t>
+              <a:t>4/22/2009</a:t>
             </a:fld>
             <a:endParaRPr lang="en-US"/>
           </a:p>
@@ -1533,7 +1546,7 @@
             <a:fld id="{1D8BD707-D9CF-40AE-B4C6-C98DA3205C09}" type="datetimeFigureOut">
               <a:rPr lang="en-US" smtClean="0"/>
               <a:pPr/>
-              <a:t>4/21/2009</a:t>
+              <a:t>4/22/2009</a:t>
             </a:fld>
             <a:endParaRPr lang="en-US"/>
           </a:p>
@@ -1794,7 +1807,7 @@
             <a:fld id="{1D8BD707-D9CF-40AE-B4C6-C98DA3205C09}" type="datetimeFigureOut">
               <a:rPr lang="en-US" smtClean="0"/>
               <a:pPr/>
-              <a:t>4/21/2009</a:t>
+              <a:t>4/22/2009</a:t>
             </a:fld>
             <a:endParaRPr lang="en-US"/>
           </a:p>
@@ -2200,7 +2213,7 @@
             <a:fld id="{1D8BD707-D9CF-40AE-B4C6-C98DA3205C09}" type="datetimeFigureOut">
               <a:rPr lang="en-US" smtClean="0"/>
               <a:pPr/>
-              <a:t>4/21/2009</a:t>
+              <a:t>4/22/2009</a:t>
             </a:fld>
             <a:endParaRPr lang="en-US"/>
           </a:p>
@@ -2333,7 +2346,7 @@
             <a:fld id="{1D8BD707-D9CF-40AE-B4C6-C98DA3205C09}" type="datetimeFigureOut">
               <a:rPr lang="en-US" smtClean="0"/>
               <a:pPr/>
-              <a:t>4/21/2009</a:t>
+              <a:t>4/22/2009</a:t>
             </a:fld>
             <a:endParaRPr lang="en-US"/>
           </a:p>
@@ -2435,7 +2448,7 @@
             <a:fld id="{1D8BD707-D9CF-40AE-B4C6-C98DA3205C09}" type="datetimeFigureOut">
               <a:rPr lang="en-US" smtClean="0"/>
               <a:pPr/>
-              <a:t>4/21/2009</a:t>
+              <a:t>4/22/2009</a:t>
             </a:fld>
             <a:endParaRPr lang="en-US"/>
           </a:p>
@@ -2682,7 +2695,7 @@
             <a:fld id="{1D8BD707-D9CF-40AE-B4C6-C98DA3205C09}" type="datetimeFigureOut">
               <a:rPr lang="en-US" smtClean="0"/>
               <a:pPr/>
-              <a:t>4/21/2009</a:t>
+              <a:t>4/22/2009</a:t>
             </a:fld>
             <a:endParaRPr lang="en-US"/>
           </a:p>
@@ -2928,7 +2941,7 @@
             <a:fld id="{1D8BD707-D9CF-40AE-B4C6-C98DA3205C09}" type="datetimeFigureOut">
               <a:rPr lang="en-US" smtClean="0"/>
               <a:pPr/>
-              <a:t>4/21/2009</a:t>
+              <a:t>4/22/2009</a:t>
             </a:fld>
             <a:endParaRPr lang="en-US"/>
           </a:p>
@@ -3754,7 +3767,7 @@
             <a:fld id="{1D8BD707-D9CF-40AE-B4C6-C98DA3205C09}" type="datetimeFigureOut">
               <a:rPr lang="en-US" smtClean="0"/>
               <a:pPr/>
-              <a:t>4/21/2009</a:t>
+              <a:t>4/22/2009</a:t>
             </a:fld>
             <a:endParaRPr lang="en-US"/>
           </a:p>
@@ -5691,7 +5704,7 @@
           <a:p>
             <a:r>
               <a:rPr lang="en-US" dirty="0" smtClean="0"/>
-              <a:t>Incremental PCA</a:t>
+              <a:t>PCA – dependence on k</a:t>
             </a:r>
             <a:endParaRPr lang="en-US" dirty="0"/>
           </a:p>
@@ -5716,6 +5729,58 @@
           </a:p>
         </p:txBody>
       </p:sp>
+      <p:pic>
+        <p:nvPicPr>
+          <p:cNvPr id="8194" name="Picture 2" descr="C:\Documents and Settings\gpu\Desktop\David Ross\davidrossmastersproject\mastersProject\writeup\figures\pcaIntroFigs.jpg"/>
+          <p:cNvPicPr>
+            <a:picLocks noChangeAspect="1" noChangeArrowheads="1"/>
+          </p:cNvPicPr>
+          <p:nvPr/>
+        </p:nvPicPr>
+        <p:blipFill>
+          <a:blip r:embed="rId2"/>
+          <a:srcRect/>
+          <a:stretch>
+            <a:fillRect/>
+          </a:stretch>
+        </p:blipFill>
+        <p:spPr bwMode="auto">
+          <a:xfrm>
+            <a:off x="-1600200" y="723502"/>
+            <a:ext cx="8569325" cy="6134498"/>
+          </a:xfrm>
+          <a:prstGeom prst="rect">
+            <a:avLst/>
+          </a:prstGeom>
+          <a:noFill/>
+        </p:spPr>
+      </p:pic>
+      <p:pic>
+        <p:nvPicPr>
+          <p:cNvPr id="8195" name="Picture 3" descr="C:\Documents and Settings\gpu\Desktop\David Ross\davidrossmastersproject\mastersProject\writeup\figures\pcaIntroPlot.jpg"/>
+          <p:cNvPicPr>
+            <a:picLocks noChangeAspect="1" noChangeArrowheads="1"/>
+          </p:cNvPicPr>
+          <p:nvPr/>
+        </p:nvPicPr>
+        <p:blipFill>
+          <a:blip r:embed="rId3"/>
+          <a:srcRect/>
+          <a:stretch>
+            <a:fillRect/>
+          </a:stretch>
+        </p:blipFill>
+        <p:spPr bwMode="auto">
+          <a:xfrm>
+            <a:off x="4724400" y="2667000"/>
+            <a:ext cx="4252912" cy="3189684"/>
+          </a:xfrm>
+          <a:prstGeom prst="rect">
+            <a:avLst/>
+          </a:prstGeom>
+          <a:noFill/>
+        </p:spPr>
+      </p:pic>
     </p:spTree>
   </p:cSld>
   <p:clrMapOvr>
@@ -5758,7 +5823,7 @@
           <a:p>
             <a:r>
               <a:rPr lang="en-US" dirty="0" smtClean="0"/>
-              <a:t>But what do we take PCA of?</a:t>
+              <a:t>Incremental PCA</a:t>
             </a:r>
             <a:endParaRPr lang="en-US" dirty="0"/>
           </a:p>
@@ -5781,19 +5846,13 @@
           <a:p>
             <a:r>
               <a:rPr lang="en-US" dirty="0" smtClean="0"/>
-              <a:t>Daytime images</a:t>
+              <a:t>Too many images to fit into memory at once</a:t>
             </a:r>
           </a:p>
           <a:p>
             <a:r>
               <a:rPr lang="en-US" dirty="0" smtClean="0"/>
-              <a:t>Sky Mask</a:t>
-            </a:r>
-          </a:p>
-          <a:p>
-            <a:r>
-              <a:rPr lang="en-US" dirty="0" smtClean="0"/>
-              <a:t>Gradient Magnitude Images</a:t>
+              <a:t>At each step, </a:t>
             </a:r>
             <a:endParaRPr lang="en-US" dirty="0"/>
           </a:p>
@@ -5841,7 +5900,7 @@
           <a:p>
             <a:r>
               <a:rPr lang="en-US" dirty="0" smtClean="0"/>
-              <a:t>How do we display it?</a:t>
+              <a:t>But what do we take PCA of?</a:t>
             </a:r>
             <a:endParaRPr lang="en-US" dirty="0"/>
           </a:p>
@@ -5864,27 +5923,19 @@
           <a:p>
             <a:r>
               <a:rPr lang="en-US" dirty="0" smtClean="0"/>
-              <a:t>Image montage</a:t>
+              <a:t>Daytime images</a:t>
             </a:r>
           </a:p>
           <a:p>
             <a:r>
               <a:rPr lang="en-US" dirty="0" smtClean="0"/>
-              <a:t>Well-</a:t>
-            </a:r>
-            <a:r>
-              <a:rPr lang="en-US" dirty="0" err="1" smtClean="0"/>
-              <a:t>seperated</a:t>
-            </a:r>
+              <a:t>Sky Mask</a:t>
+            </a:r>
+          </a:p>
+          <a:p>
             <a:r>
               <a:rPr lang="en-US" dirty="0" smtClean="0"/>
-              <a:t> Set Montage</a:t>
-            </a:r>
-          </a:p>
-          <a:p>
-            <a:r>
-              <a:rPr lang="en-US" dirty="0" smtClean="0"/>
-              <a:t>2D GUI</a:t>
+              <a:t>Gradient Magnitude Images</a:t>
             </a:r>
             <a:endParaRPr lang="en-US" dirty="0"/>
           </a:p>
@@ -5932,7 +5983,7 @@
           <a:p>
             <a:r>
               <a:rPr lang="en-US" dirty="0" smtClean="0"/>
-              <a:t>How do we evaluate it?</a:t>
+              <a:t>Daytime Images</a:t>
             </a:r>
             <a:endParaRPr lang="en-US" dirty="0"/>
           </a:p>
@@ -5955,25 +6006,7 @@
           <a:p>
             <a:r>
               <a:rPr lang="en-US" dirty="0" smtClean="0"/>
-              <a:t>Vector Magnitude – distance from the mean</a:t>
-            </a:r>
-          </a:p>
-          <a:p>
-            <a:r>
-              <a:rPr lang="en-US" dirty="0" smtClean="0"/>
-              <a:t>Reconstruction Error</a:t>
-            </a:r>
-          </a:p>
-          <a:p>
-            <a:r>
-              <a:rPr lang="en-US" dirty="0" smtClean="0"/>
-              <a:t>Variance Model</a:t>
-            </a:r>
-          </a:p>
-          <a:p>
-            <a:r>
-              <a:rPr lang="en-US" dirty="0" smtClean="0"/>
-              <a:t>Statistics</a:t>
+              <a:t>Could take PCA of the entire set of images from one camera</a:t>
             </a:r>
             <a:endParaRPr lang="en-US" dirty="0"/>
           </a:p>
@@ -6021,7 +6054,7 @@
           <a:p>
             <a:r>
               <a:rPr lang="en-US" dirty="0" smtClean="0"/>
-              <a:t>Questions?</a:t>
+              <a:t>Sky Mask</a:t>
             </a:r>
             <a:endParaRPr lang="en-US" dirty="0"/>
           </a:p>
@@ -6042,7 +6075,401 @@
           <a:bodyPr/>
           <a:lstStyle/>
           <a:p>
+            <a:endParaRPr lang="en-US"/>
+          </a:p>
+        </p:txBody>
+      </p:sp>
+      <p:pic>
+        <p:nvPicPr>
+          <p:cNvPr id="6146" name="Picture 2" descr="C:\Documents and Settings\gpu\Desktop\David Ross\davidrossmastersproject\mastersProject\writeup\figures\2skyMask.jpg"/>
+          <p:cNvPicPr>
+            <a:picLocks noChangeAspect="1" noChangeArrowheads="1"/>
+          </p:cNvPicPr>
+          <p:nvPr/>
+        </p:nvPicPr>
+        <p:blipFill>
+          <a:blip r:embed="rId2"/>
+          <a:srcRect/>
+          <a:stretch>
+            <a:fillRect/>
+          </a:stretch>
+        </p:blipFill>
+        <p:spPr bwMode="auto">
+          <a:xfrm>
+            <a:off x="0" y="1828800"/>
+            <a:ext cx="4635500" cy="3476625"/>
+          </a:xfrm>
+          <a:prstGeom prst="rect">
+            <a:avLst/>
+          </a:prstGeom>
+          <a:noFill/>
+        </p:spPr>
+      </p:pic>
+      <p:pic>
+        <p:nvPicPr>
+          <p:cNvPr id="6147" name="Picture 3" descr="C:\Documents and Settings\gpu\Desktop\David Ross\davidrossmastersproject\mastersProject\writeup\figures\2skyPCA.jpg"/>
+          <p:cNvPicPr>
+            <a:picLocks noChangeAspect="1" noChangeArrowheads="1"/>
+          </p:cNvPicPr>
+          <p:nvPr/>
+        </p:nvPicPr>
+        <p:blipFill>
+          <a:blip r:embed="rId3"/>
+          <a:srcRect/>
+          <a:stretch>
+            <a:fillRect/>
+          </a:stretch>
+        </p:blipFill>
+        <p:spPr bwMode="auto">
+          <a:xfrm>
+            <a:off x="4495800" y="228600"/>
+            <a:ext cx="4404784" cy="3303588"/>
+          </a:xfrm>
+          <a:prstGeom prst="rect">
+            <a:avLst/>
+          </a:prstGeom>
+          <a:noFill/>
+        </p:spPr>
+      </p:pic>
+      <p:pic>
+        <p:nvPicPr>
+          <p:cNvPr id="6148" name="Picture 4" descr="C:\Documents and Settings\gpu\Desktop\David Ross\davidrossmastersproject\mastersProject\writeup\figures\skyMaskFig.jpg"/>
+          <p:cNvPicPr>
+            <a:picLocks noChangeAspect="1" noChangeArrowheads="1"/>
+          </p:cNvPicPr>
+          <p:nvPr/>
+        </p:nvPicPr>
+        <p:blipFill>
+          <a:blip r:embed="rId4"/>
+          <a:srcRect/>
+          <a:stretch>
+            <a:fillRect/>
+          </a:stretch>
+        </p:blipFill>
+        <p:spPr bwMode="auto">
+          <a:xfrm>
+            <a:off x="3505200" y="3505200"/>
+            <a:ext cx="5394325" cy="3127251"/>
+          </a:xfrm>
+          <a:prstGeom prst="rect">
+            <a:avLst/>
+          </a:prstGeom>
+          <a:noFill/>
+        </p:spPr>
+      </p:pic>
+    </p:spTree>
+  </p:cSld>
+  <p:clrMapOvr>
+    <a:masterClrMapping/>
+  </p:clrMapOvr>
+</p:sld>
+</file>
+
+<file path=ppt/slides/slide17.xml><?xml version="1.0" encoding="utf-8"?>
+<p:sld xmlns:a="http://schemas.openxmlformats.org/drawingml/2006/main" xmlns:r="http://schemas.openxmlformats.org/officeDocument/2006/relationships" xmlns:p="http://schemas.openxmlformats.org/presentationml/2006/main">
+  <p:cSld>
+    <p:spTree>
+      <p:nvGrpSpPr>
+        <p:cNvPr id="1" name=""/>
+        <p:cNvGrpSpPr/>
+        <p:nvPr/>
+      </p:nvGrpSpPr>
+      <p:grpSpPr>
+        <a:xfrm>
+          <a:off x="0" y="0"/>
+          <a:ext cx="0" cy="0"/>
+          <a:chOff x="0" y="0"/>
+          <a:chExt cx="0" cy="0"/>
+        </a:xfrm>
+      </p:grpSpPr>
+      <p:sp>
+        <p:nvSpPr>
+          <p:cNvPr id="2" name="Title 1"/>
+          <p:cNvSpPr>
+            <a:spLocks noGrp="1"/>
+          </p:cNvSpPr>
+          <p:nvPr>
+            <p:ph type="title"/>
+          </p:nvPr>
+        </p:nvSpPr>
+        <p:spPr/>
+        <p:txBody>
+          <a:bodyPr/>
+          <a:lstStyle/>
+          <a:p>
+            <a:r>
+              <a:rPr lang="en-US" dirty="0" smtClean="0"/>
+              <a:t>Gradient Magnitude Images</a:t>
+            </a:r>
             <a:endParaRPr lang="en-US" dirty="0"/>
+          </a:p>
+        </p:txBody>
+      </p:sp>
+      <p:sp>
+        <p:nvSpPr>
+          <p:cNvPr id="3" name="Content Placeholder 2"/>
+          <p:cNvSpPr>
+            <a:spLocks noGrp="1"/>
+          </p:cNvSpPr>
+          <p:nvPr>
+            <p:ph idx="1"/>
+          </p:nvPr>
+        </p:nvSpPr>
+        <p:spPr/>
+        <p:txBody>
+          <a:bodyPr/>
+          <a:lstStyle/>
+          <a:p>
+            <a:endParaRPr lang="en-US"/>
+          </a:p>
+        </p:txBody>
+      </p:sp>
+      <p:pic>
+        <p:nvPicPr>
+          <p:cNvPr id="7170" name="Picture 2" descr="C:\Documents and Settings\gpu\Desktop\David Ross\davidrossmastersproject\mastersProject\writeup\figures\194cars.jpg"/>
+          <p:cNvPicPr>
+            <a:picLocks noChangeAspect="1" noChangeArrowheads="1"/>
+          </p:cNvPicPr>
+          <p:nvPr/>
+        </p:nvPicPr>
+        <p:blipFill>
+          <a:blip r:embed="rId2"/>
+          <a:srcRect/>
+          <a:stretch>
+            <a:fillRect/>
+          </a:stretch>
+        </p:blipFill>
+        <p:spPr bwMode="auto">
+          <a:xfrm>
+            <a:off x="-1219200" y="1828800"/>
+            <a:ext cx="5334000" cy="4000500"/>
+          </a:xfrm>
+          <a:prstGeom prst="rect">
+            <a:avLst/>
+          </a:prstGeom>
+          <a:noFill/>
+        </p:spPr>
+      </p:pic>
+      <p:pic>
+        <p:nvPicPr>
+          <p:cNvPr id="7171" name="Picture 3" descr="C:\Documents and Settings\gpu\Desktop\David Ross\davidrossmastersproject\mastersProject\writeup\figures\194carsGradient.jpg"/>
+          <p:cNvPicPr>
+            <a:picLocks noChangeAspect="1" noChangeArrowheads="1"/>
+          </p:cNvPicPr>
+          <p:nvPr/>
+        </p:nvPicPr>
+        <p:blipFill>
+          <a:blip r:embed="rId3"/>
+          <a:srcRect/>
+          <a:stretch>
+            <a:fillRect/>
+          </a:stretch>
+        </p:blipFill>
+        <p:spPr bwMode="auto">
+          <a:xfrm>
+            <a:off x="4038600" y="2133600"/>
+            <a:ext cx="5334000" cy="4000500"/>
+          </a:xfrm>
+          <a:prstGeom prst="rect">
+            <a:avLst/>
+          </a:prstGeom>
+          <a:noFill/>
+        </p:spPr>
+      </p:pic>
+    </p:spTree>
+  </p:cSld>
+  <p:clrMapOvr>
+    <a:masterClrMapping/>
+  </p:clrMapOvr>
+</p:sld>
+</file>
+
+<file path=ppt/slides/slide18.xml><?xml version="1.0" encoding="utf-8"?>
+<p:sld xmlns:a="http://schemas.openxmlformats.org/drawingml/2006/main" xmlns:r="http://schemas.openxmlformats.org/officeDocument/2006/relationships" xmlns:p="http://schemas.openxmlformats.org/presentationml/2006/main">
+  <p:cSld>
+    <p:spTree>
+      <p:nvGrpSpPr>
+        <p:cNvPr id="1" name=""/>
+        <p:cNvGrpSpPr/>
+        <p:nvPr/>
+      </p:nvGrpSpPr>
+      <p:grpSpPr>
+        <a:xfrm>
+          <a:off x="0" y="0"/>
+          <a:ext cx="0" cy="0"/>
+          <a:chOff x="0" y="0"/>
+          <a:chExt cx="0" cy="0"/>
+        </a:xfrm>
+      </p:grpSpPr>
+      <p:sp>
+        <p:nvSpPr>
+          <p:cNvPr id="2" name="Title 1"/>
+          <p:cNvSpPr>
+            <a:spLocks noGrp="1"/>
+          </p:cNvSpPr>
+          <p:nvPr>
+            <p:ph type="title"/>
+          </p:nvPr>
+        </p:nvSpPr>
+        <p:spPr/>
+        <p:txBody>
+          <a:bodyPr/>
+          <a:lstStyle/>
+          <a:p>
+            <a:r>
+              <a:rPr lang="en-US" dirty="0" smtClean="0"/>
+              <a:t>How do we display </a:t>
+            </a:r>
+            <a:r>
+              <a:rPr lang="en-US" dirty="0" smtClean="0"/>
+              <a:t>results?</a:t>
+            </a:r>
+            <a:endParaRPr lang="en-US" dirty="0"/>
+          </a:p>
+        </p:txBody>
+      </p:sp>
+      <p:sp>
+        <p:nvSpPr>
+          <p:cNvPr id="3" name="Content Placeholder 2"/>
+          <p:cNvSpPr>
+            <a:spLocks noGrp="1"/>
+          </p:cNvSpPr>
+          <p:nvPr>
+            <p:ph idx="1"/>
+          </p:nvPr>
+        </p:nvSpPr>
+        <p:spPr/>
+        <p:txBody>
+          <a:bodyPr/>
+          <a:lstStyle/>
+          <a:p>
+            <a:r>
+              <a:rPr lang="en-US" dirty="0" smtClean="0"/>
+              <a:t>Image </a:t>
+            </a:r>
+            <a:r>
+              <a:rPr lang="en-US" dirty="0" smtClean="0"/>
+              <a:t>montage (image here)</a:t>
+            </a:r>
+            <a:endParaRPr lang="en-US" dirty="0" smtClean="0"/>
+          </a:p>
+          <a:p>
+            <a:r>
+              <a:rPr lang="en-US" dirty="0" smtClean="0"/>
+              <a:t>Well-</a:t>
+            </a:r>
+            <a:r>
+              <a:rPr lang="en-US" dirty="0" smtClean="0"/>
+              <a:t>S</a:t>
+            </a:r>
+            <a:r>
+              <a:rPr lang="en-US" dirty="0" smtClean="0"/>
+              <a:t>eparated </a:t>
+            </a:r>
+            <a:r>
+              <a:rPr lang="en-US" dirty="0" smtClean="0"/>
+              <a:t>Set Montage</a:t>
+            </a:r>
+          </a:p>
+          <a:p>
+            <a:r>
+              <a:rPr lang="en-US" dirty="0" smtClean="0"/>
+              <a:t>2D GUI</a:t>
+            </a:r>
+            <a:endParaRPr lang="en-US" dirty="0"/>
+          </a:p>
+        </p:txBody>
+      </p:sp>
+      <p:pic>
+        <p:nvPicPr>
+          <p:cNvPr id="4098" name="Picture 2" descr="C:\Documents and Settings\gpu\Desktop\David Ross\davidrossmastersproject\mastersProject\writeup\figures\golfMontageNaive.jpg"/>
+          <p:cNvPicPr>
+            <a:picLocks noChangeAspect="1" noChangeArrowheads="1"/>
+          </p:cNvPicPr>
+          <p:nvPr/>
+        </p:nvPicPr>
+        <p:blipFill>
+          <a:blip r:embed="rId2"/>
+          <a:srcRect l="14202" t="1546" r="13905" b="4128"/>
+          <a:stretch>
+            <a:fillRect/>
+          </a:stretch>
+        </p:blipFill>
+        <p:spPr bwMode="auto">
+          <a:xfrm>
+            <a:off x="2362200" y="3200400"/>
+            <a:ext cx="4553262" cy="3429000"/>
+          </a:xfrm>
+          <a:prstGeom prst="rect">
+            <a:avLst/>
+          </a:prstGeom>
+          <a:noFill/>
+        </p:spPr>
+      </p:pic>
+    </p:spTree>
+  </p:cSld>
+  <p:clrMapOvr>
+    <a:masterClrMapping/>
+  </p:clrMapOvr>
+</p:sld>
+</file>
+
+<file path=ppt/slides/slide19.xml><?xml version="1.0" encoding="utf-8"?>
+<p:sld xmlns:a="http://schemas.openxmlformats.org/drawingml/2006/main" xmlns:r="http://schemas.openxmlformats.org/officeDocument/2006/relationships" xmlns:p="http://schemas.openxmlformats.org/presentationml/2006/main">
+  <p:cSld>
+    <p:spTree>
+      <p:nvGrpSpPr>
+        <p:cNvPr id="1" name=""/>
+        <p:cNvGrpSpPr/>
+        <p:nvPr/>
+      </p:nvGrpSpPr>
+      <p:grpSpPr>
+        <a:xfrm>
+          <a:off x="0" y="0"/>
+          <a:ext cx="0" cy="0"/>
+          <a:chOff x="0" y="0"/>
+          <a:chExt cx="0" cy="0"/>
+        </a:xfrm>
+      </p:grpSpPr>
+      <p:sp>
+        <p:nvSpPr>
+          <p:cNvPr id="2" name="Title 1"/>
+          <p:cNvSpPr>
+            <a:spLocks noGrp="1"/>
+          </p:cNvSpPr>
+          <p:nvPr>
+            <p:ph type="title"/>
+          </p:nvPr>
+        </p:nvSpPr>
+        <p:spPr/>
+        <p:txBody>
+          <a:bodyPr/>
+          <a:lstStyle/>
+          <a:p>
+            <a:r>
+              <a:rPr lang="en-US" dirty="0" smtClean="0"/>
+              <a:t>Well-Separated Set</a:t>
+            </a:r>
+            <a:endParaRPr lang="en-US" dirty="0"/>
+          </a:p>
+        </p:txBody>
+      </p:sp>
+      <p:sp>
+        <p:nvSpPr>
+          <p:cNvPr id="3" name="Content Placeholder 2"/>
+          <p:cNvSpPr>
+            <a:spLocks noGrp="1"/>
+          </p:cNvSpPr>
+          <p:nvPr>
+            <p:ph idx="1"/>
+          </p:nvPr>
+        </p:nvSpPr>
+        <p:spPr/>
+        <p:txBody>
+          <a:bodyPr/>
+          <a:lstStyle/>
+          <a:p>
+            <a:endParaRPr lang="en-US"/>
           </a:p>
         </p:txBody>
       </p:sp>
@@ -6121,6 +6548,833 @@
 </p:sld>
 </file>
 
+<file path=ppt/slides/slide20.xml><?xml version="1.0" encoding="utf-8"?>
+<p:sld xmlns:a="http://schemas.openxmlformats.org/drawingml/2006/main" xmlns:r="http://schemas.openxmlformats.org/officeDocument/2006/relationships" xmlns:p="http://schemas.openxmlformats.org/presentationml/2006/main">
+  <p:cSld>
+    <p:spTree>
+      <p:nvGrpSpPr>
+        <p:cNvPr id="1" name=""/>
+        <p:cNvGrpSpPr/>
+        <p:nvPr/>
+      </p:nvGrpSpPr>
+      <p:grpSpPr>
+        <a:xfrm>
+          <a:off x="0" y="0"/>
+          <a:ext cx="0" cy="0"/>
+          <a:chOff x="0" y="0"/>
+          <a:chExt cx="0" cy="0"/>
+        </a:xfrm>
+      </p:grpSpPr>
+      <p:sp>
+        <p:nvSpPr>
+          <p:cNvPr id="2" name="Title 1"/>
+          <p:cNvSpPr>
+            <a:spLocks noGrp="1"/>
+          </p:cNvSpPr>
+          <p:nvPr>
+            <p:ph type="title"/>
+          </p:nvPr>
+        </p:nvSpPr>
+        <p:spPr/>
+        <p:txBody>
+          <a:bodyPr/>
+          <a:lstStyle/>
+          <a:p>
+            <a:endParaRPr lang="en-US"/>
+          </a:p>
+        </p:txBody>
+      </p:sp>
+      <p:sp>
+        <p:nvSpPr>
+          <p:cNvPr id="3" name="Content Placeholder 2"/>
+          <p:cNvSpPr>
+            <a:spLocks noGrp="1"/>
+          </p:cNvSpPr>
+          <p:nvPr>
+            <p:ph idx="1"/>
+          </p:nvPr>
+        </p:nvSpPr>
+        <p:spPr/>
+        <p:txBody>
+          <a:bodyPr/>
+          <a:lstStyle/>
+          <a:p>
+            <a:endParaRPr lang="en-US"/>
+          </a:p>
+        </p:txBody>
+      </p:sp>
+      <p:pic>
+        <p:nvPicPr>
+          <p:cNvPr id="5122" name="Picture 2" descr="C:\Documents and Settings\gpu\Desktop\David Ross\davidrossmastersproject\mastersProject\writeup\figures\golfMontageSmart.jpg"/>
+          <p:cNvPicPr>
+            <a:picLocks noChangeAspect="1" noChangeArrowheads="1"/>
+          </p:cNvPicPr>
+          <p:nvPr/>
+        </p:nvPicPr>
+        <p:blipFill>
+          <a:blip r:embed="rId2"/>
+          <a:srcRect l="14450" t="1199" r="14676" b="5295"/>
+          <a:stretch>
+            <a:fillRect/>
+          </a:stretch>
+        </p:blipFill>
+        <p:spPr bwMode="auto">
+          <a:xfrm>
+            <a:off x="609600" y="762000"/>
+            <a:ext cx="7848600" cy="5943600"/>
+          </a:xfrm>
+          <a:prstGeom prst="rect">
+            <a:avLst/>
+          </a:prstGeom>
+          <a:noFill/>
+        </p:spPr>
+      </p:pic>
+    </p:spTree>
+  </p:cSld>
+  <p:clrMapOvr>
+    <a:masterClrMapping/>
+  </p:clrMapOvr>
+</p:sld>
+</file>
+
+<file path=ppt/slides/slide21.xml><?xml version="1.0" encoding="utf-8"?>
+<p:sld xmlns:a="http://schemas.openxmlformats.org/drawingml/2006/main" xmlns:r="http://schemas.openxmlformats.org/officeDocument/2006/relationships" xmlns:p="http://schemas.openxmlformats.org/presentationml/2006/main">
+  <p:cSld>
+    <p:spTree>
+      <p:nvGrpSpPr>
+        <p:cNvPr id="1" name=""/>
+        <p:cNvGrpSpPr/>
+        <p:nvPr/>
+      </p:nvGrpSpPr>
+      <p:grpSpPr>
+        <a:xfrm>
+          <a:off x="0" y="0"/>
+          <a:ext cx="0" cy="0"/>
+          <a:chOff x="0" y="0"/>
+          <a:chExt cx="0" cy="0"/>
+        </a:xfrm>
+      </p:grpSpPr>
+      <p:sp>
+        <p:nvSpPr>
+          <p:cNvPr id="2" name="Title 1"/>
+          <p:cNvSpPr>
+            <a:spLocks noGrp="1"/>
+          </p:cNvSpPr>
+          <p:nvPr>
+            <p:ph type="title"/>
+          </p:nvPr>
+        </p:nvSpPr>
+        <p:spPr/>
+        <p:txBody>
+          <a:bodyPr/>
+          <a:lstStyle/>
+          <a:p>
+            <a:r>
+              <a:rPr lang="en-US" dirty="0" smtClean="0"/>
+              <a:t>2D GUI</a:t>
+            </a:r>
+            <a:endParaRPr lang="en-US" dirty="0"/>
+          </a:p>
+        </p:txBody>
+      </p:sp>
+      <p:sp>
+        <p:nvSpPr>
+          <p:cNvPr id="3" name="Content Placeholder 2"/>
+          <p:cNvSpPr>
+            <a:spLocks noGrp="1"/>
+          </p:cNvSpPr>
+          <p:nvPr>
+            <p:ph idx="1"/>
+          </p:nvPr>
+        </p:nvSpPr>
+        <p:spPr/>
+        <p:txBody>
+          <a:bodyPr/>
+          <a:lstStyle/>
+          <a:p>
+            <a:endParaRPr lang="en-US"/>
+          </a:p>
+        </p:txBody>
+      </p:sp>
+    </p:spTree>
+  </p:cSld>
+  <p:clrMapOvr>
+    <a:masterClrMapping/>
+  </p:clrMapOvr>
+</p:sld>
+</file>
+
+<file path=ppt/slides/slide22.xml><?xml version="1.0" encoding="utf-8"?>
+<p:sld xmlns:a="http://schemas.openxmlformats.org/drawingml/2006/main" xmlns:r="http://schemas.openxmlformats.org/officeDocument/2006/relationships" xmlns:p="http://schemas.openxmlformats.org/presentationml/2006/main">
+  <p:cSld>
+    <p:spTree>
+      <p:nvGrpSpPr>
+        <p:cNvPr id="1" name=""/>
+        <p:cNvGrpSpPr/>
+        <p:nvPr/>
+      </p:nvGrpSpPr>
+      <p:grpSpPr>
+        <a:xfrm>
+          <a:off x="0" y="0"/>
+          <a:ext cx="0" cy="0"/>
+          <a:chOff x="0" y="0"/>
+          <a:chExt cx="0" cy="0"/>
+        </a:xfrm>
+      </p:grpSpPr>
+      <p:sp>
+        <p:nvSpPr>
+          <p:cNvPr id="2" name="Title 1"/>
+          <p:cNvSpPr>
+            <a:spLocks noGrp="1"/>
+          </p:cNvSpPr>
+          <p:nvPr>
+            <p:ph type="title"/>
+          </p:nvPr>
+        </p:nvSpPr>
+        <p:spPr/>
+        <p:txBody>
+          <a:bodyPr/>
+          <a:lstStyle/>
+          <a:p>
+            <a:r>
+              <a:rPr lang="en-US" dirty="0" smtClean="0"/>
+              <a:t>How do we evaluate </a:t>
+            </a:r>
+            <a:r>
+              <a:rPr lang="en-US" dirty="0" smtClean="0"/>
+              <a:t>images</a:t>
+            </a:r>
+            <a:r>
+              <a:rPr lang="en-US" dirty="0" smtClean="0"/>
+              <a:t>?</a:t>
+            </a:r>
+            <a:endParaRPr lang="en-US" dirty="0"/>
+          </a:p>
+        </p:txBody>
+      </p:sp>
+      <p:sp>
+        <p:nvSpPr>
+          <p:cNvPr id="3" name="Content Placeholder 2"/>
+          <p:cNvSpPr>
+            <a:spLocks noGrp="1"/>
+          </p:cNvSpPr>
+          <p:nvPr>
+            <p:ph idx="1"/>
+          </p:nvPr>
+        </p:nvSpPr>
+        <p:spPr/>
+        <p:txBody>
+          <a:bodyPr/>
+          <a:lstStyle/>
+          <a:p>
+            <a:r>
+              <a:rPr lang="en-US" dirty="0" smtClean="0"/>
+              <a:t>Vector </a:t>
+            </a:r>
+            <a:r>
+              <a:rPr lang="en-US" dirty="0" smtClean="0"/>
+              <a:t>Magnitude</a:t>
+            </a:r>
+            <a:endParaRPr lang="en-US" dirty="0" smtClean="0"/>
+          </a:p>
+          <a:p>
+            <a:r>
+              <a:rPr lang="en-US" dirty="0" smtClean="0"/>
+              <a:t>Reconstruction Error</a:t>
+            </a:r>
+          </a:p>
+          <a:p>
+            <a:r>
+              <a:rPr lang="en-US" dirty="0" smtClean="0"/>
+              <a:t>Variance Model</a:t>
+            </a:r>
+          </a:p>
+          <a:p>
+            <a:r>
+              <a:rPr lang="en-US" dirty="0" smtClean="0"/>
+              <a:t>Statistics</a:t>
+            </a:r>
+            <a:endParaRPr lang="en-US" dirty="0"/>
+          </a:p>
+        </p:txBody>
+      </p:sp>
+    </p:spTree>
+  </p:cSld>
+  <p:clrMapOvr>
+    <a:masterClrMapping/>
+  </p:clrMapOvr>
+</p:sld>
+</file>
+
+<file path=ppt/slides/slide23.xml><?xml version="1.0" encoding="utf-8"?>
+<p:sld xmlns:a="http://schemas.openxmlformats.org/drawingml/2006/main" xmlns:r="http://schemas.openxmlformats.org/officeDocument/2006/relationships" xmlns:p="http://schemas.openxmlformats.org/presentationml/2006/main">
+  <p:cSld>
+    <p:spTree>
+      <p:nvGrpSpPr>
+        <p:cNvPr id="1" name=""/>
+        <p:cNvGrpSpPr/>
+        <p:nvPr/>
+      </p:nvGrpSpPr>
+      <p:grpSpPr>
+        <a:xfrm>
+          <a:off x="0" y="0"/>
+          <a:ext cx="0" cy="0"/>
+          <a:chOff x="0" y="0"/>
+          <a:chExt cx="0" cy="0"/>
+        </a:xfrm>
+      </p:grpSpPr>
+      <p:sp>
+        <p:nvSpPr>
+          <p:cNvPr id="2" name="Title 1"/>
+          <p:cNvSpPr>
+            <a:spLocks noGrp="1"/>
+          </p:cNvSpPr>
+          <p:nvPr>
+            <p:ph type="title"/>
+          </p:nvPr>
+        </p:nvSpPr>
+        <p:spPr/>
+        <p:txBody>
+          <a:bodyPr/>
+          <a:lstStyle/>
+          <a:p>
+            <a:r>
+              <a:rPr lang="en-US" dirty="0" smtClean="0"/>
+              <a:t>PCA Coefficient Vector Magnitude</a:t>
+            </a:r>
+            <a:endParaRPr lang="en-US" dirty="0"/>
+          </a:p>
+        </p:txBody>
+      </p:sp>
+      <p:sp>
+        <p:nvSpPr>
+          <p:cNvPr id="3" name="Content Placeholder 2"/>
+          <p:cNvSpPr>
+            <a:spLocks noGrp="1"/>
+          </p:cNvSpPr>
+          <p:nvPr>
+            <p:ph idx="1"/>
+          </p:nvPr>
+        </p:nvSpPr>
+        <p:spPr/>
+        <p:txBody>
+          <a:bodyPr>
+            <a:normAutofit/>
+          </a:bodyPr>
+          <a:lstStyle/>
+          <a:p>
+            <a:r>
+              <a:rPr lang="en-US" sz="1800" dirty="0" smtClean="0"/>
+              <a:t>D (x,:) ~= U S V(x,</a:t>
+            </a:r>
+            <a:r>
+              <a:rPr lang="en-US" sz="1800" dirty="0" smtClean="0">
+                <a:sym typeface="Wingdings" pitchFamily="2" charset="2"/>
+              </a:rPr>
+              <a:t>:)</a:t>
+            </a:r>
+            <a:endParaRPr lang="en-US" sz="1800" dirty="0" smtClean="0"/>
+          </a:p>
+          <a:p>
+            <a:r>
+              <a:rPr lang="en-US" sz="1800" dirty="0" smtClean="0"/>
+              <a:t>S * V(x,:) is a vector of dimension k corresponding to the linear combination of U columns that best approximates D(x,:)</a:t>
+            </a:r>
+          </a:p>
+          <a:p>
+            <a:r>
+              <a:rPr lang="en-US" sz="1800" dirty="0" smtClean="0"/>
+              <a:t>D is mean subtracted so</a:t>
+            </a:r>
+          </a:p>
+          <a:p>
+            <a:r>
+              <a:rPr lang="en-US" sz="1800" dirty="0" smtClean="0"/>
+              <a:t>||SV(x,:)|| gives a measure of how far from the mean image is each image</a:t>
+            </a:r>
+          </a:p>
+          <a:p>
+            <a:endParaRPr lang="en-US" sz="1800" dirty="0" smtClean="0"/>
+          </a:p>
+          <a:p>
+            <a:endParaRPr lang="en-US" sz="1800" dirty="0" smtClean="0"/>
+          </a:p>
+        </p:txBody>
+      </p:sp>
+      <p:pic>
+        <p:nvPicPr>
+          <p:cNvPr id="4" name="Picture 4" descr="C:\Documents and Settings\gpu\Desktop\David Ross\davidrossmastersproject\mastersProject\writeup\figures\vectorMagnitudeMean.jpg"/>
+          <p:cNvPicPr>
+            <a:picLocks noChangeAspect="1" noChangeArrowheads="1"/>
+          </p:cNvPicPr>
+          <p:nvPr/>
+        </p:nvPicPr>
+        <p:blipFill>
+          <a:blip r:embed="rId2"/>
+          <a:srcRect l="12660" t="7234" r="7762" b="10776"/>
+          <a:stretch>
+            <a:fillRect/>
+          </a:stretch>
+        </p:blipFill>
+        <p:spPr bwMode="auto">
+          <a:xfrm>
+            <a:off x="2819400" y="3962400"/>
+            <a:ext cx="3352800" cy="2590800"/>
+          </a:xfrm>
+          <a:prstGeom prst="rect">
+            <a:avLst/>
+          </a:prstGeom>
+          <a:noFill/>
+        </p:spPr>
+      </p:pic>
+    </p:spTree>
+  </p:cSld>
+  <p:clrMapOvr>
+    <a:masterClrMapping/>
+  </p:clrMapOvr>
+</p:sld>
+</file>
+
+<file path=ppt/slides/slide24.xml><?xml version="1.0" encoding="utf-8"?>
+<p:sld xmlns:a="http://schemas.openxmlformats.org/drawingml/2006/main" xmlns:r="http://schemas.openxmlformats.org/officeDocument/2006/relationships" xmlns:p="http://schemas.openxmlformats.org/presentationml/2006/main">
+  <p:cSld>
+    <p:spTree>
+      <p:nvGrpSpPr>
+        <p:cNvPr id="1" name=""/>
+        <p:cNvGrpSpPr/>
+        <p:nvPr/>
+      </p:nvGrpSpPr>
+      <p:grpSpPr>
+        <a:xfrm>
+          <a:off x="0" y="0"/>
+          <a:ext cx="0" cy="0"/>
+          <a:chOff x="0" y="0"/>
+          <a:chExt cx="0" cy="0"/>
+        </a:xfrm>
+      </p:grpSpPr>
+      <p:sp>
+        <p:nvSpPr>
+          <p:cNvPr id="2" name="Title 1"/>
+          <p:cNvSpPr>
+            <a:spLocks noGrp="1"/>
+          </p:cNvSpPr>
+          <p:nvPr>
+            <p:ph type="title"/>
+          </p:nvPr>
+        </p:nvSpPr>
+        <p:spPr/>
+        <p:txBody>
+          <a:bodyPr/>
+          <a:lstStyle/>
+          <a:p>
+            <a:endParaRPr lang="en-US"/>
+          </a:p>
+        </p:txBody>
+      </p:sp>
+      <p:sp>
+        <p:nvSpPr>
+          <p:cNvPr id="3" name="Content Placeholder 2"/>
+          <p:cNvSpPr>
+            <a:spLocks noGrp="1"/>
+          </p:cNvSpPr>
+          <p:nvPr>
+            <p:ph idx="1"/>
+          </p:nvPr>
+        </p:nvSpPr>
+        <p:spPr/>
+        <p:txBody>
+          <a:bodyPr/>
+          <a:lstStyle/>
+          <a:p>
+            <a:endParaRPr lang="en-US"/>
+          </a:p>
+        </p:txBody>
+      </p:sp>
+      <p:pic>
+        <p:nvPicPr>
+          <p:cNvPr id="1029" name="Picture 5" descr="C:\Documents and Settings\gpu\Desktop\David Ross\davidrossmastersproject\mastersProject\writeup\figures\vectorMagnitudeMontage.jpg"/>
+          <p:cNvPicPr>
+            <a:picLocks noChangeAspect="1" noChangeArrowheads="1"/>
+          </p:cNvPicPr>
+          <p:nvPr/>
+        </p:nvPicPr>
+        <p:blipFill>
+          <a:blip r:embed="rId2"/>
+          <a:srcRect l="16393" t="3256" r="16066" b="5563"/>
+          <a:stretch>
+            <a:fillRect/>
+          </a:stretch>
+        </p:blipFill>
+        <p:spPr bwMode="auto">
+          <a:xfrm>
+            <a:off x="457200" y="84337"/>
+            <a:ext cx="8305800" cy="6773663"/>
+          </a:xfrm>
+          <a:prstGeom prst="rect">
+            <a:avLst/>
+          </a:prstGeom>
+          <a:noFill/>
+        </p:spPr>
+      </p:pic>
+    </p:spTree>
+  </p:cSld>
+  <p:clrMapOvr>
+    <a:masterClrMapping/>
+  </p:clrMapOvr>
+</p:sld>
+</file>
+
+<file path=ppt/slides/slide25.xml><?xml version="1.0" encoding="utf-8"?>
+<p:sld xmlns:a="http://schemas.openxmlformats.org/drawingml/2006/main" xmlns:r="http://schemas.openxmlformats.org/officeDocument/2006/relationships" xmlns:p="http://schemas.openxmlformats.org/presentationml/2006/main">
+  <p:cSld>
+    <p:spTree>
+      <p:nvGrpSpPr>
+        <p:cNvPr id="1" name=""/>
+        <p:cNvGrpSpPr/>
+        <p:nvPr/>
+      </p:nvGrpSpPr>
+      <p:grpSpPr>
+        <a:xfrm>
+          <a:off x="0" y="0"/>
+          <a:ext cx="0" cy="0"/>
+          <a:chOff x="0" y="0"/>
+          <a:chExt cx="0" cy="0"/>
+        </a:xfrm>
+      </p:grpSpPr>
+      <p:sp>
+        <p:nvSpPr>
+          <p:cNvPr id="2" name="Title 1"/>
+          <p:cNvSpPr>
+            <a:spLocks noGrp="1"/>
+          </p:cNvSpPr>
+          <p:nvPr>
+            <p:ph type="title"/>
+          </p:nvPr>
+        </p:nvSpPr>
+        <p:spPr/>
+        <p:txBody>
+          <a:bodyPr/>
+          <a:lstStyle/>
+          <a:p>
+            <a:r>
+              <a:rPr lang="en-US" dirty="0" smtClean="0"/>
+              <a:t>Residual Error</a:t>
+            </a:r>
+            <a:endParaRPr lang="en-US" dirty="0"/>
+          </a:p>
+        </p:txBody>
+      </p:sp>
+      <p:sp>
+        <p:nvSpPr>
+          <p:cNvPr id="3" name="Content Placeholder 2"/>
+          <p:cNvSpPr>
+            <a:spLocks noGrp="1"/>
+          </p:cNvSpPr>
+          <p:nvPr>
+            <p:ph idx="1"/>
+          </p:nvPr>
+        </p:nvSpPr>
+        <p:spPr/>
+        <p:txBody>
+          <a:bodyPr/>
+          <a:lstStyle/>
+          <a:p>
+            <a:endParaRPr lang="en-US"/>
+          </a:p>
+        </p:txBody>
+      </p:sp>
+      <p:pic>
+        <p:nvPicPr>
+          <p:cNvPr id="2051" name="Picture 3" descr="C:\Documents and Settings\gpu\Desktop\David Ross\davidrossmastersproject\mastersProject\writeup\figures\residualReconstruction.jpg"/>
+          <p:cNvPicPr>
+            <a:picLocks noChangeAspect="1" noChangeArrowheads="1"/>
+          </p:cNvPicPr>
+          <p:nvPr/>
+        </p:nvPicPr>
+        <p:blipFill>
+          <a:blip r:embed="rId2"/>
+          <a:srcRect/>
+          <a:stretch>
+            <a:fillRect/>
+          </a:stretch>
+        </p:blipFill>
+        <p:spPr bwMode="auto">
+          <a:xfrm>
+            <a:off x="-1676400" y="2133600"/>
+            <a:ext cx="12125325" cy="3648075"/>
+          </a:xfrm>
+          <a:prstGeom prst="rect">
+            <a:avLst/>
+          </a:prstGeom>
+          <a:noFill/>
+        </p:spPr>
+      </p:pic>
+    </p:spTree>
+  </p:cSld>
+  <p:clrMapOvr>
+    <a:masterClrMapping/>
+  </p:clrMapOvr>
+</p:sld>
+</file>
+
+<file path=ppt/slides/slide26.xml><?xml version="1.0" encoding="utf-8"?>
+<p:sld xmlns:a="http://schemas.openxmlformats.org/drawingml/2006/main" xmlns:r="http://schemas.openxmlformats.org/officeDocument/2006/relationships" xmlns:p="http://schemas.openxmlformats.org/presentationml/2006/main">
+  <p:cSld>
+    <p:spTree>
+      <p:nvGrpSpPr>
+        <p:cNvPr id="1" name=""/>
+        <p:cNvGrpSpPr/>
+        <p:nvPr/>
+      </p:nvGrpSpPr>
+      <p:grpSpPr>
+        <a:xfrm>
+          <a:off x="0" y="0"/>
+          <a:ext cx="0" cy="0"/>
+          <a:chOff x="0" y="0"/>
+          <a:chExt cx="0" cy="0"/>
+        </a:xfrm>
+      </p:grpSpPr>
+      <p:sp>
+        <p:nvSpPr>
+          <p:cNvPr id="2" name="Title 1"/>
+          <p:cNvSpPr>
+            <a:spLocks noGrp="1"/>
+          </p:cNvSpPr>
+          <p:nvPr>
+            <p:ph type="title"/>
+          </p:nvPr>
+        </p:nvSpPr>
+        <p:spPr/>
+        <p:txBody>
+          <a:bodyPr/>
+          <a:lstStyle/>
+          <a:p>
+            <a:r>
+              <a:rPr lang="en-US" dirty="0" smtClean="0"/>
+              <a:t>Variance Model</a:t>
+            </a:r>
+            <a:endParaRPr lang="en-US" dirty="0"/>
+          </a:p>
+        </p:txBody>
+      </p:sp>
+      <p:sp>
+        <p:nvSpPr>
+          <p:cNvPr id="3" name="Content Placeholder 2"/>
+          <p:cNvSpPr>
+            <a:spLocks noGrp="1"/>
+          </p:cNvSpPr>
+          <p:nvPr>
+            <p:ph idx="1"/>
+          </p:nvPr>
+        </p:nvSpPr>
+        <p:spPr/>
+        <p:txBody>
+          <a:bodyPr/>
+          <a:lstStyle/>
+          <a:p>
+            <a:r>
+              <a:rPr lang="en-US" dirty="0" smtClean="0"/>
+              <a:t>Can estimate the variance image of a scene by summing …</a:t>
+            </a:r>
+            <a:endParaRPr lang="en-US" dirty="0"/>
+          </a:p>
+        </p:txBody>
+      </p:sp>
+    </p:spTree>
+  </p:cSld>
+  <p:clrMapOvr>
+    <a:masterClrMapping/>
+  </p:clrMapOvr>
+</p:sld>
+</file>
+
+<file path=ppt/slides/slide27.xml><?xml version="1.0" encoding="utf-8"?>
+<p:sld xmlns:a="http://schemas.openxmlformats.org/drawingml/2006/main" xmlns:r="http://schemas.openxmlformats.org/officeDocument/2006/relationships" xmlns:p="http://schemas.openxmlformats.org/presentationml/2006/main">
+  <p:cSld>
+    <p:spTree>
+      <p:nvGrpSpPr>
+        <p:cNvPr id="1" name=""/>
+        <p:cNvGrpSpPr/>
+        <p:nvPr/>
+      </p:nvGrpSpPr>
+      <p:grpSpPr>
+        <a:xfrm>
+          <a:off x="0" y="0"/>
+          <a:ext cx="0" cy="0"/>
+          <a:chOff x="0" y="0"/>
+          <a:chExt cx="0" cy="0"/>
+        </a:xfrm>
+      </p:grpSpPr>
+      <p:pic>
+        <p:nvPicPr>
+          <p:cNvPr id="4" name="Picture 2" descr="C:\Documents and Settings\gpu\Desktop\David Ross\davidrossmastersproject\mastersProject\writeup\figures\severalVarianceImages.jpg"/>
+          <p:cNvPicPr>
+            <a:picLocks noChangeAspect="1" noChangeArrowheads="1"/>
+          </p:cNvPicPr>
+          <p:nvPr/>
+        </p:nvPicPr>
+        <p:blipFill>
+          <a:blip r:embed="rId2"/>
+          <a:srcRect l="10766" t="3030" r="8075" b="8432"/>
+          <a:stretch>
+            <a:fillRect/>
+          </a:stretch>
+        </p:blipFill>
+        <p:spPr bwMode="auto">
+          <a:xfrm>
+            <a:off x="990600" y="304800"/>
+            <a:ext cx="7467600" cy="6400800"/>
+          </a:xfrm>
+          <a:prstGeom prst="rect">
+            <a:avLst/>
+          </a:prstGeom>
+          <a:noFill/>
+        </p:spPr>
+      </p:pic>
+    </p:spTree>
+  </p:cSld>
+  <p:clrMapOvr>
+    <a:masterClrMapping/>
+  </p:clrMapOvr>
+</p:sld>
+</file>
+
+<file path=ppt/slides/slide28.xml><?xml version="1.0" encoding="utf-8"?>
+<p:sld xmlns:a="http://schemas.openxmlformats.org/drawingml/2006/main" xmlns:r="http://schemas.openxmlformats.org/officeDocument/2006/relationships" xmlns:p="http://schemas.openxmlformats.org/presentationml/2006/main">
+  <p:cSld>
+    <p:spTree>
+      <p:nvGrpSpPr>
+        <p:cNvPr id="1" name=""/>
+        <p:cNvGrpSpPr/>
+        <p:nvPr/>
+      </p:nvGrpSpPr>
+      <p:grpSpPr>
+        <a:xfrm>
+          <a:off x="0" y="0"/>
+          <a:ext cx="0" cy="0"/>
+          <a:chOff x="0" y="0"/>
+          <a:chExt cx="0" cy="0"/>
+        </a:xfrm>
+      </p:grpSpPr>
+      <p:sp>
+        <p:nvSpPr>
+          <p:cNvPr id="2" name="Title 1"/>
+          <p:cNvSpPr>
+            <a:spLocks noGrp="1"/>
+          </p:cNvSpPr>
+          <p:nvPr>
+            <p:ph type="title"/>
+          </p:nvPr>
+        </p:nvSpPr>
+        <p:spPr/>
+        <p:txBody>
+          <a:bodyPr>
+            <a:normAutofit fontScale="90000"/>
+          </a:bodyPr>
+          <a:lstStyle/>
+          <a:p>
+            <a:r>
+              <a:rPr lang="en-US" dirty="0" smtClean="0"/>
+              <a:t>Statistical Distribution of Residual Images</a:t>
+            </a:r>
+            <a:endParaRPr lang="en-US" dirty="0"/>
+          </a:p>
+        </p:txBody>
+      </p:sp>
+      <p:sp>
+        <p:nvSpPr>
+          <p:cNvPr id="3" name="Content Placeholder 2"/>
+          <p:cNvSpPr>
+            <a:spLocks noGrp="1"/>
+          </p:cNvSpPr>
+          <p:nvPr>
+            <p:ph idx="1"/>
+          </p:nvPr>
+        </p:nvSpPr>
+        <p:spPr/>
+        <p:txBody>
+          <a:bodyPr/>
+          <a:lstStyle/>
+          <a:p>
+            <a:endParaRPr lang="en-US" dirty="0"/>
+          </a:p>
+        </p:txBody>
+      </p:sp>
+    </p:spTree>
+  </p:cSld>
+  <p:clrMapOvr>
+    <a:masterClrMapping/>
+  </p:clrMapOvr>
+</p:sld>
+</file>
+
+<file path=ppt/slides/slide29.xml><?xml version="1.0" encoding="utf-8"?>
+<p:sld xmlns:a="http://schemas.openxmlformats.org/drawingml/2006/main" xmlns:r="http://schemas.openxmlformats.org/officeDocument/2006/relationships" xmlns:p="http://schemas.openxmlformats.org/presentationml/2006/main">
+  <p:cSld>
+    <p:spTree>
+      <p:nvGrpSpPr>
+        <p:cNvPr id="1" name=""/>
+        <p:cNvGrpSpPr/>
+        <p:nvPr/>
+      </p:nvGrpSpPr>
+      <p:grpSpPr>
+        <a:xfrm>
+          <a:off x="0" y="0"/>
+          <a:ext cx="0" cy="0"/>
+          <a:chOff x="0" y="0"/>
+          <a:chExt cx="0" cy="0"/>
+        </a:xfrm>
+      </p:grpSpPr>
+      <p:sp>
+        <p:nvSpPr>
+          <p:cNvPr id="2" name="Title 1"/>
+          <p:cNvSpPr>
+            <a:spLocks noGrp="1"/>
+          </p:cNvSpPr>
+          <p:nvPr>
+            <p:ph type="title"/>
+          </p:nvPr>
+        </p:nvSpPr>
+        <p:spPr/>
+        <p:txBody>
+          <a:bodyPr/>
+          <a:lstStyle/>
+          <a:p>
+            <a:r>
+              <a:rPr lang="en-US" dirty="0" smtClean="0"/>
+              <a:t>Questions?</a:t>
+            </a:r>
+            <a:endParaRPr lang="en-US" dirty="0"/>
+          </a:p>
+        </p:txBody>
+      </p:sp>
+      <p:sp>
+        <p:nvSpPr>
+          <p:cNvPr id="3" name="Content Placeholder 2"/>
+          <p:cNvSpPr>
+            <a:spLocks noGrp="1"/>
+          </p:cNvSpPr>
+          <p:nvPr>
+            <p:ph idx="1"/>
+          </p:nvPr>
+        </p:nvSpPr>
+        <p:spPr/>
+        <p:txBody>
+          <a:bodyPr/>
+          <a:lstStyle/>
+          <a:p>
+            <a:endParaRPr lang="en-US" dirty="0"/>
+          </a:p>
+        </p:txBody>
+      </p:sp>
+    </p:spTree>
+  </p:cSld>
+  <p:clrMapOvr>
+    <a:masterClrMapping/>
+  </p:clrMapOvr>
+</p:sld>
+</file>
+
 <file path=ppt/slides/slide3.xml><?xml version="1.0" encoding="utf-8"?>
 <p:sld xmlns:a="http://schemas.openxmlformats.org/drawingml/2006/main" xmlns:r="http://schemas.openxmlformats.org/officeDocument/2006/relationships" xmlns:p="http://schemas.openxmlformats.org/presentationml/2006/main">
   <p:cSld>
@@ -6195,15 +7449,7 @@
             <a:pPr lvl="1"/>
             <a:r>
               <a:rPr lang="en-US" dirty="0" smtClean="0"/>
-              <a:t>Images from </a:t>
-            </a:r>
-            <a:r>
-              <a:rPr lang="en-US" dirty="0" smtClean="0"/>
-              <a:t>~3000 </a:t>
-            </a:r>
-            <a:r>
-              <a:rPr lang="en-US" dirty="0" smtClean="0"/>
-              <a:t>static webcams, </a:t>
+              <a:t>Images from ~3000 static webcams, </a:t>
             </a:r>
           </a:p>
           <a:p>
@@ -6219,7 +7465,7 @@
               <a:rPr lang="en-US" sz="2800" i="1" dirty="0" smtClean="0">
                 <a:hlinkClick r:id="rId2"/>
               </a:rPr>
-              <a:t>www.cs.wustl.edu/amos</a:t>
+              <a:t>http://amos.cse.wustl.edu</a:t>
             </a:r>
             <a:endParaRPr lang="en-US" sz="2800" i="1" dirty="0" smtClean="0"/>
           </a:p>
@@ -6547,15 +7793,7 @@
             </a:pPr>
             <a:r>
               <a:rPr lang="en-US" dirty="0" smtClean="0"/>
-              <a:t>   </a:t>
-            </a:r>
-            <a:r>
-              <a:rPr lang="en-US" dirty="0" smtClean="0"/>
-              <a:t>3000 </a:t>
-            </a:r>
-            <a:r>
-              <a:rPr lang="en-US" dirty="0" smtClean="0"/>
-              <a:t>webcams</a:t>
+              <a:t>   3000 webcams</a:t>
             </a:r>
           </a:p>
           <a:p>
@@ -6573,11 +7811,7 @@
             </a:pPr>
             <a:r>
               <a:rPr lang="en-US" dirty="0" smtClean="0"/>
-              <a:t>35 </a:t>
-            </a:r>
-            <a:r>
-              <a:rPr lang="en-US" dirty="0" smtClean="0"/>
-              <a:t>million images</a:t>
+              <a:t>35 million images</a:t>
             </a:r>
             <a:endParaRPr lang="en-US" dirty="0"/>
           </a:p>
@@ -6898,7 +8132,11 @@
           <a:p>
             <a:r>
               <a:rPr lang="en-US" dirty="0" smtClean="0"/>
-              <a:t>The Problem</a:t>
+              <a:t>The </a:t>
+            </a:r>
+            <a:r>
+              <a:rPr lang="en-US" dirty="0" smtClean="0"/>
+              <a:t>Project</a:t>
             </a:r>
             <a:endParaRPr lang="en-US" dirty="0"/>
           </a:p>
@@ -6919,7 +8157,29 @@
           <a:bodyPr/>
           <a:lstStyle/>
           <a:p>
-            <a:endParaRPr lang="en-US"/>
+            <a:r>
+              <a:rPr lang="en-US" dirty="0" smtClean="0"/>
+              <a:t>Have many webcams, want interesting variants</a:t>
+            </a:r>
+          </a:p>
+          <a:p>
+            <a:r>
+              <a:rPr lang="en-US" dirty="0" smtClean="0"/>
+              <a:t>Too many to go through manually</a:t>
+            </a:r>
+          </a:p>
+          <a:p>
+            <a:r>
+              <a:rPr lang="en-US" dirty="0" smtClean="0"/>
+              <a:t>PCA learns consistent variation</a:t>
+            </a:r>
+          </a:p>
+          <a:p>
+            <a:r>
+              <a:rPr lang="en-US" dirty="0" smtClean="0"/>
+              <a:t>PCA error =&gt; interesting variation</a:t>
+            </a:r>
+            <a:endParaRPr lang="en-US" dirty="0"/>
           </a:p>
         </p:txBody>
       </p:sp>

--- a/trunk/mastersProject/presentation/visualizationToolsForWebcams.pptx
+++ b/trunk/mastersProject/presentation/visualizationToolsForWebcams.pptx
@@ -33,7 +33,11 @@
     <p:sldId id="283" r:id="rId27"/>
     <p:sldId id="284" r:id="rId28"/>
     <p:sldId id="281" r:id="rId29"/>
-    <p:sldId id="266" r:id="rId30"/>
+    <p:sldId id="287" r:id="rId30"/>
+    <p:sldId id="288" r:id="rId31"/>
+    <p:sldId id="289" r:id="rId32"/>
+    <p:sldId id="290" r:id="rId33"/>
+    <p:sldId id="266" r:id="rId34"/>
   </p:sldIdLst>
   <p:sldSz cx="9144000" cy="6858000" type="screen4x3"/>
   <p:notesSz cx="6858000" cy="9144000"/>
@@ -5739,15 +5743,15 @@
         </p:nvPicPr>
         <p:blipFill>
           <a:blip r:embed="rId2"/>
-          <a:srcRect/>
+          <a:srcRect l="7114" r="7521" b="8695"/>
           <a:stretch>
             <a:fillRect/>
           </a:stretch>
         </p:blipFill>
         <p:spPr bwMode="auto">
           <a:xfrm>
-            <a:off x="-1600200" y="723502"/>
-            <a:ext cx="8569325" cy="6134498"/>
+            <a:off x="-990600" y="723502"/>
+            <a:ext cx="7315200" cy="5601098"/>
           </a:xfrm>
           <a:prstGeom prst="rect">
             <a:avLst/>
@@ -6318,57 +6322,36 @@
           <a:p>
             <a:r>
               <a:rPr lang="en-US" dirty="0" smtClean="0"/>
-              <a:t>How do we display </a:t>
-            </a:r>
+              <a:t>How do we display results?</a:t>
+            </a:r>
+            <a:endParaRPr lang="en-US" dirty="0"/>
+          </a:p>
+        </p:txBody>
+      </p:sp>
+      <p:sp>
+        <p:nvSpPr>
+          <p:cNvPr id="3" name="Content Placeholder 2"/>
+          <p:cNvSpPr>
+            <a:spLocks noGrp="1"/>
+          </p:cNvSpPr>
+          <p:nvPr>
+            <p:ph idx="1"/>
+          </p:nvPr>
+        </p:nvSpPr>
+        <p:spPr/>
+        <p:txBody>
+          <a:bodyPr/>
+          <a:lstStyle/>
+          <a:p>
             <a:r>
               <a:rPr lang="en-US" dirty="0" smtClean="0"/>
-              <a:t>results?</a:t>
-            </a:r>
-            <a:endParaRPr lang="en-US" dirty="0"/>
-          </a:p>
-        </p:txBody>
-      </p:sp>
-      <p:sp>
-        <p:nvSpPr>
-          <p:cNvPr id="3" name="Content Placeholder 2"/>
-          <p:cNvSpPr>
-            <a:spLocks noGrp="1"/>
-          </p:cNvSpPr>
-          <p:nvPr>
-            <p:ph idx="1"/>
-          </p:nvPr>
-        </p:nvSpPr>
-        <p:spPr/>
-        <p:txBody>
-          <a:bodyPr/>
-          <a:lstStyle/>
+              <a:t>Image montage (image here)</a:t>
+            </a:r>
+          </a:p>
           <a:p>
             <a:r>
               <a:rPr lang="en-US" dirty="0" smtClean="0"/>
-              <a:t>Image </a:t>
-            </a:r>
-            <a:r>
-              <a:rPr lang="en-US" dirty="0" smtClean="0"/>
-              <a:t>montage (image here)</a:t>
-            </a:r>
-            <a:endParaRPr lang="en-US" dirty="0" smtClean="0"/>
-          </a:p>
-          <a:p>
-            <a:r>
-              <a:rPr lang="en-US" dirty="0" smtClean="0"/>
-              <a:t>Well-</a:t>
-            </a:r>
-            <a:r>
-              <a:rPr lang="en-US" dirty="0" smtClean="0"/>
-              <a:t>S</a:t>
-            </a:r>
-            <a:r>
-              <a:rPr lang="en-US" dirty="0" smtClean="0"/>
-              <a:t>eparated </a:t>
-            </a:r>
-            <a:r>
-              <a:rPr lang="en-US" dirty="0" smtClean="0"/>
-              <a:t>Set Montage</a:t>
+              <a:t>Well-Separated Set Montage</a:t>
             </a:r>
           </a:p>
           <a:p>
@@ -6696,6 +6679,32 @@
           </a:p>
         </p:txBody>
       </p:sp>
+      <p:pic>
+        <p:nvPicPr>
+          <p:cNvPr id="1026" name="Picture 2" descr="C:\Documents and Settings\gpu\Desktop\David Ross\davidrossmastersproject\mastersProject\writeup\figures\2dGui.jpg"/>
+          <p:cNvPicPr>
+            <a:picLocks noChangeAspect="1" noChangeArrowheads="1"/>
+          </p:cNvPicPr>
+          <p:nvPr/>
+        </p:nvPicPr>
+        <p:blipFill>
+          <a:blip r:embed="rId2"/>
+          <a:srcRect l="8787" t="2093" r="7796" b="3517"/>
+          <a:stretch>
+            <a:fillRect/>
+          </a:stretch>
+        </p:blipFill>
+        <p:spPr bwMode="auto">
+          <a:xfrm>
+            <a:off x="457200" y="2286000"/>
+            <a:ext cx="8153400" cy="3962400"/>
+          </a:xfrm>
+          <a:prstGeom prst="rect">
+            <a:avLst/>
+          </a:prstGeom>
+          <a:noFill/>
+        </p:spPr>
+      </p:pic>
     </p:spTree>
   </p:cSld>
   <p:clrMapOvr>
@@ -6738,44 +6747,31 @@
           <a:p>
             <a:r>
               <a:rPr lang="en-US" dirty="0" smtClean="0"/>
-              <a:t>How do we evaluate </a:t>
-            </a:r>
+              <a:t>How do we evaluate images?</a:t>
+            </a:r>
+            <a:endParaRPr lang="en-US" dirty="0"/>
+          </a:p>
+        </p:txBody>
+      </p:sp>
+      <p:sp>
+        <p:nvSpPr>
+          <p:cNvPr id="3" name="Content Placeholder 2"/>
+          <p:cNvSpPr>
+            <a:spLocks noGrp="1"/>
+          </p:cNvSpPr>
+          <p:nvPr>
+            <p:ph idx="1"/>
+          </p:nvPr>
+        </p:nvSpPr>
+        <p:spPr/>
+        <p:txBody>
+          <a:bodyPr/>
+          <a:lstStyle/>
+          <a:p>
             <a:r>
               <a:rPr lang="en-US" dirty="0" smtClean="0"/>
-              <a:t>images</a:t>
-            </a:r>
-            <a:r>
-              <a:rPr lang="en-US" dirty="0" smtClean="0"/>
-              <a:t>?</a:t>
-            </a:r>
-            <a:endParaRPr lang="en-US" dirty="0"/>
-          </a:p>
-        </p:txBody>
-      </p:sp>
-      <p:sp>
-        <p:nvSpPr>
-          <p:cNvPr id="3" name="Content Placeholder 2"/>
-          <p:cNvSpPr>
-            <a:spLocks noGrp="1"/>
-          </p:cNvSpPr>
-          <p:nvPr>
-            <p:ph idx="1"/>
-          </p:nvPr>
-        </p:nvSpPr>
-        <p:spPr/>
-        <p:txBody>
-          <a:bodyPr/>
-          <a:lstStyle/>
-          <a:p>
-            <a:r>
-              <a:rPr lang="en-US" dirty="0" smtClean="0"/>
-              <a:t>Vector </a:t>
-            </a:r>
-            <a:r>
-              <a:rPr lang="en-US" dirty="0" smtClean="0"/>
-              <a:t>Magnitude</a:t>
-            </a:r>
-            <a:endParaRPr lang="en-US" dirty="0" smtClean="0"/>
+              <a:t>Vector Magnitude</a:t>
+            </a:r>
           </a:p>
           <a:p>
             <a:r>
@@ -6865,7 +6861,15 @@
           <a:p>
             <a:r>
               <a:rPr lang="en-US" sz="1800" dirty="0" smtClean="0"/>
-              <a:t>D (x,:) ~= U S V(x,</a:t>
+              <a:t>D </a:t>
+            </a:r>
+            <a:r>
+              <a:rPr lang="en-US" sz="1800" dirty="0" smtClean="0"/>
+              <a:t>(:,x) </a:t>
+            </a:r>
+            <a:r>
+              <a:rPr lang="en-US" sz="1800" dirty="0" smtClean="0"/>
+              <a:t>~= U S V(x,</a:t>
             </a:r>
             <a:r>
               <a:rPr lang="en-US" sz="1800" dirty="0" smtClean="0">
@@ -6878,8 +6882,13 @@
           <a:p>
             <a:r>
               <a:rPr lang="en-US" sz="1800" dirty="0" smtClean="0"/>
-              <a:t>S * V(x,:) is a vector of dimension k corresponding to the linear combination of U columns that best approximates D(x,:)</a:t>
-            </a:r>
+              <a:t>S * V(x,:) is a vector of dimension k corresponding to the linear combination of U columns that best approximates </a:t>
+            </a:r>
+            <a:r>
+              <a:rPr lang="en-US" sz="1800" dirty="0" smtClean="0"/>
+              <a:t>D(:,x)</a:t>
+            </a:r>
+            <a:endParaRPr lang="en-US" sz="1800" dirty="0" smtClean="0"/>
           </a:p>
           <a:p>
             <a:r>
@@ -7300,6 +7309,32 @@
           </a:p>
         </p:txBody>
       </p:sp>
+      <p:pic>
+        <p:nvPicPr>
+          <p:cNvPr id="2050" name="Picture 2" descr="C:\Documents and Settings\gpu\Desktop\David Ross\davidrossmastersproject\mastersProject\writeup\figures\severalHists2.jpg"/>
+          <p:cNvPicPr>
+            <a:picLocks noChangeAspect="1" noChangeArrowheads="1"/>
+          </p:cNvPicPr>
+          <p:nvPr/>
+        </p:nvPicPr>
+        <p:blipFill>
+          <a:blip r:embed="rId2"/>
+          <a:srcRect l="7797" r="7140"/>
+          <a:stretch>
+            <a:fillRect/>
+          </a:stretch>
+        </p:blipFill>
+        <p:spPr bwMode="auto">
+          <a:xfrm>
+            <a:off x="0" y="2971800"/>
+            <a:ext cx="9144000" cy="3133725"/>
+          </a:xfrm>
+          <a:prstGeom prst="rect">
+            <a:avLst/>
+          </a:prstGeom>
+          <a:noFill/>
+        </p:spPr>
+      </p:pic>
     </p:spTree>
   </p:cSld>
   <p:clrMapOvr>
@@ -7342,7 +7377,7 @@
           <a:p>
             <a:r>
               <a:rPr lang="en-US" dirty="0" smtClean="0"/>
-              <a:t>Questions?</a:t>
+              <a:t>Normal Distribution</a:t>
             </a:r>
             <a:endParaRPr lang="en-US" dirty="0"/>
           </a:p>
@@ -7363,10 +7398,36 @@
           <a:bodyPr/>
           <a:lstStyle/>
           <a:p>
-            <a:endParaRPr lang="en-US" dirty="0"/>
-          </a:p>
-        </p:txBody>
-      </p:sp>
+            <a:endParaRPr lang="en-US"/>
+          </a:p>
+        </p:txBody>
+      </p:sp>
+      <p:pic>
+        <p:nvPicPr>
+          <p:cNvPr id="3074" name="Picture 2" descr="C:\Documents and Settings\gpu\Desktop\David Ross\davidrossmastersproject\mastersProject\writeup\figures\leastNormal.jpg"/>
+          <p:cNvPicPr>
+            <a:picLocks noChangeAspect="1" noChangeArrowheads="1"/>
+          </p:cNvPicPr>
+          <p:nvPr/>
+        </p:nvPicPr>
+        <p:blipFill>
+          <a:blip r:embed="rId2"/>
+          <a:srcRect l="6528" t="2810" r="7162" b="4450"/>
+          <a:stretch>
+            <a:fillRect/>
+          </a:stretch>
+        </p:blipFill>
+        <p:spPr bwMode="auto">
+          <a:xfrm>
+            <a:off x="1066800" y="685800"/>
+            <a:ext cx="6858000" cy="5705395"/>
+          </a:xfrm>
+          <a:prstGeom prst="rect">
+            <a:avLst/>
+          </a:prstGeom>
+          <a:noFill/>
+        </p:spPr>
+      </p:pic>
     </p:spTree>
   </p:cSld>
   <p:clrMapOvr>
@@ -7718,6 +7779,308 @@
       </p:par>
     </p:tnLst>
   </p:timing>
+</p:sld>
+</file>
+
+<file path=ppt/slides/slide30.xml><?xml version="1.0" encoding="utf-8"?>
+<p:sld xmlns:a="http://schemas.openxmlformats.org/drawingml/2006/main" xmlns:r="http://schemas.openxmlformats.org/officeDocument/2006/relationships" xmlns:p="http://schemas.openxmlformats.org/presentationml/2006/main">
+  <p:cSld>
+    <p:spTree>
+      <p:nvGrpSpPr>
+        <p:cNvPr id="1" name=""/>
+        <p:cNvGrpSpPr/>
+        <p:nvPr/>
+      </p:nvGrpSpPr>
+      <p:grpSpPr>
+        <a:xfrm>
+          <a:off x="0" y="0"/>
+          <a:ext cx="0" cy="0"/>
+          <a:chOff x="0" y="0"/>
+          <a:chExt cx="0" cy="0"/>
+        </a:xfrm>
+      </p:grpSpPr>
+      <p:sp>
+        <p:nvSpPr>
+          <p:cNvPr id="2" name="Title 1"/>
+          <p:cNvSpPr>
+            <a:spLocks noGrp="1"/>
+          </p:cNvSpPr>
+          <p:nvPr>
+            <p:ph type="title"/>
+          </p:nvPr>
+        </p:nvSpPr>
+        <p:spPr/>
+        <p:txBody>
+          <a:bodyPr/>
+          <a:lstStyle/>
+          <a:p>
+            <a:r>
+              <a:rPr lang="en-US" dirty="0" err="1" smtClean="0"/>
+              <a:t>Laplacian</a:t>
+            </a:r>
+            <a:r>
+              <a:rPr lang="en-US" dirty="0" smtClean="0"/>
+              <a:t> Distribution</a:t>
+            </a:r>
+            <a:endParaRPr lang="en-US" dirty="0"/>
+          </a:p>
+        </p:txBody>
+      </p:sp>
+      <p:sp>
+        <p:nvSpPr>
+          <p:cNvPr id="3" name="Content Placeholder 2"/>
+          <p:cNvSpPr>
+            <a:spLocks noGrp="1"/>
+          </p:cNvSpPr>
+          <p:nvPr>
+            <p:ph idx="1"/>
+          </p:nvPr>
+        </p:nvSpPr>
+        <p:spPr/>
+        <p:txBody>
+          <a:bodyPr/>
+          <a:lstStyle/>
+          <a:p>
+            <a:endParaRPr lang="en-US"/>
+          </a:p>
+        </p:txBody>
+      </p:sp>
+      <p:pic>
+        <p:nvPicPr>
+          <p:cNvPr id="4099" name="Picture 3" descr="C:\Documents and Settings\gpu\Desktop\David Ross\davidrossmastersproject\mastersProject\writeup\figures\leastLaplacian.jpg"/>
+          <p:cNvPicPr>
+            <a:picLocks noChangeAspect="1" noChangeArrowheads="1"/>
+          </p:cNvPicPr>
+          <p:nvPr/>
+        </p:nvPicPr>
+        <p:blipFill>
+          <a:blip r:embed="rId2"/>
+          <a:srcRect l="6089" t="2947" r="6875" b="4313"/>
+          <a:stretch>
+            <a:fillRect/>
+          </a:stretch>
+        </p:blipFill>
+        <p:spPr bwMode="auto">
+          <a:xfrm>
+            <a:off x="1752600" y="-152400"/>
+            <a:ext cx="9144000" cy="7543800"/>
+          </a:xfrm>
+          <a:prstGeom prst="rect">
+            <a:avLst/>
+          </a:prstGeom>
+          <a:noFill/>
+        </p:spPr>
+      </p:pic>
+    </p:spTree>
+  </p:cSld>
+  <p:clrMapOvr>
+    <a:masterClrMapping/>
+  </p:clrMapOvr>
+</p:sld>
+</file>
+
+<file path=ppt/slides/slide31.xml><?xml version="1.0" encoding="utf-8"?>
+<p:sld xmlns:a="http://schemas.openxmlformats.org/drawingml/2006/main" xmlns:r="http://schemas.openxmlformats.org/officeDocument/2006/relationships" xmlns:p="http://schemas.openxmlformats.org/presentationml/2006/main">
+  <p:cSld>
+    <p:spTree>
+      <p:nvGrpSpPr>
+        <p:cNvPr id="1" name=""/>
+        <p:cNvGrpSpPr/>
+        <p:nvPr/>
+      </p:nvGrpSpPr>
+      <p:grpSpPr>
+        <a:xfrm>
+          <a:off x="0" y="0"/>
+          <a:ext cx="0" cy="0"/>
+          <a:chOff x="0" y="0"/>
+          <a:chExt cx="0" cy="0"/>
+        </a:xfrm>
+      </p:grpSpPr>
+      <p:sp>
+        <p:nvSpPr>
+          <p:cNvPr id="2" name="Title 1"/>
+          <p:cNvSpPr>
+            <a:spLocks noGrp="1"/>
+          </p:cNvSpPr>
+          <p:nvPr>
+            <p:ph type="title"/>
+          </p:nvPr>
+        </p:nvSpPr>
+        <p:spPr/>
+        <p:txBody>
+          <a:bodyPr/>
+          <a:lstStyle/>
+          <a:p>
+            <a:r>
+              <a:rPr lang="en-US" dirty="0" smtClean="0"/>
+              <a:t>Bonus – Kurtosis and </a:t>
+            </a:r>
+            <a:r>
+              <a:rPr lang="en-US" dirty="0" err="1" smtClean="0"/>
+              <a:t>Skewness</a:t>
+            </a:r>
+            <a:endParaRPr lang="en-US" dirty="0"/>
+          </a:p>
+        </p:txBody>
+      </p:sp>
+      <p:sp>
+        <p:nvSpPr>
+          <p:cNvPr id="3" name="Content Placeholder 2"/>
+          <p:cNvSpPr>
+            <a:spLocks noGrp="1"/>
+          </p:cNvSpPr>
+          <p:nvPr>
+            <p:ph idx="1"/>
+          </p:nvPr>
+        </p:nvSpPr>
+        <p:spPr/>
+        <p:txBody>
+          <a:bodyPr/>
+          <a:lstStyle/>
+          <a:p>
+            <a:endParaRPr lang="en-US"/>
+          </a:p>
+        </p:txBody>
+      </p:sp>
+    </p:spTree>
+  </p:cSld>
+  <p:clrMapOvr>
+    <a:masterClrMapping/>
+  </p:clrMapOvr>
+</p:sld>
+</file>
+
+<file path=ppt/slides/slide32.xml><?xml version="1.0" encoding="utf-8"?>
+<p:sld xmlns:a="http://schemas.openxmlformats.org/drawingml/2006/main" xmlns:r="http://schemas.openxmlformats.org/officeDocument/2006/relationships" xmlns:p="http://schemas.openxmlformats.org/presentationml/2006/main">
+  <p:cSld>
+    <p:spTree>
+      <p:nvGrpSpPr>
+        <p:cNvPr id="1" name=""/>
+        <p:cNvGrpSpPr/>
+        <p:nvPr/>
+      </p:nvGrpSpPr>
+      <p:grpSpPr>
+        <a:xfrm>
+          <a:off x="0" y="0"/>
+          <a:ext cx="0" cy="0"/>
+          <a:chOff x="0" y="0"/>
+          <a:chExt cx="0" cy="0"/>
+        </a:xfrm>
+      </p:grpSpPr>
+      <p:sp>
+        <p:nvSpPr>
+          <p:cNvPr id="2" name="Title 1"/>
+          <p:cNvSpPr>
+            <a:spLocks noGrp="1"/>
+          </p:cNvSpPr>
+          <p:nvPr>
+            <p:ph type="title"/>
+          </p:nvPr>
+        </p:nvSpPr>
+        <p:spPr/>
+        <p:txBody>
+          <a:bodyPr/>
+          <a:lstStyle/>
+          <a:p>
+            <a:r>
+              <a:rPr lang="en-US" dirty="0" smtClean="0"/>
+              <a:t>Future Work</a:t>
+            </a:r>
+            <a:endParaRPr lang="en-US" dirty="0"/>
+          </a:p>
+        </p:txBody>
+      </p:sp>
+      <p:sp>
+        <p:nvSpPr>
+          <p:cNvPr id="3" name="Content Placeholder 2"/>
+          <p:cNvSpPr>
+            <a:spLocks noGrp="1"/>
+          </p:cNvSpPr>
+          <p:nvPr>
+            <p:ph idx="1"/>
+          </p:nvPr>
+        </p:nvSpPr>
+        <p:spPr/>
+        <p:txBody>
+          <a:bodyPr/>
+          <a:lstStyle/>
+          <a:p>
+            <a:endParaRPr lang="en-US"/>
+          </a:p>
+        </p:txBody>
+      </p:sp>
+    </p:spTree>
+  </p:cSld>
+  <p:clrMapOvr>
+    <a:masterClrMapping/>
+  </p:clrMapOvr>
+</p:sld>
+</file>
+
+<file path=ppt/slides/slide33.xml><?xml version="1.0" encoding="utf-8"?>
+<p:sld xmlns:a="http://schemas.openxmlformats.org/drawingml/2006/main" xmlns:r="http://schemas.openxmlformats.org/officeDocument/2006/relationships" xmlns:p="http://schemas.openxmlformats.org/presentationml/2006/main">
+  <p:cSld>
+    <p:spTree>
+      <p:nvGrpSpPr>
+        <p:cNvPr id="1" name=""/>
+        <p:cNvGrpSpPr/>
+        <p:nvPr/>
+      </p:nvGrpSpPr>
+      <p:grpSpPr>
+        <a:xfrm>
+          <a:off x="0" y="0"/>
+          <a:ext cx="0" cy="0"/>
+          <a:chOff x="0" y="0"/>
+          <a:chExt cx="0" cy="0"/>
+        </a:xfrm>
+      </p:grpSpPr>
+      <p:sp>
+        <p:nvSpPr>
+          <p:cNvPr id="2" name="Title 1"/>
+          <p:cNvSpPr>
+            <a:spLocks noGrp="1"/>
+          </p:cNvSpPr>
+          <p:nvPr>
+            <p:ph type="title"/>
+          </p:nvPr>
+        </p:nvSpPr>
+        <p:spPr/>
+        <p:txBody>
+          <a:bodyPr/>
+          <a:lstStyle/>
+          <a:p>
+            <a:r>
+              <a:rPr lang="en-US" dirty="0" smtClean="0"/>
+              <a:t>Questions?</a:t>
+            </a:r>
+            <a:endParaRPr lang="en-US" dirty="0"/>
+          </a:p>
+        </p:txBody>
+      </p:sp>
+      <p:sp>
+        <p:nvSpPr>
+          <p:cNvPr id="3" name="Content Placeholder 2"/>
+          <p:cNvSpPr>
+            <a:spLocks noGrp="1"/>
+          </p:cNvSpPr>
+          <p:nvPr>
+            <p:ph idx="1"/>
+          </p:nvPr>
+        </p:nvSpPr>
+        <p:spPr/>
+        <p:txBody>
+          <a:bodyPr/>
+          <a:lstStyle/>
+          <a:p>
+            <a:endParaRPr lang="en-US" dirty="0"/>
+          </a:p>
+        </p:txBody>
+      </p:sp>
+    </p:spTree>
+  </p:cSld>
+  <p:clrMapOvr>
+    <a:masterClrMapping/>
+  </p:clrMapOvr>
 </p:sld>
 </file>
 
@@ -8132,11 +8495,7 @@
           <a:p>
             <a:r>
               <a:rPr lang="en-US" dirty="0" smtClean="0"/>
-              <a:t>The </a:t>
-            </a:r>
-            <a:r>
-              <a:rPr lang="en-US" dirty="0" smtClean="0"/>
-              <a:t>Project</a:t>
+              <a:t>The Project</a:t>
             </a:r>
             <a:endParaRPr lang="en-US" dirty="0"/>
           </a:p>
@@ -9903,7 +10262,7 @@
         <p:spPr bwMode="auto">
           <a:xfrm>
             <a:off x="609600" y="2590800"/>
-            <a:ext cx="6792913" cy="2289175"/>
+            <a:ext cx="6421951" cy="2308324"/>
           </a:xfrm>
           <a:prstGeom prst="rect">
             <a:avLst/>
@@ -9925,90 +10284,111 @@
           <a:p>
             <a:pPr eaLnBrk="1" hangingPunct="1"/>
             <a:r>
-              <a:rPr lang="en-US" sz="1800" b="0"/>
+              <a:rPr lang="en-US" sz="1800" b="0" dirty="0"/>
               <a:t>Special properties:</a:t>
             </a:r>
           </a:p>
           <a:p>
             <a:pPr eaLnBrk="1" hangingPunct="1"/>
             <a:r>
-              <a:rPr lang="en-US" sz="1800" b="0"/>
-              <a:t>   U,V are both orthonormal matrices.</a:t>
+              <a:rPr lang="en-US" sz="1800" b="0" dirty="0"/>
+              <a:t>   U,V are both </a:t>
+            </a:r>
+            <a:r>
+              <a:rPr lang="en-US" sz="1800" b="0" dirty="0" err="1"/>
+              <a:t>orthonormal</a:t>
+            </a:r>
+            <a:r>
+              <a:rPr lang="en-US" sz="1800" b="0" dirty="0"/>
+              <a:t> matrices.</a:t>
             </a:r>
           </a:p>
           <a:p>
             <a:pPr eaLnBrk="1" hangingPunct="1"/>
-            <a:endParaRPr lang="en-US" sz="1800" b="0"/>
+            <a:endParaRPr lang="en-US" sz="1800" b="0" dirty="0"/>
           </a:p>
           <a:p>
             <a:pPr eaLnBrk="1" hangingPunct="1"/>
             <a:r>
-              <a:rPr lang="en-US" sz="1800" b="0"/>
+              <a:rPr lang="en-US" sz="1800" b="0" dirty="0"/>
               <a:t>This is cool:</a:t>
             </a:r>
           </a:p>
           <a:p>
             <a:pPr eaLnBrk="1" hangingPunct="1"/>
             <a:r>
-              <a:rPr lang="en-US" sz="1800" b="0"/>
-              <a:t>   Given a new image W, to get its coefficients v</a:t>
-            </a:r>
-            <a:r>
-              <a:rPr lang="en-US" sz="1800" b="0" baseline="-25000"/>
+              <a:rPr lang="en-US" sz="1800" b="0" dirty="0"/>
+              <a:t>   Given a new image W, to get its coefficients </a:t>
+            </a:r>
+            <a:r>
+              <a:rPr lang="en-US" sz="1800" b="0" dirty="0" err="1"/>
+              <a:t>v</a:t>
+            </a:r>
+            <a:r>
+              <a:rPr lang="en-US" sz="1800" b="0" baseline="-25000" dirty="0" err="1"/>
               <a:t>w</a:t>
             </a:r>
             <a:r>
-              <a:rPr lang="en-US" sz="1800" b="0"/>
+              <a:rPr lang="en-US" sz="1800" b="0" dirty="0"/>
               <a:t>, you can use:</a:t>
             </a:r>
           </a:p>
           <a:p>
             <a:pPr eaLnBrk="1" hangingPunct="1"/>
             <a:r>
-              <a:rPr lang="en-US" sz="1800" b="0"/>
-              <a:t>       v</a:t>
-            </a:r>
-            <a:r>
-              <a:rPr lang="en-US" sz="1800" b="0" baseline="-25000"/>
+              <a:rPr lang="en-US" sz="1800" b="0" dirty="0"/>
+              <a:t>       </a:t>
+            </a:r>
+            <a:r>
+              <a:rPr lang="en-US" sz="1800" b="0" dirty="0" err="1" smtClean="0"/>
+              <a:t>v</a:t>
+            </a:r>
+            <a:r>
+              <a:rPr lang="en-US" sz="1800" b="0" baseline="-25000" dirty="0" err="1" smtClean="0"/>
               <a:t>w</a:t>
             </a:r>
             <a:r>
-              <a:rPr lang="en-US" sz="1800" b="0"/>
+              <a:rPr lang="en-US" sz="1800" b="0" dirty="0" smtClean="0"/>
               <a:t>=U</a:t>
             </a:r>
             <a:r>
-              <a:rPr lang="en-US" sz="1800" b="0" baseline="30000">
+              <a:rPr lang="en-US" baseline="30000" dirty="0">
                 <a:latin typeface="cmsy10" pitchFamily="34" charset="0"/>
               </a:rPr>
-              <a:t>&gt;</a:t>
-            </a:r>
-            <a:r>
-              <a:rPr lang="en-US" sz="1800" b="0"/>
+              <a:t>T</a:t>
+            </a:r>
+            <a:r>
+              <a:rPr lang="en-US" sz="1800" b="0" dirty="0" smtClean="0"/>
               <a:t>W</a:t>
             </a:r>
+            <a:endParaRPr lang="en-US" sz="1800" b="0" dirty="0"/>
           </a:p>
           <a:p>
             <a:pPr eaLnBrk="1" hangingPunct="1"/>
             <a:r>
-              <a:rPr lang="en-US" sz="1800" b="0"/>
+              <a:rPr lang="en-US" sz="1800" b="0" dirty="0"/>
               <a:t> </a:t>
             </a:r>
           </a:p>
           <a:p>
             <a:pPr eaLnBrk="1" hangingPunct="1"/>
             <a:r>
-              <a:rPr lang="en-US" sz="1800" b="0"/>
-              <a:t>   Then U v</a:t>
-            </a:r>
-            <a:r>
-              <a:rPr lang="en-US" sz="1800" b="0" baseline="-25000"/>
+              <a:rPr lang="en-US" sz="1800" b="0" dirty="0"/>
+              <a:t>   Then U </a:t>
+            </a:r>
+            <a:r>
+              <a:rPr lang="en-US" sz="1800" b="0" dirty="0" err="1"/>
+              <a:t>v</a:t>
+            </a:r>
+            <a:r>
+              <a:rPr lang="en-US" sz="1800" b="0" baseline="-25000" dirty="0" err="1"/>
               <a:t>w</a:t>
             </a:r>
             <a:r>
-              <a:rPr lang="en-US" sz="1800" b="0"/>
+              <a:rPr lang="en-US" sz="1800" b="0" dirty="0"/>
               <a:t> approximately reconstructs W.  Why?</a:t>
             </a:r>
-            <a:endParaRPr lang="en-US" sz="1800" b="0" baseline="-25000"/>
+            <a:endParaRPr lang="en-US" sz="1800" b="0" baseline="-25000" dirty="0"/>
           </a:p>
         </p:txBody>
       </p:sp>
@@ -10044,68 +10424,85 @@
           <a:lstStyle/>
           <a:p>
             <a:pPr eaLnBrk="1" hangingPunct="1"/>
-            <a:endParaRPr lang="en-US" sz="1800" b="0"/>
+            <a:endParaRPr lang="en-US" sz="1800" b="0" dirty="0"/>
           </a:p>
           <a:p>
             <a:pPr eaLnBrk="1" hangingPunct="1"/>
             <a:r>
-              <a:rPr lang="en-US" sz="1800" b="0"/>
-              <a:t>   U v</a:t>
-            </a:r>
-            <a:r>
-              <a:rPr lang="en-US" sz="1800" b="0" baseline="-25000"/>
+              <a:rPr lang="en-US" sz="1800" b="0" dirty="0"/>
+              <a:t>   U </a:t>
+            </a:r>
+            <a:r>
+              <a:rPr lang="en-US" sz="1800" b="0" dirty="0" err="1"/>
+              <a:t>v</a:t>
+            </a:r>
+            <a:r>
+              <a:rPr lang="en-US" sz="1800" b="0" baseline="-25000" dirty="0" err="1"/>
               <a:t>w</a:t>
             </a:r>
             <a:r>
-              <a:rPr lang="en-US" sz="1800" b="0"/>
+              <a:rPr lang="en-US" sz="1800" b="0" dirty="0"/>
               <a:t> </a:t>
             </a:r>
           </a:p>
           <a:p>
             <a:pPr eaLnBrk="1" hangingPunct="1"/>
             <a:r>
-              <a:rPr lang="en-US" sz="1800" b="0"/>
-              <a:t>= U (U</a:t>
-            </a:r>
-            <a:r>
-              <a:rPr lang="en-US" sz="1800" b="0" baseline="30000">
+              <a:rPr lang="en-US" sz="1800" b="0" dirty="0"/>
+              <a:t>= U (</a:t>
+            </a:r>
+            <a:r>
+              <a:rPr lang="en-US" sz="1800" b="0" dirty="0" smtClean="0"/>
+              <a:t>U</a:t>
+            </a:r>
+            <a:r>
+              <a:rPr lang="en-US" baseline="30000" dirty="0">
                 <a:latin typeface="cmsy10" pitchFamily="34" charset="0"/>
               </a:rPr>
-              <a:t>&gt;</a:t>
-            </a:r>
-            <a:r>
-              <a:rPr lang="en-US" sz="1800" b="0"/>
-              <a:t>W)  </a:t>
+              <a:t>T</a:t>
+            </a:r>
+            <a:r>
+              <a:rPr lang="en-US" sz="1800" b="0" dirty="0" smtClean="0"/>
+              <a:t>W</a:t>
+            </a:r>
+            <a:r>
+              <a:rPr lang="en-US" sz="1800" b="0" dirty="0"/>
+              <a:t>)  </a:t>
             </a:r>
           </a:p>
           <a:p>
             <a:pPr eaLnBrk="1" hangingPunct="1"/>
             <a:r>
-              <a:rPr lang="en-US" sz="1800" b="0"/>
-              <a:t>=  (U U</a:t>
-            </a:r>
-            <a:r>
-              <a:rPr lang="en-US" sz="1800" b="0" baseline="30000">
+              <a:rPr lang="en-US" sz="1800" b="0" dirty="0"/>
+              <a:t>=  (U </a:t>
+            </a:r>
+            <a:r>
+              <a:rPr lang="en-US" sz="1800" b="0" dirty="0" smtClean="0"/>
+              <a:t>U</a:t>
+            </a:r>
+            <a:r>
+              <a:rPr lang="en-US" baseline="30000" dirty="0">
                 <a:latin typeface="cmsy10" pitchFamily="34" charset="0"/>
               </a:rPr>
-              <a:t>&gt;</a:t>
-            </a:r>
-            <a:r>
-              <a:rPr lang="en-US" sz="1800" b="0"/>
+              <a:t>T</a:t>
+            </a:r>
+            <a:r>
+              <a:rPr lang="en-US" sz="1800" b="0" dirty="0" smtClean="0"/>
               <a:t>)W </a:t>
             </a:r>
+            <a:endParaRPr lang="en-US" sz="1800" b="0" dirty="0"/>
           </a:p>
           <a:p>
             <a:pPr eaLnBrk="1" hangingPunct="1"/>
             <a:r>
-              <a:rPr lang="en-US" sz="1800" b="0"/>
+              <a:rPr lang="en-US" sz="1800" b="0" dirty="0"/>
               <a:t>= I W </a:t>
             </a:r>
           </a:p>
           <a:p>
             <a:pPr eaLnBrk="1" hangingPunct="1"/>
             <a:r>
-              <a:rPr lang="en-US" sz="1800" b="0"/>
+              <a:rPr lang="en-US" sz="1800" b="0" dirty="0"/>
               <a:t>= W. </a:t>
             </a:r>
           </a:p>

--- a/trunk/mastersProject/presentation/visualizationToolsForWebcams.pptx
+++ b/trunk/mastersProject/presentation/visualizationToolsForWebcams.pptx
@@ -32,12 +32,13 @@
     <p:sldId id="280" r:id="rId26"/>
     <p:sldId id="283" r:id="rId27"/>
     <p:sldId id="284" r:id="rId28"/>
-    <p:sldId id="281" r:id="rId29"/>
-    <p:sldId id="287" r:id="rId30"/>
-    <p:sldId id="288" r:id="rId31"/>
-    <p:sldId id="289" r:id="rId32"/>
-    <p:sldId id="290" r:id="rId33"/>
-    <p:sldId id="266" r:id="rId34"/>
+    <p:sldId id="291" r:id="rId29"/>
+    <p:sldId id="281" r:id="rId30"/>
+    <p:sldId id="287" r:id="rId31"/>
+    <p:sldId id="288" r:id="rId32"/>
+    <p:sldId id="289" r:id="rId33"/>
+    <p:sldId id="290" r:id="rId34"/>
+    <p:sldId id="266" r:id="rId35"/>
   </p:sldIdLst>
   <p:sldSz cx="9144000" cy="6858000" type="screen4x3"/>
   <p:notesSz cx="6858000" cy="9144000"/>
@@ -4260,6 +4261,13 @@
   <p:clrMapOvr>
     <a:masterClrMapping/>
   </p:clrMapOvr>
+  <p:timing>
+    <p:tnLst>
+      <p:par>
+        <p:cTn id="1" dur="indefinite" restart="never" nodeType="tmRoot"/>
+      </p:par>
+    </p:tnLst>
+  </p:timing>
 </p:sld>
 </file>
 
@@ -5790,6 +5798,13 @@
   <p:clrMapOvr>
     <a:masterClrMapping/>
   </p:clrMapOvr>
+  <p:timing>
+    <p:tnLst>
+      <p:par>
+        <p:cTn id="1" dur="indefinite" restart="never" nodeType="tmRoot"/>
+      </p:par>
+    </p:tnLst>
+  </p:timing>
 </p:sld>
 </file>
 
@@ -5867,6 +5882,13 @@
   <p:clrMapOvr>
     <a:masterClrMapping/>
   </p:clrMapOvr>
+  <p:timing>
+    <p:tnLst>
+      <p:par>
+        <p:cTn id="1" dur="indefinite" restart="never" nodeType="tmRoot"/>
+      </p:par>
+    </p:tnLst>
+  </p:timing>
 </p:sld>
 </file>
 
@@ -5950,6 +5972,13 @@
   <p:clrMapOvr>
     <a:masterClrMapping/>
   </p:clrMapOvr>
+  <p:timing>
+    <p:tnLst>
+      <p:par>
+        <p:cTn id="1" dur="indefinite" restart="never" nodeType="tmRoot"/>
+      </p:par>
+    </p:tnLst>
+  </p:timing>
 </p:sld>
 </file>
 
@@ -6021,6 +6050,13 @@
   <p:clrMapOvr>
     <a:masterClrMapping/>
   </p:clrMapOvr>
+  <p:timing>
+    <p:tnLst>
+      <p:par>
+        <p:cTn id="1" dur="indefinite" restart="never" nodeType="tmRoot"/>
+      </p:par>
+    </p:tnLst>
+  </p:timing>
 </p:sld>
 </file>
 
@@ -6166,6 +6202,13 @@
   <p:clrMapOvr>
     <a:masterClrMapping/>
   </p:clrMapOvr>
+  <p:timing>
+    <p:tnLst>
+      <p:par>
+        <p:cTn id="1" dur="indefinite" restart="never" nodeType="tmRoot"/>
+      </p:par>
+    </p:tnLst>
+  </p:timing>
 </p:sld>
 </file>
 
@@ -6285,6 +6328,13 @@
   <p:clrMapOvr>
     <a:masterClrMapping/>
   </p:clrMapOvr>
+  <p:timing>
+    <p:tnLst>
+      <p:par>
+        <p:cTn id="1" dur="indefinite" restart="never" nodeType="tmRoot"/>
+      </p:par>
+    </p:tnLst>
+  </p:timing>
 </p:sld>
 </file>
 
@@ -6394,6 +6444,13 @@
   <p:clrMapOvr>
     <a:masterClrMapping/>
   </p:clrMapOvr>
+  <p:timing>
+    <p:tnLst>
+      <p:par>
+        <p:cTn id="1" dur="indefinite" restart="never" nodeType="tmRoot"/>
+      </p:par>
+    </p:tnLst>
+  </p:timing>
 </p:sld>
 </file>
 
@@ -6461,6 +6518,13 @@
   <p:clrMapOvr>
     <a:masterClrMapping/>
   </p:clrMapOvr>
+  <p:timing>
+    <p:tnLst>
+      <p:par>
+        <p:cTn id="1" dur="indefinite" restart="never" nodeType="tmRoot"/>
+      </p:par>
+    </p:tnLst>
+  </p:timing>
 </p:sld>
 </file>
 
@@ -6528,6 +6592,13 @@
   <p:clrMapOvr>
     <a:masterClrMapping/>
   </p:clrMapOvr>
+  <p:timing>
+    <p:tnLst>
+      <p:par>
+        <p:cTn id="1" dur="indefinite" restart="never" nodeType="tmRoot"/>
+      </p:par>
+    </p:tnLst>
+  </p:timing>
 </p:sld>
 </file>
 
@@ -6617,6 +6688,13 @@
   <p:clrMapOvr>
     <a:masterClrMapping/>
   </p:clrMapOvr>
+  <p:timing>
+    <p:tnLst>
+      <p:par>
+        <p:cTn id="1" dur="indefinite" restart="never" nodeType="tmRoot"/>
+      </p:par>
+    </p:tnLst>
+  </p:timing>
 </p:sld>
 </file>
 
@@ -6710,6 +6788,13 @@
   <p:clrMapOvr>
     <a:masterClrMapping/>
   </p:clrMapOvr>
+  <p:timing>
+    <p:tnLst>
+      <p:par>
+        <p:cTn id="1" dur="indefinite" restart="never" nodeType="tmRoot"/>
+      </p:par>
+    </p:tnLst>
+  </p:timing>
 </p:sld>
 </file>
 
@@ -6799,6 +6884,13 @@
   <p:clrMapOvr>
     <a:masterClrMapping/>
   </p:clrMapOvr>
+  <p:timing>
+    <p:tnLst>
+      <p:par>
+        <p:cTn id="1" dur="indefinite" restart="never" nodeType="tmRoot"/>
+      </p:par>
+    </p:tnLst>
+  </p:timing>
 </p:sld>
 </file>
 
@@ -6861,15 +6953,7 @@
           <a:p>
             <a:r>
               <a:rPr lang="en-US" sz="1800" dirty="0" smtClean="0"/>
-              <a:t>D </a:t>
-            </a:r>
-            <a:r>
-              <a:rPr lang="en-US" sz="1800" dirty="0" smtClean="0"/>
-              <a:t>(:,x) </a:t>
-            </a:r>
-            <a:r>
-              <a:rPr lang="en-US" sz="1800" dirty="0" smtClean="0"/>
-              <a:t>~= U S V(x,</a:t>
+              <a:t>D (:,x) ~= U S V(x,</a:t>
             </a:r>
             <a:r>
               <a:rPr lang="en-US" sz="1800" dirty="0" smtClean="0">
@@ -6882,13 +6966,8 @@
           <a:p>
             <a:r>
               <a:rPr lang="en-US" sz="1800" dirty="0" smtClean="0"/>
-              <a:t>S * V(x,:) is a vector of dimension k corresponding to the linear combination of U columns that best approximates </a:t>
-            </a:r>
-            <a:r>
-              <a:rPr lang="en-US" sz="1800" dirty="0" smtClean="0"/>
-              <a:t>D(:,x)</a:t>
-            </a:r>
-            <a:endParaRPr lang="en-US" sz="1800" dirty="0" smtClean="0"/>
+              <a:t>S * V(x,:) is a vector of dimension k corresponding to the linear combination of U columns that best approximates D(:,x)</a:t>
+            </a:r>
           </a:p>
           <a:p>
             <a:r>
@@ -6941,6 +7020,13 @@
   <p:clrMapOvr>
     <a:masterClrMapping/>
   </p:clrMapOvr>
+  <p:timing>
+    <p:tnLst>
+      <p:par>
+        <p:cTn id="1" dur="indefinite" restart="never" nodeType="tmRoot"/>
+      </p:par>
+    </p:tnLst>
+  </p:timing>
 </p:sld>
 </file>
 
@@ -7030,6 +7116,13 @@
   <p:clrMapOvr>
     <a:masterClrMapping/>
   </p:clrMapOvr>
+  <p:timing>
+    <p:tnLst>
+      <p:par>
+        <p:cTn id="1" dur="indefinite" restart="never" nodeType="tmRoot"/>
+      </p:par>
+    </p:tnLst>
+  </p:timing>
 </p:sld>
 </file>
 
@@ -7123,6 +7216,13 @@
   <p:clrMapOvr>
     <a:masterClrMapping/>
   </p:clrMapOvr>
+  <p:timing>
+    <p:tnLst>
+      <p:par>
+        <p:cTn id="1" dur="indefinite" restart="never" nodeType="tmRoot"/>
+      </p:par>
+    </p:tnLst>
+  </p:timing>
 </p:sld>
 </file>
 
@@ -7194,6 +7294,13 @@
   <p:clrMapOvr>
     <a:masterClrMapping/>
   </p:clrMapOvr>
+  <p:timing>
+    <p:tnLst>
+      <p:par>
+        <p:cTn id="1" dur="indefinite" restart="never" nodeType="tmRoot"/>
+      </p:par>
+    </p:tnLst>
+  </p:timing>
 </p:sld>
 </file>
 
@@ -7245,6 +7352,13 @@
   <p:clrMapOvr>
     <a:masterClrMapping/>
   </p:clrMapOvr>
+  <p:timing>
+    <p:tnLst>
+      <p:par>
+        <p:cTn id="1" dur="indefinite" restart="never" nodeType="tmRoot"/>
+      </p:par>
+    </p:tnLst>
+  </p:timing>
 </p:sld>
 </file>
 
@@ -7277,14 +7391,12 @@
         </p:nvSpPr>
         <p:spPr/>
         <p:txBody>
-          <a:bodyPr>
-            <a:normAutofit fontScale="90000"/>
-          </a:bodyPr>
+          <a:bodyPr/>
           <a:lstStyle/>
           <a:p>
             <a:r>
               <a:rPr lang="en-US" dirty="0" smtClean="0"/>
-              <a:t>Statistical Distribution of Residual Images</a:t>
+              <a:t>Z-score Image</a:t>
             </a:r>
             <a:endParaRPr lang="en-US" dirty="0"/>
           </a:p>
@@ -7305,13 +7417,13 @@
           <a:bodyPr/>
           <a:lstStyle/>
           <a:p>
-            <a:endParaRPr lang="en-US" dirty="0"/>
+            <a:endParaRPr lang="en-US"/>
           </a:p>
         </p:txBody>
       </p:sp>
       <p:pic>
         <p:nvPicPr>
-          <p:cNvPr id="2050" name="Picture 2" descr="C:\Documents and Settings\gpu\Desktop\David Ross\davidrossmastersproject\mastersProject\writeup\figures\severalHists2.jpg"/>
+          <p:cNvPr id="1026" name="Picture 2" descr="C:\Documents and Settings\gpu\Desktop\David Ross\davidrossmastersproject\mastersProject\writeup\figures\residualZScoreMontage.jpg"/>
           <p:cNvPicPr>
             <a:picLocks noChangeAspect="1" noChangeArrowheads="1"/>
           </p:cNvPicPr>
@@ -7319,15 +7431,15 @@
         </p:nvPicPr>
         <p:blipFill>
           <a:blip r:embed="rId2"/>
-          <a:srcRect l="7797" r="7140"/>
+          <a:srcRect/>
           <a:stretch>
             <a:fillRect/>
           </a:stretch>
         </p:blipFill>
         <p:spPr bwMode="auto">
           <a:xfrm>
-            <a:off x="0" y="2971800"/>
-            <a:ext cx="9144000" cy="3133725"/>
+            <a:off x="1219200" y="2057400"/>
+            <a:ext cx="6781800" cy="5102228"/>
           </a:xfrm>
           <a:prstGeom prst="rect">
             <a:avLst/>
@@ -7340,6 +7452,13 @@
   <p:clrMapOvr>
     <a:masterClrMapping/>
   </p:clrMapOvr>
+  <p:timing>
+    <p:tnLst>
+      <p:par>
+        <p:cTn id="1" dur="indefinite" restart="never" nodeType="tmRoot"/>
+      </p:par>
+    </p:tnLst>
+  </p:timing>
 </p:sld>
 </file>
 
@@ -7372,39 +7491,41 @@
         </p:nvSpPr>
         <p:spPr/>
         <p:txBody>
+          <a:bodyPr>
+            <a:normAutofit fontScale="90000"/>
+          </a:bodyPr>
+          <a:lstStyle/>
+          <a:p>
+            <a:r>
+              <a:rPr lang="en-US" dirty="0" smtClean="0"/>
+              <a:t>Statistical Distribution of Residual Images</a:t>
+            </a:r>
+            <a:endParaRPr lang="en-US" dirty="0"/>
+          </a:p>
+        </p:txBody>
+      </p:sp>
+      <p:sp>
+        <p:nvSpPr>
+          <p:cNvPr id="3" name="Content Placeholder 2"/>
+          <p:cNvSpPr>
+            <a:spLocks noGrp="1"/>
+          </p:cNvSpPr>
+          <p:nvPr>
+            <p:ph idx="1"/>
+          </p:nvPr>
+        </p:nvSpPr>
+        <p:spPr/>
+        <p:txBody>
           <a:bodyPr/>
           <a:lstStyle/>
           <a:p>
-            <a:r>
-              <a:rPr lang="en-US" dirty="0" smtClean="0"/>
-              <a:t>Normal Distribution</a:t>
-            </a:r>
             <a:endParaRPr lang="en-US" dirty="0"/>
-          </a:p>
-        </p:txBody>
-      </p:sp>
-      <p:sp>
-        <p:nvSpPr>
-          <p:cNvPr id="3" name="Content Placeholder 2"/>
-          <p:cNvSpPr>
-            <a:spLocks noGrp="1"/>
-          </p:cNvSpPr>
-          <p:nvPr>
-            <p:ph idx="1"/>
-          </p:nvPr>
-        </p:nvSpPr>
-        <p:spPr/>
-        <p:txBody>
-          <a:bodyPr/>
-          <a:lstStyle/>
-          <a:p>
-            <a:endParaRPr lang="en-US"/>
           </a:p>
         </p:txBody>
       </p:sp>
       <p:pic>
         <p:nvPicPr>
-          <p:cNvPr id="3074" name="Picture 2" descr="C:\Documents and Settings\gpu\Desktop\David Ross\davidrossmastersproject\mastersProject\writeup\figures\leastNormal.jpg"/>
+          <p:cNvPr id="2050" name="Picture 2" descr="C:\Documents and Settings\gpu\Desktop\David Ross\davidrossmastersproject\mastersProject\writeup\figures\severalHists2.jpg"/>
           <p:cNvPicPr>
             <a:picLocks noChangeAspect="1" noChangeArrowheads="1"/>
           </p:cNvPicPr>
@@ -7412,15 +7533,15 @@
         </p:nvPicPr>
         <p:blipFill>
           <a:blip r:embed="rId2"/>
-          <a:srcRect l="6528" t="2810" r="7162" b="4450"/>
+          <a:srcRect l="7797" r="7140"/>
           <a:stretch>
             <a:fillRect/>
           </a:stretch>
         </p:blipFill>
         <p:spPr bwMode="auto">
           <a:xfrm>
-            <a:off x="1066800" y="685800"/>
-            <a:ext cx="6858000" cy="5705395"/>
+            <a:off x="0" y="2971800"/>
+            <a:ext cx="9144000" cy="3133725"/>
           </a:xfrm>
           <a:prstGeom prst="rect">
             <a:avLst/>
@@ -7433,6 +7554,13 @@
   <p:clrMapOvr>
     <a:masterClrMapping/>
   </p:clrMapOvr>
+  <p:timing>
+    <p:tnLst>
+      <p:par>
+        <p:cTn id="1" dur="indefinite" restart="never" nodeType="tmRoot"/>
+      </p:par>
+    </p:tnLst>
+  </p:timing>
 </p:sld>
 </file>
 
@@ -7815,12 +7943,8 @@
           <a:lstStyle/>
           <a:p>
             <a:r>
-              <a:rPr lang="en-US" dirty="0" err="1" smtClean="0"/>
-              <a:t>Laplacian</a:t>
-            </a:r>
-            <a:r>
               <a:rPr lang="en-US" dirty="0" smtClean="0"/>
-              <a:t> Distribution</a:t>
+              <a:t>Normal Distribution</a:t>
             </a:r>
             <a:endParaRPr lang="en-US" dirty="0"/>
           </a:p>
@@ -7847,7 +7971,7 @@
       </p:sp>
       <p:pic>
         <p:nvPicPr>
-          <p:cNvPr id="4099" name="Picture 3" descr="C:\Documents and Settings\gpu\Desktop\David Ross\davidrossmastersproject\mastersProject\writeup\figures\leastLaplacian.jpg"/>
+          <p:cNvPr id="3074" name="Picture 2" descr="C:\Documents and Settings\gpu\Desktop\David Ross\davidrossmastersproject\mastersProject\writeup\figures\leastNormal.jpg"/>
           <p:cNvPicPr>
             <a:picLocks noChangeAspect="1" noChangeArrowheads="1"/>
           </p:cNvPicPr>
@@ -7855,15 +7979,15 @@
         </p:nvPicPr>
         <p:blipFill>
           <a:blip r:embed="rId2"/>
-          <a:srcRect l="6089" t="2947" r="6875" b="4313"/>
+          <a:srcRect l="6528" t="2810" r="7162" b="4450"/>
           <a:stretch>
             <a:fillRect/>
           </a:stretch>
         </p:blipFill>
         <p:spPr bwMode="auto">
           <a:xfrm>
-            <a:off x="1752600" y="-152400"/>
-            <a:ext cx="9144000" cy="7543800"/>
+            <a:off x="1066800" y="685800"/>
+            <a:ext cx="6858000" cy="5705395"/>
           </a:xfrm>
           <a:prstGeom prst="rect">
             <a:avLst/>
@@ -7876,6 +8000,13 @@
   <p:clrMapOvr>
     <a:masterClrMapping/>
   </p:clrMapOvr>
+  <p:timing>
+    <p:tnLst>
+      <p:par>
+        <p:cTn id="1" dur="indefinite" restart="never" nodeType="tmRoot"/>
+      </p:par>
+    </p:tnLst>
+  </p:timing>
 </p:sld>
 </file>
 
@@ -7912,12 +8043,12 @@
           <a:lstStyle/>
           <a:p>
             <a:r>
+              <a:rPr lang="en-US" dirty="0" err="1" smtClean="0"/>
+              <a:t>Laplacian</a:t>
+            </a:r>
+            <a:r>
               <a:rPr lang="en-US" dirty="0" smtClean="0"/>
-              <a:t>Bonus – Kurtosis and </a:t>
-            </a:r>
-            <a:r>
-              <a:rPr lang="en-US" dirty="0" err="1" smtClean="0"/>
-              <a:t>Skewness</a:t>
+              <a:t> Distribution</a:t>
             </a:r>
             <a:endParaRPr lang="en-US" dirty="0"/>
           </a:p>
@@ -7942,11 +8073,44 @@
           </a:p>
         </p:txBody>
       </p:sp>
+      <p:pic>
+        <p:nvPicPr>
+          <p:cNvPr id="4099" name="Picture 3" descr="C:\Documents and Settings\gpu\Desktop\David Ross\davidrossmastersproject\mastersProject\writeup\figures\leastLaplacian.jpg"/>
+          <p:cNvPicPr>
+            <a:picLocks noChangeAspect="1" noChangeArrowheads="1"/>
+          </p:cNvPicPr>
+          <p:nvPr/>
+        </p:nvPicPr>
+        <p:blipFill>
+          <a:blip r:embed="rId2"/>
+          <a:srcRect l="6089" t="2947" r="6875" b="4313"/>
+          <a:stretch>
+            <a:fillRect/>
+          </a:stretch>
+        </p:blipFill>
+        <p:spPr bwMode="auto">
+          <a:xfrm>
+            <a:off x="1752600" y="-152400"/>
+            <a:ext cx="9144000" cy="7543800"/>
+          </a:xfrm>
+          <a:prstGeom prst="rect">
+            <a:avLst/>
+          </a:prstGeom>
+          <a:noFill/>
+        </p:spPr>
+      </p:pic>
     </p:spTree>
   </p:cSld>
   <p:clrMapOvr>
     <a:masterClrMapping/>
   </p:clrMapOvr>
+  <p:timing>
+    <p:tnLst>
+      <p:par>
+        <p:cTn id="1" dur="indefinite" restart="never" nodeType="tmRoot"/>
+      </p:par>
+    </p:tnLst>
+  </p:timing>
 </p:sld>
 </file>
 
@@ -7984,7 +8148,11 @@
           <a:p>
             <a:r>
               <a:rPr lang="en-US" dirty="0" smtClean="0"/>
-              <a:t>Future Work</a:t>
+              <a:t>Bonus – Kurtosis and </a:t>
+            </a:r>
+            <a:r>
+              <a:rPr lang="en-US" dirty="0" err="1" smtClean="0"/>
+              <a:t>Skewness</a:t>
             </a:r>
             <a:endParaRPr lang="en-US" dirty="0"/>
           </a:p>
@@ -8014,6 +8182,13 @@
   <p:clrMapOvr>
     <a:masterClrMapping/>
   </p:clrMapOvr>
+  <p:timing>
+    <p:tnLst>
+      <p:par>
+        <p:cTn id="1" dur="indefinite" restart="never" nodeType="tmRoot"/>
+      </p:par>
+    </p:tnLst>
+  </p:timing>
 </p:sld>
 </file>
 
@@ -8051,7 +8226,7 @@
           <a:p>
             <a:r>
               <a:rPr lang="en-US" dirty="0" smtClean="0"/>
-              <a:t>Questions?</a:t>
+              <a:t>Future Work</a:t>
             </a:r>
             <a:endParaRPr lang="en-US" dirty="0"/>
           </a:p>
@@ -8072,7 +8247,7 @@
           <a:bodyPr/>
           <a:lstStyle/>
           <a:p>
-            <a:endParaRPr lang="en-US" dirty="0"/>
+            <a:endParaRPr lang="en-US"/>
           </a:p>
         </p:txBody>
       </p:sp>
@@ -8081,6 +8256,87 @@
   <p:clrMapOvr>
     <a:masterClrMapping/>
   </p:clrMapOvr>
+  <p:timing>
+    <p:tnLst>
+      <p:par>
+        <p:cTn id="1" dur="indefinite" restart="never" nodeType="tmRoot"/>
+      </p:par>
+    </p:tnLst>
+  </p:timing>
+</p:sld>
+</file>
+
+<file path=ppt/slides/slide34.xml><?xml version="1.0" encoding="utf-8"?>
+<p:sld xmlns:a="http://schemas.openxmlformats.org/drawingml/2006/main" xmlns:r="http://schemas.openxmlformats.org/officeDocument/2006/relationships" xmlns:p="http://schemas.openxmlformats.org/presentationml/2006/main">
+  <p:cSld>
+    <p:spTree>
+      <p:nvGrpSpPr>
+        <p:cNvPr id="1" name=""/>
+        <p:cNvGrpSpPr/>
+        <p:nvPr/>
+      </p:nvGrpSpPr>
+      <p:grpSpPr>
+        <a:xfrm>
+          <a:off x="0" y="0"/>
+          <a:ext cx="0" cy="0"/>
+          <a:chOff x="0" y="0"/>
+          <a:chExt cx="0" cy="0"/>
+        </a:xfrm>
+      </p:grpSpPr>
+      <p:sp>
+        <p:nvSpPr>
+          <p:cNvPr id="2" name="Title 1"/>
+          <p:cNvSpPr>
+            <a:spLocks noGrp="1"/>
+          </p:cNvSpPr>
+          <p:nvPr>
+            <p:ph type="title"/>
+          </p:nvPr>
+        </p:nvSpPr>
+        <p:spPr/>
+        <p:txBody>
+          <a:bodyPr/>
+          <a:lstStyle/>
+          <a:p>
+            <a:r>
+              <a:rPr lang="en-US" dirty="0" smtClean="0"/>
+              <a:t>Questions?</a:t>
+            </a:r>
+            <a:endParaRPr lang="en-US" dirty="0"/>
+          </a:p>
+        </p:txBody>
+      </p:sp>
+      <p:sp>
+        <p:nvSpPr>
+          <p:cNvPr id="3" name="Content Placeholder 2"/>
+          <p:cNvSpPr>
+            <a:spLocks noGrp="1"/>
+          </p:cNvSpPr>
+          <p:nvPr>
+            <p:ph idx="1"/>
+          </p:nvPr>
+        </p:nvSpPr>
+        <p:spPr/>
+        <p:txBody>
+          <a:bodyPr/>
+          <a:lstStyle/>
+          <a:p>
+            <a:endParaRPr lang="en-US" dirty="0"/>
+          </a:p>
+        </p:txBody>
+      </p:sp>
+    </p:spTree>
+  </p:cSld>
+  <p:clrMapOvr>
+    <a:masterClrMapping/>
+  </p:clrMapOvr>
+  <p:timing>
+    <p:tnLst>
+      <p:par>
+        <p:cTn id="1" dur="indefinite" restart="never" nodeType="tmRoot"/>
+      </p:par>
+    </p:tnLst>
+  </p:timing>
 </p:sld>
 </file>
 
@@ -8547,6 +8803,13 @@
   <p:clrMapOvr>
     <a:masterClrMapping/>
   </p:clrMapOvr>
+  <p:timing>
+    <p:tnLst>
+      <p:par>
+        <p:cTn id="1" dur="indefinite" restart="never" nodeType="tmRoot"/>
+      </p:par>
+    </p:tnLst>
+  </p:timing>
 </p:sld>
 </file>
 
@@ -8624,6 +8887,13 @@
   <p:clrMapOvr>
     <a:masterClrMapping/>
   </p:clrMapOvr>
+  <p:timing>
+    <p:tnLst>
+      <p:par>
+        <p:cTn id="1" dur="indefinite" restart="never" nodeType="tmRoot"/>
+      </p:par>
+    </p:tnLst>
+  </p:timing>
 </p:sld>
 </file>
 

--- a/trunk/mastersProject/presentation/visualizationToolsForWebcams.pptx
+++ b/trunk/mastersProject/presentation/visualizationToolsForWebcams.pptx
@@ -4,28 +4,31 @@
   <p:sldMasterIdLst>
     <p:sldMasterId id="2147483744" r:id="rId1"/>
   </p:sldMasterIdLst>
+  <p:notesMasterIdLst>
+    <p:notesMasterId r:id="rId37"/>
+  </p:notesMasterIdLst>
   <p:sldIdLst>
     <p:sldId id="256" r:id="rId2"/>
-    <p:sldId id="257" r:id="rId3"/>
-    <p:sldId id="258" r:id="rId4"/>
-    <p:sldId id="259" r:id="rId5"/>
-    <p:sldId id="260" r:id="rId6"/>
-    <p:sldId id="261" r:id="rId7"/>
-    <p:sldId id="267" r:id="rId8"/>
-    <p:sldId id="268" r:id="rId9"/>
-    <p:sldId id="269" r:id="rId10"/>
-    <p:sldId id="270" r:id="rId11"/>
-    <p:sldId id="271" r:id="rId12"/>
-    <p:sldId id="286" r:id="rId13"/>
-    <p:sldId id="272" r:id="rId14"/>
-    <p:sldId id="273" r:id="rId15"/>
-    <p:sldId id="274" r:id="rId16"/>
-    <p:sldId id="275" r:id="rId17"/>
-    <p:sldId id="276" r:id="rId18"/>
-    <p:sldId id="264" r:id="rId19"/>
-    <p:sldId id="277" r:id="rId20"/>
-    <p:sldId id="285" r:id="rId21"/>
-    <p:sldId id="278" r:id="rId22"/>
+    <p:sldId id="293" r:id="rId3"/>
+    <p:sldId id="257" r:id="rId4"/>
+    <p:sldId id="258" r:id="rId5"/>
+    <p:sldId id="259" r:id="rId6"/>
+    <p:sldId id="260" r:id="rId7"/>
+    <p:sldId id="261" r:id="rId8"/>
+    <p:sldId id="267" r:id="rId9"/>
+    <p:sldId id="268" r:id="rId10"/>
+    <p:sldId id="269" r:id="rId11"/>
+    <p:sldId id="270" r:id="rId12"/>
+    <p:sldId id="271" r:id="rId13"/>
+    <p:sldId id="286" r:id="rId14"/>
+    <p:sldId id="272" r:id="rId15"/>
+    <p:sldId id="273" r:id="rId16"/>
+    <p:sldId id="274" r:id="rId17"/>
+    <p:sldId id="275" r:id="rId18"/>
+    <p:sldId id="276" r:id="rId19"/>
+    <p:sldId id="264" r:id="rId20"/>
+    <p:sldId id="277" r:id="rId21"/>
+    <p:sldId id="285" r:id="rId22"/>
     <p:sldId id="265" r:id="rId23"/>
     <p:sldId id="279" r:id="rId24"/>
     <p:sldId id="282" r:id="rId25"/>
@@ -33,12 +36,13 @@
     <p:sldId id="283" r:id="rId27"/>
     <p:sldId id="284" r:id="rId28"/>
     <p:sldId id="291" r:id="rId29"/>
-    <p:sldId id="281" r:id="rId30"/>
-    <p:sldId id="287" r:id="rId31"/>
-    <p:sldId id="288" r:id="rId32"/>
-    <p:sldId id="289" r:id="rId33"/>
-    <p:sldId id="290" r:id="rId34"/>
-    <p:sldId id="266" r:id="rId35"/>
+    <p:sldId id="292" r:id="rId30"/>
+    <p:sldId id="281" r:id="rId31"/>
+    <p:sldId id="287" r:id="rId32"/>
+    <p:sldId id="288" r:id="rId33"/>
+    <p:sldId id="289" r:id="rId34"/>
+    <p:sldId id="290" r:id="rId35"/>
+    <p:sldId id="266" r:id="rId36"/>
   </p:sldIdLst>
   <p:sldSz cx="9144000" cy="6858000" type="screen4x3"/>
   <p:notesSz cx="6858000" cy="9144000"/>
@@ -138,6 +142,861 @@
     </a:lvl9pPr>
   </p:defaultTextStyle>
 </p:presentation>
+</file>
+
+<file path=ppt/notesMasters/notesMaster1.xml><?xml version="1.0" encoding="utf-8"?>
+<p:notesMaster xmlns:a="http://schemas.openxmlformats.org/drawingml/2006/main" xmlns:r="http://schemas.openxmlformats.org/officeDocument/2006/relationships" xmlns:p="http://schemas.openxmlformats.org/presentationml/2006/main">
+  <p:cSld>
+    <p:bg>
+      <p:bgRef idx="1001">
+        <a:schemeClr val="bg1"/>
+      </p:bgRef>
+    </p:bg>
+    <p:spTree>
+      <p:nvGrpSpPr>
+        <p:cNvPr id="1" name=""/>
+        <p:cNvGrpSpPr/>
+        <p:nvPr/>
+      </p:nvGrpSpPr>
+      <p:grpSpPr>
+        <a:xfrm>
+          <a:off x="0" y="0"/>
+          <a:ext cx="0" cy="0"/>
+          <a:chOff x="0" y="0"/>
+          <a:chExt cx="0" cy="0"/>
+        </a:xfrm>
+      </p:grpSpPr>
+      <p:sp>
+        <p:nvSpPr>
+          <p:cNvPr id="2" name="Header Placeholder 1"/>
+          <p:cNvSpPr>
+            <a:spLocks noGrp="1"/>
+          </p:cNvSpPr>
+          <p:nvPr>
+            <p:ph type="hdr" sz="quarter"/>
+          </p:nvPr>
+        </p:nvSpPr>
+        <p:spPr>
+          <a:xfrm>
+            <a:off x="0" y="0"/>
+            <a:ext cx="2971800" cy="457200"/>
+          </a:xfrm>
+          <a:prstGeom prst="rect">
+            <a:avLst/>
+          </a:prstGeom>
+        </p:spPr>
+        <p:txBody>
+          <a:bodyPr vert="horz" lIns="91440" tIns="45720" rIns="91440" bIns="45720" rtlCol="0"/>
+          <a:lstStyle>
+            <a:lvl1pPr algn="l">
+              <a:defRPr sz="1200"/>
+            </a:lvl1pPr>
+          </a:lstStyle>
+          <a:p>
+            <a:endParaRPr lang="en-US"/>
+          </a:p>
+        </p:txBody>
+      </p:sp>
+      <p:sp>
+        <p:nvSpPr>
+          <p:cNvPr id="3" name="Date Placeholder 2"/>
+          <p:cNvSpPr>
+            <a:spLocks noGrp="1"/>
+          </p:cNvSpPr>
+          <p:nvPr>
+            <p:ph type="dt" idx="1"/>
+          </p:nvPr>
+        </p:nvSpPr>
+        <p:spPr>
+          <a:xfrm>
+            <a:off x="3884613" y="0"/>
+            <a:ext cx="2971800" cy="457200"/>
+          </a:xfrm>
+          <a:prstGeom prst="rect">
+            <a:avLst/>
+          </a:prstGeom>
+        </p:spPr>
+        <p:txBody>
+          <a:bodyPr vert="horz" lIns="91440" tIns="45720" rIns="91440" bIns="45720" rtlCol="0"/>
+          <a:lstStyle>
+            <a:lvl1pPr algn="r">
+              <a:defRPr sz="1200"/>
+            </a:lvl1pPr>
+          </a:lstStyle>
+          <a:p>
+            <a:fld id="{D579512F-5032-4F9D-8BC7-C321A60EEFEA}" type="datetimeFigureOut">
+              <a:rPr lang="en-US" smtClean="0"/>
+              <a:pPr/>
+              <a:t>4/22/2009</a:t>
+            </a:fld>
+            <a:endParaRPr lang="en-US"/>
+          </a:p>
+        </p:txBody>
+      </p:sp>
+      <p:sp>
+        <p:nvSpPr>
+          <p:cNvPr id="4" name="Slide Image Placeholder 3"/>
+          <p:cNvSpPr>
+            <a:spLocks noGrp="1" noRot="1" noChangeAspect="1"/>
+          </p:cNvSpPr>
+          <p:nvPr>
+            <p:ph type="sldImg" idx="2"/>
+          </p:nvPr>
+        </p:nvSpPr>
+        <p:spPr>
+          <a:xfrm>
+            <a:off x="1143000" y="685800"/>
+            <a:ext cx="4572000" cy="3429000"/>
+          </a:xfrm>
+          <a:prstGeom prst="rect">
+            <a:avLst/>
+          </a:prstGeom>
+          <a:noFill/>
+          <a:ln w="12700">
+            <a:solidFill>
+              <a:prstClr val="black"/>
+            </a:solidFill>
+          </a:ln>
+        </p:spPr>
+        <p:txBody>
+          <a:bodyPr vert="horz" lIns="91440" tIns="45720" rIns="91440" bIns="45720" rtlCol="0" anchor="ctr"/>
+          <a:lstStyle/>
+          <a:p>
+            <a:endParaRPr lang="en-US"/>
+          </a:p>
+        </p:txBody>
+      </p:sp>
+      <p:sp>
+        <p:nvSpPr>
+          <p:cNvPr id="5" name="Notes Placeholder 4"/>
+          <p:cNvSpPr>
+            <a:spLocks noGrp="1"/>
+          </p:cNvSpPr>
+          <p:nvPr>
+            <p:ph type="body" sz="quarter" idx="3"/>
+          </p:nvPr>
+        </p:nvSpPr>
+        <p:spPr>
+          <a:xfrm>
+            <a:off x="685800" y="4343400"/>
+            <a:ext cx="5486400" cy="4114800"/>
+          </a:xfrm>
+          <a:prstGeom prst="rect">
+            <a:avLst/>
+          </a:prstGeom>
+        </p:spPr>
+        <p:txBody>
+          <a:bodyPr vert="horz" lIns="91440" tIns="45720" rIns="91440" bIns="45720" rtlCol="0">
+            <a:normAutofit/>
+          </a:bodyPr>
+          <a:lstStyle/>
+          <a:p>
+            <a:pPr lvl="0"/>
+            <a:r>
+              <a:rPr lang="en-US" smtClean="0"/>
+              <a:t>Click to edit Master text styles</a:t>
+            </a:r>
+          </a:p>
+          <a:p>
+            <a:pPr lvl="1"/>
+            <a:r>
+              <a:rPr lang="en-US" smtClean="0"/>
+              <a:t>Second level</a:t>
+            </a:r>
+          </a:p>
+          <a:p>
+            <a:pPr lvl="2"/>
+            <a:r>
+              <a:rPr lang="en-US" smtClean="0"/>
+              <a:t>Third level</a:t>
+            </a:r>
+          </a:p>
+          <a:p>
+            <a:pPr lvl="3"/>
+            <a:r>
+              <a:rPr lang="en-US" smtClean="0"/>
+              <a:t>Fourth level</a:t>
+            </a:r>
+          </a:p>
+          <a:p>
+            <a:pPr lvl="4"/>
+            <a:r>
+              <a:rPr lang="en-US" smtClean="0"/>
+              <a:t>Fifth level</a:t>
+            </a:r>
+            <a:endParaRPr lang="en-US"/>
+          </a:p>
+        </p:txBody>
+      </p:sp>
+      <p:sp>
+        <p:nvSpPr>
+          <p:cNvPr id="6" name="Footer Placeholder 5"/>
+          <p:cNvSpPr>
+            <a:spLocks noGrp="1"/>
+          </p:cNvSpPr>
+          <p:nvPr>
+            <p:ph type="ftr" sz="quarter" idx="4"/>
+          </p:nvPr>
+        </p:nvSpPr>
+        <p:spPr>
+          <a:xfrm>
+            <a:off x="0" y="8685213"/>
+            <a:ext cx="2971800" cy="457200"/>
+          </a:xfrm>
+          <a:prstGeom prst="rect">
+            <a:avLst/>
+          </a:prstGeom>
+        </p:spPr>
+        <p:txBody>
+          <a:bodyPr vert="horz" lIns="91440" tIns="45720" rIns="91440" bIns="45720" rtlCol="0" anchor="b"/>
+          <a:lstStyle>
+            <a:lvl1pPr algn="l">
+              <a:defRPr sz="1200"/>
+            </a:lvl1pPr>
+          </a:lstStyle>
+          <a:p>
+            <a:endParaRPr lang="en-US"/>
+          </a:p>
+        </p:txBody>
+      </p:sp>
+      <p:sp>
+        <p:nvSpPr>
+          <p:cNvPr id="7" name="Slide Number Placeholder 6"/>
+          <p:cNvSpPr>
+            <a:spLocks noGrp="1"/>
+          </p:cNvSpPr>
+          <p:nvPr>
+            <p:ph type="sldNum" sz="quarter" idx="5"/>
+          </p:nvPr>
+        </p:nvSpPr>
+        <p:spPr>
+          <a:xfrm>
+            <a:off x="3884613" y="8685213"/>
+            <a:ext cx="2971800" cy="457200"/>
+          </a:xfrm>
+          <a:prstGeom prst="rect">
+            <a:avLst/>
+          </a:prstGeom>
+        </p:spPr>
+        <p:txBody>
+          <a:bodyPr vert="horz" lIns="91440" tIns="45720" rIns="91440" bIns="45720" rtlCol="0" anchor="b"/>
+          <a:lstStyle>
+            <a:lvl1pPr algn="r">
+              <a:defRPr sz="1200"/>
+            </a:lvl1pPr>
+          </a:lstStyle>
+          <a:p>
+            <a:fld id="{6D11F7CA-E56A-464B-A398-B0F3C7D3A8C7}" type="slidenum">
+              <a:rPr lang="en-US" smtClean="0"/>
+              <a:pPr/>
+              <a:t>‹#›</a:t>
+            </a:fld>
+            <a:endParaRPr lang="en-US"/>
+          </a:p>
+        </p:txBody>
+      </p:sp>
+    </p:spTree>
+  </p:cSld>
+  <p:clrMap bg1="lt1" tx1="dk1" bg2="lt2" tx2="dk2" accent1="accent1" accent2="accent2" accent3="accent3" accent4="accent4" accent5="accent5" accent6="accent6" hlink="hlink" folHlink="folHlink"/>
+  <p:notesStyle>
+    <a:lvl1pPr marL="0" algn="l" defTabSz="914400" rtl="0" eaLnBrk="1" latinLnBrk="0" hangingPunct="1">
+      <a:defRPr sz="1200" kern="1200">
+        <a:solidFill>
+          <a:schemeClr val="tx1"/>
+        </a:solidFill>
+        <a:latin typeface="+mn-lt"/>
+        <a:ea typeface="+mn-ea"/>
+        <a:cs typeface="+mn-cs"/>
+      </a:defRPr>
+    </a:lvl1pPr>
+    <a:lvl2pPr marL="457200" algn="l" defTabSz="914400" rtl="0" eaLnBrk="1" latinLnBrk="0" hangingPunct="1">
+      <a:defRPr sz="1200" kern="1200">
+        <a:solidFill>
+          <a:schemeClr val="tx1"/>
+        </a:solidFill>
+        <a:latin typeface="+mn-lt"/>
+        <a:ea typeface="+mn-ea"/>
+        <a:cs typeface="+mn-cs"/>
+      </a:defRPr>
+    </a:lvl2pPr>
+    <a:lvl3pPr marL="914400" algn="l" defTabSz="914400" rtl="0" eaLnBrk="1" latinLnBrk="0" hangingPunct="1">
+      <a:defRPr sz="1200" kern="1200">
+        <a:solidFill>
+          <a:schemeClr val="tx1"/>
+        </a:solidFill>
+        <a:latin typeface="+mn-lt"/>
+        <a:ea typeface="+mn-ea"/>
+        <a:cs typeface="+mn-cs"/>
+      </a:defRPr>
+    </a:lvl3pPr>
+    <a:lvl4pPr marL="1371600" algn="l" defTabSz="914400" rtl="0" eaLnBrk="1" latinLnBrk="0" hangingPunct="1">
+      <a:defRPr sz="1200" kern="1200">
+        <a:solidFill>
+          <a:schemeClr val="tx1"/>
+        </a:solidFill>
+        <a:latin typeface="+mn-lt"/>
+        <a:ea typeface="+mn-ea"/>
+        <a:cs typeface="+mn-cs"/>
+      </a:defRPr>
+    </a:lvl4pPr>
+    <a:lvl5pPr marL="1828800" algn="l" defTabSz="914400" rtl="0" eaLnBrk="1" latinLnBrk="0" hangingPunct="1">
+      <a:defRPr sz="1200" kern="1200">
+        <a:solidFill>
+          <a:schemeClr val="tx1"/>
+        </a:solidFill>
+        <a:latin typeface="+mn-lt"/>
+        <a:ea typeface="+mn-ea"/>
+        <a:cs typeface="+mn-cs"/>
+      </a:defRPr>
+    </a:lvl5pPr>
+    <a:lvl6pPr marL="2286000" algn="l" defTabSz="914400" rtl="0" eaLnBrk="1" latinLnBrk="0" hangingPunct="1">
+      <a:defRPr sz="1200" kern="1200">
+        <a:solidFill>
+          <a:schemeClr val="tx1"/>
+        </a:solidFill>
+        <a:latin typeface="+mn-lt"/>
+        <a:ea typeface="+mn-ea"/>
+        <a:cs typeface="+mn-cs"/>
+      </a:defRPr>
+    </a:lvl6pPr>
+    <a:lvl7pPr marL="2743200" algn="l" defTabSz="914400" rtl="0" eaLnBrk="1" latinLnBrk="0" hangingPunct="1">
+      <a:defRPr sz="1200" kern="1200">
+        <a:solidFill>
+          <a:schemeClr val="tx1"/>
+        </a:solidFill>
+        <a:latin typeface="+mn-lt"/>
+        <a:ea typeface="+mn-ea"/>
+        <a:cs typeface="+mn-cs"/>
+      </a:defRPr>
+    </a:lvl7pPr>
+    <a:lvl8pPr marL="3200400" algn="l" defTabSz="914400" rtl="0" eaLnBrk="1" latinLnBrk="0" hangingPunct="1">
+      <a:defRPr sz="1200" kern="1200">
+        <a:solidFill>
+          <a:schemeClr val="tx1"/>
+        </a:solidFill>
+        <a:latin typeface="+mn-lt"/>
+        <a:ea typeface="+mn-ea"/>
+        <a:cs typeface="+mn-cs"/>
+      </a:defRPr>
+    </a:lvl8pPr>
+    <a:lvl9pPr marL="3657600" algn="l" defTabSz="914400" rtl="0" eaLnBrk="1" latinLnBrk="0" hangingPunct="1">
+      <a:defRPr sz="1200" kern="1200">
+        <a:solidFill>
+          <a:schemeClr val="tx1"/>
+        </a:solidFill>
+        <a:latin typeface="+mn-lt"/>
+        <a:ea typeface="+mn-ea"/>
+        <a:cs typeface="+mn-cs"/>
+      </a:defRPr>
+    </a:lvl9pPr>
+  </p:notesStyle>
+</p:notesMaster>
+</file>
+
+<file path=ppt/notesSlides/notesSlide1.xml><?xml version="1.0" encoding="utf-8"?>
+<p:notes xmlns:a="http://schemas.openxmlformats.org/drawingml/2006/main" xmlns:r="http://schemas.openxmlformats.org/officeDocument/2006/relationships" xmlns:p="http://schemas.openxmlformats.org/presentationml/2006/main">
+  <p:cSld>
+    <p:spTree>
+      <p:nvGrpSpPr>
+        <p:cNvPr id="1" name=""/>
+        <p:cNvGrpSpPr/>
+        <p:nvPr/>
+      </p:nvGrpSpPr>
+      <p:grpSpPr>
+        <a:xfrm>
+          <a:off x="0" y="0"/>
+          <a:ext cx="0" cy="0"/>
+          <a:chOff x="0" y="0"/>
+          <a:chExt cx="0" cy="0"/>
+        </a:xfrm>
+      </p:grpSpPr>
+      <p:sp>
+        <p:nvSpPr>
+          <p:cNvPr id="2" name="Slide Image Placeholder 1"/>
+          <p:cNvSpPr>
+            <a:spLocks noGrp="1" noRot="1" noChangeAspect="1"/>
+          </p:cNvSpPr>
+          <p:nvPr>
+            <p:ph type="sldImg"/>
+          </p:nvPr>
+        </p:nvSpPr>
+        <p:spPr/>
+      </p:sp>
+      <p:sp>
+        <p:nvSpPr>
+          <p:cNvPr id="3" name="Notes Placeholder 2"/>
+          <p:cNvSpPr>
+            <a:spLocks noGrp="1"/>
+          </p:cNvSpPr>
+          <p:nvPr>
+            <p:ph type="body" idx="1"/>
+          </p:nvPr>
+        </p:nvSpPr>
+        <p:spPr/>
+        <p:txBody>
+          <a:bodyPr>
+            <a:normAutofit/>
+          </a:bodyPr>
+          <a:lstStyle/>
+          <a:p>
+            <a:r>
+              <a:rPr lang="en-US" dirty="0" smtClean="0"/>
+              <a:t>Key</a:t>
+            </a:r>
+            <a:r>
+              <a:rPr lang="en-US" baseline="0" dirty="0" smtClean="0"/>
+              <a:t> points: describe </a:t>
+            </a:r>
+            <a:r>
+              <a:rPr lang="en-US" baseline="0" dirty="0" err="1" smtClean="0"/>
+              <a:t>pca</a:t>
+            </a:r>
+            <a:r>
+              <a:rPr lang="en-US" baseline="0" dirty="0" smtClean="0"/>
+              <a:t>.  Show the coefficients.  Show how to compute the residual.</a:t>
+            </a:r>
+            <a:endParaRPr lang="en-US" dirty="0"/>
+          </a:p>
+        </p:txBody>
+      </p:sp>
+      <p:sp>
+        <p:nvSpPr>
+          <p:cNvPr id="4" name="Slide Number Placeholder 3"/>
+          <p:cNvSpPr>
+            <a:spLocks noGrp="1"/>
+          </p:cNvSpPr>
+          <p:nvPr>
+            <p:ph type="sldNum" sz="quarter" idx="10"/>
+          </p:nvPr>
+        </p:nvSpPr>
+        <p:spPr/>
+        <p:txBody>
+          <a:bodyPr/>
+          <a:lstStyle/>
+          <a:p>
+            <a:fld id="{6D11F7CA-E56A-464B-A398-B0F3C7D3A8C7}" type="slidenum">
+              <a:rPr lang="en-US" smtClean="0"/>
+              <a:pPr/>
+              <a:t>8</a:t>
+            </a:fld>
+            <a:endParaRPr lang="en-US"/>
+          </a:p>
+        </p:txBody>
+      </p:sp>
+    </p:spTree>
+  </p:cSld>
+  <p:clrMapOvr>
+    <a:masterClrMapping/>
+  </p:clrMapOvr>
+</p:notes>
+</file>
+
+<file path=ppt/notesSlides/notesSlide2.xml><?xml version="1.0" encoding="utf-8"?>
+<p:notes xmlns:a="http://schemas.openxmlformats.org/drawingml/2006/main" xmlns:r="http://schemas.openxmlformats.org/officeDocument/2006/relationships" xmlns:p="http://schemas.openxmlformats.org/presentationml/2006/main">
+  <p:cSld>
+    <p:spTree>
+      <p:nvGrpSpPr>
+        <p:cNvPr id="1" name=""/>
+        <p:cNvGrpSpPr/>
+        <p:nvPr/>
+      </p:nvGrpSpPr>
+      <p:grpSpPr>
+        <a:xfrm>
+          <a:off x="0" y="0"/>
+          <a:ext cx="0" cy="0"/>
+          <a:chOff x="0" y="0"/>
+          <a:chExt cx="0" cy="0"/>
+        </a:xfrm>
+      </p:grpSpPr>
+      <p:sp>
+        <p:nvSpPr>
+          <p:cNvPr id="2" name="Slide Image Placeholder 1"/>
+          <p:cNvSpPr>
+            <a:spLocks noGrp="1" noRot="1" noChangeAspect="1"/>
+          </p:cNvSpPr>
+          <p:nvPr>
+            <p:ph type="sldImg"/>
+          </p:nvPr>
+        </p:nvSpPr>
+        <p:spPr/>
+      </p:sp>
+      <p:sp>
+        <p:nvSpPr>
+          <p:cNvPr id="3" name="Notes Placeholder 2"/>
+          <p:cNvSpPr>
+            <a:spLocks noGrp="1"/>
+          </p:cNvSpPr>
+          <p:nvPr>
+            <p:ph type="body" idx="1"/>
+          </p:nvPr>
+        </p:nvSpPr>
+        <p:spPr/>
+        <p:txBody>
+          <a:bodyPr>
+            <a:normAutofit/>
+          </a:bodyPr>
+          <a:lstStyle/>
+          <a:p>
+            <a:r>
+              <a:rPr lang="en-US" dirty="0" smtClean="0"/>
+              <a:t>Projected should read “reconstructed”.</a:t>
+            </a:r>
+          </a:p>
+          <a:p>
+            <a:r>
+              <a:rPr lang="en-US" dirty="0" smtClean="0"/>
+              <a:t>Why does error go up?!</a:t>
+            </a:r>
+          </a:p>
+          <a:p>
+            <a:r>
+              <a:rPr lang="en-US" dirty="0" smtClean="0"/>
+              <a:t>  (incremental PCA does not guarantee</a:t>
+            </a:r>
+            <a:r>
+              <a:rPr lang="en-US" baseline="0" dirty="0" smtClean="0"/>
+              <a:t> orthogonal bases).  (check if you </a:t>
+            </a:r>
+            <a:r>
+              <a:rPr lang="en-US" baseline="0" dirty="0" err="1" smtClean="0"/>
+              <a:t>recompute</a:t>
+            </a:r>
+            <a:r>
+              <a:rPr lang="en-US" baseline="0" dirty="0" smtClean="0"/>
+              <a:t> v matrix).</a:t>
+            </a:r>
+          </a:p>
+          <a:p>
+            <a:endParaRPr lang="en-US" dirty="0"/>
+          </a:p>
+        </p:txBody>
+      </p:sp>
+      <p:sp>
+        <p:nvSpPr>
+          <p:cNvPr id="4" name="Slide Number Placeholder 3"/>
+          <p:cNvSpPr>
+            <a:spLocks noGrp="1"/>
+          </p:cNvSpPr>
+          <p:nvPr>
+            <p:ph type="sldNum" sz="quarter" idx="10"/>
+          </p:nvPr>
+        </p:nvSpPr>
+        <p:spPr/>
+        <p:txBody>
+          <a:bodyPr/>
+          <a:lstStyle/>
+          <a:p>
+            <a:fld id="{6D11F7CA-E56A-464B-A398-B0F3C7D3A8C7}" type="slidenum">
+              <a:rPr lang="en-US" smtClean="0"/>
+              <a:pPr/>
+              <a:t>13</a:t>
+            </a:fld>
+            <a:endParaRPr lang="en-US"/>
+          </a:p>
+        </p:txBody>
+      </p:sp>
+    </p:spTree>
+  </p:cSld>
+  <p:clrMapOvr>
+    <a:masterClrMapping/>
+  </p:clrMapOvr>
+</p:notes>
+</file>
+
+<file path=ppt/notesSlides/notesSlide3.xml><?xml version="1.0" encoding="utf-8"?>
+<p:notes xmlns:a="http://schemas.openxmlformats.org/drawingml/2006/main" xmlns:r="http://schemas.openxmlformats.org/officeDocument/2006/relationships" xmlns:p="http://schemas.openxmlformats.org/presentationml/2006/main">
+  <p:cSld>
+    <p:spTree>
+      <p:nvGrpSpPr>
+        <p:cNvPr id="1" name=""/>
+        <p:cNvGrpSpPr/>
+        <p:nvPr/>
+      </p:nvGrpSpPr>
+      <p:grpSpPr>
+        <a:xfrm>
+          <a:off x="0" y="0"/>
+          <a:ext cx="0" cy="0"/>
+          <a:chOff x="0" y="0"/>
+          <a:chExt cx="0" cy="0"/>
+        </a:xfrm>
+      </p:grpSpPr>
+      <p:sp>
+        <p:nvSpPr>
+          <p:cNvPr id="2" name="Slide Image Placeholder 1"/>
+          <p:cNvSpPr>
+            <a:spLocks noGrp="1" noRot="1" noChangeAspect="1"/>
+          </p:cNvSpPr>
+          <p:nvPr>
+            <p:ph type="sldImg"/>
+          </p:nvPr>
+        </p:nvSpPr>
+        <p:spPr/>
+      </p:sp>
+      <p:sp>
+        <p:nvSpPr>
+          <p:cNvPr id="3" name="Notes Placeholder 2"/>
+          <p:cNvSpPr>
+            <a:spLocks noGrp="1"/>
+          </p:cNvSpPr>
+          <p:nvPr>
+            <p:ph type="body" idx="1"/>
+          </p:nvPr>
+        </p:nvSpPr>
+        <p:spPr/>
+        <p:txBody>
+          <a:bodyPr>
+            <a:normAutofit/>
+          </a:bodyPr>
+          <a:lstStyle/>
+          <a:p>
+            <a:r>
+              <a:rPr lang="en-US" dirty="0" smtClean="0"/>
+              <a:t>Here, need to talk to the desire to understand images by their relationship</a:t>
+            </a:r>
+            <a:r>
+              <a:rPr lang="en-US" baseline="0" dirty="0" smtClean="0"/>
+              <a:t> to the PCA basis.</a:t>
+            </a:r>
+          </a:p>
+          <a:p>
+            <a:endParaRPr lang="en-US" dirty="0"/>
+          </a:p>
+        </p:txBody>
+      </p:sp>
+      <p:sp>
+        <p:nvSpPr>
+          <p:cNvPr id="4" name="Slide Number Placeholder 3"/>
+          <p:cNvSpPr>
+            <a:spLocks noGrp="1"/>
+          </p:cNvSpPr>
+          <p:nvPr>
+            <p:ph type="sldNum" sz="quarter" idx="10"/>
+          </p:nvPr>
+        </p:nvSpPr>
+        <p:spPr/>
+        <p:txBody>
+          <a:bodyPr/>
+          <a:lstStyle/>
+          <a:p>
+            <a:fld id="{6D11F7CA-E56A-464B-A398-B0F3C7D3A8C7}" type="slidenum">
+              <a:rPr lang="en-US" smtClean="0"/>
+              <a:pPr/>
+              <a:t>22</a:t>
+            </a:fld>
+            <a:endParaRPr lang="en-US"/>
+          </a:p>
+        </p:txBody>
+      </p:sp>
+    </p:spTree>
+  </p:cSld>
+  <p:clrMapOvr>
+    <a:masterClrMapping/>
+  </p:clrMapOvr>
+</p:notes>
+</file>
+
+<file path=ppt/notesSlides/notesSlide4.xml><?xml version="1.0" encoding="utf-8"?>
+<p:notes xmlns:a="http://schemas.openxmlformats.org/drawingml/2006/main" xmlns:r="http://schemas.openxmlformats.org/officeDocument/2006/relationships" xmlns:p="http://schemas.openxmlformats.org/presentationml/2006/main">
+  <p:cSld>
+    <p:spTree>
+      <p:nvGrpSpPr>
+        <p:cNvPr id="1" name=""/>
+        <p:cNvGrpSpPr/>
+        <p:nvPr/>
+      </p:nvGrpSpPr>
+      <p:grpSpPr>
+        <a:xfrm>
+          <a:off x="0" y="0"/>
+          <a:ext cx="0" cy="0"/>
+          <a:chOff x="0" y="0"/>
+          <a:chExt cx="0" cy="0"/>
+        </a:xfrm>
+      </p:grpSpPr>
+      <p:sp>
+        <p:nvSpPr>
+          <p:cNvPr id="2" name="Slide Image Placeholder 1"/>
+          <p:cNvSpPr>
+            <a:spLocks noGrp="1" noRot="1" noChangeAspect="1"/>
+          </p:cNvSpPr>
+          <p:nvPr>
+            <p:ph type="sldImg"/>
+          </p:nvPr>
+        </p:nvSpPr>
+        <p:spPr/>
+      </p:sp>
+      <p:sp>
+        <p:nvSpPr>
+          <p:cNvPr id="3" name="Notes Placeholder 2"/>
+          <p:cNvSpPr>
+            <a:spLocks noGrp="1"/>
+          </p:cNvSpPr>
+          <p:nvPr>
+            <p:ph type="body" idx="1"/>
+          </p:nvPr>
+        </p:nvSpPr>
+        <p:spPr/>
+        <p:txBody>
+          <a:bodyPr>
+            <a:normAutofit/>
+          </a:bodyPr>
+          <a:lstStyle/>
+          <a:p>
+            <a:r>
+              <a:rPr lang="en-US" dirty="0" smtClean="0"/>
+              <a:t>Where are those Gaussians?!</a:t>
+            </a:r>
+          </a:p>
+          <a:p>
+            <a:r>
+              <a:rPr lang="en-US" dirty="0" smtClean="0"/>
+              <a:t>Scale</a:t>
+            </a:r>
+            <a:r>
+              <a:rPr lang="en-US" baseline="0" dirty="0" smtClean="0"/>
+              <a:t> by # pixels -&gt; better results</a:t>
+            </a:r>
+          </a:p>
+          <a:p>
+            <a:r>
+              <a:rPr lang="en-US" baseline="0" dirty="0" smtClean="0"/>
+              <a:t>-show the pictures + residuals (scaled so you can see errors (maybe show log(1+abs(</a:t>
+            </a:r>
+            <a:r>
+              <a:rPr lang="en-US" baseline="0" dirty="0" err="1" smtClean="0"/>
+              <a:t>resid</a:t>
+            </a:r>
+            <a:r>
+              <a:rPr lang="en-US" baseline="0" smtClean="0"/>
+              <a:t>))))</a:t>
+            </a:r>
+          </a:p>
+        </p:txBody>
+      </p:sp>
+      <p:sp>
+        <p:nvSpPr>
+          <p:cNvPr id="4" name="Slide Number Placeholder 3"/>
+          <p:cNvSpPr>
+            <a:spLocks noGrp="1"/>
+          </p:cNvSpPr>
+          <p:nvPr>
+            <p:ph type="sldNum" sz="quarter" idx="10"/>
+          </p:nvPr>
+        </p:nvSpPr>
+        <p:spPr/>
+        <p:txBody>
+          <a:bodyPr/>
+          <a:lstStyle/>
+          <a:p>
+            <a:fld id="{6D11F7CA-E56A-464B-A398-B0F3C7D3A8C7}" type="slidenum">
+              <a:rPr lang="en-US" smtClean="0"/>
+              <a:pPr/>
+              <a:t>30</a:t>
+            </a:fld>
+            <a:endParaRPr lang="en-US"/>
+          </a:p>
+        </p:txBody>
+      </p:sp>
+    </p:spTree>
+  </p:cSld>
+  <p:clrMapOvr>
+    <a:masterClrMapping/>
+  </p:clrMapOvr>
+</p:notes>
+</file>
+
+<file path=ppt/notesSlides/notesSlide5.xml><?xml version="1.0" encoding="utf-8"?>
+<p:notes xmlns:a="http://schemas.openxmlformats.org/drawingml/2006/main" xmlns:r="http://schemas.openxmlformats.org/officeDocument/2006/relationships" xmlns:p="http://schemas.openxmlformats.org/presentationml/2006/main">
+  <p:cSld>
+    <p:spTree>
+      <p:nvGrpSpPr>
+        <p:cNvPr id="1" name=""/>
+        <p:cNvGrpSpPr/>
+        <p:nvPr/>
+      </p:nvGrpSpPr>
+      <p:grpSpPr>
+        <a:xfrm>
+          <a:off x="0" y="0"/>
+          <a:ext cx="0" cy="0"/>
+          <a:chOff x="0" y="0"/>
+          <a:chExt cx="0" cy="0"/>
+        </a:xfrm>
+      </p:grpSpPr>
+      <p:sp>
+        <p:nvSpPr>
+          <p:cNvPr id="2" name="Slide Image Placeholder 1"/>
+          <p:cNvSpPr>
+            <a:spLocks noGrp="1" noRot="1" noChangeAspect="1"/>
+          </p:cNvSpPr>
+          <p:nvPr>
+            <p:ph type="sldImg"/>
+          </p:nvPr>
+        </p:nvSpPr>
+        <p:spPr/>
+      </p:sp>
+      <p:sp>
+        <p:nvSpPr>
+          <p:cNvPr id="3" name="Notes Placeholder 2"/>
+          <p:cNvSpPr>
+            <a:spLocks noGrp="1"/>
+          </p:cNvSpPr>
+          <p:nvPr>
+            <p:ph type="body" idx="1"/>
+          </p:nvPr>
+        </p:nvSpPr>
+        <p:spPr/>
+        <p:txBody>
+          <a:bodyPr>
+            <a:normAutofit/>
+          </a:bodyPr>
+          <a:lstStyle/>
+          <a:p>
+            <a:r>
+              <a:rPr lang="en-US" dirty="0" smtClean="0"/>
+              <a:t>Show pictures</a:t>
+            </a:r>
+            <a:r>
+              <a:rPr lang="en-US" baseline="0" dirty="0" smtClean="0"/>
+              <a:t> sorted by both and say how it didn’t work</a:t>
+            </a:r>
+          </a:p>
+          <a:p>
+            <a:r>
+              <a:rPr lang="en-US" baseline="0" dirty="0" smtClean="0"/>
+              <a:t>The effect of small objects is dominated by the noise in the (larger) rest of the image.  </a:t>
+            </a:r>
+          </a:p>
+        </p:txBody>
+      </p:sp>
+      <p:sp>
+        <p:nvSpPr>
+          <p:cNvPr id="4" name="Slide Number Placeholder 3"/>
+          <p:cNvSpPr>
+            <a:spLocks noGrp="1"/>
+          </p:cNvSpPr>
+          <p:nvPr>
+            <p:ph type="sldNum" sz="quarter" idx="10"/>
+          </p:nvPr>
+        </p:nvSpPr>
+        <p:spPr/>
+        <p:txBody>
+          <a:bodyPr/>
+          <a:lstStyle/>
+          <a:p>
+            <a:fld id="{6D11F7CA-E56A-464B-A398-B0F3C7D3A8C7}" type="slidenum">
+              <a:rPr lang="en-US" smtClean="0"/>
+              <a:pPr/>
+              <a:t>33</a:t>
+            </a:fld>
+            <a:endParaRPr lang="en-US"/>
+          </a:p>
+        </p:txBody>
+      </p:sp>
+    </p:spTree>
+  </p:cSld>
+  <p:clrMapOvr>
+    <a:masterClrMapping/>
+  </p:clrMapOvr>
+</p:notes>
 </file>
 
 <file path=ppt/slideLayouts/slideLayout1.xml><?xml version="1.0" encoding="utf-8"?>
@@ -4290,7 +5149,7 @@
       </p:grpSpPr>
       <p:sp>
         <p:nvSpPr>
-          <p:cNvPr id="11" name="Footer Placeholder 3"/>
+          <p:cNvPr id="12" name="Footer Placeholder 3"/>
           <p:cNvSpPr>
             <a:spLocks noGrp="1"/>
           </p:cNvSpPr>
@@ -4312,7 +5171,7 @@
       </p:sp>
       <p:sp>
         <p:nvSpPr>
-          <p:cNvPr id="695298" name="Rectangle 2"/>
+          <p:cNvPr id="694274" name="Rectangle 2"/>
           <p:cNvSpPr>
             <a:spLocks noChangeArrowheads="1"/>
           </p:cNvSpPr>
@@ -4320,7 +5179,7 @@
         </p:nvSpPr>
         <p:spPr bwMode="auto">
           <a:xfrm>
-            <a:off x="2819400" y="676275"/>
+            <a:off x="2514600" y="762000"/>
             <a:ext cx="914400" cy="1752600"/>
           </a:xfrm>
           <a:prstGeom prst="rect">
@@ -4355,7 +5214,7 @@
       </p:sp>
       <p:sp>
         <p:nvSpPr>
-          <p:cNvPr id="695299" name="Text Box 3"/>
+          <p:cNvPr id="694275" name="Text Box 3"/>
           <p:cNvSpPr txBox="1">
             <a:spLocks noChangeArrowheads="1"/>
           </p:cNvSpPr>
@@ -4363,7 +5222,7 @@
         </p:nvSpPr>
         <p:spPr bwMode="auto">
           <a:xfrm>
-            <a:off x="3717925" y="1474788"/>
+            <a:off x="3413125" y="1560513"/>
             <a:ext cx="317500" cy="366712"/>
           </a:xfrm>
           <a:prstGeom prst="rect">
@@ -4395,7 +5254,7 @@
       </p:sp>
       <p:sp>
         <p:nvSpPr>
-          <p:cNvPr id="695300" name="Rectangle 4"/>
+          <p:cNvPr id="694276" name="Rectangle 4"/>
           <p:cNvSpPr>
             <a:spLocks noChangeArrowheads="1"/>
           </p:cNvSpPr>
@@ -4403,7 +5262,7 @@
         </p:nvSpPr>
         <p:spPr bwMode="auto">
           <a:xfrm>
-            <a:off x="4114800" y="676275"/>
+            <a:off x="3810000" y="762000"/>
             <a:ext cx="381000" cy="1762125"/>
           </a:xfrm>
           <a:prstGeom prst="rect">
@@ -4438,7 +5297,7 @@
       </p:sp>
       <p:sp>
         <p:nvSpPr>
-          <p:cNvPr id="695301" name="Rectangle 5"/>
+          <p:cNvPr id="694277" name="Rectangle 5"/>
           <p:cNvSpPr>
             <a:spLocks noChangeArrowheads="1"/>
           </p:cNvSpPr>
@@ -4446,7 +5305,7 @@
         </p:nvSpPr>
         <p:spPr bwMode="auto">
           <a:xfrm>
-            <a:off x="4648200" y="676275"/>
+            <a:off x="4343400" y="762000"/>
             <a:ext cx="304800" cy="381000"/>
           </a:xfrm>
           <a:prstGeom prst="rect">
@@ -4481,7 +5340,7 @@
       </p:sp>
       <p:sp>
         <p:nvSpPr>
-          <p:cNvPr id="695302" name="Rectangle 6"/>
+          <p:cNvPr id="694278" name="Rectangle 6"/>
           <p:cNvSpPr>
             <a:spLocks noChangeArrowheads="1"/>
           </p:cNvSpPr>
@@ -4489,7 +5348,7 @@
         </p:nvSpPr>
         <p:spPr bwMode="auto">
           <a:xfrm>
-            <a:off x="5181600" y="676275"/>
+            <a:off x="4876800" y="762000"/>
             <a:ext cx="838200" cy="381000"/>
           </a:xfrm>
           <a:prstGeom prst="rect">
@@ -4524,6 +5383,823 @@
       </p:sp>
       <p:sp>
         <p:nvSpPr>
+          <p:cNvPr id="694279" name="Text Box 7"/>
+          <p:cNvSpPr txBox="1">
+            <a:spLocks noChangeArrowheads="1"/>
+          </p:cNvSpPr>
+          <p:nvPr/>
+        </p:nvSpPr>
+        <p:spPr bwMode="auto">
+          <a:xfrm>
+            <a:off x="1600200" y="2138363"/>
+            <a:ext cx="962025" cy="366712"/>
+          </a:xfrm>
+          <a:prstGeom prst="rect">
+            <a:avLst/>
+          </a:prstGeom>
+          <a:noFill/>
+          <a:ln w="9525">
+            <a:noFill/>
+            <a:miter lim="800000"/>
+            <a:headEnd/>
+            <a:tailEnd/>
+          </a:ln>
+          <a:effectLst/>
+        </p:spPr>
+        <p:txBody>
+          <a:bodyPr wrap="none">
+            <a:spAutoFit/>
+          </a:bodyPr>
+          <a:lstStyle/>
+          <a:p>
+            <a:r>
+              <a:rPr lang="en-US" sz="1800" b="0"/>
+              <a:t>Images</a:t>
+            </a:r>
+          </a:p>
+        </p:txBody>
+      </p:sp>
+      <p:sp>
+        <p:nvSpPr>
+          <p:cNvPr id="694280" name="Text Box 8"/>
+          <p:cNvSpPr txBox="1">
+            <a:spLocks noChangeArrowheads="1"/>
+          </p:cNvSpPr>
+          <p:nvPr/>
+        </p:nvSpPr>
+        <p:spPr bwMode="auto">
+          <a:xfrm>
+            <a:off x="4251325" y="2098675"/>
+            <a:ext cx="1577975" cy="366713"/>
+          </a:xfrm>
+          <a:prstGeom prst="rect">
+            <a:avLst/>
+          </a:prstGeom>
+          <a:noFill/>
+          <a:ln w="9525">
+            <a:noFill/>
+            <a:miter lim="800000"/>
+            <a:headEnd/>
+            <a:tailEnd/>
+          </a:ln>
+          <a:effectLst/>
+        </p:spPr>
+        <p:txBody>
+          <a:bodyPr wrap="none">
+            <a:spAutoFit/>
+          </a:bodyPr>
+          <a:lstStyle/>
+          <a:p>
+            <a:r>
+              <a:rPr lang="en-US" sz="1800" b="0"/>
+              <a:t>Basis Images</a:t>
+            </a:r>
+          </a:p>
+        </p:txBody>
+      </p:sp>
+      <p:sp>
+        <p:nvSpPr>
+          <p:cNvPr id="694281" name="Text Box 9"/>
+          <p:cNvSpPr txBox="1">
+            <a:spLocks noChangeArrowheads="1"/>
+          </p:cNvSpPr>
+          <p:nvPr/>
+        </p:nvSpPr>
+        <p:spPr bwMode="auto">
+          <a:xfrm>
+            <a:off x="5029200" y="1143000"/>
+            <a:ext cx="1390650" cy="366713"/>
+          </a:xfrm>
+          <a:prstGeom prst="rect">
+            <a:avLst/>
+          </a:prstGeom>
+          <a:noFill/>
+          <a:ln w="9525">
+            <a:noFill/>
+            <a:miter lim="800000"/>
+            <a:headEnd/>
+            <a:tailEnd/>
+          </a:ln>
+          <a:effectLst/>
+        </p:spPr>
+        <p:txBody>
+          <a:bodyPr wrap="none">
+            <a:spAutoFit/>
+          </a:bodyPr>
+          <a:lstStyle/>
+          <a:p>
+            <a:r>
+              <a:rPr lang="en-US" sz="1800" b="0">
+                <a:latin typeface="Arial" pitchFamily="34" charset="0"/>
+              </a:rPr>
+              <a:t>coefficients.</a:t>
+            </a:r>
+          </a:p>
+        </p:txBody>
+      </p:sp>
+      <p:sp>
+        <p:nvSpPr>
+          <p:cNvPr id="694282" name="Text Box 10"/>
+          <p:cNvSpPr txBox="1">
+            <a:spLocks noChangeArrowheads="1"/>
+          </p:cNvSpPr>
+          <p:nvPr/>
+        </p:nvSpPr>
+        <p:spPr bwMode="auto">
+          <a:xfrm>
+            <a:off x="609600" y="2590800"/>
+            <a:ext cx="6421951" cy="2308324"/>
+          </a:xfrm>
+          <a:prstGeom prst="rect">
+            <a:avLst/>
+          </a:prstGeom>
+          <a:noFill/>
+          <a:ln w="9525">
+            <a:noFill/>
+            <a:miter lim="800000"/>
+            <a:headEnd/>
+            <a:tailEnd/>
+          </a:ln>
+          <a:effectLst/>
+        </p:spPr>
+        <p:txBody>
+          <a:bodyPr wrap="none">
+            <a:spAutoFit/>
+          </a:bodyPr>
+          <a:lstStyle/>
+          <a:p>
+            <a:pPr eaLnBrk="1" hangingPunct="1"/>
+            <a:r>
+              <a:rPr lang="en-US" sz="1800" b="0" dirty="0"/>
+              <a:t>Special properties:</a:t>
+            </a:r>
+          </a:p>
+          <a:p>
+            <a:pPr eaLnBrk="1" hangingPunct="1"/>
+            <a:r>
+              <a:rPr lang="en-US" sz="1800" b="0" dirty="0"/>
+              <a:t>   U,V are both </a:t>
+            </a:r>
+            <a:r>
+              <a:rPr lang="en-US" sz="1800" b="0" dirty="0" err="1"/>
+              <a:t>orthonormal</a:t>
+            </a:r>
+            <a:r>
+              <a:rPr lang="en-US" sz="1800" b="0" dirty="0"/>
+              <a:t> matrices.</a:t>
+            </a:r>
+          </a:p>
+          <a:p>
+            <a:pPr eaLnBrk="1" hangingPunct="1"/>
+            <a:endParaRPr lang="en-US" sz="1800" b="0" dirty="0"/>
+          </a:p>
+          <a:p>
+            <a:pPr eaLnBrk="1" hangingPunct="1"/>
+            <a:r>
+              <a:rPr lang="en-US" sz="1800" b="0" dirty="0"/>
+              <a:t>This is cool:</a:t>
+            </a:r>
+          </a:p>
+          <a:p>
+            <a:pPr eaLnBrk="1" hangingPunct="1"/>
+            <a:r>
+              <a:rPr lang="en-US" sz="1800" b="0" dirty="0"/>
+              <a:t>   Given a new image W, to get its coefficients </a:t>
+            </a:r>
+            <a:r>
+              <a:rPr lang="en-US" sz="1800" b="0" dirty="0" err="1"/>
+              <a:t>v</a:t>
+            </a:r>
+            <a:r>
+              <a:rPr lang="en-US" sz="1800" b="0" baseline="-25000" dirty="0" err="1"/>
+              <a:t>w</a:t>
+            </a:r>
+            <a:r>
+              <a:rPr lang="en-US" sz="1800" b="0" dirty="0"/>
+              <a:t>, you can use:</a:t>
+            </a:r>
+          </a:p>
+          <a:p>
+            <a:pPr eaLnBrk="1" hangingPunct="1"/>
+            <a:r>
+              <a:rPr lang="en-US" sz="1800" b="0" dirty="0"/>
+              <a:t>       </a:t>
+            </a:r>
+            <a:r>
+              <a:rPr lang="en-US" sz="1800" b="0" dirty="0" err="1" smtClean="0"/>
+              <a:t>v</a:t>
+            </a:r>
+            <a:r>
+              <a:rPr lang="en-US" sz="1800" b="0" baseline="-25000" dirty="0" err="1" smtClean="0"/>
+              <a:t>w</a:t>
+            </a:r>
+            <a:r>
+              <a:rPr lang="en-US" sz="1800" b="0" dirty="0" smtClean="0"/>
+              <a:t>=U</a:t>
+            </a:r>
+            <a:r>
+              <a:rPr lang="en-US" baseline="30000" dirty="0">
+                <a:latin typeface="cmsy10" pitchFamily="34" charset="0"/>
+              </a:rPr>
+              <a:t>T</a:t>
+            </a:r>
+            <a:r>
+              <a:rPr lang="en-US" sz="1800" b="0" dirty="0" smtClean="0"/>
+              <a:t>W</a:t>
+            </a:r>
+            <a:endParaRPr lang="en-US" sz="1800" b="0" dirty="0"/>
+          </a:p>
+          <a:p>
+            <a:pPr eaLnBrk="1" hangingPunct="1"/>
+            <a:r>
+              <a:rPr lang="en-US" sz="1800" b="0" dirty="0"/>
+              <a:t> </a:t>
+            </a:r>
+          </a:p>
+          <a:p>
+            <a:pPr eaLnBrk="1" hangingPunct="1"/>
+            <a:r>
+              <a:rPr lang="en-US" sz="1800" b="0" dirty="0"/>
+              <a:t>   Then U </a:t>
+            </a:r>
+            <a:r>
+              <a:rPr lang="en-US" sz="1800" b="0" dirty="0" err="1"/>
+              <a:t>v</a:t>
+            </a:r>
+            <a:r>
+              <a:rPr lang="en-US" sz="1800" b="0" baseline="-25000" dirty="0" err="1"/>
+              <a:t>w</a:t>
+            </a:r>
+            <a:r>
+              <a:rPr lang="en-US" sz="1800" b="0" dirty="0"/>
+              <a:t> approximately reconstructs W.  Why?</a:t>
+            </a:r>
+            <a:endParaRPr lang="en-US" sz="1800" b="0" baseline="-25000" dirty="0"/>
+          </a:p>
+        </p:txBody>
+      </p:sp>
+      <p:sp>
+        <p:nvSpPr>
+          <p:cNvPr id="694283" name="Text Box 11"/>
+          <p:cNvSpPr txBox="1">
+            <a:spLocks noChangeArrowheads="1"/>
+          </p:cNvSpPr>
+          <p:nvPr/>
+        </p:nvSpPr>
+        <p:spPr bwMode="auto">
+          <a:xfrm>
+            <a:off x="609600" y="4876800"/>
+            <a:ext cx="7550150" cy="1739900"/>
+          </a:xfrm>
+          <a:prstGeom prst="rect">
+            <a:avLst/>
+          </a:prstGeom>
+          <a:noFill/>
+          <a:ln w="9525">
+            <a:noFill/>
+            <a:miter lim="800000"/>
+            <a:headEnd/>
+            <a:tailEnd/>
+          </a:ln>
+          <a:effectLst/>
+        </p:spPr>
+        <p:txBody>
+          <a:bodyPr>
+            <a:spAutoFit/>
+          </a:bodyPr>
+          <a:lstStyle/>
+          <a:p>
+            <a:pPr eaLnBrk="1" hangingPunct="1"/>
+            <a:endParaRPr lang="en-US" sz="1800" b="0" dirty="0"/>
+          </a:p>
+          <a:p>
+            <a:pPr eaLnBrk="1" hangingPunct="1"/>
+            <a:r>
+              <a:rPr lang="en-US" sz="1800" b="0" dirty="0"/>
+              <a:t>   U </a:t>
+            </a:r>
+            <a:r>
+              <a:rPr lang="en-US" sz="1800" b="0" dirty="0" err="1"/>
+              <a:t>v</a:t>
+            </a:r>
+            <a:r>
+              <a:rPr lang="en-US" sz="1800" b="0" baseline="-25000" dirty="0" err="1"/>
+              <a:t>w</a:t>
+            </a:r>
+            <a:r>
+              <a:rPr lang="en-US" sz="1800" b="0" dirty="0"/>
+              <a:t> </a:t>
+            </a:r>
+          </a:p>
+          <a:p>
+            <a:pPr eaLnBrk="1" hangingPunct="1"/>
+            <a:r>
+              <a:rPr lang="en-US" sz="1800" b="0" dirty="0"/>
+              <a:t>= U (</a:t>
+            </a:r>
+            <a:r>
+              <a:rPr lang="en-US" sz="1800" b="0" dirty="0" smtClean="0"/>
+              <a:t>U</a:t>
+            </a:r>
+            <a:r>
+              <a:rPr lang="en-US" baseline="30000" dirty="0">
+                <a:latin typeface="cmsy10" pitchFamily="34" charset="0"/>
+              </a:rPr>
+              <a:t>T</a:t>
+            </a:r>
+            <a:r>
+              <a:rPr lang="en-US" sz="1800" b="0" dirty="0" smtClean="0"/>
+              <a:t>W</a:t>
+            </a:r>
+            <a:r>
+              <a:rPr lang="en-US" sz="1800" b="0" dirty="0"/>
+              <a:t>)  </a:t>
+            </a:r>
+          </a:p>
+          <a:p>
+            <a:pPr eaLnBrk="1" hangingPunct="1"/>
+            <a:r>
+              <a:rPr lang="en-US" sz="1800" b="0" dirty="0"/>
+              <a:t>=  (U </a:t>
+            </a:r>
+            <a:r>
+              <a:rPr lang="en-US" sz="1800" b="0" dirty="0" smtClean="0"/>
+              <a:t>U</a:t>
+            </a:r>
+            <a:r>
+              <a:rPr lang="en-US" baseline="30000" dirty="0">
+                <a:latin typeface="cmsy10" pitchFamily="34" charset="0"/>
+              </a:rPr>
+              <a:t>T</a:t>
+            </a:r>
+            <a:r>
+              <a:rPr lang="en-US" sz="1800" b="0" dirty="0" smtClean="0"/>
+              <a:t>)W </a:t>
+            </a:r>
+            <a:endParaRPr lang="en-US" sz="1800" b="0" dirty="0"/>
+          </a:p>
+          <a:p>
+            <a:pPr eaLnBrk="1" hangingPunct="1"/>
+            <a:r>
+              <a:rPr lang="en-US" sz="1800" b="0" dirty="0"/>
+              <a:t>= I W </a:t>
+            </a:r>
+          </a:p>
+          <a:p>
+            <a:pPr eaLnBrk="1" hangingPunct="1"/>
+            <a:r>
+              <a:rPr lang="en-US" sz="1800" b="0" dirty="0"/>
+              <a:t>= W. </a:t>
+            </a:r>
+          </a:p>
+        </p:txBody>
+      </p:sp>
+    </p:spTree>
+  </p:cSld>
+  <p:clrMapOvr>
+    <a:masterClrMapping/>
+  </p:clrMapOvr>
+  <p:timing>
+    <p:tnLst>
+      <p:par>
+        <p:cTn id="1" dur="indefinite" restart="never" nodeType="tmRoot">
+          <p:childTnLst>
+            <p:seq concurrent="1" nextAc="seek">
+              <p:cTn id="2" dur="indefinite" nodeType="mainSeq">
+                <p:childTnLst>
+                  <p:par>
+                    <p:cTn id="3" fill="hold">
+                      <p:stCondLst>
+                        <p:cond delay="indefinite"/>
+                        <p:cond evt="onBegin" delay="0">
+                          <p:tn val="2"/>
+                        </p:cond>
+                      </p:stCondLst>
+                      <p:childTnLst>
+                        <p:par>
+                          <p:cTn id="4" fill="hold">
+                            <p:stCondLst>
+                              <p:cond delay="0"/>
+                            </p:stCondLst>
+                            <p:childTnLst>
+                              <p:par>
+                                <p:cTn id="5" presetID="3" presetClass="entr" presetSubtype="10" fill="hold" grpId="0" nodeType="withEffect">
+                                  <p:stCondLst>
+                                    <p:cond delay="0"/>
+                                  </p:stCondLst>
+                                  <p:childTnLst>
+                                    <p:set>
+                                      <p:cBhvr>
+                                        <p:cTn id="6" dur="1" fill="hold">
+                                          <p:stCondLst>
+                                            <p:cond delay="0"/>
+                                          </p:stCondLst>
+                                        </p:cTn>
+                                        <p:tgtEl>
+                                          <p:spTgt spid="694281"/>
+                                        </p:tgtEl>
+                                        <p:attrNameLst>
+                                          <p:attrName>style.visibility</p:attrName>
+                                        </p:attrNameLst>
+                                      </p:cBhvr>
+                                      <p:to>
+                                        <p:strVal val="visible"/>
+                                      </p:to>
+                                    </p:set>
+                                    <p:animEffect transition="in" filter="blinds(horizontal)">
+                                      <p:cBhvr>
+                                        <p:cTn id="7" dur="500"/>
+                                        <p:tgtEl>
+                                          <p:spTgt spid="694281"/>
+                                        </p:tgtEl>
+                                      </p:cBhvr>
+                                    </p:animEffect>
+                                  </p:childTnLst>
+                                </p:cTn>
+                              </p:par>
+                              <p:par>
+                                <p:cTn id="8" presetID="24" presetClass="exit" presetSubtype="0" fill="hold" grpId="1" nodeType="withEffect">
+                                  <p:stCondLst>
+                                    <p:cond delay="0"/>
+                                  </p:stCondLst>
+                                  <p:childTnLst>
+                                    <p:anim to="" calcmode="lin" valueType="num">
+                                      <p:cBhvr>
+                                        <p:cTn id="9" dur="1"/>
+                                        <p:tgtEl>
+                                          <p:spTgt spid="694281"/>
+                                        </p:tgtEl>
+                                        <p:attrNameLst>
+                                          <p:attrName/>
+                                        </p:attrNameLst>
+                                      </p:cBhvr>
+                                    </p:anim>
+                                    <p:set>
+                                      <p:cBhvr>
+                                        <p:cTn id="10" dur="1" fill="hold">
+                                          <p:stCondLst>
+                                            <p:cond delay="0"/>
+                                          </p:stCondLst>
+                                        </p:cTn>
+                                        <p:tgtEl>
+                                          <p:spTgt spid="694281"/>
+                                        </p:tgtEl>
+                                        <p:attrNameLst>
+                                          <p:attrName>style.visibility</p:attrName>
+                                        </p:attrNameLst>
+                                      </p:cBhvr>
+                                      <p:to>
+                                        <p:strVal val="hidden"/>
+                                      </p:to>
+                                    </p:set>
+                                  </p:childTnLst>
+                                </p:cTn>
+                              </p:par>
+                            </p:childTnLst>
+                          </p:cTn>
+                        </p:par>
+                      </p:childTnLst>
+                    </p:cTn>
+                  </p:par>
+                  <p:par>
+                    <p:cTn id="11" fill="hold">
+                      <p:stCondLst>
+                        <p:cond delay="indefinite"/>
+                      </p:stCondLst>
+                      <p:childTnLst>
+                        <p:par>
+                          <p:cTn id="12" fill="hold">
+                            <p:stCondLst>
+                              <p:cond delay="0"/>
+                            </p:stCondLst>
+                            <p:childTnLst>
+                              <p:par>
+                                <p:cTn id="13" presetID="24" presetClass="entr" presetSubtype="0" fill="hold" grpId="0" nodeType="clickEffect">
+                                  <p:stCondLst>
+                                    <p:cond delay="0"/>
+                                  </p:stCondLst>
+                                  <p:childTnLst>
+                                    <p:set>
+                                      <p:cBhvr>
+                                        <p:cTn id="14" dur="1" fill="hold">
+                                          <p:stCondLst>
+                                            <p:cond delay="0"/>
+                                          </p:stCondLst>
+                                        </p:cTn>
+                                        <p:tgtEl>
+                                          <p:spTgt spid="694283"/>
+                                        </p:tgtEl>
+                                        <p:attrNameLst>
+                                          <p:attrName>style.visibility</p:attrName>
+                                        </p:attrNameLst>
+                                      </p:cBhvr>
+                                      <p:to>
+                                        <p:strVal val="visible"/>
+                                      </p:to>
+                                    </p:set>
+                                    <p:anim to="" calcmode="lin" valueType="num">
+                                      <p:cBhvr>
+                                        <p:cTn id="15" dur="1" fill="hold"/>
+                                        <p:tgtEl>
+                                          <p:spTgt spid="694283"/>
+                                        </p:tgtEl>
+                                        <p:attrNameLst>
+                                          <p:attrName/>
+                                        </p:attrNameLst>
+                                      </p:cBhvr>
+                                    </p:anim>
+                                  </p:childTnLst>
+                                </p:cTn>
+                              </p:par>
+                            </p:childTnLst>
+                          </p:cTn>
+                        </p:par>
+                      </p:childTnLst>
+                    </p:cTn>
+                  </p:par>
+                </p:childTnLst>
+              </p:cTn>
+              <p:prevCondLst>
+                <p:cond evt="onPrev" delay="0">
+                  <p:tgtEl>
+                    <p:sldTgt/>
+                  </p:tgtEl>
+                </p:cond>
+              </p:prevCondLst>
+              <p:nextCondLst>
+                <p:cond evt="onNext" delay="0">
+                  <p:tgtEl>
+                    <p:sldTgt/>
+                  </p:tgtEl>
+                </p:cond>
+              </p:nextCondLst>
+            </p:seq>
+          </p:childTnLst>
+        </p:cTn>
+      </p:par>
+    </p:tnLst>
+    <p:bldLst>
+      <p:bldP spid="694281" grpId="0"/>
+      <p:bldP spid="694281" grpId="1"/>
+      <p:bldP spid="694283" grpId="0"/>
+    </p:bldLst>
+  </p:timing>
+</p:sld>
+</file>
+
+<file path=ppt/slides/slide11.xml><?xml version="1.0" encoding="utf-8"?>
+<p:sld xmlns:a="http://schemas.openxmlformats.org/drawingml/2006/main" xmlns:r="http://schemas.openxmlformats.org/officeDocument/2006/relationships" xmlns:p="http://schemas.openxmlformats.org/presentationml/2006/main">
+  <p:cSld>
+    <p:spTree>
+      <p:nvGrpSpPr>
+        <p:cNvPr id="1" name=""/>
+        <p:cNvGrpSpPr/>
+        <p:nvPr/>
+      </p:nvGrpSpPr>
+      <p:grpSpPr>
+        <a:xfrm>
+          <a:off x="0" y="0"/>
+          <a:ext cx="0" cy="0"/>
+          <a:chOff x="0" y="0"/>
+          <a:chExt cx="0" cy="0"/>
+        </a:xfrm>
+      </p:grpSpPr>
+      <p:sp>
+        <p:nvSpPr>
+          <p:cNvPr id="11" name="Footer Placeholder 3"/>
+          <p:cNvSpPr>
+            <a:spLocks noGrp="1"/>
+          </p:cNvSpPr>
+          <p:nvPr>
+            <p:ph type="ftr" sz="quarter" idx="10"/>
+          </p:nvPr>
+        </p:nvSpPr>
+        <p:spPr/>
+        <p:txBody>
+          <a:bodyPr/>
+          <a:lstStyle/>
+          <a:p>
+            <a:r>
+              <a:rPr lang="en-US"/>
+              <a:t>Computer Vision, Robert Pless</a:t>
+            </a:r>
+          </a:p>
+        </p:txBody>
+      </p:sp>
+      <p:sp>
+        <p:nvSpPr>
+          <p:cNvPr id="695298" name="Rectangle 2"/>
+          <p:cNvSpPr>
+            <a:spLocks noChangeArrowheads="1"/>
+          </p:cNvSpPr>
+          <p:nvPr/>
+        </p:nvSpPr>
+        <p:spPr bwMode="auto">
+          <a:xfrm>
+            <a:off x="2819400" y="676275"/>
+            <a:ext cx="914400" cy="1752600"/>
+          </a:xfrm>
+          <a:prstGeom prst="rect">
+            <a:avLst/>
+          </a:prstGeom>
+          <a:solidFill>
+            <a:schemeClr val="accent1"/>
+          </a:solidFill>
+          <a:ln w="9525">
+            <a:solidFill>
+              <a:schemeClr val="tx1"/>
+            </a:solidFill>
+            <a:miter lim="800000"/>
+            <a:headEnd/>
+            <a:tailEnd/>
+          </a:ln>
+          <a:effectLst/>
+        </p:spPr>
+        <p:txBody>
+          <a:bodyPr wrap="none" anchor="ctr"/>
+          <a:lstStyle/>
+          <a:p>
+            <a:pPr algn="ctr"/>
+            <a:r>
+              <a:rPr lang="en-US" sz="1800" b="0">
+                <a:latin typeface="Arial" pitchFamily="34" charset="0"/>
+              </a:rPr>
+              <a:t>D</a:t>
+            </a:r>
+          </a:p>
+        </p:txBody>
+      </p:sp>
+      <p:sp>
+        <p:nvSpPr>
+          <p:cNvPr id="695299" name="Text Box 3"/>
+          <p:cNvSpPr txBox="1">
+            <a:spLocks noChangeArrowheads="1"/>
+          </p:cNvSpPr>
+          <p:nvPr/>
+        </p:nvSpPr>
+        <p:spPr bwMode="auto">
+          <a:xfrm>
+            <a:off x="3717925" y="1474788"/>
+            <a:ext cx="317500" cy="366712"/>
+          </a:xfrm>
+          <a:prstGeom prst="rect">
+            <a:avLst/>
+          </a:prstGeom>
+          <a:noFill/>
+          <a:ln w="9525">
+            <a:noFill/>
+            <a:miter lim="800000"/>
+            <a:headEnd/>
+            <a:tailEnd/>
+          </a:ln>
+          <a:effectLst/>
+        </p:spPr>
+        <p:txBody>
+          <a:bodyPr wrap="none">
+            <a:spAutoFit/>
+          </a:bodyPr>
+          <a:lstStyle/>
+          <a:p>
+            <a:r>
+              <a:rPr lang="en-US" sz="1800" b="0">
+                <a:latin typeface="Arial" pitchFamily="34" charset="0"/>
+              </a:rPr>
+              <a:t>=</a:t>
+            </a:r>
+          </a:p>
+        </p:txBody>
+      </p:sp>
+      <p:sp>
+        <p:nvSpPr>
+          <p:cNvPr id="695300" name="Rectangle 4"/>
+          <p:cNvSpPr>
+            <a:spLocks noChangeArrowheads="1"/>
+          </p:cNvSpPr>
+          <p:nvPr/>
+        </p:nvSpPr>
+        <p:spPr bwMode="auto">
+          <a:xfrm>
+            <a:off x="4114800" y="676275"/>
+            <a:ext cx="381000" cy="1762125"/>
+          </a:xfrm>
+          <a:prstGeom prst="rect">
+            <a:avLst/>
+          </a:prstGeom>
+          <a:solidFill>
+            <a:schemeClr val="accent1"/>
+          </a:solidFill>
+          <a:ln w="9525">
+            <a:solidFill>
+              <a:schemeClr val="tx1"/>
+            </a:solidFill>
+            <a:miter lim="800000"/>
+            <a:headEnd/>
+            <a:tailEnd/>
+          </a:ln>
+          <a:effectLst/>
+        </p:spPr>
+        <p:txBody>
+          <a:bodyPr wrap="none" anchor="ctr"/>
+          <a:lstStyle/>
+          <a:p>
+            <a:pPr algn="ctr"/>
+            <a:r>
+              <a:rPr lang="en-US" sz="1800" b="0">
+                <a:latin typeface="Arial" pitchFamily="34" charset="0"/>
+              </a:rPr>
+              <a:t>U</a:t>
+            </a:r>
+          </a:p>
+        </p:txBody>
+      </p:sp>
+      <p:sp>
+        <p:nvSpPr>
+          <p:cNvPr id="695301" name="Rectangle 5"/>
+          <p:cNvSpPr>
+            <a:spLocks noChangeArrowheads="1"/>
+          </p:cNvSpPr>
+          <p:nvPr/>
+        </p:nvSpPr>
+        <p:spPr bwMode="auto">
+          <a:xfrm>
+            <a:off x="4648200" y="676275"/>
+            <a:ext cx="304800" cy="381000"/>
+          </a:xfrm>
+          <a:prstGeom prst="rect">
+            <a:avLst/>
+          </a:prstGeom>
+          <a:solidFill>
+            <a:schemeClr val="accent1"/>
+          </a:solidFill>
+          <a:ln w="9525">
+            <a:solidFill>
+              <a:schemeClr val="tx1"/>
+            </a:solidFill>
+            <a:miter lim="800000"/>
+            <a:headEnd/>
+            <a:tailEnd/>
+          </a:ln>
+          <a:effectLst/>
+        </p:spPr>
+        <p:txBody>
+          <a:bodyPr wrap="none" anchor="ctr"/>
+          <a:lstStyle/>
+          <a:p>
+            <a:pPr algn="ctr"/>
+            <a:r>
+              <a:rPr lang="en-US" sz="1800" b="0">
+                <a:latin typeface="Arial" pitchFamily="34" charset="0"/>
+              </a:rPr>
+              <a:t>S</a:t>
+            </a:r>
+          </a:p>
+        </p:txBody>
+      </p:sp>
+      <p:sp>
+        <p:nvSpPr>
+          <p:cNvPr id="695302" name="Rectangle 6"/>
+          <p:cNvSpPr>
+            <a:spLocks noChangeArrowheads="1"/>
+          </p:cNvSpPr>
+          <p:nvPr/>
+        </p:nvSpPr>
+        <p:spPr bwMode="auto">
+          <a:xfrm>
+            <a:off x="5181600" y="676275"/>
+            <a:ext cx="838200" cy="381000"/>
+          </a:xfrm>
+          <a:prstGeom prst="rect">
+            <a:avLst/>
+          </a:prstGeom>
+          <a:solidFill>
+            <a:schemeClr val="accent1"/>
+          </a:solidFill>
+          <a:ln w="9525">
+            <a:solidFill>
+              <a:schemeClr val="tx1"/>
+            </a:solidFill>
+            <a:miter lim="800000"/>
+            <a:headEnd/>
+            <a:tailEnd/>
+          </a:ln>
+          <a:effectLst/>
+        </p:spPr>
+        <p:txBody>
+          <a:bodyPr wrap="none" anchor="ctr"/>
+          <a:lstStyle/>
+          <a:p>
+            <a:pPr algn="ctr"/>
+            <a:r>
+              <a:rPr lang="en-US" sz="1800" b="0">
+                <a:latin typeface="Arial" pitchFamily="34" charset="0"/>
+              </a:rPr>
+              <a:t>V</a:t>
+            </a:r>
+          </a:p>
+        </p:txBody>
+      </p:sp>
+      <p:sp>
+        <p:nvSpPr>
           <p:cNvPr id="695303" name="Text Box 7"/>
           <p:cNvSpPr txBox="1">
             <a:spLocks noChangeArrowheads="1"/>
@@ -4770,7 +6446,7 @@
 </p:sld>
 </file>
 
-<file path=ppt/slides/slide11.xml><?xml version="1.0" encoding="utf-8"?>
+<file path=ppt/slides/slide12.xml><?xml version="1.0" encoding="utf-8"?>
 <p:sld xmlns:a="http://schemas.openxmlformats.org/drawingml/2006/main" xmlns:r="http://schemas.openxmlformats.org/officeDocument/2006/relationships" xmlns:p="http://schemas.openxmlformats.org/presentationml/2006/main">
   <p:cSld>
     <p:spTree>
@@ -5682,132 +7358,6 @@
 </p:sld>
 </file>
 
-<file path=ppt/slides/slide12.xml><?xml version="1.0" encoding="utf-8"?>
-<p:sld xmlns:a="http://schemas.openxmlformats.org/drawingml/2006/main" xmlns:r="http://schemas.openxmlformats.org/officeDocument/2006/relationships" xmlns:p="http://schemas.openxmlformats.org/presentationml/2006/main">
-  <p:cSld>
-    <p:spTree>
-      <p:nvGrpSpPr>
-        <p:cNvPr id="1" name=""/>
-        <p:cNvGrpSpPr/>
-        <p:nvPr/>
-      </p:nvGrpSpPr>
-      <p:grpSpPr>
-        <a:xfrm>
-          <a:off x="0" y="0"/>
-          <a:ext cx="0" cy="0"/>
-          <a:chOff x="0" y="0"/>
-          <a:chExt cx="0" cy="0"/>
-        </a:xfrm>
-      </p:grpSpPr>
-      <p:sp>
-        <p:nvSpPr>
-          <p:cNvPr id="2" name="Title 1"/>
-          <p:cNvSpPr>
-            <a:spLocks noGrp="1"/>
-          </p:cNvSpPr>
-          <p:nvPr>
-            <p:ph type="title"/>
-          </p:nvPr>
-        </p:nvSpPr>
-        <p:spPr/>
-        <p:txBody>
-          <a:bodyPr/>
-          <a:lstStyle/>
-          <a:p>
-            <a:r>
-              <a:rPr lang="en-US" dirty="0" smtClean="0"/>
-              <a:t>PCA – dependence on k</a:t>
-            </a:r>
-            <a:endParaRPr lang="en-US" dirty="0"/>
-          </a:p>
-        </p:txBody>
-      </p:sp>
-      <p:sp>
-        <p:nvSpPr>
-          <p:cNvPr id="3" name="Content Placeholder 2"/>
-          <p:cNvSpPr>
-            <a:spLocks noGrp="1"/>
-          </p:cNvSpPr>
-          <p:nvPr>
-            <p:ph idx="1"/>
-          </p:nvPr>
-        </p:nvSpPr>
-        <p:spPr/>
-        <p:txBody>
-          <a:bodyPr/>
-          <a:lstStyle/>
-          <a:p>
-            <a:endParaRPr lang="en-US"/>
-          </a:p>
-        </p:txBody>
-      </p:sp>
-      <p:pic>
-        <p:nvPicPr>
-          <p:cNvPr id="8194" name="Picture 2" descr="C:\Documents and Settings\gpu\Desktop\David Ross\davidrossmastersproject\mastersProject\writeup\figures\pcaIntroFigs.jpg"/>
-          <p:cNvPicPr>
-            <a:picLocks noChangeAspect="1" noChangeArrowheads="1"/>
-          </p:cNvPicPr>
-          <p:nvPr/>
-        </p:nvPicPr>
-        <p:blipFill>
-          <a:blip r:embed="rId2"/>
-          <a:srcRect l="7114" r="7521" b="8695"/>
-          <a:stretch>
-            <a:fillRect/>
-          </a:stretch>
-        </p:blipFill>
-        <p:spPr bwMode="auto">
-          <a:xfrm>
-            <a:off x="-990600" y="723502"/>
-            <a:ext cx="7315200" cy="5601098"/>
-          </a:xfrm>
-          <a:prstGeom prst="rect">
-            <a:avLst/>
-          </a:prstGeom>
-          <a:noFill/>
-        </p:spPr>
-      </p:pic>
-      <p:pic>
-        <p:nvPicPr>
-          <p:cNvPr id="8195" name="Picture 3" descr="C:\Documents and Settings\gpu\Desktop\David Ross\davidrossmastersproject\mastersProject\writeup\figures\pcaIntroPlot.jpg"/>
-          <p:cNvPicPr>
-            <a:picLocks noChangeAspect="1" noChangeArrowheads="1"/>
-          </p:cNvPicPr>
-          <p:nvPr/>
-        </p:nvPicPr>
-        <p:blipFill>
-          <a:blip r:embed="rId3"/>
-          <a:srcRect/>
-          <a:stretch>
-            <a:fillRect/>
-          </a:stretch>
-        </p:blipFill>
-        <p:spPr bwMode="auto">
-          <a:xfrm>
-            <a:off x="4724400" y="2667000"/>
-            <a:ext cx="4252912" cy="3189684"/>
-          </a:xfrm>
-          <a:prstGeom prst="rect">
-            <a:avLst/>
-          </a:prstGeom>
-          <a:noFill/>
-        </p:spPr>
-      </p:pic>
-    </p:spTree>
-  </p:cSld>
-  <p:clrMapOvr>
-    <a:masterClrMapping/>
-  </p:clrMapOvr>
-  <p:timing>
-    <p:tnLst>
-      <p:par>
-        <p:cTn id="1" dur="indefinite" restart="never" nodeType="tmRoot"/>
-      </p:par>
-    </p:tnLst>
-  </p:timing>
-</p:sld>
-</file>
-
 <file path=ppt/slides/slide13.xml><?xml version="1.0" encoding="utf-8"?>
 <p:sld xmlns:a="http://schemas.openxmlformats.org/drawingml/2006/main" xmlns:r="http://schemas.openxmlformats.org/officeDocument/2006/relationships" xmlns:p="http://schemas.openxmlformats.org/presentationml/2006/main">
   <p:cSld>
@@ -5837,46 +7387,98 @@
         </p:nvSpPr>
         <p:spPr/>
         <p:txBody>
+          <a:bodyPr>
+            <a:normAutofit fontScale="90000"/>
+          </a:bodyPr>
+          <a:lstStyle/>
+          <a:p>
+            <a:r>
+              <a:rPr lang="en-US" dirty="0" smtClean="0"/>
+              <a:t>PCA – dependence </a:t>
+            </a:r>
+            <a:r>
+              <a:rPr lang="en-US" smtClean="0"/>
+              <a:t>on </a:t>
+            </a:r>
+            <a:r>
+              <a:rPr lang="en-US" smtClean="0"/>
+              <a:t>k (189 images)</a:t>
+            </a:r>
+            <a:endParaRPr lang="en-US" dirty="0"/>
+          </a:p>
+        </p:txBody>
+      </p:sp>
+      <p:sp>
+        <p:nvSpPr>
+          <p:cNvPr id="3" name="Content Placeholder 2"/>
+          <p:cNvSpPr>
+            <a:spLocks noGrp="1"/>
+          </p:cNvSpPr>
+          <p:nvPr>
+            <p:ph idx="1"/>
+          </p:nvPr>
+        </p:nvSpPr>
+        <p:spPr/>
+        <p:txBody>
           <a:bodyPr/>
           <a:lstStyle/>
           <a:p>
-            <a:r>
-              <a:rPr lang="en-US" dirty="0" smtClean="0"/>
-              <a:t>Incremental PCA</a:t>
-            </a:r>
-            <a:endParaRPr lang="en-US" dirty="0"/>
-          </a:p>
-        </p:txBody>
-      </p:sp>
-      <p:sp>
-        <p:nvSpPr>
-          <p:cNvPr id="3" name="Content Placeholder 2"/>
-          <p:cNvSpPr>
-            <a:spLocks noGrp="1"/>
-          </p:cNvSpPr>
-          <p:nvPr>
-            <p:ph idx="1"/>
-          </p:nvPr>
-        </p:nvSpPr>
-        <p:spPr/>
-        <p:txBody>
-          <a:bodyPr/>
-          <a:lstStyle/>
-          <a:p>
-            <a:r>
-              <a:rPr lang="en-US" dirty="0" smtClean="0"/>
-              <a:t>Too many images to fit into memory at once</a:t>
-            </a:r>
-          </a:p>
-          <a:p>
-            <a:r>
-              <a:rPr lang="en-US" dirty="0" smtClean="0"/>
-              <a:t>At each step, </a:t>
-            </a:r>
-            <a:endParaRPr lang="en-US" dirty="0"/>
-          </a:p>
-        </p:txBody>
-      </p:sp>
+            <a:endParaRPr lang="en-US"/>
+          </a:p>
+        </p:txBody>
+      </p:sp>
+      <p:pic>
+        <p:nvPicPr>
+          <p:cNvPr id="2050" name="Picture 2" descr="C:\Documents and Settings\gpu\Desktop\David Ross\davidrossmastersproject\mastersProject\writeup\figures\pcaIntroFigs.jpg"/>
+          <p:cNvPicPr>
+            <a:picLocks noChangeAspect="1" noChangeArrowheads="1"/>
+          </p:cNvPicPr>
+          <p:nvPr/>
+        </p:nvPicPr>
+        <p:blipFill>
+          <a:blip r:embed="rId3"/>
+          <a:srcRect/>
+          <a:stretch>
+            <a:fillRect/>
+          </a:stretch>
+        </p:blipFill>
+        <p:spPr bwMode="auto">
+          <a:xfrm>
+            <a:off x="0" y="2209800"/>
+            <a:ext cx="5514975" cy="6486526"/>
+          </a:xfrm>
+          <a:prstGeom prst="rect">
+            <a:avLst/>
+          </a:prstGeom>
+          <a:noFill/>
+        </p:spPr>
+      </p:pic>
+      <p:pic>
+        <p:nvPicPr>
+          <p:cNvPr id="2051" name="Picture 3" descr="C:\Documents and Settings\gpu\Desktop\David Ross\davidrossmastersproject\mastersProject\writeup\figures\pcaIntroPlot.jpg"/>
+          <p:cNvPicPr>
+            <a:picLocks noChangeAspect="1" noChangeArrowheads="1"/>
+          </p:cNvPicPr>
+          <p:nvPr/>
+        </p:nvPicPr>
+        <p:blipFill>
+          <a:blip r:embed="rId4"/>
+          <a:srcRect/>
+          <a:stretch>
+            <a:fillRect/>
+          </a:stretch>
+        </p:blipFill>
+        <p:spPr bwMode="auto">
+          <a:xfrm>
+            <a:off x="3429000" y="2362200"/>
+            <a:ext cx="5334000" cy="4000500"/>
+          </a:xfrm>
+          <a:prstGeom prst="rect">
+            <a:avLst/>
+          </a:prstGeom>
+          <a:noFill/>
+        </p:spPr>
+      </p:pic>
     </p:spTree>
   </p:cSld>
   <p:clrMapOvr>
@@ -5926,7 +7528,7 @@
           <a:p>
             <a:r>
               <a:rPr lang="en-US" dirty="0" smtClean="0"/>
-              <a:t>But what do we take PCA of?</a:t>
+              <a:t>Incremental PCA</a:t>
             </a:r>
             <a:endParaRPr lang="en-US" dirty="0"/>
           </a:p>
@@ -5949,19 +7551,13 @@
           <a:p>
             <a:r>
               <a:rPr lang="en-US" dirty="0" smtClean="0"/>
-              <a:t>Daytime images</a:t>
+              <a:t>Too many images to fit into memory at once</a:t>
             </a:r>
           </a:p>
           <a:p>
             <a:r>
               <a:rPr lang="en-US" dirty="0" smtClean="0"/>
-              <a:t>Sky Mask</a:t>
-            </a:r>
-          </a:p>
-          <a:p>
-            <a:r>
-              <a:rPr lang="en-US" dirty="0" smtClean="0"/>
-              <a:t>Gradient Magnitude Images</a:t>
+              <a:t>At each step, </a:t>
             </a:r>
             <a:endParaRPr lang="en-US" dirty="0"/>
           </a:p>
@@ -6016,7 +7612,7 @@
           <a:p>
             <a:r>
               <a:rPr lang="en-US" dirty="0" smtClean="0"/>
-              <a:t>Daytime Images</a:t>
+              <a:t>But what do we take PCA of?</a:t>
             </a:r>
             <a:endParaRPr lang="en-US" dirty="0"/>
           </a:p>
@@ -6039,7 +7635,19 @@
           <a:p>
             <a:r>
               <a:rPr lang="en-US" dirty="0" smtClean="0"/>
-              <a:t>Could take PCA of the entire set of images from one camera</a:t>
+              <a:t>Daytime images</a:t>
+            </a:r>
+          </a:p>
+          <a:p>
+            <a:r>
+              <a:rPr lang="en-US" dirty="0" smtClean="0"/>
+              <a:t>Sky Mask</a:t>
+            </a:r>
+          </a:p>
+          <a:p>
+            <a:r>
+              <a:rPr lang="en-US" dirty="0" smtClean="0"/>
+              <a:t>Gradient Magnitude Images</a:t>
             </a:r>
             <a:endParaRPr lang="en-US" dirty="0"/>
           </a:p>
@@ -6094,7 +7702,7 @@
           <a:p>
             <a:r>
               <a:rPr lang="en-US" dirty="0" smtClean="0"/>
-              <a:t>Sky Mask</a:t>
+              <a:t>Daytime Images</a:t>
             </a:r>
             <a:endParaRPr lang="en-US" dirty="0"/>
           </a:p>
@@ -6115,88 +7723,14 @@
           <a:bodyPr/>
           <a:lstStyle/>
           <a:p>
-            <a:endParaRPr lang="en-US"/>
-          </a:p>
-        </p:txBody>
-      </p:sp>
-      <p:pic>
-        <p:nvPicPr>
-          <p:cNvPr id="6146" name="Picture 2" descr="C:\Documents and Settings\gpu\Desktop\David Ross\davidrossmastersproject\mastersProject\writeup\figures\2skyMask.jpg"/>
-          <p:cNvPicPr>
-            <a:picLocks noChangeAspect="1" noChangeArrowheads="1"/>
-          </p:cNvPicPr>
-          <p:nvPr/>
-        </p:nvPicPr>
-        <p:blipFill>
-          <a:blip r:embed="rId2"/>
-          <a:srcRect/>
-          <a:stretch>
-            <a:fillRect/>
-          </a:stretch>
-        </p:blipFill>
-        <p:spPr bwMode="auto">
-          <a:xfrm>
-            <a:off x="0" y="1828800"/>
-            <a:ext cx="4635500" cy="3476625"/>
-          </a:xfrm>
-          <a:prstGeom prst="rect">
-            <a:avLst/>
-          </a:prstGeom>
-          <a:noFill/>
-        </p:spPr>
-      </p:pic>
-      <p:pic>
-        <p:nvPicPr>
-          <p:cNvPr id="6147" name="Picture 3" descr="C:\Documents and Settings\gpu\Desktop\David Ross\davidrossmastersproject\mastersProject\writeup\figures\2skyPCA.jpg"/>
-          <p:cNvPicPr>
-            <a:picLocks noChangeAspect="1" noChangeArrowheads="1"/>
-          </p:cNvPicPr>
-          <p:nvPr/>
-        </p:nvPicPr>
-        <p:blipFill>
-          <a:blip r:embed="rId3"/>
-          <a:srcRect/>
-          <a:stretch>
-            <a:fillRect/>
-          </a:stretch>
-        </p:blipFill>
-        <p:spPr bwMode="auto">
-          <a:xfrm>
-            <a:off x="4495800" y="228600"/>
-            <a:ext cx="4404784" cy="3303588"/>
-          </a:xfrm>
-          <a:prstGeom prst="rect">
-            <a:avLst/>
-          </a:prstGeom>
-          <a:noFill/>
-        </p:spPr>
-      </p:pic>
-      <p:pic>
-        <p:nvPicPr>
-          <p:cNvPr id="6148" name="Picture 4" descr="C:\Documents and Settings\gpu\Desktop\David Ross\davidrossmastersproject\mastersProject\writeup\figures\skyMaskFig.jpg"/>
-          <p:cNvPicPr>
-            <a:picLocks noChangeAspect="1" noChangeArrowheads="1"/>
-          </p:cNvPicPr>
-          <p:nvPr/>
-        </p:nvPicPr>
-        <p:blipFill>
-          <a:blip r:embed="rId4"/>
-          <a:srcRect/>
-          <a:stretch>
-            <a:fillRect/>
-          </a:stretch>
-        </p:blipFill>
-        <p:spPr bwMode="auto">
-          <a:xfrm>
-            <a:off x="3505200" y="3505200"/>
-            <a:ext cx="5394325" cy="3127251"/>
-          </a:xfrm>
-          <a:prstGeom prst="rect">
-            <a:avLst/>
-          </a:prstGeom>
-          <a:noFill/>
-        </p:spPr>
-      </p:pic>
+            <a:r>
+              <a:rPr lang="en-US" dirty="0" smtClean="0"/>
+              <a:t>Could take PCA of the entire set of images from one camera</a:t>
+            </a:r>
+            <a:endParaRPr lang="en-US" dirty="0"/>
+          </a:p>
+        </p:txBody>
+      </p:sp>
     </p:spTree>
   </p:cSld>
   <p:clrMapOvr>
@@ -6246,7 +7780,7 @@
           <a:p>
             <a:r>
               <a:rPr lang="en-US" dirty="0" smtClean="0"/>
-              <a:t>Gradient Magnitude Images</a:t>
+              <a:t>Sky Mask</a:t>
             </a:r>
             <a:endParaRPr lang="en-US" dirty="0"/>
           </a:p>
@@ -6273,7 +7807,7 @@
       </p:sp>
       <p:pic>
         <p:nvPicPr>
-          <p:cNvPr id="7170" name="Picture 2" descr="C:\Documents and Settings\gpu\Desktop\David Ross\davidrossmastersproject\mastersProject\writeup\figures\194cars.jpg"/>
+          <p:cNvPr id="6146" name="Picture 2" descr="C:\Documents and Settings\gpu\Desktop\David Ross\davidrossmastersproject\mastersProject\writeup\figures\2skyMask.jpg"/>
           <p:cNvPicPr>
             <a:picLocks noChangeAspect="1" noChangeArrowheads="1"/>
           </p:cNvPicPr>
@@ -6288,8 +7822,8 @@
         </p:blipFill>
         <p:spPr bwMode="auto">
           <a:xfrm>
-            <a:off x="-1219200" y="1828800"/>
-            <a:ext cx="5334000" cy="4000500"/>
+            <a:off x="0" y="1828800"/>
+            <a:ext cx="4635500" cy="3476625"/>
           </a:xfrm>
           <a:prstGeom prst="rect">
             <a:avLst/>
@@ -6299,7 +7833,7 @@
       </p:pic>
       <p:pic>
         <p:nvPicPr>
-          <p:cNvPr id="7171" name="Picture 3" descr="C:\Documents and Settings\gpu\Desktop\David Ross\davidrossmastersproject\mastersProject\writeup\figures\194carsGradient.jpg"/>
+          <p:cNvPr id="6147" name="Picture 3" descr="C:\Documents and Settings\gpu\Desktop\David Ross\davidrossmastersproject\mastersProject\writeup\figures\2skyPCA.jpg"/>
           <p:cNvPicPr>
             <a:picLocks noChangeAspect="1" noChangeArrowheads="1"/>
           </p:cNvPicPr>
@@ -6314,8 +7848,34 @@
         </p:blipFill>
         <p:spPr bwMode="auto">
           <a:xfrm>
-            <a:off x="4038600" y="2133600"/>
-            <a:ext cx="5334000" cy="4000500"/>
+            <a:off x="4495800" y="228600"/>
+            <a:ext cx="4404784" cy="3303588"/>
+          </a:xfrm>
+          <a:prstGeom prst="rect">
+            <a:avLst/>
+          </a:prstGeom>
+          <a:noFill/>
+        </p:spPr>
+      </p:pic>
+      <p:pic>
+        <p:nvPicPr>
+          <p:cNvPr id="6148" name="Picture 4" descr="C:\Documents and Settings\gpu\Desktop\David Ross\davidrossmastersproject\mastersProject\writeup\figures\skyMaskFig.jpg"/>
+          <p:cNvPicPr>
+            <a:picLocks noChangeAspect="1" noChangeArrowheads="1"/>
+          </p:cNvPicPr>
+          <p:nvPr/>
+        </p:nvPicPr>
+        <p:blipFill>
+          <a:blip r:embed="rId4"/>
+          <a:srcRect/>
+          <a:stretch>
+            <a:fillRect/>
+          </a:stretch>
+        </p:blipFill>
+        <p:spPr bwMode="auto">
+          <a:xfrm>
+            <a:off x="3505200" y="3505200"/>
+            <a:ext cx="5394325" cy="3127251"/>
           </a:xfrm>
           <a:prstGeom prst="rect">
             <a:avLst/>
@@ -6372,7 +7932,7 @@
           <a:p>
             <a:r>
               <a:rPr lang="en-US" dirty="0" smtClean="0"/>
-              <a:t>How do we display results?</a:t>
+              <a:t>Gradient Magnitude Images</a:t>
             </a:r>
             <a:endParaRPr lang="en-US" dirty="0"/>
           </a:p>
@@ -6393,29 +7953,13 @@
           <a:bodyPr/>
           <a:lstStyle/>
           <a:p>
-            <a:r>
-              <a:rPr lang="en-US" dirty="0" smtClean="0"/>
-              <a:t>Image montage (image here)</a:t>
-            </a:r>
-          </a:p>
-          <a:p>
-            <a:r>
-              <a:rPr lang="en-US" dirty="0" smtClean="0"/>
-              <a:t>Well-Separated Set Montage</a:t>
-            </a:r>
-          </a:p>
-          <a:p>
-            <a:r>
-              <a:rPr lang="en-US" dirty="0" smtClean="0"/>
-              <a:t>2D GUI</a:t>
-            </a:r>
-            <a:endParaRPr lang="en-US" dirty="0"/>
+            <a:endParaRPr lang="en-US"/>
           </a:p>
         </p:txBody>
       </p:sp>
       <p:pic>
         <p:nvPicPr>
-          <p:cNvPr id="4098" name="Picture 2" descr="C:\Documents and Settings\gpu\Desktop\David Ross\davidrossmastersproject\mastersProject\writeup\figures\golfMontageNaive.jpg"/>
+          <p:cNvPr id="7170" name="Picture 2" descr="C:\Documents and Settings\gpu\Desktop\David Ross\davidrossmastersproject\mastersProject\writeup\figures\194cars.jpg"/>
           <p:cNvPicPr>
             <a:picLocks noChangeAspect="1" noChangeArrowheads="1"/>
           </p:cNvPicPr>
@@ -6423,15 +7967,41 @@
         </p:nvPicPr>
         <p:blipFill>
           <a:blip r:embed="rId2"/>
-          <a:srcRect l="14202" t="1546" r="13905" b="4128"/>
+          <a:srcRect/>
           <a:stretch>
             <a:fillRect/>
           </a:stretch>
         </p:blipFill>
         <p:spPr bwMode="auto">
           <a:xfrm>
-            <a:off x="2362200" y="3200400"/>
-            <a:ext cx="4553262" cy="3429000"/>
+            <a:off x="-1219200" y="1828800"/>
+            <a:ext cx="5334000" cy="4000500"/>
+          </a:xfrm>
+          <a:prstGeom prst="rect">
+            <a:avLst/>
+          </a:prstGeom>
+          <a:noFill/>
+        </p:spPr>
+      </p:pic>
+      <p:pic>
+        <p:nvPicPr>
+          <p:cNvPr id="7171" name="Picture 3" descr="C:\Documents and Settings\gpu\Desktop\David Ross\davidrossmastersproject\mastersProject\writeup\figures\194carsGradient.jpg"/>
+          <p:cNvPicPr>
+            <a:picLocks noChangeAspect="1" noChangeArrowheads="1"/>
+          </p:cNvPicPr>
+          <p:nvPr/>
+        </p:nvPicPr>
+        <p:blipFill>
+          <a:blip r:embed="rId3"/>
+          <a:srcRect/>
+          <a:stretch>
+            <a:fillRect/>
+          </a:stretch>
+        </p:blipFill>
+        <p:spPr bwMode="auto">
+          <a:xfrm>
+            <a:off x="4038600" y="2133600"/>
+            <a:ext cx="5334000" cy="4000500"/>
           </a:xfrm>
           <a:prstGeom prst="rect">
             <a:avLst/>
@@ -6488,7 +8058,7 @@
           <a:p>
             <a:r>
               <a:rPr lang="en-US" dirty="0" smtClean="0"/>
-              <a:t>Well-Separated Set</a:t>
+              <a:t>How do we display results?</a:t>
             </a:r>
             <a:endParaRPr lang="en-US" dirty="0"/>
           </a:p>
@@ -6509,10 +8079,52 @@
           <a:bodyPr/>
           <a:lstStyle/>
           <a:p>
-            <a:endParaRPr lang="en-US"/>
-          </a:p>
-        </p:txBody>
-      </p:sp>
+            <a:r>
+              <a:rPr lang="en-US" dirty="0" smtClean="0"/>
+              <a:t>Image montage (image here)</a:t>
+            </a:r>
+          </a:p>
+          <a:p>
+            <a:r>
+              <a:rPr lang="en-US" dirty="0" smtClean="0"/>
+              <a:t>Well-Separated Set Montage</a:t>
+            </a:r>
+          </a:p>
+          <a:p>
+            <a:r>
+              <a:rPr lang="en-US" dirty="0" smtClean="0"/>
+              <a:t>2D GUI</a:t>
+            </a:r>
+            <a:endParaRPr lang="en-US" dirty="0"/>
+          </a:p>
+        </p:txBody>
+      </p:sp>
+      <p:pic>
+        <p:nvPicPr>
+          <p:cNvPr id="4098" name="Picture 2" descr="C:\Documents and Settings\gpu\Desktop\David Ross\davidrossmastersproject\mastersProject\writeup\figures\golfMontageNaive.jpg"/>
+          <p:cNvPicPr>
+            <a:picLocks noChangeAspect="1" noChangeArrowheads="1"/>
+          </p:cNvPicPr>
+          <p:nvPr/>
+        </p:nvPicPr>
+        <p:blipFill>
+          <a:blip r:embed="rId2"/>
+          <a:srcRect l="14202" t="1546" r="13905" b="4128"/>
+          <a:stretch>
+            <a:fillRect/>
+          </a:stretch>
+        </p:blipFill>
+        <p:spPr bwMode="auto">
+          <a:xfrm>
+            <a:off x="2362200" y="3200400"/>
+            <a:ext cx="4553262" cy="3429000"/>
+          </a:xfrm>
+          <a:prstGeom prst="rect">
+            <a:avLst/>
+          </a:prstGeom>
+          <a:noFill/>
+        </p:spPr>
+      </p:pic>
     </p:spTree>
   </p:cSld>
   <p:clrMapOvr>
@@ -6562,7 +8174,7 @@
           <a:p>
             <a:r>
               <a:rPr lang="en-US" dirty="0" smtClean="0"/>
-              <a:t>Introduction</a:t>
+              <a:t>Overview</a:t>
             </a:r>
             <a:endParaRPr lang="en-US" dirty="0"/>
           </a:p>
@@ -6583,7 +8195,7 @@
           <a:bodyPr/>
           <a:lstStyle/>
           <a:p>
-            <a:endParaRPr lang="en-US" dirty="0"/>
+            <a:endParaRPr lang="en-US"/>
           </a:p>
         </p:txBody>
       </p:sp>
@@ -6592,13 +8204,6 @@
   <p:clrMapOvr>
     <a:masterClrMapping/>
   </p:clrMapOvr>
-  <p:timing>
-    <p:tnLst>
-      <p:par>
-        <p:cTn id="1" dur="indefinite" restart="never" nodeType="tmRoot"/>
-      </p:par>
-    </p:tnLst>
-  </p:timing>
 </p:sld>
 </file>
 
@@ -6634,55 +8239,33 @@
           <a:bodyPr/>
           <a:lstStyle/>
           <a:p>
+            <a:r>
+              <a:rPr lang="en-US" dirty="0" smtClean="0"/>
+              <a:t>Well-Separated Set</a:t>
+            </a:r>
+            <a:endParaRPr lang="en-US" dirty="0"/>
+          </a:p>
+        </p:txBody>
+      </p:sp>
+      <p:sp>
+        <p:nvSpPr>
+          <p:cNvPr id="3" name="Content Placeholder 2"/>
+          <p:cNvSpPr>
+            <a:spLocks noGrp="1"/>
+          </p:cNvSpPr>
+          <p:nvPr>
+            <p:ph idx="1"/>
+          </p:nvPr>
+        </p:nvSpPr>
+        <p:spPr/>
+        <p:txBody>
+          <a:bodyPr/>
+          <a:lstStyle/>
+          <a:p>
             <a:endParaRPr lang="en-US"/>
           </a:p>
         </p:txBody>
       </p:sp>
-      <p:sp>
-        <p:nvSpPr>
-          <p:cNvPr id="3" name="Content Placeholder 2"/>
-          <p:cNvSpPr>
-            <a:spLocks noGrp="1"/>
-          </p:cNvSpPr>
-          <p:nvPr>
-            <p:ph idx="1"/>
-          </p:nvPr>
-        </p:nvSpPr>
-        <p:spPr/>
-        <p:txBody>
-          <a:bodyPr/>
-          <a:lstStyle/>
-          <a:p>
-            <a:endParaRPr lang="en-US"/>
-          </a:p>
-        </p:txBody>
-      </p:sp>
-      <p:pic>
-        <p:nvPicPr>
-          <p:cNvPr id="5122" name="Picture 2" descr="C:\Documents and Settings\gpu\Desktop\David Ross\davidrossmastersproject\mastersProject\writeup\figures\golfMontageSmart.jpg"/>
-          <p:cNvPicPr>
-            <a:picLocks noChangeAspect="1" noChangeArrowheads="1"/>
-          </p:cNvPicPr>
-          <p:nvPr/>
-        </p:nvPicPr>
-        <p:blipFill>
-          <a:blip r:embed="rId2"/>
-          <a:srcRect l="14450" t="1199" r="14676" b="5295"/>
-          <a:stretch>
-            <a:fillRect/>
-          </a:stretch>
-        </p:blipFill>
-        <p:spPr bwMode="auto">
-          <a:xfrm>
-            <a:off x="609600" y="762000"/>
-            <a:ext cx="7848600" cy="5943600"/>
-          </a:xfrm>
-          <a:prstGeom prst="rect">
-            <a:avLst/>
-          </a:prstGeom>
-          <a:noFill/>
-        </p:spPr>
-      </p:pic>
     </p:spTree>
   </p:cSld>
   <p:clrMapOvr>
@@ -6730,11 +8313,7 @@
           <a:bodyPr/>
           <a:lstStyle/>
           <a:p>
-            <a:r>
-              <a:rPr lang="en-US" dirty="0" smtClean="0"/>
-              <a:t>2D GUI</a:t>
-            </a:r>
-            <a:endParaRPr lang="en-US" dirty="0"/>
+            <a:endParaRPr lang="en-US"/>
           </a:p>
         </p:txBody>
       </p:sp>
@@ -6759,7 +8338,7 @@
       </p:sp>
       <p:pic>
         <p:nvPicPr>
-          <p:cNvPr id="1026" name="Picture 2" descr="C:\Documents and Settings\gpu\Desktop\David Ross\davidrossmastersproject\mastersProject\writeup\figures\2dGui.jpg"/>
+          <p:cNvPr id="5122" name="Picture 2" descr="C:\Documents and Settings\gpu\Desktop\David Ross\davidrossmastersproject\mastersProject\writeup\figures\golfMontageSmart.jpg"/>
           <p:cNvPicPr>
             <a:picLocks noChangeAspect="1" noChangeArrowheads="1"/>
           </p:cNvPicPr>
@@ -6767,15 +8346,15 @@
         </p:nvPicPr>
         <p:blipFill>
           <a:blip r:embed="rId2"/>
-          <a:srcRect l="8787" t="2093" r="7796" b="3517"/>
+          <a:srcRect l="14450" t="1199" r="14676" b="5295"/>
           <a:stretch>
             <a:fillRect/>
           </a:stretch>
         </p:blipFill>
         <p:spPr bwMode="auto">
           <a:xfrm>
-            <a:off x="457200" y="2286000"/>
-            <a:ext cx="8153400" cy="3962400"/>
+            <a:off x="609600" y="762000"/>
+            <a:ext cx="7848600" cy="5943600"/>
           </a:xfrm>
           <a:prstGeom prst="rect">
             <a:avLst/>
@@ -6855,7 +8434,7 @@
           <a:p>
             <a:r>
               <a:rPr lang="en-US" dirty="0" smtClean="0"/>
-              <a:t>Vector Magnitude</a:t>
+              <a:t>Coefficient Vector Magnitude</a:t>
             </a:r>
           </a:p>
           <a:p>
@@ -7491,14 +9070,12 @@
         </p:nvSpPr>
         <p:spPr/>
         <p:txBody>
-          <a:bodyPr>
-            <a:normAutofit fontScale="90000"/>
-          </a:bodyPr>
+          <a:bodyPr/>
           <a:lstStyle/>
           <a:p>
             <a:r>
               <a:rPr lang="en-US" dirty="0" smtClean="0"/>
-              <a:t>Statistical Distribution of Residual Images</a:t>
+              <a:t>2D GUI</a:t>
             </a:r>
             <a:endParaRPr lang="en-US" dirty="0"/>
           </a:p>
@@ -7519,13 +9096,13 @@
           <a:bodyPr/>
           <a:lstStyle/>
           <a:p>
-            <a:endParaRPr lang="en-US" dirty="0"/>
+            <a:endParaRPr lang="en-US"/>
           </a:p>
         </p:txBody>
       </p:sp>
       <p:pic>
         <p:nvPicPr>
-          <p:cNvPr id="2050" name="Picture 2" descr="C:\Documents and Settings\gpu\Desktop\David Ross\davidrossmastersproject\mastersProject\writeup\figures\severalHists2.jpg"/>
+          <p:cNvPr id="1026" name="Picture 2" descr="C:\Documents and Settings\gpu\Desktop\David Ross\davidrossmastersproject\mastersProject\writeup\figures\2dGui.jpg"/>
           <p:cNvPicPr>
             <a:picLocks noChangeAspect="1" noChangeArrowheads="1"/>
           </p:cNvPicPr>
@@ -7533,15 +9110,15 @@
         </p:nvPicPr>
         <p:blipFill>
           <a:blip r:embed="rId2"/>
-          <a:srcRect l="7797" r="7140"/>
+          <a:srcRect l="8787" t="2093" r="7796" b="3517"/>
           <a:stretch>
             <a:fillRect/>
           </a:stretch>
         </p:blipFill>
         <p:spPr bwMode="auto">
           <a:xfrm>
-            <a:off x="0" y="2971800"/>
-            <a:ext cx="9144000" cy="3133725"/>
+            <a:off x="457200" y="2286000"/>
+            <a:ext cx="8153400" cy="3962400"/>
           </a:xfrm>
           <a:prstGeom prst="rect">
             <a:avLst/>
@@ -7591,19 +9168,14 @@
             <p:ph type="title"/>
           </p:nvPr>
         </p:nvSpPr>
-        <p:spPr>
-          <a:xfrm>
-            <a:off x="457200" y="457200"/>
-            <a:ext cx="8229600" cy="1066800"/>
-          </a:xfrm>
-        </p:spPr>
+        <p:spPr/>
         <p:txBody>
           <a:bodyPr/>
           <a:lstStyle/>
           <a:p>
             <a:r>
               <a:rPr lang="en-US" dirty="0" smtClean="0"/>
-              <a:t>AMOS Dataset</a:t>
+              <a:t>Introduction</a:t>
             </a:r>
             <a:endParaRPr lang="en-US" dirty="0"/>
           </a:p>
@@ -7616,282 +9188,15 @@
             <a:spLocks noGrp="1"/>
           </p:cNvSpPr>
           <p:nvPr>
-            <p:ph sz="quarter" idx="1"/>
-          </p:nvPr>
-        </p:nvSpPr>
-        <p:spPr>
-          <a:xfrm>
-            <a:off x="457200" y="1219200"/>
-            <a:ext cx="8229600" cy="4325112"/>
-          </a:xfrm>
-        </p:spPr>
+            <p:ph idx="1"/>
+          </p:nvPr>
+        </p:nvSpPr>
+        <p:spPr/>
         <p:txBody>
           <a:bodyPr/>
           <a:lstStyle/>
           <a:p>
-            <a:r>
-              <a:rPr lang="en-US" i="1" dirty="0" smtClean="0"/>
-              <a:t>The Archive of Many Outdoor Scenes (AMOS)</a:t>
-            </a:r>
-          </a:p>
-          <a:p>
-            <a:pPr lvl="1"/>
-            <a:r>
-              <a:rPr lang="en-US" dirty="0" smtClean="0"/>
-              <a:t>Images from ~3000 static webcams, </a:t>
-            </a:r>
-          </a:p>
-          <a:p>
-            <a:pPr lvl="1"/>
-            <a:r>
-              <a:rPr lang="en-US" dirty="0" smtClean="0"/>
-              <a:t>Every 30 minutes since March 2006.</a:t>
-            </a:r>
-          </a:p>
-          <a:p>
-            <a:pPr lvl="1"/>
-            <a:r>
-              <a:rPr lang="en-US" sz="2800" i="1" dirty="0" smtClean="0">
-                <a:hlinkClick r:id="rId2"/>
-              </a:rPr>
-              <a:t>http://amos.cse.wustl.edu</a:t>
-            </a:r>
-            <a:endParaRPr lang="en-US" sz="2800" i="1" dirty="0" smtClean="0"/>
-          </a:p>
-          <a:p>
-            <a:pPr marL="342900" indent="-342900">
-              <a:spcBef>
-                <a:spcPct val="20000"/>
-              </a:spcBef>
-            </a:pPr>
-            <a:r>
-              <a:rPr lang="en-US" sz="2400" dirty="0" smtClean="0"/>
-              <a:t>Capture variations from fixed cameras</a:t>
-            </a:r>
-          </a:p>
-          <a:p>
-            <a:pPr marL="617220" lvl="1" indent="-342900">
-              <a:spcBef>
-                <a:spcPct val="20000"/>
-              </a:spcBef>
-            </a:pPr>
-            <a:r>
-              <a:rPr lang="en-US" sz="2100" dirty="0" smtClean="0"/>
-              <a:t>Due to lighting (time of day), and </a:t>
-            </a:r>
-          </a:p>
-          <a:p>
-            <a:pPr marL="617220" lvl="1" indent="-342900">
-              <a:spcBef>
-                <a:spcPct val="20000"/>
-              </a:spcBef>
-            </a:pPr>
-            <a:r>
-              <a:rPr lang="en-US" sz="2100" dirty="0" smtClean="0"/>
-              <a:t>Seasonal and weather variations (over a year).</a:t>
-            </a:r>
-          </a:p>
-          <a:p>
-            <a:pPr marL="617220" lvl="1" indent="-342900">
-              <a:spcBef>
-                <a:spcPct val="20000"/>
-              </a:spcBef>
-            </a:pPr>
-            <a:r>
-              <a:rPr lang="en-US" sz="2100" dirty="0" smtClean="0"/>
-              <a:t>From cameras mostly in the USA (a few elsewhere).</a:t>
-            </a:r>
-          </a:p>
-          <a:p>
-            <a:pPr lvl="1"/>
-            <a:endParaRPr lang="en-US" sz="2800" i="1" dirty="0" smtClean="0"/>
-          </a:p>
-          <a:p>
             <a:endParaRPr lang="en-US" dirty="0"/>
-          </a:p>
-        </p:txBody>
-      </p:sp>
-      <p:pic>
-        <p:nvPicPr>
-          <p:cNvPr id="10" name="Picture 13" descr="mostUnusual"/>
-          <p:cNvPicPr>
-            <a:picLocks noChangeAspect="1" noChangeArrowheads="1"/>
-          </p:cNvPicPr>
-          <p:nvPr/>
-        </p:nvPicPr>
-        <p:blipFill>
-          <a:blip r:embed="rId3"/>
-          <a:srcRect/>
-          <a:stretch>
-            <a:fillRect/>
-          </a:stretch>
-        </p:blipFill>
-        <p:spPr bwMode="auto">
-          <a:xfrm>
-            <a:off x="838200" y="4743450"/>
-            <a:ext cx="1295400" cy="971550"/>
-          </a:xfrm>
-          <a:prstGeom prst="rect">
-            <a:avLst/>
-          </a:prstGeom>
-          <a:noFill/>
-          <a:ln w="9525">
-            <a:noFill/>
-            <a:miter lim="800000"/>
-            <a:headEnd/>
-            <a:tailEnd/>
-          </a:ln>
-        </p:spPr>
-      </p:pic>
-      <p:pic>
-        <p:nvPicPr>
-          <p:cNvPr id="12" name="Picture 11" descr="http://crunchy.cs.wustl.edu/results/4/current.jpg"/>
-          <p:cNvPicPr>
-            <a:picLocks noChangeAspect="1" noChangeArrowheads="1"/>
-          </p:cNvPicPr>
-          <p:nvPr/>
-        </p:nvPicPr>
-        <p:blipFill>
-          <a:blip r:embed="rId4"/>
-          <a:srcRect/>
-          <a:stretch>
-            <a:fillRect/>
-          </a:stretch>
-        </p:blipFill>
-        <p:spPr bwMode="auto">
-          <a:xfrm>
-            <a:off x="6324600" y="4648200"/>
-            <a:ext cx="2590800" cy="1766454"/>
-          </a:xfrm>
-          <a:prstGeom prst="rect">
-            <a:avLst/>
-          </a:prstGeom>
-          <a:noFill/>
-          <a:ln w="9525">
-            <a:noFill/>
-            <a:miter lim="800000"/>
-            <a:headEnd/>
-            <a:tailEnd/>
-          </a:ln>
-        </p:spPr>
-      </p:pic>
-      <p:pic>
-        <p:nvPicPr>
-          <p:cNvPr id="11" name="Picture 9" descr="mostUnusual"/>
-          <p:cNvPicPr>
-            <a:picLocks noChangeAspect="1" noChangeArrowheads="1"/>
-          </p:cNvPicPr>
-          <p:nvPr/>
-        </p:nvPicPr>
-        <p:blipFill>
-          <a:blip r:embed="rId5"/>
-          <a:srcRect/>
-          <a:stretch>
-            <a:fillRect/>
-          </a:stretch>
-        </p:blipFill>
-        <p:spPr bwMode="auto">
-          <a:xfrm>
-            <a:off x="4038600" y="4648200"/>
-            <a:ext cx="2641600" cy="1981200"/>
-          </a:xfrm>
-          <a:prstGeom prst="rect">
-            <a:avLst/>
-          </a:prstGeom>
-          <a:noFill/>
-          <a:ln w="9525">
-            <a:noFill/>
-            <a:miter lim="800000"/>
-            <a:headEnd/>
-            <a:tailEnd/>
-          </a:ln>
-        </p:spPr>
-      </p:pic>
-      <p:pic>
-        <p:nvPicPr>
-          <p:cNvPr id="7" name="Picture 17" descr="http://crunchy.cs.wustl.edu/results/33/current.jpg"/>
-          <p:cNvPicPr>
-            <a:picLocks noChangeAspect="1" noChangeArrowheads="1"/>
-          </p:cNvPicPr>
-          <p:nvPr/>
-        </p:nvPicPr>
-        <p:blipFill>
-          <a:blip r:embed="rId6"/>
-          <a:srcRect/>
-          <a:stretch>
-            <a:fillRect/>
-          </a:stretch>
-        </p:blipFill>
-        <p:spPr bwMode="auto">
-          <a:xfrm>
-            <a:off x="2286000" y="4724400"/>
-            <a:ext cx="2336800" cy="1752600"/>
-          </a:xfrm>
-          <a:prstGeom prst="rect">
-            <a:avLst/>
-          </a:prstGeom>
-          <a:noFill/>
-          <a:ln w="9525">
-            <a:noFill/>
-            <a:miter lim="800000"/>
-            <a:headEnd/>
-            <a:tailEnd/>
-          </a:ln>
-        </p:spPr>
-      </p:pic>
-      <p:pic>
-        <p:nvPicPr>
-          <p:cNvPr id="9" name="Picture 7" descr="mostUnusual"/>
-          <p:cNvPicPr>
-            <a:picLocks noChangeAspect="1" noChangeArrowheads="1"/>
-          </p:cNvPicPr>
-          <p:nvPr/>
-        </p:nvPicPr>
-        <p:blipFill>
-          <a:blip r:embed="rId7"/>
-          <a:srcRect/>
-          <a:stretch>
-            <a:fillRect/>
-          </a:stretch>
-        </p:blipFill>
-        <p:spPr bwMode="auto">
-          <a:xfrm>
-            <a:off x="1143000" y="5505450"/>
-            <a:ext cx="1295400" cy="971550"/>
-          </a:xfrm>
-          <a:prstGeom prst="rect">
-            <a:avLst/>
-          </a:prstGeom>
-          <a:noFill/>
-          <a:ln w="9525">
-            <a:noFill/>
-            <a:miter lim="800000"/>
-            <a:headEnd/>
-            <a:tailEnd/>
-          </a:ln>
-        </p:spPr>
-      </p:pic>
-      <p:sp>
-        <p:nvSpPr>
-          <p:cNvPr id="13" name="Slide Number Placeholder 12"/>
-          <p:cNvSpPr>
-            <a:spLocks noGrp="1"/>
-          </p:cNvSpPr>
-          <p:nvPr>
-            <p:ph type="sldNum" sz="quarter" idx="12"/>
-          </p:nvPr>
-        </p:nvSpPr>
-        <p:spPr/>
-        <p:txBody>
-          <a:bodyPr/>
-          <a:lstStyle/>
-          <a:p>
-            <a:fld id="{45E96854-6E70-484C-818F-A5764320AC80}" type="slidenum">
-              <a:rPr lang="en-US" smtClean="0"/>
-              <a:pPr/>
-              <a:t>3</a:t>
-            </a:fld>
-            <a:endParaRPr lang="en-US"/>
           </a:p>
         </p:txBody>
       </p:sp>
@@ -7939,55 +9244,57 @@
         </p:nvSpPr>
         <p:spPr/>
         <p:txBody>
+          <a:bodyPr>
+            <a:normAutofit fontScale="90000"/>
+          </a:bodyPr>
+          <a:lstStyle/>
+          <a:p>
+            <a:r>
+              <a:rPr lang="en-US" dirty="0" smtClean="0"/>
+              <a:t>Statistical Distribution of Residual Images</a:t>
+            </a:r>
+            <a:endParaRPr lang="en-US" dirty="0"/>
+          </a:p>
+        </p:txBody>
+      </p:sp>
+      <p:sp>
+        <p:nvSpPr>
+          <p:cNvPr id="3" name="Content Placeholder 2"/>
+          <p:cNvSpPr>
+            <a:spLocks noGrp="1"/>
+          </p:cNvSpPr>
+          <p:nvPr>
+            <p:ph idx="1"/>
+          </p:nvPr>
+        </p:nvSpPr>
+        <p:spPr/>
+        <p:txBody>
           <a:bodyPr/>
           <a:lstStyle/>
           <a:p>
-            <a:r>
-              <a:rPr lang="en-US" dirty="0" smtClean="0"/>
-              <a:t>Normal Distribution</a:t>
-            </a:r>
             <a:endParaRPr lang="en-US" dirty="0"/>
-          </a:p>
-        </p:txBody>
-      </p:sp>
-      <p:sp>
-        <p:nvSpPr>
-          <p:cNvPr id="3" name="Content Placeholder 2"/>
-          <p:cNvSpPr>
-            <a:spLocks noGrp="1"/>
-          </p:cNvSpPr>
-          <p:nvPr>
-            <p:ph idx="1"/>
-          </p:nvPr>
-        </p:nvSpPr>
-        <p:spPr/>
-        <p:txBody>
-          <a:bodyPr/>
-          <a:lstStyle/>
-          <a:p>
-            <a:endParaRPr lang="en-US"/>
           </a:p>
         </p:txBody>
       </p:sp>
       <p:pic>
         <p:nvPicPr>
-          <p:cNvPr id="3074" name="Picture 2" descr="C:\Documents and Settings\gpu\Desktop\David Ross\davidrossmastersproject\mastersProject\writeup\figures\leastNormal.jpg"/>
+          <p:cNvPr id="1026" name="Picture 2" descr="C:\Documents and Settings\gpu\Desktop\David Ross\davidrossmastersproject\mastersProject\writeup\figures\severalHists2.jpg"/>
           <p:cNvPicPr>
             <a:picLocks noChangeAspect="1" noChangeArrowheads="1"/>
           </p:cNvPicPr>
           <p:nvPr/>
         </p:nvPicPr>
         <p:blipFill>
-          <a:blip r:embed="rId2"/>
-          <a:srcRect l="6528" t="2810" r="7162" b="4450"/>
+          <a:blip r:embed="rId3"/>
+          <a:srcRect/>
           <a:stretch>
             <a:fillRect/>
           </a:stretch>
         </p:blipFill>
         <p:spPr bwMode="auto">
           <a:xfrm>
-            <a:off x="1066800" y="685800"/>
-            <a:ext cx="6858000" cy="5705395"/>
+            <a:off x="1524000" y="2133600"/>
+            <a:ext cx="6705600" cy="4160935"/>
           </a:xfrm>
           <a:prstGeom prst="rect">
             <a:avLst/>
@@ -8043,12 +9350,8 @@
           <a:lstStyle/>
           <a:p>
             <a:r>
-              <a:rPr lang="en-US" dirty="0" err="1" smtClean="0"/>
-              <a:t>Laplacian</a:t>
-            </a:r>
-            <a:r>
               <a:rPr lang="en-US" dirty="0" smtClean="0"/>
-              <a:t> Distribution</a:t>
+              <a:t>Normal Distribution</a:t>
             </a:r>
             <a:endParaRPr lang="en-US" dirty="0"/>
           </a:p>
@@ -8075,7 +9378,7 @@
       </p:sp>
       <p:pic>
         <p:nvPicPr>
-          <p:cNvPr id="4099" name="Picture 3" descr="C:\Documents and Settings\gpu\Desktop\David Ross\davidrossmastersproject\mastersProject\writeup\figures\leastLaplacian.jpg"/>
+          <p:cNvPr id="3074" name="Picture 2" descr="C:\Documents and Settings\gpu\Desktop\David Ross\davidrossmastersproject\mastersProject\writeup\figures\leastNormal.jpg"/>
           <p:cNvPicPr>
             <a:picLocks noChangeAspect="1" noChangeArrowheads="1"/>
           </p:cNvPicPr>
@@ -8083,15 +9386,15 @@
         </p:nvPicPr>
         <p:blipFill>
           <a:blip r:embed="rId2"/>
-          <a:srcRect l="6089" t="2947" r="6875" b="4313"/>
+          <a:srcRect l="6528" t="2810" r="7162" b="4450"/>
           <a:stretch>
             <a:fillRect/>
           </a:stretch>
         </p:blipFill>
         <p:spPr bwMode="auto">
           <a:xfrm>
-            <a:off x="1752600" y="-152400"/>
-            <a:ext cx="9144000" cy="7543800"/>
+            <a:off x="1066800" y="685800"/>
+            <a:ext cx="6858000" cy="5705395"/>
           </a:xfrm>
           <a:prstGeom prst="rect">
             <a:avLst/>
@@ -8147,12 +9450,12 @@
           <a:lstStyle/>
           <a:p>
             <a:r>
+              <a:rPr lang="en-US" dirty="0" err="1" smtClean="0"/>
+              <a:t>Laplacian</a:t>
+            </a:r>
+            <a:r>
               <a:rPr lang="en-US" dirty="0" smtClean="0"/>
-              <a:t>Bonus – Kurtosis and </a:t>
-            </a:r>
-            <a:r>
-              <a:rPr lang="en-US" dirty="0" err="1" smtClean="0"/>
-              <a:t>Skewness</a:t>
+              <a:t> Distribution</a:t>
             </a:r>
             <a:endParaRPr lang="en-US" dirty="0"/>
           </a:p>
@@ -8177,6 +9480,32 @@
           </a:p>
         </p:txBody>
       </p:sp>
+      <p:pic>
+        <p:nvPicPr>
+          <p:cNvPr id="4099" name="Picture 3" descr="C:\Documents and Settings\gpu\Desktop\David Ross\davidrossmastersproject\mastersProject\writeup\figures\leastLaplacian.jpg"/>
+          <p:cNvPicPr>
+            <a:picLocks noChangeAspect="1" noChangeArrowheads="1"/>
+          </p:cNvPicPr>
+          <p:nvPr/>
+        </p:nvPicPr>
+        <p:blipFill>
+          <a:blip r:embed="rId2"/>
+          <a:srcRect l="6089" t="2947" r="6875" b="4313"/>
+          <a:stretch>
+            <a:fillRect/>
+          </a:stretch>
+        </p:blipFill>
+        <p:spPr bwMode="auto">
+          <a:xfrm>
+            <a:off x="1752600" y="-152400"/>
+            <a:ext cx="9144000" cy="7543800"/>
+          </a:xfrm>
+          <a:prstGeom prst="rect">
+            <a:avLst/>
+          </a:prstGeom>
+          <a:noFill/>
+        </p:spPr>
+      </p:pic>
     </p:spTree>
   </p:cSld>
   <p:clrMapOvr>
@@ -8226,7 +9555,11 @@
           <a:p>
             <a:r>
               <a:rPr lang="en-US" dirty="0" smtClean="0"/>
-              <a:t>Future Work</a:t>
+              <a:t>Bonus – Kurtosis and </a:t>
+            </a:r>
+            <a:r>
+              <a:rPr lang="en-US" dirty="0" err="1" smtClean="0"/>
+              <a:t>Skewness</a:t>
             </a:r>
             <a:endParaRPr lang="en-US" dirty="0"/>
           </a:p>
@@ -8300,6 +9633,80 @@
           <a:p>
             <a:r>
               <a:rPr lang="en-US" dirty="0" smtClean="0"/>
+              <a:t>Future Work</a:t>
+            </a:r>
+            <a:endParaRPr lang="en-US" dirty="0"/>
+          </a:p>
+        </p:txBody>
+      </p:sp>
+      <p:sp>
+        <p:nvSpPr>
+          <p:cNvPr id="3" name="Content Placeholder 2"/>
+          <p:cNvSpPr>
+            <a:spLocks noGrp="1"/>
+          </p:cNvSpPr>
+          <p:nvPr>
+            <p:ph idx="1"/>
+          </p:nvPr>
+        </p:nvSpPr>
+        <p:spPr/>
+        <p:txBody>
+          <a:bodyPr/>
+          <a:lstStyle/>
+          <a:p>
+            <a:endParaRPr lang="en-US"/>
+          </a:p>
+        </p:txBody>
+      </p:sp>
+    </p:spTree>
+  </p:cSld>
+  <p:clrMapOvr>
+    <a:masterClrMapping/>
+  </p:clrMapOvr>
+  <p:timing>
+    <p:tnLst>
+      <p:par>
+        <p:cTn id="1" dur="indefinite" restart="never" nodeType="tmRoot"/>
+      </p:par>
+    </p:tnLst>
+  </p:timing>
+</p:sld>
+</file>
+
+<file path=ppt/slides/slide35.xml><?xml version="1.0" encoding="utf-8"?>
+<p:sld xmlns:a="http://schemas.openxmlformats.org/drawingml/2006/main" xmlns:r="http://schemas.openxmlformats.org/officeDocument/2006/relationships" xmlns:p="http://schemas.openxmlformats.org/presentationml/2006/main">
+  <p:cSld>
+    <p:spTree>
+      <p:nvGrpSpPr>
+        <p:cNvPr id="1" name=""/>
+        <p:cNvGrpSpPr/>
+        <p:nvPr/>
+      </p:nvGrpSpPr>
+      <p:grpSpPr>
+        <a:xfrm>
+          <a:off x="0" y="0"/>
+          <a:ext cx="0" cy="0"/>
+          <a:chOff x="0" y="0"/>
+          <a:chExt cx="0" cy="0"/>
+        </a:xfrm>
+      </p:grpSpPr>
+      <p:sp>
+        <p:nvSpPr>
+          <p:cNvPr id="2" name="Title 1"/>
+          <p:cNvSpPr>
+            <a:spLocks noGrp="1"/>
+          </p:cNvSpPr>
+          <p:nvPr>
+            <p:ph type="title"/>
+          </p:nvPr>
+        </p:nvSpPr>
+        <p:spPr/>
+        <p:txBody>
+          <a:bodyPr/>
+          <a:lstStyle/>
+          <a:p>
+            <a:r>
+              <a:rPr lang="en-US" dirty="0" smtClean="0"/>
               <a:t>Questions?</a:t>
             </a:r>
             <a:endParaRPr lang="en-US" dirty="0"/>
@@ -8369,7 +9776,7 @@
         </p:nvSpPr>
         <p:spPr>
           <a:xfrm>
-            <a:off x="381000" y="457200"/>
+            <a:off x="457200" y="457200"/>
             <a:ext cx="8229600" cy="1066800"/>
           </a:xfrm>
         </p:spPr>
@@ -8397,64 +9804,115 @@
         </p:nvSpPr>
         <p:spPr>
           <a:xfrm>
-            <a:off x="1524000" y="1269332"/>
-            <a:ext cx="2819400" cy="1854868"/>
-          </a:xfrm>
-        </p:spPr>
-        <p:txBody>
-          <a:bodyPr>
-            <a:normAutofit fontScale="92500"/>
-          </a:bodyPr>
-          <a:lstStyle/>
-          <a:p>
-            <a:pPr>
-              <a:buNone/>
+            <a:off x="457200" y="1219200"/>
+            <a:ext cx="8229600" cy="4325112"/>
+          </a:xfrm>
+        </p:spPr>
+        <p:txBody>
+          <a:bodyPr/>
+          <a:lstStyle/>
+          <a:p>
+            <a:r>
+              <a:rPr lang="en-US" i="1" dirty="0" smtClean="0"/>
+              <a:t>The Archive of Many Outdoor Scenes (AMOS)</a:t>
+            </a:r>
+          </a:p>
+          <a:p>
+            <a:pPr lvl="1"/>
+            <a:r>
+              <a:rPr lang="en-US" dirty="0" smtClean="0"/>
+              <a:t>Images from ~1000 static webcams, </a:t>
+            </a:r>
+          </a:p>
+          <a:p>
+            <a:pPr lvl="1"/>
+            <a:r>
+              <a:rPr lang="en-US" dirty="0" smtClean="0"/>
+              <a:t>Every 30 minutes since March 2006.</a:t>
+            </a:r>
+          </a:p>
+          <a:p>
+            <a:pPr lvl="1"/>
+            <a:r>
+              <a:rPr lang="en-US" sz="2800" i="1" dirty="0" smtClean="0">
+                <a:hlinkClick r:id="rId2"/>
+              </a:rPr>
+              <a:t>http://amos.cse.wustl.edu</a:t>
+            </a:r>
+            <a:endParaRPr lang="en-US" sz="2800" i="1" dirty="0" smtClean="0"/>
+          </a:p>
+          <a:p>
+            <a:pPr marL="342900" indent="-342900">
+              <a:spcBef>
+                <a:spcPct val="20000"/>
+              </a:spcBef>
             </a:pPr>
             <a:r>
-              <a:rPr lang="en-US" dirty="0" smtClean="0"/>
-              <a:t>   3000 webcams</a:t>
-            </a:r>
-          </a:p>
-          <a:p>
-            <a:pPr>
-              <a:buNone/>
+              <a:rPr lang="en-US" sz="2400" dirty="0" smtClean="0"/>
+              <a:t>Capture variations from fixed cameras</a:t>
+            </a:r>
+          </a:p>
+          <a:p>
+            <a:pPr marL="617220" lvl="1" indent="-342900">
+              <a:spcBef>
+                <a:spcPct val="20000"/>
+              </a:spcBef>
             </a:pPr>
             <a:r>
-              <a:rPr lang="en-US" dirty="0" smtClean="0"/>
-              <a:t>x            3 years</a:t>
-            </a:r>
-          </a:p>
-          <a:p>
-            <a:pPr>
-              <a:buNone/>
+              <a:rPr lang="en-US" sz="2100" dirty="0" smtClean="0"/>
+              <a:t>Due to lighting (time of day), and </a:t>
+            </a:r>
+          </a:p>
+          <a:p>
+            <a:pPr marL="617220" lvl="1" indent="-342900">
+              <a:spcBef>
+                <a:spcPct val="20000"/>
+              </a:spcBef>
             </a:pPr>
             <a:r>
-              <a:rPr lang="en-US" dirty="0" smtClean="0"/>
-              <a:t>35 million images</a:t>
-            </a:r>
+              <a:rPr lang="en-US" sz="2100" dirty="0" smtClean="0"/>
+              <a:t>Seasonal and weather variations (over a year).</a:t>
+            </a:r>
+          </a:p>
+          <a:p>
+            <a:pPr marL="617220" lvl="1" indent="-342900">
+              <a:spcBef>
+                <a:spcPct val="20000"/>
+              </a:spcBef>
+            </a:pPr>
+            <a:r>
+              <a:rPr lang="en-US" sz="2100" dirty="0" smtClean="0"/>
+              <a:t>From cameras mostly in the USA (a few elsewhere).</a:t>
+            </a:r>
+          </a:p>
+          <a:p>
+            <a:pPr lvl="1"/>
+            <a:endParaRPr lang="en-US" sz="2800" i="1" dirty="0" smtClean="0"/>
+          </a:p>
+          <a:p>
             <a:endParaRPr lang="en-US" dirty="0"/>
           </a:p>
         </p:txBody>
       </p:sp>
       <p:pic>
         <p:nvPicPr>
-          <p:cNvPr id="4" name="Picture 3"/>
+          <p:cNvPr id="10" name="Picture 13" descr="mostUnusual"/>
           <p:cNvPicPr>
             <a:picLocks noChangeAspect="1" noChangeArrowheads="1"/>
           </p:cNvPicPr>
           <p:nvPr/>
         </p:nvPicPr>
         <p:blipFill>
-          <a:blip r:embed="rId2" cstate="print"/>
-          <a:srcRect l="10001" t="8905" r="10001"/>
+          <a:blip r:embed="rId3"/>
+          <a:srcRect/>
           <a:stretch>
             <a:fillRect/>
           </a:stretch>
         </p:blipFill>
         <p:spPr bwMode="auto">
           <a:xfrm>
-            <a:off x="0" y="2954338"/>
-            <a:ext cx="9144000" cy="779462"/>
+            <a:off x="838200" y="4743450"/>
+            <a:ext cx="1295400" cy="971550"/>
           </a:xfrm>
           <a:prstGeom prst="rect">
             <a:avLst/>
@@ -8470,185 +9928,7 @@
       </p:pic>
       <p:pic>
         <p:nvPicPr>
-          <p:cNvPr id="5" name="Picture 4"/>
-          <p:cNvPicPr>
-            <a:picLocks noChangeAspect="1" noChangeArrowheads="1"/>
-          </p:cNvPicPr>
-          <p:nvPr/>
-        </p:nvPicPr>
-        <p:blipFill>
-          <a:blip r:embed="rId3"/>
-          <a:srcRect t="746"/>
-          <a:stretch>
-            <a:fillRect/>
-          </a:stretch>
-        </p:blipFill>
-        <p:spPr bwMode="auto">
-          <a:xfrm>
-            <a:off x="5729288" y="1219200"/>
-            <a:ext cx="1128712" cy="5072063"/>
-          </a:xfrm>
-          <a:prstGeom prst="rect">
-            <a:avLst/>
-          </a:prstGeom>
-          <a:noFill/>
-          <a:ln w="9525">
-            <a:noFill/>
-            <a:miter lim="800000"/>
-            <a:headEnd/>
-            <a:tailEnd/>
-          </a:ln>
-        </p:spPr>
-      </p:pic>
-      <p:sp>
-        <p:nvSpPr>
-          <p:cNvPr id="6" name="Text Box 7"/>
-          <p:cNvSpPr txBox="1">
-            <a:spLocks noChangeArrowheads="1"/>
-          </p:cNvSpPr>
-          <p:nvPr/>
-        </p:nvSpPr>
-        <p:spPr bwMode="auto">
-          <a:xfrm>
-            <a:off x="7239000" y="1752600"/>
-            <a:ext cx="1905000" cy="915988"/>
-          </a:xfrm>
-          <a:prstGeom prst="rect">
-            <a:avLst/>
-          </a:prstGeom>
-          <a:noFill/>
-          <a:ln w="9525">
-            <a:noFill/>
-            <a:miter lim="800000"/>
-            <a:headEnd/>
-            <a:tailEnd/>
-          </a:ln>
-        </p:spPr>
-        <p:txBody>
-          <a:bodyPr>
-            <a:spAutoFit/>
-          </a:bodyPr>
-          <a:lstStyle/>
-          <a:p>
-            <a:r>
-              <a:rPr lang="en-US" dirty="0"/>
-              <a:t>Variations </a:t>
-            </a:r>
-          </a:p>
-          <a:p>
-            <a:r>
-              <a:rPr lang="en-US" dirty="0"/>
-              <a:t>over a year and  over a day </a:t>
-            </a:r>
-          </a:p>
-        </p:txBody>
-      </p:sp>
-      <p:sp>
-        <p:nvSpPr>
-          <p:cNvPr id="7" name="Line 8"/>
-          <p:cNvSpPr>
-            <a:spLocks noChangeShapeType="1"/>
-          </p:cNvSpPr>
-          <p:nvPr/>
-        </p:nvSpPr>
-        <p:spPr bwMode="auto">
-          <a:xfrm flipH="1">
-            <a:off x="6858000" y="2209800"/>
-            <a:ext cx="381000" cy="0"/>
-          </a:xfrm>
-          <a:prstGeom prst="line">
-            <a:avLst/>
-          </a:prstGeom>
-          <a:noFill/>
-          <a:ln w="9525">
-            <a:solidFill>
-              <a:schemeClr val="tx1"/>
-            </a:solidFill>
-            <a:round/>
-            <a:headEnd/>
-            <a:tailEnd type="triangle" w="med" len="med"/>
-          </a:ln>
-        </p:spPr>
-        <p:txBody>
-          <a:bodyPr/>
-          <a:lstStyle/>
-          <a:p>
-            <a:endParaRPr lang="en-US"/>
-          </a:p>
-        </p:txBody>
-      </p:sp>
-      <p:sp>
-        <p:nvSpPr>
-          <p:cNvPr id="8" name="Line 9"/>
-          <p:cNvSpPr>
-            <a:spLocks noChangeShapeType="1"/>
-          </p:cNvSpPr>
-          <p:nvPr/>
-        </p:nvSpPr>
-        <p:spPr bwMode="auto">
-          <a:xfrm>
-            <a:off x="7848600" y="2590800"/>
-            <a:ext cx="0" cy="533400"/>
-          </a:xfrm>
-          <a:prstGeom prst="line">
-            <a:avLst/>
-          </a:prstGeom>
-          <a:noFill/>
-          <a:ln w="9525">
-            <a:solidFill>
-              <a:schemeClr val="tx1"/>
-            </a:solidFill>
-            <a:round/>
-            <a:headEnd/>
-            <a:tailEnd type="triangle" w="med" len="med"/>
-          </a:ln>
-        </p:spPr>
-        <p:txBody>
-          <a:bodyPr/>
-          <a:lstStyle/>
-          <a:p>
-            <a:endParaRPr lang="en-US"/>
-          </a:p>
-        </p:txBody>
-      </p:sp>
-      <p:cxnSp>
-        <p:nvCxnSpPr>
-          <p:cNvPr id="11" name="Straight Connector 10"/>
-          <p:cNvCxnSpPr/>
-          <p:nvPr/>
-        </p:nvCxnSpPr>
-        <p:spPr>
-          <a:xfrm>
-            <a:off x="1676400" y="2209800"/>
-            <a:ext cx="2286000" cy="1536"/>
-          </a:xfrm>
-          <a:prstGeom prst="line">
-            <a:avLst/>
-          </a:prstGeom>
-          <a:ln w="28575">
-            <a:solidFill>
-              <a:schemeClr val="tx1"/>
-            </a:solidFill>
-          </a:ln>
-        </p:spPr>
-        <p:style>
-          <a:lnRef idx="1">
-            <a:schemeClr val="accent1"/>
-          </a:lnRef>
-          <a:fillRef idx="0">
-            <a:schemeClr val="accent1"/>
-          </a:fillRef>
-          <a:effectRef idx="0">
-            <a:schemeClr val="accent1"/>
-          </a:effectRef>
-          <a:fontRef idx="minor">
-            <a:schemeClr val="tx1"/>
-          </a:fontRef>
-        </p:style>
-      </p:cxnSp>
-      <p:pic>
-        <p:nvPicPr>
-          <p:cNvPr id="18" name="Picture 6"/>
+          <p:cNvPr id="12" name="Picture 11" descr="http://crunchy.cs.wustl.edu/results/4/current.jpg"/>
           <p:cNvPicPr>
             <a:picLocks noChangeAspect="1" noChangeArrowheads="1"/>
           </p:cNvPicPr>
@@ -8663,8 +9943,8 @@
         </p:blipFill>
         <p:spPr bwMode="auto">
           <a:xfrm>
-            <a:off x="1447800" y="4724400"/>
-            <a:ext cx="3421363" cy="1600200"/>
+            <a:off x="6324600" y="4648200"/>
+            <a:ext cx="2590800" cy="1766454"/>
           </a:xfrm>
           <a:prstGeom prst="rect">
             <a:avLst/>
@@ -8678,9 +9958,105 @@
           </a:ln>
         </p:spPr>
       </p:pic>
-      <p:sp>
-        <p:nvSpPr>
-          <p:cNvPr id="12" name="Slide Number Placeholder 11"/>
+      <p:pic>
+        <p:nvPicPr>
+          <p:cNvPr id="11" name="Picture 9" descr="mostUnusual"/>
+          <p:cNvPicPr>
+            <a:picLocks noChangeAspect="1" noChangeArrowheads="1"/>
+          </p:cNvPicPr>
+          <p:nvPr/>
+        </p:nvPicPr>
+        <p:blipFill>
+          <a:blip r:embed="rId5"/>
+          <a:srcRect/>
+          <a:stretch>
+            <a:fillRect/>
+          </a:stretch>
+        </p:blipFill>
+        <p:spPr bwMode="auto">
+          <a:xfrm>
+            <a:off x="4038600" y="4648200"/>
+            <a:ext cx="2641600" cy="1981200"/>
+          </a:xfrm>
+          <a:prstGeom prst="rect">
+            <a:avLst/>
+          </a:prstGeom>
+          <a:noFill/>
+          <a:ln w="9525">
+            <a:noFill/>
+            <a:miter lim="800000"/>
+            <a:headEnd/>
+            <a:tailEnd/>
+          </a:ln>
+        </p:spPr>
+      </p:pic>
+      <p:pic>
+        <p:nvPicPr>
+          <p:cNvPr id="7" name="Picture 17" descr="http://crunchy.cs.wustl.edu/results/33/current.jpg"/>
+          <p:cNvPicPr>
+            <a:picLocks noChangeAspect="1" noChangeArrowheads="1"/>
+          </p:cNvPicPr>
+          <p:nvPr/>
+        </p:nvPicPr>
+        <p:blipFill>
+          <a:blip r:embed="rId6"/>
+          <a:srcRect/>
+          <a:stretch>
+            <a:fillRect/>
+          </a:stretch>
+        </p:blipFill>
+        <p:spPr bwMode="auto">
+          <a:xfrm>
+            <a:off x="2286000" y="4724400"/>
+            <a:ext cx="2336800" cy="1752600"/>
+          </a:xfrm>
+          <a:prstGeom prst="rect">
+            <a:avLst/>
+          </a:prstGeom>
+          <a:noFill/>
+          <a:ln w="9525">
+            <a:noFill/>
+            <a:miter lim="800000"/>
+            <a:headEnd/>
+            <a:tailEnd/>
+          </a:ln>
+        </p:spPr>
+      </p:pic>
+      <p:pic>
+        <p:nvPicPr>
+          <p:cNvPr id="9" name="Picture 7" descr="mostUnusual"/>
+          <p:cNvPicPr>
+            <a:picLocks noChangeAspect="1" noChangeArrowheads="1"/>
+          </p:cNvPicPr>
+          <p:nvPr/>
+        </p:nvPicPr>
+        <p:blipFill>
+          <a:blip r:embed="rId7"/>
+          <a:srcRect/>
+          <a:stretch>
+            <a:fillRect/>
+          </a:stretch>
+        </p:blipFill>
+        <p:spPr bwMode="auto">
+          <a:xfrm>
+            <a:off x="1143000" y="5505450"/>
+            <a:ext cx="1295400" cy="971550"/>
+          </a:xfrm>
+          <a:prstGeom prst="rect">
+            <a:avLst/>
+          </a:prstGeom>
+          <a:noFill/>
+          <a:ln w="9525">
+            <a:noFill/>
+            <a:miter lim="800000"/>
+            <a:headEnd/>
+            <a:tailEnd/>
+          </a:ln>
+        </p:spPr>
+      </p:pic>
+      <p:sp>
+        <p:nvSpPr>
+          <p:cNvPr id="13" name="Slide Number Placeholder 12"/>
           <p:cNvSpPr>
             <a:spLocks noGrp="1"/>
           </p:cNvSpPr>
@@ -8744,57 +10120,342 @@
             <p:ph type="title"/>
           </p:nvPr>
         </p:nvSpPr>
+        <p:spPr>
+          <a:xfrm>
+            <a:off x="381000" y="457200"/>
+            <a:ext cx="8229600" cy="1066800"/>
+          </a:xfrm>
+        </p:spPr>
+        <p:txBody>
+          <a:bodyPr/>
+          <a:lstStyle/>
+          <a:p>
+            <a:r>
+              <a:rPr lang="en-US" dirty="0" smtClean="0"/>
+              <a:t>AMOS Dataset</a:t>
+            </a:r>
+            <a:endParaRPr lang="en-US" dirty="0"/>
+          </a:p>
+        </p:txBody>
+      </p:sp>
+      <p:sp>
+        <p:nvSpPr>
+          <p:cNvPr id="3" name="Content Placeholder 2"/>
+          <p:cNvSpPr>
+            <a:spLocks noGrp="1"/>
+          </p:cNvSpPr>
+          <p:nvPr>
+            <p:ph sz="quarter" idx="1"/>
+          </p:nvPr>
+        </p:nvSpPr>
+        <p:spPr>
+          <a:xfrm>
+            <a:off x="1524000" y="1269332"/>
+            <a:ext cx="2819400" cy="1854868"/>
+          </a:xfrm>
+        </p:spPr>
+        <p:txBody>
+          <a:bodyPr>
+            <a:normAutofit fontScale="92500"/>
+          </a:bodyPr>
+          <a:lstStyle/>
+          <a:p>
+            <a:pPr>
+              <a:buNone/>
+            </a:pPr>
+            <a:r>
+              <a:rPr lang="en-US" dirty="0" smtClean="0"/>
+              <a:t>   3000 webcams</a:t>
+            </a:r>
+          </a:p>
+          <a:p>
+            <a:pPr>
+              <a:buNone/>
+            </a:pPr>
+            <a:r>
+              <a:rPr lang="en-US" smtClean="0"/>
+              <a:t>x            1 </a:t>
+            </a:r>
+            <a:r>
+              <a:rPr lang="en-US" dirty="0" smtClean="0"/>
+              <a:t>years</a:t>
+            </a:r>
+          </a:p>
+          <a:p>
+            <a:pPr>
+              <a:buNone/>
+            </a:pPr>
+            <a:r>
+              <a:rPr lang="en-US" dirty="0" smtClean="0"/>
+              <a:t>35 million images</a:t>
+            </a:r>
+            <a:endParaRPr lang="en-US" dirty="0"/>
+          </a:p>
+        </p:txBody>
+      </p:sp>
+      <p:pic>
+        <p:nvPicPr>
+          <p:cNvPr id="4" name="Picture 3"/>
+          <p:cNvPicPr>
+            <a:picLocks noChangeAspect="1" noChangeArrowheads="1"/>
+          </p:cNvPicPr>
+          <p:nvPr/>
+        </p:nvPicPr>
+        <p:blipFill>
+          <a:blip r:embed="rId2" cstate="print"/>
+          <a:srcRect l="10001" t="8905" r="10001"/>
+          <a:stretch>
+            <a:fillRect/>
+          </a:stretch>
+        </p:blipFill>
+        <p:spPr bwMode="auto">
+          <a:xfrm>
+            <a:off x="0" y="2954338"/>
+            <a:ext cx="9144000" cy="779462"/>
+          </a:xfrm>
+          <a:prstGeom prst="rect">
+            <a:avLst/>
+          </a:prstGeom>
+          <a:noFill/>
+          <a:ln w="9525">
+            <a:noFill/>
+            <a:miter lim="800000"/>
+            <a:headEnd/>
+            <a:tailEnd/>
+          </a:ln>
+        </p:spPr>
+      </p:pic>
+      <p:pic>
+        <p:nvPicPr>
+          <p:cNvPr id="5" name="Picture 4"/>
+          <p:cNvPicPr>
+            <a:picLocks noChangeAspect="1" noChangeArrowheads="1"/>
+          </p:cNvPicPr>
+          <p:nvPr/>
+        </p:nvPicPr>
+        <p:blipFill>
+          <a:blip r:embed="rId3"/>
+          <a:srcRect t="746"/>
+          <a:stretch>
+            <a:fillRect/>
+          </a:stretch>
+        </p:blipFill>
+        <p:spPr bwMode="auto">
+          <a:xfrm>
+            <a:off x="5729288" y="1219200"/>
+            <a:ext cx="1128712" cy="5072063"/>
+          </a:xfrm>
+          <a:prstGeom prst="rect">
+            <a:avLst/>
+          </a:prstGeom>
+          <a:noFill/>
+          <a:ln w="9525">
+            <a:noFill/>
+            <a:miter lim="800000"/>
+            <a:headEnd/>
+            <a:tailEnd/>
+          </a:ln>
+        </p:spPr>
+      </p:pic>
+      <p:sp>
+        <p:nvSpPr>
+          <p:cNvPr id="6" name="Text Box 7"/>
+          <p:cNvSpPr txBox="1">
+            <a:spLocks noChangeArrowheads="1"/>
+          </p:cNvSpPr>
+          <p:nvPr/>
+        </p:nvSpPr>
+        <p:spPr bwMode="auto">
+          <a:xfrm>
+            <a:off x="7239000" y="1752600"/>
+            <a:ext cx="1905000" cy="915988"/>
+          </a:xfrm>
+          <a:prstGeom prst="rect">
+            <a:avLst/>
+          </a:prstGeom>
+          <a:noFill/>
+          <a:ln w="9525">
+            <a:noFill/>
+            <a:miter lim="800000"/>
+            <a:headEnd/>
+            <a:tailEnd/>
+          </a:ln>
+        </p:spPr>
+        <p:txBody>
+          <a:bodyPr>
+            <a:spAutoFit/>
+          </a:bodyPr>
+          <a:lstStyle/>
+          <a:p>
+            <a:r>
+              <a:rPr lang="en-US" dirty="0"/>
+              <a:t>Variations </a:t>
+            </a:r>
+          </a:p>
+          <a:p>
+            <a:r>
+              <a:rPr lang="en-US" dirty="0"/>
+              <a:t>over a year and  over a day </a:t>
+            </a:r>
+          </a:p>
+        </p:txBody>
+      </p:sp>
+      <p:sp>
+        <p:nvSpPr>
+          <p:cNvPr id="7" name="Line 8"/>
+          <p:cNvSpPr>
+            <a:spLocks noChangeShapeType="1"/>
+          </p:cNvSpPr>
+          <p:nvPr/>
+        </p:nvSpPr>
+        <p:spPr bwMode="auto">
+          <a:xfrm flipH="1">
+            <a:off x="6858000" y="2209800"/>
+            <a:ext cx="381000" cy="0"/>
+          </a:xfrm>
+          <a:prstGeom prst="line">
+            <a:avLst/>
+          </a:prstGeom>
+          <a:noFill/>
+          <a:ln w="9525">
+            <a:solidFill>
+              <a:schemeClr val="tx1"/>
+            </a:solidFill>
+            <a:round/>
+            <a:headEnd/>
+            <a:tailEnd type="triangle" w="med" len="med"/>
+          </a:ln>
+        </p:spPr>
+        <p:txBody>
+          <a:bodyPr/>
+          <a:lstStyle/>
+          <a:p>
+            <a:endParaRPr lang="en-US"/>
+          </a:p>
+        </p:txBody>
+      </p:sp>
+      <p:sp>
+        <p:nvSpPr>
+          <p:cNvPr id="8" name="Line 9"/>
+          <p:cNvSpPr>
+            <a:spLocks noChangeShapeType="1"/>
+          </p:cNvSpPr>
+          <p:nvPr/>
+        </p:nvSpPr>
+        <p:spPr bwMode="auto">
+          <a:xfrm>
+            <a:off x="7848600" y="2590800"/>
+            <a:ext cx="0" cy="533400"/>
+          </a:xfrm>
+          <a:prstGeom prst="line">
+            <a:avLst/>
+          </a:prstGeom>
+          <a:noFill/>
+          <a:ln w="9525">
+            <a:solidFill>
+              <a:schemeClr val="tx1"/>
+            </a:solidFill>
+            <a:round/>
+            <a:headEnd/>
+            <a:tailEnd type="triangle" w="med" len="med"/>
+          </a:ln>
+        </p:spPr>
+        <p:txBody>
+          <a:bodyPr/>
+          <a:lstStyle/>
+          <a:p>
+            <a:endParaRPr lang="en-US"/>
+          </a:p>
+        </p:txBody>
+      </p:sp>
+      <p:cxnSp>
+        <p:nvCxnSpPr>
+          <p:cNvPr id="11" name="Straight Connector 10"/>
+          <p:cNvCxnSpPr/>
+          <p:nvPr/>
+        </p:nvCxnSpPr>
+        <p:spPr>
+          <a:xfrm>
+            <a:off x="1676400" y="2209800"/>
+            <a:ext cx="2286000" cy="1536"/>
+          </a:xfrm>
+          <a:prstGeom prst="line">
+            <a:avLst/>
+          </a:prstGeom>
+          <a:ln w="28575">
+            <a:solidFill>
+              <a:schemeClr val="tx1"/>
+            </a:solidFill>
+          </a:ln>
+        </p:spPr>
+        <p:style>
+          <a:lnRef idx="1">
+            <a:schemeClr val="accent1"/>
+          </a:lnRef>
+          <a:fillRef idx="0">
+            <a:schemeClr val="accent1"/>
+          </a:fillRef>
+          <a:effectRef idx="0">
+            <a:schemeClr val="accent1"/>
+          </a:effectRef>
+          <a:fontRef idx="minor">
+            <a:schemeClr val="tx1"/>
+          </a:fontRef>
+        </p:style>
+      </p:cxnSp>
+      <p:pic>
+        <p:nvPicPr>
+          <p:cNvPr id="18" name="Picture 6"/>
+          <p:cNvPicPr>
+            <a:picLocks noChangeAspect="1" noChangeArrowheads="1"/>
+          </p:cNvPicPr>
+          <p:nvPr/>
+        </p:nvPicPr>
+        <p:blipFill>
+          <a:blip r:embed="rId4"/>
+          <a:srcRect/>
+          <a:stretch>
+            <a:fillRect/>
+          </a:stretch>
+        </p:blipFill>
+        <p:spPr bwMode="auto">
+          <a:xfrm>
+            <a:off x="1447800" y="4724400"/>
+            <a:ext cx="3421363" cy="1600200"/>
+          </a:xfrm>
+          <a:prstGeom prst="rect">
+            <a:avLst/>
+          </a:prstGeom>
+          <a:noFill/>
+          <a:ln w="9525">
+            <a:noFill/>
+            <a:miter lim="800000"/>
+            <a:headEnd/>
+            <a:tailEnd/>
+          </a:ln>
+        </p:spPr>
+      </p:pic>
+      <p:sp>
+        <p:nvSpPr>
+          <p:cNvPr id="12" name="Slide Number Placeholder 11"/>
+          <p:cNvSpPr>
+            <a:spLocks noGrp="1"/>
+          </p:cNvSpPr>
+          <p:nvPr>
+            <p:ph type="sldNum" sz="quarter" idx="12"/>
+          </p:nvPr>
+        </p:nvSpPr>
         <p:spPr/>
         <p:txBody>
           <a:bodyPr/>
           <a:lstStyle/>
           <a:p>
-            <a:r>
-              <a:rPr lang="en-US" dirty="0" smtClean="0"/>
-              <a:t>The Project</a:t>
-            </a:r>
-            <a:endParaRPr lang="en-US" dirty="0"/>
-          </a:p>
-        </p:txBody>
-      </p:sp>
-      <p:sp>
-        <p:nvSpPr>
-          <p:cNvPr id="3" name="Content Placeholder 2"/>
-          <p:cNvSpPr>
-            <a:spLocks noGrp="1"/>
-          </p:cNvSpPr>
-          <p:nvPr>
-            <p:ph idx="1"/>
-          </p:nvPr>
-        </p:nvSpPr>
-        <p:spPr/>
-        <p:txBody>
-          <a:bodyPr/>
-          <a:lstStyle/>
-          <a:p>
-            <a:r>
-              <a:rPr lang="en-US" dirty="0" smtClean="0"/>
-              <a:t>Have many webcams, want interesting variants</a:t>
-            </a:r>
-          </a:p>
-          <a:p>
-            <a:r>
-              <a:rPr lang="en-US" dirty="0" smtClean="0"/>
-              <a:t>Too many to go through manually</a:t>
-            </a:r>
-          </a:p>
-          <a:p>
-            <a:r>
-              <a:rPr lang="en-US" dirty="0" smtClean="0"/>
-              <a:t>PCA learns consistent variation</a:t>
-            </a:r>
-          </a:p>
-          <a:p>
-            <a:r>
-              <a:rPr lang="en-US" dirty="0" smtClean="0"/>
-              <a:t>PCA error =&gt; interesting variation</a:t>
-            </a:r>
-            <a:endParaRPr lang="en-US" dirty="0"/>
+            <a:fld id="{45E96854-6E70-484C-818F-A5764320AC80}" type="slidenum">
+              <a:rPr lang="en-US" smtClean="0"/>
+              <a:pPr/>
+              <a:t>5</a:t>
+            </a:fld>
+            <a:endParaRPr lang="en-US"/>
           </a:p>
         </p:txBody>
       </p:sp>
@@ -8842,14 +10503,12 @@
         </p:nvSpPr>
         <p:spPr/>
         <p:txBody>
-          <a:bodyPr>
-            <a:normAutofit/>
-          </a:bodyPr>
+          <a:bodyPr/>
           <a:lstStyle/>
           <a:p>
             <a:r>
               <a:rPr lang="en-US" dirty="0" smtClean="0"/>
-              <a:t>Principal Component Analysis</a:t>
+              <a:t>The Project</a:t>
             </a:r>
             <a:endParaRPr lang="en-US" dirty="0"/>
           </a:p>
@@ -8872,13 +10531,27 @@
           <a:p>
             <a:r>
               <a:rPr lang="en-US" dirty="0" smtClean="0"/>
-              <a:t>M = U S V</a:t>
-            </a:r>
-            <a:r>
-              <a:rPr lang="en-US" baseline="30000" dirty="0" smtClean="0"/>
-              <a:t>T</a:t>
-            </a:r>
-            <a:endParaRPr lang="en-US" baseline="30000" dirty="0"/>
+              <a:t>Have many webcams, want interesting variants</a:t>
+            </a:r>
+          </a:p>
+          <a:p>
+            <a:r>
+              <a:rPr lang="en-US" dirty="0" smtClean="0"/>
+              <a:t>Too many to go through manually</a:t>
+            </a:r>
+          </a:p>
+          <a:p>
+            <a:r>
+              <a:rPr lang="en-US" dirty="0" smtClean="0"/>
+              <a:t>PCA learns consistent variation</a:t>
+            </a:r>
+          </a:p>
+          <a:p>
+            <a:r>
+              <a:rPr lang="en-US" dirty="0" smtClean="0"/>
+              <a:t>PCA error =&gt; interesting variation… (interesting == inconsistent?)</a:t>
+            </a:r>
+            <a:endParaRPr lang="en-US" dirty="0"/>
           </a:p>
         </p:txBody>
       </p:sp>
@@ -8898,6 +10571,90 @@
 </file>
 
 <file path=ppt/slides/slide7.xml><?xml version="1.0" encoding="utf-8"?>
+<p:sld xmlns:a="http://schemas.openxmlformats.org/drawingml/2006/main" xmlns:r="http://schemas.openxmlformats.org/officeDocument/2006/relationships" xmlns:p="http://schemas.openxmlformats.org/presentationml/2006/main">
+  <p:cSld>
+    <p:spTree>
+      <p:nvGrpSpPr>
+        <p:cNvPr id="1" name=""/>
+        <p:cNvGrpSpPr/>
+        <p:nvPr/>
+      </p:nvGrpSpPr>
+      <p:grpSpPr>
+        <a:xfrm>
+          <a:off x="0" y="0"/>
+          <a:ext cx="0" cy="0"/>
+          <a:chOff x="0" y="0"/>
+          <a:chExt cx="0" cy="0"/>
+        </a:xfrm>
+      </p:grpSpPr>
+      <p:sp>
+        <p:nvSpPr>
+          <p:cNvPr id="2" name="Title 1"/>
+          <p:cNvSpPr>
+            <a:spLocks noGrp="1"/>
+          </p:cNvSpPr>
+          <p:nvPr>
+            <p:ph type="title"/>
+          </p:nvPr>
+        </p:nvSpPr>
+        <p:spPr/>
+        <p:txBody>
+          <a:bodyPr>
+            <a:normAutofit/>
+          </a:bodyPr>
+          <a:lstStyle/>
+          <a:p>
+            <a:r>
+              <a:rPr lang="en-US" dirty="0" smtClean="0"/>
+              <a:t>Principal Component Analysis</a:t>
+            </a:r>
+            <a:endParaRPr lang="en-US" dirty="0"/>
+          </a:p>
+        </p:txBody>
+      </p:sp>
+      <p:sp>
+        <p:nvSpPr>
+          <p:cNvPr id="3" name="Content Placeholder 2"/>
+          <p:cNvSpPr>
+            <a:spLocks noGrp="1"/>
+          </p:cNvSpPr>
+          <p:nvPr>
+            <p:ph idx="1"/>
+          </p:nvPr>
+        </p:nvSpPr>
+        <p:spPr/>
+        <p:txBody>
+          <a:bodyPr/>
+          <a:lstStyle/>
+          <a:p>
+            <a:r>
+              <a:rPr lang="en-US" dirty="0" smtClean="0"/>
+              <a:t>M = U S V</a:t>
+            </a:r>
+            <a:r>
+              <a:rPr lang="en-US" baseline="30000" dirty="0" smtClean="0"/>
+              <a:t>T</a:t>
+            </a:r>
+            <a:endParaRPr lang="en-US" baseline="30000" dirty="0"/>
+          </a:p>
+        </p:txBody>
+      </p:sp>
+    </p:spTree>
+  </p:cSld>
+  <p:clrMapOvr>
+    <a:masterClrMapping/>
+  </p:clrMapOvr>
+  <p:timing>
+    <p:tnLst>
+      <p:par>
+        <p:cTn id="1" dur="indefinite" restart="never" nodeType="tmRoot"/>
+      </p:par>
+    </p:tnLst>
+  </p:timing>
+</p:sld>
+</file>
+
+<file path=ppt/slides/slide8.xml><?xml version="1.0" encoding="utf-8"?>
 <p:sld xmlns:a="http://schemas.openxmlformats.org/drawingml/2006/main" xmlns:r="http://schemas.openxmlformats.org/officeDocument/2006/relationships" xmlns:p="http://schemas.openxmlformats.org/presentationml/2006/main">
   <p:cSld>
     <p:spTree>
@@ -9766,394 +11523,6 @@
 </p:sld>
 </file>
 
-<file path=ppt/slides/slide8.xml><?xml version="1.0" encoding="utf-8"?>
-<p:sld xmlns:a="http://schemas.openxmlformats.org/drawingml/2006/main" xmlns:r="http://schemas.openxmlformats.org/officeDocument/2006/relationships" xmlns:p="http://schemas.openxmlformats.org/presentationml/2006/main">
-  <p:cSld>
-    <p:spTree>
-      <p:nvGrpSpPr>
-        <p:cNvPr id="1" name=""/>
-        <p:cNvGrpSpPr/>
-        <p:nvPr/>
-      </p:nvGrpSpPr>
-      <p:grpSpPr>
-        <a:xfrm>
-          <a:off x="0" y="0"/>
-          <a:ext cx="0" cy="0"/>
-          <a:chOff x="0" y="0"/>
-          <a:chExt cx="0" cy="0"/>
-        </a:xfrm>
-      </p:grpSpPr>
-      <p:sp>
-        <p:nvSpPr>
-          <p:cNvPr id="9" name="Footer Placeholder 3"/>
-          <p:cNvSpPr>
-            <a:spLocks noGrp="1"/>
-          </p:cNvSpPr>
-          <p:nvPr>
-            <p:ph type="ftr" sz="quarter" idx="10"/>
-          </p:nvPr>
-        </p:nvSpPr>
-        <p:spPr/>
-        <p:txBody>
-          <a:bodyPr/>
-          <a:lstStyle/>
-          <a:p>
-            <a:r>
-              <a:rPr lang="en-US"/>
-              <a:t>Computer Vision, Robert Pless</a:t>
-            </a:r>
-          </a:p>
-        </p:txBody>
-      </p:sp>
-      <p:sp>
-        <p:nvSpPr>
-          <p:cNvPr id="693250" name="Rectangle 2"/>
-          <p:cNvSpPr>
-            <a:spLocks noChangeArrowheads="1"/>
-          </p:cNvSpPr>
-          <p:nvPr/>
-        </p:nvSpPr>
-        <p:spPr bwMode="auto">
-          <a:xfrm>
-            <a:off x="2819400" y="685800"/>
-            <a:ext cx="914400" cy="1752600"/>
-          </a:xfrm>
-          <a:prstGeom prst="rect">
-            <a:avLst/>
-          </a:prstGeom>
-          <a:solidFill>
-            <a:schemeClr val="accent1"/>
-          </a:solidFill>
-          <a:ln w="9525">
-            <a:solidFill>
-              <a:schemeClr val="tx1"/>
-            </a:solidFill>
-            <a:miter lim="800000"/>
-            <a:headEnd/>
-            <a:tailEnd/>
-          </a:ln>
-          <a:effectLst/>
-        </p:spPr>
-        <p:txBody>
-          <a:bodyPr wrap="none" anchor="ctr"/>
-          <a:lstStyle/>
-          <a:p>
-            <a:pPr algn="ctr"/>
-            <a:r>
-              <a:rPr lang="en-US" sz="1800" b="0">
-                <a:latin typeface="Arial" pitchFamily="34" charset="0"/>
-              </a:rPr>
-              <a:t>D</a:t>
-            </a:r>
-          </a:p>
-        </p:txBody>
-      </p:sp>
-      <p:sp>
-        <p:nvSpPr>
-          <p:cNvPr id="693251" name="Text Box 3"/>
-          <p:cNvSpPr txBox="1">
-            <a:spLocks noChangeArrowheads="1"/>
-          </p:cNvSpPr>
-          <p:nvPr/>
-        </p:nvSpPr>
-        <p:spPr bwMode="auto">
-          <a:xfrm>
-            <a:off x="3717925" y="1484313"/>
-            <a:ext cx="317500" cy="366712"/>
-          </a:xfrm>
-          <a:prstGeom prst="rect">
-            <a:avLst/>
-          </a:prstGeom>
-          <a:noFill/>
-          <a:ln w="9525">
-            <a:noFill/>
-            <a:miter lim="800000"/>
-            <a:headEnd/>
-            <a:tailEnd/>
-          </a:ln>
-          <a:effectLst/>
-        </p:spPr>
-        <p:txBody>
-          <a:bodyPr wrap="none">
-            <a:spAutoFit/>
-          </a:bodyPr>
-          <a:lstStyle/>
-          <a:p>
-            <a:r>
-              <a:rPr lang="en-US" sz="1800" b="0">
-                <a:latin typeface="Arial" pitchFamily="34" charset="0"/>
-              </a:rPr>
-              <a:t>=</a:t>
-            </a:r>
-          </a:p>
-        </p:txBody>
-      </p:sp>
-      <p:sp>
-        <p:nvSpPr>
-          <p:cNvPr id="693252" name="Rectangle 4"/>
-          <p:cNvSpPr>
-            <a:spLocks noChangeArrowheads="1"/>
-          </p:cNvSpPr>
-          <p:nvPr/>
-        </p:nvSpPr>
-        <p:spPr bwMode="auto">
-          <a:xfrm>
-            <a:off x="4114800" y="685800"/>
-            <a:ext cx="381000" cy="1762125"/>
-          </a:xfrm>
-          <a:prstGeom prst="rect">
-            <a:avLst/>
-          </a:prstGeom>
-          <a:solidFill>
-            <a:schemeClr val="accent1"/>
-          </a:solidFill>
-          <a:ln w="9525">
-            <a:solidFill>
-              <a:schemeClr val="tx1"/>
-            </a:solidFill>
-            <a:miter lim="800000"/>
-            <a:headEnd/>
-            <a:tailEnd/>
-          </a:ln>
-          <a:effectLst/>
-        </p:spPr>
-        <p:txBody>
-          <a:bodyPr wrap="none" anchor="ctr"/>
-          <a:lstStyle/>
-          <a:p>
-            <a:pPr algn="ctr"/>
-            <a:r>
-              <a:rPr lang="en-US" sz="1800" b="0">
-                <a:latin typeface="Arial" pitchFamily="34" charset="0"/>
-              </a:rPr>
-              <a:t>U</a:t>
-            </a:r>
-          </a:p>
-        </p:txBody>
-      </p:sp>
-      <p:sp>
-        <p:nvSpPr>
-          <p:cNvPr id="693253" name="Rectangle 5"/>
-          <p:cNvSpPr>
-            <a:spLocks noChangeArrowheads="1"/>
-          </p:cNvSpPr>
-          <p:nvPr/>
-        </p:nvSpPr>
-        <p:spPr bwMode="auto">
-          <a:xfrm>
-            <a:off x="4648200" y="685800"/>
-            <a:ext cx="304800" cy="381000"/>
-          </a:xfrm>
-          <a:prstGeom prst="rect">
-            <a:avLst/>
-          </a:prstGeom>
-          <a:solidFill>
-            <a:schemeClr val="accent1"/>
-          </a:solidFill>
-          <a:ln w="9525">
-            <a:solidFill>
-              <a:schemeClr val="tx1"/>
-            </a:solidFill>
-            <a:miter lim="800000"/>
-            <a:headEnd/>
-            <a:tailEnd/>
-          </a:ln>
-          <a:effectLst/>
-        </p:spPr>
-        <p:txBody>
-          <a:bodyPr wrap="none" anchor="ctr"/>
-          <a:lstStyle/>
-          <a:p>
-            <a:pPr algn="ctr"/>
-            <a:r>
-              <a:rPr lang="en-US" sz="1800" b="0">
-                <a:latin typeface="Arial" pitchFamily="34" charset="0"/>
-              </a:rPr>
-              <a:t>S</a:t>
-            </a:r>
-          </a:p>
-        </p:txBody>
-      </p:sp>
-      <p:sp>
-        <p:nvSpPr>
-          <p:cNvPr id="693254" name="Rectangle 6"/>
-          <p:cNvSpPr>
-            <a:spLocks noChangeArrowheads="1"/>
-          </p:cNvSpPr>
-          <p:nvPr/>
-        </p:nvSpPr>
-        <p:spPr bwMode="auto">
-          <a:xfrm>
-            <a:off x="5181600" y="685800"/>
-            <a:ext cx="838200" cy="381000"/>
-          </a:xfrm>
-          <a:prstGeom prst="rect">
-            <a:avLst/>
-          </a:prstGeom>
-          <a:solidFill>
-            <a:schemeClr val="accent1"/>
-          </a:solidFill>
-          <a:ln w="9525">
-            <a:solidFill>
-              <a:schemeClr val="tx1"/>
-            </a:solidFill>
-            <a:miter lim="800000"/>
-            <a:headEnd/>
-            <a:tailEnd/>
-          </a:ln>
-          <a:effectLst/>
-        </p:spPr>
-        <p:txBody>
-          <a:bodyPr wrap="none" anchor="ctr"/>
-          <a:lstStyle/>
-          <a:p>
-            <a:pPr algn="ctr"/>
-            <a:r>
-              <a:rPr lang="en-US" sz="1800" b="0">
-                <a:latin typeface="Arial" pitchFamily="34" charset="0"/>
-              </a:rPr>
-              <a:t>V</a:t>
-            </a:r>
-          </a:p>
-        </p:txBody>
-      </p:sp>
-      <p:sp>
-        <p:nvSpPr>
-          <p:cNvPr id="693255" name="Oval 7"/>
-          <p:cNvSpPr>
-            <a:spLocks noChangeArrowheads="1"/>
-          </p:cNvSpPr>
-          <p:nvPr/>
-        </p:nvSpPr>
-        <p:spPr bwMode="auto">
-          <a:xfrm>
-            <a:off x="4610100" y="685800"/>
-            <a:ext cx="381000" cy="381000"/>
-          </a:xfrm>
-          <a:prstGeom prst="ellipse">
-            <a:avLst/>
-          </a:prstGeom>
-          <a:noFill/>
-          <a:ln w="9525">
-            <a:solidFill>
-              <a:srgbClr val="800000"/>
-            </a:solidFill>
-            <a:round/>
-            <a:headEnd/>
-            <a:tailEnd/>
-          </a:ln>
-          <a:effectLst/>
-        </p:spPr>
-        <p:txBody>
-          <a:bodyPr wrap="none" anchor="ctr"/>
-          <a:lstStyle/>
-          <a:p>
-            <a:endParaRPr lang="en-US"/>
-          </a:p>
-        </p:txBody>
-      </p:sp>
-      <p:sp>
-        <p:nvSpPr>
-          <p:cNvPr id="693256" name="Text Box 8"/>
-          <p:cNvSpPr txBox="1">
-            <a:spLocks noChangeArrowheads="1"/>
-          </p:cNvSpPr>
-          <p:nvPr/>
-        </p:nvSpPr>
-        <p:spPr bwMode="auto">
-          <a:xfrm>
-            <a:off x="669925" y="2474913"/>
-            <a:ext cx="8016875" cy="3387725"/>
-          </a:xfrm>
-          <a:prstGeom prst="rect">
-            <a:avLst/>
-          </a:prstGeom>
-          <a:noFill/>
-          <a:ln w="9525">
-            <a:noFill/>
-            <a:miter lim="800000"/>
-            <a:headEnd/>
-            <a:tailEnd/>
-          </a:ln>
-          <a:effectLst/>
-        </p:spPr>
-        <p:txBody>
-          <a:bodyPr>
-            <a:spAutoFit/>
-          </a:bodyPr>
-          <a:lstStyle/>
-          <a:p>
-            <a:r>
-              <a:rPr lang="en-US" sz="1800" b="0">
-                <a:latin typeface="Arial" pitchFamily="34" charset="0"/>
-              </a:rPr>
-              <a:t>S is a diagonal matrix, so it only has diagonal elements, called singular values.</a:t>
-            </a:r>
-          </a:p>
-          <a:p>
-            <a:endParaRPr lang="en-US" sz="1800" b="0">
-              <a:latin typeface="Arial" pitchFamily="34" charset="0"/>
-            </a:endParaRPr>
-          </a:p>
-          <a:p>
-            <a:r>
-              <a:rPr lang="en-US" sz="1800" b="0">
-                <a:latin typeface="Arial" pitchFamily="34" charset="0"/>
-              </a:rPr>
-              <a:t>These numbers are the relative importance of each of the principle components.</a:t>
-            </a:r>
-          </a:p>
-          <a:p>
-            <a:endParaRPr lang="en-US" sz="1800" b="0">
-              <a:latin typeface="Arial" pitchFamily="34" charset="0"/>
-            </a:endParaRPr>
-          </a:p>
-          <a:p>
-            <a:r>
-              <a:rPr lang="en-US" sz="1800" b="0">
-                <a:latin typeface="Arial" pitchFamily="34" charset="0"/>
-              </a:rPr>
-              <a:t>If we want we can make the principle components be the columns of U * S, and have the columns of V be the coefficients.</a:t>
-            </a:r>
-          </a:p>
-          <a:p>
-            <a:r>
-              <a:rPr lang="en-US" sz="1800" b="0">
-                <a:latin typeface="Arial" pitchFamily="34" charset="0"/>
-              </a:rPr>
-              <a:t> </a:t>
-            </a:r>
-          </a:p>
-          <a:p>
-            <a:r>
-              <a:rPr lang="en-US" sz="1800" b="0">
-                <a:latin typeface="Arial" pitchFamily="34" charset="0"/>
-              </a:rPr>
-              <a:t>Alternatively, we can keep the columns of U, and make the coefficients be S * the columns of V.  This is more common.</a:t>
-            </a:r>
-          </a:p>
-          <a:p>
-            <a:endParaRPr lang="en-US" sz="1800" b="0">
-              <a:latin typeface="Arial" pitchFamily="34" charset="0"/>
-            </a:endParaRPr>
-          </a:p>
-        </p:txBody>
-      </p:sp>
-    </p:spTree>
-  </p:cSld>
-  <p:clrMapOvr>
-    <a:masterClrMapping/>
-  </p:clrMapOvr>
-  <p:timing>
-    <p:tnLst>
-      <p:par>
-        <p:cTn id="1" dur="indefinite" restart="never" nodeType="tmRoot"/>
-      </p:par>
-    </p:tnLst>
-  </p:timing>
-</p:sld>
-</file>
-
 <file path=ppt/slides/slide9.xml><?xml version="1.0" encoding="utf-8"?>
 <p:sld xmlns:a="http://schemas.openxmlformats.org/drawingml/2006/main" xmlns:r="http://schemas.openxmlformats.org/officeDocument/2006/relationships" xmlns:p="http://schemas.openxmlformats.org/presentationml/2006/main">
   <p:cSld>
@@ -10173,7 +11542,7 @@
       </p:grpSpPr>
       <p:sp>
         <p:nvSpPr>
-          <p:cNvPr id="12" name="Footer Placeholder 3"/>
+          <p:cNvPr id="9" name="Footer Placeholder 3"/>
           <p:cNvSpPr>
             <a:spLocks noGrp="1"/>
           </p:cNvSpPr>
@@ -10195,7 +11564,7 @@
       </p:sp>
       <p:sp>
         <p:nvSpPr>
-          <p:cNvPr id="694274" name="Rectangle 2"/>
+          <p:cNvPr id="693250" name="Rectangle 2"/>
           <p:cNvSpPr>
             <a:spLocks noChangeArrowheads="1"/>
           </p:cNvSpPr>
@@ -10203,7 +11572,7 @@
         </p:nvSpPr>
         <p:spPr bwMode="auto">
           <a:xfrm>
-            <a:off x="2514600" y="762000"/>
+            <a:off x="2819400" y="685800"/>
             <a:ext cx="914400" cy="1752600"/>
           </a:xfrm>
           <a:prstGeom prst="rect">
@@ -10238,7 +11607,7 @@
       </p:sp>
       <p:sp>
         <p:nvSpPr>
-          <p:cNvPr id="694275" name="Text Box 3"/>
+          <p:cNvPr id="693251" name="Text Box 3"/>
           <p:cNvSpPr txBox="1">
             <a:spLocks noChangeArrowheads="1"/>
           </p:cNvSpPr>
@@ -10246,7 +11615,7 @@
         </p:nvSpPr>
         <p:spPr bwMode="auto">
           <a:xfrm>
-            <a:off x="3413125" y="1560513"/>
+            <a:off x="3717925" y="1484313"/>
             <a:ext cx="317500" cy="366712"/>
           </a:xfrm>
           <a:prstGeom prst="rect">
@@ -10278,7 +11647,7 @@
       </p:sp>
       <p:sp>
         <p:nvSpPr>
-          <p:cNvPr id="694276" name="Rectangle 4"/>
+          <p:cNvPr id="693252" name="Rectangle 4"/>
           <p:cNvSpPr>
             <a:spLocks noChangeArrowheads="1"/>
           </p:cNvSpPr>
@@ -10286,7 +11655,7 @@
         </p:nvSpPr>
         <p:spPr bwMode="auto">
           <a:xfrm>
-            <a:off x="3810000" y="762000"/>
+            <a:off x="4114800" y="685800"/>
             <a:ext cx="381000" cy="1762125"/>
           </a:xfrm>
           <a:prstGeom prst="rect">
@@ -10321,7 +11690,7 @@
       </p:sp>
       <p:sp>
         <p:nvSpPr>
-          <p:cNvPr id="694277" name="Rectangle 5"/>
+          <p:cNvPr id="693253" name="Rectangle 5"/>
           <p:cNvSpPr>
             <a:spLocks noChangeArrowheads="1"/>
           </p:cNvSpPr>
@@ -10329,7 +11698,7 @@
         </p:nvSpPr>
         <p:spPr bwMode="auto">
           <a:xfrm>
-            <a:off x="4343400" y="762000"/>
+            <a:off x="4648200" y="685800"/>
             <a:ext cx="304800" cy="381000"/>
           </a:xfrm>
           <a:prstGeom prst="rect">
@@ -10364,7 +11733,7 @@
       </p:sp>
       <p:sp>
         <p:nvSpPr>
-          <p:cNvPr id="694278" name="Rectangle 6"/>
+          <p:cNvPr id="693254" name="Rectangle 6"/>
           <p:cNvSpPr>
             <a:spLocks noChangeArrowheads="1"/>
           </p:cNvSpPr>
@@ -10372,7 +11741,7 @@
         </p:nvSpPr>
         <p:spPr bwMode="auto">
           <a:xfrm>
-            <a:off x="4876800" y="762000"/>
+            <a:off x="5181600" y="685800"/>
             <a:ext cx="838200" cy="381000"/>
           </a:xfrm>
           <a:prstGeom prst="rect">
@@ -10407,7 +11776,42 @@
       </p:sp>
       <p:sp>
         <p:nvSpPr>
-          <p:cNvPr id="694279" name="Text Box 7"/>
+          <p:cNvPr id="693255" name="Oval 7"/>
+          <p:cNvSpPr>
+            <a:spLocks noChangeArrowheads="1"/>
+          </p:cNvSpPr>
+          <p:nvPr/>
+        </p:nvSpPr>
+        <p:spPr bwMode="auto">
+          <a:xfrm>
+            <a:off x="4610100" y="685800"/>
+            <a:ext cx="381000" cy="381000"/>
+          </a:xfrm>
+          <a:prstGeom prst="ellipse">
+            <a:avLst/>
+          </a:prstGeom>
+          <a:noFill/>
+          <a:ln w="9525">
+            <a:solidFill>
+              <a:srgbClr val="800000"/>
+            </a:solidFill>
+            <a:round/>
+            <a:headEnd/>
+            <a:tailEnd/>
+          </a:ln>
+          <a:effectLst/>
+        </p:spPr>
+        <p:txBody>
+          <a:bodyPr wrap="none" anchor="ctr"/>
+          <a:lstStyle/>
+          <a:p>
+            <a:endParaRPr lang="en-US"/>
+          </a:p>
+        </p:txBody>
+      </p:sp>
+      <p:sp>
+        <p:nvSpPr>
+          <p:cNvPr id="693256" name="Text Box 8"/>
           <p:cNvSpPr txBox="1">
             <a:spLocks noChangeArrowheads="1"/>
           </p:cNvSpPr>
@@ -10415,8 +11819,8 @@
         </p:nvSpPr>
         <p:spPr bwMode="auto">
           <a:xfrm>
-            <a:off x="1600200" y="2138363"/>
-            <a:ext cx="962025" cy="366712"/>
+            <a:off x="669925" y="2474913"/>
+            <a:ext cx="8016875" cy="3387725"/>
           </a:xfrm>
           <a:prstGeom prst="rect">
             <a:avLst/>
@@ -10431,83 +11835,7 @@
           <a:effectLst/>
         </p:spPr>
         <p:txBody>
-          <a:bodyPr wrap="none">
-            <a:spAutoFit/>
-          </a:bodyPr>
-          <a:lstStyle/>
-          <a:p>
-            <a:r>
-              <a:rPr lang="en-US" sz="1800" b="0"/>
-              <a:t>Images</a:t>
-            </a:r>
-          </a:p>
-        </p:txBody>
-      </p:sp>
-      <p:sp>
-        <p:nvSpPr>
-          <p:cNvPr id="694280" name="Text Box 8"/>
-          <p:cNvSpPr txBox="1">
-            <a:spLocks noChangeArrowheads="1"/>
-          </p:cNvSpPr>
-          <p:nvPr/>
-        </p:nvSpPr>
-        <p:spPr bwMode="auto">
-          <a:xfrm>
-            <a:off x="4251325" y="2098675"/>
-            <a:ext cx="1577975" cy="366713"/>
-          </a:xfrm>
-          <a:prstGeom prst="rect">
-            <a:avLst/>
-          </a:prstGeom>
-          <a:noFill/>
-          <a:ln w="9525">
-            <a:noFill/>
-            <a:miter lim="800000"/>
-            <a:headEnd/>
-            <a:tailEnd/>
-          </a:ln>
-          <a:effectLst/>
-        </p:spPr>
-        <p:txBody>
-          <a:bodyPr wrap="none">
-            <a:spAutoFit/>
-          </a:bodyPr>
-          <a:lstStyle/>
-          <a:p>
-            <a:r>
-              <a:rPr lang="en-US" sz="1800" b="0"/>
-              <a:t>Basis Images</a:t>
-            </a:r>
-          </a:p>
-        </p:txBody>
-      </p:sp>
-      <p:sp>
-        <p:nvSpPr>
-          <p:cNvPr id="694281" name="Text Box 9"/>
-          <p:cNvSpPr txBox="1">
-            <a:spLocks noChangeArrowheads="1"/>
-          </p:cNvSpPr>
-          <p:nvPr/>
-        </p:nvSpPr>
-        <p:spPr bwMode="auto">
-          <a:xfrm>
-            <a:off x="5029200" y="1143000"/>
-            <a:ext cx="1390650" cy="366713"/>
-          </a:xfrm>
-          <a:prstGeom prst="rect">
-            <a:avLst/>
-          </a:prstGeom>
-          <a:noFill/>
-          <a:ln w="9525">
-            <a:noFill/>
-            <a:miter lim="800000"/>
-            <a:headEnd/>
-            <a:tailEnd/>
-          </a:ln>
-          <a:effectLst/>
-        </p:spPr>
-        <p:txBody>
-          <a:bodyPr wrap="none">
+          <a:bodyPr>
             <a:spAutoFit/>
           </a:bodyPr>
           <a:lstStyle/>
@@ -10516,265 +11844,55 @@
               <a:rPr lang="en-US" sz="1800" b="0">
                 <a:latin typeface="Arial" pitchFamily="34" charset="0"/>
               </a:rPr>
-              <a:t>coefficients.</a:t>
-            </a:r>
-          </a:p>
-        </p:txBody>
-      </p:sp>
-      <p:sp>
-        <p:nvSpPr>
-          <p:cNvPr id="694282" name="Text Box 10"/>
-          <p:cNvSpPr txBox="1">
-            <a:spLocks noChangeArrowheads="1"/>
-          </p:cNvSpPr>
-          <p:nvPr/>
-        </p:nvSpPr>
-        <p:spPr bwMode="auto">
-          <a:xfrm>
-            <a:off x="609600" y="2590800"/>
-            <a:ext cx="6421951" cy="2308324"/>
-          </a:xfrm>
-          <a:prstGeom prst="rect">
-            <a:avLst/>
-          </a:prstGeom>
-          <a:noFill/>
-          <a:ln w="9525">
-            <a:noFill/>
-            <a:miter lim="800000"/>
-            <a:headEnd/>
-            <a:tailEnd/>
-          </a:ln>
-          <a:effectLst/>
-        </p:spPr>
-        <p:txBody>
-          <a:bodyPr wrap="none">
-            <a:spAutoFit/>
-          </a:bodyPr>
-          <a:lstStyle/>
-          <a:p>
-            <a:pPr eaLnBrk="1" hangingPunct="1"/>
-            <a:r>
-              <a:rPr lang="en-US" sz="1800" b="0" dirty="0"/>
-              <a:t>Special properties:</a:t>
-            </a:r>
-          </a:p>
-          <a:p>
-            <a:pPr eaLnBrk="1" hangingPunct="1"/>
-            <a:r>
-              <a:rPr lang="en-US" sz="1800" b="0" dirty="0"/>
-              <a:t>   U,V are both </a:t>
-            </a:r>
-            <a:r>
-              <a:rPr lang="en-US" sz="1800" b="0" dirty="0" err="1"/>
-              <a:t>orthonormal</a:t>
-            </a:r>
-            <a:r>
-              <a:rPr lang="en-US" sz="1800" b="0" dirty="0"/>
-              <a:t> matrices.</a:t>
-            </a:r>
-          </a:p>
-          <a:p>
-            <a:pPr eaLnBrk="1" hangingPunct="1"/>
-            <a:endParaRPr lang="en-US" sz="1800" b="0" dirty="0"/>
-          </a:p>
-          <a:p>
-            <a:pPr eaLnBrk="1" hangingPunct="1"/>
-            <a:r>
-              <a:rPr lang="en-US" sz="1800" b="0" dirty="0"/>
-              <a:t>This is cool:</a:t>
-            </a:r>
-          </a:p>
-          <a:p>
-            <a:pPr eaLnBrk="1" hangingPunct="1"/>
-            <a:r>
-              <a:rPr lang="en-US" sz="1800" b="0" dirty="0"/>
-              <a:t>   Given a new image W, to get its coefficients </a:t>
-            </a:r>
-            <a:r>
-              <a:rPr lang="en-US" sz="1800" b="0" dirty="0" err="1"/>
-              <a:t>v</a:t>
-            </a:r>
-            <a:r>
-              <a:rPr lang="en-US" sz="1800" b="0" baseline="-25000" dirty="0" err="1"/>
-              <a:t>w</a:t>
-            </a:r>
-            <a:r>
-              <a:rPr lang="en-US" sz="1800" b="0" dirty="0"/>
-              <a:t>, you can use:</a:t>
-            </a:r>
-          </a:p>
-          <a:p>
-            <a:pPr eaLnBrk="1" hangingPunct="1"/>
-            <a:r>
-              <a:rPr lang="en-US" sz="1800" b="0" dirty="0"/>
-              <a:t>       </a:t>
-            </a:r>
-            <a:r>
-              <a:rPr lang="en-US" sz="1800" b="0" dirty="0" err="1" smtClean="0"/>
-              <a:t>v</a:t>
-            </a:r>
-            <a:r>
-              <a:rPr lang="en-US" sz="1800" b="0" baseline="-25000" dirty="0" err="1" smtClean="0"/>
-              <a:t>w</a:t>
-            </a:r>
-            <a:r>
-              <a:rPr lang="en-US" sz="1800" b="0" dirty="0" smtClean="0"/>
-              <a:t>=U</a:t>
-            </a:r>
-            <a:r>
-              <a:rPr lang="en-US" baseline="30000" dirty="0">
-                <a:latin typeface="cmsy10" pitchFamily="34" charset="0"/>
+              <a:t>S is a diagonal matrix, so it only has diagonal elements, called singular values.</a:t>
+            </a:r>
+          </a:p>
+          <a:p>
+            <a:endParaRPr lang="en-US" sz="1800" b="0">
+              <a:latin typeface="Arial" pitchFamily="34" charset="0"/>
+            </a:endParaRPr>
+          </a:p>
+          <a:p>
+            <a:r>
+              <a:rPr lang="en-US" sz="1800" b="0">
+                <a:latin typeface="Arial" pitchFamily="34" charset="0"/>
               </a:rPr>
-              <a:t>T</a:t>
-            </a:r>
-            <a:r>
-              <a:rPr lang="en-US" sz="1800" b="0" dirty="0" smtClean="0"/>
-              <a:t>W</a:t>
-            </a:r>
-            <a:endParaRPr lang="en-US" sz="1800" b="0" dirty="0"/>
-          </a:p>
-          <a:p>
-            <a:pPr eaLnBrk="1" hangingPunct="1"/>
-            <a:r>
-              <a:rPr lang="en-US" sz="1800" b="0" dirty="0"/>
+              <a:t>These numbers are the relative importance of each of the principle components.</a:t>
+            </a:r>
+          </a:p>
+          <a:p>
+            <a:endParaRPr lang="en-US" sz="1800" b="0">
+              <a:latin typeface="Arial" pitchFamily="34" charset="0"/>
+            </a:endParaRPr>
+          </a:p>
+          <a:p>
+            <a:r>
+              <a:rPr lang="en-US" sz="1800" b="0">
+                <a:latin typeface="Arial" pitchFamily="34" charset="0"/>
+              </a:rPr>
+              <a:t>If we want we can make the principle components be the columns of U * S, and have the columns of V be the coefficients.</a:t>
+            </a:r>
+          </a:p>
+          <a:p>
+            <a:r>
+              <a:rPr lang="en-US" sz="1800" b="0">
+                <a:latin typeface="Arial" pitchFamily="34" charset="0"/>
+              </a:rPr>
               <a:t> </a:t>
             </a:r>
           </a:p>
           <a:p>
-            <a:pPr eaLnBrk="1" hangingPunct="1"/>
-            <a:r>
-              <a:rPr lang="en-US" sz="1800" b="0" dirty="0"/>
-              <a:t>   Then U </a:t>
-            </a:r>
-            <a:r>
-              <a:rPr lang="en-US" sz="1800" b="0" dirty="0" err="1"/>
-              <a:t>v</a:t>
-            </a:r>
-            <a:r>
-              <a:rPr lang="en-US" sz="1800" b="0" baseline="-25000" dirty="0" err="1"/>
-              <a:t>w</a:t>
-            </a:r>
-            <a:r>
-              <a:rPr lang="en-US" sz="1800" b="0" dirty="0"/>
-              <a:t> approximately reconstructs W.  Why?</a:t>
-            </a:r>
-            <a:endParaRPr lang="en-US" sz="1800" b="0" baseline="-25000" dirty="0"/>
-          </a:p>
-        </p:txBody>
-      </p:sp>
-      <p:sp>
-        <p:nvSpPr>
-          <p:cNvPr id="694283" name="Text Box 11"/>
-          <p:cNvSpPr txBox="1">
-            <a:spLocks noChangeArrowheads="1"/>
-          </p:cNvSpPr>
-          <p:nvPr/>
-        </p:nvSpPr>
-        <p:spPr bwMode="auto">
-          <a:xfrm>
-            <a:off x="609600" y="4876800"/>
-            <a:ext cx="7550150" cy="1739900"/>
-          </a:xfrm>
-          <a:prstGeom prst="rect">
-            <a:avLst/>
-          </a:prstGeom>
-          <a:noFill/>
-          <a:ln w="9525">
-            <a:noFill/>
-            <a:miter lim="800000"/>
-            <a:headEnd/>
-            <a:tailEnd/>
-          </a:ln>
-          <a:effectLst/>
-        </p:spPr>
-        <p:txBody>
-          <a:bodyPr>
-            <a:spAutoFit/>
-          </a:bodyPr>
-          <a:lstStyle/>
-          <a:p>
-            <a:pPr eaLnBrk="1" hangingPunct="1"/>
-            <a:endParaRPr lang="en-US" sz="1800" b="0" dirty="0"/>
-          </a:p>
-          <a:p>
-            <a:pPr eaLnBrk="1" hangingPunct="1"/>
-            <a:r>
-              <a:rPr lang="en-US" sz="1800" b="0" dirty="0"/>
-              <a:t>   U </a:t>
-            </a:r>
-            <a:r>
-              <a:rPr lang="en-US" sz="1800" b="0" dirty="0" err="1"/>
-              <a:t>v</a:t>
-            </a:r>
-            <a:r>
-              <a:rPr lang="en-US" sz="1800" b="0" baseline="-25000" dirty="0" err="1"/>
-              <a:t>w</a:t>
-            </a:r>
-            <a:r>
-              <a:rPr lang="en-US" sz="1800" b="0" dirty="0"/>
-              <a:t> </a:t>
-            </a:r>
-          </a:p>
-          <a:p>
-            <a:pPr eaLnBrk="1" hangingPunct="1"/>
-            <a:r>
-              <a:rPr lang="en-US" sz="1800" b="0" dirty="0"/>
-              <a:t>= U (</a:t>
-            </a:r>
-            <a:r>
-              <a:rPr lang="en-US" sz="1800" b="0" dirty="0" smtClean="0"/>
-              <a:t>U</a:t>
-            </a:r>
-            <a:r>
-              <a:rPr lang="en-US" baseline="30000" dirty="0">
-                <a:latin typeface="cmsy10" pitchFamily="34" charset="0"/>
+            <a:r>
+              <a:rPr lang="en-US" sz="1800" b="0">
+                <a:latin typeface="Arial" pitchFamily="34" charset="0"/>
               </a:rPr>
-              <a:t>T</a:t>
-            </a:r>
-            <a:r>
-              <a:rPr lang="en-US" sz="1800" b="0" dirty="0" smtClean="0"/>
-              <a:t>W</a:t>
-            </a:r>
-            <a:r>
-              <a:rPr lang="en-US" sz="1800" b="0" dirty="0"/>
-              <a:t>)  </a:t>
-            </a:r>
-          </a:p>
-          <a:p>
-            <a:pPr eaLnBrk="1" hangingPunct="1"/>
-            <a:r>
-              <a:rPr lang="en-US" sz="1800" b="0" dirty="0"/>
-              <a:t>=  (U </a:t>
-            </a:r>
-            <a:r>
-              <a:rPr lang="en-US" sz="1800" b="0" dirty="0" smtClean="0"/>
-              <a:t>U</a:t>
-            </a:r>
-            <a:r>
-              <a:rPr lang="en-US" baseline="30000" dirty="0">
-                <a:latin typeface="cmsy10" pitchFamily="34" charset="0"/>
-              </a:rPr>
-              <a:t>T</a:t>
-            </a:r>
-            <a:r>
-              <a:rPr lang="en-US" sz="1800" b="0" dirty="0" smtClean="0"/>
-              <a:t>)W </a:t>
-            </a:r>
-            <a:endParaRPr lang="en-US" sz="1800" b="0" dirty="0"/>
-          </a:p>
-          <a:p>
-            <a:pPr eaLnBrk="1" hangingPunct="1"/>
-            <a:r>
-              <a:rPr lang="en-US" sz="1800" b="0" dirty="0"/>
-              <a:t>= I W </a:t>
-            </a:r>
-          </a:p>
-          <a:p>
-            <a:pPr eaLnBrk="1" hangingPunct="1"/>
-            <a:r>
-              <a:rPr lang="en-US" sz="1800" b="0" dirty="0"/>
-              <a:t>= W. </a:t>
-            </a:r>
+              <a:t>Alternatively, we can keep the columns of U, and make the coefficients be S * the columns of V.  This is more common.</a:t>
+            </a:r>
+          </a:p>
+          <a:p>
+            <a:endParaRPr lang="en-US" sz="1800" b="0">
+              <a:latin typeface="Arial" pitchFamily="34" charset="0"/>
+            </a:endParaRPr>
           </a:p>
         </p:txBody>
       </p:sp>
@@ -10786,187 +11904,9 @@
   <p:timing>
     <p:tnLst>
       <p:par>
-        <p:cTn id="1" dur="indefinite" restart="never" nodeType="tmRoot">
-          <p:childTnLst>
-            <p:seq concurrent="1" nextAc="seek">
-              <p:cTn id="2" dur="indefinite" nodeType="mainSeq">
-                <p:childTnLst>
-                  <p:par>
-                    <p:cTn id="3" fill="hold">
-                      <p:stCondLst>
-                        <p:cond delay="indefinite"/>
-                        <p:cond evt="onBegin" delay="0">
-                          <p:tn val="2"/>
-                        </p:cond>
-                      </p:stCondLst>
-                      <p:childTnLst>
-                        <p:par>
-                          <p:cTn id="4" fill="hold">
-                            <p:stCondLst>
-                              <p:cond delay="0"/>
-                            </p:stCondLst>
-                            <p:childTnLst>
-                              <p:par>
-                                <p:cTn id="5" presetID="3" presetClass="entr" presetSubtype="10" fill="hold" grpId="0" nodeType="withEffect">
-                                  <p:stCondLst>
-                                    <p:cond delay="0"/>
-                                  </p:stCondLst>
-                                  <p:childTnLst>
-                                    <p:set>
-                                      <p:cBhvr>
-                                        <p:cTn id="6" dur="1" fill="hold">
-                                          <p:stCondLst>
-                                            <p:cond delay="0"/>
-                                          </p:stCondLst>
-                                        </p:cTn>
-                                        <p:tgtEl>
-                                          <p:spTgt spid="694281"/>
-                                        </p:tgtEl>
-                                        <p:attrNameLst>
-                                          <p:attrName>style.visibility</p:attrName>
-                                        </p:attrNameLst>
-                                      </p:cBhvr>
-                                      <p:to>
-                                        <p:strVal val="visible"/>
-                                      </p:to>
-                                    </p:set>
-                                    <p:animEffect transition="in" filter="blinds(horizontal)">
-                                      <p:cBhvr>
-                                        <p:cTn id="7" dur="500"/>
-                                        <p:tgtEl>
-                                          <p:spTgt spid="694281"/>
-                                        </p:tgtEl>
-                                      </p:cBhvr>
-                                    </p:animEffect>
-                                  </p:childTnLst>
-                                </p:cTn>
-                              </p:par>
-                              <p:par>
-                                <p:cTn id="8" presetID="24" presetClass="exit" presetSubtype="0" fill="hold" grpId="1" nodeType="withEffect">
-                                  <p:stCondLst>
-                                    <p:cond delay="0"/>
-                                  </p:stCondLst>
-                                  <p:childTnLst>
-                                    <p:anim to="" calcmode="lin" valueType="num">
-                                      <p:cBhvr>
-                                        <p:cTn id="9" dur="1"/>
-                                        <p:tgtEl>
-                                          <p:spTgt spid="694281"/>
-                                        </p:tgtEl>
-                                        <p:attrNameLst>
-                                          <p:attrName/>
-                                        </p:attrNameLst>
-                                      </p:cBhvr>
-                                    </p:anim>
-                                    <p:set>
-                                      <p:cBhvr>
-                                        <p:cTn id="10" dur="1" fill="hold">
-                                          <p:stCondLst>
-                                            <p:cond delay="0"/>
-                                          </p:stCondLst>
-                                        </p:cTn>
-                                        <p:tgtEl>
-                                          <p:spTgt spid="694281"/>
-                                        </p:tgtEl>
-                                        <p:attrNameLst>
-                                          <p:attrName>style.visibility</p:attrName>
-                                        </p:attrNameLst>
-                                      </p:cBhvr>
-                                      <p:to>
-                                        <p:strVal val="hidden"/>
-                                      </p:to>
-                                    </p:set>
-                                  </p:childTnLst>
-                                </p:cTn>
-                              </p:par>
-                            </p:childTnLst>
-                          </p:cTn>
-                        </p:par>
-                      </p:childTnLst>
-                    </p:cTn>
-                  </p:par>
-                  <p:par>
-                    <p:cTn id="11" fill="hold">
-                      <p:stCondLst>
-                        <p:cond delay="indefinite"/>
-                      </p:stCondLst>
-                      <p:childTnLst>
-                        <p:par>
-                          <p:cTn id="12" fill="hold">
-                            <p:stCondLst>
-                              <p:cond delay="0"/>
-                            </p:stCondLst>
-                            <p:childTnLst>
-                              <p:par>
-                                <p:cTn id="13" presetID="24" presetClass="entr" presetSubtype="0" fill="hold" grpId="0" nodeType="clickEffect">
-                                  <p:stCondLst>
-                                    <p:cond delay="0"/>
-                                  </p:stCondLst>
-                                  <p:childTnLst>
-                                    <p:set>
-                                      <p:cBhvr>
-                                        <p:cTn id="14" dur="1" fill="hold">
-                                          <p:stCondLst>
-                                            <p:cond delay="0"/>
-                                          </p:stCondLst>
-                                        </p:cTn>
-                                        <p:tgtEl>
-                                          <p:spTgt spid="694283"/>
-                                        </p:tgtEl>
-                                        <p:attrNameLst>
-                                          <p:attrName>style.visibility</p:attrName>
-                                        </p:attrNameLst>
-                                      </p:cBhvr>
-                                      <p:to>
-                                        <p:strVal val="visible"/>
-                                      </p:to>
-                                    </p:set>
-                                    <p:anim to="" calcmode="lin" valueType="num">
-                                      <p:cBhvr>
-                                        <p:cTn id="15" dur="1" fill="hold"/>
-                                        <p:tgtEl>
-                                          <p:spTgt spid="694283"/>
-                                        </p:tgtEl>
-                                        <p:attrNameLst>
-                                          <p:attrName/>
-                                        </p:attrNameLst>
-                                      </p:cBhvr>
-                                    </p:anim>
-                                  </p:childTnLst>
-                                </p:cTn>
-                              </p:par>
-                            </p:childTnLst>
-                          </p:cTn>
-                        </p:par>
-                      </p:childTnLst>
-                    </p:cTn>
-                  </p:par>
-                </p:childTnLst>
-              </p:cTn>
-              <p:prevCondLst>
-                <p:cond evt="onPrev" delay="0">
-                  <p:tgtEl>
-                    <p:sldTgt/>
-                  </p:tgtEl>
-                </p:cond>
-              </p:prevCondLst>
-              <p:nextCondLst>
-                <p:cond evt="onNext" delay="0">
-                  <p:tgtEl>
-                    <p:sldTgt/>
-                  </p:tgtEl>
-                </p:cond>
-              </p:nextCondLst>
-            </p:seq>
-          </p:childTnLst>
-        </p:cTn>
+        <p:cTn id="1" dur="indefinite" restart="never" nodeType="tmRoot"/>
       </p:par>
     </p:tnLst>
-    <p:bldLst>
-      <p:bldP spid="694281" grpId="0"/>
-      <p:bldP spid="694281" grpId="1"/>
-      <p:bldP spid="694283" grpId="0"/>
-    </p:bldLst>
   </p:timing>
 </p:sld>
 </file>
@@ -11249,4 +12189,287 @@
   <a:objectDefaults/>
   <a:extraClrSchemeLst/>
 </a:theme>
+</file>
+
+<file path=ppt/theme/theme2.xml><?xml version="1.0" encoding="utf-8"?>
+<a:theme xmlns:a="http://schemas.openxmlformats.org/drawingml/2006/main" name="Office Theme">
+  <a:themeElements>
+    <a:clrScheme name="Office">
+      <a:dk1>
+        <a:sysClr val="windowText" lastClr="000000"/>
+      </a:dk1>
+      <a:lt1>
+        <a:sysClr val="window" lastClr="FFFFFF"/>
+      </a:lt1>
+      <a:dk2>
+        <a:srgbClr val="1F497D"/>
+      </a:dk2>
+      <a:lt2>
+        <a:srgbClr val="EEECE1"/>
+      </a:lt2>
+      <a:accent1>
+        <a:srgbClr val="4F81BD"/>
+      </a:accent1>
+      <a:accent2>
+        <a:srgbClr val="C0504D"/>
+      </a:accent2>
+      <a:accent3>
+        <a:srgbClr val="9BBB59"/>
+      </a:accent3>
+      <a:accent4>
+        <a:srgbClr val="8064A2"/>
+      </a:accent4>
+      <a:accent5>
+        <a:srgbClr val="4BACC6"/>
+      </a:accent5>
+      <a:accent6>
+        <a:srgbClr val="F79646"/>
+      </a:accent6>
+      <a:hlink>
+        <a:srgbClr val="0000FF"/>
+      </a:hlink>
+      <a:folHlink>
+        <a:srgbClr val="800080"/>
+      </a:folHlink>
+    </a:clrScheme>
+    <a:fontScheme name="Office">
+      <a:majorFont>
+        <a:latin typeface="Calibri"/>
+        <a:ea typeface=""/>
+        <a:cs typeface=""/>
+        <a:font script="Jpan" typeface="ＭＳ Ｐゴシック"/>
+        <a:font script="Hang" typeface="맑은 고딕"/>
+        <a:font script="Hans" typeface="宋体"/>
+        <a:font script="Hant" typeface="新細明體"/>
+        <a:font script="Arab" typeface="Times New Roman"/>
+        <a:font script="Hebr" typeface="Times New Roman"/>
+        <a:font script="Thai" typeface="Angsana New"/>
+        <a:font script="Ethi" typeface="Nyala"/>
+        <a:font script="Beng" typeface="Vrinda"/>
+        <a:font script="Gujr" typeface="Shruti"/>
+        <a:font script="Khmr" typeface="MoolBoran"/>
+        <a:font script="Knda" typeface="Tunga"/>
+        <a:font script="Guru" typeface="Raavi"/>
+        <a:font script="Cans" typeface="Euphemia"/>
+        <a:font script="Cher" typeface="Plantagenet Cherokee"/>
+        <a:font script="Yiii" typeface="Microsoft Yi Baiti"/>
+        <a:font script="Tibt" typeface="Microsoft Himalaya"/>
+        <a:font script="Thaa" typeface="MV Boli"/>
+        <a:font script="Deva" typeface="Mangal"/>
+        <a:font script="Telu" typeface="Gautami"/>
+        <a:font script="Taml" typeface="Latha"/>
+        <a:font script="Syrc" typeface="Estrangelo Edessa"/>
+        <a:font script="Orya" typeface="Kalinga"/>
+        <a:font script="Mlym" typeface="Kartika"/>
+        <a:font script="Laoo" typeface="DokChampa"/>
+        <a:font script="Sinh" typeface="Iskoola Pota"/>
+        <a:font script="Mong" typeface="Mongolian Baiti"/>
+        <a:font script="Viet" typeface="Times New Roman"/>
+        <a:font script="Uigh" typeface="Microsoft Uighur"/>
+      </a:majorFont>
+      <a:minorFont>
+        <a:latin typeface="Calibri"/>
+        <a:ea typeface=""/>
+        <a:cs typeface=""/>
+        <a:font script="Jpan" typeface="ＭＳ Ｐゴシック"/>
+        <a:font script="Hang" typeface="맑은 고딕"/>
+        <a:font script="Hans" typeface="宋体"/>
+        <a:font script="Hant" typeface="新細明體"/>
+        <a:font script="Arab" typeface="Arial"/>
+        <a:font script="Hebr" typeface="Arial"/>
+        <a:font script="Thai" typeface="Cordia New"/>
+        <a:font script="Ethi" typeface="Nyala"/>
+        <a:font script="Beng" typeface="Vrinda"/>
+        <a:font script="Gujr" typeface="Shruti"/>
+        <a:font script="Khmr" typeface="DaunPenh"/>
+        <a:font script="Knda" typeface="Tunga"/>
+        <a:font script="Guru" typeface="Raavi"/>
+        <a:font script="Cans" typeface="Euphemia"/>
+        <a:font script="Cher" typeface="Plantagenet Cherokee"/>
+        <a:font script="Yiii" typeface="Microsoft Yi Baiti"/>
+        <a:font script="Tibt" typeface="Microsoft Himalaya"/>
+        <a:font script="Thaa" typeface="MV Boli"/>
+        <a:font script="Deva" typeface="Mangal"/>
+        <a:font script="Telu" typeface="Gautami"/>
+        <a:font script="Taml" typeface="Latha"/>
+        <a:font script="Syrc" typeface="Estrangelo Edessa"/>
+        <a:font script="Orya" typeface="Kalinga"/>
+        <a:font script="Mlym" typeface="Kartika"/>
+        <a:font script="Laoo" typeface="DokChampa"/>
+        <a:font script="Sinh" typeface="Iskoola Pota"/>
+        <a:font script="Mong" typeface="Mongolian Baiti"/>
+        <a:font script="Viet" typeface="Arial"/>
+        <a:font script="Uigh" typeface="Microsoft Uighur"/>
+      </a:minorFont>
+    </a:fontScheme>
+    <a:fmtScheme name="Office">
+      <a:fillStyleLst>
+        <a:solidFill>
+          <a:schemeClr val="phClr"/>
+        </a:solidFill>
+        <a:gradFill rotWithShape="1">
+          <a:gsLst>
+            <a:gs pos="0">
+              <a:schemeClr val="phClr">
+                <a:tint val="50000"/>
+                <a:satMod val="300000"/>
+              </a:schemeClr>
+            </a:gs>
+            <a:gs pos="35000">
+              <a:schemeClr val="phClr">
+                <a:tint val="37000"/>
+                <a:satMod val="300000"/>
+              </a:schemeClr>
+            </a:gs>
+            <a:gs pos="100000">
+              <a:schemeClr val="phClr">
+                <a:tint val="15000"/>
+                <a:satMod val="350000"/>
+              </a:schemeClr>
+            </a:gs>
+          </a:gsLst>
+          <a:lin ang="16200000" scaled="1"/>
+        </a:gradFill>
+        <a:gradFill rotWithShape="1">
+          <a:gsLst>
+            <a:gs pos="0">
+              <a:schemeClr val="phClr">
+                <a:shade val="51000"/>
+                <a:satMod val="130000"/>
+              </a:schemeClr>
+            </a:gs>
+            <a:gs pos="80000">
+              <a:schemeClr val="phClr">
+                <a:shade val="93000"/>
+                <a:satMod val="130000"/>
+              </a:schemeClr>
+            </a:gs>
+            <a:gs pos="100000">
+              <a:schemeClr val="phClr">
+                <a:shade val="94000"/>
+                <a:satMod val="135000"/>
+              </a:schemeClr>
+            </a:gs>
+          </a:gsLst>
+          <a:lin ang="16200000" scaled="0"/>
+        </a:gradFill>
+      </a:fillStyleLst>
+      <a:lnStyleLst>
+        <a:ln w="9525" cap="flat" cmpd="sng" algn="ctr">
+          <a:solidFill>
+            <a:schemeClr val="phClr">
+              <a:shade val="95000"/>
+              <a:satMod val="105000"/>
+            </a:schemeClr>
+          </a:solidFill>
+          <a:prstDash val="solid"/>
+        </a:ln>
+        <a:ln w="25400" cap="flat" cmpd="sng" algn="ctr">
+          <a:solidFill>
+            <a:schemeClr val="phClr"/>
+          </a:solidFill>
+          <a:prstDash val="solid"/>
+        </a:ln>
+        <a:ln w="38100" cap="flat" cmpd="sng" algn="ctr">
+          <a:solidFill>
+            <a:schemeClr val="phClr"/>
+          </a:solidFill>
+          <a:prstDash val="solid"/>
+        </a:ln>
+      </a:lnStyleLst>
+      <a:effectStyleLst>
+        <a:effectStyle>
+          <a:effectLst>
+            <a:outerShdw blurRad="40000" dist="20000" dir="5400000" rotWithShape="0">
+              <a:srgbClr val="000000">
+                <a:alpha val="38000"/>
+              </a:srgbClr>
+            </a:outerShdw>
+          </a:effectLst>
+        </a:effectStyle>
+        <a:effectStyle>
+          <a:effectLst>
+            <a:outerShdw blurRad="40000" dist="23000" dir="5400000" rotWithShape="0">
+              <a:srgbClr val="000000">
+                <a:alpha val="35000"/>
+              </a:srgbClr>
+            </a:outerShdw>
+          </a:effectLst>
+        </a:effectStyle>
+        <a:effectStyle>
+          <a:effectLst>
+            <a:outerShdw blurRad="40000" dist="23000" dir="5400000" rotWithShape="0">
+              <a:srgbClr val="000000">
+                <a:alpha val="35000"/>
+              </a:srgbClr>
+            </a:outerShdw>
+          </a:effectLst>
+          <a:scene3d>
+            <a:camera prst="orthographicFront">
+              <a:rot lat="0" lon="0" rev="0"/>
+            </a:camera>
+            <a:lightRig rig="threePt" dir="t">
+              <a:rot lat="0" lon="0" rev="1200000"/>
+            </a:lightRig>
+          </a:scene3d>
+          <a:sp3d>
+            <a:bevelT w="63500" h="25400"/>
+          </a:sp3d>
+        </a:effectStyle>
+      </a:effectStyleLst>
+      <a:bgFillStyleLst>
+        <a:solidFill>
+          <a:schemeClr val="phClr"/>
+        </a:solidFill>
+        <a:gradFill rotWithShape="1">
+          <a:gsLst>
+            <a:gs pos="0">
+              <a:schemeClr val="phClr">
+                <a:tint val="40000"/>
+                <a:satMod val="350000"/>
+              </a:schemeClr>
+            </a:gs>
+            <a:gs pos="40000">
+              <a:schemeClr val="phClr">
+                <a:tint val="45000"/>
+                <a:shade val="99000"/>
+                <a:satMod val="350000"/>
+              </a:schemeClr>
+            </a:gs>
+            <a:gs pos="100000">
+              <a:schemeClr val="phClr">
+                <a:shade val="20000"/>
+                <a:satMod val="255000"/>
+              </a:schemeClr>
+            </a:gs>
+          </a:gsLst>
+          <a:path path="circle">
+            <a:fillToRect l="50000" t="-80000" r="50000" b="180000"/>
+          </a:path>
+        </a:gradFill>
+        <a:gradFill rotWithShape="1">
+          <a:gsLst>
+            <a:gs pos="0">
+              <a:schemeClr val="phClr">
+                <a:tint val="80000"/>
+                <a:satMod val="300000"/>
+              </a:schemeClr>
+            </a:gs>
+            <a:gs pos="100000">
+              <a:schemeClr val="phClr">
+                <a:shade val="30000"/>
+                <a:satMod val="200000"/>
+              </a:schemeClr>
+            </a:gs>
+          </a:gsLst>
+          <a:path path="circle">
+            <a:fillToRect l="50000" t="50000" r="50000" b="50000"/>
+          </a:path>
+        </a:gradFill>
+      </a:bgFillStyleLst>
+    </a:fmtScheme>
+  </a:themeElements>
+  <a:objectDefaults/>
+  <a:extraClrSchemeLst/>
+</a:theme>
 </file>
--- a/trunk/mastersProject/presentation/visualizationToolsForWebcams.pptx
+++ b/trunk/mastersProject/presentation/visualizationToolsForWebcams.pptx
@@ -5,44 +5,47 @@
     <p:sldMasterId id="2147483744" r:id="rId1"/>
   </p:sldMasterIdLst>
   <p:notesMasterIdLst>
-    <p:notesMasterId r:id="rId37"/>
+    <p:notesMasterId r:id="rId40"/>
   </p:notesMasterIdLst>
   <p:sldIdLst>
     <p:sldId id="256" r:id="rId2"/>
-    <p:sldId id="293" r:id="rId3"/>
-    <p:sldId id="257" r:id="rId4"/>
-    <p:sldId id="258" r:id="rId5"/>
-    <p:sldId id="259" r:id="rId6"/>
-    <p:sldId id="260" r:id="rId7"/>
-    <p:sldId id="261" r:id="rId8"/>
-    <p:sldId id="267" r:id="rId9"/>
-    <p:sldId id="268" r:id="rId10"/>
-    <p:sldId id="269" r:id="rId11"/>
-    <p:sldId id="270" r:id="rId12"/>
-    <p:sldId id="271" r:id="rId13"/>
+    <p:sldId id="294" r:id="rId3"/>
+    <p:sldId id="293" r:id="rId4"/>
+    <p:sldId id="257" r:id="rId5"/>
+    <p:sldId id="296" r:id="rId6"/>
+    <p:sldId id="258" r:id="rId7"/>
+    <p:sldId id="259" r:id="rId8"/>
+    <p:sldId id="261" r:id="rId9"/>
+    <p:sldId id="267" r:id="rId10"/>
+    <p:sldId id="268" r:id="rId11"/>
+    <p:sldId id="269" r:id="rId12"/>
+    <p:sldId id="270" r:id="rId13"/>
     <p:sldId id="286" r:id="rId14"/>
-    <p:sldId id="272" r:id="rId15"/>
-    <p:sldId id="273" r:id="rId16"/>
-    <p:sldId id="274" r:id="rId17"/>
-    <p:sldId id="275" r:id="rId18"/>
-    <p:sldId id="276" r:id="rId19"/>
-    <p:sldId id="264" r:id="rId20"/>
-    <p:sldId id="277" r:id="rId21"/>
-    <p:sldId id="285" r:id="rId22"/>
-    <p:sldId id="265" r:id="rId23"/>
-    <p:sldId id="279" r:id="rId24"/>
-    <p:sldId id="282" r:id="rId25"/>
-    <p:sldId id="280" r:id="rId26"/>
-    <p:sldId id="283" r:id="rId27"/>
-    <p:sldId id="284" r:id="rId28"/>
-    <p:sldId id="291" r:id="rId29"/>
-    <p:sldId id="292" r:id="rId30"/>
-    <p:sldId id="281" r:id="rId31"/>
-    <p:sldId id="287" r:id="rId32"/>
-    <p:sldId id="288" r:id="rId33"/>
-    <p:sldId id="289" r:id="rId34"/>
-    <p:sldId id="290" r:id="rId35"/>
-    <p:sldId id="266" r:id="rId36"/>
+    <p:sldId id="297" r:id="rId15"/>
+    <p:sldId id="272" r:id="rId16"/>
+    <p:sldId id="273" r:id="rId17"/>
+    <p:sldId id="274" r:id="rId18"/>
+    <p:sldId id="275" r:id="rId19"/>
+    <p:sldId id="298" r:id="rId20"/>
+    <p:sldId id="276" r:id="rId21"/>
+    <p:sldId id="264" r:id="rId22"/>
+    <p:sldId id="277" r:id="rId23"/>
+    <p:sldId id="285" r:id="rId24"/>
+    <p:sldId id="295" r:id="rId25"/>
+    <p:sldId id="265" r:id="rId26"/>
+    <p:sldId id="279" r:id="rId27"/>
+    <p:sldId id="282" r:id="rId28"/>
+    <p:sldId id="280" r:id="rId29"/>
+    <p:sldId id="283" r:id="rId30"/>
+    <p:sldId id="284" r:id="rId31"/>
+    <p:sldId id="291" r:id="rId32"/>
+    <p:sldId id="281" r:id="rId33"/>
+    <p:sldId id="287" r:id="rId34"/>
+    <p:sldId id="288" r:id="rId35"/>
+    <p:sldId id="289" r:id="rId36"/>
+    <p:sldId id="299" r:id="rId37"/>
+    <p:sldId id="290" r:id="rId38"/>
+    <p:sldId id="266" r:id="rId39"/>
   </p:sldIdLst>
   <p:sldSz cx="9144000" cy="6858000" type="screen4x3"/>
   <p:notesSz cx="6858000" cy="9144000"/>
@@ -577,7 +580,7 @@
             <a:fld id="{6D11F7CA-E56A-464B-A398-B0F3C7D3A8C7}" type="slidenum">
               <a:rPr lang="en-US" smtClean="0"/>
               <a:pPr/>
-              <a:t>8</a:t>
+              <a:t>9</a:t>
             </a:fld>
             <a:endParaRPr lang="en-US"/>
           </a:p>
@@ -781,7 +784,7 @@
             <a:fld id="{6D11F7CA-E56A-464B-A398-B0F3C7D3A8C7}" type="slidenum">
               <a:rPr lang="en-US" smtClean="0"/>
               <a:pPr/>
-              <a:t>22</a:t>
+              <a:t>25</a:t>
             </a:fld>
             <a:endParaRPr lang="en-US"/>
           </a:p>
@@ -890,7 +893,7 @@
             <a:fld id="{6D11F7CA-E56A-464B-A398-B0F3C7D3A8C7}" type="slidenum">
               <a:rPr lang="en-US" smtClean="0"/>
               <a:pPr/>
-              <a:t>30</a:t>
+              <a:t>32</a:t>
             </a:fld>
             <a:endParaRPr lang="en-US"/>
           </a:p>
@@ -985,7 +988,7 @@
             <a:fld id="{6D11F7CA-E56A-464B-A398-B0F3C7D3A8C7}" type="slidenum">
               <a:rPr lang="en-US" smtClean="0"/>
               <a:pPr/>
-              <a:t>33</a:t>
+              <a:t>35</a:t>
             </a:fld>
             <a:endParaRPr lang="en-US"/>
           </a:p>
@@ -5149,6 +5152,394 @@
       </p:grpSpPr>
       <p:sp>
         <p:nvSpPr>
+          <p:cNvPr id="9" name="Footer Placeholder 3"/>
+          <p:cNvSpPr>
+            <a:spLocks noGrp="1"/>
+          </p:cNvSpPr>
+          <p:nvPr>
+            <p:ph type="ftr" sz="quarter" idx="10"/>
+          </p:nvPr>
+        </p:nvSpPr>
+        <p:spPr/>
+        <p:txBody>
+          <a:bodyPr/>
+          <a:lstStyle/>
+          <a:p>
+            <a:r>
+              <a:rPr lang="en-US"/>
+              <a:t>Computer Vision, Robert Pless</a:t>
+            </a:r>
+          </a:p>
+        </p:txBody>
+      </p:sp>
+      <p:sp>
+        <p:nvSpPr>
+          <p:cNvPr id="693250" name="Rectangle 2"/>
+          <p:cNvSpPr>
+            <a:spLocks noChangeArrowheads="1"/>
+          </p:cNvSpPr>
+          <p:nvPr/>
+        </p:nvSpPr>
+        <p:spPr bwMode="auto">
+          <a:xfrm>
+            <a:off x="2819400" y="685800"/>
+            <a:ext cx="914400" cy="1752600"/>
+          </a:xfrm>
+          <a:prstGeom prst="rect">
+            <a:avLst/>
+          </a:prstGeom>
+          <a:solidFill>
+            <a:schemeClr val="accent1"/>
+          </a:solidFill>
+          <a:ln w="9525">
+            <a:solidFill>
+              <a:schemeClr val="tx1"/>
+            </a:solidFill>
+            <a:miter lim="800000"/>
+            <a:headEnd/>
+            <a:tailEnd/>
+          </a:ln>
+          <a:effectLst/>
+        </p:spPr>
+        <p:txBody>
+          <a:bodyPr wrap="none" anchor="ctr"/>
+          <a:lstStyle/>
+          <a:p>
+            <a:pPr algn="ctr"/>
+            <a:r>
+              <a:rPr lang="en-US" sz="1800" b="0">
+                <a:latin typeface="Arial" pitchFamily="34" charset="0"/>
+              </a:rPr>
+              <a:t>D</a:t>
+            </a:r>
+          </a:p>
+        </p:txBody>
+      </p:sp>
+      <p:sp>
+        <p:nvSpPr>
+          <p:cNvPr id="693251" name="Text Box 3"/>
+          <p:cNvSpPr txBox="1">
+            <a:spLocks noChangeArrowheads="1"/>
+          </p:cNvSpPr>
+          <p:nvPr/>
+        </p:nvSpPr>
+        <p:spPr bwMode="auto">
+          <a:xfrm>
+            <a:off x="3717925" y="1484313"/>
+            <a:ext cx="317500" cy="366712"/>
+          </a:xfrm>
+          <a:prstGeom prst="rect">
+            <a:avLst/>
+          </a:prstGeom>
+          <a:noFill/>
+          <a:ln w="9525">
+            <a:noFill/>
+            <a:miter lim="800000"/>
+            <a:headEnd/>
+            <a:tailEnd/>
+          </a:ln>
+          <a:effectLst/>
+        </p:spPr>
+        <p:txBody>
+          <a:bodyPr wrap="none">
+            <a:spAutoFit/>
+          </a:bodyPr>
+          <a:lstStyle/>
+          <a:p>
+            <a:r>
+              <a:rPr lang="en-US" sz="1800" b="0">
+                <a:latin typeface="Arial" pitchFamily="34" charset="0"/>
+              </a:rPr>
+              <a:t>=</a:t>
+            </a:r>
+          </a:p>
+        </p:txBody>
+      </p:sp>
+      <p:sp>
+        <p:nvSpPr>
+          <p:cNvPr id="693252" name="Rectangle 4"/>
+          <p:cNvSpPr>
+            <a:spLocks noChangeArrowheads="1"/>
+          </p:cNvSpPr>
+          <p:nvPr/>
+        </p:nvSpPr>
+        <p:spPr bwMode="auto">
+          <a:xfrm>
+            <a:off x="4114800" y="685800"/>
+            <a:ext cx="381000" cy="1762125"/>
+          </a:xfrm>
+          <a:prstGeom prst="rect">
+            <a:avLst/>
+          </a:prstGeom>
+          <a:solidFill>
+            <a:schemeClr val="accent1"/>
+          </a:solidFill>
+          <a:ln w="9525">
+            <a:solidFill>
+              <a:schemeClr val="tx1"/>
+            </a:solidFill>
+            <a:miter lim="800000"/>
+            <a:headEnd/>
+            <a:tailEnd/>
+          </a:ln>
+          <a:effectLst/>
+        </p:spPr>
+        <p:txBody>
+          <a:bodyPr wrap="none" anchor="ctr"/>
+          <a:lstStyle/>
+          <a:p>
+            <a:pPr algn="ctr"/>
+            <a:r>
+              <a:rPr lang="en-US" sz="1800" b="0">
+                <a:latin typeface="Arial" pitchFamily="34" charset="0"/>
+              </a:rPr>
+              <a:t>U</a:t>
+            </a:r>
+          </a:p>
+        </p:txBody>
+      </p:sp>
+      <p:sp>
+        <p:nvSpPr>
+          <p:cNvPr id="693253" name="Rectangle 5"/>
+          <p:cNvSpPr>
+            <a:spLocks noChangeArrowheads="1"/>
+          </p:cNvSpPr>
+          <p:nvPr/>
+        </p:nvSpPr>
+        <p:spPr bwMode="auto">
+          <a:xfrm>
+            <a:off x="4648200" y="685800"/>
+            <a:ext cx="304800" cy="381000"/>
+          </a:xfrm>
+          <a:prstGeom prst="rect">
+            <a:avLst/>
+          </a:prstGeom>
+          <a:solidFill>
+            <a:schemeClr val="accent1"/>
+          </a:solidFill>
+          <a:ln w="9525">
+            <a:solidFill>
+              <a:schemeClr val="tx1"/>
+            </a:solidFill>
+            <a:miter lim="800000"/>
+            <a:headEnd/>
+            <a:tailEnd/>
+          </a:ln>
+          <a:effectLst/>
+        </p:spPr>
+        <p:txBody>
+          <a:bodyPr wrap="none" anchor="ctr"/>
+          <a:lstStyle/>
+          <a:p>
+            <a:pPr algn="ctr"/>
+            <a:r>
+              <a:rPr lang="en-US" sz="1800" b="0">
+                <a:latin typeface="Arial" pitchFamily="34" charset="0"/>
+              </a:rPr>
+              <a:t>S</a:t>
+            </a:r>
+          </a:p>
+        </p:txBody>
+      </p:sp>
+      <p:sp>
+        <p:nvSpPr>
+          <p:cNvPr id="693254" name="Rectangle 6"/>
+          <p:cNvSpPr>
+            <a:spLocks noChangeArrowheads="1"/>
+          </p:cNvSpPr>
+          <p:nvPr/>
+        </p:nvSpPr>
+        <p:spPr bwMode="auto">
+          <a:xfrm>
+            <a:off x="5181600" y="685800"/>
+            <a:ext cx="838200" cy="381000"/>
+          </a:xfrm>
+          <a:prstGeom prst="rect">
+            <a:avLst/>
+          </a:prstGeom>
+          <a:solidFill>
+            <a:schemeClr val="accent1"/>
+          </a:solidFill>
+          <a:ln w="9525">
+            <a:solidFill>
+              <a:schemeClr val="tx1"/>
+            </a:solidFill>
+            <a:miter lim="800000"/>
+            <a:headEnd/>
+            <a:tailEnd/>
+          </a:ln>
+          <a:effectLst/>
+        </p:spPr>
+        <p:txBody>
+          <a:bodyPr wrap="none" anchor="ctr"/>
+          <a:lstStyle/>
+          <a:p>
+            <a:pPr algn="ctr"/>
+            <a:r>
+              <a:rPr lang="en-US" sz="1800" b="0">
+                <a:latin typeface="Arial" pitchFamily="34" charset="0"/>
+              </a:rPr>
+              <a:t>V</a:t>
+            </a:r>
+          </a:p>
+        </p:txBody>
+      </p:sp>
+      <p:sp>
+        <p:nvSpPr>
+          <p:cNvPr id="693255" name="Oval 7"/>
+          <p:cNvSpPr>
+            <a:spLocks noChangeArrowheads="1"/>
+          </p:cNvSpPr>
+          <p:nvPr/>
+        </p:nvSpPr>
+        <p:spPr bwMode="auto">
+          <a:xfrm>
+            <a:off x="4610100" y="685800"/>
+            <a:ext cx="381000" cy="381000"/>
+          </a:xfrm>
+          <a:prstGeom prst="ellipse">
+            <a:avLst/>
+          </a:prstGeom>
+          <a:noFill/>
+          <a:ln w="9525">
+            <a:solidFill>
+              <a:srgbClr val="800000"/>
+            </a:solidFill>
+            <a:round/>
+            <a:headEnd/>
+            <a:tailEnd/>
+          </a:ln>
+          <a:effectLst/>
+        </p:spPr>
+        <p:txBody>
+          <a:bodyPr wrap="none" anchor="ctr"/>
+          <a:lstStyle/>
+          <a:p>
+            <a:endParaRPr lang="en-US"/>
+          </a:p>
+        </p:txBody>
+      </p:sp>
+      <p:sp>
+        <p:nvSpPr>
+          <p:cNvPr id="693256" name="Text Box 8"/>
+          <p:cNvSpPr txBox="1">
+            <a:spLocks noChangeArrowheads="1"/>
+          </p:cNvSpPr>
+          <p:nvPr/>
+        </p:nvSpPr>
+        <p:spPr bwMode="auto">
+          <a:xfrm>
+            <a:off x="669925" y="2474913"/>
+            <a:ext cx="8016875" cy="3387725"/>
+          </a:xfrm>
+          <a:prstGeom prst="rect">
+            <a:avLst/>
+          </a:prstGeom>
+          <a:noFill/>
+          <a:ln w="9525">
+            <a:noFill/>
+            <a:miter lim="800000"/>
+            <a:headEnd/>
+            <a:tailEnd/>
+          </a:ln>
+          <a:effectLst/>
+        </p:spPr>
+        <p:txBody>
+          <a:bodyPr>
+            <a:spAutoFit/>
+          </a:bodyPr>
+          <a:lstStyle/>
+          <a:p>
+            <a:r>
+              <a:rPr lang="en-US" sz="1800" b="0">
+                <a:latin typeface="Arial" pitchFamily="34" charset="0"/>
+              </a:rPr>
+              <a:t>S is a diagonal matrix, so it only has diagonal elements, called singular values.</a:t>
+            </a:r>
+          </a:p>
+          <a:p>
+            <a:endParaRPr lang="en-US" sz="1800" b="0">
+              <a:latin typeface="Arial" pitchFamily="34" charset="0"/>
+            </a:endParaRPr>
+          </a:p>
+          <a:p>
+            <a:r>
+              <a:rPr lang="en-US" sz="1800" b="0">
+                <a:latin typeface="Arial" pitchFamily="34" charset="0"/>
+              </a:rPr>
+              <a:t>These numbers are the relative importance of each of the principle components.</a:t>
+            </a:r>
+          </a:p>
+          <a:p>
+            <a:endParaRPr lang="en-US" sz="1800" b="0">
+              <a:latin typeface="Arial" pitchFamily="34" charset="0"/>
+            </a:endParaRPr>
+          </a:p>
+          <a:p>
+            <a:r>
+              <a:rPr lang="en-US" sz="1800" b="0">
+                <a:latin typeface="Arial" pitchFamily="34" charset="0"/>
+              </a:rPr>
+              <a:t>If we want we can make the principle components be the columns of U * S, and have the columns of V be the coefficients.</a:t>
+            </a:r>
+          </a:p>
+          <a:p>
+            <a:r>
+              <a:rPr lang="en-US" sz="1800" b="0">
+                <a:latin typeface="Arial" pitchFamily="34" charset="0"/>
+              </a:rPr>
+              <a:t> </a:t>
+            </a:r>
+          </a:p>
+          <a:p>
+            <a:r>
+              <a:rPr lang="en-US" sz="1800" b="0">
+                <a:latin typeface="Arial" pitchFamily="34" charset="0"/>
+              </a:rPr>
+              <a:t>Alternatively, we can keep the columns of U, and make the coefficients be S * the columns of V.  This is more common.</a:t>
+            </a:r>
+          </a:p>
+          <a:p>
+            <a:endParaRPr lang="en-US" sz="1800" b="0">
+              <a:latin typeface="Arial" pitchFamily="34" charset="0"/>
+            </a:endParaRPr>
+          </a:p>
+        </p:txBody>
+      </p:sp>
+    </p:spTree>
+  </p:cSld>
+  <p:clrMapOvr>
+    <a:masterClrMapping/>
+  </p:clrMapOvr>
+  <p:timing>
+    <p:tnLst>
+      <p:par>
+        <p:cTn id="1" dur="indefinite" restart="never" nodeType="tmRoot"/>
+      </p:par>
+    </p:tnLst>
+  </p:timing>
+</p:sld>
+</file>
+
+<file path=ppt/slides/slide11.xml><?xml version="1.0" encoding="utf-8"?>
+<p:sld xmlns:a="http://schemas.openxmlformats.org/drawingml/2006/main" xmlns:r="http://schemas.openxmlformats.org/officeDocument/2006/relationships" xmlns:p="http://schemas.openxmlformats.org/presentationml/2006/main">
+  <p:cSld>
+    <p:spTree>
+      <p:nvGrpSpPr>
+        <p:cNvPr id="1" name=""/>
+        <p:cNvGrpSpPr/>
+        <p:nvPr/>
+      </p:nvGrpSpPr>
+      <p:grpSpPr>
+        <a:xfrm>
+          <a:off x="0" y="0"/>
+          <a:ext cx="0" cy="0"/>
+          <a:chOff x="0" y="0"/>
+          <a:chExt cx="0" cy="0"/>
+        </a:xfrm>
+      </p:grpSpPr>
+      <p:sp>
+        <p:nvSpPr>
           <p:cNvPr id="12" name="Footer Placeholder 3"/>
           <p:cNvSpPr>
             <a:spLocks noGrp="1"/>
@@ -5947,505 +6338,6 @@
 </p:sld>
 </file>
 
-<file path=ppt/slides/slide11.xml><?xml version="1.0" encoding="utf-8"?>
-<p:sld xmlns:a="http://schemas.openxmlformats.org/drawingml/2006/main" xmlns:r="http://schemas.openxmlformats.org/officeDocument/2006/relationships" xmlns:p="http://schemas.openxmlformats.org/presentationml/2006/main">
-  <p:cSld>
-    <p:spTree>
-      <p:nvGrpSpPr>
-        <p:cNvPr id="1" name=""/>
-        <p:cNvGrpSpPr/>
-        <p:nvPr/>
-      </p:nvGrpSpPr>
-      <p:grpSpPr>
-        <a:xfrm>
-          <a:off x="0" y="0"/>
-          <a:ext cx="0" cy="0"/>
-          <a:chOff x="0" y="0"/>
-          <a:chExt cx="0" cy="0"/>
-        </a:xfrm>
-      </p:grpSpPr>
-      <p:sp>
-        <p:nvSpPr>
-          <p:cNvPr id="11" name="Footer Placeholder 3"/>
-          <p:cNvSpPr>
-            <a:spLocks noGrp="1"/>
-          </p:cNvSpPr>
-          <p:nvPr>
-            <p:ph type="ftr" sz="quarter" idx="10"/>
-          </p:nvPr>
-        </p:nvSpPr>
-        <p:spPr/>
-        <p:txBody>
-          <a:bodyPr/>
-          <a:lstStyle/>
-          <a:p>
-            <a:r>
-              <a:rPr lang="en-US"/>
-              <a:t>Computer Vision, Robert Pless</a:t>
-            </a:r>
-          </a:p>
-        </p:txBody>
-      </p:sp>
-      <p:sp>
-        <p:nvSpPr>
-          <p:cNvPr id="695298" name="Rectangle 2"/>
-          <p:cNvSpPr>
-            <a:spLocks noChangeArrowheads="1"/>
-          </p:cNvSpPr>
-          <p:nvPr/>
-        </p:nvSpPr>
-        <p:spPr bwMode="auto">
-          <a:xfrm>
-            <a:off x="2819400" y="676275"/>
-            <a:ext cx="914400" cy="1752600"/>
-          </a:xfrm>
-          <a:prstGeom prst="rect">
-            <a:avLst/>
-          </a:prstGeom>
-          <a:solidFill>
-            <a:schemeClr val="accent1"/>
-          </a:solidFill>
-          <a:ln w="9525">
-            <a:solidFill>
-              <a:schemeClr val="tx1"/>
-            </a:solidFill>
-            <a:miter lim="800000"/>
-            <a:headEnd/>
-            <a:tailEnd/>
-          </a:ln>
-          <a:effectLst/>
-        </p:spPr>
-        <p:txBody>
-          <a:bodyPr wrap="none" anchor="ctr"/>
-          <a:lstStyle/>
-          <a:p>
-            <a:pPr algn="ctr"/>
-            <a:r>
-              <a:rPr lang="en-US" sz="1800" b="0">
-                <a:latin typeface="Arial" pitchFamily="34" charset="0"/>
-              </a:rPr>
-              <a:t>D</a:t>
-            </a:r>
-          </a:p>
-        </p:txBody>
-      </p:sp>
-      <p:sp>
-        <p:nvSpPr>
-          <p:cNvPr id="695299" name="Text Box 3"/>
-          <p:cNvSpPr txBox="1">
-            <a:spLocks noChangeArrowheads="1"/>
-          </p:cNvSpPr>
-          <p:nvPr/>
-        </p:nvSpPr>
-        <p:spPr bwMode="auto">
-          <a:xfrm>
-            <a:off x="3717925" y="1474788"/>
-            <a:ext cx="317500" cy="366712"/>
-          </a:xfrm>
-          <a:prstGeom prst="rect">
-            <a:avLst/>
-          </a:prstGeom>
-          <a:noFill/>
-          <a:ln w="9525">
-            <a:noFill/>
-            <a:miter lim="800000"/>
-            <a:headEnd/>
-            <a:tailEnd/>
-          </a:ln>
-          <a:effectLst/>
-        </p:spPr>
-        <p:txBody>
-          <a:bodyPr wrap="none">
-            <a:spAutoFit/>
-          </a:bodyPr>
-          <a:lstStyle/>
-          <a:p>
-            <a:r>
-              <a:rPr lang="en-US" sz="1800" b="0">
-                <a:latin typeface="Arial" pitchFamily="34" charset="0"/>
-              </a:rPr>
-              <a:t>=</a:t>
-            </a:r>
-          </a:p>
-        </p:txBody>
-      </p:sp>
-      <p:sp>
-        <p:nvSpPr>
-          <p:cNvPr id="695300" name="Rectangle 4"/>
-          <p:cNvSpPr>
-            <a:spLocks noChangeArrowheads="1"/>
-          </p:cNvSpPr>
-          <p:nvPr/>
-        </p:nvSpPr>
-        <p:spPr bwMode="auto">
-          <a:xfrm>
-            <a:off x="4114800" y="676275"/>
-            <a:ext cx="381000" cy="1762125"/>
-          </a:xfrm>
-          <a:prstGeom prst="rect">
-            <a:avLst/>
-          </a:prstGeom>
-          <a:solidFill>
-            <a:schemeClr val="accent1"/>
-          </a:solidFill>
-          <a:ln w="9525">
-            <a:solidFill>
-              <a:schemeClr val="tx1"/>
-            </a:solidFill>
-            <a:miter lim="800000"/>
-            <a:headEnd/>
-            <a:tailEnd/>
-          </a:ln>
-          <a:effectLst/>
-        </p:spPr>
-        <p:txBody>
-          <a:bodyPr wrap="none" anchor="ctr"/>
-          <a:lstStyle/>
-          <a:p>
-            <a:pPr algn="ctr"/>
-            <a:r>
-              <a:rPr lang="en-US" sz="1800" b="0">
-                <a:latin typeface="Arial" pitchFamily="34" charset="0"/>
-              </a:rPr>
-              <a:t>U</a:t>
-            </a:r>
-          </a:p>
-        </p:txBody>
-      </p:sp>
-      <p:sp>
-        <p:nvSpPr>
-          <p:cNvPr id="695301" name="Rectangle 5"/>
-          <p:cNvSpPr>
-            <a:spLocks noChangeArrowheads="1"/>
-          </p:cNvSpPr>
-          <p:nvPr/>
-        </p:nvSpPr>
-        <p:spPr bwMode="auto">
-          <a:xfrm>
-            <a:off x="4648200" y="676275"/>
-            <a:ext cx="304800" cy="381000"/>
-          </a:xfrm>
-          <a:prstGeom prst="rect">
-            <a:avLst/>
-          </a:prstGeom>
-          <a:solidFill>
-            <a:schemeClr val="accent1"/>
-          </a:solidFill>
-          <a:ln w="9525">
-            <a:solidFill>
-              <a:schemeClr val="tx1"/>
-            </a:solidFill>
-            <a:miter lim="800000"/>
-            <a:headEnd/>
-            <a:tailEnd/>
-          </a:ln>
-          <a:effectLst/>
-        </p:spPr>
-        <p:txBody>
-          <a:bodyPr wrap="none" anchor="ctr"/>
-          <a:lstStyle/>
-          <a:p>
-            <a:pPr algn="ctr"/>
-            <a:r>
-              <a:rPr lang="en-US" sz="1800" b="0">
-                <a:latin typeface="Arial" pitchFamily="34" charset="0"/>
-              </a:rPr>
-              <a:t>S</a:t>
-            </a:r>
-          </a:p>
-        </p:txBody>
-      </p:sp>
-      <p:sp>
-        <p:nvSpPr>
-          <p:cNvPr id="695302" name="Rectangle 6"/>
-          <p:cNvSpPr>
-            <a:spLocks noChangeArrowheads="1"/>
-          </p:cNvSpPr>
-          <p:nvPr/>
-        </p:nvSpPr>
-        <p:spPr bwMode="auto">
-          <a:xfrm>
-            <a:off x="5181600" y="676275"/>
-            <a:ext cx="838200" cy="381000"/>
-          </a:xfrm>
-          <a:prstGeom prst="rect">
-            <a:avLst/>
-          </a:prstGeom>
-          <a:solidFill>
-            <a:schemeClr val="accent1"/>
-          </a:solidFill>
-          <a:ln w="9525">
-            <a:solidFill>
-              <a:schemeClr val="tx1"/>
-            </a:solidFill>
-            <a:miter lim="800000"/>
-            <a:headEnd/>
-            <a:tailEnd/>
-          </a:ln>
-          <a:effectLst/>
-        </p:spPr>
-        <p:txBody>
-          <a:bodyPr wrap="none" anchor="ctr"/>
-          <a:lstStyle/>
-          <a:p>
-            <a:pPr algn="ctr"/>
-            <a:r>
-              <a:rPr lang="en-US" sz="1800" b="0">
-                <a:latin typeface="Arial" pitchFamily="34" charset="0"/>
-              </a:rPr>
-              <a:t>V</a:t>
-            </a:r>
-          </a:p>
-        </p:txBody>
-      </p:sp>
-      <p:sp>
-        <p:nvSpPr>
-          <p:cNvPr id="695303" name="Text Box 7"/>
-          <p:cNvSpPr txBox="1">
-            <a:spLocks noChangeArrowheads="1"/>
-          </p:cNvSpPr>
-          <p:nvPr/>
-        </p:nvSpPr>
-        <p:spPr bwMode="auto">
-          <a:xfrm>
-            <a:off x="4556125" y="2012950"/>
-            <a:ext cx="1577975" cy="366713"/>
-          </a:xfrm>
-          <a:prstGeom prst="rect">
-            <a:avLst/>
-          </a:prstGeom>
-          <a:noFill/>
-          <a:ln w="9525">
-            <a:noFill/>
-            <a:miter lim="800000"/>
-            <a:headEnd/>
-            <a:tailEnd/>
-          </a:ln>
-          <a:effectLst/>
-        </p:spPr>
-        <p:txBody>
-          <a:bodyPr wrap="none">
-            <a:spAutoFit/>
-          </a:bodyPr>
-          <a:lstStyle/>
-          <a:p>
-            <a:r>
-              <a:rPr lang="en-US" sz="1800" b="0"/>
-              <a:t>Basis Images</a:t>
-            </a:r>
-          </a:p>
-        </p:txBody>
-      </p:sp>
-      <p:sp>
-        <p:nvSpPr>
-          <p:cNvPr id="695304" name="Text Box 8"/>
-          <p:cNvSpPr txBox="1">
-            <a:spLocks noChangeArrowheads="1"/>
-          </p:cNvSpPr>
-          <p:nvPr/>
-        </p:nvSpPr>
-        <p:spPr bwMode="auto">
-          <a:xfrm>
-            <a:off x="5181600" y="1138238"/>
-            <a:ext cx="1487488" cy="366712"/>
-          </a:xfrm>
-          <a:prstGeom prst="rect">
-            <a:avLst/>
-          </a:prstGeom>
-          <a:noFill/>
-          <a:ln w="9525">
-            <a:noFill/>
-            <a:miter lim="800000"/>
-            <a:headEnd/>
-            <a:tailEnd/>
-          </a:ln>
-          <a:effectLst/>
-        </p:spPr>
-        <p:txBody>
-          <a:bodyPr wrap="none">
-            <a:spAutoFit/>
-          </a:bodyPr>
-          <a:lstStyle/>
-          <a:p>
-            <a:r>
-              <a:rPr lang="en-US" sz="1800" b="0"/>
-              <a:t>coefficients</a:t>
-            </a:r>
-          </a:p>
-        </p:txBody>
-      </p:sp>
-      <p:sp>
-        <p:nvSpPr>
-          <p:cNvPr id="695305" name="Oval 9"/>
-          <p:cNvSpPr>
-            <a:spLocks noChangeArrowheads="1"/>
-          </p:cNvSpPr>
-          <p:nvPr/>
-        </p:nvSpPr>
-        <p:spPr bwMode="auto">
-          <a:xfrm>
-            <a:off x="4800600" y="371475"/>
-            <a:ext cx="1600200" cy="914400"/>
-          </a:xfrm>
-          <a:prstGeom prst="ellipse">
-            <a:avLst/>
-          </a:prstGeom>
-          <a:noFill/>
-          <a:ln w="9525">
-            <a:solidFill>
-              <a:srgbClr val="800000"/>
-            </a:solidFill>
-            <a:round/>
-            <a:headEnd/>
-            <a:tailEnd/>
-          </a:ln>
-          <a:effectLst/>
-        </p:spPr>
-        <p:txBody>
-          <a:bodyPr wrap="none" anchor="ctr"/>
-          <a:lstStyle/>
-          <a:p>
-            <a:endParaRPr lang="en-US"/>
-          </a:p>
-        </p:txBody>
-      </p:sp>
-      <p:sp>
-        <p:nvSpPr>
-          <p:cNvPr id="695306" name="Text Box 10"/>
-          <p:cNvSpPr txBox="1">
-            <a:spLocks noChangeArrowheads="1"/>
-          </p:cNvSpPr>
-          <p:nvPr/>
-        </p:nvSpPr>
-        <p:spPr bwMode="auto">
-          <a:xfrm>
-            <a:off x="152400" y="2474913"/>
-            <a:ext cx="8839200" cy="3662362"/>
-          </a:xfrm>
-          <a:prstGeom prst="rect">
-            <a:avLst/>
-          </a:prstGeom>
-          <a:noFill/>
-          <a:ln w="9525">
-            <a:noFill/>
-            <a:miter lim="800000"/>
-            <a:headEnd/>
-            <a:tailEnd/>
-          </a:ln>
-          <a:effectLst/>
-        </p:spPr>
-        <p:txBody>
-          <a:bodyPr>
-            <a:spAutoFit/>
-          </a:bodyPr>
-          <a:lstStyle/>
-          <a:p>
-            <a:r>
-              <a:rPr lang="en-US" sz="1800" b="0"/>
-              <a:t>These coefficients define the appearance of the image.</a:t>
-            </a:r>
-          </a:p>
-          <a:p>
-            <a:endParaRPr lang="en-US" sz="1800" b="0"/>
-          </a:p>
-          <a:p>
-            <a:r>
-              <a:rPr lang="en-US" sz="1800" b="0"/>
-              <a:t>The U matrix defines the space of possible images within this video.</a:t>
-            </a:r>
-          </a:p>
-          <a:p>
-            <a:endParaRPr lang="en-US" sz="1800" b="0"/>
-          </a:p>
-          <a:p>
-            <a:r>
-              <a:rPr lang="en-US" sz="1800" b="0"/>
-              <a:t>Given a new set of coefficients ( a new column of V ), we can make a new image. </a:t>
-            </a:r>
-          </a:p>
-          <a:p>
-            <a:pPr algn="ctr"/>
-            <a:r>
-              <a:rPr lang="en-US" sz="1800" b="0"/>
-              <a:t> </a:t>
-            </a:r>
-          </a:p>
-          <a:p>
-            <a:pPr algn="ctr"/>
-            <a:r>
-              <a:rPr lang="en-US" sz="1800" b="0"/>
-              <a:t>New image = U v</a:t>
-            </a:r>
-          </a:p>
-          <a:p>
-            <a:pPr algn="ctr"/>
-            <a:endParaRPr lang="en-US" sz="1800" b="0"/>
-          </a:p>
-          <a:p>
-            <a:pPr algn="ctr"/>
-            <a:r>
-              <a:rPr lang="en-US" sz="1800" b="0"/>
-              <a:t>(</a:t>
-            </a:r>
-            <a:r>
-              <a:rPr lang="en-US" sz="1400" b="0" i="1"/>
-              <a:t>this will give us a column vector of the pixel values… </a:t>
-            </a:r>
-          </a:p>
-          <a:p>
-            <a:pPr algn="ctr"/>
-            <a:r>
-              <a:rPr lang="en-US" sz="1400" b="0" i="1"/>
-              <a:t>you have to rearrange it into the shape of the image</a:t>
-            </a:r>
-            <a:r>
-              <a:rPr lang="en-US" sz="1800" b="0"/>
-              <a:t>).</a:t>
-            </a:r>
-          </a:p>
-          <a:p>
-            <a:endParaRPr lang="en-US" sz="1800" b="0"/>
-          </a:p>
-          <a:p>
-            <a:r>
-              <a:rPr lang="en-US" sz="1800" b="0"/>
-              <a:t>Given a new image W we can find its coefficients </a:t>
-            </a:r>
-          </a:p>
-          <a:p>
-            <a:pPr algn="ctr"/>
-            <a:r>
-              <a:rPr lang="en-US" sz="1800" b="0"/>
-              <a:t>v = U</a:t>
-            </a:r>
-            <a:r>
-              <a:rPr lang="en-US" sz="1800" b="0" baseline="30000">
-                <a:latin typeface="cmsy10" pitchFamily="34" charset="0"/>
-              </a:rPr>
-              <a:t>&gt;</a:t>
-            </a:r>
-            <a:r>
-              <a:rPr lang="en-US" sz="1800" b="0"/>
-              <a:t>W</a:t>
-            </a:r>
-          </a:p>
-        </p:txBody>
-      </p:sp>
-    </p:spTree>
-  </p:cSld>
-  <p:clrMapOvr>
-    <a:masterClrMapping/>
-  </p:clrMapOvr>
-  <p:timing>
-    <p:tnLst>
-      <p:par>
-        <p:cTn id="1" dur="indefinite" restart="never" nodeType="tmRoot"/>
-      </p:par>
-    </p:tnLst>
-  </p:timing>
-</p:sld>
-</file>
-
 <file path=ppt/slides/slide12.xml><?xml version="1.0" encoding="utf-8"?>
 <p:sld xmlns:a="http://schemas.openxmlformats.org/drawingml/2006/main" xmlns:r="http://schemas.openxmlformats.org/officeDocument/2006/relationships" xmlns:p="http://schemas.openxmlformats.org/presentationml/2006/main">
   <p:cSld>
@@ -6465,7 +6357,7 @@
       </p:grpSpPr>
       <p:sp>
         <p:nvSpPr>
-          <p:cNvPr id="17" name="Footer Placeholder 3"/>
+          <p:cNvPr id="11" name="Footer Placeholder 3"/>
           <p:cNvSpPr>
             <a:spLocks noGrp="1"/>
           </p:cNvSpPr>
@@ -6487,83 +6379,7 @@
       </p:sp>
       <p:sp>
         <p:nvSpPr>
-          <p:cNvPr id="710658" name="Rectangle 2"/>
-          <p:cNvSpPr>
-            <a:spLocks noGrp="1" noChangeArrowheads="1"/>
-          </p:cNvSpPr>
-          <p:nvPr>
-            <p:ph type="title"/>
-          </p:nvPr>
-        </p:nvSpPr>
-        <p:spPr/>
-        <p:txBody>
-          <a:bodyPr/>
-          <a:lstStyle/>
-          <a:p>
-            <a:r>
-              <a:rPr lang="en-US"/>
-              <a:t>PCA Math – Going back to slide 1</a:t>
-            </a:r>
-          </a:p>
-        </p:txBody>
-      </p:sp>
-      <p:sp>
-        <p:nvSpPr>
-          <p:cNvPr id="710659" name="Rectangle 3"/>
-          <p:cNvSpPr>
-            <a:spLocks noGrp="1" noChangeArrowheads="1"/>
-          </p:cNvSpPr>
-          <p:nvPr>
-            <p:ph type="body" idx="1"/>
-          </p:nvPr>
-        </p:nvSpPr>
-        <p:spPr/>
-        <p:txBody>
-          <a:bodyPr/>
-          <a:lstStyle/>
-          <a:p>
-            <a:r>
-              <a:rPr lang="en-US" sz="2000"/>
-              <a:t>Principle component analysis. </a:t>
-            </a:r>
-          </a:p>
-          <a:p>
-            <a:pPr lvl="1"/>
-            <a:r>
-              <a:rPr lang="en-US" sz="1800"/>
-              <a:t>Images are in a 3D matrix I(x,y,t).</a:t>
-            </a:r>
-          </a:p>
-          <a:p>
-            <a:pPr lvl="1"/>
-            <a:r>
-              <a:rPr lang="en-US" sz="1800"/>
-              <a:t>Change that matrix into a data matrix D(p,t), listing the pixel values in each frame.</a:t>
-            </a:r>
-          </a:p>
-          <a:p>
-            <a:pPr lvl="1"/>
-            <a:r>
-              <a:rPr lang="en-US" sz="1800">
-                <a:solidFill>
-                  <a:srgbClr val="FF0000"/>
-                </a:solidFill>
-              </a:rPr>
-              <a:t>Do the “SVD” decomposition:</a:t>
-            </a:r>
-          </a:p>
-          <a:p>
-            <a:pPr lvl="1"/>
-            <a:r>
-              <a:rPr lang="en-US" sz="1800"/>
-              <a:t>D = U S V</a:t>
-            </a:r>
-          </a:p>
-        </p:txBody>
-      </p:sp>
-      <p:sp>
-        <p:nvSpPr>
-          <p:cNvPr id="710660" name="Rectangle 4"/>
+          <p:cNvPr id="695298" name="Rectangle 2"/>
           <p:cNvSpPr>
             <a:spLocks noChangeArrowheads="1"/>
           </p:cNvSpPr>
@@ -6571,7 +6387,7 @@
         </p:nvSpPr>
         <p:spPr bwMode="auto">
           <a:xfrm>
-            <a:off x="3352800" y="4545013"/>
+            <a:off x="2819400" y="676275"/>
             <a:ext cx="914400" cy="1752600"/>
           </a:xfrm>
           <a:prstGeom prst="rect">
@@ -6606,7 +6422,7 @@
       </p:sp>
       <p:sp>
         <p:nvSpPr>
-          <p:cNvPr id="710661" name="Text Box 5"/>
+          <p:cNvPr id="695299" name="Text Box 3"/>
           <p:cNvSpPr txBox="1">
             <a:spLocks noChangeArrowheads="1"/>
           </p:cNvSpPr>
@@ -6614,8 +6430,8 @@
         </p:nvSpPr>
         <p:spPr bwMode="auto">
           <a:xfrm>
-            <a:off x="4251325" y="5343525"/>
-            <a:ext cx="317500" cy="366713"/>
+            <a:off x="3717925" y="1474788"/>
+            <a:ext cx="317500" cy="366712"/>
           </a:xfrm>
           <a:prstGeom prst="rect">
             <a:avLst/>
@@ -6646,7 +6462,7 @@
       </p:sp>
       <p:sp>
         <p:nvSpPr>
-          <p:cNvPr id="710662" name="Rectangle 6"/>
+          <p:cNvPr id="695300" name="Rectangle 4"/>
           <p:cNvSpPr>
             <a:spLocks noChangeArrowheads="1"/>
           </p:cNvSpPr>
@@ -6654,7 +6470,7 @@
         </p:nvSpPr>
         <p:spPr bwMode="auto">
           <a:xfrm>
-            <a:off x="4648200" y="4545013"/>
+            <a:off x="4114800" y="676275"/>
             <a:ext cx="381000" cy="1762125"/>
           </a:xfrm>
           <a:prstGeom prst="rect">
@@ -6689,7 +6505,7 @@
       </p:sp>
       <p:sp>
         <p:nvSpPr>
-          <p:cNvPr id="710663" name="Rectangle 7"/>
+          <p:cNvPr id="695301" name="Rectangle 5"/>
           <p:cNvSpPr>
             <a:spLocks noChangeArrowheads="1"/>
           </p:cNvSpPr>
@@ -6697,7 +6513,7 @@
         </p:nvSpPr>
         <p:spPr bwMode="auto">
           <a:xfrm>
-            <a:off x="5181600" y="4545013"/>
+            <a:off x="4648200" y="676275"/>
             <a:ext cx="304800" cy="381000"/>
           </a:xfrm>
           <a:prstGeom prst="rect">
@@ -6732,7 +6548,7 @@
       </p:sp>
       <p:sp>
         <p:nvSpPr>
-          <p:cNvPr id="710664" name="Rectangle 8"/>
+          <p:cNvPr id="695302" name="Rectangle 6"/>
           <p:cNvSpPr>
             <a:spLocks noChangeArrowheads="1"/>
           </p:cNvSpPr>
@@ -6740,7 +6556,7 @@
         </p:nvSpPr>
         <p:spPr bwMode="auto">
           <a:xfrm>
-            <a:off x="5715000" y="4545013"/>
+            <a:off x="5181600" y="676275"/>
             <a:ext cx="838200" cy="381000"/>
           </a:xfrm>
           <a:prstGeom prst="rect">
@@ -6775,7 +6591,7 @@
       </p:sp>
       <p:sp>
         <p:nvSpPr>
-          <p:cNvPr id="710665" name="Text Box 9"/>
+          <p:cNvPr id="695303" name="Text Box 7"/>
           <p:cNvSpPr txBox="1">
             <a:spLocks noChangeArrowheads="1"/>
           </p:cNvSpPr>
@@ -6783,8 +6599,8 @@
         </p:nvSpPr>
         <p:spPr bwMode="auto">
           <a:xfrm>
-            <a:off x="2438400" y="5921375"/>
-            <a:ext cx="962025" cy="366713"/>
+            <a:off x="4556125" y="2012950"/>
+            <a:ext cx="1577975" cy="366713"/>
           </a:xfrm>
           <a:prstGeom prst="rect">
             <a:avLst/>
@@ -6806,14 +6622,14 @@
           <a:p>
             <a:r>
               <a:rPr lang="en-US" sz="1800" b="0"/>
-              <a:t>Images</a:t>
-            </a:r>
-          </a:p>
-        </p:txBody>
-      </p:sp>
-      <p:sp>
-        <p:nvSpPr>
-          <p:cNvPr id="710666" name="Text Box 10"/>
+              <a:t>Basis Images</a:t>
+            </a:r>
+          </a:p>
+        </p:txBody>
+      </p:sp>
+      <p:sp>
+        <p:nvSpPr>
+          <p:cNvPr id="695304" name="Text Box 8"/>
           <p:cNvSpPr txBox="1">
             <a:spLocks noChangeArrowheads="1"/>
           </p:cNvSpPr>
@@ -6821,8 +6637,8 @@
         </p:nvSpPr>
         <p:spPr bwMode="auto">
           <a:xfrm>
-            <a:off x="5089525" y="5881688"/>
-            <a:ext cx="1577975" cy="366712"/>
+            <a:off x="5181600" y="1138238"/>
+            <a:ext cx="1487488" cy="366712"/>
           </a:xfrm>
           <a:prstGeom prst="rect">
             <a:avLst/>
@@ -6844,14 +6660,49 @@
           <a:p>
             <a:r>
               <a:rPr lang="en-US" sz="1800" b="0"/>
-              <a:t>Basis Images</a:t>
-            </a:r>
-          </a:p>
-        </p:txBody>
-      </p:sp>
-      <p:sp>
-        <p:nvSpPr>
-          <p:cNvPr id="710667" name="Text Box 11"/>
+              <a:t>coefficients</a:t>
+            </a:r>
+          </a:p>
+        </p:txBody>
+      </p:sp>
+      <p:sp>
+        <p:nvSpPr>
+          <p:cNvPr id="695305" name="Oval 9"/>
+          <p:cNvSpPr>
+            <a:spLocks noChangeArrowheads="1"/>
+          </p:cNvSpPr>
+          <p:nvPr/>
+        </p:nvSpPr>
+        <p:spPr bwMode="auto">
+          <a:xfrm>
+            <a:off x="4800600" y="371475"/>
+            <a:ext cx="1600200" cy="914400"/>
+          </a:xfrm>
+          <a:prstGeom prst="ellipse">
+            <a:avLst/>
+          </a:prstGeom>
+          <a:noFill/>
+          <a:ln w="9525">
+            <a:solidFill>
+              <a:srgbClr val="800000"/>
+            </a:solidFill>
+            <a:round/>
+            <a:headEnd/>
+            <a:tailEnd/>
+          </a:ln>
+          <a:effectLst/>
+        </p:spPr>
+        <p:txBody>
+          <a:bodyPr wrap="none" anchor="ctr"/>
+          <a:lstStyle/>
+          <a:p>
+            <a:endParaRPr lang="en-US"/>
+          </a:p>
+        </p:txBody>
+      </p:sp>
+      <p:sp>
+        <p:nvSpPr>
+          <p:cNvPr id="695306" name="Text Box 10"/>
           <p:cNvSpPr txBox="1">
             <a:spLocks noChangeArrowheads="1"/>
           </p:cNvSpPr>
@@ -6859,8 +6710,8 @@
         </p:nvSpPr>
         <p:spPr bwMode="auto">
           <a:xfrm>
-            <a:off x="5715000" y="5006975"/>
-            <a:ext cx="1487488" cy="366713"/>
+            <a:off x="152400" y="2474913"/>
+            <a:ext cx="8839200" cy="3662362"/>
           </a:xfrm>
           <a:prstGeom prst="rect">
             <a:avLst/>
@@ -6875,204 +6726,99 @@
           <a:effectLst/>
         </p:spPr>
         <p:txBody>
-          <a:bodyPr wrap="none">
+          <a:bodyPr>
             <a:spAutoFit/>
           </a:bodyPr>
           <a:lstStyle/>
           <a:p>
             <a:r>
               <a:rPr lang="en-US" sz="1800" b="0"/>
-              <a:t>coefficients</a:t>
-            </a:r>
-          </a:p>
-        </p:txBody>
-      </p:sp>
-      <p:sp>
-        <p:nvSpPr>
-          <p:cNvPr id="710668" name="Line 12"/>
-          <p:cNvSpPr>
-            <a:spLocks noChangeShapeType="1"/>
-          </p:cNvSpPr>
-          <p:nvPr/>
-        </p:nvSpPr>
-        <p:spPr bwMode="auto">
-          <a:xfrm>
-            <a:off x="5791200" y="4468813"/>
-            <a:ext cx="0" cy="533400"/>
-          </a:xfrm>
-          <a:prstGeom prst="line">
-            <a:avLst/>
-          </a:prstGeom>
-          <a:noFill/>
-          <a:ln w="9525">
-            <a:solidFill>
-              <a:schemeClr val="tx1"/>
-            </a:solidFill>
-            <a:round/>
-            <a:headEnd/>
-            <a:tailEnd/>
-          </a:ln>
-          <a:effectLst/>
-        </p:spPr>
-        <p:txBody>
-          <a:bodyPr/>
-          <a:lstStyle/>
-          <a:p>
-            <a:endParaRPr lang="en-US"/>
-          </a:p>
-        </p:txBody>
-      </p:sp>
-      <p:sp>
-        <p:nvSpPr>
-          <p:cNvPr id="710669" name="Text Box 13"/>
-          <p:cNvSpPr txBox="1">
-            <a:spLocks noChangeArrowheads="1"/>
-          </p:cNvSpPr>
-          <p:nvPr/>
-        </p:nvSpPr>
-        <p:spPr bwMode="auto">
-          <a:xfrm>
-            <a:off x="5546725" y="4048125"/>
-            <a:ext cx="2305050" cy="366713"/>
-          </a:xfrm>
-          <a:prstGeom prst="rect">
-            <a:avLst/>
-          </a:prstGeom>
-          <a:noFill/>
-          <a:ln w="9525">
-            <a:noFill/>
-            <a:miter lim="800000"/>
-            <a:headEnd/>
-            <a:tailEnd/>
-          </a:ln>
-          <a:effectLst/>
-        </p:spPr>
-        <p:txBody>
-          <a:bodyPr wrap="none">
-            <a:spAutoFit/>
-          </a:bodyPr>
-          <a:lstStyle/>
-          <a:p>
-            <a:r>
-              <a:rPr lang="en-US" sz="1800" b="0">
-                <a:latin typeface="Arial" pitchFamily="34" charset="0"/>
+              <a:t>These coefficients define the appearance of the image.</a:t>
+            </a:r>
+          </a:p>
+          <a:p>
+            <a:endParaRPr lang="en-US" sz="1800" b="0"/>
+          </a:p>
+          <a:p>
+            <a:r>
+              <a:rPr lang="en-US" sz="1800" b="0"/>
+              <a:t>The U matrix defines the space of possible images within this video.</a:t>
+            </a:r>
+          </a:p>
+          <a:p>
+            <a:endParaRPr lang="en-US" sz="1800" b="0"/>
+          </a:p>
+          <a:p>
+            <a:r>
+              <a:rPr lang="en-US" sz="1800" b="0"/>
+              <a:t>Given a new set of coefficients ( a new column of V ), we can make a new image. </a:t>
+            </a:r>
+          </a:p>
+          <a:p>
+            <a:pPr algn="ctr"/>
+            <a:r>
+              <a:rPr lang="en-US" sz="1800" b="0"/>
+              <a:t> </a:t>
+            </a:r>
+          </a:p>
+          <a:p>
+            <a:pPr algn="ctr"/>
+            <a:r>
+              <a:rPr lang="en-US" sz="1800" b="0"/>
+              <a:t>New image = U v</a:t>
+            </a:r>
+          </a:p>
+          <a:p>
+            <a:pPr algn="ctr"/>
+            <a:endParaRPr lang="en-US" sz="1800" b="0"/>
+          </a:p>
+          <a:p>
+            <a:pPr algn="ctr"/>
+            <a:r>
+              <a:rPr lang="en-US" sz="1800" b="0"/>
+              <a:t>(</a:t>
+            </a:r>
+            <a:r>
+              <a:rPr lang="en-US" sz="1400" b="0" i="1"/>
+              <a:t>this will give us a column vector of the pixel values… </a:t>
+            </a:r>
+          </a:p>
+          <a:p>
+            <a:pPr algn="ctr"/>
+            <a:r>
+              <a:rPr lang="en-US" sz="1400" b="0" i="1"/>
+              <a:t>you have to rearrange it into the shape of the image</a:t>
+            </a:r>
+            <a:r>
+              <a:rPr lang="en-US" sz="1800" b="0"/>
+              <a:t>).</a:t>
+            </a:r>
+          </a:p>
+          <a:p>
+            <a:endParaRPr lang="en-US" sz="1800" b="0"/>
+          </a:p>
+          <a:p>
+            <a:r>
+              <a:rPr lang="en-US" sz="1800" b="0"/>
+              <a:t>Given a new image W we can find its coefficients </a:t>
+            </a:r>
+          </a:p>
+          <a:p>
+            <a:pPr algn="ctr"/>
+            <a:r>
+              <a:rPr lang="en-US" sz="1800" b="0"/>
+              <a:t>v = U</a:t>
+            </a:r>
+            <a:r>
+              <a:rPr lang="en-US" sz="1800" b="0" baseline="30000">
+                <a:latin typeface="cmsy10" pitchFamily="34" charset="0"/>
               </a:rPr>
-              <a:t>Frame 1 coefficients.</a:t>
-            </a:r>
-          </a:p>
-        </p:txBody>
-      </p:sp>
-      <p:sp>
-        <p:nvSpPr>
-          <p:cNvPr id="710670" name="Line 14"/>
-          <p:cNvSpPr>
-            <a:spLocks noChangeShapeType="1"/>
-          </p:cNvSpPr>
-          <p:nvPr/>
-        </p:nvSpPr>
-        <p:spPr bwMode="auto">
-          <a:xfrm>
-            <a:off x="5867400" y="4468813"/>
-            <a:ext cx="0" cy="533400"/>
-          </a:xfrm>
-          <a:prstGeom prst="line">
-            <a:avLst/>
-          </a:prstGeom>
-          <a:noFill/>
-          <a:ln w="9525">
-            <a:solidFill>
-              <a:schemeClr val="tx1"/>
-            </a:solidFill>
-            <a:round/>
-            <a:headEnd/>
-            <a:tailEnd/>
-          </a:ln>
-          <a:effectLst/>
-        </p:spPr>
-        <p:txBody>
-          <a:bodyPr/>
-          <a:lstStyle/>
-          <a:p>
-            <a:endParaRPr lang="en-US"/>
-          </a:p>
-        </p:txBody>
-      </p:sp>
-      <p:sp>
-        <p:nvSpPr>
-          <p:cNvPr id="710671" name="Text Box 15"/>
-          <p:cNvSpPr txBox="1">
-            <a:spLocks noChangeArrowheads="1"/>
-          </p:cNvSpPr>
-          <p:nvPr/>
-        </p:nvSpPr>
-        <p:spPr bwMode="auto">
-          <a:xfrm>
-            <a:off x="5543550" y="4038600"/>
-            <a:ext cx="2305050" cy="366713"/>
-          </a:xfrm>
-          <a:prstGeom prst="rect">
-            <a:avLst/>
-          </a:prstGeom>
-          <a:noFill/>
-          <a:ln w="9525">
-            <a:noFill/>
-            <a:miter lim="800000"/>
-            <a:headEnd/>
-            <a:tailEnd/>
-          </a:ln>
-          <a:effectLst/>
-        </p:spPr>
-        <p:txBody>
-          <a:bodyPr wrap="none">
-            <a:spAutoFit/>
-          </a:bodyPr>
-          <a:lstStyle/>
-          <a:p>
-            <a:r>
-              <a:rPr lang="en-US" sz="1800" b="0">
-                <a:latin typeface="Arial" pitchFamily="34" charset="0"/>
-              </a:rPr>
-              <a:t>Frame 2 coefficients.</a:t>
-            </a:r>
-          </a:p>
-        </p:txBody>
-      </p:sp>
-      <p:sp>
-        <p:nvSpPr>
-          <p:cNvPr id="710672" name="Oval 16"/>
-          <p:cNvSpPr>
-            <a:spLocks noChangeArrowheads="1"/>
-          </p:cNvSpPr>
-          <p:nvPr/>
-        </p:nvSpPr>
-        <p:spPr bwMode="auto">
-          <a:xfrm>
-            <a:off x="914400" y="3048000"/>
-            <a:ext cx="4114800" cy="762000"/>
-          </a:xfrm>
-          <a:prstGeom prst="ellipse">
-            <a:avLst/>
-          </a:prstGeom>
-          <a:solidFill>
-            <a:srgbClr val="FFFF00">
-              <a:alpha val="30000"/>
-            </a:srgbClr>
-          </a:solidFill>
-          <a:ln w="9525">
-            <a:solidFill>
-              <a:schemeClr val="tx1"/>
-            </a:solidFill>
-            <a:round/>
-            <a:headEnd/>
-            <a:tailEnd/>
-          </a:ln>
-          <a:effectLst/>
-        </p:spPr>
-        <p:txBody>
-          <a:bodyPr wrap="none" anchor="ctr"/>
-          <a:lstStyle/>
-          <a:p>
-            <a:endParaRPr lang="en-US"/>
+              <a:t>&gt;</a:t>
+            </a:r>
+            <a:r>
+              <a:rPr lang="en-US" sz="1800" b="0"/>
+              <a:t>W</a:t>
+            </a:r>
           </a:p>
         </p:txBody>
       </p:sp>
@@ -7084,276 +6830,9 @@
   <p:timing>
     <p:tnLst>
       <p:par>
-        <p:cTn id="1" dur="indefinite" restart="never" nodeType="tmRoot">
-          <p:childTnLst>
-            <p:seq concurrent="1" nextAc="seek">
-              <p:cTn id="2" dur="indefinite" nodeType="mainSeq">
-                <p:childTnLst>
-                  <p:par>
-                    <p:cTn id="3" fill="hold">
-                      <p:stCondLst>
-                        <p:cond delay="indefinite"/>
-                      </p:stCondLst>
-                      <p:childTnLst>
-                        <p:par>
-                          <p:cTn id="4" fill="hold">
-                            <p:stCondLst>
-                              <p:cond delay="0"/>
-                            </p:stCondLst>
-                            <p:childTnLst>
-                              <p:par>
-                                <p:cTn id="5" presetID="3" presetClass="entr" presetSubtype="10" fill="hold" grpId="0" nodeType="clickEffect">
-                                  <p:stCondLst>
-                                    <p:cond delay="0"/>
-                                  </p:stCondLst>
-                                  <p:childTnLst>
-                                    <p:set>
-                                      <p:cBhvr>
-                                        <p:cTn id="6" dur="1" fill="hold">
-                                          <p:stCondLst>
-                                            <p:cond delay="0"/>
-                                          </p:stCondLst>
-                                        </p:cTn>
-                                        <p:tgtEl>
-                                          <p:spTgt spid="710668"/>
-                                        </p:tgtEl>
-                                        <p:attrNameLst>
-                                          <p:attrName>style.visibility</p:attrName>
-                                        </p:attrNameLst>
-                                      </p:cBhvr>
-                                      <p:to>
-                                        <p:strVal val="visible"/>
-                                      </p:to>
-                                    </p:set>
-                                    <p:animEffect transition="in" filter="blinds(horizontal)">
-                                      <p:cBhvr>
-                                        <p:cTn id="7" dur="500"/>
-                                        <p:tgtEl>
-                                          <p:spTgt spid="710668"/>
-                                        </p:tgtEl>
-                                      </p:cBhvr>
-                                    </p:animEffect>
-                                  </p:childTnLst>
-                                </p:cTn>
-                              </p:par>
-                              <p:par>
-                                <p:cTn id="8" presetID="3" presetClass="entr" presetSubtype="10" fill="hold" grpId="0" nodeType="withEffect">
-                                  <p:stCondLst>
-                                    <p:cond delay="0"/>
-                                  </p:stCondLst>
-                                  <p:childTnLst>
-                                    <p:set>
-                                      <p:cBhvr>
-                                        <p:cTn id="9" dur="1" fill="hold">
-                                          <p:stCondLst>
-                                            <p:cond delay="0"/>
-                                          </p:stCondLst>
-                                        </p:cTn>
-                                        <p:tgtEl>
-                                          <p:spTgt spid="710669"/>
-                                        </p:tgtEl>
-                                        <p:attrNameLst>
-                                          <p:attrName>style.visibility</p:attrName>
-                                        </p:attrNameLst>
-                                      </p:cBhvr>
-                                      <p:to>
-                                        <p:strVal val="visible"/>
-                                      </p:to>
-                                    </p:set>
-                                    <p:animEffect transition="in" filter="blinds(horizontal)">
-                                      <p:cBhvr>
-                                        <p:cTn id="10" dur="500"/>
-                                        <p:tgtEl>
-                                          <p:spTgt spid="710669"/>
-                                        </p:tgtEl>
-                                      </p:cBhvr>
-                                    </p:animEffect>
-                                  </p:childTnLst>
-                                </p:cTn>
-                              </p:par>
-                            </p:childTnLst>
-                          </p:cTn>
-                        </p:par>
-                      </p:childTnLst>
-                    </p:cTn>
-                  </p:par>
-                  <p:par>
-                    <p:cTn id="11" fill="hold">
-                      <p:stCondLst>
-                        <p:cond delay="indefinite"/>
-                      </p:stCondLst>
-                      <p:childTnLst>
-                        <p:par>
-                          <p:cTn id="12" fill="hold">
-                            <p:stCondLst>
-                              <p:cond delay="0"/>
-                            </p:stCondLst>
-                            <p:childTnLst>
-                              <p:par>
-                                <p:cTn id="13" presetID="1" presetClass="entr" presetSubtype="0" fill="hold" grpId="0" nodeType="clickEffect">
-                                  <p:stCondLst>
-                                    <p:cond delay="0"/>
-                                  </p:stCondLst>
-                                  <p:childTnLst>
-                                    <p:set>
-                                      <p:cBhvr>
-                                        <p:cTn id="14" dur="1" fill="hold">
-                                          <p:stCondLst>
-                                            <p:cond delay="0"/>
-                                          </p:stCondLst>
-                                        </p:cTn>
-                                        <p:tgtEl>
-                                          <p:spTgt spid="710671"/>
-                                        </p:tgtEl>
-                                        <p:attrNameLst>
-                                          <p:attrName>style.visibility</p:attrName>
-                                        </p:attrNameLst>
-                                      </p:cBhvr>
-                                      <p:to>
-                                        <p:strVal val="visible"/>
-                                      </p:to>
-                                    </p:set>
-                                  </p:childTnLst>
-                                </p:cTn>
-                              </p:par>
-                              <p:par>
-                                <p:cTn id="15" presetID="1" presetClass="entr" presetSubtype="0" fill="hold" grpId="0" nodeType="withEffect">
-                                  <p:stCondLst>
-                                    <p:cond delay="0"/>
-                                  </p:stCondLst>
-                                  <p:childTnLst>
-                                    <p:set>
-                                      <p:cBhvr>
-                                        <p:cTn id="16" dur="1" fill="hold">
-                                          <p:stCondLst>
-                                            <p:cond delay="0"/>
-                                          </p:stCondLst>
-                                        </p:cTn>
-                                        <p:tgtEl>
-                                          <p:spTgt spid="710670"/>
-                                        </p:tgtEl>
-                                        <p:attrNameLst>
-                                          <p:attrName>style.visibility</p:attrName>
-                                        </p:attrNameLst>
-                                      </p:cBhvr>
-                                      <p:to>
-                                        <p:strVal val="visible"/>
-                                      </p:to>
-                                    </p:set>
-                                  </p:childTnLst>
-                                </p:cTn>
-                              </p:par>
-                              <p:par>
-                                <p:cTn id="17" presetID="24" presetClass="exit" presetSubtype="0" fill="hold" grpId="1" nodeType="withEffect">
-                                  <p:stCondLst>
-                                    <p:cond delay="0"/>
-                                  </p:stCondLst>
-                                  <p:childTnLst>
-                                    <p:anim to="" calcmode="lin" valueType="num">
-                                      <p:cBhvr>
-                                        <p:cTn id="18" dur="1"/>
-                                        <p:tgtEl>
-                                          <p:spTgt spid="710668"/>
-                                        </p:tgtEl>
-                                        <p:attrNameLst>
-                                          <p:attrName/>
-                                        </p:attrNameLst>
-                                      </p:cBhvr>
-                                    </p:anim>
-                                    <p:set>
-                                      <p:cBhvr>
-                                        <p:cTn id="19" dur="1" fill="hold">
-                                          <p:stCondLst>
-                                            <p:cond delay="0"/>
-                                          </p:stCondLst>
-                                        </p:cTn>
-                                        <p:tgtEl>
-                                          <p:spTgt spid="710668"/>
-                                        </p:tgtEl>
-                                        <p:attrNameLst>
-                                          <p:attrName>style.visibility</p:attrName>
-                                        </p:attrNameLst>
-                                      </p:cBhvr>
-                                      <p:to>
-                                        <p:strVal val="hidden"/>
-                                      </p:to>
-                                    </p:set>
-                                  </p:childTnLst>
-                                </p:cTn>
-                              </p:par>
-                              <p:par>
-                                <p:cTn id="20" presetID="24" presetClass="exit" presetSubtype="0" fill="hold" grpId="1" nodeType="withEffect">
-                                  <p:stCondLst>
-                                    <p:cond delay="0"/>
-                                  </p:stCondLst>
-                                  <p:childTnLst>
-                                    <p:anim to="" calcmode="lin" valueType="num">
-                                      <p:cBhvr>
-                                        <p:cTn id="21" dur="1"/>
-                                        <p:tgtEl>
-                                          <p:spTgt spid="710669"/>
-                                        </p:tgtEl>
-                                        <p:attrNameLst>
-                                          <p:attrName/>
-                                        </p:attrNameLst>
-                                      </p:cBhvr>
-                                    </p:anim>
-                                    <p:set>
-                                      <p:cBhvr>
-                                        <p:cTn id="22" dur="1" fill="hold">
-                                          <p:stCondLst>
-                                            <p:cond delay="0"/>
-                                          </p:stCondLst>
-                                        </p:cTn>
-                                        <p:tgtEl>
-                                          <p:spTgt spid="710669"/>
-                                        </p:tgtEl>
-                                        <p:attrNameLst>
-                                          <p:attrName>style.visibility</p:attrName>
-                                        </p:attrNameLst>
-                                      </p:cBhvr>
-                                      <p:to>
-                                        <p:strVal val="hidden"/>
-                                      </p:to>
-                                    </p:set>
-                                  </p:childTnLst>
-                                </p:cTn>
-                              </p:par>
-                            </p:childTnLst>
-                          </p:cTn>
-                        </p:par>
-                      </p:childTnLst>
-                    </p:cTn>
-                  </p:par>
-                </p:childTnLst>
-              </p:cTn>
-              <p:prevCondLst>
-                <p:cond evt="onPrev" delay="0">
-                  <p:tgtEl>
-                    <p:sldTgt/>
-                  </p:tgtEl>
-                </p:cond>
-              </p:prevCondLst>
-              <p:nextCondLst>
-                <p:cond evt="onNext" delay="0">
-                  <p:tgtEl>
-                    <p:sldTgt/>
-                  </p:tgtEl>
-                </p:cond>
-              </p:nextCondLst>
-            </p:seq>
-          </p:childTnLst>
-        </p:cTn>
+        <p:cTn id="1" dur="indefinite" restart="never" nodeType="tmRoot"/>
       </p:par>
     </p:tnLst>
-    <p:bldLst>
-      <p:bldP spid="710668" grpId="0" animBg="1"/>
-      <p:bldP spid="710668" grpId="1" animBg="1"/>
-      <p:bldP spid="710669" grpId="0"/>
-      <p:bldP spid="710669" grpId="1"/>
-      <p:bldP spid="710670" grpId="0" animBg="1"/>
-      <p:bldP spid="710671" grpId="0"/>
-    </p:bldLst>
   </p:timing>
 </p:sld>
 </file>
@@ -7388,21 +6867,17 @@
         <p:spPr/>
         <p:txBody>
           <a:bodyPr>
-            <a:normAutofit fontScale="90000"/>
+            <a:normAutofit/>
           </a:bodyPr>
           <a:lstStyle/>
           <a:p>
             <a:r>
               <a:rPr lang="en-US" dirty="0" smtClean="0"/>
-              <a:t>PCA – dependence </a:t>
-            </a:r>
-            <a:r>
-              <a:rPr lang="en-US" smtClean="0"/>
-              <a:t>on </a:t>
-            </a:r>
-            <a:r>
-              <a:rPr lang="en-US" smtClean="0"/>
-              <a:t>k (189 images)</a:t>
+              <a:t>PCA – dependence on </a:t>
+            </a:r>
+            <a:r>
+              <a:rPr lang="en-US" dirty="0" smtClean="0"/>
+              <a:t>k</a:t>
             </a:r>
             <a:endParaRPr lang="en-US" dirty="0"/>
           </a:p>
@@ -7418,18 +6893,44 @@
             <p:ph idx="1"/>
           </p:nvPr>
         </p:nvSpPr>
-        <p:spPr/>
+        <p:spPr>
+          <a:xfrm>
+            <a:off x="457200" y="2209800"/>
+            <a:ext cx="4267200" cy="4364736"/>
+          </a:xfrm>
+        </p:spPr>
         <p:txBody>
           <a:bodyPr/>
           <a:lstStyle/>
           <a:p>
-            <a:endParaRPr lang="en-US"/>
+            <a:r>
+              <a:rPr lang="en-US" dirty="0" smtClean="0"/>
+              <a:t>Image reconstruction is sensitive to k parameter</a:t>
+            </a:r>
+          </a:p>
+          <a:p>
+            <a:r>
+              <a:rPr lang="en-US" dirty="0" smtClean="0"/>
+              <a:t>As k approaches the number of images, error decreases</a:t>
+            </a:r>
+          </a:p>
+          <a:p>
+            <a:pPr lvl="1"/>
+            <a:r>
+              <a:rPr lang="en-US" dirty="0" smtClean="0"/>
+              <a:t>189 </a:t>
+            </a:r>
+            <a:r>
+              <a:rPr lang="en-US" dirty="0" smtClean="0"/>
+              <a:t>images, k = 0-50</a:t>
+            </a:r>
+            <a:endParaRPr lang="en-US" dirty="0"/>
           </a:p>
         </p:txBody>
       </p:sp>
       <p:pic>
         <p:nvPicPr>
-          <p:cNvPr id="2050" name="Picture 2" descr="C:\Documents and Settings\gpu\Desktop\David Ross\davidrossmastersproject\mastersProject\writeup\figures\pcaIntroFigs.jpg"/>
+          <p:cNvPr id="2051" name="Picture 3" descr="C:\Documents and Settings\gpu\Desktop\David Ross\davidrossmastersproject\mastersProject\writeup\figures\pcaIntroPlot.jpg"/>
           <p:cNvPicPr>
             <a:picLocks noChangeAspect="1" noChangeArrowheads="1"/>
           </p:cNvPicPr>
@@ -7444,34 +6945,8 @@
         </p:blipFill>
         <p:spPr bwMode="auto">
           <a:xfrm>
-            <a:off x="0" y="2209800"/>
-            <a:ext cx="5514975" cy="6486526"/>
-          </a:xfrm>
-          <a:prstGeom prst="rect">
-            <a:avLst/>
-          </a:prstGeom>
-          <a:noFill/>
-        </p:spPr>
-      </p:pic>
-      <p:pic>
-        <p:nvPicPr>
-          <p:cNvPr id="2051" name="Picture 3" descr="C:\Documents and Settings\gpu\Desktop\David Ross\davidrossmastersproject\mastersProject\writeup\figures\pcaIntroPlot.jpg"/>
-          <p:cNvPicPr>
-            <a:picLocks noChangeAspect="1" noChangeArrowheads="1"/>
-          </p:cNvPicPr>
-          <p:nvPr/>
-        </p:nvPicPr>
-        <p:blipFill>
-          <a:blip r:embed="rId4"/>
-          <a:srcRect/>
-          <a:stretch>
-            <a:fillRect/>
-          </a:stretch>
-        </p:blipFill>
-        <p:spPr bwMode="auto">
-          <a:xfrm>
-            <a:off x="3429000" y="2362200"/>
-            <a:ext cx="5334000" cy="4000500"/>
+            <a:off x="4495800" y="2895600"/>
+            <a:ext cx="4318000" cy="3238500"/>
           </a:xfrm>
           <a:prstGeom prst="rect">
             <a:avLst/>
@@ -7511,58 +6986,32 @@
           <a:chExt cx="0" cy="0"/>
         </a:xfrm>
       </p:grpSpPr>
-      <p:sp>
-        <p:nvSpPr>
-          <p:cNvPr id="2" name="Title 1"/>
-          <p:cNvSpPr>
-            <a:spLocks noGrp="1"/>
-          </p:cNvSpPr>
-          <p:nvPr>
-            <p:ph type="title"/>
-          </p:nvPr>
-        </p:nvSpPr>
-        <p:spPr/>
-        <p:txBody>
-          <a:bodyPr/>
-          <a:lstStyle/>
-          <a:p>
-            <a:r>
-              <a:rPr lang="en-US" dirty="0" smtClean="0"/>
-              <a:t>Incremental PCA</a:t>
-            </a:r>
-            <a:endParaRPr lang="en-US" dirty="0"/>
-          </a:p>
-        </p:txBody>
-      </p:sp>
-      <p:sp>
-        <p:nvSpPr>
-          <p:cNvPr id="3" name="Content Placeholder 2"/>
-          <p:cNvSpPr>
-            <a:spLocks noGrp="1"/>
-          </p:cNvSpPr>
-          <p:nvPr>
-            <p:ph idx="1"/>
-          </p:nvPr>
-        </p:nvSpPr>
-        <p:spPr/>
-        <p:txBody>
-          <a:bodyPr/>
-          <a:lstStyle/>
-          <a:p>
-            <a:r>
-              <a:rPr lang="en-US" dirty="0" smtClean="0"/>
-              <a:t>Too many images to fit into memory at once</a:t>
-            </a:r>
-          </a:p>
-          <a:p>
-            <a:r>
-              <a:rPr lang="en-US" dirty="0" smtClean="0"/>
-              <a:t>At each step, </a:t>
-            </a:r>
-            <a:endParaRPr lang="en-US" dirty="0"/>
-          </a:p>
-        </p:txBody>
-      </p:sp>
+      <p:pic>
+        <p:nvPicPr>
+          <p:cNvPr id="4" name="Picture 2" descr="C:\Documents and Settings\gpu\Desktop\David Ross\davidrossmastersproject\mastersProject\writeup\figures\pcaIntroFigs.jpg"/>
+          <p:cNvPicPr>
+            <a:picLocks noChangeAspect="1" noChangeArrowheads="1"/>
+          </p:cNvPicPr>
+          <p:nvPr/>
+        </p:nvPicPr>
+        <p:blipFill>
+          <a:blip r:embed="rId2"/>
+          <a:srcRect/>
+          <a:stretch>
+            <a:fillRect/>
+          </a:stretch>
+        </p:blipFill>
+        <p:spPr bwMode="auto">
+          <a:xfrm>
+            <a:off x="1752600" y="152400"/>
+            <a:ext cx="5514975" cy="6486526"/>
+          </a:xfrm>
+          <a:prstGeom prst="rect">
+            <a:avLst/>
+          </a:prstGeom>
+          <a:noFill/>
+        </p:spPr>
+      </p:pic>
     </p:spTree>
   </p:cSld>
   <p:clrMapOvr>
@@ -7612,7 +7061,7 @@
           <a:p>
             <a:r>
               <a:rPr lang="en-US" dirty="0" smtClean="0"/>
-              <a:t>But what do we take PCA of?</a:t>
+              <a:t>Incremental PCA</a:t>
             </a:r>
             <a:endParaRPr lang="en-US" dirty="0"/>
           </a:p>
@@ -7635,19 +7084,24 @@
           <a:p>
             <a:r>
               <a:rPr lang="en-US" dirty="0" smtClean="0"/>
-              <a:t>Daytime images</a:t>
-            </a:r>
-          </a:p>
-          <a:p>
-            <a:r>
-              <a:rPr lang="en-US" dirty="0" smtClean="0"/>
-              <a:t>Sky Mask</a:t>
-            </a:r>
-          </a:p>
-          <a:p>
-            <a:r>
-              <a:rPr lang="en-US" dirty="0" smtClean="0"/>
-              <a:t>Gradient Magnitude Images</a:t>
+              <a:t>Too many images to fit into memory at once</a:t>
+            </a:r>
+          </a:p>
+          <a:p>
+            <a:r>
+              <a:rPr lang="en-US" dirty="0" smtClean="0"/>
+              <a:t>Can iteratively update your matrices for new </a:t>
+            </a:r>
+            <a:r>
+              <a:rPr lang="en-US" dirty="0" smtClean="0"/>
+              <a:t>matrices</a:t>
+            </a:r>
+          </a:p>
+          <a:p>
+            <a:pPr lvl="1"/>
+            <a:r>
+              <a:rPr lang="en-US" dirty="0" smtClean="0"/>
+              <a:t>Can fix S and V after`</a:t>
             </a:r>
             <a:endParaRPr lang="en-US" dirty="0"/>
           </a:p>
@@ -7702,7 +7156,7 @@
           <a:p>
             <a:r>
               <a:rPr lang="en-US" dirty="0" smtClean="0"/>
-              <a:t>Daytime Images</a:t>
+              <a:t>But what do we take PCA of?</a:t>
             </a:r>
             <a:endParaRPr lang="en-US" dirty="0"/>
           </a:p>
@@ -7725,7 +7179,19 @@
           <a:p>
             <a:r>
               <a:rPr lang="en-US" dirty="0" smtClean="0"/>
-              <a:t>Could take PCA of the entire set of images from one camera</a:t>
+              <a:t>Daytime images</a:t>
+            </a:r>
+          </a:p>
+          <a:p>
+            <a:r>
+              <a:rPr lang="en-US" dirty="0" smtClean="0"/>
+              <a:t>Sky Mask</a:t>
+            </a:r>
+          </a:p>
+          <a:p>
+            <a:r>
+              <a:rPr lang="en-US" dirty="0" smtClean="0"/>
+              <a:t>Gradient Magnitude Images</a:t>
             </a:r>
             <a:endParaRPr lang="en-US" dirty="0"/>
           </a:p>
@@ -7780,7 +7246,7 @@
           <a:p>
             <a:r>
               <a:rPr lang="en-US" dirty="0" smtClean="0"/>
-              <a:t>Sky Mask</a:t>
+              <a:t>Daytime Images</a:t>
             </a:r>
             <a:endParaRPr lang="en-US" dirty="0"/>
           </a:p>
@@ -7801,88 +7267,45 @@
           <a:bodyPr/>
           <a:lstStyle/>
           <a:p>
-            <a:endParaRPr lang="en-US"/>
-          </a:p>
-        </p:txBody>
-      </p:sp>
-      <p:pic>
-        <p:nvPicPr>
-          <p:cNvPr id="6146" name="Picture 2" descr="C:\Documents and Settings\gpu\Desktop\David Ross\davidrossmastersproject\mastersProject\writeup\figures\2skyMask.jpg"/>
-          <p:cNvPicPr>
-            <a:picLocks noChangeAspect="1" noChangeArrowheads="1"/>
-          </p:cNvPicPr>
-          <p:nvPr/>
-        </p:nvPicPr>
-        <p:blipFill>
-          <a:blip r:embed="rId2"/>
-          <a:srcRect/>
-          <a:stretch>
-            <a:fillRect/>
-          </a:stretch>
-        </p:blipFill>
-        <p:spPr bwMode="auto">
-          <a:xfrm>
-            <a:off x="0" y="1828800"/>
-            <a:ext cx="4635500" cy="3476625"/>
-          </a:xfrm>
-          <a:prstGeom prst="rect">
-            <a:avLst/>
-          </a:prstGeom>
-          <a:noFill/>
-        </p:spPr>
-      </p:pic>
-      <p:pic>
-        <p:nvPicPr>
-          <p:cNvPr id="6147" name="Picture 3" descr="C:\Documents and Settings\gpu\Desktop\David Ross\davidrossmastersproject\mastersProject\writeup\figures\2skyPCA.jpg"/>
-          <p:cNvPicPr>
-            <a:picLocks noChangeAspect="1" noChangeArrowheads="1"/>
-          </p:cNvPicPr>
-          <p:nvPr/>
-        </p:nvPicPr>
-        <p:blipFill>
-          <a:blip r:embed="rId3"/>
-          <a:srcRect/>
-          <a:stretch>
-            <a:fillRect/>
-          </a:stretch>
-        </p:blipFill>
-        <p:spPr bwMode="auto">
-          <a:xfrm>
-            <a:off x="4495800" y="228600"/>
-            <a:ext cx="4404784" cy="3303588"/>
-          </a:xfrm>
-          <a:prstGeom prst="rect">
-            <a:avLst/>
-          </a:prstGeom>
-          <a:noFill/>
-        </p:spPr>
-      </p:pic>
-      <p:pic>
-        <p:nvPicPr>
-          <p:cNvPr id="6148" name="Picture 4" descr="C:\Documents and Settings\gpu\Desktop\David Ross\davidrossmastersproject\mastersProject\writeup\figures\skyMaskFig.jpg"/>
-          <p:cNvPicPr>
-            <a:picLocks noChangeAspect="1" noChangeArrowheads="1"/>
-          </p:cNvPicPr>
-          <p:nvPr/>
-        </p:nvPicPr>
-        <p:blipFill>
-          <a:blip r:embed="rId4"/>
-          <a:srcRect/>
-          <a:stretch>
-            <a:fillRect/>
-          </a:stretch>
-        </p:blipFill>
-        <p:spPr bwMode="auto">
-          <a:xfrm>
-            <a:off x="3505200" y="3505200"/>
-            <a:ext cx="5394325" cy="3127251"/>
-          </a:xfrm>
-          <a:prstGeom prst="rect">
-            <a:avLst/>
-          </a:prstGeom>
-          <a:noFill/>
-        </p:spPr>
-      </p:pic>
+            <a:r>
+              <a:rPr lang="en-US" dirty="0" smtClean="0"/>
+              <a:t>Could take PCA of the entire set of images from one </a:t>
+            </a:r>
+            <a:r>
+              <a:rPr lang="en-US" dirty="0" smtClean="0"/>
+              <a:t>camera</a:t>
+            </a:r>
+          </a:p>
+          <a:p>
+            <a:pPr lvl="1"/>
+            <a:r>
+              <a:rPr lang="en-US" dirty="0" smtClean="0"/>
+              <a:t>Not interested in how image varies from day to night</a:t>
+            </a:r>
+          </a:p>
+          <a:p>
+            <a:pPr lvl="1"/>
+            <a:r>
+              <a:rPr lang="en-US" dirty="0" smtClean="0"/>
+              <a:t>Camera noise in low light</a:t>
+            </a:r>
+          </a:p>
+          <a:p>
+            <a:r>
+              <a:rPr lang="en-US" dirty="0" smtClean="0"/>
+              <a:t>Choose only daytime images</a:t>
+            </a:r>
+          </a:p>
+          <a:p>
+            <a:pPr lvl="1"/>
+            <a:r>
+              <a:rPr lang="en-US" dirty="0" smtClean="0"/>
+              <a:t>Input images have least natural variation</a:t>
+            </a:r>
+            <a:endParaRPr lang="en-US" dirty="0"/>
+          </a:p>
+        </p:txBody>
+      </p:sp>
     </p:spTree>
   </p:cSld>
   <p:clrMapOvr>
@@ -7932,7 +7355,7 @@
           <a:p>
             <a:r>
               <a:rPr lang="en-US" dirty="0" smtClean="0"/>
-              <a:t>Gradient Magnitude Images</a:t>
+              <a:t>Sky Mask</a:t>
             </a:r>
             <a:endParaRPr lang="en-US" dirty="0"/>
           </a:p>
@@ -7953,13 +7376,30 @@
           <a:bodyPr/>
           <a:lstStyle/>
           <a:p>
-            <a:endParaRPr lang="en-US"/>
+            <a:r>
+              <a:rPr lang="en-US" dirty="0" smtClean="0"/>
+              <a:t>Sky is another source of unnatural variation</a:t>
+            </a:r>
+          </a:p>
+          <a:p>
+            <a:pPr lvl="1"/>
+            <a:r>
+              <a:rPr lang="en-US" dirty="0" smtClean="0"/>
+              <a:t>Sun, clouds, hard to model</a:t>
+            </a:r>
+          </a:p>
+          <a:p>
+            <a:pPr lvl="1"/>
+            <a:r>
+              <a:rPr lang="en-US" dirty="0" smtClean="0"/>
+              <a:t>Not what we are interested in, so why waste effort?</a:t>
+            </a:r>
           </a:p>
         </p:txBody>
       </p:sp>
       <p:pic>
         <p:nvPicPr>
-          <p:cNvPr id="7170" name="Picture 2" descr="C:\Documents and Settings\gpu\Desktop\David Ross\davidrossmastersproject\mastersProject\writeup\figures\194cars.jpg"/>
+          <p:cNvPr id="7" name="Picture 4" descr="C:\Documents and Settings\gpu\Desktop\David Ross\davidrossmastersproject\mastersProject\writeup\figures\skyMaskFig.jpg"/>
           <p:cNvPicPr>
             <a:picLocks noChangeAspect="1" noChangeArrowheads="1"/>
           </p:cNvPicPr>
@@ -7974,34 +7414,8 @@
         </p:blipFill>
         <p:spPr bwMode="auto">
           <a:xfrm>
-            <a:off x="-1219200" y="1828800"/>
-            <a:ext cx="5334000" cy="4000500"/>
-          </a:xfrm>
-          <a:prstGeom prst="rect">
-            <a:avLst/>
-          </a:prstGeom>
-          <a:noFill/>
-        </p:spPr>
-      </p:pic>
-      <p:pic>
-        <p:nvPicPr>
-          <p:cNvPr id="7171" name="Picture 3" descr="C:\Documents and Settings\gpu\Desktop\David Ross\davidrossmastersproject\mastersProject\writeup\figures\194carsGradient.jpg"/>
-          <p:cNvPicPr>
-            <a:picLocks noChangeAspect="1" noChangeArrowheads="1"/>
-          </p:cNvPicPr>
-          <p:nvPr/>
-        </p:nvPicPr>
-        <p:blipFill>
-          <a:blip r:embed="rId3"/>
-          <a:srcRect/>
-          <a:stretch>
-            <a:fillRect/>
-          </a:stretch>
-        </p:blipFill>
-        <p:spPr bwMode="auto">
-          <a:xfrm>
-            <a:off x="4038600" y="2133600"/>
-            <a:ext cx="5334000" cy="4000500"/>
+            <a:off x="2819400" y="3657600"/>
+            <a:ext cx="5126181" cy="2971800"/>
           </a:xfrm>
           <a:prstGeom prst="rect">
             <a:avLst/>
@@ -8058,7 +7472,7 @@
           <a:p>
             <a:r>
               <a:rPr lang="en-US" dirty="0" smtClean="0"/>
-              <a:t>How do we display results?</a:t>
+              <a:t>Sky Mask</a:t>
             </a:r>
             <a:endParaRPr lang="en-US" dirty="0"/>
           </a:p>
@@ -8074,34 +7488,84 @@
             <p:ph idx="1"/>
           </p:nvPr>
         </p:nvSpPr>
-        <p:spPr/>
+        <p:spPr>
+          <a:xfrm>
+            <a:off x="457200" y="2209800"/>
+            <a:ext cx="5105400" cy="4364736"/>
+          </a:xfrm>
+        </p:spPr>
         <p:txBody>
           <a:bodyPr/>
           <a:lstStyle/>
           <a:p>
             <a:r>
               <a:rPr lang="en-US" dirty="0" smtClean="0"/>
-              <a:t>Image montage (image here)</a:t>
-            </a:r>
-          </a:p>
-          <a:p>
-            <a:r>
-              <a:rPr lang="en-US" dirty="0" smtClean="0"/>
-              <a:t>Well-Separated Set Montage</a:t>
-            </a:r>
-          </a:p>
-          <a:p>
-            <a:r>
-              <a:rPr lang="en-US" dirty="0" smtClean="0"/>
-              <a:t>2D GUI</a:t>
-            </a:r>
+              <a:t>Luckily, we can mask it away</a:t>
+            </a:r>
+          </a:p>
+          <a:p>
+            <a:pPr lvl="1"/>
+            <a:r>
+              <a:rPr lang="en-US" dirty="0" smtClean="0"/>
+              <a:t>1</a:t>
+            </a:r>
+            <a:r>
+              <a:rPr lang="en-US" baseline="30000" dirty="0" smtClean="0"/>
+              <a:t>st</a:t>
+            </a:r>
+            <a:r>
+              <a:rPr lang="en-US" dirty="0" smtClean="0"/>
+              <a:t> PCA Component of </a:t>
+            </a:r>
+            <a:r>
+              <a:rPr lang="en-US" dirty="0" smtClean="0"/>
+              <a:t>most natural </a:t>
+            </a:r>
+            <a:r>
+              <a:rPr lang="en-US" dirty="0" smtClean="0"/>
+              <a:t>scenes </a:t>
+            </a:r>
+            <a:r>
+              <a:rPr lang="en-US" dirty="0" smtClean="0"/>
+              <a:t>(all </a:t>
+            </a:r>
+            <a:r>
+              <a:rPr lang="en-US" dirty="0" smtClean="0"/>
+              <a:t>times of day) is the sky</a:t>
+            </a:r>
+          </a:p>
+          <a:p>
+            <a:pPr lvl="1"/>
+            <a:r>
+              <a:rPr lang="en-US" dirty="0" smtClean="0"/>
+              <a:t>Simple </a:t>
+            </a:r>
+            <a:r>
+              <a:rPr lang="en-US" dirty="0" err="1" smtClean="0"/>
+              <a:t>thresholding</a:t>
+            </a:r>
+            <a:r>
+              <a:rPr lang="en-US" dirty="0" smtClean="0"/>
+              <a:t> </a:t>
+            </a:r>
+            <a:r>
+              <a:rPr lang="en-US" dirty="0" smtClean="0"/>
+              <a:t>can </a:t>
+            </a:r>
+            <a:r>
+              <a:rPr lang="en-US" dirty="0" smtClean="0"/>
+              <a:t>accurately segment the scene</a:t>
+            </a:r>
+            <a:endParaRPr lang="en-US" dirty="0" smtClean="0"/>
+          </a:p>
+          <a:p>
             <a:endParaRPr lang="en-US" dirty="0"/>
           </a:p>
         </p:txBody>
       </p:sp>
       <p:pic>
         <p:nvPicPr>
-          <p:cNvPr id="4098" name="Picture 2" descr="C:\Documents and Settings\gpu\Desktop\David Ross\davidrossmastersproject\mastersProject\writeup\figures\golfMontageNaive.jpg"/>
+          <p:cNvPr id="4" name="Picture 2" descr="C:\Documents and Settings\gpu\Desktop\David Ross\davidrossmastersproject\mastersProject\writeup\figures\2skyMask.jpg"/>
           <p:cNvPicPr>
             <a:picLocks noChangeAspect="1" noChangeArrowheads="1"/>
           </p:cNvPicPr>
@@ -8109,15 +7573,41 @@
         </p:nvPicPr>
         <p:blipFill>
           <a:blip r:embed="rId2"/>
-          <a:srcRect l="14202" t="1546" r="13905" b="4128"/>
+          <a:srcRect l="10000"/>
           <a:stretch>
             <a:fillRect/>
           </a:stretch>
         </p:blipFill>
         <p:spPr bwMode="auto">
           <a:xfrm>
-            <a:off x="2362200" y="3200400"/>
-            <a:ext cx="4553262" cy="3429000"/>
+            <a:off x="5715000" y="3581400"/>
+            <a:ext cx="3429000" cy="2857500"/>
+          </a:xfrm>
+          <a:prstGeom prst="rect">
+            <a:avLst/>
+          </a:prstGeom>
+          <a:noFill/>
+        </p:spPr>
+      </p:pic>
+      <p:pic>
+        <p:nvPicPr>
+          <p:cNvPr id="5" name="Picture 3" descr="C:\Documents and Settings\gpu\Desktop\David Ross\davidrossmastersproject\mastersProject\writeup\figures\2skyPCA.jpg"/>
+          <p:cNvPicPr>
+            <a:picLocks noChangeAspect="1" noChangeArrowheads="1"/>
+          </p:cNvPicPr>
+          <p:nvPr/>
+        </p:nvPicPr>
+        <p:blipFill>
+          <a:blip r:embed="rId3"/>
+          <a:srcRect l="8511"/>
+          <a:stretch>
+            <a:fillRect/>
+          </a:stretch>
+        </p:blipFill>
+        <p:spPr bwMode="auto">
+          <a:xfrm>
+            <a:off x="5715000" y="990600"/>
+            <a:ext cx="3276600" cy="2686050"/>
           </a:xfrm>
           <a:prstGeom prst="rect">
             <a:avLst/>
@@ -8130,13 +7620,6 @@
   <p:clrMapOvr>
     <a:masterClrMapping/>
   </p:clrMapOvr>
-  <p:timing>
-    <p:tnLst>
-      <p:par>
-        <p:cTn id="1" dur="indefinite" restart="never" nodeType="tmRoot"/>
-      </p:par>
-    </p:tnLst>
-  </p:timing>
 </p:sld>
 </file>
 
@@ -8174,7 +7657,7 @@
           <a:p>
             <a:r>
               <a:rPr lang="en-US" dirty="0" smtClean="0"/>
-              <a:t>Overview</a:t>
+              <a:t>Acknowledgement</a:t>
             </a:r>
             <a:endParaRPr lang="en-US" dirty="0"/>
           </a:p>
@@ -8195,7 +7678,75 @@
           <a:bodyPr/>
           <a:lstStyle/>
           <a:p>
-            <a:endParaRPr lang="en-US"/>
+            <a:r>
+              <a:rPr lang="en-US" dirty="0" smtClean="0"/>
+              <a:t>Advisor: </a:t>
+            </a:r>
+          </a:p>
+          <a:p>
+            <a:pPr lvl="1"/>
+            <a:r>
+              <a:rPr lang="en-US" dirty="0" smtClean="0"/>
+              <a:t>Robert </a:t>
+            </a:r>
+            <a:r>
+              <a:rPr lang="en-US" dirty="0" err="1" smtClean="0"/>
+              <a:t>Pless</a:t>
+            </a:r>
+            <a:endParaRPr lang="en-US" dirty="0" smtClean="0"/>
+          </a:p>
+          <a:p>
+            <a:r>
+              <a:rPr lang="en-US" dirty="0" smtClean="0"/>
+              <a:t>Committee: </a:t>
+            </a:r>
+          </a:p>
+          <a:p>
+            <a:pPr lvl="1"/>
+            <a:r>
+              <a:rPr lang="en-US" dirty="0" smtClean="0"/>
+              <a:t>Tao </a:t>
+            </a:r>
+            <a:r>
+              <a:rPr lang="en-US" dirty="0" err="1" smtClean="0"/>
+              <a:t>Ju</a:t>
+            </a:r>
+            <a:endParaRPr lang="en-US" dirty="0" smtClean="0"/>
+          </a:p>
+          <a:p>
+            <a:pPr lvl="1"/>
+            <a:r>
+              <a:rPr lang="en-US" dirty="0" smtClean="0"/>
+              <a:t>Bill Smart</a:t>
+            </a:r>
+          </a:p>
+          <a:p>
+            <a:r>
+              <a:rPr lang="en-US" dirty="0" smtClean="0"/>
+              <a:t>M&amp;M Lab: </a:t>
+            </a:r>
+          </a:p>
+          <a:p>
+            <a:pPr lvl="1"/>
+            <a:r>
+              <a:rPr lang="en-US" dirty="0" smtClean="0"/>
+              <a:t>Nathan Jacobs</a:t>
+            </a:r>
+          </a:p>
+          <a:p>
+            <a:pPr lvl="1"/>
+            <a:r>
+              <a:rPr lang="en-US" dirty="0" smtClean="0"/>
+              <a:t>Michael Dixon</a:t>
+            </a:r>
+          </a:p>
+          <a:p>
+            <a:pPr lvl="1"/>
+            <a:r>
+              <a:rPr lang="en-US" dirty="0" smtClean="0"/>
+              <a:t>and others</a:t>
+            </a:r>
+            <a:endParaRPr lang="en-US" dirty="0"/>
           </a:p>
         </p:txBody>
       </p:sp>
@@ -8204,6 +7755,13 @@
   <p:clrMapOvr>
     <a:masterClrMapping/>
   </p:clrMapOvr>
+  <p:timing>
+    <p:tnLst>
+      <p:par>
+        <p:cTn id="1" dur="indefinite" restart="never" nodeType="tmRoot"/>
+      </p:par>
+    </p:tnLst>
+  </p:timing>
 </p:sld>
 </file>
 
@@ -8241,7 +7799,7 @@
           <a:p>
             <a:r>
               <a:rPr lang="en-US" dirty="0" smtClean="0"/>
-              <a:t>Well-Separated Set</a:t>
+              <a:t>Gradient Magnitude Images</a:t>
             </a:r>
             <a:endParaRPr lang="en-US" dirty="0"/>
           </a:p>
@@ -8262,7 +7820,198 @@
           <a:bodyPr/>
           <a:lstStyle/>
           <a:p>
-            <a:endParaRPr lang="en-US"/>
+            <a:r>
+              <a:rPr lang="en-US" dirty="0" smtClean="0"/>
+              <a:t>Can take the gradient magnitude of images</a:t>
+            </a:r>
+          </a:p>
+          <a:p>
+            <a:pPr lvl="1"/>
+            <a:r>
+              <a:rPr lang="en-US" dirty="0" smtClean="0"/>
+              <a:t>Ignores changes in overall image intensity while retaining the scene structure</a:t>
+            </a:r>
+          </a:p>
+        </p:txBody>
+      </p:sp>
+      <p:pic>
+        <p:nvPicPr>
+          <p:cNvPr id="7170" name="Picture 2" descr="C:\Documents and Settings\gpu\Desktop\David Ross\davidrossmastersproject\mastersProject\writeup\figures\194cars.jpg"/>
+          <p:cNvPicPr>
+            <a:picLocks noChangeAspect="1" noChangeArrowheads="1"/>
+          </p:cNvPicPr>
+          <p:nvPr/>
+        </p:nvPicPr>
+        <p:blipFill>
+          <a:blip r:embed="rId2"/>
+          <a:srcRect l="11429" t="5714" r="7143" b="8571"/>
+          <a:stretch>
+            <a:fillRect/>
+          </a:stretch>
+        </p:blipFill>
+        <p:spPr bwMode="auto">
+          <a:xfrm>
+            <a:off x="914400" y="4572000"/>
+            <a:ext cx="2362200" cy="1864895"/>
+          </a:xfrm>
+          <a:prstGeom prst="rect">
+            <a:avLst/>
+          </a:prstGeom>
+          <a:noFill/>
+        </p:spPr>
+      </p:pic>
+      <p:pic>
+        <p:nvPicPr>
+          <p:cNvPr id="7171" name="Picture 3" descr="C:\Documents and Settings\gpu\Desktop\David Ross\davidrossmastersproject\mastersProject\writeup\figures\194carsGradient.jpg"/>
+          <p:cNvPicPr>
+            <a:picLocks noChangeAspect="1" noChangeArrowheads="1"/>
+          </p:cNvPicPr>
+          <p:nvPr/>
+        </p:nvPicPr>
+        <p:blipFill>
+          <a:blip r:embed="rId3"/>
+          <a:srcRect l="11429" t="5714" r="7143" b="8571"/>
+          <a:stretch>
+            <a:fillRect/>
+          </a:stretch>
+        </p:blipFill>
+        <p:spPr bwMode="auto">
+          <a:xfrm>
+            <a:off x="3657600" y="4572000"/>
+            <a:ext cx="2367280" cy="1868905"/>
+          </a:xfrm>
+          <a:prstGeom prst="rect">
+            <a:avLst/>
+          </a:prstGeom>
+          <a:noFill/>
+        </p:spPr>
+      </p:pic>
+      <p:pic>
+        <p:nvPicPr>
+          <p:cNvPr id="3075" name="Picture 3"/>
+          <p:cNvPicPr>
+            <a:picLocks noChangeAspect="1" noChangeArrowheads="1"/>
+          </p:cNvPicPr>
+          <p:nvPr/>
+        </p:nvPicPr>
+        <p:blipFill>
+          <a:blip r:embed="rId4"/>
+          <a:srcRect/>
+          <a:stretch>
+            <a:fillRect/>
+          </a:stretch>
+        </p:blipFill>
+        <p:spPr bwMode="auto">
+          <a:xfrm>
+            <a:off x="762000" y="3581400"/>
+            <a:ext cx="2895599" cy="363633"/>
+          </a:xfrm>
+          <a:prstGeom prst="rect">
+            <a:avLst/>
+          </a:prstGeom>
+          <a:noFill/>
+          <a:ln w="9525">
+            <a:noFill/>
+            <a:miter lim="800000"/>
+            <a:headEnd/>
+            <a:tailEnd/>
+          </a:ln>
+          <a:effectLst/>
+        </p:spPr>
+      </p:pic>
+      <p:pic>
+        <p:nvPicPr>
+          <p:cNvPr id="3076" name="Picture 4"/>
+          <p:cNvPicPr>
+            <a:picLocks noChangeAspect="1" noChangeArrowheads="1"/>
+          </p:cNvPicPr>
+          <p:nvPr/>
+        </p:nvPicPr>
+        <p:blipFill>
+          <a:blip r:embed="rId5"/>
+          <a:srcRect/>
+          <a:stretch>
+            <a:fillRect/>
+          </a:stretch>
+        </p:blipFill>
+        <p:spPr bwMode="auto">
+          <a:xfrm>
+            <a:off x="4038600" y="3581400"/>
+            <a:ext cx="2753487" cy="314325"/>
+          </a:xfrm>
+          <a:prstGeom prst="rect">
+            <a:avLst/>
+          </a:prstGeom>
+          <a:noFill/>
+          <a:ln w="9525">
+            <a:noFill/>
+            <a:miter lim="800000"/>
+            <a:headEnd/>
+            <a:tailEnd/>
+          </a:ln>
+          <a:effectLst/>
+        </p:spPr>
+      </p:pic>
+      <p:pic>
+        <p:nvPicPr>
+          <p:cNvPr id="3077" name="Picture 5"/>
+          <p:cNvPicPr>
+            <a:picLocks noChangeAspect="1" noChangeArrowheads="1"/>
+          </p:cNvPicPr>
+          <p:nvPr/>
+        </p:nvPicPr>
+        <p:blipFill>
+          <a:blip r:embed="rId6"/>
+          <a:srcRect/>
+          <a:stretch>
+            <a:fillRect/>
+          </a:stretch>
+        </p:blipFill>
+        <p:spPr bwMode="auto">
+          <a:xfrm>
+            <a:off x="762000" y="4038600"/>
+            <a:ext cx="3549650" cy="409575"/>
+          </a:xfrm>
+          <a:prstGeom prst="rect">
+            <a:avLst/>
+          </a:prstGeom>
+          <a:noFill/>
+          <a:ln w="9525">
+            <a:noFill/>
+            <a:miter lim="800000"/>
+            <a:headEnd/>
+            <a:tailEnd/>
+          </a:ln>
+          <a:effectLst/>
+        </p:spPr>
+      </p:pic>
+      <p:sp>
+        <p:nvSpPr>
+          <p:cNvPr id="11" name="TextBox 10"/>
+          <p:cNvSpPr txBox="1"/>
+          <p:nvPr/>
+        </p:nvSpPr>
+        <p:spPr>
+          <a:xfrm>
+            <a:off x="6324600" y="4953000"/>
+            <a:ext cx="2057400" cy="923330"/>
+          </a:xfrm>
+          <a:prstGeom prst="rect">
+            <a:avLst/>
+          </a:prstGeom>
+          <a:noFill/>
+        </p:spPr>
+        <p:txBody>
+          <a:bodyPr wrap="square" rtlCol="0">
+            <a:spAutoFit/>
+          </a:bodyPr>
+          <a:lstStyle/>
+          <a:p>
+            <a:r>
+              <a:rPr lang="en-US" dirty="0" smtClean="0"/>
+              <a:t>Useful in some situations, not in others</a:t>
+            </a:r>
+            <a:endParaRPr lang="en-US" dirty="0"/>
           </a:p>
         </p:txBody>
       </p:sp>
@@ -8313,7 +8062,11 @@
           <a:bodyPr/>
           <a:lstStyle/>
           <a:p>
-            <a:endParaRPr lang="en-US"/>
+            <a:r>
+              <a:rPr lang="en-US" dirty="0" smtClean="0"/>
+              <a:t>How do we display results?</a:t>
+            </a:r>
+            <a:endParaRPr lang="en-US" dirty="0"/>
           </a:p>
         </p:txBody>
       </p:sp>
@@ -8329,16 +8082,80 @@
         </p:nvSpPr>
         <p:spPr/>
         <p:txBody>
-          <a:bodyPr/>
-          <a:lstStyle/>
-          <a:p>
-            <a:endParaRPr lang="en-US"/>
+          <a:bodyPr>
+            <a:normAutofit fontScale="77500" lnSpcReduction="20000"/>
+          </a:bodyPr>
+          <a:lstStyle/>
+          <a:p>
+            <a:r>
+              <a:rPr lang="en-US" dirty="0" smtClean="0"/>
+              <a:t>Image </a:t>
+            </a:r>
+            <a:r>
+              <a:rPr lang="en-US" dirty="0" smtClean="0"/>
+              <a:t>montage – show most interesting images </a:t>
+            </a:r>
+          </a:p>
+          <a:p>
+            <a:pPr lvl="1"/>
+            <a:r>
+              <a:rPr lang="en-US" dirty="0" smtClean="0"/>
+              <a:t>Highest value of some score</a:t>
+            </a:r>
+            <a:endParaRPr lang="en-US" dirty="0" smtClean="0"/>
+          </a:p>
+          <a:p>
+            <a:endParaRPr lang="en-US" dirty="0" smtClean="0"/>
+          </a:p>
+          <a:p>
+            <a:endParaRPr lang="en-US" dirty="0" smtClean="0"/>
+          </a:p>
+          <a:p>
+            <a:endParaRPr lang="en-US" dirty="0" smtClean="0"/>
+          </a:p>
+          <a:p>
+            <a:endParaRPr lang="en-US" dirty="0" smtClean="0"/>
+          </a:p>
+          <a:p>
+            <a:endParaRPr lang="en-US" dirty="0" smtClean="0"/>
+          </a:p>
+          <a:p>
+            <a:endParaRPr lang="en-US" dirty="0" smtClean="0"/>
+          </a:p>
+          <a:p>
+            <a:endParaRPr lang="en-US" dirty="0" smtClean="0"/>
+          </a:p>
+          <a:p>
+            <a:endParaRPr lang="en-US" dirty="0" smtClean="0"/>
+          </a:p>
+          <a:p>
+            <a:pPr>
+              <a:buNone/>
+            </a:pPr>
+            <a:endParaRPr lang="en-US" dirty="0" smtClean="0"/>
+          </a:p>
+          <a:p>
+            <a:r>
+              <a:rPr lang="en-US" dirty="0" smtClean="0"/>
+              <a:t>Well-Separated </a:t>
+            </a:r>
+            <a:r>
+              <a:rPr lang="en-US" dirty="0" smtClean="0"/>
+              <a:t>Set Montage</a:t>
+            </a:r>
+          </a:p>
+          <a:p>
+            <a:r>
+              <a:rPr lang="en-US" dirty="0" smtClean="0"/>
+              <a:t>2D GUI</a:t>
+            </a:r>
+            <a:endParaRPr lang="en-US" dirty="0"/>
           </a:p>
         </p:txBody>
       </p:sp>
       <p:pic>
         <p:nvPicPr>
-          <p:cNvPr id="5122" name="Picture 2" descr="C:\Documents and Settings\gpu\Desktop\David Ross\davidrossmastersproject\mastersProject\writeup\figures\golfMontageSmart.jpg"/>
+          <p:cNvPr id="4098" name="Picture 2" descr="C:\Documents and Settings\gpu\Desktop\David Ross\davidrossmastersproject\mastersProject\writeup\figures\golfMontageNaive.jpg"/>
           <p:cNvPicPr>
             <a:picLocks noChangeAspect="1" noChangeArrowheads="1"/>
           </p:cNvPicPr>
@@ -8346,15 +8163,15 @@
         </p:nvPicPr>
         <p:blipFill>
           <a:blip r:embed="rId2"/>
-          <a:srcRect l="14450" t="1199" r="14676" b="5295"/>
+          <a:srcRect l="14202" t="1546" r="13905" b="4128"/>
           <a:stretch>
             <a:fillRect/>
           </a:stretch>
         </p:blipFill>
         <p:spPr bwMode="auto">
           <a:xfrm>
-            <a:off x="609600" y="762000"/>
-            <a:ext cx="7848600" cy="5943600"/>
+            <a:off x="2438400" y="2895600"/>
+            <a:ext cx="3352800" cy="2524948"/>
           </a:xfrm>
           <a:prstGeom prst="rect">
             <a:avLst/>
@@ -8394,6 +8211,39 @@
           <a:chExt cx="0" cy="0"/>
         </a:xfrm>
       </p:grpSpPr>
+      <p:pic>
+        <p:nvPicPr>
+          <p:cNvPr id="4099" name="Picture 3"/>
+          <p:cNvPicPr>
+            <a:picLocks noChangeAspect="1" noChangeArrowheads="1"/>
+          </p:cNvPicPr>
+          <p:nvPr/>
+        </p:nvPicPr>
+        <p:blipFill>
+          <a:blip r:embed="rId2"/>
+          <a:srcRect/>
+          <a:stretch>
+            <a:fillRect/>
+          </a:stretch>
+        </p:blipFill>
+        <p:spPr bwMode="auto">
+          <a:xfrm>
+            <a:off x="2514600" y="5410200"/>
+            <a:ext cx="3185583" cy="819150"/>
+          </a:xfrm>
+          <a:prstGeom prst="rect">
+            <a:avLst/>
+          </a:prstGeom>
+          <a:noFill/>
+          <a:ln w="9525">
+            <a:noFill/>
+            <a:miter lim="800000"/>
+            <a:headEnd/>
+            <a:tailEnd/>
+          </a:ln>
+          <a:effectLst/>
+        </p:spPr>
+      </p:pic>
       <p:sp>
         <p:nvSpPr>
           <p:cNvPr id="2" name="Title 1"/>
@@ -8411,7 +8261,7 @@
           <a:p>
             <a:r>
               <a:rPr lang="en-US" dirty="0" smtClean="0"/>
-              <a:t>How do we evaluate images?</a:t>
+              <a:t>Well-Separated Set</a:t>
             </a:r>
             <a:endParaRPr lang="en-US" dirty="0"/>
           </a:p>
@@ -8429,30 +8279,109 @@
         </p:nvSpPr>
         <p:spPr/>
         <p:txBody>
-          <a:bodyPr/>
-          <a:lstStyle/>
-          <a:p>
-            <a:r>
-              <a:rPr lang="en-US" dirty="0" smtClean="0"/>
-              <a:t>Coefficient Vector Magnitude</a:t>
-            </a:r>
-          </a:p>
-          <a:p>
-            <a:r>
-              <a:rPr lang="en-US" dirty="0" smtClean="0"/>
-              <a:t>Reconstruction Error</a:t>
-            </a:r>
-          </a:p>
-          <a:p>
-            <a:r>
-              <a:rPr lang="en-US" dirty="0" smtClean="0"/>
-              <a:t>Variance Model</a:t>
-            </a:r>
-          </a:p>
-          <a:p>
-            <a:r>
-              <a:rPr lang="en-US" dirty="0" smtClean="0"/>
-              <a:t>Statistics</a:t>
+          <a:bodyPr>
+            <a:normAutofit fontScale="85000" lnSpcReduction="10000"/>
+          </a:bodyPr>
+          <a:lstStyle/>
+          <a:p>
+            <a:r>
+              <a:rPr lang="en-US" dirty="0" smtClean="0"/>
+              <a:t>Image montages often have similar images </a:t>
+            </a:r>
+          </a:p>
+          <a:p>
+            <a:pPr lvl="1"/>
+            <a:r>
+              <a:rPr lang="en-US" dirty="0" smtClean="0"/>
+              <a:t>same parked cars, same crazy golf course scene</a:t>
+            </a:r>
+          </a:p>
+          <a:p>
+            <a:r>
+              <a:rPr lang="en-US" dirty="0" smtClean="0"/>
+              <a:t>Want to show the n most interesting and unique images</a:t>
+            </a:r>
+          </a:p>
+          <a:p>
+            <a:r>
+              <a:rPr lang="en-US" dirty="0" smtClean="0"/>
+              <a:t>Algorithm:</a:t>
+            </a:r>
+          </a:p>
+          <a:p>
+            <a:pPr lvl="1"/>
+            <a:r>
+              <a:rPr lang="en-US" dirty="0" smtClean="0"/>
+              <a:t>Pick N &gt; n </a:t>
+            </a:r>
+            <a:r>
+              <a:rPr lang="en-US" dirty="0" err="1" smtClean="0"/>
+              <a:t>interseting</a:t>
+            </a:r>
+            <a:r>
+              <a:rPr lang="en-US" dirty="0" smtClean="0"/>
+              <a:t> images to set S</a:t>
+            </a:r>
+          </a:p>
+          <a:p>
+            <a:pPr lvl="1"/>
+            <a:r>
+              <a:rPr lang="en-US" dirty="0" smtClean="0"/>
+              <a:t>Seed with S = {most interesting image}</a:t>
+            </a:r>
+          </a:p>
+          <a:p>
+            <a:pPr lvl="1"/>
+            <a:r>
+              <a:rPr lang="en-US" dirty="0" smtClean="0"/>
+              <a:t>Iterate</a:t>
+            </a:r>
+          </a:p>
+          <a:p>
+            <a:pPr lvl="2"/>
+            <a:r>
+              <a:rPr lang="en-US" dirty="0" smtClean="0"/>
+              <a:t>Create by-pixel difference Matrix D </a:t>
+            </a:r>
+          </a:p>
+          <a:p>
+            <a:pPr lvl="2"/>
+            <a:r>
+              <a:rPr lang="en-US" dirty="0" smtClean="0"/>
+              <a:t>Choose image </a:t>
+            </a:r>
+            <a:r>
+              <a:rPr lang="en-US" dirty="0" err="1" smtClean="0"/>
+              <a:t>i</a:t>
+            </a:r>
+            <a:r>
+              <a:rPr lang="en-US" dirty="0" smtClean="0"/>
+              <a:t> that has highest distance to set S</a:t>
+            </a:r>
+          </a:p>
+          <a:p>
+            <a:pPr lvl="2"/>
+            <a:endParaRPr lang="en-US" dirty="0" smtClean="0"/>
+          </a:p>
+          <a:p>
+            <a:pPr lvl="2"/>
+            <a:r>
+              <a:rPr lang="en-US" dirty="0" smtClean="0"/>
+              <a:t>S  = {S </a:t>
+            </a:r>
+            <a:r>
+              <a:rPr lang="en-US" dirty="0" err="1" smtClean="0"/>
+              <a:t>i</a:t>
+            </a:r>
+            <a:r>
+              <a:rPr lang="en-US" dirty="0" smtClean="0"/>
+              <a:t>}</a:t>
+            </a:r>
+          </a:p>
+          <a:p>
+            <a:r>
+              <a:rPr lang="en-US" dirty="0" smtClean="0"/>
+              <a:t>Used for all montage visualizations</a:t>
             </a:r>
             <a:endParaRPr lang="en-US" dirty="0"/>
           </a:p>
@@ -8505,11 +8434,7 @@
           <a:bodyPr/>
           <a:lstStyle/>
           <a:p>
-            <a:r>
-              <a:rPr lang="en-US" dirty="0" smtClean="0"/>
-              <a:t>PCA Coefficient Vector Magnitude</a:t>
-            </a:r>
-            <a:endParaRPr lang="en-US" dirty="0"/>
+            <a:endParaRPr lang="en-US"/>
           </a:p>
         </p:txBody>
       </p:sp>
@@ -8525,52 +8450,16 @@
         </p:nvSpPr>
         <p:spPr/>
         <p:txBody>
-          <a:bodyPr>
-            <a:normAutofit/>
-          </a:bodyPr>
-          <a:lstStyle/>
-          <a:p>
-            <a:r>
-              <a:rPr lang="en-US" sz="1800" dirty="0" smtClean="0"/>
-              <a:t>D (:,x) ~= U S V(x,</a:t>
-            </a:r>
-            <a:r>
-              <a:rPr lang="en-US" sz="1800" dirty="0" smtClean="0">
-                <a:sym typeface="Wingdings" pitchFamily="2" charset="2"/>
-              </a:rPr>
-              <a:t>:)</a:t>
-            </a:r>
-            <a:endParaRPr lang="en-US" sz="1800" dirty="0" smtClean="0"/>
-          </a:p>
-          <a:p>
-            <a:r>
-              <a:rPr lang="en-US" sz="1800" dirty="0" smtClean="0"/>
-              <a:t>S * V(x,:) is a vector of dimension k corresponding to the linear combination of U columns that best approximates D(:,x)</a:t>
-            </a:r>
-          </a:p>
-          <a:p>
-            <a:r>
-              <a:rPr lang="en-US" sz="1800" dirty="0" smtClean="0"/>
-              <a:t>D is mean subtracted so</a:t>
-            </a:r>
-          </a:p>
-          <a:p>
-            <a:r>
-              <a:rPr lang="en-US" sz="1800" dirty="0" smtClean="0"/>
-              <a:t>||SV(x,:)|| gives a measure of how far from the mean image is each image</a:t>
-            </a:r>
-          </a:p>
-          <a:p>
-            <a:endParaRPr lang="en-US" sz="1800" dirty="0" smtClean="0"/>
-          </a:p>
-          <a:p>
-            <a:endParaRPr lang="en-US" sz="1800" dirty="0" smtClean="0"/>
+          <a:bodyPr/>
+          <a:lstStyle/>
+          <a:p>
+            <a:endParaRPr lang="en-US"/>
           </a:p>
         </p:txBody>
       </p:sp>
       <p:pic>
         <p:nvPicPr>
-          <p:cNvPr id="4" name="Picture 4" descr="C:\Documents and Settings\gpu\Desktop\David Ross\davidrossmastersproject\mastersProject\writeup\figures\vectorMagnitudeMean.jpg"/>
+          <p:cNvPr id="5122" name="Picture 2" descr="C:\Documents and Settings\gpu\Desktop\David Ross\davidrossmastersproject\mastersProject\writeup\figures\golfMontageSmart.jpg"/>
           <p:cNvPicPr>
             <a:picLocks noChangeAspect="1" noChangeArrowheads="1"/>
           </p:cNvPicPr>
@@ -8578,15 +8467,15 @@
         </p:nvPicPr>
         <p:blipFill>
           <a:blip r:embed="rId2"/>
-          <a:srcRect l="12660" t="7234" r="7762" b="10776"/>
+          <a:srcRect l="14450" t="1199" r="14676" b="5295"/>
           <a:stretch>
             <a:fillRect/>
           </a:stretch>
         </p:blipFill>
         <p:spPr bwMode="auto">
           <a:xfrm>
-            <a:off x="2819400" y="3962400"/>
-            <a:ext cx="3352800" cy="2590800"/>
+            <a:off x="609600" y="762000"/>
+            <a:ext cx="7848600" cy="5943600"/>
           </a:xfrm>
           <a:prstGeom prst="rect">
             <a:avLst/>
@@ -8641,7 +8530,11 @@
           <a:bodyPr/>
           <a:lstStyle/>
           <a:p>
-            <a:endParaRPr lang="en-US"/>
+            <a:r>
+              <a:rPr lang="en-US" dirty="0" smtClean="0"/>
+              <a:t>2D GUI</a:t>
+            </a:r>
+            <a:endParaRPr lang="en-US" dirty="0"/>
           </a:p>
         </p:txBody>
       </p:sp>
@@ -8660,13 +8553,17 @@
           <a:bodyPr/>
           <a:lstStyle/>
           <a:p>
-            <a:endParaRPr lang="en-US"/>
+            <a:r>
+              <a:rPr lang="en-US" dirty="0" smtClean="0"/>
+              <a:t>Explore two dimensions at once (example later)</a:t>
+            </a:r>
+            <a:endParaRPr lang="en-US" dirty="0"/>
           </a:p>
         </p:txBody>
       </p:sp>
       <p:pic>
         <p:nvPicPr>
-          <p:cNvPr id="1029" name="Picture 5" descr="C:\Documents and Settings\gpu\Desktop\David Ross\davidrossmastersproject\mastersProject\writeup\figures\vectorMagnitudeMontage.jpg"/>
+          <p:cNvPr id="1026" name="Picture 2" descr="C:\Documents and Settings\gpu\Desktop\David Ross\davidrossmastersproject\mastersProject\writeup\figures\2dGui.jpg"/>
           <p:cNvPicPr>
             <a:picLocks noChangeAspect="1" noChangeArrowheads="1"/>
           </p:cNvPicPr>
@@ -8674,15 +8571,15 @@
         </p:nvPicPr>
         <p:blipFill>
           <a:blip r:embed="rId2"/>
-          <a:srcRect l="16393" t="3256" r="16066" b="5563"/>
+          <a:srcRect l="8787" t="2093" r="7796" b="3517"/>
           <a:stretch>
             <a:fillRect/>
           </a:stretch>
         </p:blipFill>
         <p:spPr bwMode="auto">
           <a:xfrm>
-            <a:off x="457200" y="84337"/>
-            <a:ext cx="8305800" cy="6773663"/>
+            <a:off x="762000" y="2895600"/>
+            <a:ext cx="7086600" cy="3443955"/>
           </a:xfrm>
           <a:prstGeom prst="rect">
             <a:avLst/>
@@ -8739,7 +8636,7 @@
           <a:p>
             <a:r>
               <a:rPr lang="en-US" dirty="0" smtClean="0"/>
-              <a:t>Residual Error</a:t>
+              <a:t>How do we evaluate images?</a:t>
             </a:r>
             <a:endParaRPr lang="en-US" dirty="0"/>
           </a:p>
@@ -8760,36 +8657,32 @@
           <a:bodyPr/>
           <a:lstStyle/>
           <a:p>
-            <a:endParaRPr lang="en-US"/>
-          </a:p>
-        </p:txBody>
-      </p:sp>
-      <p:pic>
-        <p:nvPicPr>
-          <p:cNvPr id="2051" name="Picture 3" descr="C:\Documents and Settings\gpu\Desktop\David Ross\davidrossmastersproject\mastersProject\writeup\figures\residualReconstruction.jpg"/>
-          <p:cNvPicPr>
-            <a:picLocks noChangeAspect="1" noChangeArrowheads="1"/>
-          </p:cNvPicPr>
-          <p:nvPr/>
-        </p:nvPicPr>
-        <p:blipFill>
-          <a:blip r:embed="rId2"/>
-          <a:srcRect/>
-          <a:stretch>
-            <a:fillRect/>
-          </a:stretch>
-        </p:blipFill>
-        <p:spPr bwMode="auto">
-          <a:xfrm>
-            <a:off x="-1676400" y="2133600"/>
-            <a:ext cx="12125325" cy="3648075"/>
-          </a:xfrm>
-          <a:prstGeom prst="rect">
-            <a:avLst/>
-          </a:prstGeom>
-          <a:noFill/>
-        </p:spPr>
-      </p:pic>
+            <a:r>
+              <a:rPr lang="en-US" dirty="0" smtClean="0"/>
+              <a:t>Coefficient Vector Magnitude</a:t>
+            </a:r>
+          </a:p>
+          <a:p>
+            <a:r>
+              <a:rPr lang="en-US" dirty="0" smtClean="0"/>
+              <a:t>Reconstruction Error</a:t>
+            </a:r>
+          </a:p>
+          <a:p>
+            <a:r>
+              <a:rPr lang="en-US" dirty="0" smtClean="0"/>
+              <a:t>Variance Model</a:t>
+            </a:r>
+          </a:p>
+          <a:p>
+            <a:r>
+              <a:rPr lang="en-US" dirty="0" smtClean="0"/>
+              <a:t>Statistics</a:t>
+            </a:r>
+            <a:endParaRPr lang="en-US" dirty="0"/>
+          </a:p>
+        </p:txBody>
+      </p:sp>
     </p:spTree>
   </p:cSld>
   <p:clrMapOvr>
@@ -8839,7 +8732,7 @@
           <a:p>
             <a:r>
               <a:rPr lang="en-US" dirty="0" smtClean="0"/>
-              <a:t>Variance Model</a:t>
+              <a:t>PCA Coefficient Vector Magnitude</a:t>
             </a:r>
             <a:endParaRPr lang="en-US" dirty="0"/>
           </a:p>
@@ -8857,17 +8750,75 @@
         </p:nvSpPr>
         <p:spPr/>
         <p:txBody>
-          <a:bodyPr/>
-          <a:lstStyle/>
-          <a:p>
-            <a:r>
-              <a:rPr lang="en-US" dirty="0" smtClean="0"/>
-              <a:t>Can estimate the variance image of a scene by summing …</a:t>
-            </a:r>
-            <a:endParaRPr lang="en-US" dirty="0"/>
-          </a:p>
-        </p:txBody>
-      </p:sp>
+          <a:bodyPr>
+            <a:normAutofit/>
+          </a:bodyPr>
+          <a:lstStyle/>
+          <a:p>
+            <a:r>
+              <a:rPr lang="en-US" sz="1800" dirty="0" smtClean="0"/>
+              <a:t>D (:,x) ~= U S V(x,</a:t>
+            </a:r>
+            <a:r>
+              <a:rPr lang="en-US" sz="1800" dirty="0" smtClean="0">
+                <a:sym typeface="Wingdings" pitchFamily="2" charset="2"/>
+              </a:rPr>
+              <a:t>:)</a:t>
+            </a:r>
+            <a:endParaRPr lang="en-US" sz="1800" dirty="0" smtClean="0"/>
+          </a:p>
+          <a:p>
+            <a:r>
+              <a:rPr lang="en-US" sz="1800" dirty="0" smtClean="0"/>
+              <a:t>S * V(x,:) is a vector of dimension k corresponding to the linear combination of U columns that best approximates D(:,x)</a:t>
+            </a:r>
+          </a:p>
+          <a:p>
+            <a:r>
+              <a:rPr lang="en-US" sz="1800" dirty="0" smtClean="0"/>
+              <a:t>D is mean subtracted so</a:t>
+            </a:r>
+          </a:p>
+          <a:p>
+            <a:r>
+              <a:rPr lang="en-US" sz="1800" dirty="0" smtClean="0"/>
+              <a:t>||SV(x,:)|| gives a measure of how far from the mean image is each image</a:t>
+            </a:r>
+          </a:p>
+          <a:p>
+            <a:endParaRPr lang="en-US" sz="1800" dirty="0" smtClean="0"/>
+          </a:p>
+          <a:p>
+            <a:endParaRPr lang="en-US" sz="1800" dirty="0" smtClean="0"/>
+          </a:p>
+        </p:txBody>
+      </p:sp>
+      <p:pic>
+        <p:nvPicPr>
+          <p:cNvPr id="4" name="Picture 4" descr="C:\Documents and Settings\gpu\Desktop\David Ross\davidrossmastersproject\mastersProject\writeup\figures\vectorMagnitudeMean.jpg"/>
+          <p:cNvPicPr>
+            <a:picLocks noChangeAspect="1" noChangeArrowheads="1"/>
+          </p:cNvPicPr>
+          <p:nvPr/>
+        </p:nvPicPr>
+        <p:blipFill>
+          <a:blip r:embed="rId2"/>
+          <a:srcRect l="12660" t="7234" r="7762" b="10776"/>
+          <a:stretch>
+            <a:fillRect/>
+          </a:stretch>
+        </p:blipFill>
+        <p:spPr bwMode="auto">
+          <a:xfrm>
+            <a:off x="2819400" y="3962400"/>
+            <a:ext cx="3352800" cy="2590800"/>
+          </a:xfrm>
+          <a:prstGeom prst="rect">
+            <a:avLst/>
+          </a:prstGeom>
+          <a:noFill/>
+        </p:spPr>
+      </p:pic>
     </p:spTree>
   </p:cSld>
   <p:clrMapOvr>
@@ -8900,9 +8851,47 @@
           <a:chExt cx="0" cy="0"/>
         </a:xfrm>
       </p:grpSpPr>
+      <p:sp>
+        <p:nvSpPr>
+          <p:cNvPr id="2" name="Title 1"/>
+          <p:cNvSpPr>
+            <a:spLocks noGrp="1"/>
+          </p:cNvSpPr>
+          <p:nvPr>
+            <p:ph type="title"/>
+          </p:nvPr>
+        </p:nvSpPr>
+        <p:spPr/>
+        <p:txBody>
+          <a:bodyPr/>
+          <a:lstStyle/>
+          <a:p>
+            <a:endParaRPr lang="en-US"/>
+          </a:p>
+        </p:txBody>
+      </p:sp>
+      <p:sp>
+        <p:nvSpPr>
+          <p:cNvPr id="3" name="Content Placeholder 2"/>
+          <p:cNvSpPr>
+            <a:spLocks noGrp="1"/>
+          </p:cNvSpPr>
+          <p:nvPr>
+            <p:ph idx="1"/>
+          </p:nvPr>
+        </p:nvSpPr>
+        <p:spPr/>
+        <p:txBody>
+          <a:bodyPr/>
+          <a:lstStyle/>
+          <a:p>
+            <a:endParaRPr lang="en-US"/>
+          </a:p>
+        </p:txBody>
+      </p:sp>
       <p:pic>
         <p:nvPicPr>
-          <p:cNvPr id="4" name="Picture 2" descr="C:\Documents and Settings\gpu\Desktop\David Ross\davidrossmastersproject\mastersProject\writeup\figures\severalVarianceImages.jpg"/>
+          <p:cNvPr id="1029" name="Picture 5" descr="C:\Documents and Settings\gpu\Desktop\David Ross\davidrossmastersproject\mastersProject\writeup\figures\vectorMagnitudeMontage.jpg"/>
           <p:cNvPicPr>
             <a:picLocks noChangeAspect="1" noChangeArrowheads="1"/>
           </p:cNvPicPr>
@@ -8910,15 +8899,15 @@
         </p:nvPicPr>
         <p:blipFill>
           <a:blip r:embed="rId2"/>
-          <a:srcRect l="10766" t="3030" r="8075" b="8432"/>
+          <a:srcRect l="16393" t="3256" r="16066" b="5563"/>
           <a:stretch>
             <a:fillRect/>
           </a:stretch>
         </p:blipFill>
         <p:spPr bwMode="auto">
           <a:xfrm>
-            <a:off x="990600" y="304800"/>
-            <a:ext cx="7467600" cy="6400800"/>
+            <a:off x="457200" y="84337"/>
+            <a:ext cx="8305800" cy="6773663"/>
           </a:xfrm>
           <a:prstGeom prst="rect">
             <a:avLst/>
@@ -8975,7 +8964,7 @@
           <a:p>
             <a:r>
               <a:rPr lang="en-US" dirty="0" smtClean="0"/>
-              <a:t>Z-score Image</a:t>
+              <a:t>Residual Error</a:t>
             </a:r>
             <a:endParaRPr lang="en-US" dirty="0"/>
           </a:p>
@@ -9002,7 +8991,7 @@
       </p:sp>
       <p:pic>
         <p:nvPicPr>
-          <p:cNvPr id="1026" name="Picture 2" descr="C:\Documents and Settings\gpu\Desktop\David Ross\davidrossmastersproject\mastersProject\writeup\figures\residualZScoreMontage.jpg"/>
+          <p:cNvPr id="2051" name="Picture 3" descr="C:\Documents and Settings\gpu\Desktop\David Ross\davidrossmastersproject\mastersProject\writeup\figures\residualReconstruction.jpg"/>
           <p:cNvPicPr>
             <a:picLocks noChangeAspect="1" noChangeArrowheads="1"/>
           </p:cNvPicPr>
@@ -9017,8 +9006,8 @@
         </p:blipFill>
         <p:spPr bwMode="auto">
           <a:xfrm>
-            <a:off x="1219200" y="2057400"/>
-            <a:ext cx="6781800" cy="5102228"/>
+            <a:off x="-1676400" y="2133600"/>
+            <a:ext cx="12125325" cy="3648075"/>
           </a:xfrm>
           <a:prstGeom prst="rect">
             <a:avLst/>
@@ -9075,7 +9064,7 @@
           <a:p>
             <a:r>
               <a:rPr lang="en-US" dirty="0" smtClean="0"/>
-              <a:t>2D GUI</a:t>
+              <a:t>Variance Model</a:t>
             </a:r>
             <a:endParaRPr lang="en-US" dirty="0"/>
           </a:p>
@@ -9096,36 +9085,14 @@
           <a:bodyPr/>
           <a:lstStyle/>
           <a:p>
-            <a:endParaRPr lang="en-US"/>
-          </a:p>
-        </p:txBody>
-      </p:sp>
-      <p:pic>
-        <p:nvPicPr>
-          <p:cNvPr id="1026" name="Picture 2" descr="C:\Documents and Settings\gpu\Desktop\David Ross\davidrossmastersproject\mastersProject\writeup\figures\2dGui.jpg"/>
-          <p:cNvPicPr>
-            <a:picLocks noChangeAspect="1" noChangeArrowheads="1"/>
-          </p:cNvPicPr>
-          <p:nvPr/>
-        </p:nvPicPr>
-        <p:blipFill>
-          <a:blip r:embed="rId2"/>
-          <a:srcRect l="8787" t="2093" r="7796" b="3517"/>
-          <a:stretch>
-            <a:fillRect/>
-          </a:stretch>
-        </p:blipFill>
-        <p:spPr bwMode="auto">
-          <a:xfrm>
-            <a:off x="457200" y="2286000"/>
-            <a:ext cx="8153400" cy="3962400"/>
-          </a:xfrm>
-          <a:prstGeom prst="rect">
-            <a:avLst/>
-          </a:prstGeom>
-          <a:noFill/>
-        </p:spPr>
-      </p:pic>
+            <a:r>
+              <a:rPr lang="en-US" dirty="0" smtClean="0"/>
+              <a:t>Can estimate the variance image of a scene by summing …</a:t>
+            </a:r>
+            <a:endParaRPr lang="en-US" dirty="0"/>
+          </a:p>
+        </p:txBody>
+      </p:sp>
     </p:spTree>
   </p:cSld>
   <p:clrMapOvr>
@@ -9175,27 +9142,92 @@
           <a:p>
             <a:r>
               <a:rPr lang="en-US" dirty="0" smtClean="0"/>
+              <a:t>Overview</a:t>
+            </a:r>
+            <a:endParaRPr lang="en-US" dirty="0"/>
+          </a:p>
+        </p:txBody>
+      </p:sp>
+      <p:sp>
+        <p:nvSpPr>
+          <p:cNvPr id="3" name="Content Placeholder 2"/>
+          <p:cNvSpPr>
+            <a:spLocks noGrp="1"/>
+          </p:cNvSpPr>
+          <p:nvPr>
+            <p:ph idx="1"/>
+          </p:nvPr>
+        </p:nvSpPr>
+        <p:spPr/>
+        <p:txBody>
+          <a:bodyPr>
+            <a:normAutofit lnSpcReduction="10000"/>
+          </a:bodyPr>
+          <a:lstStyle/>
+          <a:p>
+            <a:r>
+              <a:rPr lang="en-US" dirty="0" smtClean="0"/>
               <a:t>Introduction</a:t>
             </a:r>
-            <a:endParaRPr lang="en-US" dirty="0"/>
-          </a:p>
-        </p:txBody>
-      </p:sp>
-      <p:sp>
-        <p:nvSpPr>
-          <p:cNvPr id="3" name="Content Placeholder 2"/>
-          <p:cNvSpPr>
-            <a:spLocks noGrp="1"/>
-          </p:cNvSpPr>
-          <p:nvPr>
-            <p:ph idx="1"/>
-          </p:nvPr>
-        </p:nvSpPr>
-        <p:spPr/>
-        <p:txBody>
-          <a:bodyPr/>
-          <a:lstStyle/>
-          <a:p>
+          </a:p>
+          <a:p>
+            <a:pPr lvl="1"/>
+            <a:r>
+              <a:rPr lang="en-US" dirty="0" smtClean="0"/>
+              <a:t>Webcams and the AMOS Dataset</a:t>
+            </a:r>
+          </a:p>
+          <a:p>
+            <a:pPr lvl="1"/>
+            <a:r>
+              <a:rPr lang="en-US" dirty="0" smtClean="0"/>
+              <a:t>Problem Motivation</a:t>
+            </a:r>
+          </a:p>
+          <a:p>
+            <a:r>
+              <a:rPr lang="en-US" dirty="0" smtClean="0"/>
+              <a:t>Principal Component Analysis (PCA)</a:t>
+            </a:r>
+          </a:p>
+          <a:p>
+            <a:r>
+              <a:rPr lang="en-US" dirty="0" smtClean="0"/>
+              <a:t>Visualization Tools</a:t>
+            </a:r>
+          </a:p>
+          <a:p>
+            <a:pPr lvl="1"/>
+            <a:r>
+              <a:rPr lang="en-US" dirty="0" smtClean="0"/>
+              <a:t>PCA Input</a:t>
+            </a:r>
+          </a:p>
+          <a:p>
+            <a:pPr lvl="1"/>
+            <a:r>
+              <a:rPr lang="en-US" dirty="0" smtClean="0"/>
+              <a:t>Visualization</a:t>
+            </a:r>
+          </a:p>
+          <a:p>
+            <a:pPr lvl="1"/>
+            <a:r>
+              <a:rPr lang="en-US" dirty="0" smtClean="0"/>
+              <a:t>Evaluations</a:t>
+            </a:r>
+          </a:p>
+          <a:p>
+            <a:r>
+              <a:rPr lang="en-US" dirty="0" smtClean="0"/>
+              <a:t>Conclusion</a:t>
+            </a:r>
+          </a:p>
+          <a:p>
+            <a:r>
+              <a:rPr lang="en-US" dirty="0" smtClean="0"/>
+              <a:t>Future Work</a:t>
+            </a:r>
             <a:endParaRPr lang="en-US" dirty="0"/>
           </a:p>
         </p:txBody>
@@ -9232,69 +9264,25 @@
           <a:chExt cx="0" cy="0"/>
         </a:xfrm>
       </p:grpSpPr>
-      <p:sp>
-        <p:nvSpPr>
-          <p:cNvPr id="2" name="Title 1"/>
-          <p:cNvSpPr>
-            <a:spLocks noGrp="1"/>
-          </p:cNvSpPr>
-          <p:nvPr>
-            <p:ph type="title"/>
-          </p:nvPr>
-        </p:nvSpPr>
-        <p:spPr/>
-        <p:txBody>
-          <a:bodyPr>
-            <a:normAutofit fontScale="90000"/>
-          </a:bodyPr>
-          <a:lstStyle/>
-          <a:p>
-            <a:r>
-              <a:rPr lang="en-US" dirty="0" smtClean="0"/>
-              <a:t>Statistical Distribution of Residual Images</a:t>
-            </a:r>
-            <a:endParaRPr lang="en-US" dirty="0"/>
-          </a:p>
-        </p:txBody>
-      </p:sp>
-      <p:sp>
-        <p:nvSpPr>
-          <p:cNvPr id="3" name="Content Placeholder 2"/>
-          <p:cNvSpPr>
-            <a:spLocks noGrp="1"/>
-          </p:cNvSpPr>
-          <p:nvPr>
-            <p:ph idx="1"/>
-          </p:nvPr>
-        </p:nvSpPr>
-        <p:spPr/>
-        <p:txBody>
-          <a:bodyPr/>
-          <a:lstStyle/>
-          <a:p>
-            <a:endParaRPr lang="en-US" dirty="0"/>
-          </a:p>
-        </p:txBody>
-      </p:sp>
       <p:pic>
         <p:nvPicPr>
-          <p:cNvPr id="1026" name="Picture 2" descr="C:\Documents and Settings\gpu\Desktop\David Ross\davidrossmastersproject\mastersProject\writeup\figures\severalHists2.jpg"/>
+          <p:cNvPr id="4" name="Picture 2" descr="C:\Documents and Settings\gpu\Desktop\David Ross\davidrossmastersproject\mastersProject\writeup\figures\severalVarianceImages.jpg"/>
           <p:cNvPicPr>
             <a:picLocks noChangeAspect="1" noChangeArrowheads="1"/>
           </p:cNvPicPr>
           <p:nvPr/>
         </p:nvPicPr>
         <p:blipFill>
-          <a:blip r:embed="rId3"/>
-          <a:srcRect/>
+          <a:blip r:embed="rId2"/>
+          <a:srcRect l="10766" t="3030" r="8075" b="8432"/>
           <a:stretch>
             <a:fillRect/>
           </a:stretch>
         </p:blipFill>
         <p:spPr bwMode="auto">
           <a:xfrm>
-            <a:off x="1524000" y="2133600"/>
-            <a:ext cx="6705600" cy="4160935"/>
+            <a:off x="990600" y="304800"/>
+            <a:ext cx="7467600" cy="6400800"/>
           </a:xfrm>
           <a:prstGeom prst="rect">
             <a:avLst/>
@@ -9351,7 +9339,7 @@
           <a:p>
             <a:r>
               <a:rPr lang="en-US" dirty="0" smtClean="0"/>
-              <a:t>Normal Distribution</a:t>
+              <a:t>Z-score Image</a:t>
             </a:r>
             <a:endParaRPr lang="en-US" dirty="0"/>
           </a:p>
@@ -9378,7 +9366,7 @@
       </p:sp>
       <p:pic>
         <p:nvPicPr>
-          <p:cNvPr id="3074" name="Picture 2" descr="C:\Documents and Settings\gpu\Desktop\David Ross\davidrossmastersproject\mastersProject\writeup\figures\leastNormal.jpg"/>
+          <p:cNvPr id="1026" name="Picture 2" descr="C:\Documents and Settings\gpu\Desktop\David Ross\davidrossmastersproject\mastersProject\writeup\figures\residualZScoreMontage.jpg"/>
           <p:cNvPicPr>
             <a:picLocks noChangeAspect="1" noChangeArrowheads="1"/>
           </p:cNvPicPr>
@@ -9386,15 +9374,15 @@
         </p:nvPicPr>
         <p:blipFill>
           <a:blip r:embed="rId2"/>
-          <a:srcRect l="6528" t="2810" r="7162" b="4450"/>
+          <a:srcRect/>
           <a:stretch>
             <a:fillRect/>
           </a:stretch>
         </p:blipFill>
         <p:spPr bwMode="auto">
           <a:xfrm>
-            <a:off x="1066800" y="685800"/>
-            <a:ext cx="6858000" cy="5705395"/>
+            <a:off x="1219200" y="2057400"/>
+            <a:ext cx="6781800" cy="5102228"/>
           </a:xfrm>
           <a:prstGeom prst="rect">
             <a:avLst/>
@@ -9446,59 +9434,57 @@
         </p:nvSpPr>
         <p:spPr/>
         <p:txBody>
+          <a:bodyPr>
+            <a:normAutofit fontScale="90000"/>
+          </a:bodyPr>
+          <a:lstStyle/>
+          <a:p>
+            <a:r>
+              <a:rPr lang="en-US" dirty="0" smtClean="0"/>
+              <a:t>Statistical Distribution of Residual Images</a:t>
+            </a:r>
+            <a:endParaRPr lang="en-US" dirty="0"/>
+          </a:p>
+        </p:txBody>
+      </p:sp>
+      <p:sp>
+        <p:nvSpPr>
+          <p:cNvPr id="3" name="Content Placeholder 2"/>
+          <p:cNvSpPr>
+            <a:spLocks noGrp="1"/>
+          </p:cNvSpPr>
+          <p:nvPr>
+            <p:ph idx="1"/>
+          </p:nvPr>
+        </p:nvSpPr>
+        <p:spPr/>
+        <p:txBody>
           <a:bodyPr/>
           <a:lstStyle/>
           <a:p>
-            <a:r>
-              <a:rPr lang="en-US" dirty="0" err="1" smtClean="0"/>
-              <a:t>Laplacian</a:t>
-            </a:r>
-            <a:r>
-              <a:rPr lang="en-US" dirty="0" smtClean="0"/>
-              <a:t> Distribution</a:t>
-            </a:r>
             <a:endParaRPr lang="en-US" dirty="0"/>
-          </a:p>
-        </p:txBody>
-      </p:sp>
-      <p:sp>
-        <p:nvSpPr>
-          <p:cNvPr id="3" name="Content Placeholder 2"/>
-          <p:cNvSpPr>
-            <a:spLocks noGrp="1"/>
-          </p:cNvSpPr>
-          <p:nvPr>
-            <p:ph idx="1"/>
-          </p:nvPr>
-        </p:nvSpPr>
-        <p:spPr/>
-        <p:txBody>
-          <a:bodyPr/>
-          <a:lstStyle/>
-          <a:p>
-            <a:endParaRPr lang="en-US"/>
           </a:p>
         </p:txBody>
       </p:sp>
       <p:pic>
         <p:nvPicPr>
-          <p:cNvPr id="4099" name="Picture 3" descr="C:\Documents and Settings\gpu\Desktop\David Ross\davidrossmastersproject\mastersProject\writeup\figures\leastLaplacian.jpg"/>
+          <p:cNvPr id="1026" name="Picture 2" descr="C:\Documents and Settings\gpu\Desktop\David Ross\davidrossmastersproject\mastersProject\writeup\figures\severalHists2.jpg"/>
           <p:cNvPicPr>
             <a:picLocks noChangeAspect="1" noChangeArrowheads="1"/>
           </p:cNvPicPr>
           <p:nvPr/>
         </p:nvPicPr>
         <p:blipFill>
-          <a:blip r:embed="rId2"/>
-          <a:srcRect l="6089" t="2947" r="6875" b="4313"/>
+          <a:blip r:embed="rId3"/>
+          <a:srcRect/>
           <a:stretch>
             <a:fillRect/>
           </a:stretch>
         </p:blipFill>
         <p:spPr bwMode="auto">
           <a:xfrm>
-            <a:off x="1752600" y="-152400"/>
-            <a:ext cx="9144000" cy="7543800"/>
+            <a:off x="1524000" y="2133600"/>
+            <a:ext cx="6705600" cy="4160935"/>
           </a:xfrm>
           <a:prstGeom prst="rect">
             <a:avLst/>
@@ -9555,11 +9541,7 @@
           <a:p>
             <a:r>
               <a:rPr lang="en-US" dirty="0" smtClean="0"/>
-              <a:t>Bonus – Kurtosis and </a:t>
-            </a:r>
-            <a:r>
-              <a:rPr lang="en-US" dirty="0" err="1" smtClean="0"/>
-              <a:t>Skewness</a:t>
+              <a:t>Normal Distribution</a:t>
             </a:r>
             <a:endParaRPr lang="en-US" dirty="0"/>
           </a:p>
@@ -9584,6 +9566,32 @@
           </a:p>
         </p:txBody>
       </p:sp>
+      <p:pic>
+        <p:nvPicPr>
+          <p:cNvPr id="3074" name="Picture 2" descr="C:\Documents and Settings\gpu\Desktop\David Ross\davidrossmastersproject\mastersProject\writeup\figures\leastNormal.jpg"/>
+          <p:cNvPicPr>
+            <a:picLocks noChangeAspect="1" noChangeArrowheads="1"/>
+          </p:cNvPicPr>
+          <p:nvPr/>
+        </p:nvPicPr>
+        <p:blipFill>
+          <a:blip r:embed="rId2"/>
+          <a:srcRect l="6528" t="2810" r="7162" b="4450"/>
+          <a:stretch>
+            <a:fillRect/>
+          </a:stretch>
+        </p:blipFill>
+        <p:spPr bwMode="auto">
+          <a:xfrm>
+            <a:off x="1066800" y="685800"/>
+            <a:ext cx="6858000" cy="5705395"/>
+          </a:xfrm>
+          <a:prstGeom prst="rect">
+            <a:avLst/>
+          </a:prstGeom>
+          <a:noFill/>
+        </p:spPr>
+      </p:pic>
     </p:spTree>
   </p:cSld>
   <p:clrMapOvr>
@@ -9632,8 +9640,12 @@
           <a:lstStyle/>
           <a:p>
             <a:r>
-              <a:rPr lang="en-US" dirty="0" smtClean="0"/>
-              <a:t>Future Work</a:t>
+              <a:rPr lang="en-US" dirty="0" err="1" smtClean="0"/>
+              <a:t>Laplacian</a:t>
+            </a:r>
+            <a:r>
+              <a:rPr lang="en-US" dirty="0" smtClean="0"/>
+              <a:t> Distribution</a:t>
             </a:r>
             <a:endParaRPr lang="en-US" dirty="0"/>
           </a:p>
@@ -9658,6 +9670,32 @@
           </a:p>
         </p:txBody>
       </p:sp>
+      <p:pic>
+        <p:nvPicPr>
+          <p:cNvPr id="4099" name="Picture 3" descr="C:\Documents and Settings\gpu\Desktop\David Ross\davidrossmastersproject\mastersProject\writeup\figures\leastLaplacian.jpg"/>
+          <p:cNvPicPr>
+            <a:picLocks noChangeAspect="1" noChangeArrowheads="1"/>
+          </p:cNvPicPr>
+          <p:nvPr/>
+        </p:nvPicPr>
+        <p:blipFill>
+          <a:blip r:embed="rId2"/>
+          <a:srcRect l="6089" t="2947" r="6875" b="4313"/>
+          <a:stretch>
+            <a:fillRect/>
+          </a:stretch>
+        </p:blipFill>
+        <p:spPr bwMode="auto">
+          <a:xfrm>
+            <a:off x="1752600" y="-152400"/>
+            <a:ext cx="9144000" cy="7543800"/>
+          </a:xfrm>
+          <a:prstGeom prst="rect">
+            <a:avLst/>
+          </a:prstGeom>
+          <a:noFill/>
+        </p:spPr>
+      </p:pic>
     </p:spTree>
   </p:cSld>
   <p:clrMapOvr>
@@ -9707,6 +9745,225 @@
           <a:p>
             <a:r>
               <a:rPr lang="en-US" dirty="0" smtClean="0"/>
+              <a:t>Bonus – Kurtosis and </a:t>
+            </a:r>
+            <a:r>
+              <a:rPr lang="en-US" dirty="0" err="1" smtClean="0"/>
+              <a:t>Skewness</a:t>
+            </a:r>
+            <a:endParaRPr lang="en-US" dirty="0"/>
+          </a:p>
+        </p:txBody>
+      </p:sp>
+      <p:sp>
+        <p:nvSpPr>
+          <p:cNvPr id="3" name="Content Placeholder 2"/>
+          <p:cNvSpPr>
+            <a:spLocks noGrp="1"/>
+          </p:cNvSpPr>
+          <p:nvPr>
+            <p:ph idx="1"/>
+          </p:nvPr>
+        </p:nvSpPr>
+        <p:spPr/>
+        <p:txBody>
+          <a:bodyPr/>
+          <a:lstStyle/>
+          <a:p>
+            <a:endParaRPr lang="en-US"/>
+          </a:p>
+        </p:txBody>
+      </p:sp>
+    </p:spTree>
+  </p:cSld>
+  <p:clrMapOvr>
+    <a:masterClrMapping/>
+  </p:clrMapOvr>
+  <p:timing>
+    <p:tnLst>
+      <p:par>
+        <p:cTn id="1" dur="indefinite" restart="never" nodeType="tmRoot"/>
+      </p:par>
+    </p:tnLst>
+  </p:timing>
+</p:sld>
+</file>
+
+<file path=ppt/slides/slide36.xml><?xml version="1.0" encoding="utf-8"?>
+<p:sld xmlns:a="http://schemas.openxmlformats.org/drawingml/2006/main" xmlns:r="http://schemas.openxmlformats.org/officeDocument/2006/relationships" xmlns:p="http://schemas.openxmlformats.org/presentationml/2006/main">
+  <p:cSld>
+    <p:spTree>
+      <p:nvGrpSpPr>
+        <p:cNvPr id="1" name=""/>
+        <p:cNvGrpSpPr/>
+        <p:nvPr/>
+      </p:nvGrpSpPr>
+      <p:grpSpPr>
+        <a:xfrm>
+          <a:off x="0" y="0"/>
+          <a:ext cx="0" cy="0"/>
+          <a:chOff x="0" y="0"/>
+          <a:chExt cx="0" cy="0"/>
+        </a:xfrm>
+      </p:grpSpPr>
+      <p:sp>
+        <p:nvSpPr>
+          <p:cNvPr id="2" name="Title 1"/>
+          <p:cNvSpPr>
+            <a:spLocks noGrp="1"/>
+          </p:cNvSpPr>
+          <p:nvPr>
+            <p:ph type="title"/>
+          </p:nvPr>
+        </p:nvSpPr>
+        <p:spPr/>
+        <p:txBody>
+          <a:bodyPr/>
+          <a:lstStyle/>
+          <a:p>
+            <a:r>
+              <a:rPr lang="en-US" dirty="0" smtClean="0"/>
+              <a:t>Conclusion</a:t>
+            </a:r>
+            <a:endParaRPr lang="en-US" dirty="0"/>
+          </a:p>
+        </p:txBody>
+      </p:sp>
+      <p:sp>
+        <p:nvSpPr>
+          <p:cNvPr id="3" name="Content Placeholder 2"/>
+          <p:cNvSpPr>
+            <a:spLocks noGrp="1"/>
+          </p:cNvSpPr>
+          <p:nvPr>
+            <p:ph idx="1"/>
+          </p:nvPr>
+        </p:nvSpPr>
+        <p:spPr/>
+        <p:txBody>
+          <a:bodyPr/>
+          <a:lstStyle/>
+          <a:p>
+            <a:endParaRPr lang="en-US"/>
+          </a:p>
+        </p:txBody>
+      </p:sp>
+    </p:spTree>
+  </p:cSld>
+  <p:clrMapOvr>
+    <a:masterClrMapping/>
+  </p:clrMapOvr>
+</p:sld>
+</file>
+
+<file path=ppt/slides/slide37.xml><?xml version="1.0" encoding="utf-8"?>
+<p:sld xmlns:a="http://schemas.openxmlformats.org/drawingml/2006/main" xmlns:r="http://schemas.openxmlformats.org/officeDocument/2006/relationships" xmlns:p="http://schemas.openxmlformats.org/presentationml/2006/main">
+  <p:cSld>
+    <p:spTree>
+      <p:nvGrpSpPr>
+        <p:cNvPr id="1" name=""/>
+        <p:cNvGrpSpPr/>
+        <p:nvPr/>
+      </p:nvGrpSpPr>
+      <p:grpSpPr>
+        <a:xfrm>
+          <a:off x="0" y="0"/>
+          <a:ext cx="0" cy="0"/>
+          <a:chOff x="0" y="0"/>
+          <a:chExt cx="0" cy="0"/>
+        </a:xfrm>
+      </p:grpSpPr>
+      <p:sp>
+        <p:nvSpPr>
+          <p:cNvPr id="2" name="Title 1"/>
+          <p:cNvSpPr>
+            <a:spLocks noGrp="1"/>
+          </p:cNvSpPr>
+          <p:nvPr>
+            <p:ph type="title"/>
+          </p:nvPr>
+        </p:nvSpPr>
+        <p:spPr/>
+        <p:txBody>
+          <a:bodyPr/>
+          <a:lstStyle/>
+          <a:p>
+            <a:r>
+              <a:rPr lang="en-US" dirty="0" smtClean="0"/>
+              <a:t>Future Work</a:t>
+            </a:r>
+            <a:endParaRPr lang="en-US" dirty="0"/>
+          </a:p>
+        </p:txBody>
+      </p:sp>
+      <p:sp>
+        <p:nvSpPr>
+          <p:cNvPr id="3" name="Content Placeholder 2"/>
+          <p:cNvSpPr>
+            <a:spLocks noGrp="1"/>
+          </p:cNvSpPr>
+          <p:nvPr>
+            <p:ph idx="1"/>
+          </p:nvPr>
+        </p:nvSpPr>
+        <p:spPr/>
+        <p:txBody>
+          <a:bodyPr/>
+          <a:lstStyle/>
+          <a:p>
+            <a:endParaRPr lang="en-US"/>
+          </a:p>
+        </p:txBody>
+      </p:sp>
+    </p:spTree>
+  </p:cSld>
+  <p:clrMapOvr>
+    <a:masterClrMapping/>
+  </p:clrMapOvr>
+  <p:timing>
+    <p:tnLst>
+      <p:par>
+        <p:cTn id="1" dur="indefinite" restart="never" nodeType="tmRoot"/>
+      </p:par>
+    </p:tnLst>
+  </p:timing>
+</p:sld>
+</file>
+
+<file path=ppt/slides/slide38.xml><?xml version="1.0" encoding="utf-8"?>
+<p:sld xmlns:a="http://schemas.openxmlformats.org/drawingml/2006/main" xmlns:r="http://schemas.openxmlformats.org/officeDocument/2006/relationships" xmlns:p="http://schemas.openxmlformats.org/presentationml/2006/main">
+  <p:cSld>
+    <p:spTree>
+      <p:nvGrpSpPr>
+        <p:cNvPr id="1" name=""/>
+        <p:cNvGrpSpPr/>
+        <p:nvPr/>
+      </p:nvGrpSpPr>
+      <p:grpSpPr>
+        <a:xfrm>
+          <a:off x="0" y="0"/>
+          <a:ext cx="0" cy="0"/>
+          <a:chOff x="0" y="0"/>
+          <a:chExt cx="0" cy="0"/>
+        </a:xfrm>
+      </p:grpSpPr>
+      <p:sp>
+        <p:nvSpPr>
+          <p:cNvPr id="2" name="Title 1"/>
+          <p:cNvSpPr>
+            <a:spLocks noGrp="1"/>
+          </p:cNvSpPr>
+          <p:nvPr>
+            <p:ph type="title"/>
+          </p:nvPr>
+        </p:nvSpPr>
+        <p:spPr/>
+        <p:txBody>
+          <a:bodyPr/>
+          <a:lstStyle/>
+          <a:p>
+            <a:r>
+              <a:rPr lang="en-US" dirty="0" smtClean="0"/>
               <a:t>Questions?</a:t>
             </a:r>
             <a:endParaRPr lang="en-US" dirty="0"/>
@@ -9774,19 +10031,14 @@
             <p:ph type="title"/>
           </p:nvPr>
         </p:nvSpPr>
-        <p:spPr>
-          <a:xfrm>
-            <a:off x="457200" y="457200"/>
-            <a:ext cx="8229600" cy="1066800"/>
-          </a:xfrm>
-        </p:spPr>
+        <p:spPr/>
         <p:txBody>
           <a:bodyPr/>
           <a:lstStyle/>
           <a:p>
             <a:r>
               <a:rPr lang="en-US" dirty="0" smtClean="0"/>
-              <a:t>AMOS Dataset</a:t>
+              <a:t>Introduction</a:t>
             </a:r>
             <a:endParaRPr lang="en-US" dirty="0"/>
           </a:p>
@@ -9799,282 +10051,42 @@
             <a:spLocks noGrp="1"/>
           </p:cNvSpPr>
           <p:nvPr>
-            <p:ph sz="quarter" idx="1"/>
-          </p:nvPr>
-        </p:nvSpPr>
-        <p:spPr>
-          <a:xfrm>
-            <a:off x="457200" y="1219200"/>
-            <a:ext cx="8229600" cy="4325112"/>
-          </a:xfrm>
-        </p:spPr>
-        <p:txBody>
-          <a:bodyPr/>
-          <a:lstStyle/>
-          <a:p>
-            <a:r>
-              <a:rPr lang="en-US" i="1" dirty="0" smtClean="0"/>
-              <a:t>The Archive of Many Outdoor Scenes (AMOS)</a:t>
+            <p:ph idx="1"/>
+          </p:nvPr>
+        </p:nvSpPr>
+        <p:spPr/>
+        <p:txBody>
+          <a:bodyPr>
+            <a:normAutofit lnSpcReduction="10000"/>
+          </a:bodyPr>
+          <a:lstStyle/>
+          <a:p>
+            <a:r>
+              <a:rPr lang="en-US" dirty="0" smtClean="0"/>
+              <a:t>Given a static webcam scene, how can we make it easier to understand the variation in the scene?</a:t>
             </a:r>
           </a:p>
           <a:p>
             <a:pPr lvl="1"/>
             <a:r>
               <a:rPr lang="en-US" dirty="0" smtClean="0"/>
-              <a:t>Images from ~1000 static webcams, </a:t>
-            </a:r>
-          </a:p>
-          <a:p>
-            <a:pPr lvl="1"/>
-            <a:r>
-              <a:rPr lang="en-US" dirty="0" smtClean="0"/>
-              <a:t>Every 30 minutes since March 2006.</a:t>
-            </a:r>
-          </a:p>
-          <a:p>
-            <a:pPr lvl="1"/>
-            <a:r>
-              <a:rPr lang="en-US" sz="2800" i="1" dirty="0" smtClean="0">
-                <a:hlinkClick r:id="rId2"/>
-              </a:rPr>
-              <a:t>http://amos.cse.wustl.edu</a:t>
-            </a:r>
-            <a:endParaRPr lang="en-US" sz="2800" i="1" dirty="0" smtClean="0"/>
-          </a:p>
-          <a:p>
-            <a:pPr marL="342900" indent="-342900">
-              <a:spcBef>
-                <a:spcPct val="20000"/>
-              </a:spcBef>
-            </a:pPr>
-            <a:r>
-              <a:rPr lang="en-US" sz="2400" dirty="0" smtClean="0"/>
-              <a:t>Capture variations from fixed cameras</a:t>
-            </a:r>
-          </a:p>
-          <a:p>
-            <a:pPr marL="617220" lvl="1" indent="-342900">
-              <a:spcBef>
-                <a:spcPct val="20000"/>
-              </a:spcBef>
-            </a:pPr>
-            <a:r>
-              <a:rPr lang="en-US" sz="2100" dirty="0" smtClean="0"/>
-              <a:t>Due to lighting (time of day), and </a:t>
-            </a:r>
-          </a:p>
-          <a:p>
-            <a:pPr marL="617220" lvl="1" indent="-342900">
-              <a:spcBef>
-                <a:spcPct val="20000"/>
-              </a:spcBef>
-            </a:pPr>
-            <a:r>
-              <a:rPr lang="en-US" sz="2100" dirty="0" smtClean="0"/>
-              <a:t>Seasonal and weather variations (over a year).</a:t>
-            </a:r>
-          </a:p>
-          <a:p>
-            <a:pPr marL="617220" lvl="1" indent="-342900">
-              <a:spcBef>
-                <a:spcPct val="20000"/>
-              </a:spcBef>
-            </a:pPr>
-            <a:r>
-              <a:rPr lang="en-US" sz="2100" dirty="0" smtClean="0"/>
-              <a:t>From cameras mostly in the USA (a few elsewhere).</a:t>
-            </a:r>
-          </a:p>
-          <a:p>
-            <a:pPr lvl="1"/>
-            <a:endParaRPr lang="en-US" sz="2800" i="1" dirty="0" smtClean="0"/>
+              <a:t>Automatic visualization tools to quickly show interesting variation</a:t>
+            </a:r>
+          </a:p>
+          <a:p>
+            <a:r>
+              <a:rPr lang="en-US" dirty="0" smtClean="0"/>
+              <a:t>Why? Help to maintain and understand massive AMOS Dataset</a:t>
+            </a:r>
+          </a:p>
+          <a:p>
+            <a:r>
+              <a:rPr lang="en-US" dirty="0" smtClean="0"/>
+              <a:t>Use PCA to learn less interesting variation, analyze PCA error to find more interesting variation</a:t>
+            </a:r>
           </a:p>
           <a:p>
             <a:endParaRPr lang="en-US" dirty="0"/>
-          </a:p>
-        </p:txBody>
-      </p:sp>
-      <p:pic>
-        <p:nvPicPr>
-          <p:cNvPr id="10" name="Picture 13" descr="mostUnusual"/>
-          <p:cNvPicPr>
-            <a:picLocks noChangeAspect="1" noChangeArrowheads="1"/>
-          </p:cNvPicPr>
-          <p:nvPr/>
-        </p:nvPicPr>
-        <p:blipFill>
-          <a:blip r:embed="rId3"/>
-          <a:srcRect/>
-          <a:stretch>
-            <a:fillRect/>
-          </a:stretch>
-        </p:blipFill>
-        <p:spPr bwMode="auto">
-          <a:xfrm>
-            <a:off x="838200" y="4743450"/>
-            <a:ext cx="1295400" cy="971550"/>
-          </a:xfrm>
-          <a:prstGeom prst="rect">
-            <a:avLst/>
-          </a:prstGeom>
-          <a:noFill/>
-          <a:ln w="9525">
-            <a:noFill/>
-            <a:miter lim="800000"/>
-            <a:headEnd/>
-            <a:tailEnd/>
-          </a:ln>
-        </p:spPr>
-      </p:pic>
-      <p:pic>
-        <p:nvPicPr>
-          <p:cNvPr id="12" name="Picture 11" descr="http://crunchy.cs.wustl.edu/results/4/current.jpg"/>
-          <p:cNvPicPr>
-            <a:picLocks noChangeAspect="1" noChangeArrowheads="1"/>
-          </p:cNvPicPr>
-          <p:nvPr/>
-        </p:nvPicPr>
-        <p:blipFill>
-          <a:blip r:embed="rId4"/>
-          <a:srcRect/>
-          <a:stretch>
-            <a:fillRect/>
-          </a:stretch>
-        </p:blipFill>
-        <p:spPr bwMode="auto">
-          <a:xfrm>
-            <a:off x="6324600" y="4648200"/>
-            <a:ext cx="2590800" cy="1766454"/>
-          </a:xfrm>
-          <a:prstGeom prst="rect">
-            <a:avLst/>
-          </a:prstGeom>
-          <a:noFill/>
-          <a:ln w="9525">
-            <a:noFill/>
-            <a:miter lim="800000"/>
-            <a:headEnd/>
-            <a:tailEnd/>
-          </a:ln>
-        </p:spPr>
-      </p:pic>
-      <p:pic>
-        <p:nvPicPr>
-          <p:cNvPr id="11" name="Picture 9" descr="mostUnusual"/>
-          <p:cNvPicPr>
-            <a:picLocks noChangeAspect="1" noChangeArrowheads="1"/>
-          </p:cNvPicPr>
-          <p:nvPr/>
-        </p:nvPicPr>
-        <p:blipFill>
-          <a:blip r:embed="rId5"/>
-          <a:srcRect/>
-          <a:stretch>
-            <a:fillRect/>
-          </a:stretch>
-        </p:blipFill>
-        <p:spPr bwMode="auto">
-          <a:xfrm>
-            <a:off x="4038600" y="4648200"/>
-            <a:ext cx="2641600" cy="1981200"/>
-          </a:xfrm>
-          <a:prstGeom prst="rect">
-            <a:avLst/>
-          </a:prstGeom>
-          <a:noFill/>
-          <a:ln w="9525">
-            <a:noFill/>
-            <a:miter lim="800000"/>
-            <a:headEnd/>
-            <a:tailEnd/>
-          </a:ln>
-        </p:spPr>
-      </p:pic>
-      <p:pic>
-        <p:nvPicPr>
-          <p:cNvPr id="7" name="Picture 17" descr="http://crunchy.cs.wustl.edu/results/33/current.jpg"/>
-          <p:cNvPicPr>
-            <a:picLocks noChangeAspect="1" noChangeArrowheads="1"/>
-          </p:cNvPicPr>
-          <p:nvPr/>
-        </p:nvPicPr>
-        <p:blipFill>
-          <a:blip r:embed="rId6"/>
-          <a:srcRect/>
-          <a:stretch>
-            <a:fillRect/>
-          </a:stretch>
-        </p:blipFill>
-        <p:spPr bwMode="auto">
-          <a:xfrm>
-            <a:off x="2286000" y="4724400"/>
-            <a:ext cx="2336800" cy="1752600"/>
-          </a:xfrm>
-          <a:prstGeom prst="rect">
-            <a:avLst/>
-          </a:prstGeom>
-          <a:noFill/>
-          <a:ln w="9525">
-            <a:noFill/>
-            <a:miter lim="800000"/>
-            <a:headEnd/>
-            <a:tailEnd/>
-          </a:ln>
-        </p:spPr>
-      </p:pic>
-      <p:pic>
-        <p:nvPicPr>
-          <p:cNvPr id="9" name="Picture 7" descr="mostUnusual"/>
-          <p:cNvPicPr>
-            <a:picLocks noChangeAspect="1" noChangeArrowheads="1"/>
-          </p:cNvPicPr>
-          <p:nvPr/>
-        </p:nvPicPr>
-        <p:blipFill>
-          <a:blip r:embed="rId7"/>
-          <a:srcRect/>
-          <a:stretch>
-            <a:fillRect/>
-          </a:stretch>
-        </p:blipFill>
-        <p:spPr bwMode="auto">
-          <a:xfrm>
-            <a:off x="1143000" y="5505450"/>
-            <a:ext cx="1295400" cy="971550"/>
-          </a:xfrm>
-          <a:prstGeom prst="rect">
-            <a:avLst/>
-          </a:prstGeom>
-          <a:noFill/>
-          <a:ln w="9525">
-            <a:noFill/>
-            <a:miter lim="800000"/>
-            <a:headEnd/>
-            <a:tailEnd/>
-          </a:ln>
-        </p:spPr>
-      </p:pic>
-      <p:sp>
-        <p:nvSpPr>
-          <p:cNvPr id="13" name="Slide Number Placeholder 12"/>
-          <p:cNvSpPr>
-            <a:spLocks noGrp="1"/>
-          </p:cNvSpPr>
-          <p:nvPr>
-            <p:ph type="sldNum" sz="quarter" idx="12"/>
-          </p:nvPr>
-        </p:nvSpPr>
-        <p:spPr/>
-        <p:txBody>
-          <a:bodyPr/>
-          <a:lstStyle/>
-          <a:p>
-            <a:fld id="{45E96854-6E70-484C-818F-A5764320AC80}" type="slidenum">
-              <a:rPr lang="en-US" smtClean="0"/>
-              <a:pPr/>
-              <a:t>4</a:t>
-            </a:fld>
-            <a:endParaRPr lang="en-US"/>
           </a:p>
         </p:txBody>
       </p:sp>
@@ -10120,19 +10132,14 @@
             <p:ph type="title"/>
           </p:nvPr>
         </p:nvSpPr>
-        <p:spPr>
-          <a:xfrm>
-            <a:off x="381000" y="457200"/>
-            <a:ext cx="8229600" cy="1066800"/>
-          </a:xfrm>
-        </p:spPr>
+        <p:spPr/>
         <p:txBody>
           <a:bodyPr/>
           <a:lstStyle/>
           <a:p>
             <a:r>
               <a:rPr lang="en-US" dirty="0" smtClean="0"/>
-              <a:t>AMOS Dataset</a:t>
+              <a:t>“Interesting” Variation</a:t>
             </a:r>
             <a:endParaRPr lang="en-US" dirty="0"/>
           </a:p>
@@ -10145,317 +10152,73 @@
             <a:spLocks noGrp="1"/>
           </p:cNvSpPr>
           <p:nvPr>
-            <p:ph sz="quarter" idx="1"/>
-          </p:nvPr>
-        </p:nvSpPr>
-        <p:spPr>
-          <a:xfrm>
-            <a:off x="1524000" y="1269332"/>
-            <a:ext cx="2819400" cy="1854868"/>
-          </a:xfrm>
-        </p:spPr>
-        <p:txBody>
-          <a:bodyPr>
-            <a:normAutofit fontScale="92500"/>
-          </a:bodyPr>
-          <a:lstStyle/>
-          <a:p>
-            <a:pPr>
-              <a:buNone/>
-            </a:pPr>
-            <a:r>
-              <a:rPr lang="en-US" dirty="0" smtClean="0"/>
-              <a:t>   3000 webcams</a:t>
-            </a:r>
-          </a:p>
-          <a:p>
-            <a:pPr>
-              <a:buNone/>
-            </a:pPr>
-            <a:r>
-              <a:rPr lang="en-US" smtClean="0"/>
-              <a:t>x            1 </a:t>
-            </a:r>
-            <a:r>
-              <a:rPr lang="en-US" dirty="0" smtClean="0"/>
-              <a:t>years</a:t>
-            </a:r>
-          </a:p>
-          <a:p>
-            <a:pPr>
-              <a:buNone/>
-            </a:pPr>
-            <a:r>
-              <a:rPr lang="en-US" dirty="0" smtClean="0"/>
-              <a:t>35 million images</a:t>
+            <p:ph idx="1"/>
+          </p:nvPr>
+        </p:nvSpPr>
+        <p:spPr/>
+        <p:txBody>
+          <a:bodyPr/>
+          <a:lstStyle/>
+          <a:p>
+            <a:r>
+              <a:rPr lang="en-US" dirty="0" smtClean="0"/>
+              <a:t>Outdoor scenes vary naturally and predictably</a:t>
+            </a:r>
+          </a:p>
+          <a:p>
+            <a:pPr lvl="1"/>
+            <a:r>
+              <a:rPr lang="en-US" dirty="0" smtClean="0"/>
+              <a:t>Day/night</a:t>
+            </a:r>
+          </a:p>
+          <a:p>
+            <a:pPr lvl="1"/>
+            <a:r>
+              <a:rPr lang="en-US" dirty="0" smtClean="0"/>
+              <a:t>Weather</a:t>
+            </a:r>
+          </a:p>
+          <a:p>
+            <a:pPr lvl="1"/>
+            <a:r>
+              <a:rPr lang="en-US" dirty="0" smtClean="0"/>
+              <a:t>Seasonal</a:t>
+            </a:r>
+          </a:p>
+          <a:p>
+            <a:r>
+              <a:rPr lang="en-US" dirty="0" smtClean="0"/>
+              <a:t>Unnatural variation less predictable</a:t>
+            </a:r>
+          </a:p>
+          <a:p>
+            <a:pPr lvl="1"/>
+            <a:r>
+              <a:rPr lang="en-US" dirty="0" smtClean="0"/>
+              <a:t>People, cars, other objects</a:t>
+            </a:r>
+          </a:p>
+          <a:p>
+            <a:pPr lvl="1"/>
+            <a:r>
+              <a:rPr lang="en-US" dirty="0" smtClean="0"/>
+              <a:t>Camera/image variation</a:t>
+            </a:r>
+          </a:p>
+          <a:p>
+            <a:pPr lvl="1"/>
+            <a:r>
+              <a:rPr lang="en-US" dirty="0" smtClean="0"/>
+              <a:t>Scene changes</a:t>
+            </a:r>
+          </a:p>
+          <a:p>
+            <a:r>
+              <a:rPr lang="en-US" dirty="0" smtClean="0"/>
+              <a:t>To understand a scene is to understand the latter</a:t>
             </a:r>
             <a:endParaRPr lang="en-US" dirty="0"/>
-          </a:p>
-        </p:txBody>
-      </p:sp>
-      <p:pic>
-        <p:nvPicPr>
-          <p:cNvPr id="4" name="Picture 3"/>
-          <p:cNvPicPr>
-            <a:picLocks noChangeAspect="1" noChangeArrowheads="1"/>
-          </p:cNvPicPr>
-          <p:nvPr/>
-        </p:nvPicPr>
-        <p:blipFill>
-          <a:blip r:embed="rId2" cstate="print"/>
-          <a:srcRect l="10001" t="8905" r="10001"/>
-          <a:stretch>
-            <a:fillRect/>
-          </a:stretch>
-        </p:blipFill>
-        <p:spPr bwMode="auto">
-          <a:xfrm>
-            <a:off x="0" y="2954338"/>
-            <a:ext cx="9144000" cy="779462"/>
-          </a:xfrm>
-          <a:prstGeom prst="rect">
-            <a:avLst/>
-          </a:prstGeom>
-          <a:noFill/>
-          <a:ln w="9525">
-            <a:noFill/>
-            <a:miter lim="800000"/>
-            <a:headEnd/>
-            <a:tailEnd/>
-          </a:ln>
-        </p:spPr>
-      </p:pic>
-      <p:pic>
-        <p:nvPicPr>
-          <p:cNvPr id="5" name="Picture 4"/>
-          <p:cNvPicPr>
-            <a:picLocks noChangeAspect="1" noChangeArrowheads="1"/>
-          </p:cNvPicPr>
-          <p:nvPr/>
-        </p:nvPicPr>
-        <p:blipFill>
-          <a:blip r:embed="rId3"/>
-          <a:srcRect t="746"/>
-          <a:stretch>
-            <a:fillRect/>
-          </a:stretch>
-        </p:blipFill>
-        <p:spPr bwMode="auto">
-          <a:xfrm>
-            <a:off x="5729288" y="1219200"/>
-            <a:ext cx="1128712" cy="5072063"/>
-          </a:xfrm>
-          <a:prstGeom prst="rect">
-            <a:avLst/>
-          </a:prstGeom>
-          <a:noFill/>
-          <a:ln w="9525">
-            <a:noFill/>
-            <a:miter lim="800000"/>
-            <a:headEnd/>
-            <a:tailEnd/>
-          </a:ln>
-        </p:spPr>
-      </p:pic>
-      <p:sp>
-        <p:nvSpPr>
-          <p:cNvPr id="6" name="Text Box 7"/>
-          <p:cNvSpPr txBox="1">
-            <a:spLocks noChangeArrowheads="1"/>
-          </p:cNvSpPr>
-          <p:nvPr/>
-        </p:nvSpPr>
-        <p:spPr bwMode="auto">
-          <a:xfrm>
-            <a:off x="7239000" y="1752600"/>
-            <a:ext cx="1905000" cy="915988"/>
-          </a:xfrm>
-          <a:prstGeom prst="rect">
-            <a:avLst/>
-          </a:prstGeom>
-          <a:noFill/>
-          <a:ln w="9525">
-            <a:noFill/>
-            <a:miter lim="800000"/>
-            <a:headEnd/>
-            <a:tailEnd/>
-          </a:ln>
-        </p:spPr>
-        <p:txBody>
-          <a:bodyPr>
-            <a:spAutoFit/>
-          </a:bodyPr>
-          <a:lstStyle/>
-          <a:p>
-            <a:r>
-              <a:rPr lang="en-US" dirty="0"/>
-              <a:t>Variations </a:t>
-            </a:r>
-          </a:p>
-          <a:p>
-            <a:r>
-              <a:rPr lang="en-US" dirty="0"/>
-              <a:t>over a year and  over a day </a:t>
-            </a:r>
-          </a:p>
-        </p:txBody>
-      </p:sp>
-      <p:sp>
-        <p:nvSpPr>
-          <p:cNvPr id="7" name="Line 8"/>
-          <p:cNvSpPr>
-            <a:spLocks noChangeShapeType="1"/>
-          </p:cNvSpPr>
-          <p:nvPr/>
-        </p:nvSpPr>
-        <p:spPr bwMode="auto">
-          <a:xfrm flipH="1">
-            <a:off x="6858000" y="2209800"/>
-            <a:ext cx="381000" cy="0"/>
-          </a:xfrm>
-          <a:prstGeom prst="line">
-            <a:avLst/>
-          </a:prstGeom>
-          <a:noFill/>
-          <a:ln w="9525">
-            <a:solidFill>
-              <a:schemeClr val="tx1"/>
-            </a:solidFill>
-            <a:round/>
-            <a:headEnd/>
-            <a:tailEnd type="triangle" w="med" len="med"/>
-          </a:ln>
-        </p:spPr>
-        <p:txBody>
-          <a:bodyPr/>
-          <a:lstStyle/>
-          <a:p>
-            <a:endParaRPr lang="en-US"/>
-          </a:p>
-        </p:txBody>
-      </p:sp>
-      <p:sp>
-        <p:nvSpPr>
-          <p:cNvPr id="8" name="Line 9"/>
-          <p:cNvSpPr>
-            <a:spLocks noChangeShapeType="1"/>
-          </p:cNvSpPr>
-          <p:nvPr/>
-        </p:nvSpPr>
-        <p:spPr bwMode="auto">
-          <a:xfrm>
-            <a:off x="7848600" y="2590800"/>
-            <a:ext cx="0" cy="533400"/>
-          </a:xfrm>
-          <a:prstGeom prst="line">
-            <a:avLst/>
-          </a:prstGeom>
-          <a:noFill/>
-          <a:ln w="9525">
-            <a:solidFill>
-              <a:schemeClr val="tx1"/>
-            </a:solidFill>
-            <a:round/>
-            <a:headEnd/>
-            <a:tailEnd type="triangle" w="med" len="med"/>
-          </a:ln>
-        </p:spPr>
-        <p:txBody>
-          <a:bodyPr/>
-          <a:lstStyle/>
-          <a:p>
-            <a:endParaRPr lang="en-US"/>
-          </a:p>
-        </p:txBody>
-      </p:sp>
-      <p:cxnSp>
-        <p:nvCxnSpPr>
-          <p:cNvPr id="11" name="Straight Connector 10"/>
-          <p:cNvCxnSpPr/>
-          <p:nvPr/>
-        </p:nvCxnSpPr>
-        <p:spPr>
-          <a:xfrm>
-            <a:off x="1676400" y="2209800"/>
-            <a:ext cx="2286000" cy="1536"/>
-          </a:xfrm>
-          <a:prstGeom prst="line">
-            <a:avLst/>
-          </a:prstGeom>
-          <a:ln w="28575">
-            <a:solidFill>
-              <a:schemeClr val="tx1"/>
-            </a:solidFill>
-          </a:ln>
-        </p:spPr>
-        <p:style>
-          <a:lnRef idx="1">
-            <a:schemeClr val="accent1"/>
-          </a:lnRef>
-          <a:fillRef idx="0">
-            <a:schemeClr val="accent1"/>
-          </a:fillRef>
-          <a:effectRef idx="0">
-            <a:schemeClr val="accent1"/>
-          </a:effectRef>
-          <a:fontRef idx="minor">
-            <a:schemeClr val="tx1"/>
-          </a:fontRef>
-        </p:style>
-      </p:cxnSp>
-      <p:pic>
-        <p:nvPicPr>
-          <p:cNvPr id="18" name="Picture 6"/>
-          <p:cNvPicPr>
-            <a:picLocks noChangeAspect="1" noChangeArrowheads="1"/>
-          </p:cNvPicPr>
-          <p:nvPr/>
-        </p:nvPicPr>
-        <p:blipFill>
-          <a:blip r:embed="rId4"/>
-          <a:srcRect/>
-          <a:stretch>
-            <a:fillRect/>
-          </a:stretch>
-        </p:blipFill>
-        <p:spPr bwMode="auto">
-          <a:xfrm>
-            <a:off x="1447800" y="4724400"/>
-            <a:ext cx="3421363" cy="1600200"/>
-          </a:xfrm>
-          <a:prstGeom prst="rect">
-            <a:avLst/>
-          </a:prstGeom>
-          <a:noFill/>
-          <a:ln w="9525">
-            <a:noFill/>
-            <a:miter lim="800000"/>
-            <a:headEnd/>
-            <a:tailEnd/>
-          </a:ln>
-        </p:spPr>
-      </p:pic>
-      <p:sp>
-        <p:nvSpPr>
-          <p:cNvPr id="12" name="Slide Number Placeholder 11"/>
-          <p:cNvSpPr>
-            <a:spLocks noGrp="1"/>
-          </p:cNvSpPr>
-          <p:nvPr>
-            <p:ph type="sldNum" sz="quarter" idx="12"/>
-          </p:nvPr>
-        </p:nvSpPr>
-        <p:spPr/>
-        <p:txBody>
-          <a:bodyPr/>
-          <a:lstStyle/>
-          <a:p>
-            <a:fld id="{45E96854-6E70-484C-818F-A5764320AC80}" type="slidenum">
-              <a:rPr lang="en-US" smtClean="0"/>
-              <a:pPr/>
-              <a:t>5</a:t>
-            </a:fld>
-            <a:endParaRPr lang="en-US"/>
           </a:p>
         </p:txBody>
       </p:sp>
@@ -10501,57 +10264,307 @@
             <p:ph type="title"/>
           </p:nvPr>
         </p:nvSpPr>
+        <p:spPr>
+          <a:xfrm>
+            <a:off x="457200" y="457200"/>
+            <a:ext cx="8229600" cy="1066800"/>
+          </a:xfrm>
+        </p:spPr>
+        <p:txBody>
+          <a:bodyPr/>
+          <a:lstStyle/>
+          <a:p>
+            <a:r>
+              <a:rPr lang="en-US" dirty="0" smtClean="0"/>
+              <a:t>AMOS Dataset</a:t>
+            </a:r>
+            <a:endParaRPr lang="en-US" dirty="0"/>
+          </a:p>
+        </p:txBody>
+      </p:sp>
+      <p:sp>
+        <p:nvSpPr>
+          <p:cNvPr id="3" name="Content Placeholder 2"/>
+          <p:cNvSpPr>
+            <a:spLocks noGrp="1"/>
+          </p:cNvSpPr>
+          <p:nvPr>
+            <p:ph sz="quarter" idx="1"/>
+          </p:nvPr>
+        </p:nvSpPr>
+        <p:spPr>
+          <a:xfrm>
+            <a:off x="457200" y="1219200"/>
+            <a:ext cx="8229600" cy="4325112"/>
+          </a:xfrm>
+        </p:spPr>
+        <p:txBody>
+          <a:bodyPr/>
+          <a:lstStyle/>
+          <a:p>
+            <a:r>
+              <a:rPr lang="en-US" i="1" dirty="0" smtClean="0"/>
+              <a:t>The Archive of Many Outdoor Scenes (AMOS)</a:t>
+            </a:r>
+          </a:p>
+          <a:p>
+            <a:pPr lvl="1"/>
+            <a:r>
+              <a:rPr lang="en-US" dirty="0" smtClean="0"/>
+              <a:t>Images from ~1000 static webcams, </a:t>
+            </a:r>
+          </a:p>
+          <a:p>
+            <a:pPr lvl="1"/>
+            <a:r>
+              <a:rPr lang="en-US" dirty="0" smtClean="0"/>
+              <a:t>Every 30 minutes since March 2006.</a:t>
+            </a:r>
+          </a:p>
+          <a:p>
+            <a:pPr lvl="1"/>
+            <a:r>
+              <a:rPr lang="en-US" sz="2800" i="1" dirty="0" smtClean="0">
+                <a:hlinkClick r:id="rId2"/>
+              </a:rPr>
+              <a:t>http://amos.cse.wustl.edu</a:t>
+            </a:r>
+            <a:endParaRPr lang="en-US" sz="2800" i="1" dirty="0" smtClean="0"/>
+          </a:p>
+          <a:p>
+            <a:pPr marL="342900" indent="-342900">
+              <a:spcBef>
+                <a:spcPct val="20000"/>
+              </a:spcBef>
+            </a:pPr>
+            <a:r>
+              <a:rPr lang="en-US" sz="2400" dirty="0" smtClean="0"/>
+              <a:t>Capture variations from fixed cameras</a:t>
+            </a:r>
+          </a:p>
+          <a:p>
+            <a:pPr marL="617220" lvl="1" indent="-342900">
+              <a:spcBef>
+                <a:spcPct val="20000"/>
+              </a:spcBef>
+            </a:pPr>
+            <a:r>
+              <a:rPr lang="en-US" sz="2100" dirty="0" smtClean="0"/>
+              <a:t>Due to lighting (time of day), and </a:t>
+            </a:r>
+          </a:p>
+          <a:p>
+            <a:pPr marL="617220" lvl="1" indent="-342900">
+              <a:spcBef>
+                <a:spcPct val="20000"/>
+              </a:spcBef>
+            </a:pPr>
+            <a:r>
+              <a:rPr lang="en-US" sz="2100" dirty="0" smtClean="0"/>
+              <a:t>Seasonal and weather variations (over a year).</a:t>
+            </a:r>
+          </a:p>
+          <a:p>
+            <a:pPr marL="617220" lvl="1" indent="-342900">
+              <a:spcBef>
+                <a:spcPct val="20000"/>
+              </a:spcBef>
+            </a:pPr>
+            <a:r>
+              <a:rPr lang="en-US" sz="2100" dirty="0" smtClean="0"/>
+              <a:t>From cameras mostly in the USA (a few elsewhere).</a:t>
+            </a:r>
+          </a:p>
+          <a:p>
+            <a:pPr lvl="1"/>
+            <a:endParaRPr lang="en-US" sz="2800" i="1" dirty="0" smtClean="0"/>
+          </a:p>
+          <a:p>
+            <a:endParaRPr lang="en-US" dirty="0"/>
+          </a:p>
+        </p:txBody>
+      </p:sp>
+      <p:pic>
+        <p:nvPicPr>
+          <p:cNvPr id="10" name="Picture 13" descr="mostUnusual"/>
+          <p:cNvPicPr>
+            <a:picLocks noChangeAspect="1" noChangeArrowheads="1"/>
+          </p:cNvPicPr>
+          <p:nvPr/>
+        </p:nvPicPr>
+        <p:blipFill>
+          <a:blip r:embed="rId3"/>
+          <a:srcRect/>
+          <a:stretch>
+            <a:fillRect/>
+          </a:stretch>
+        </p:blipFill>
+        <p:spPr bwMode="auto">
+          <a:xfrm>
+            <a:off x="838200" y="4743450"/>
+            <a:ext cx="1295400" cy="971550"/>
+          </a:xfrm>
+          <a:prstGeom prst="rect">
+            <a:avLst/>
+          </a:prstGeom>
+          <a:noFill/>
+          <a:ln w="9525">
+            <a:noFill/>
+            <a:miter lim="800000"/>
+            <a:headEnd/>
+            <a:tailEnd/>
+          </a:ln>
+        </p:spPr>
+      </p:pic>
+      <p:pic>
+        <p:nvPicPr>
+          <p:cNvPr id="12" name="Picture 11" descr="http://crunchy.cs.wustl.edu/results/4/current.jpg"/>
+          <p:cNvPicPr>
+            <a:picLocks noChangeAspect="1" noChangeArrowheads="1"/>
+          </p:cNvPicPr>
+          <p:nvPr/>
+        </p:nvPicPr>
+        <p:blipFill>
+          <a:blip r:embed="rId4"/>
+          <a:srcRect/>
+          <a:stretch>
+            <a:fillRect/>
+          </a:stretch>
+        </p:blipFill>
+        <p:spPr bwMode="auto">
+          <a:xfrm>
+            <a:off x="6324600" y="4648200"/>
+            <a:ext cx="2590800" cy="1766454"/>
+          </a:xfrm>
+          <a:prstGeom prst="rect">
+            <a:avLst/>
+          </a:prstGeom>
+          <a:noFill/>
+          <a:ln w="9525">
+            <a:noFill/>
+            <a:miter lim="800000"/>
+            <a:headEnd/>
+            <a:tailEnd/>
+          </a:ln>
+        </p:spPr>
+      </p:pic>
+      <p:pic>
+        <p:nvPicPr>
+          <p:cNvPr id="11" name="Picture 9" descr="mostUnusual"/>
+          <p:cNvPicPr>
+            <a:picLocks noChangeAspect="1" noChangeArrowheads="1"/>
+          </p:cNvPicPr>
+          <p:nvPr/>
+        </p:nvPicPr>
+        <p:blipFill>
+          <a:blip r:embed="rId5"/>
+          <a:srcRect/>
+          <a:stretch>
+            <a:fillRect/>
+          </a:stretch>
+        </p:blipFill>
+        <p:spPr bwMode="auto">
+          <a:xfrm>
+            <a:off x="4038600" y="4648200"/>
+            <a:ext cx="2641600" cy="1981200"/>
+          </a:xfrm>
+          <a:prstGeom prst="rect">
+            <a:avLst/>
+          </a:prstGeom>
+          <a:noFill/>
+          <a:ln w="9525">
+            <a:noFill/>
+            <a:miter lim="800000"/>
+            <a:headEnd/>
+            <a:tailEnd/>
+          </a:ln>
+        </p:spPr>
+      </p:pic>
+      <p:pic>
+        <p:nvPicPr>
+          <p:cNvPr id="7" name="Picture 17" descr="http://crunchy.cs.wustl.edu/results/33/current.jpg"/>
+          <p:cNvPicPr>
+            <a:picLocks noChangeAspect="1" noChangeArrowheads="1"/>
+          </p:cNvPicPr>
+          <p:nvPr/>
+        </p:nvPicPr>
+        <p:blipFill>
+          <a:blip r:embed="rId6"/>
+          <a:srcRect/>
+          <a:stretch>
+            <a:fillRect/>
+          </a:stretch>
+        </p:blipFill>
+        <p:spPr bwMode="auto">
+          <a:xfrm>
+            <a:off x="2286000" y="4724400"/>
+            <a:ext cx="2336800" cy="1752600"/>
+          </a:xfrm>
+          <a:prstGeom prst="rect">
+            <a:avLst/>
+          </a:prstGeom>
+          <a:noFill/>
+          <a:ln w="9525">
+            <a:noFill/>
+            <a:miter lim="800000"/>
+            <a:headEnd/>
+            <a:tailEnd/>
+          </a:ln>
+        </p:spPr>
+      </p:pic>
+      <p:pic>
+        <p:nvPicPr>
+          <p:cNvPr id="9" name="Picture 7" descr="mostUnusual"/>
+          <p:cNvPicPr>
+            <a:picLocks noChangeAspect="1" noChangeArrowheads="1"/>
+          </p:cNvPicPr>
+          <p:nvPr/>
+        </p:nvPicPr>
+        <p:blipFill>
+          <a:blip r:embed="rId7"/>
+          <a:srcRect/>
+          <a:stretch>
+            <a:fillRect/>
+          </a:stretch>
+        </p:blipFill>
+        <p:spPr bwMode="auto">
+          <a:xfrm>
+            <a:off x="1143000" y="5505450"/>
+            <a:ext cx="1295400" cy="971550"/>
+          </a:xfrm>
+          <a:prstGeom prst="rect">
+            <a:avLst/>
+          </a:prstGeom>
+          <a:noFill/>
+          <a:ln w="9525">
+            <a:noFill/>
+            <a:miter lim="800000"/>
+            <a:headEnd/>
+            <a:tailEnd/>
+          </a:ln>
+        </p:spPr>
+      </p:pic>
+      <p:sp>
+        <p:nvSpPr>
+          <p:cNvPr id="13" name="Slide Number Placeholder 12"/>
+          <p:cNvSpPr>
+            <a:spLocks noGrp="1"/>
+          </p:cNvSpPr>
+          <p:nvPr>
+            <p:ph type="sldNum" sz="quarter" idx="12"/>
+          </p:nvPr>
+        </p:nvSpPr>
         <p:spPr/>
         <p:txBody>
           <a:bodyPr/>
           <a:lstStyle/>
           <a:p>
-            <a:r>
-              <a:rPr lang="en-US" dirty="0" smtClean="0"/>
-              <a:t>The Project</a:t>
-            </a:r>
-            <a:endParaRPr lang="en-US" dirty="0"/>
-          </a:p>
-        </p:txBody>
-      </p:sp>
-      <p:sp>
-        <p:nvSpPr>
-          <p:cNvPr id="3" name="Content Placeholder 2"/>
-          <p:cNvSpPr>
-            <a:spLocks noGrp="1"/>
-          </p:cNvSpPr>
-          <p:nvPr>
-            <p:ph idx="1"/>
-          </p:nvPr>
-        </p:nvSpPr>
-        <p:spPr/>
-        <p:txBody>
-          <a:bodyPr/>
-          <a:lstStyle/>
-          <a:p>
-            <a:r>
-              <a:rPr lang="en-US" dirty="0" smtClean="0"/>
-              <a:t>Have many webcams, want interesting variants</a:t>
-            </a:r>
-          </a:p>
-          <a:p>
-            <a:r>
-              <a:rPr lang="en-US" dirty="0" smtClean="0"/>
-              <a:t>Too many to go through manually</a:t>
-            </a:r>
-          </a:p>
-          <a:p>
-            <a:r>
-              <a:rPr lang="en-US" dirty="0" smtClean="0"/>
-              <a:t>PCA learns consistent variation</a:t>
-            </a:r>
-          </a:p>
-          <a:p>
-            <a:r>
-              <a:rPr lang="en-US" dirty="0" smtClean="0"/>
-              <a:t>PCA error =&gt; interesting variation… (interesting == inconsistent?)</a:t>
-            </a:r>
-            <a:endParaRPr lang="en-US" dirty="0"/>
+            <a:fld id="{45E96854-6E70-484C-818F-A5764320AC80}" type="slidenum">
+              <a:rPr lang="en-US" smtClean="0"/>
+              <a:pPr/>
+              <a:t>6</a:t>
+            </a:fld>
+            <a:endParaRPr lang="en-US"/>
           </a:p>
         </p:txBody>
       </p:sp>
@@ -10597,45 +10610,342 @@
             <p:ph type="title"/>
           </p:nvPr>
         </p:nvSpPr>
+        <p:spPr>
+          <a:xfrm>
+            <a:off x="381000" y="457200"/>
+            <a:ext cx="8229600" cy="1066800"/>
+          </a:xfrm>
+        </p:spPr>
+        <p:txBody>
+          <a:bodyPr/>
+          <a:lstStyle/>
+          <a:p>
+            <a:r>
+              <a:rPr lang="en-US" dirty="0" smtClean="0"/>
+              <a:t>AMOS Dataset</a:t>
+            </a:r>
+            <a:endParaRPr lang="en-US" dirty="0"/>
+          </a:p>
+        </p:txBody>
+      </p:sp>
+      <p:sp>
+        <p:nvSpPr>
+          <p:cNvPr id="3" name="Content Placeholder 2"/>
+          <p:cNvSpPr>
+            <a:spLocks noGrp="1"/>
+          </p:cNvSpPr>
+          <p:nvPr>
+            <p:ph sz="quarter" idx="1"/>
+          </p:nvPr>
+        </p:nvSpPr>
+        <p:spPr>
+          <a:xfrm>
+            <a:off x="1524000" y="1269332"/>
+            <a:ext cx="2819400" cy="1854868"/>
+          </a:xfrm>
+        </p:spPr>
+        <p:txBody>
+          <a:bodyPr>
+            <a:normAutofit fontScale="92500"/>
+          </a:bodyPr>
+          <a:lstStyle/>
+          <a:p>
+            <a:pPr>
+              <a:buNone/>
+            </a:pPr>
+            <a:r>
+              <a:rPr lang="en-US" dirty="0" smtClean="0"/>
+              <a:t>   3000 webcams</a:t>
+            </a:r>
+          </a:p>
+          <a:p>
+            <a:pPr>
+              <a:buNone/>
+            </a:pPr>
+            <a:r>
+              <a:rPr lang="en-US" smtClean="0"/>
+              <a:t>x            1 </a:t>
+            </a:r>
+            <a:r>
+              <a:rPr lang="en-US" dirty="0" smtClean="0"/>
+              <a:t>years</a:t>
+            </a:r>
+          </a:p>
+          <a:p>
+            <a:pPr>
+              <a:buNone/>
+            </a:pPr>
+            <a:r>
+              <a:rPr lang="en-US" dirty="0" smtClean="0"/>
+              <a:t>35 million images</a:t>
+            </a:r>
+            <a:endParaRPr lang="en-US" dirty="0"/>
+          </a:p>
+        </p:txBody>
+      </p:sp>
+      <p:pic>
+        <p:nvPicPr>
+          <p:cNvPr id="4" name="Picture 3"/>
+          <p:cNvPicPr>
+            <a:picLocks noChangeAspect="1" noChangeArrowheads="1"/>
+          </p:cNvPicPr>
+          <p:nvPr/>
+        </p:nvPicPr>
+        <p:blipFill>
+          <a:blip r:embed="rId2" cstate="print"/>
+          <a:srcRect l="10001" t="8905" r="10001"/>
+          <a:stretch>
+            <a:fillRect/>
+          </a:stretch>
+        </p:blipFill>
+        <p:spPr bwMode="auto">
+          <a:xfrm>
+            <a:off x="0" y="2954338"/>
+            <a:ext cx="9144000" cy="779462"/>
+          </a:xfrm>
+          <a:prstGeom prst="rect">
+            <a:avLst/>
+          </a:prstGeom>
+          <a:noFill/>
+          <a:ln w="9525">
+            <a:noFill/>
+            <a:miter lim="800000"/>
+            <a:headEnd/>
+            <a:tailEnd/>
+          </a:ln>
+        </p:spPr>
+      </p:pic>
+      <p:pic>
+        <p:nvPicPr>
+          <p:cNvPr id="5" name="Picture 4"/>
+          <p:cNvPicPr>
+            <a:picLocks noChangeAspect="1" noChangeArrowheads="1"/>
+          </p:cNvPicPr>
+          <p:nvPr/>
+        </p:nvPicPr>
+        <p:blipFill>
+          <a:blip r:embed="rId3"/>
+          <a:srcRect t="746"/>
+          <a:stretch>
+            <a:fillRect/>
+          </a:stretch>
+        </p:blipFill>
+        <p:spPr bwMode="auto">
+          <a:xfrm>
+            <a:off x="5729288" y="1219200"/>
+            <a:ext cx="1128712" cy="5072063"/>
+          </a:xfrm>
+          <a:prstGeom prst="rect">
+            <a:avLst/>
+          </a:prstGeom>
+          <a:noFill/>
+          <a:ln w="9525">
+            <a:noFill/>
+            <a:miter lim="800000"/>
+            <a:headEnd/>
+            <a:tailEnd/>
+          </a:ln>
+        </p:spPr>
+      </p:pic>
+      <p:sp>
+        <p:nvSpPr>
+          <p:cNvPr id="6" name="Text Box 7"/>
+          <p:cNvSpPr txBox="1">
+            <a:spLocks noChangeArrowheads="1"/>
+          </p:cNvSpPr>
+          <p:nvPr/>
+        </p:nvSpPr>
+        <p:spPr bwMode="auto">
+          <a:xfrm>
+            <a:off x="7239000" y="1752600"/>
+            <a:ext cx="1905000" cy="915988"/>
+          </a:xfrm>
+          <a:prstGeom prst="rect">
+            <a:avLst/>
+          </a:prstGeom>
+          <a:noFill/>
+          <a:ln w="9525">
+            <a:noFill/>
+            <a:miter lim="800000"/>
+            <a:headEnd/>
+            <a:tailEnd/>
+          </a:ln>
+        </p:spPr>
+        <p:txBody>
+          <a:bodyPr>
+            <a:spAutoFit/>
+          </a:bodyPr>
+          <a:lstStyle/>
+          <a:p>
+            <a:r>
+              <a:rPr lang="en-US" dirty="0"/>
+              <a:t>Variations </a:t>
+            </a:r>
+          </a:p>
+          <a:p>
+            <a:r>
+              <a:rPr lang="en-US" dirty="0"/>
+              <a:t>over a year and  over a day </a:t>
+            </a:r>
+          </a:p>
+        </p:txBody>
+      </p:sp>
+      <p:sp>
+        <p:nvSpPr>
+          <p:cNvPr id="7" name="Line 8"/>
+          <p:cNvSpPr>
+            <a:spLocks noChangeShapeType="1"/>
+          </p:cNvSpPr>
+          <p:nvPr/>
+        </p:nvSpPr>
+        <p:spPr bwMode="auto">
+          <a:xfrm flipH="1">
+            <a:off x="6858000" y="2209800"/>
+            <a:ext cx="381000" cy="0"/>
+          </a:xfrm>
+          <a:prstGeom prst="line">
+            <a:avLst/>
+          </a:prstGeom>
+          <a:noFill/>
+          <a:ln w="9525">
+            <a:solidFill>
+              <a:schemeClr val="tx1"/>
+            </a:solidFill>
+            <a:round/>
+            <a:headEnd/>
+            <a:tailEnd type="triangle" w="med" len="med"/>
+          </a:ln>
+        </p:spPr>
+        <p:txBody>
+          <a:bodyPr/>
+          <a:lstStyle/>
+          <a:p>
+            <a:endParaRPr lang="en-US"/>
+          </a:p>
+        </p:txBody>
+      </p:sp>
+      <p:sp>
+        <p:nvSpPr>
+          <p:cNvPr id="8" name="Line 9"/>
+          <p:cNvSpPr>
+            <a:spLocks noChangeShapeType="1"/>
+          </p:cNvSpPr>
+          <p:nvPr/>
+        </p:nvSpPr>
+        <p:spPr bwMode="auto">
+          <a:xfrm>
+            <a:off x="7848600" y="2590800"/>
+            <a:ext cx="0" cy="533400"/>
+          </a:xfrm>
+          <a:prstGeom prst="line">
+            <a:avLst/>
+          </a:prstGeom>
+          <a:noFill/>
+          <a:ln w="9525">
+            <a:solidFill>
+              <a:schemeClr val="tx1"/>
+            </a:solidFill>
+            <a:round/>
+            <a:headEnd/>
+            <a:tailEnd type="triangle" w="med" len="med"/>
+          </a:ln>
+        </p:spPr>
+        <p:txBody>
+          <a:bodyPr/>
+          <a:lstStyle/>
+          <a:p>
+            <a:endParaRPr lang="en-US"/>
+          </a:p>
+        </p:txBody>
+      </p:sp>
+      <p:cxnSp>
+        <p:nvCxnSpPr>
+          <p:cNvPr id="11" name="Straight Connector 10"/>
+          <p:cNvCxnSpPr/>
+          <p:nvPr/>
+        </p:nvCxnSpPr>
+        <p:spPr>
+          <a:xfrm>
+            <a:off x="1676400" y="2209800"/>
+            <a:ext cx="2286000" cy="1536"/>
+          </a:xfrm>
+          <a:prstGeom prst="line">
+            <a:avLst/>
+          </a:prstGeom>
+          <a:ln w="28575">
+            <a:solidFill>
+              <a:schemeClr val="tx1"/>
+            </a:solidFill>
+          </a:ln>
+        </p:spPr>
+        <p:style>
+          <a:lnRef idx="1">
+            <a:schemeClr val="accent1"/>
+          </a:lnRef>
+          <a:fillRef idx="0">
+            <a:schemeClr val="accent1"/>
+          </a:fillRef>
+          <a:effectRef idx="0">
+            <a:schemeClr val="accent1"/>
+          </a:effectRef>
+          <a:fontRef idx="minor">
+            <a:schemeClr val="tx1"/>
+          </a:fontRef>
+        </p:style>
+      </p:cxnSp>
+      <p:pic>
+        <p:nvPicPr>
+          <p:cNvPr id="18" name="Picture 6"/>
+          <p:cNvPicPr>
+            <a:picLocks noChangeAspect="1" noChangeArrowheads="1"/>
+          </p:cNvPicPr>
+          <p:nvPr/>
+        </p:nvPicPr>
+        <p:blipFill>
+          <a:blip r:embed="rId4"/>
+          <a:srcRect/>
+          <a:stretch>
+            <a:fillRect/>
+          </a:stretch>
+        </p:blipFill>
+        <p:spPr bwMode="auto">
+          <a:xfrm>
+            <a:off x="1447800" y="4724400"/>
+            <a:ext cx="3421363" cy="1600200"/>
+          </a:xfrm>
+          <a:prstGeom prst="rect">
+            <a:avLst/>
+          </a:prstGeom>
+          <a:noFill/>
+          <a:ln w="9525">
+            <a:noFill/>
+            <a:miter lim="800000"/>
+            <a:headEnd/>
+            <a:tailEnd/>
+          </a:ln>
+        </p:spPr>
+      </p:pic>
+      <p:sp>
+        <p:nvSpPr>
+          <p:cNvPr id="12" name="Slide Number Placeholder 11"/>
+          <p:cNvSpPr>
+            <a:spLocks noGrp="1"/>
+          </p:cNvSpPr>
+          <p:nvPr>
+            <p:ph type="sldNum" sz="quarter" idx="12"/>
+          </p:nvPr>
+        </p:nvSpPr>
         <p:spPr/>
         <p:txBody>
-          <a:bodyPr>
-            <a:normAutofit/>
-          </a:bodyPr>
-          <a:lstStyle/>
-          <a:p>
-            <a:r>
-              <a:rPr lang="en-US" dirty="0" smtClean="0"/>
-              <a:t>Principal Component Analysis</a:t>
-            </a:r>
-            <a:endParaRPr lang="en-US" dirty="0"/>
-          </a:p>
-        </p:txBody>
-      </p:sp>
-      <p:sp>
-        <p:nvSpPr>
-          <p:cNvPr id="3" name="Content Placeholder 2"/>
-          <p:cNvSpPr>
-            <a:spLocks noGrp="1"/>
-          </p:cNvSpPr>
-          <p:nvPr>
-            <p:ph idx="1"/>
-          </p:nvPr>
-        </p:nvSpPr>
-        <p:spPr/>
-        <p:txBody>
           <a:bodyPr/>
           <a:lstStyle/>
           <a:p>
-            <a:r>
-              <a:rPr lang="en-US" dirty="0" smtClean="0"/>
-              <a:t>M = U S V</a:t>
-            </a:r>
-            <a:r>
-              <a:rPr lang="en-US" baseline="30000" dirty="0" smtClean="0"/>
-              <a:t>T</a:t>
-            </a:r>
-            <a:endParaRPr lang="en-US" baseline="30000" dirty="0"/>
+            <a:fld id="{45E96854-6E70-484C-818F-A5764320AC80}" type="slidenum">
+              <a:rPr lang="en-US" smtClean="0"/>
+              <a:pPr/>
+              <a:t>7</a:t>
+            </a:fld>
+            <a:endParaRPr lang="en-US"/>
           </a:p>
         </p:txBody>
       </p:sp>
@@ -10655,6 +10965,389 @@
 </file>
 
 <file path=ppt/slides/slide8.xml><?xml version="1.0" encoding="utf-8"?>
+<p:sld xmlns:a="http://schemas.openxmlformats.org/drawingml/2006/main" xmlns:r="http://schemas.openxmlformats.org/officeDocument/2006/relationships" xmlns:p="http://schemas.openxmlformats.org/presentationml/2006/main">
+  <p:cSld>
+    <p:spTree>
+      <p:nvGrpSpPr>
+        <p:cNvPr id="1" name=""/>
+        <p:cNvGrpSpPr/>
+        <p:nvPr/>
+      </p:nvGrpSpPr>
+      <p:grpSpPr>
+        <a:xfrm>
+          <a:off x="0" y="0"/>
+          <a:ext cx="0" cy="0"/>
+          <a:chOff x="0" y="0"/>
+          <a:chExt cx="0" cy="0"/>
+        </a:xfrm>
+      </p:grpSpPr>
+      <p:sp>
+        <p:nvSpPr>
+          <p:cNvPr id="2" name="Title 1"/>
+          <p:cNvSpPr>
+            <a:spLocks noGrp="1"/>
+          </p:cNvSpPr>
+          <p:nvPr>
+            <p:ph type="title"/>
+          </p:nvPr>
+        </p:nvSpPr>
+        <p:spPr/>
+        <p:txBody>
+          <a:bodyPr>
+            <a:normAutofit/>
+          </a:bodyPr>
+          <a:lstStyle/>
+          <a:p>
+            <a:r>
+              <a:rPr lang="en-US" dirty="0" smtClean="0"/>
+              <a:t>PCA Math</a:t>
+            </a:r>
+            <a:endParaRPr lang="en-US" dirty="0"/>
+          </a:p>
+        </p:txBody>
+      </p:sp>
+      <p:sp>
+        <p:nvSpPr>
+          <p:cNvPr id="4" name="Rectangle 4"/>
+          <p:cNvSpPr>
+            <a:spLocks noChangeArrowheads="1"/>
+          </p:cNvSpPr>
+          <p:nvPr/>
+        </p:nvSpPr>
+        <p:spPr bwMode="auto">
+          <a:xfrm>
+            <a:off x="1600200" y="2133600"/>
+            <a:ext cx="914400" cy="1752600"/>
+          </a:xfrm>
+          <a:prstGeom prst="rect">
+            <a:avLst/>
+          </a:prstGeom>
+          <a:solidFill>
+            <a:schemeClr val="accent1"/>
+          </a:solidFill>
+          <a:ln w="9525">
+            <a:solidFill>
+              <a:schemeClr val="tx1"/>
+            </a:solidFill>
+            <a:miter lim="800000"/>
+            <a:headEnd/>
+            <a:tailEnd/>
+          </a:ln>
+          <a:effectLst/>
+        </p:spPr>
+        <p:txBody>
+          <a:bodyPr wrap="none" anchor="ctr"/>
+          <a:lstStyle/>
+          <a:p>
+            <a:pPr algn="ctr"/>
+            <a:r>
+              <a:rPr lang="en-US" sz="1800" b="0">
+                <a:latin typeface="Arial" pitchFamily="34" charset="0"/>
+              </a:rPr>
+              <a:t>D</a:t>
+            </a:r>
+          </a:p>
+        </p:txBody>
+      </p:sp>
+      <p:sp>
+        <p:nvSpPr>
+          <p:cNvPr id="5" name="Text Box 5"/>
+          <p:cNvSpPr txBox="1">
+            <a:spLocks noChangeArrowheads="1"/>
+          </p:cNvSpPr>
+          <p:nvPr/>
+        </p:nvSpPr>
+        <p:spPr bwMode="auto">
+          <a:xfrm>
+            <a:off x="2498725" y="2932112"/>
+            <a:ext cx="317500" cy="366713"/>
+          </a:xfrm>
+          <a:prstGeom prst="rect">
+            <a:avLst/>
+          </a:prstGeom>
+          <a:noFill/>
+          <a:ln w="9525">
+            <a:noFill/>
+            <a:miter lim="800000"/>
+            <a:headEnd/>
+            <a:tailEnd/>
+          </a:ln>
+          <a:effectLst/>
+        </p:spPr>
+        <p:txBody>
+          <a:bodyPr wrap="none">
+            <a:spAutoFit/>
+          </a:bodyPr>
+          <a:lstStyle/>
+          <a:p>
+            <a:r>
+              <a:rPr lang="en-US" sz="1800" b="0">
+                <a:latin typeface="Arial" pitchFamily="34" charset="0"/>
+              </a:rPr>
+              <a:t>=</a:t>
+            </a:r>
+          </a:p>
+        </p:txBody>
+      </p:sp>
+      <p:sp>
+        <p:nvSpPr>
+          <p:cNvPr id="6" name="Rectangle 6"/>
+          <p:cNvSpPr>
+            <a:spLocks noChangeArrowheads="1"/>
+          </p:cNvSpPr>
+          <p:nvPr/>
+        </p:nvSpPr>
+        <p:spPr bwMode="auto">
+          <a:xfrm>
+            <a:off x="2895600" y="2133600"/>
+            <a:ext cx="381000" cy="1762125"/>
+          </a:xfrm>
+          <a:prstGeom prst="rect">
+            <a:avLst/>
+          </a:prstGeom>
+          <a:solidFill>
+            <a:schemeClr val="accent1"/>
+          </a:solidFill>
+          <a:ln w="9525">
+            <a:solidFill>
+              <a:schemeClr val="tx1"/>
+            </a:solidFill>
+            <a:miter lim="800000"/>
+            <a:headEnd/>
+            <a:tailEnd/>
+          </a:ln>
+          <a:effectLst/>
+        </p:spPr>
+        <p:txBody>
+          <a:bodyPr wrap="none" anchor="ctr"/>
+          <a:lstStyle/>
+          <a:p>
+            <a:pPr algn="ctr"/>
+            <a:r>
+              <a:rPr lang="en-US" sz="1800" b="0">
+                <a:latin typeface="Arial" pitchFamily="34" charset="0"/>
+              </a:rPr>
+              <a:t>U</a:t>
+            </a:r>
+          </a:p>
+        </p:txBody>
+      </p:sp>
+      <p:sp>
+        <p:nvSpPr>
+          <p:cNvPr id="7" name="Rectangle 7"/>
+          <p:cNvSpPr>
+            <a:spLocks noChangeArrowheads="1"/>
+          </p:cNvSpPr>
+          <p:nvPr/>
+        </p:nvSpPr>
+        <p:spPr bwMode="auto">
+          <a:xfrm>
+            <a:off x="3429000" y="2133600"/>
+            <a:ext cx="304800" cy="381000"/>
+          </a:xfrm>
+          <a:prstGeom prst="rect">
+            <a:avLst/>
+          </a:prstGeom>
+          <a:solidFill>
+            <a:schemeClr val="accent1"/>
+          </a:solidFill>
+          <a:ln w="9525">
+            <a:solidFill>
+              <a:schemeClr val="tx1"/>
+            </a:solidFill>
+            <a:miter lim="800000"/>
+            <a:headEnd/>
+            <a:tailEnd/>
+          </a:ln>
+          <a:effectLst/>
+        </p:spPr>
+        <p:txBody>
+          <a:bodyPr wrap="none" anchor="ctr"/>
+          <a:lstStyle/>
+          <a:p>
+            <a:pPr algn="ctr"/>
+            <a:r>
+              <a:rPr lang="en-US" sz="1800" b="0">
+                <a:latin typeface="Arial" pitchFamily="34" charset="0"/>
+              </a:rPr>
+              <a:t>S</a:t>
+            </a:r>
+          </a:p>
+        </p:txBody>
+      </p:sp>
+      <p:sp>
+        <p:nvSpPr>
+          <p:cNvPr id="8" name="Rectangle 8"/>
+          <p:cNvSpPr>
+            <a:spLocks noChangeArrowheads="1"/>
+          </p:cNvSpPr>
+          <p:nvPr/>
+        </p:nvSpPr>
+        <p:spPr bwMode="auto">
+          <a:xfrm>
+            <a:off x="3962400" y="2133600"/>
+            <a:ext cx="838200" cy="381000"/>
+          </a:xfrm>
+          <a:prstGeom prst="rect">
+            <a:avLst/>
+          </a:prstGeom>
+          <a:solidFill>
+            <a:schemeClr val="accent1"/>
+          </a:solidFill>
+          <a:ln w="9525">
+            <a:solidFill>
+              <a:schemeClr val="tx1"/>
+            </a:solidFill>
+            <a:miter lim="800000"/>
+            <a:headEnd/>
+            <a:tailEnd/>
+          </a:ln>
+          <a:effectLst/>
+        </p:spPr>
+        <p:txBody>
+          <a:bodyPr wrap="none" anchor="ctr"/>
+          <a:lstStyle/>
+          <a:p>
+            <a:pPr algn="ctr"/>
+            <a:r>
+              <a:rPr lang="en-US" sz="1800" b="0">
+                <a:latin typeface="Arial" pitchFamily="34" charset="0"/>
+              </a:rPr>
+              <a:t>V</a:t>
+            </a:r>
+          </a:p>
+        </p:txBody>
+      </p:sp>
+      <p:sp>
+        <p:nvSpPr>
+          <p:cNvPr id="9" name="Text Box 9"/>
+          <p:cNvSpPr txBox="1">
+            <a:spLocks noChangeArrowheads="1"/>
+          </p:cNvSpPr>
+          <p:nvPr/>
+        </p:nvSpPr>
+        <p:spPr bwMode="auto">
+          <a:xfrm>
+            <a:off x="685800" y="3509962"/>
+            <a:ext cx="962025" cy="366713"/>
+          </a:xfrm>
+          <a:prstGeom prst="rect">
+            <a:avLst/>
+          </a:prstGeom>
+          <a:noFill/>
+          <a:ln w="9525">
+            <a:noFill/>
+            <a:miter lim="800000"/>
+            <a:headEnd/>
+            <a:tailEnd/>
+          </a:ln>
+          <a:effectLst/>
+        </p:spPr>
+        <p:txBody>
+          <a:bodyPr wrap="none">
+            <a:spAutoFit/>
+          </a:bodyPr>
+          <a:lstStyle/>
+          <a:p>
+            <a:r>
+              <a:rPr lang="en-US" sz="1800" b="0"/>
+              <a:t>Images</a:t>
+            </a:r>
+          </a:p>
+        </p:txBody>
+      </p:sp>
+      <p:sp>
+        <p:nvSpPr>
+          <p:cNvPr id="10" name="Text Box 10"/>
+          <p:cNvSpPr txBox="1">
+            <a:spLocks noChangeArrowheads="1"/>
+          </p:cNvSpPr>
+          <p:nvPr/>
+        </p:nvSpPr>
+        <p:spPr bwMode="auto">
+          <a:xfrm>
+            <a:off x="3336925" y="3470275"/>
+            <a:ext cx="1577975" cy="366712"/>
+          </a:xfrm>
+          <a:prstGeom prst="rect">
+            <a:avLst/>
+          </a:prstGeom>
+          <a:noFill/>
+          <a:ln w="9525">
+            <a:noFill/>
+            <a:miter lim="800000"/>
+            <a:headEnd/>
+            <a:tailEnd/>
+          </a:ln>
+          <a:effectLst/>
+        </p:spPr>
+        <p:txBody>
+          <a:bodyPr wrap="none">
+            <a:spAutoFit/>
+          </a:bodyPr>
+          <a:lstStyle/>
+          <a:p>
+            <a:r>
+              <a:rPr lang="en-US" sz="1800" b="0"/>
+              <a:t>Basis Images</a:t>
+            </a:r>
+          </a:p>
+        </p:txBody>
+      </p:sp>
+      <p:sp>
+        <p:nvSpPr>
+          <p:cNvPr id="11" name="Text Box 11"/>
+          <p:cNvSpPr txBox="1">
+            <a:spLocks noChangeArrowheads="1"/>
+          </p:cNvSpPr>
+          <p:nvPr/>
+        </p:nvSpPr>
+        <p:spPr bwMode="auto">
+          <a:xfrm>
+            <a:off x="3962400" y="2595562"/>
+            <a:ext cx="1487488" cy="366713"/>
+          </a:xfrm>
+          <a:prstGeom prst="rect">
+            <a:avLst/>
+          </a:prstGeom>
+          <a:noFill/>
+          <a:ln w="9525">
+            <a:noFill/>
+            <a:miter lim="800000"/>
+            <a:headEnd/>
+            <a:tailEnd/>
+          </a:ln>
+          <a:effectLst/>
+        </p:spPr>
+        <p:txBody>
+          <a:bodyPr wrap="none">
+            <a:spAutoFit/>
+          </a:bodyPr>
+          <a:lstStyle/>
+          <a:p>
+            <a:r>
+              <a:rPr lang="en-US" sz="1800" b="0"/>
+              <a:t>coefficients</a:t>
+            </a:r>
+          </a:p>
+        </p:txBody>
+      </p:sp>
+    </p:spTree>
+  </p:cSld>
+  <p:clrMapOvr>
+    <a:masterClrMapping/>
+  </p:clrMapOvr>
+  <p:timing>
+    <p:tnLst>
+      <p:par>
+        <p:cTn id="1" dur="indefinite" restart="never" nodeType="tmRoot"/>
+      </p:par>
+    </p:tnLst>
+  </p:timing>
+</p:sld>
+</file>
+
+<file path=ppt/slides/slide9.xml><?xml version="1.0" encoding="utf-8"?>
 <p:sld xmlns:a="http://schemas.openxmlformats.org/drawingml/2006/main" xmlns:r="http://schemas.openxmlformats.org/officeDocument/2006/relationships" xmlns:p="http://schemas.openxmlformats.org/presentationml/2006/main">
   <p:cSld>
     <p:spTree>
@@ -11519,394 +12212,6 @@
       <p:bldP spid="692238" grpId="0" animBg="1"/>
       <p:bldP spid="692239" grpId="0"/>
     </p:bldLst>
-  </p:timing>
-</p:sld>
-</file>
-
-<file path=ppt/slides/slide9.xml><?xml version="1.0" encoding="utf-8"?>
-<p:sld xmlns:a="http://schemas.openxmlformats.org/drawingml/2006/main" xmlns:r="http://schemas.openxmlformats.org/officeDocument/2006/relationships" xmlns:p="http://schemas.openxmlformats.org/presentationml/2006/main">
-  <p:cSld>
-    <p:spTree>
-      <p:nvGrpSpPr>
-        <p:cNvPr id="1" name=""/>
-        <p:cNvGrpSpPr/>
-        <p:nvPr/>
-      </p:nvGrpSpPr>
-      <p:grpSpPr>
-        <a:xfrm>
-          <a:off x="0" y="0"/>
-          <a:ext cx="0" cy="0"/>
-          <a:chOff x="0" y="0"/>
-          <a:chExt cx="0" cy="0"/>
-        </a:xfrm>
-      </p:grpSpPr>
-      <p:sp>
-        <p:nvSpPr>
-          <p:cNvPr id="9" name="Footer Placeholder 3"/>
-          <p:cNvSpPr>
-            <a:spLocks noGrp="1"/>
-          </p:cNvSpPr>
-          <p:nvPr>
-            <p:ph type="ftr" sz="quarter" idx="10"/>
-          </p:nvPr>
-        </p:nvSpPr>
-        <p:spPr/>
-        <p:txBody>
-          <a:bodyPr/>
-          <a:lstStyle/>
-          <a:p>
-            <a:r>
-              <a:rPr lang="en-US"/>
-              <a:t>Computer Vision, Robert Pless</a:t>
-            </a:r>
-          </a:p>
-        </p:txBody>
-      </p:sp>
-      <p:sp>
-        <p:nvSpPr>
-          <p:cNvPr id="693250" name="Rectangle 2"/>
-          <p:cNvSpPr>
-            <a:spLocks noChangeArrowheads="1"/>
-          </p:cNvSpPr>
-          <p:nvPr/>
-        </p:nvSpPr>
-        <p:spPr bwMode="auto">
-          <a:xfrm>
-            <a:off x="2819400" y="685800"/>
-            <a:ext cx="914400" cy="1752600"/>
-          </a:xfrm>
-          <a:prstGeom prst="rect">
-            <a:avLst/>
-          </a:prstGeom>
-          <a:solidFill>
-            <a:schemeClr val="accent1"/>
-          </a:solidFill>
-          <a:ln w="9525">
-            <a:solidFill>
-              <a:schemeClr val="tx1"/>
-            </a:solidFill>
-            <a:miter lim="800000"/>
-            <a:headEnd/>
-            <a:tailEnd/>
-          </a:ln>
-          <a:effectLst/>
-        </p:spPr>
-        <p:txBody>
-          <a:bodyPr wrap="none" anchor="ctr"/>
-          <a:lstStyle/>
-          <a:p>
-            <a:pPr algn="ctr"/>
-            <a:r>
-              <a:rPr lang="en-US" sz="1800" b="0">
-                <a:latin typeface="Arial" pitchFamily="34" charset="0"/>
-              </a:rPr>
-              <a:t>D</a:t>
-            </a:r>
-          </a:p>
-        </p:txBody>
-      </p:sp>
-      <p:sp>
-        <p:nvSpPr>
-          <p:cNvPr id="693251" name="Text Box 3"/>
-          <p:cNvSpPr txBox="1">
-            <a:spLocks noChangeArrowheads="1"/>
-          </p:cNvSpPr>
-          <p:nvPr/>
-        </p:nvSpPr>
-        <p:spPr bwMode="auto">
-          <a:xfrm>
-            <a:off x="3717925" y="1484313"/>
-            <a:ext cx="317500" cy="366712"/>
-          </a:xfrm>
-          <a:prstGeom prst="rect">
-            <a:avLst/>
-          </a:prstGeom>
-          <a:noFill/>
-          <a:ln w="9525">
-            <a:noFill/>
-            <a:miter lim="800000"/>
-            <a:headEnd/>
-            <a:tailEnd/>
-          </a:ln>
-          <a:effectLst/>
-        </p:spPr>
-        <p:txBody>
-          <a:bodyPr wrap="none">
-            <a:spAutoFit/>
-          </a:bodyPr>
-          <a:lstStyle/>
-          <a:p>
-            <a:r>
-              <a:rPr lang="en-US" sz="1800" b="0">
-                <a:latin typeface="Arial" pitchFamily="34" charset="0"/>
-              </a:rPr>
-              <a:t>=</a:t>
-            </a:r>
-          </a:p>
-        </p:txBody>
-      </p:sp>
-      <p:sp>
-        <p:nvSpPr>
-          <p:cNvPr id="693252" name="Rectangle 4"/>
-          <p:cNvSpPr>
-            <a:spLocks noChangeArrowheads="1"/>
-          </p:cNvSpPr>
-          <p:nvPr/>
-        </p:nvSpPr>
-        <p:spPr bwMode="auto">
-          <a:xfrm>
-            <a:off x="4114800" y="685800"/>
-            <a:ext cx="381000" cy="1762125"/>
-          </a:xfrm>
-          <a:prstGeom prst="rect">
-            <a:avLst/>
-          </a:prstGeom>
-          <a:solidFill>
-            <a:schemeClr val="accent1"/>
-          </a:solidFill>
-          <a:ln w="9525">
-            <a:solidFill>
-              <a:schemeClr val="tx1"/>
-            </a:solidFill>
-            <a:miter lim="800000"/>
-            <a:headEnd/>
-            <a:tailEnd/>
-          </a:ln>
-          <a:effectLst/>
-        </p:spPr>
-        <p:txBody>
-          <a:bodyPr wrap="none" anchor="ctr"/>
-          <a:lstStyle/>
-          <a:p>
-            <a:pPr algn="ctr"/>
-            <a:r>
-              <a:rPr lang="en-US" sz="1800" b="0">
-                <a:latin typeface="Arial" pitchFamily="34" charset="0"/>
-              </a:rPr>
-              <a:t>U</a:t>
-            </a:r>
-          </a:p>
-        </p:txBody>
-      </p:sp>
-      <p:sp>
-        <p:nvSpPr>
-          <p:cNvPr id="693253" name="Rectangle 5"/>
-          <p:cNvSpPr>
-            <a:spLocks noChangeArrowheads="1"/>
-          </p:cNvSpPr>
-          <p:nvPr/>
-        </p:nvSpPr>
-        <p:spPr bwMode="auto">
-          <a:xfrm>
-            <a:off x="4648200" y="685800"/>
-            <a:ext cx="304800" cy="381000"/>
-          </a:xfrm>
-          <a:prstGeom prst="rect">
-            <a:avLst/>
-          </a:prstGeom>
-          <a:solidFill>
-            <a:schemeClr val="accent1"/>
-          </a:solidFill>
-          <a:ln w="9525">
-            <a:solidFill>
-              <a:schemeClr val="tx1"/>
-            </a:solidFill>
-            <a:miter lim="800000"/>
-            <a:headEnd/>
-            <a:tailEnd/>
-          </a:ln>
-          <a:effectLst/>
-        </p:spPr>
-        <p:txBody>
-          <a:bodyPr wrap="none" anchor="ctr"/>
-          <a:lstStyle/>
-          <a:p>
-            <a:pPr algn="ctr"/>
-            <a:r>
-              <a:rPr lang="en-US" sz="1800" b="0">
-                <a:latin typeface="Arial" pitchFamily="34" charset="0"/>
-              </a:rPr>
-              <a:t>S</a:t>
-            </a:r>
-          </a:p>
-        </p:txBody>
-      </p:sp>
-      <p:sp>
-        <p:nvSpPr>
-          <p:cNvPr id="693254" name="Rectangle 6"/>
-          <p:cNvSpPr>
-            <a:spLocks noChangeArrowheads="1"/>
-          </p:cNvSpPr>
-          <p:nvPr/>
-        </p:nvSpPr>
-        <p:spPr bwMode="auto">
-          <a:xfrm>
-            <a:off x="5181600" y="685800"/>
-            <a:ext cx="838200" cy="381000"/>
-          </a:xfrm>
-          <a:prstGeom prst="rect">
-            <a:avLst/>
-          </a:prstGeom>
-          <a:solidFill>
-            <a:schemeClr val="accent1"/>
-          </a:solidFill>
-          <a:ln w="9525">
-            <a:solidFill>
-              <a:schemeClr val="tx1"/>
-            </a:solidFill>
-            <a:miter lim="800000"/>
-            <a:headEnd/>
-            <a:tailEnd/>
-          </a:ln>
-          <a:effectLst/>
-        </p:spPr>
-        <p:txBody>
-          <a:bodyPr wrap="none" anchor="ctr"/>
-          <a:lstStyle/>
-          <a:p>
-            <a:pPr algn="ctr"/>
-            <a:r>
-              <a:rPr lang="en-US" sz="1800" b="0">
-                <a:latin typeface="Arial" pitchFamily="34" charset="0"/>
-              </a:rPr>
-              <a:t>V</a:t>
-            </a:r>
-          </a:p>
-        </p:txBody>
-      </p:sp>
-      <p:sp>
-        <p:nvSpPr>
-          <p:cNvPr id="693255" name="Oval 7"/>
-          <p:cNvSpPr>
-            <a:spLocks noChangeArrowheads="1"/>
-          </p:cNvSpPr>
-          <p:nvPr/>
-        </p:nvSpPr>
-        <p:spPr bwMode="auto">
-          <a:xfrm>
-            <a:off x="4610100" y="685800"/>
-            <a:ext cx="381000" cy="381000"/>
-          </a:xfrm>
-          <a:prstGeom prst="ellipse">
-            <a:avLst/>
-          </a:prstGeom>
-          <a:noFill/>
-          <a:ln w="9525">
-            <a:solidFill>
-              <a:srgbClr val="800000"/>
-            </a:solidFill>
-            <a:round/>
-            <a:headEnd/>
-            <a:tailEnd/>
-          </a:ln>
-          <a:effectLst/>
-        </p:spPr>
-        <p:txBody>
-          <a:bodyPr wrap="none" anchor="ctr"/>
-          <a:lstStyle/>
-          <a:p>
-            <a:endParaRPr lang="en-US"/>
-          </a:p>
-        </p:txBody>
-      </p:sp>
-      <p:sp>
-        <p:nvSpPr>
-          <p:cNvPr id="693256" name="Text Box 8"/>
-          <p:cNvSpPr txBox="1">
-            <a:spLocks noChangeArrowheads="1"/>
-          </p:cNvSpPr>
-          <p:nvPr/>
-        </p:nvSpPr>
-        <p:spPr bwMode="auto">
-          <a:xfrm>
-            <a:off x="669925" y="2474913"/>
-            <a:ext cx="8016875" cy="3387725"/>
-          </a:xfrm>
-          <a:prstGeom prst="rect">
-            <a:avLst/>
-          </a:prstGeom>
-          <a:noFill/>
-          <a:ln w="9525">
-            <a:noFill/>
-            <a:miter lim="800000"/>
-            <a:headEnd/>
-            <a:tailEnd/>
-          </a:ln>
-          <a:effectLst/>
-        </p:spPr>
-        <p:txBody>
-          <a:bodyPr>
-            <a:spAutoFit/>
-          </a:bodyPr>
-          <a:lstStyle/>
-          <a:p>
-            <a:r>
-              <a:rPr lang="en-US" sz="1800" b="0">
-                <a:latin typeface="Arial" pitchFamily="34" charset="0"/>
-              </a:rPr>
-              <a:t>S is a diagonal matrix, so it only has diagonal elements, called singular values.</a:t>
-            </a:r>
-          </a:p>
-          <a:p>
-            <a:endParaRPr lang="en-US" sz="1800" b="0">
-              <a:latin typeface="Arial" pitchFamily="34" charset="0"/>
-            </a:endParaRPr>
-          </a:p>
-          <a:p>
-            <a:r>
-              <a:rPr lang="en-US" sz="1800" b="0">
-                <a:latin typeface="Arial" pitchFamily="34" charset="0"/>
-              </a:rPr>
-              <a:t>These numbers are the relative importance of each of the principle components.</a:t>
-            </a:r>
-          </a:p>
-          <a:p>
-            <a:endParaRPr lang="en-US" sz="1800" b="0">
-              <a:latin typeface="Arial" pitchFamily="34" charset="0"/>
-            </a:endParaRPr>
-          </a:p>
-          <a:p>
-            <a:r>
-              <a:rPr lang="en-US" sz="1800" b="0">
-                <a:latin typeface="Arial" pitchFamily="34" charset="0"/>
-              </a:rPr>
-              <a:t>If we want we can make the principle components be the columns of U * S, and have the columns of V be the coefficients.</a:t>
-            </a:r>
-          </a:p>
-          <a:p>
-            <a:r>
-              <a:rPr lang="en-US" sz="1800" b="0">
-                <a:latin typeface="Arial" pitchFamily="34" charset="0"/>
-              </a:rPr>
-              <a:t> </a:t>
-            </a:r>
-          </a:p>
-          <a:p>
-            <a:r>
-              <a:rPr lang="en-US" sz="1800" b="0">
-                <a:latin typeface="Arial" pitchFamily="34" charset="0"/>
-              </a:rPr>
-              <a:t>Alternatively, we can keep the columns of U, and make the coefficients be S * the columns of V.  This is more common.</a:t>
-            </a:r>
-          </a:p>
-          <a:p>
-            <a:endParaRPr lang="en-US" sz="1800" b="0">
-              <a:latin typeface="Arial" pitchFamily="34" charset="0"/>
-            </a:endParaRPr>
-          </a:p>
-        </p:txBody>
-      </p:sp>
-    </p:spTree>
-  </p:cSld>
-  <p:clrMapOvr>
-    <a:masterClrMapping/>
-  </p:clrMapOvr>
-  <p:timing>
-    <p:tnLst>
-      <p:par>
-        <p:cTn id="1" dur="indefinite" restart="never" nodeType="tmRoot"/>
-      </p:par>
-    </p:tnLst>
   </p:timing>
 </p:sld>
 </file>

--- a/trunk/mastersProject/presentation/visualizationToolsForWebcams.pptx
+++ b/trunk/mastersProject/presentation/visualizationToolsForWebcams.pptx
@@ -5,7 +5,7 @@
     <p:sldMasterId id="2147483744" r:id="rId1"/>
   </p:sldMasterIdLst>
   <p:notesMasterIdLst>
-    <p:notesMasterId r:id="rId40"/>
+    <p:notesMasterId r:id="rId44"/>
   </p:notesMasterIdLst>
   <p:sldIdLst>
     <p:sldId id="256" r:id="rId2"/>
@@ -15,7 +15,7 @@
     <p:sldId id="296" r:id="rId6"/>
     <p:sldId id="258" r:id="rId7"/>
     <p:sldId id="259" r:id="rId8"/>
-    <p:sldId id="261" r:id="rId9"/>
+    <p:sldId id="305" r:id="rId9"/>
     <p:sldId id="267" r:id="rId10"/>
     <p:sldId id="268" r:id="rId11"/>
     <p:sldId id="269" r:id="rId12"/>
@@ -36,16 +36,20 @@
     <p:sldId id="279" r:id="rId27"/>
     <p:sldId id="282" r:id="rId28"/>
     <p:sldId id="280" r:id="rId29"/>
-    <p:sldId id="283" r:id="rId30"/>
-    <p:sldId id="284" r:id="rId31"/>
+    <p:sldId id="301" r:id="rId30"/>
+    <p:sldId id="283" r:id="rId31"/>
     <p:sldId id="291" r:id="rId32"/>
-    <p:sldId id="281" r:id="rId33"/>
-    <p:sldId id="287" r:id="rId34"/>
-    <p:sldId id="288" r:id="rId35"/>
-    <p:sldId id="289" r:id="rId36"/>
-    <p:sldId id="299" r:id="rId37"/>
-    <p:sldId id="290" r:id="rId38"/>
-    <p:sldId id="266" r:id="rId39"/>
+    <p:sldId id="302" r:id="rId33"/>
+    <p:sldId id="281" r:id="rId34"/>
+    <p:sldId id="300" r:id="rId35"/>
+    <p:sldId id="287" r:id="rId36"/>
+    <p:sldId id="303" r:id="rId37"/>
+    <p:sldId id="288" r:id="rId38"/>
+    <p:sldId id="304" r:id="rId39"/>
+    <p:sldId id="289" r:id="rId40"/>
+    <p:sldId id="299" r:id="rId41"/>
+    <p:sldId id="290" r:id="rId42"/>
+    <p:sldId id="266" r:id="rId43"/>
   </p:sldIdLst>
   <p:sldSz cx="9144000" cy="6858000" type="screen4x3"/>
   <p:notesSz cx="6858000" cy="9144000"/>
@@ -230,7 +234,7 @@
             <a:fld id="{D579512F-5032-4F9D-8BC7-C321A60EEFEA}" type="datetimeFigureOut">
               <a:rPr lang="en-US" smtClean="0"/>
               <a:pPr/>
-              <a:t>4/22/2009</a:t>
+              <a:t>4/23/2009</a:t>
             </a:fld>
             <a:endParaRPr lang="en-US"/>
           </a:p>
@@ -893,7 +897,7 @@
             <a:fld id="{6D11F7CA-E56A-464B-A398-B0F3C7D3A8C7}" type="slidenum">
               <a:rPr lang="en-US" smtClean="0"/>
               <a:pPr/>
-              <a:t>32</a:t>
+              <a:t>33</a:t>
             </a:fld>
             <a:endParaRPr lang="en-US"/>
           </a:p>
@@ -988,7 +992,7 @@
             <a:fld id="{6D11F7CA-E56A-464B-A398-B0F3C7D3A8C7}" type="slidenum">
               <a:rPr lang="en-US" smtClean="0"/>
               <a:pPr/>
-              <a:t>35</a:t>
+              <a:t>39</a:t>
             </a:fld>
             <a:endParaRPr lang="en-US"/>
           </a:p>
@@ -1661,7 +1665,7 @@
             <a:fld id="{1D8BD707-D9CF-40AE-B4C6-C98DA3205C09}" type="datetimeFigureOut">
               <a:rPr lang="en-US" smtClean="0"/>
               <a:pPr/>
-              <a:t>4/22/2009</a:t>
+              <a:t>4/23/2009</a:t>
             </a:fld>
             <a:endParaRPr lang="en-US"/>
           </a:p>
@@ -1846,7 +1850,7 @@
             <a:fld id="{1D8BD707-D9CF-40AE-B4C6-C98DA3205C09}" type="datetimeFigureOut">
               <a:rPr lang="en-US" smtClean="0"/>
               <a:pPr/>
-              <a:t>4/22/2009</a:t>
+              <a:t>4/23/2009</a:t>
             </a:fld>
             <a:endParaRPr lang="en-US"/>
           </a:p>
@@ -2023,7 +2027,7 @@
             <a:fld id="{1D8BD707-D9CF-40AE-B4C6-C98DA3205C09}" type="datetimeFigureOut">
               <a:rPr lang="en-US" smtClean="0"/>
               <a:pPr/>
-              <a:t>4/22/2009</a:t>
+              <a:t>4/23/2009</a:t>
             </a:fld>
             <a:endParaRPr lang="en-US"/>
           </a:p>
@@ -2190,7 +2194,7 @@
             <a:fld id="{1D8BD707-D9CF-40AE-B4C6-C98DA3205C09}" type="datetimeFigureOut">
               <a:rPr lang="en-US" smtClean="0"/>
               <a:pPr/>
-              <a:t>4/22/2009</a:t>
+              <a:t>4/23/2009</a:t>
             </a:fld>
             <a:endParaRPr lang="en-US"/>
           </a:p>
@@ -2413,7 +2417,7 @@
             <a:fld id="{1D8BD707-D9CF-40AE-B4C6-C98DA3205C09}" type="datetimeFigureOut">
               <a:rPr lang="en-US" smtClean="0"/>
               <a:pPr/>
-              <a:t>4/22/2009</a:t>
+              <a:t>4/23/2009</a:t>
             </a:fld>
             <a:endParaRPr lang="en-US"/>
           </a:p>
@@ -2674,7 +2678,7 @@
             <a:fld id="{1D8BD707-D9CF-40AE-B4C6-C98DA3205C09}" type="datetimeFigureOut">
               <a:rPr lang="en-US" smtClean="0"/>
               <a:pPr/>
-              <a:t>4/22/2009</a:t>
+              <a:t>4/23/2009</a:t>
             </a:fld>
             <a:endParaRPr lang="en-US"/>
           </a:p>
@@ -3080,7 +3084,7 @@
             <a:fld id="{1D8BD707-D9CF-40AE-B4C6-C98DA3205C09}" type="datetimeFigureOut">
               <a:rPr lang="en-US" smtClean="0"/>
               <a:pPr/>
-              <a:t>4/22/2009</a:t>
+              <a:t>4/23/2009</a:t>
             </a:fld>
             <a:endParaRPr lang="en-US"/>
           </a:p>
@@ -3213,7 +3217,7 @@
             <a:fld id="{1D8BD707-D9CF-40AE-B4C6-C98DA3205C09}" type="datetimeFigureOut">
               <a:rPr lang="en-US" smtClean="0"/>
               <a:pPr/>
-              <a:t>4/22/2009</a:t>
+              <a:t>4/23/2009</a:t>
             </a:fld>
             <a:endParaRPr lang="en-US"/>
           </a:p>
@@ -3315,7 +3319,7 @@
             <a:fld id="{1D8BD707-D9CF-40AE-B4C6-C98DA3205C09}" type="datetimeFigureOut">
               <a:rPr lang="en-US" smtClean="0"/>
               <a:pPr/>
-              <a:t>4/22/2009</a:t>
+              <a:t>4/23/2009</a:t>
             </a:fld>
             <a:endParaRPr lang="en-US"/>
           </a:p>
@@ -3562,7 +3566,7 @@
             <a:fld id="{1D8BD707-D9CF-40AE-B4C6-C98DA3205C09}" type="datetimeFigureOut">
               <a:rPr lang="en-US" smtClean="0"/>
               <a:pPr/>
-              <a:t>4/22/2009</a:t>
+              <a:t>4/23/2009</a:t>
             </a:fld>
             <a:endParaRPr lang="en-US"/>
           </a:p>
@@ -3808,7 +3812,7 @@
             <a:fld id="{1D8BD707-D9CF-40AE-B4C6-C98DA3205C09}" type="datetimeFigureOut">
               <a:rPr lang="en-US" smtClean="0"/>
               <a:pPr/>
-              <a:t>4/22/2009</a:t>
+              <a:t>4/23/2009</a:t>
             </a:fld>
             <a:endParaRPr lang="en-US"/>
           </a:p>
@@ -4634,7 +4638,7 @@
             <a:fld id="{1D8BD707-D9CF-40AE-B4C6-C98DA3205C09}" type="datetimeFigureOut">
               <a:rPr lang="en-US" smtClean="0"/>
               <a:pPr/>
-              <a:t>4/22/2009</a:t>
+              <a:t>4/23/2009</a:t>
             </a:fld>
             <a:endParaRPr lang="en-US"/>
           </a:p>
@@ -6732,93 +6736,98 @@
           <a:lstStyle/>
           <a:p>
             <a:r>
-              <a:rPr lang="en-US" sz="1800" b="0"/>
+              <a:rPr lang="en-US" sz="1800" b="0" dirty="0"/>
               <a:t>These coefficients define the appearance of the image.</a:t>
             </a:r>
           </a:p>
           <a:p>
-            <a:endParaRPr lang="en-US" sz="1800" b="0"/>
-          </a:p>
-          <a:p>
-            <a:r>
-              <a:rPr lang="en-US" sz="1800" b="0"/>
+            <a:endParaRPr lang="en-US" sz="1800" b="0" dirty="0"/>
+          </a:p>
+          <a:p>
+            <a:r>
+              <a:rPr lang="en-US" sz="1800" b="0" dirty="0"/>
               <a:t>The U matrix defines the space of possible images within this video.</a:t>
             </a:r>
           </a:p>
           <a:p>
-            <a:endParaRPr lang="en-US" sz="1800" b="0"/>
-          </a:p>
-          <a:p>
-            <a:r>
-              <a:rPr lang="en-US" sz="1800" b="0"/>
+            <a:endParaRPr lang="en-US" sz="1800" b="0" dirty="0"/>
+          </a:p>
+          <a:p>
+            <a:r>
+              <a:rPr lang="en-US" sz="1800" b="0" dirty="0"/>
               <a:t>Given a new set of coefficients ( a new column of V ), we can make a new image. </a:t>
             </a:r>
           </a:p>
           <a:p>
             <a:pPr algn="ctr"/>
             <a:r>
-              <a:rPr lang="en-US" sz="1800" b="0"/>
+              <a:rPr lang="en-US" sz="1800" b="0" dirty="0"/>
               <a:t> </a:t>
             </a:r>
           </a:p>
           <a:p>
             <a:pPr algn="ctr"/>
             <a:r>
-              <a:rPr lang="en-US" sz="1800" b="0"/>
+              <a:rPr lang="en-US" sz="1800" b="0" dirty="0"/>
               <a:t>New image = U v</a:t>
             </a:r>
           </a:p>
           <a:p>
             <a:pPr algn="ctr"/>
-            <a:endParaRPr lang="en-US" sz="1800" b="0"/>
+            <a:endParaRPr lang="en-US" sz="1800" b="0" dirty="0"/>
           </a:p>
           <a:p>
             <a:pPr algn="ctr"/>
             <a:r>
-              <a:rPr lang="en-US" sz="1800" b="0"/>
+              <a:rPr lang="en-US" sz="1800" b="0" dirty="0"/>
               <a:t>(</a:t>
             </a:r>
             <a:r>
-              <a:rPr lang="en-US" sz="1400" b="0" i="1"/>
+              <a:rPr lang="en-US" sz="1400" b="0" i="1" dirty="0"/>
               <a:t>this will give us a column vector of the pixel values… </a:t>
             </a:r>
           </a:p>
           <a:p>
             <a:pPr algn="ctr"/>
             <a:r>
-              <a:rPr lang="en-US" sz="1400" b="0" i="1"/>
+              <a:rPr lang="en-US" sz="1400" b="0" i="1" dirty="0"/>
               <a:t>you have to rearrange it into the shape of the image</a:t>
             </a:r>
             <a:r>
-              <a:rPr lang="en-US" sz="1800" b="0"/>
+              <a:rPr lang="en-US" sz="1800" b="0" dirty="0"/>
               <a:t>).</a:t>
             </a:r>
           </a:p>
           <a:p>
-            <a:endParaRPr lang="en-US" sz="1800" b="0"/>
-          </a:p>
-          <a:p>
-            <a:r>
-              <a:rPr lang="en-US" sz="1800" b="0"/>
+            <a:endParaRPr lang="en-US" sz="1800" b="0" dirty="0"/>
+          </a:p>
+          <a:p>
+            <a:r>
+              <a:rPr lang="en-US" sz="1800" b="0" dirty="0"/>
               <a:t>Given a new image W we can find its coefficients </a:t>
             </a:r>
           </a:p>
           <a:p>
             <a:pPr algn="ctr"/>
             <a:r>
-              <a:rPr lang="en-US" sz="1800" b="0"/>
-              <a:t>v = U</a:t>
-            </a:r>
-            <a:r>
-              <a:rPr lang="en-US" sz="1800" b="0" baseline="30000">
+              <a:rPr lang="en-US" sz="1800" b="0" dirty="0"/>
+              <a:t>v = </a:t>
+            </a:r>
+            <a:r>
+              <a:rPr lang="en-US" sz="1800" b="0" dirty="0" smtClean="0"/>
+              <a:t>U</a:t>
+            </a:r>
+            <a:r>
+              <a:rPr lang="en-US" sz="1800" b="0" baseline="30000" dirty="0" smtClean="0">
                 <a:latin typeface="cmsy10" pitchFamily="34" charset="0"/>
               </a:rPr>
-              <a:t>&gt;</a:t>
-            </a:r>
-            <a:r>
-              <a:rPr lang="en-US" sz="1800" b="0"/>
+              <a:t>T</a:t>
+            </a:r>
+            <a:r>
+              <a:rPr lang="en-US" sz="1800" b="0" dirty="0" smtClean="0"/>
               <a:t>W</a:t>
             </a:r>
+            <a:endParaRPr lang="en-US" sz="1800" b="0" dirty="0"/>
           </a:p>
         </p:txBody>
       </p:sp>
@@ -6873,11 +6882,7 @@
           <a:p>
             <a:r>
               <a:rPr lang="en-US" dirty="0" smtClean="0"/>
-              <a:t>PCA – dependence on </a:t>
-            </a:r>
-            <a:r>
-              <a:rPr lang="en-US" dirty="0" smtClean="0"/>
-              <a:t>k</a:t>
+              <a:t>PCA – dependence on k</a:t>
             </a:r>
             <a:endParaRPr lang="en-US" dirty="0"/>
           </a:p>
@@ -6918,11 +6923,7 @@
             <a:pPr lvl="1"/>
             <a:r>
               <a:rPr lang="en-US" dirty="0" smtClean="0"/>
-              <a:t>189 </a:t>
-            </a:r>
-            <a:r>
-              <a:rPr lang="en-US" dirty="0" smtClean="0"/>
-              <a:t>images, k = 0-50</a:t>
+              <a:t>189 images, k = 0-50</a:t>
             </a:r>
             <a:endParaRPr lang="en-US" dirty="0"/>
           </a:p>
@@ -7090,19 +7091,101 @@
           <a:p>
             <a:r>
               <a:rPr lang="en-US" dirty="0" smtClean="0"/>
-              <a:t>Can iteratively update your matrices for new </a:t>
-            </a:r>
-            <a:r>
-              <a:rPr lang="en-US" dirty="0" smtClean="0"/>
-              <a:t>matrices</a:t>
+              <a:t>Can iteratively update </a:t>
+            </a:r>
+            <a:r>
+              <a:rPr lang="en-US" dirty="0" smtClean="0"/>
+              <a:t>our U, S, and V matrices </a:t>
+            </a:r>
+            <a:r>
+              <a:rPr lang="en-US" dirty="0" smtClean="0"/>
+              <a:t>for new </a:t>
+            </a:r>
+            <a:r>
+              <a:rPr lang="en-US" dirty="0" smtClean="0"/>
+              <a:t>images</a:t>
             </a:r>
           </a:p>
           <a:p>
             <a:pPr lvl="1"/>
             <a:r>
               <a:rPr lang="en-US" dirty="0" smtClean="0"/>
-              <a:t>Can fix S and V after`</a:t>
-            </a:r>
+              <a:t>Good estimate for U and S</a:t>
+            </a:r>
+          </a:p>
+          <a:p>
+            <a:pPr lvl="1"/>
+            <a:r>
+              <a:rPr lang="en-US" dirty="0" smtClean="0"/>
+              <a:t>V coefficient for early images not updated well for later changes to U and S</a:t>
+            </a:r>
+            <a:endParaRPr lang="en-US" dirty="0" smtClean="0"/>
+          </a:p>
+          <a:p>
+            <a:pPr lvl="2"/>
+            <a:r>
+              <a:rPr lang="en-US" dirty="0" smtClean="0"/>
+              <a:t>Can fix S and V </a:t>
+            </a:r>
+            <a:r>
+              <a:rPr lang="en-US" dirty="0" smtClean="0"/>
+              <a:t>on a second pass</a:t>
+            </a:r>
+          </a:p>
+          <a:p>
+            <a:pPr lvl="2"/>
+            <a:r>
+              <a:rPr lang="en-US" dirty="0" smtClean="0"/>
+              <a:t>(S * </a:t>
+            </a:r>
+            <a:r>
+              <a:rPr lang="en-US" dirty="0" err="1" smtClean="0"/>
+              <a:t>V</a:t>
+            </a:r>
+            <a:r>
+              <a:rPr lang="en-US" baseline="-25000" dirty="0" err="1" smtClean="0"/>
+              <a:t>x</a:t>
+            </a:r>
+            <a:r>
+              <a:rPr lang="en-US" dirty="0" smtClean="0"/>
+              <a:t>)</a:t>
+            </a:r>
+            <a:r>
+              <a:rPr lang="en-US" baseline="-25000" dirty="0" smtClean="0"/>
+              <a:t>fixed</a:t>
+            </a:r>
+            <a:r>
+              <a:rPr lang="en-US" dirty="0" smtClean="0"/>
+              <a:t>= (I</a:t>
+            </a:r>
+            <a:r>
+              <a:rPr lang="en-US" baseline="-25000" dirty="0" smtClean="0"/>
+              <a:t>x</a:t>
+            </a:r>
+            <a:r>
+              <a:rPr lang="en-US" dirty="0" smtClean="0"/>
+              <a:t> </a:t>
+            </a:r>
+            <a:r>
+              <a:rPr lang="en-US" dirty="0" smtClean="0"/>
+              <a:t>– </a:t>
+            </a:r>
+            <a:r>
+              <a:rPr lang="en-US" dirty="0" err="1" smtClean="0"/>
+              <a:t>I</a:t>
+            </a:r>
+            <a:r>
+              <a:rPr lang="en-US" baseline="-25000" dirty="0" err="1" smtClean="0"/>
+              <a:t>mean</a:t>
+            </a:r>
+            <a:r>
+              <a:rPr lang="en-US" dirty="0" smtClean="0"/>
+              <a:t>) * U</a:t>
+            </a:r>
+            <a:endParaRPr lang="en-US" dirty="0" smtClean="0"/>
+          </a:p>
+          <a:p>
+            <a:pPr lvl="2"/>
             <a:endParaRPr lang="en-US" dirty="0"/>
           </a:p>
         </p:txBody>
@@ -7179,14 +7262,28 @@
           <a:p>
             <a:r>
               <a:rPr lang="en-US" dirty="0" smtClean="0"/>
-              <a:t>Daytime images</a:t>
-            </a:r>
-          </a:p>
-          <a:p>
-            <a:r>
-              <a:rPr lang="en-US" dirty="0" smtClean="0"/>
-              <a:t>Sky Mask</a:t>
-            </a:r>
+              <a:t>Daytime </a:t>
+            </a:r>
+            <a:r>
+              <a:rPr lang="en-US" dirty="0" smtClean="0"/>
+              <a:t>images</a:t>
+            </a:r>
+          </a:p>
+          <a:p>
+            <a:endParaRPr lang="en-US" dirty="0" smtClean="0"/>
+          </a:p>
+          <a:p>
+            <a:r>
+              <a:rPr lang="en-US" dirty="0" smtClean="0"/>
+              <a:t>Sky </a:t>
+            </a:r>
+            <a:r>
+              <a:rPr lang="en-US" dirty="0" smtClean="0"/>
+              <a:t>Mask</a:t>
+            </a:r>
+          </a:p>
+          <a:p>
+            <a:endParaRPr lang="en-US" dirty="0" smtClean="0"/>
           </a:p>
           <a:p>
             <a:r>
@@ -7269,11 +7366,7 @@
           <a:p>
             <a:r>
               <a:rPr lang="en-US" dirty="0" smtClean="0"/>
-              <a:t>Could take PCA of the entire set of images from one </a:t>
-            </a:r>
-            <a:r>
-              <a:rPr lang="en-US" dirty="0" smtClean="0"/>
-              <a:t>camera</a:t>
+              <a:t>Could take PCA of the entire set of images from one camera</a:t>
             </a:r>
           </a:p>
           <a:p>
@@ -7472,7 +7565,11 @@
           <a:p>
             <a:r>
               <a:rPr lang="en-US" dirty="0" smtClean="0"/>
-              <a:t>Sky Mask</a:t>
+              <a:t>Sky </a:t>
+            </a:r>
+            <a:r>
+              <a:rPr lang="en-US" dirty="0" smtClean="0"/>
+              <a:t>Mask - algorithm</a:t>
             </a:r>
             <a:endParaRPr lang="en-US" dirty="0"/>
           </a:p>
@@ -7515,23 +7612,7 @@
             </a:r>
             <a:r>
               <a:rPr lang="en-US" dirty="0" smtClean="0"/>
-              <a:t> PCA Component of </a:t>
-            </a:r>
-            <a:r>
-              <a:rPr lang="en-US" dirty="0" smtClean="0"/>
-              <a:t>most natural </a:t>
-            </a:r>
-            <a:r>
-              <a:rPr lang="en-US" dirty="0" smtClean="0"/>
-              <a:t>scenes </a:t>
-            </a:r>
-            <a:r>
-              <a:rPr lang="en-US" dirty="0" smtClean="0"/>
-              <a:t>(all </a:t>
-            </a:r>
-            <a:r>
-              <a:rPr lang="en-US" dirty="0" smtClean="0"/>
-              <a:t>times of day) is the sky</a:t>
+              <a:t> PCA Component of most natural scenes (all times of day) is the sky</a:t>
             </a:r>
           </a:p>
           <a:p>
@@ -7546,17 +7627,8 @@
             </a:r>
             <a:r>
               <a:rPr lang="en-US" dirty="0" smtClean="0"/>
-              <a:t> </a:t>
-            </a:r>
-            <a:r>
-              <a:rPr lang="en-US" dirty="0" smtClean="0"/>
-              <a:t>can </a:t>
-            </a:r>
-            <a:r>
-              <a:rPr lang="en-US" dirty="0" smtClean="0"/>
-              <a:t>accurately segment the scene</a:t>
-            </a:r>
-            <a:endParaRPr lang="en-US" dirty="0" smtClean="0"/>
+              <a:t> can accurately segment the scene</a:t>
+            </a:r>
           </a:p>
           <a:p>
             <a:endParaRPr lang="en-US" dirty="0"/>
@@ -7620,6 +7692,13 @@
   <p:clrMapOvr>
     <a:masterClrMapping/>
   </p:clrMapOvr>
+  <p:timing>
+    <p:tnLst>
+      <p:par>
+        <p:cTn id="1" dur="indefinite" restart="never" nodeType="tmRoot"/>
+      </p:par>
+    </p:tnLst>
+  </p:timing>
 </p:sld>
 </file>
 
@@ -7994,7 +8073,7 @@
         <p:spPr>
           <a:xfrm>
             <a:off x="6324600" y="4953000"/>
-            <a:ext cx="2057400" cy="923330"/>
+            <a:ext cx="2057400" cy="369332"/>
           </a:xfrm>
           <a:prstGeom prst="rect">
             <a:avLst/>
@@ -8009,7 +8088,7 @@
           <a:p>
             <a:r>
               <a:rPr lang="en-US" dirty="0" smtClean="0"/>
-              <a:t>Useful in some situations, not in others</a:t>
+              <a:t>Not that useful</a:t>
             </a:r>
             <a:endParaRPr lang="en-US" dirty="0"/>
           </a:p>
@@ -8089,11 +8168,7 @@
           <a:p>
             <a:r>
               <a:rPr lang="en-US" dirty="0" smtClean="0"/>
-              <a:t>Image </a:t>
-            </a:r>
-            <a:r>
-              <a:rPr lang="en-US" dirty="0" smtClean="0"/>
-              <a:t>montage – show most interesting images </a:t>
+              <a:t>Image montage – show most interesting images </a:t>
             </a:r>
           </a:p>
           <a:p>
@@ -8102,7 +8177,6 @@
               <a:rPr lang="en-US" dirty="0" smtClean="0"/>
               <a:t>Highest value of some score</a:t>
             </a:r>
-            <a:endParaRPr lang="en-US" dirty="0" smtClean="0"/>
           </a:p>
           <a:p>
             <a:endParaRPr lang="en-US" dirty="0" smtClean="0"/>
@@ -8137,11 +8211,7 @@
           <a:p>
             <a:r>
               <a:rPr lang="en-US" dirty="0" smtClean="0"/>
-              <a:t>Well-Separated </a:t>
-            </a:r>
-            <a:r>
-              <a:rPr lang="en-US" dirty="0" smtClean="0"/>
-              <a:t>Set Montage</a:t>
+              <a:t>Well-Separated Set Montage</a:t>
             </a:r>
           </a:p>
           <a:p>
@@ -8659,25 +8729,39 @@
           <a:p>
             <a:r>
               <a:rPr lang="en-US" dirty="0" smtClean="0"/>
-              <a:t>Coefficient Vector Magnitude</a:t>
-            </a:r>
-          </a:p>
-          <a:p>
+              <a:t>PCA will capture the uninteresting variation, need to analyze the error to find interesting variation</a:t>
+            </a:r>
+          </a:p>
+          <a:p>
+            <a:pPr lvl="1"/>
+            <a:r>
+              <a:rPr lang="en-US" dirty="0" smtClean="0"/>
+              <a:t>Coefficient </a:t>
+            </a:r>
+            <a:r>
+              <a:rPr lang="en-US" dirty="0" smtClean="0"/>
+              <a:t>Vector Magnitude</a:t>
+            </a:r>
+          </a:p>
+          <a:p>
+            <a:pPr lvl="1"/>
             <a:r>
               <a:rPr lang="en-US" dirty="0" smtClean="0"/>
               <a:t>Reconstruction Error</a:t>
             </a:r>
           </a:p>
           <a:p>
+            <a:pPr lvl="1"/>
             <a:r>
               <a:rPr lang="en-US" dirty="0" smtClean="0"/>
               <a:t>Variance Model</a:t>
             </a:r>
           </a:p>
           <a:p>
-            <a:r>
-              <a:rPr lang="en-US" dirty="0" smtClean="0"/>
-              <a:t>Statistics</a:t>
+            <a:pPr lvl="1"/>
+            <a:r>
+              <a:rPr lang="en-US" dirty="0" smtClean="0"/>
+              <a:t>Distribution of Residuals</a:t>
             </a:r>
             <a:endParaRPr lang="en-US" dirty="0"/>
           </a:p>
@@ -8985,36 +9069,59 @@
           <a:bodyPr/>
           <a:lstStyle/>
           <a:p>
-            <a:endParaRPr lang="en-US"/>
-          </a:p>
-        </p:txBody>
-      </p:sp>
-      <p:pic>
-        <p:nvPicPr>
-          <p:cNvPr id="2051" name="Picture 3" descr="C:\Documents and Settings\gpu\Desktop\David Ross\davidrossmastersproject\mastersProject\writeup\figures\residualReconstruction.jpg"/>
-          <p:cNvPicPr>
-            <a:picLocks noChangeAspect="1" noChangeArrowheads="1"/>
-          </p:cNvPicPr>
-          <p:nvPr/>
-        </p:nvPicPr>
-        <p:blipFill>
-          <a:blip r:embed="rId2"/>
-          <a:srcRect/>
-          <a:stretch>
-            <a:fillRect/>
-          </a:stretch>
-        </p:blipFill>
-        <p:spPr bwMode="auto">
-          <a:xfrm>
-            <a:off x="-1676400" y="2133600"/>
-            <a:ext cx="12125325" cy="3648075"/>
-          </a:xfrm>
-          <a:prstGeom prst="rect">
-            <a:avLst/>
-          </a:prstGeom>
-          <a:noFill/>
-        </p:spPr>
-      </p:pic>
+            <a:r>
+              <a:rPr lang="en-US" dirty="0" smtClean="0"/>
+              <a:t>PCA gives a reconstructed image</a:t>
+            </a:r>
+          </a:p>
+          <a:p>
+            <a:r>
+              <a:rPr lang="en-US" dirty="0" err="1" smtClean="0"/>
+              <a:t>I</a:t>
+            </a:r>
+            <a:r>
+              <a:rPr lang="en-US" baseline="-25000" dirty="0" err="1" smtClean="0"/>
+              <a:t>residual</a:t>
+            </a:r>
+            <a:r>
+              <a:rPr lang="en-US" dirty="0" smtClean="0"/>
+              <a:t> = (I – </a:t>
+            </a:r>
+            <a:r>
+              <a:rPr lang="en-US" dirty="0" err="1" smtClean="0"/>
+              <a:t>I</a:t>
+            </a:r>
+            <a:r>
+              <a:rPr lang="en-US" baseline="-25000" dirty="0" err="1" smtClean="0"/>
+              <a:t>mean</a:t>
+            </a:r>
+            <a:r>
+              <a:rPr lang="en-US" baseline="30000" dirty="0" smtClean="0"/>
+              <a:t> </a:t>
+            </a:r>
+            <a:r>
+              <a:rPr lang="en-US" dirty="0" smtClean="0"/>
+              <a:t>) – </a:t>
+            </a:r>
+            <a:r>
+              <a:rPr lang="en-US" dirty="0" err="1" smtClean="0"/>
+              <a:t>I</a:t>
+            </a:r>
+            <a:r>
+              <a:rPr lang="en-US" baseline="-25000" dirty="0" err="1" smtClean="0"/>
+              <a:t>recontsructed</a:t>
+            </a:r>
+            <a:endParaRPr lang="en-US" baseline="-25000" dirty="0" smtClean="0"/>
+          </a:p>
+          <a:p>
+            <a:r>
+              <a:rPr lang="en-US" dirty="0" smtClean="0"/>
+              <a:t> Sum of the squared residual values gives a good measure for “how much variation did we not capture”</a:t>
+            </a:r>
+            <a:endParaRPr lang="en-US" dirty="0"/>
+          </a:p>
+        </p:txBody>
+      </p:sp>
     </p:spTree>
   </p:cSld>
   <p:clrMapOvr>
@@ -9062,11 +9169,7 @@
           <a:bodyPr/>
           <a:lstStyle/>
           <a:p>
-            <a:r>
-              <a:rPr lang="en-US" dirty="0" smtClean="0"/>
-              <a:t>Variance Model</a:t>
-            </a:r>
-            <a:endParaRPr lang="en-US" dirty="0"/>
+            <a:endParaRPr lang="en-US"/>
           </a:p>
         </p:txBody>
       </p:sp>
@@ -9085,26 +9188,41 @@
           <a:bodyPr/>
           <a:lstStyle/>
           <a:p>
-            <a:r>
-              <a:rPr lang="en-US" dirty="0" smtClean="0"/>
-              <a:t>Can estimate the variance image of a scene by summing …</a:t>
-            </a:r>
-            <a:endParaRPr lang="en-US" dirty="0"/>
-          </a:p>
-        </p:txBody>
-      </p:sp>
+            <a:endParaRPr lang="en-US"/>
+          </a:p>
+        </p:txBody>
+      </p:sp>
+      <p:pic>
+        <p:nvPicPr>
+          <p:cNvPr id="4" name="Picture 2" descr="C:\Documents and Settings\gpu\Desktop\David Ross\davidrossmastersproject\mastersProject\writeup\figures\residualSSDmontage.jpg"/>
+          <p:cNvPicPr>
+            <a:picLocks noChangeAspect="1" noChangeArrowheads="1"/>
+          </p:cNvPicPr>
+          <p:nvPr/>
+        </p:nvPicPr>
+        <p:blipFill>
+          <a:blip r:embed="rId2"/>
+          <a:srcRect/>
+          <a:stretch>
+            <a:fillRect/>
+          </a:stretch>
+        </p:blipFill>
+        <p:spPr bwMode="auto">
+          <a:xfrm>
+            <a:off x="304800" y="133350"/>
+            <a:ext cx="9025189" cy="6724650"/>
+          </a:xfrm>
+          <a:prstGeom prst="rect">
+            <a:avLst/>
+          </a:prstGeom>
+          <a:noFill/>
+        </p:spPr>
+      </p:pic>
     </p:spTree>
   </p:cSld>
   <p:clrMapOvr>
     <a:masterClrMapping/>
   </p:clrMapOvr>
-  <p:timing>
-    <p:tnLst>
-      <p:par>
-        <p:cTn id="1" dur="indefinite" restart="never" nodeType="tmRoot"/>
-      </p:par>
-    </p:tnLst>
-  </p:timing>
 </p:sld>
 </file>
 
@@ -9264,6 +9382,61 @@
           <a:chExt cx="0" cy="0"/>
         </a:xfrm>
       </p:grpSpPr>
+      <p:sp>
+        <p:nvSpPr>
+          <p:cNvPr id="2" name="Title 1"/>
+          <p:cNvSpPr>
+            <a:spLocks noGrp="1"/>
+          </p:cNvSpPr>
+          <p:nvPr>
+            <p:ph type="title"/>
+          </p:nvPr>
+        </p:nvSpPr>
+        <p:spPr/>
+        <p:txBody>
+          <a:bodyPr/>
+          <a:lstStyle/>
+          <a:p>
+            <a:r>
+              <a:rPr lang="en-US" dirty="0" smtClean="0"/>
+              <a:t>Variance Model</a:t>
+            </a:r>
+            <a:endParaRPr lang="en-US" dirty="0"/>
+          </a:p>
+        </p:txBody>
+      </p:sp>
+      <p:sp>
+        <p:nvSpPr>
+          <p:cNvPr id="3" name="Content Placeholder 2"/>
+          <p:cNvSpPr>
+            <a:spLocks noGrp="1"/>
+          </p:cNvSpPr>
+          <p:nvPr>
+            <p:ph idx="1"/>
+          </p:nvPr>
+        </p:nvSpPr>
+        <p:spPr>
+          <a:xfrm>
+            <a:off x="457200" y="2249424"/>
+            <a:ext cx="3581400" cy="4325112"/>
+          </a:xfrm>
+        </p:spPr>
+        <p:txBody>
+          <a:bodyPr/>
+          <a:lstStyle/>
+          <a:p>
+            <a:r>
+              <a:rPr lang="en-US" dirty="0" smtClean="0"/>
+              <a:t>Can estimate the variance image of a scene by </a:t>
+            </a:r>
+            <a:r>
+              <a:rPr lang="en-US" dirty="0" smtClean="0"/>
+              <a:t>averaging sum squared residual at each pixel across all images</a:t>
+            </a:r>
+            <a:endParaRPr lang="en-US" dirty="0"/>
+          </a:p>
+        </p:txBody>
+      </p:sp>
       <p:pic>
         <p:nvPicPr>
           <p:cNvPr id="4" name="Picture 2" descr="C:\Documents and Settings\gpu\Desktop\David Ross\davidrossmastersproject\mastersProject\writeup\figures\severalVarianceImages.jpg"/>
@@ -9281,8 +9454,8 @@
         </p:blipFill>
         <p:spPr bwMode="auto">
           <a:xfrm>
-            <a:off x="990600" y="304800"/>
-            <a:ext cx="7467600" cy="6400800"/>
+            <a:off x="3962400" y="1828800"/>
+            <a:ext cx="4889500" cy="4191000"/>
           </a:xfrm>
           <a:prstGeom prst="rect">
             <a:avLst/>
@@ -9338,7 +9511,7 @@
           <a:lstStyle/>
           <a:p>
             <a:r>
-              <a:rPr lang="en-US" dirty="0" smtClean="0"/>
+              <a:rPr lang="en-US" smtClean="0"/>
               <a:t>Z-score Image</a:t>
             </a:r>
             <a:endParaRPr lang="en-US" dirty="0"/>
@@ -9360,36 +9533,63 @@
           <a:bodyPr/>
           <a:lstStyle/>
           <a:p>
-            <a:endParaRPr lang="en-US"/>
-          </a:p>
-        </p:txBody>
-      </p:sp>
-      <p:pic>
-        <p:nvPicPr>
-          <p:cNvPr id="1026" name="Picture 2" descr="C:\Documents and Settings\gpu\Desktop\David Ross\davidrossmastersproject\mastersProject\writeup\figures\residualZScoreMontage.jpg"/>
-          <p:cNvPicPr>
-            <a:picLocks noChangeAspect="1" noChangeArrowheads="1"/>
-          </p:cNvPicPr>
-          <p:nvPr/>
-        </p:nvPicPr>
-        <p:blipFill>
-          <a:blip r:embed="rId2"/>
-          <a:srcRect/>
-          <a:stretch>
-            <a:fillRect/>
-          </a:stretch>
-        </p:blipFill>
-        <p:spPr bwMode="auto">
-          <a:xfrm>
-            <a:off x="1219200" y="2057400"/>
-            <a:ext cx="6781800" cy="5102228"/>
-          </a:xfrm>
-          <a:prstGeom prst="rect">
-            <a:avLst/>
-          </a:prstGeom>
-          <a:noFill/>
-        </p:spPr>
-      </p:pic>
+            <a:r>
+              <a:rPr lang="en-US" dirty="0" smtClean="0"/>
+              <a:t>To find which variation is most unusual, can calculate the z-score at each pixel</a:t>
+            </a:r>
+          </a:p>
+          <a:p>
+            <a:r>
+              <a:rPr lang="en-US" dirty="0" smtClean="0"/>
+              <a:t>Z-score(</a:t>
+            </a:r>
+            <a:r>
+              <a:rPr lang="en-US" dirty="0" err="1" smtClean="0"/>
+              <a:t>x,y</a:t>
+            </a:r>
+            <a:r>
+              <a:rPr lang="en-US" dirty="0" smtClean="0"/>
+              <a:t>) = Residual(</a:t>
+            </a:r>
+            <a:r>
+              <a:rPr lang="en-US" dirty="0" err="1" smtClean="0"/>
+              <a:t>x,y</a:t>
+            </a:r>
+            <a:r>
+              <a:rPr lang="en-US" dirty="0" smtClean="0"/>
+              <a:t>) / Variance(</a:t>
+            </a:r>
+            <a:r>
+              <a:rPr lang="en-US" dirty="0" err="1" smtClean="0"/>
+              <a:t>x,y</a:t>
+            </a:r>
+            <a:r>
+              <a:rPr lang="en-US" dirty="0" smtClean="0"/>
+              <a:t>)</a:t>
+            </a:r>
+          </a:p>
+          <a:p>
+            <a:r>
+              <a:rPr lang="en-US" dirty="0" smtClean="0"/>
+              <a:t>Now we have a more context-based system for evaluating how interesting variation is</a:t>
+            </a:r>
+          </a:p>
+          <a:p>
+            <a:r>
+              <a:rPr lang="en-US" dirty="0" smtClean="0"/>
+              <a:t>Most marketable contribution</a:t>
+            </a:r>
+          </a:p>
+          <a:p>
+            <a:pPr lvl="1"/>
+            <a:r>
+              <a:rPr lang="en-US" dirty="0" smtClean="0"/>
+              <a:t>security</a:t>
+            </a:r>
+            <a:endParaRPr lang="en-US" dirty="0"/>
+          </a:p>
+        </p:txBody>
+      </p:sp>
     </p:spTree>
   </p:cSld>
   <p:clrMapOvr>
@@ -9422,60 +9622,16 @@
           <a:chExt cx="0" cy="0"/>
         </a:xfrm>
       </p:grpSpPr>
-      <p:sp>
-        <p:nvSpPr>
-          <p:cNvPr id="2" name="Title 1"/>
-          <p:cNvSpPr>
-            <a:spLocks noGrp="1"/>
-          </p:cNvSpPr>
-          <p:nvPr>
-            <p:ph type="title"/>
-          </p:nvPr>
-        </p:nvSpPr>
-        <p:spPr/>
-        <p:txBody>
-          <a:bodyPr>
-            <a:normAutofit fontScale="90000"/>
-          </a:bodyPr>
-          <a:lstStyle/>
-          <a:p>
-            <a:r>
-              <a:rPr lang="en-US" dirty="0" smtClean="0"/>
-              <a:t>Statistical Distribution of Residual Images</a:t>
-            </a:r>
-            <a:endParaRPr lang="en-US" dirty="0"/>
-          </a:p>
-        </p:txBody>
-      </p:sp>
-      <p:sp>
-        <p:nvSpPr>
-          <p:cNvPr id="3" name="Content Placeholder 2"/>
-          <p:cNvSpPr>
-            <a:spLocks noGrp="1"/>
-          </p:cNvSpPr>
-          <p:nvPr>
-            <p:ph idx="1"/>
-          </p:nvPr>
-        </p:nvSpPr>
-        <p:spPr/>
-        <p:txBody>
-          <a:bodyPr/>
-          <a:lstStyle/>
-          <a:p>
-            <a:endParaRPr lang="en-US" dirty="0"/>
-          </a:p>
-        </p:txBody>
-      </p:sp>
       <p:pic>
         <p:nvPicPr>
-          <p:cNvPr id="1026" name="Picture 2" descr="C:\Documents and Settings\gpu\Desktop\David Ross\davidrossmastersproject\mastersProject\writeup\figures\severalHists2.jpg"/>
+          <p:cNvPr id="4" name="Picture 2" descr="C:\Documents and Settings\gpu\Desktop\David Ross\davidrossmastersproject\mastersProject\writeup\figures\residualZScoreMontage.jpg"/>
           <p:cNvPicPr>
             <a:picLocks noChangeAspect="1" noChangeArrowheads="1"/>
           </p:cNvPicPr>
           <p:nvPr/>
         </p:nvPicPr>
         <p:blipFill>
-          <a:blip r:embed="rId3"/>
+          <a:blip r:embed="rId2"/>
           <a:srcRect/>
           <a:stretch>
             <a:fillRect/>
@@ -9483,8 +9639,8 @@
         </p:blipFill>
         <p:spPr bwMode="auto">
           <a:xfrm>
-            <a:off x="1524000" y="2133600"/>
-            <a:ext cx="6705600" cy="4160935"/>
+            <a:off x="762000" y="609600"/>
+            <a:ext cx="7848600" cy="5904825"/>
           </a:xfrm>
           <a:prstGeom prst="rect">
             <a:avLst/>
@@ -9497,13 +9653,6 @@
   <p:clrMapOvr>
     <a:masterClrMapping/>
   </p:clrMapOvr>
-  <p:timing>
-    <p:tnLst>
-      <p:par>
-        <p:cTn id="1" dur="indefinite" restart="never" nodeType="tmRoot"/>
-      </p:par>
-    </p:tnLst>
-  </p:timing>
 </p:sld>
 </file>
 
@@ -9536,55 +9685,76 @@
         </p:nvSpPr>
         <p:spPr/>
         <p:txBody>
+          <a:bodyPr>
+            <a:normAutofit fontScale="90000"/>
+          </a:bodyPr>
+          <a:lstStyle/>
+          <a:p>
+            <a:r>
+              <a:rPr lang="en-US" dirty="0" smtClean="0"/>
+              <a:t>Statistical Distribution of Residual Images</a:t>
+            </a:r>
+            <a:endParaRPr lang="en-US" dirty="0"/>
+          </a:p>
+        </p:txBody>
+      </p:sp>
+      <p:sp>
+        <p:nvSpPr>
+          <p:cNvPr id="3" name="Content Placeholder 2"/>
+          <p:cNvSpPr>
+            <a:spLocks noGrp="1"/>
+          </p:cNvSpPr>
+          <p:nvPr>
+            <p:ph idx="1"/>
+          </p:nvPr>
+        </p:nvSpPr>
+        <p:spPr/>
+        <p:txBody>
           <a:bodyPr/>
           <a:lstStyle/>
           <a:p>
             <a:r>
               <a:rPr lang="en-US" dirty="0" smtClean="0"/>
-              <a:t>Normal Distribution</a:t>
+              <a:t>Can treat R(</a:t>
+            </a:r>
+            <a:r>
+              <a:rPr lang="en-US" dirty="0" err="1" smtClean="0"/>
+              <a:t>x,y</a:t>
+            </a:r>
+            <a:r>
+              <a:rPr lang="en-US" dirty="0" smtClean="0"/>
+              <a:t>) as a sample from an underlying PDF</a:t>
+            </a:r>
+          </a:p>
+          <a:p>
+            <a:pPr lvl="1"/>
+            <a:r>
+              <a:rPr lang="en-US" dirty="0" smtClean="0"/>
+              <a:t>Expect noise to be Gaussian, objects to be non-Gaussian</a:t>
             </a:r>
             <a:endParaRPr lang="en-US" dirty="0"/>
-          </a:p>
-        </p:txBody>
-      </p:sp>
-      <p:sp>
-        <p:nvSpPr>
-          <p:cNvPr id="3" name="Content Placeholder 2"/>
-          <p:cNvSpPr>
-            <a:spLocks noGrp="1"/>
-          </p:cNvSpPr>
-          <p:nvPr>
-            <p:ph idx="1"/>
-          </p:nvPr>
-        </p:nvSpPr>
-        <p:spPr/>
-        <p:txBody>
-          <a:bodyPr/>
-          <a:lstStyle/>
-          <a:p>
-            <a:endParaRPr lang="en-US"/>
           </a:p>
         </p:txBody>
       </p:sp>
       <p:pic>
         <p:nvPicPr>
-          <p:cNvPr id="3074" name="Picture 2" descr="C:\Documents and Settings\gpu\Desktop\David Ross\davidrossmastersproject\mastersProject\writeup\figures\leastNormal.jpg"/>
+          <p:cNvPr id="5" name="Picture 2" descr="C:\Documents and Settings\gpu\Desktop\David Ross\davidrossmastersproject\mastersProject\writeup\figures\severalHists2.jpg"/>
           <p:cNvPicPr>
             <a:picLocks noChangeAspect="1" noChangeArrowheads="1"/>
           </p:cNvPicPr>
           <p:nvPr/>
         </p:nvPicPr>
         <p:blipFill>
-          <a:blip r:embed="rId2"/>
-          <a:srcRect l="6528" t="2810" r="7162" b="4450"/>
+          <a:blip r:embed="rId3"/>
+          <a:srcRect/>
           <a:stretch>
             <a:fillRect/>
           </a:stretch>
         </p:blipFill>
         <p:spPr bwMode="auto">
           <a:xfrm>
-            <a:off x="1066800" y="685800"/>
-            <a:ext cx="6858000" cy="5705395"/>
+            <a:off x="1219200" y="4191000"/>
+            <a:ext cx="6705600" cy="2408335"/>
           </a:xfrm>
           <a:prstGeom prst="rect">
             <a:avLst/>
@@ -9624,55 +9794,9 @@
           <a:chExt cx="0" cy="0"/>
         </a:xfrm>
       </p:grpSpPr>
-      <p:sp>
-        <p:nvSpPr>
-          <p:cNvPr id="2" name="Title 1"/>
-          <p:cNvSpPr>
-            <a:spLocks noGrp="1"/>
-          </p:cNvSpPr>
-          <p:nvPr>
-            <p:ph type="title"/>
-          </p:nvPr>
-        </p:nvSpPr>
-        <p:spPr/>
-        <p:txBody>
-          <a:bodyPr/>
-          <a:lstStyle/>
-          <a:p>
-            <a:r>
-              <a:rPr lang="en-US" dirty="0" err="1" smtClean="0"/>
-              <a:t>Laplacian</a:t>
-            </a:r>
-            <a:r>
-              <a:rPr lang="en-US" dirty="0" smtClean="0"/>
-              <a:t> Distribution</a:t>
-            </a:r>
-            <a:endParaRPr lang="en-US" dirty="0"/>
-          </a:p>
-        </p:txBody>
-      </p:sp>
-      <p:sp>
-        <p:nvSpPr>
-          <p:cNvPr id="3" name="Content Placeholder 2"/>
-          <p:cNvSpPr>
-            <a:spLocks noGrp="1"/>
-          </p:cNvSpPr>
-          <p:nvPr>
-            <p:ph idx="1"/>
-          </p:nvPr>
-        </p:nvSpPr>
-        <p:spPr/>
-        <p:txBody>
-          <a:bodyPr/>
-          <a:lstStyle/>
-          <a:p>
-            <a:endParaRPr lang="en-US"/>
-          </a:p>
-        </p:txBody>
-      </p:sp>
       <p:pic>
         <p:nvPicPr>
-          <p:cNvPr id="4099" name="Picture 3" descr="C:\Documents and Settings\gpu\Desktop\David Ross\davidrossmastersproject\mastersProject\writeup\figures\leastLaplacian.jpg"/>
+          <p:cNvPr id="1026" name="Picture 2" descr="C:\Documents and Settings\gpu\Desktop\David Ross\davidrossmastersproject\mastersProject\writeup\figures\severalHistsReconstruction.jpg"/>
           <p:cNvPicPr>
             <a:picLocks noChangeAspect="1" noChangeArrowheads="1"/>
           </p:cNvPicPr>
@@ -9680,15 +9804,15 @@
         </p:nvPicPr>
         <p:blipFill>
           <a:blip r:embed="rId2"/>
-          <a:srcRect l="6089" t="2947" r="6875" b="4313"/>
+          <a:srcRect/>
           <a:stretch>
             <a:fillRect/>
           </a:stretch>
         </p:blipFill>
         <p:spPr bwMode="auto">
           <a:xfrm>
-            <a:off x="1752600" y="-152400"/>
-            <a:ext cx="9144000" cy="7543800"/>
+            <a:off x="2133600" y="838200"/>
+            <a:ext cx="4648200" cy="5639907"/>
           </a:xfrm>
           <a:prstGeom prst="rect">
             <a:avLst/>
@@ -9745,35 +9869,76 @@
           <a:p>
             <a:r>
               <a:rPr lang="en-US" dirty="0" smtClean="0"/>
-              <a:t>Bonus – Kurtosis and </a:t>
+              <a:t>Normal Distribution</a:t>
+            </a:r>
+            <a:endParaRPr lang="en-US" dirty="0"/>
+          </a:p>
+        </p:txBody>
+      </p:sp>
+      <p:sp>
+        <p:nvSpPr>
+          <p:cNvPr id="3" name="Content Placeholder 2"/>
+          <p:cNvSpPr>
+            <a:spLocks noGrp="1"/>
+          </p:cNvSpPr>
+          <p:nvPr>
+            <p:ph idx="1"/>
+          </p:nvPr>
+        </p:nvSpPr>
+        <p:spPr/>
+        <p:txBody>
+          <a:bodyPr/>
+          <a:lstStyle/>
+          <a:p>
+            <a:r>
+              <a:rPr lang="en-US" dirty="0" smtClean="0"/>
+              <a:t>If we expect R(</a:t>
             </a:r>
             <a:r>
               <a:rPr lang="en-US" dirty="0" err="1" smtClean="0"/>
-              <a:t>Skewness</a:t>
+              <a:t>x,y</a:t>
+            </a:r>
+            <a:r>
+              <a:rPr lang="en-US" dirty="0" smtClean="0"/>
+              <a:t>) to sample from a normal distribution, we can easy estimate that and then evaluate each value using</a:t>
             </a:r>
             <a:endParaRPr lang="en-US" dirty="0"/>
           </a:p>
         </p:txBody>
       </p:sp>
-      <p:sp>
-        <p:nvSpPr>
-          <p:cNvPr id="3" name="Content Placeholder 2"/>
-          <p:cNvSpPr>
-            <a:spLocks noGrp="1"/>
-          </p:cNvSpPr>
-          <p:nvPr>
-            <p:ph idx="1"/>
-          </p:nvPr>
-        </p:nvSpPr>
-        <p:spPr/>
-        <p:txBody>
-          <a:bodyPr/>
-          <a:lstStyle/>
-          <a:p>
-            <a:endParaRPr lang="en-US"/>
-          </a:p>
-        </p:txBody>
-      </p:sp>
+      <p:pic>
+        <p:nvPicPr>
+          <p:cNvPr id="2050" name="Picture 2"/>
+          <p:cNvPicPr>
+            <a:picLocks noChangeAspect="1" noChangeArrowheads="1"/>
+          </p:cNvPicPr>
+          <p:nvPr/>
+        </p:nvPicPr>
+        <p:blipFill>
+          <a:blip r:embed="rId2"/>
+          <a:srcRect/>
+          <a:stretch>
+            <a:fillRect/>
+          </a:stretch>
+        </p:blipFill>
+        <p:spPr bwMode="auto">
+          <a:xfrm>
+            <a:off x="2514600" y="3962400"/>
+            <a:ext cx="3389909" cy="1052512"/>
+          </a:xfrm>
+          <a:prstGeom prst="rect">
+            <a:avLst/>
+          </a:prstGeom>
+          <a:noFill/>
+          <a:ln w="9525">
+            <a:noFill/>
+            <a:miter lim="800000"/>
+            <a:headEnd/>
+            <a:tailEnd/>
+          </a:ln>
+          <a:effectLst/>
+        </p:spPr>
+      </p:pic>
     </p:spTree>
   </p:cSld>
   <p:clrMapOvr>
@@ -9821,11 +9986,7 @@
           <a:bodyPr/>
           <a:lstStyle/>
           <a:p>
-            <a:r>
-              <a:rPr lang="en-US" dirty="0" smtClean="0"/>
-              <a:t>Conclusion</a:t>
-            </a:r>
-            <a:endParaRPr lang="en-US" dirty="0"/>
+            <a:endParaRPr lang="en-US"/>
           </a:p>
         </p:txBody>
       </p:sp>
@@ -9848,6 +10009,32 @@
           </a:p>
         </p:txBody>
       </p:sp>
+      <p:pic>
+        <p:nvPicPr>
+          <p:cNvPr id="4" name="Picture 2" descr="C:\Documents and Settings\gpu\Desktop\David Ross\davidrossmastersproject\mastersProject\writeup\figures\leastNormal.jpg"/>
+          <p:cNvPicPr>
+            <a:picLocks noChangeAspect="1" noChangeArrowheads="1"/>
+          </p:cNvPicPr>
+          <p:nvPr/>
+        </p:nvPicPr>
+        <p:blipFill>
+          <a:blip r:embed="rId2"/>
+          <a:srcRect l="6528" t="2810" r="7162" b="4450"/>
+          <a:stretch>
+            <a:fillRect/>
+          </a:stretch>
+        </p:blipFill>
+        <p:spPr bwMode="auto">
+          <a:xfrm>
+            <a:off x="1066800" y="533400"/>
+            <a:ext cx="7239000" cy="6022361"/>
+          </a:xfrm>
+          <a:prstGeom prst="rect">
+            <a:avLst/>
+          </a:prstGeom>
+          <a:noFill/>
+        </p:spPr>
+      </p:pic>
     </p:spTree>
   </p:cSld>
   <p:clrMapOvr>
@@ -9889,8 +10076,12 @@
           <a:lstStyle/>
           <a:p>
             <a:r>
-              <a:rPr lang="en-US" dirty="0" smtClean="0"/>
-              <a:t>Future Work</a:t>
+              <a:rPr lang="en-US" dirty="0" err="1" smtClean="0"/>
+              <a:t>Laplacian</a:t>
+            </a:r>
+            <a:r>
+              <a:rPr lang="en-US" dirty="0" smtClean="0"/>
+              <a:t> Distribution</a:t>
             </a:r>
             <a:endParaRPr lang="en-US" dirty="0"/>
           </a:p>
@@ -9911,10 +10102,63 @@
           <a:bodyPr/>
           <a:lstStyle/>
           <a:p>
-            <a:endParaRPr lang="en-US"/>
-          </a:p>
-        </p:txBody>
-      </p:sp>
+            <a:r>
+              <a:rPr lang="en-US" dirty="0" smtClean="0"/>
+              <a:t>Many histograms look more like </a:t>
+            </a:r>
+            <a:r>
+              <a:rPr lang="en-US" dirty="0" err="1" smtClean="0"/>
+              <a:t>Laplacian</a:t>
+            </a:r>
+            <a:r>
+              <a:rPr lang="en-US" dirty="0" smtClean="0"/>
+              <a:t> Distributions, so we can do the same algorithm but for the </a:t>
+            </a:r>
+            <a:r>
+              <a:rPr lang="en-US" dirty="0" err="1" smtClean="0"/>
+              <a:t>Laplacian</a:t>
+            </a:r>
+            <a:r>
+              <a:rPr lang="en-US" dirty="0" smtClean="0"/>
+              <a:t> distribution </a:t>
+            </a:r>
+            <a:endParaRPr lang="en-US" dirty="0"/>
+          </a:p>
+        </p:txBody>
+      </p:sp>
+      <p:pic>
+        <p:nvPicPr>
+          <p:cNvPr id="3075" name="Picture 3"/>
+          <p:cNvPicPr>
+            <a:picLocks noChangeAspect="1" noChangeArrowheads="1"/>
+          </p:cNvPicPr>
+          <p:nvPr/>
+        </p:nvPicPr>
+        <p:blipFill>
+          <a:blip r:embed="rId2"/>
+          <a:srcRect/>
+          <a:stretch>
+            <a:fillRect/>
+          </a:stretch>
+        </p:blipFill>
+        <p:spPr bwMode="auto">
+          <a:xfrm>
+            <a:off x="2667000" y="4038600"/>
+            <a:ext cx="2801587" cy="1084031"/>
+          </a:xfrm>
+          <a:prstGeom prst="rect">
+            <a:avLst/>
+          </a:prstGeom>
+          <a:noFill/>
+          <a:ln w="9525">
+            <a:noFill/>
+            <a:miter lim="800000"/>
+            <a:headEnd/>
+            <a:tailEnd/>
+          </a:ln>
+          <a:effectLst/>
+        </p:spPr>
+      </p:pic>
     </p:spTree>
   </p:cSld>
   <p:clrMapOvr>
@@ -9947,6 +10191,57 @@
           <a:chExt cx="0" cy="0"/>
         </a:xfrm>
       </p:grpSpPr>
+      <p:pic>
+        <p:nvPicPr>
+          <p:cNvPr id="4" name="Picture 3" descr="C:\Documents and Settings\gpu\Desktop\David Ross\davidrossmastersproject\mastersProject\writeup\figures\leastLaplacian.jpg"/>
+          <p:cNvPicPr>
+            <a:picLocks noChangeAspect="1" noChangeArrowheads="1"/>
+          </p:cNvPicPr>
+          <p:nvPr/>
+        </p:nvPicPr>
+        <p:blipFill>
+          <a:blip r:embed="rId2"/>
+          <a:srcRect l="6089" t="2947" r="6875" b="4313"/>
+          <a:stretch>
+            <a:fillRect/>
+          </a:stretch>
+        </p:blipFill>
+        <p:spPr bwMode="auto">
+          <a:xfrm>
+            <a:off x="762000" y="1066800"/>
+            <a:ext cx="7573818" cy="6248400"/>
+          </a:xfrm>
+          <a:prstGeom prst="rect">
+            <a:avLst/>
+          </a:prstGeom>
+          <a:noFill/>
+        </p:spPr>
+      </p:pic>
+    </p:spTree>
+  </p:cSld>
+  <p:clrMapOvr>
+    <a:masterClrMapping/>
+  </p:clrMapOvr>
+</p:sld>
+</file>
+
+<file path=ppt/slides/slide39.xml><?xml version="1.0" encoding="utf-8"?>
+<p:sld xmlns:a="http://schemas.openxmlformats.org/drawingml/2006/main" xmlns:r="http://schemas.openxmlformats.org/officeDocument/2006/relationships" xmlns:p="http://schemas.openxmlformats.org/presentationml/2006/main">
+  <p:cSld>
+    <p:spTree>
+      <p:nvGrpSpPr>
+        <p:cNvPr id="1" name=""/>
+        <p:cNvGrpSpPr/>
+        <p:nvPr/>
+      </p:nvGrpSpPr>
+      <p:grpSpPr>
+        <a:xfrm>
+          <a:off x="0" y="0"/>
+          <a:ext cx="0" cy="0"/>
+          <a:chOff x="0" y="0"/>
+          <a:chExt cx="0" cy="0"/>
+        </a:xfrm>
+      </p:grpSpPr>
       <p:sp>
         <p:nvSpPr>
           <p:cNvPr id="2" name="Title 1"/>
@@ -9964,7 +10259,11 @@
           <a:p>
             <a:r>
               <a:rPr lang="en-US" dirty="0" smtClean="0"/>
-              <a:t>Questions?</a:t>
+              <a:t>Bonus – Kurtosis and </a:t>
+            </a:r>
+            <a:r>
+              <a:rPr lang="en-US" dirty="0" err="1" smtClean="0"/>
+              <a:t>Skewness</a:t>
             </a:r>
             <a:endParaRPr lang="en-US" dirty="0"/>
           </a:p>
@@ -9985,10 +10284,157 @@
           <a:bodyPr/>
           <a:lstStyle/>
           <a:p>
+            <a:r>
+              <a:rPr lang="en-US" dirty="0" smtClean="0"/>
+              <a:t>Statistics for “non-</a:t>
+            </a:r>
+            <a:r>
+              <a:rPr lang="en-US" dirty="0" err="1" smtClean="0"/>
+              <a:t>Guassiannesss</a:t>
+            </a:r>
+            <a:r>
+              <a:rPr lang="en-US" dirty="0" smtClean="0"/>
+              <a:t>”</a:t>
+            </a:r>
+          </a:p>
+          <a:p>
+            <a:r>
+              <a:rPr lang="en-US" dirty="0" err="1" smtClean="0"/>
+              <a:t>Skewness</a:t>
+            </a:r>
+            <a:r>
+              <a:rPr lang="en-US" dirty="0" smtClean="0"/>
+              <a:t> measures asymmetry</a:t>
+            </a:r>
+          </a:p>
+          <a:p>
+            <a:pPr lvl="1"/>
+            <a:r>
+              <a:rPr lang="en-US" dirty="0" smtClean="0"/>
+              <a:t>No good results</a:t>
+            </a:r>
+          </a:p>
+          <a:p>
+            <a:r>
+              <a:rPr lang="en-US" dirty="0" smtClean="0"/>
+              <a:t>Kurtosis measures unlikely deviation</a:t>
+            </a:r>
+          </a:p>
+          <a:p>
+            <a:pPr lvl="1"/>
+            <a:r>
+              <a:rPr lang="en-US" dirty="0" smtClean="0"/>
+              <a:t>Tends to mirror the residual sum squared error scores</a:t>
+            </a:r>
+          </a:p>
+          <a:p>
+            <a:r>
+              <a:rPr lang="en-US" dirty="0" smtClean="0"/>
+              <a:t>The effect of small objects is dominated by the noise over the rest of the image</a:t>
+            </a:r>
             <a:endParaRPr lang="en-US" dirty="0"/>
           </a:p>
         </p:txBody>
       </p:sp>
+      <p:pic>
+        <p:nvPicPr>
+          <p:cNvPr id="4098" name="Picture 2"/>
+          <p:cNvPicPr>
+            <a:picLocks noChangeAspect="1" noChangeArrowheads="1"/>
+          </p:cNvPicPr>
+          <p:nvPr/>
+        </p:nvPicPr>
+        <p:blipFill>
+          <a:blip r:embed="rId3"/>
+          <a:srcRect/>
+          <a:stretch>
+            <a:fillRect/>
+          </a:stretch>
+        </p:blipFill>
+        <p:spPr bwMode="auto">
+          <a:xfrm>
+            <a:off x="6248400" y="3200400"/>
+            <a:ext cx="2124075" cy="533400"/>
+          </a:xfrm>
+          <a:prstGeom prst="rect">
+            <a:avLst/>
+          </a:prstGeom>
+          <a:noFill/>
+          <a:ln w="9525">
+            <a:noFill/>
+            <a:miter lim="800000"/>
+            <a:headEnd/>
+            <a:tailEnd/>
+          </a:ln>
+          <a:effectLst/>
+        </p:spPr>
+      </p:pic>
+      <p:pic>
+        <p:nvPicPr>
+          <p:cNvPr id="4100" name="Picture 4"/>
+          <p:cNvPicPr>
+            <a:picLocks noChangeAspect="1" noChangeArrowheads="1"/>
+          </p:cNvPicPr>
+          <p:nvPr/>
+        </p:nvPicPr>
+        <p:blipFill>
+          <a:blip r:embed="rId4"/>
+          <a:srcRect/>
+          <a:stretch>
+            <a:fillRect/>
+          </a:stretch>
+        </p:blipFill>
+        <p:spPr bwMode="auto">
+          <a:xfrm>
+            <a:off x="6781800" y="3581400"/>
+            <a:ext cx="1038225" cy="542925"/>
+          </a:xfrm>
+          <a:prstGeom prst="rect">
+            <a:avLst/>
+          </a:prstGeom>
+          <a:noFill/>
+          <a:ln w="9525">
+            <a:noFill/>
+            <a:miter lim="800000"/>
+            <a:headEnd/>
+            <a:tailEnd/>
+          </a:ln>
+          <a:effectLst/>
+        </p:spPr>
+      </p:pic>
+      <p:pic>
+        <p:nvPicPr>
+          <p:cNvPr id="4101" name="Picture 5"/>
+          <p:cNvPicPr>
+            <a:picLocks noChangeAspect="1" noChangeArrowheads="1"/>
+          </p:cNvPicPr>
+          <p:nvPr/>
+        </p:nvPicPr>
+        <p:blipFill>
+          <a:blip r:embed="rId5"/>
+          <a:srcRect/>
+          <a:stretch>
+            <a:fillRect/>
+          </a:stretch>
+        </p:blipFill>
+        <p:spPr bwMode="auto">
+          <a:xfrm>
+            <a:off x="6629400" y="2743200"/>
+            <a:ext cx="1295400" cy="514350"/>
+          </a:xfrm>
+          <a:prstGeom prst="rect">
+            <a:avLst/>
+          </a:prstGeom>
+          <a:noFill/>
+          <a:ln w="9525">
+            <a:noFill/>
+            <a:miter lim="800000"/>
+            <a:headEnd/>
+            <a:tailEnd/>
+          </a:ln>
+          <a:effectLst/>
+        </p:spPr>
+      </p:pic>
     </p:spTree>
   </p:cSld>
   <p:clrMapOvr>
@@ -10105,6 +10551,293 @@
 </p:sld>
 </file>
 
+<file path=ppt/slides/slide40.xml><?xml version="1.0" encoding="utf-8"?>
+<p:sld xmlns:a="http://schemas.openxmlformats.org/drawingml/2006/main" xmlns:r="http://schemas.openxmlformats.org/officeDocument/2006/relationships" xmlns:p="http://schemas.openxmlformats.org/presentationml/2006/main">
+  <p:cSld>
+    <p:spTree>
+      <p:nvGrpSpPr>
+        <p:cNvPr id="1" name=""/>
+        <p:cNvGrpSpPr/>
+        <p:nvPr/>
+      </p:nvGrpSpPr>
+      <p:grpSpPr>
+        <a:xfrm>
+          <a:off x="0" y="0"/>
+          <a:ext cx="0" cy="0"/>
+          <a:chOff x="0" y="0"/>
+          <a:chExt cx="0" cy="0"/>
+        </a:xfrm>
+      </p:grpSpPr>
+      <p:sp>
+        <p:nvSpPr>
+          <p:cNvPr id="2" name="Title 1"/>
+          <p:cNvSpPr>
+            <a:spLocks noGrp="1"/>
+          </p:cNvSpPr>
+          <p:nvPr>
+            <p:ph type="title"/>
+          </p:nvPr>
+        </p:nvSpPr>
+        <p:spPr/>
+        <p:txBody>
+          <a:bodyPr/>
+          <a:lstStyle/>
+          <a:p>
+            <a:r>
+              <a:rPr lang="en-US" dirty="0" smtClean="0"/>
+              <a:t>Conclusion</a:t>
+            </a:r>
+            <a:endParaRPr lang="en-US" dirty="0"/>
+          </a:p>
+        </p:txBody>
+      </p:sp>
+      <p:sp>
+        <p:nvSpPr>
+          <p:cNvPr id="3" name="Content Placeholder 2"/>
+          <p:cNvSpPr>
+            <a:spLocks noGrp="1"/>
+          </p:cNvSpPr>
+          <p:nvPr>
+            <p:ph idx="1"/>
+          </p:nvPr>
+        </p:nvSpPr>
+        <p:spPr/>
+        <p:txBody>
+          <a:bodyPr/>
+          <a:lstStyle/>
+          <a:p>
+            <a:r>
+              <a:rPr lang="en-US" dirty="0" smtClean="0"/>
+              <a:t>AMOS Dataset too big to keep track of interesting variation in each scene</a:t>
+            </a:r>
+          </a:p>
+          <a:p>
+            <a:r>
+              <a:rPr lang="en-US" dirty="0" smtClean="0"/>
+              <a:t>Developed automatic visualization tools to help</a:t>
+            </a:r>
+          </a:p>
+          <a:p>
+            <a:pPr lvl="1"/>
+            <a:r>
+              <a:rPr lang="en-US" dirty="0" smtClean="0"/>
+              <a:t>Use PCA to learn less interesting variation</a:t>
+            </a:r>
+          </a:p>
+          <a:p>
+            <a:pPr lvl="2"/>
+            <a:r>
+              <a:rPr lang="en-US" dirty="0" smtClean="0"/>
+              <a:t>Daytime images, sky mask -&gt; useful</a:t>
+            </a:r>
+          </a:p>
+          <a:p>
+            <a:pPr lvl="2"/>
+            <a:r>
+              <a:rPr lang="en-US" dirty="0" smtClean="0"/>
+              <a:t>Gradient images -&gt; not useful</a:t>
+            </a:r>
+          </a:p>
+          <a:p>
+            <a:pPr lvl="1"/>
+            <a:r>
+              <a:rPr lang="en-US" dirty="0" smtClean="0"/>
+              <a:t>Interesting images from evaluating PCA error</a:t>
+            </a:r>
+          </a:p>
+          <a:p>
+            <a:pPr lvl="2"/>
+            <a:r>
+              <a:rPr lang="en-US" dirty="0" smtClean="0"/>
+              <a:t>Reconstruction error and Variance Models -&gt; useful</a:t>
+            </a:r>
+          </a:p>
+          <a:p>
+            <a:pPr lvl="2"/>
+            <a:r>
+              <a:rPr lang="en-US" dirty="0" smtClean="0"/>
+              <a:t>Statistical models -&gt; mixed results</a:t>
+            </a:r>
+            <a:endParaRPr lang="en-US" dirty="0" smtClean="0"/>
+          </a:p>
+          <a:p>
+            <a:endParaRPr lang="en-US" dirty="0"/>
+          </a:p>
+        </p:txBody>
+      </p:sp>
+    </p:spTree>
+  </p:cSld>
+  <p:clrMapOvr>
+    <a:masterClrMapping/>
+  </p:clrMapOvr>
+  <p:timing>
+    <p:tnLst>
+      <p:par>
+        <p:cTn id="1" dur="indefinite" restart="never" nodeType="tmRoot"/>
+      </p:par>
+    </p:tnLst>
+  </p:timing>
+</p:sld>
+</file>
+
+<file path=ppt/slides/slide41.xml><?xml version="1.0" encoding="utf-8"?>
+<p:sld xmlns:a="http://schemas.openxmlformats.org/drawingml/2006/main" xmlns:r="http://schemas.openxmlformats.org/officeDocument/2006/relationships" xmlns:p="http://schemas.openxmlformats.org/presentationml/2006/main">
+  <p:cSld>
+    <p:spTree>
+      <p:nvGrpSpPr>
+        <p:cNvPr id="1" name=""/>
+        <p:cNvGrpSpPr/>
+        <p:nvPr/>
+      </p:nvGrpSpPr>
+      <p:grpSpPr>
+        <a:xfrm>
+          <a:off x="0" y="0"/>
+          <a:ext cx="0" cy="0"/>
+          <a:chOff x="0" y="0"/>
+          <a:chExt cx="0" cy="0"/>
+        </a:xfrm>
+      </p:grpSpPr>
+      <p:sp>
+        <p:nvSpPr>
+          <p:cNvPr id="2" name="Title 1"/>
+          <p:cNvSpPr>
+            <a:spLocks noGrp="1"/>
+          </p:cNvSpPr>
+          <p:nvPr>
+            <p:ph type="title"/>
+          </p:nvPr>
+        </p:nvSpPr>
+        <p:spPr/>
+        <p:txBody>
+          <a:bodyPr/>
+          <a:lstStyle/>
+          <a:p>
+            <a:r>
+              <a:rPr lang="en-US" dirty="0" smtClean="0"/>
+              <a:t>Future Work</a:t>
+            </a:r>
+            <a:endParaRPr lang="en-US" dirty="0"/>
+          </a:p>
+        </p:txBody>
+      </p:sp>
+      <p:sp>
+        <p:nvSpPr>
+          <p:cNvPr id="3" name="Content Placeholder 2"/>
+          <p:cNvSpPr>
+            <a:spLocks noGrp="1"/>
+          </p:cNvSpPr>
+          <p:nvPr>
+            <p:ph idx="1"/>
+          </p:nvPr>
+        </p:nvSpPr>
+        <p:spPr/>
+        <p:txBody>
+          <a:bodyPr/>
+          <a:lstStyle/>
+          <a:p>
+            <a:r>
+              <a:rPr lang="en-US" dirty="0" smtClean="0"/>
+              <a:t>Interface with AMOS site</a:t>
+            </a:r>
+          </a:p>
+          <a:p>
+            <a:endParaRPr lang="en-US" dirty="0" smtClean="0"/>
+          </a:p>
+          <a:p>
+            <a:r>
+              <a:rPr lang="en-US" dirty="0" smtClean="0"/>
+              <a:t>Object Extraction</a:t>
+            </a:r>
+          </a:p>
+          <a:p>
+            <a:endParaRPr lang="en-US" dirty="0" smtClean="0"/>
+          </a:p>
+          <a:p>
+            <a:r>
+              <a:rPr lang="en-US" dirty="0" smtClean="0"/>
+              <a:t>User customizability</a:t>
+            </a:r>
+            <a:endParaRPr lang="en-US" dirty="0"/>
+          </a:p>
+        </p:txBody>
+      </p:sp>
+    </p:spTree>
+  </p:cSld>
+  <p:clrMapOvr>
+    <a:masterClrMapping/>
+  </p:clrMapOvr>
+  <p:timing>
+    <p:tnLst>
+      <p:par>
+        <p:cTn id="1" dur="indefinite" restart="never" nodeType="tmRoot"/>
+      </p:par>
+    </p:tnLst>
+  </p:timing>
+</p:sld>
+</file>
+
+<file path=ppt/slides/slide42.xml><?xml version="1.0" encoding="utf-8"?>
+<p:sld xmlns:a="http://schemas.openxmlformats.org/drawingml/2006/main" xmlns:r="http://schemas.openxmlformats.org/officeDocument/2006/relationships" xmlns:p="http://schemas.openxmlformats.org/presentationml/2006/main">
+  <p:cSld>
+    <p:spTree>
+      <p:nvGrpSpPr>
+        <p:cNvPr id="1" name=""/>
+        <p:cNvGrpSpPr/>
+        <p:nvPr/>
+      </p:nvGrpSpPr>
+      <p:grpSpPr>
+        <a:xfrm>
+          <a:off x="0" y="0"/>
+          <a:ext cx="0" cy="0"/>
+          <a:chOff x="0" y="0"/>
+          <a:chExt cx="0" cy="0"/>
+        </a:xfrm>
+      </p:grpSpPr>
+      <p:sp>
+        <p:nvSpPr>
+          <p:cNvPr id="2" name="Title 1"/>
+          <p:cNvSpPr>
+            <a:spLocks noGrp="1"/>
+          </p:cNvSpPr>
+          <p:nvPr>
+            <p:ph type="title"/>
+          </p:nvPr>
+        </p:nvSpPr>
+        <p:spPr>
+          <a:xfrm>
+            <a:off x="457200" y="1143000"/>
+            <a:ext cx="8229600" cy="3429000"/>
+          </a:xfrm>
+        </p:spPr>
+        <p:txBody>
+          <a:bodyPr>
+            <a:normAutofit/>
+          </a:bodyPr>
+          <a:lstStyle/>
+          <a:p>
+            <a:r>
+              <a:rPr lang="en-US" sz="6000" dirty="0" smtClean="0"/>
+              <a:t>Questions?</a:t>
+            </a:r>
+            <a:endParaRPr lang="en-US" sz="6000" dirty="0"/>
+          </a:p>
+        </p:txBody>
+      </p:sp>
+    </p:spTree>
+  </p:cSld>
+  <p:clrMapOvr>
+    <a:masterClrMapping/>
+  </p:clrMapOvr>
+  <p:timing>
+    <p:tnLst>
+      <p:par>
+        <p:cTn id="1" dur="indefinite" restart="never" nodeType="tmRoot"/>
+      </p:par>
+    </p:tnLst>
+  </p:timing>
+</p:sld>
+</file>
+
 <file path=ppt/slides/slide5.xml><?xml version="1.0" encoding="utf-8"?>
 <p:sld xmlns:a="http://schemas.openxmlformats.org/drawingml/2006/main" xmlns:r="http://schemas.openxmlformats.org/officeDocument/2006/relationships" xmlns:p="http://schemas.openxmlformats.org/presentationml/2006/main">
   <p:cSld>
@@ -10993,342 +11726,338 @@
         </p:nvSpPr>
         <p:spPr/>
         <p:txBody>
+          <a:bodyPr/>
+          <a:lstStyle/>
+          <a:p>
+            <a:r>
+              <a:rPr lang="en-US" dirty="0" smtClean="0"/>
+              <a:t>Principal Component Analysis</a:t>
+            </a:r>
+            <a:endParaRPr lang="en-US" dirty="0"/>
+          </a:p>
+        </p:txBody>
+      </p:sp>
+      <p:sp>
+        <p:nvSpPr>
+          <p:cNvPr id="3" name="Content Placeholder 2"/>
+          <p:cNvSpPr>
+            <a:spLocks noGrp="1"/>
+          </p:cNvSpPr>
+          <p:nvPr>
+            <p:ph idx="1"/>
+          </p:nvPr>
+        </p:nvSpPr>
+        <p:spPr/>
+        <p:txBody>
           <a:bodyPr>
-            <a:normAutofit/>
+            <a:normAutofit lnSpcReduction="10000"/>
           </a:bodyPr>
           <a:lstStyle/>
           <a:p>
-            <a:r>
-              <a:rPr lang="en-US" dirty="0" smtClean="0"/>
-              <a:t>PCA Math</a:t>
-            </a:r>
+            <a:pPr>
+              <a:lnSpc>
+                <a:spcPct val="90000"/>
+              </a:lnSpc>
+              <a:buFontTx/>
+              <a:buNone/>
+            </a:pPr>
+            <a:r>
+              <a:rPr lang="en-US" dirty="0" smtClean="0"/>
+              <a:t>Given: a collection of sample images, {I</a:t>
+            </a:r>
+            <a:r>
+              <a:rPr lang="en-US" baseline="-25000" dirty="0" smtClean="0"/>
+              <a:t>1</a:t>
+            </a:r>
+            <a:r>
+              <a:rPr lang="en-US" dirty="0" smtClean="0"/>
+              <a:t>,…I</a:t>
+            </a:r>
+            <a:r>
+              <a:rPr lang="en-US" baseline="-25000" dirty="0" smtClean="0"/>
+              <a:t>n</a:t>
+            </a:r>
+            <a:r>
+              <a:rPr lang="en-US" dirty="0" smtClean="0"/>
+              <a:t>}</a:t>
+            </a:r>
+          </a:p>
+          <a:p>
+            <a:pPr>
+              <a:lnSpc>
+                <a:spcPct val="90000"/>
+              </a:lnSpc>
+              <a:buFontTx/>
+              <a:buNone/>
+            </a:pPr>
+            <a:r>
+              <a:rPr lang="en-US" dirty="0" smtClean="0"/>
+              <a:t>Find: A mean image </a:t>
+            </a:r>
+            <a:r>
+              <a:rPr lang="en-US" dirty="0" smtClean="0">
+                <a:latin typeface="Symbol" pitchFamily="18" charset="2"/>
+              </a:rPr>
+              <a:t>m</a:t>
+            </a:r>
+            <a:r>
+              <a:rPr lang="en-US" dirty="0" smtClean="0"/>
+              <a:t>, and a collection of principle components {B</a:t>
+            </a:r>
+            <a:r>
+              <a:rPr lang="en-US" baseline="-25000" dirty="0" smtClean="0"/>
+              <a:t>1</a:t>
+            </a:r>
+            <a:r>
+              <a:rPr lang="en-US" dirty="0" smtClean="0"/>
+              <a:t>, B</a:t>
+            </a:r>
+            <a:r>
+              <a:rPr lang="en-US" baseline="-25000" dirty="0" smtClean="0"/>
+              <a:t>2</a:t>
+            </a:r>
+            <a:r>
+              <a:rPr lang="en-US" dirty="0" smtClean="0"/>
+              <a:t>, …</a:t>
+            </a:r>
+            <a:r>
+              <a:rPr lang="en-US" dirty="0" err="1" smtClean="0"/>
+              <a:t>B</a:t>
+            </a:r>
+            <a:r>
+              <a:rPr lang="en-US" baseline="-25000" dirty="0" err="1" smtClean="0"/>
+              <a:t>k</a:t>
+            </a:r>
+            <a:r>
+              <a:rPr lang="en-US" dirty="0" smtClean="0"/>
+              <a:t>}, such that:</a:t>
+            </a:r>
+          </a:p>
+          <a:p>
+            <a:pPr>
+              <a:lnSpc>
+                <a:spcPct val="90000"/>
+              </a:lnSpc>
+            </a:pPr>
+            <a:endParaRPr lang="en-US" dirty="0" smtClean="0"/>
+          </a:p>
+          <a:p>
+            <a:pPr>
+              <a:lnSpc>
+                <a:spcPct val="90000"/>
+              </a:lnSpc>
+              <a:buFontTx/>
+              <a:buNone/>
+            </a:pPr>
+            <a:r>
+              <a:rPr lang="en-US" dirty="0" smtClean="0"/>
+              <a:t>Each sample image I</a:t>
+            </a:r>
+            <a:r>
+              <a:rPr lang="en-US" baseline="-25000" dirty="0" smtClean="0"/>
+              <a:t>i</a:t>
+            </a:r>
+            <a:r>
+              <a:rPr lang="en-US" dirty="0" smtClean="0"/>
+              <a:t> can be approximated as:</a:t>
+            </a:r>
+          </a:p>
+          <a:p>
+            <a:pPr algn="ctr">
+              <a:lnSpc>
+                <a:spcPct val="90000"/>
+              </a:lnSpc>
+              <a:buFontTx/>
+              <a:buNone/>
+            </a:pPr>
+            <a:r>
+              <a:rPr lang="en-US" dirty="0" smtClean="0"/>
+              <a:t> I</a:t>
+            </a:r>
+            <a:r>
+              <a:rPr lang="en-US" baseline="-25000" dirty="0" smtClean="0"/>
+              <a:t>i</a:t>
+            </a:r>
+            <a:r>
+              <a:rPr lang="en-US" dirty="0" smtClean="0"/>
+              <a:t> </a:t>
+            </a:r>
+            <a:r>
+              <a:rPr lang="en-US" dirty="0" smtClean="0">
+                <a:latin typeface="cmsy10" pitchFamily="34" charset="0"/>
+              </a:rPr>
+              <a:t>¼</a:t>
+            </a:r>
+            <a:r>
+              <a:rPr lang="en-US" dirty="0" smtClean="0"/>
+              <a:t> </a:t>
+            </a:r>
+            <a:r>
+              <a:rPr lang="en-US" dirty="0" smtClean="0">
+                <a:latin typeface="Symbol" pitchFamily="18" charset="2"/>
+              </a:rPr>
+              <a:t>m</a:t>
+            </a:r>
+            <a:r>
+              <a:rPr lang="en-US" dirty="0" smtClean="0"/>
+              <a:t> + c</a:t>
+            </a:r>
+            <a:r>
+              <a:rPr lang="en-US" baseline="-25000" dirty="0" smtClean="0"/>
+              <a:t>1,i</a:t>
+            </a:r>
+            <a:r>
+              <a:rPr lang="en-US" dirty="0" smtClean="0"/>
+              <a:t> B</a:t>
+            </a:r>
+            <a:r>
+              <a:rPr lang="en-US" baseline="-25000" dirty="0" smtClean="0"/>
+              <a:t>1,i</a:t>
+            </a:r>
+            <a:r>
+              <a:rPr lang="en-US" dirty="0" smtClean="0"/>
+              <a:t> + c</a:t>
+            </a:r>
+            <a:r>
+              <a:rPr lang="en-US" baseline="-25000" dirty="0" smtClean="0">
+                <a:latin typeface="Symbol" pitchFamily="18" charset="2"/>
+              </a:rPr>
+              <a:t>2</a:t>
+            </a:r>
+            <a:r>
+              <a:rPr lang="en-US" baseline="-25000" dirty="0" smtClean="0"/>
+              <a:t>,i</a:t>
+            </a:r>
+            <a:r>
+              <a:rPr lang="en-US" dirty="0" smtClean="0"/>
+              <a:t> B</a:t>
+            </a:r>
+            <a:r>
+              <a:rPr lang="en-US" baseline="-25000" dirty="0" smtClean="0">
+                <a:latin typeface="Symbol" pitchFamily="18" charset="2"/>
+              </a:rPr>
+              <a:t>2</a:t>
+            </a:r>
+            <a:r>
+              <a:rPr lang="en-US" dirty="0" smtClean="0"/>
+              <a:t> + … </a:t>
+            </a:r>
+            <a:r>
+              <a:rPr lang="en-US" dirty="0" err="1" smtClean="0"/>
+              <a:t>c</a:t>
+            </a:r>
+            <a:r>
+              <a:rPr lang="en-US" baseline="-25000" dirty="0" err="1" smtClean="0">
+                <a:latin typeface="Symbol" pitchFamily="18" charset="2"/>
+              </a:rPr>
+              <a:t>k</a:t>
+            </a:r>
+            <a:r>
+              <a:rPr lang="en-US" baseline="-25000" dirty="0" err="1" smtClean="0"/>
+              <a:t>,i</a:t>
+            </a:r>
+            <a:r>
+              <a:rPr lang="en-US" dirty="0" smtClean="0"/>
+              <a:t> </a:t>
+            </a:r>
+            <a:r>
+              <a:rPr lang="en-US" dirty="0" err="1" smtClean="0"/>
+              <a:t>B</a:t>
+            </a:r>
+            <a:r>
+              <a:rPr lang="en-US" baseline="-25000" dirty="0" err="1" smtClean="0">
+                <a:latin typeface="Symbol" pitchFamily="18" charset="2"/>
+              </a:rPr>
+              <a:t>k</a:t>
+            </a:r>
+            <a:r>
+              <a:rPr lang="en-US" dirty="0" smtClean="0"/>
+              <a:t> </a:t>
+            </a:r>
+            <a:r>
+              <a:rPr lang="en-US" dirty="0" smtClean="0">
+                <a:latin typeface="Symbol" pitchFamily="18" charset="2"/>
+              </a:rPr>
+              <a:t> </a:t>
+            </a:r>
+            <a:endParaRPr lang="en-US" dirty="0" smtClean="0"/>
+          </a:p>
+          <a:p>
+            <a:pPr>
+              <a:lnSpc>
+                <a:spcPct val="90000"/>
+              </a:lnSpc>
+            </a:pPr>
+            <a:endParaRPr lang="en-US" dirty="0" smtClean="0"/>
+          </a:p>
+          <a:p>
+            <a:pPr>
+              <a:lnSpc>
+                <a:spcPct val="90000"/>
+              </a:lnSpc>
+            </a:pPr>
+            <a:r>
+              <a:rPr lang="en-US" dirty="0" smtClean="0"/>
+              <a:t> c</a:t>
+            </a:r>
+            <a:r>
+              <a:rPr lang="en-US" baseline="-25000" dirty="0" smtClean="0"/>
+              <a:t>1</a:t>
+            </a:r>
+            <a:r>
+              <a:rPr lang="en-US" dirty="0" smtClean="0"/>
+              <a:t>, c</a:t>
+            </a:r>
+            <a:r>
+              <a:rPr lang="en-US" baseline="-25000" dirty="0" smtClean="0"/>
+              <a:t>2</a:t>
+            </a:r>
+            <a:r>
+              <a:rPr lang="en-US" dirty="0" smtClean="0"/>
+              <a:t>, … c</a:t>
+            </a:r>
+            <a:r>
+              <a:rPr lang="en-US" i="1" baseline="-25000" dirty="0" smtClean="0"/>
+              <a:t>k</a:t>
+            </a:r>
+            <a:r>
+              <a:rPr lang="en-US" dirty="0" smtClean="0"/>
+              <a:t> are </a:t>
+            </a:r>
+            <a:r>
+              <a:rPr lang="en-US" i="1" dirty="0" smtClean="0"/>
+              <a:t>coefficients</a:t>
+            </a:r>
+            <a:r>
+              <a:rPr lang="en-US" dirty="0" smtClean="0"/>
+              <a:t>.</a:t>
+            </a:r>
+            <a:endParaRPr lang="en-US" dirty="0" smtClean="0"/>
+          </a:p>
+          <a:p>
+            <a:pPr>
+              <a:lnSpc>
+                <a:spcPct val="90000"/>
+              </a:lnSpc>
+            </a:pPr>
+            <a:r>
+              <a:rPr lang="en-US" dirty="0" smtClean="0"/>
+              <a:t>Each image has different coefficients.</a:t>
+            </a:r>
+          </a:p>
+          <a:p>
+            <a:pPr>
+              <a:lnSpc>
+                <a:spcPct val="90000"/>
+              </a:lnSpc>
+            </a:pPr>
+            <a:r>
+              <a:rPr lang="en-US" dirty="0" smtClean="0"/>
+              <a:t>But the whole *set* of images shares principle components.</a:t>
+            </a:r>
+          </a:p>
+          <a:p>
             <a:endParaRPr lang="en-US" dirty="0"/>
-          </a:p>
-        </p:txBody>
-      </p:sp>
-      <p:sp>
-        <p:nvSpPr>
-          <p:cNvPr id="4" name="Rectangle 4"/>
-          <p:cNvSpPr>
-            <a:spLocks noChangeArrowheads="1"/>
-          </p:cNvSpPr>
-          <p:nvPr/>
-        </p:nvSpPr>
-        <p:spPr bwMode="auto">
-          <a:xfrm>
-            <a:off x="1600200" y="2133600"/>
-            <a:ext cx="914400" cy="1752600"/>
-          </a:xfrm>
-          <a:prstGeom prst="rect">
-            <a:avLst/>
-          </a:prstGeom>
-          <a:solidFill>
-            <a:schemeClr val="accent1"/>
-          </a:solidFill>
-          <a:ln w="9525">
-            <a:solidFill>
-              <a:schemeClr val="tx1"/>
-            </a:solidFill>
-            <a:miter lim="800000"/>
-            <a:headEnd/>
-            <a:tailEnd/>
-          </a:ln>
-          <a:effectLst/>
-        </p:spPr>
-        <p:txBody>
-          <a:bodyPr wrap="none" anchor="ctr"/>
-          <a:lstStyle/>
-          <a:p>
-            <a:pPr algn="ctr"/>
-            <a:r>
-              <a:rPr lang="en-US" sz="1800" b="0">
-                <a:latin typeface="Arial" pitchFamily="34" charset="0"/>
-              </a:rPr>
-              <a:t>D</a:t>
-            </a:r>
-          </a:p>
-        </p:txBody>
-      </p:sp>
-      <p:sp>
-        <p:nvSpPr>
-          <p:cNvPr id="5" name="Text Box 5"/>
-          <p:cNvSpPr txBox="1">
-            <a:spLocks noChangeArrowheads="1"/>
-          </p:cNvSpPr>
-          <p:nvPr/>
-        </p:nvSpPr>
-        <p:spPr bwMode="auto">
-          <a:xfrm>
-            <a:off x="2498725" y="2932112"/>
-            <a:ext cx="317500" cy="366713"/>
-          </a:xfrm>
-          <a:prstGeom prst="rect">
-            <a:avLst/>
-          </a:prstGeom>
-          <a:noFill/>
-          <a:ln w="9525">
-            <a:noFill/>
-            <a:miter lim="800000"/>
-            <a:headEnd/>
-            <a:tailEnd/>
-          </a:ln>
-          <a:effectLst/>
-        </p:spPr>
-        <p:txBody>
-          <a:bodyPr wrap="none">
-            <a:spAutoFit/>
-          </a:bodyPr>
-          <a:lstStyle/>
-          <a:p>
-            <a:r>
-              <a:rPr lang="en-US" sz="1800" b="0">
-                <a:latin typeface="Arial" pitchFamily="34" charset="0"/>
-              </a:rPr>
-              <a:t>=</a:t>
-            </a:r>
-          </a:p>
-        </p:txBody>
-      </p:sp>
-      <p:sp>
-        <p:nvSpPr>
-          <p:cNvPr id="6" name="Rectangle 6"/>
-          <p:cNvSpPr>
-            <a:spLocks noChangeArrowheads="1"/>
-          </p:cNvSpPr>
-          <p:nvPr/>
-        </p:nvSpPr>
-        <p:spPr bwMode="auto">
-          <a:xfrm>
-            <a:off x="2895600" y="2133600"/>
-            <a:ext cx="381000" cy="1762125"/>
-          </a:xfrm>
-          <a:prstGeom prst="rect">
-            <a:avLst/>
-          </a:prstGeom>
-          <a:solidFill>
-            <a:schemeClr val="accent1"/>
-          </a:solidFill>
-          <a:ln w="9525">
-            <a:solidFill>
-              <a:schemeClr val="tx1"/>
-            </a:solidFill>
-            <a:miter lim="800000"/>
-            <a:headEnd/>
-            <a:tailEnd/>
-          </a:ln>
-          <a:effectLst/>
-        </p:spPr>
-        <p:txBody>
-          <a:bodyPr wrap="none" anchor="ctr"/>
-          <a:lstStyle/>
-          <a:p>
-            <a:pPr algn="ctr"/>
-            <a:r>
-              <a:rPr lang="en-US" sz="1800" b="0">
-                <a:latin typeface="Arial" pitchFamily="34" charset="0"/>
-              </a:rPr>
-              <a:t>U</a:t>
-            </a:r>
-          </a:p>
-        </p:txBody>
-      </p:sp>
-      <p:sp>
-        <p:nvSpPr>
-          <p:cNvPr id="7" name="Rectangle 7"/>
-          <p:cNvSpPr>
-            <a:spLocks noChangeArrowheads="1"/>
-          </p:cNvSpPr>
-          <p:nvPr/>
-        </p:nvSpPr>
-        <p:spPr bwMode="auto">
-          <a:xfrm>
-            <a:off x="3429000" y="2133600"/>
-            <a:ext cx="304800" cy="381000"/>
-          </a:xfrm>
-          <a:prstGeom prst="rect">
-            <a:avLst/>
-          </a:prstGeom>
-          <a:solidFill>
-            <a:schemeClr val="accent1"/>
-          </a:solidFill>
-          <a:ln w="9525">
-            <a:solidFill>
-              <a:schemeClr val="tx1"/>
-            </a:solidFill>
-            <a:miter lim="800000"/>
-            <a:headEnd/>
-            <a:tailEnd/>
-          </a:ln>
-          <a:effectLst/>
-        </p:spPr>
-        <p:txBody>
-          <a:bodyPr wrap="none" anchor="ctr"/>
-          <a:lstStyle/>
-          <a:p>
-            <a:pPr algn="ctr"/>
-            <a:r>
-              <a:rPr lang="en-US" sz="1800" b="0">
-                <a:latin typeface="Arial" pitchFamily="34" charset="0"/>
-              </a:rPr>
-              <a:t>S</a:t>
-            </a:r>
-          </a:p>
-        </p:txBody>
-      </p:sp>
-      <p:sp>
-        <p:nvSpPr>
-          <p:cNvPr id="8" name="Rectangle 8"/>
-          <p:cNvSpPr>
-            <a:spLocks noChangeArrowheads="1"/>
-          </p:cNvSpPr>
-          <p:nvPr/>
-        </p:nvSpPr>
-        <p:spPr bwMode="auto">
-          <a:xfrm>
-            <a:off x="3962400" y="2133600"/>
-            <a:ext cx="838200" cy="381000"/>
-          </a:xfrm>
-          <a:prstGeom prst="rect">
-            <a:avLst/>
-          </a:prstGeom>
-          <a:solidFill>
-            <a:schemeClr val="accent1"/>
-          </a:solidFill>
-          <a:ln w="9525">
-            <a:solidFill>
-              <a:schemeClr val="tx1"/>
-            </a:solidFill>
-            <a:miter lim="800000"/>
-            <a:headEnd/>
-            <a:tailEnd/>
-          </a:ln>
-          <a:effectLst/>
-        </p:spPr>
-        <p:txBody>
-          <a:bodyPr wrap="none" anchor="ctr"/>
-          <a:lstStyle/>
-          <a:p>
-            <a:pPr algn="ctr"/>
-            <a:r>
-              <a:rPr lang="en-US" sz="1800" b="0">
-                <a:latin typeface="Arial" pitchFamily="34" charset="0"/>
-              </a:rPr>
-              <a:t>V</a:t>
-            </a:r>
-          </a:p>
-        </p:txBody>
-      </p:sp>
-      <p:sp>
-        <p:nvSpPr>
-          <p:cNvPr id="9" name="Text Box 9"/>
-          <p:cNvSpPr txBox="1">
-            <a:spLocks noChangeArrowheads="1"/>
-          </p:cNvSpPr>
-          <p:nvPr/>
-        </p:nvSpPr>
-        <p:spPr bwMode="auto">
-          <a:xfrm>
-            <a:off x="685800" y="3509962"/>
-            <a:ext cx="962025" cy="366713"/>
-          </a:xfrm>
-          <a:prstGeom prst="rect">
-            <a:avLst/>
-          </a:prstGeom>
-          <a:noFill/>
-          <a:ln w="9525">
-            <a:noFill/>
-            <a:miter lim="800000"/>
-            <a:headEnd/>
-            <a:tailEnd/>
-          </a:ln>
-          <a:effectLst/>
-        </p:spPr>
-        <p:txBody>
-          <a:bodyPr wrap="none">
-            <a:spAutoFit/>
-          </a:bodyPr>
-          <a:lstStyle/>
-          <a:p>
-            <a:r>
-              <a:rPr lang="en-US" sz="1800" b="0"/>
-              <a:t>Images</a:t>
-            </a:r>
-          </a:p>
-        </p:txBody>
-      </p:sp>
-      <p:sp>
-        <p:nvSpPr>
-          <p:cNvPr id="10" name="Text Box 10"/>
-          <p:cNvSpPr txBox="1">
-            <a:spLocks noChangeArrowheads="1"/>
-          </p:cNvSpPr>
-          <p:nvPr/>
-        </p:nvSpPr>
-        <p:spPr bwMode="auto">
-          <a:xfrm>
-            <a:off x="3336925" y="3470275"/>
-            <a:ext cx="1577975" cy="366712"/>
-          </a:xfrm>
-          <a:prstGeom prst="rect">
-            <a:avLst/>
-          </a:prstGeom>
-          <a:noFill/>
-          <a:ln w="9525">
-            <a:noFill/>
-            <a:miter lim="800000"/>
-            <a:headEnd/>
-            <a:tailEnd/>
-          </a:ln>
-          <a:effectLst/>
-        </p:spPr>
-        <p:txBody>
-          <a:bodyPr wrap="none">
-            <a:spAutoFit/>
-          </a:bodyPr>
-          <a:lstStyle/>
-          <a:p>
-            <a:r>
-              <a:rPr lang="en-US" sz="1800" b="0"/>
-              <a:t>Basis Images</a:t>
-            </a:r>
-          </a:p>
-        </p:txBody>
-      </p:sp>
-      <p:sp>
-        <p:nvSpPr>
-          <p:cNvPr id="11" name="Text Box 11"/>
-          <p:cNvSpPr txBox="1">
-            <a:spLocks noChangeArrowheads="1"/>
-          </p:cNvSpPr>
-          <p:nvPr/>
-        </p:nvSpPr>
-        <p:spPr bwMode="auto">
-          <a:xfrm>
-            <a:off x="3962400" y="2595562"/>
-            <a:ext cx="1487488" cy="366713"/>
-          </a:xfrm>
-          <a:prstGeom prst="rect">
-            <a:avLst/>
-          </a:prstGeom>
-          <a:noFill/>
-          <a:ln w="9525">
-            <a:noFill/>
-            <a:miter lim="800000"/>
-            <a:headEnd/>
-            <a:tailEnd/>
-          </a:ln>
-          <a:effectLst/>
-        </p:spPr>
-        <p:txBody>
-          <a:bodyPr wrap="none">
-            <a:spAutoFit/>
-          </a:bodyPr>
-          <a:lstStyle/>
-          <a:p>
-            <a:r>
-              <a:rPr lang="en-US" sz="1800" b="0"/>
-              <a:t>coefficients</a:t>
-            </a:r>
           </a:p>
         </p:txBody>
       </p:sp>
@@ -11337,13 +12066,6 @@
   <p:clrMapOvr>
     <a:masterClrMapping/>
   </p:clrMapOvr>
-  <p:timing>
-    <p:tnLst>
-      <p:par>
-        <p:cTn id="1" dur="indefinite" restart="never" nodeType="tmRoot"/>
-      </p:par>
-    </p:tnLst>
-  </p:timing>
 </p:sld>
 </file>
 

--- a/trunk/mastersProject/presentation/visualizationToolsForWebcams.pptx
+++ b/trunk/mastersProject/presentation/visualizationToolsForWebcams.pptx
@@ -5,7 +5,7 @@
     <p:sldMasterId id="2147483744" r:id="rId1"/>
   </p:sldMasterIdLst>
   <p:notesMasterIdLst>
-    <p:notesMasterId r:id="rId44"/>
+    <p:notesMasterId r:id="rId42"/>
   </p:notesMasterIdLst>
   <p:sldIdLst>
     <p:sldId id="256" r:id="rId2"/>
@@ -15,41 +15,39 @@
     <p:sldId id="296" r:id="rId6"/>
     <p:sldId id="258" r:id="rId7"/>
     <p:sldId id="259" r:id="rId8"/>
-    <p:sldId id="305" r:id="rId9"/>
-    <p:sldId id="267" r:id="rId10"/>
-    <p:sldId id="268" r:id="rId11"/>
-    <p:sldId id="269" r:id="rId12"/>
-    <p:sldId id="270" r:id="rId13"/>
-    <p:sldId id="286" r:id="rId14"/>
-    <p:sldId id="297" r:id="rId15"/>
-    <p:sldId id="272" r:id="rId16"/>
-    <p:sldId id="273" r:id="rId17"/>
-    <p:sldId id="274" r:id="rId18"/>
-    <p:sldId id="275" r:id="rId19"/>
-    <p:sldId id="298" r:id="rId20"/>
-    <p:sldId id="276" r:id="rId21"/>
-    <p:sldId id="264" r:id="rId22"/>
-    <p:sldId id="277" r:id="rId23"/>
-    <p:sldId id="285" r:id="rId24"/>
-    <p:sldId id="295" r:id="rId25"/>
-    <p:sldId id="265" r:id="rId26"/>
-    <p:sldId id="279" r:id="rId27"/>
-    <p:sldId id="282" r:id="rId28"/>
-    <p:sldId id="280" r:id="rId29"/>
-    <p:sldId id="301" r:id="rId30"/>
-    <p:sldId id="283" r:id="rId31"/>
-    <p:sldId id="291" r:id="rId32"/>
-    <p:sldId id="302" r:id="rId33"/>
-    <p:sldId id="281" r:id="rId34"/>
-    <p:sldId id="300" r:id="rId35"/>
-    <p:sldId id="287" r:id="rId36"/>
-    <p:sldId id="303" r:id="rId37"/>
-    <p:sldId id="288" r:id="rId38"/>
-    <p:sldId id="304" r:id="rId39"/>
-    <p:sldId id="289" r:id="rId40"/>
-    <p:sldId id="299" r:id="rId41"/>
-    <p:sldId id="290" r:id="rId42"/>
-    <p:sldId id="266" r:id="rId43"/>
+    <p:sldId id="306" r:id="rId9"/>
+    <p:sldId id="307" r:id="rId10"/>
+    <p:sldId id="308" r:id="rId11"/>
+    <p:sldId id="286" r:id="rId12"/>
+    <p:sldId id="297" r:id="rId13"/>
+    <p:sldId id="272" r:id="rId14"/>
+    <p:sldId id="273" r:id="rId15"/>
+    <p:sldId id="274" r:id="rId16"/>
+    <p:sldId id="275" r:id="rId17"/>
+    <p:sldId id="298" r:id="rId18"/>
+    <p:sldId id="276" r:id="rId19"/>
+    <p:sldId id="264" r:id="rId20"/>
+    <p:sldId id="277" r:id="rId21"/>
+    <p:sldId id="285" r:id="rId22"/>
+    <p:sldId id="295" r:id="rId23"/>
+    <p:sldId id="265" r:id="rId24"/>
+    <p:sldId id="279" r:id="rId25"/>
+    <p:sldId id="282" r:id="rId26"/>
+    <p:sldId id="280" r:id="rId27"/>
+    <p:sldId id="301" r:id="rId28"/>
+    <p:sldId id="283" r:id="rId29"/>
+    <p:sldId id="291" r:id="rId30"/>
+    <p:sldId id="302" r:id="rId31"/>
+    <p:sldId id="281" r:id="rId32"/>
+    <p:sldId id="300" r:id="rId33"/>
+    <p:sldId id="287" r:id="rId34"/>
+    <p:sldId id="303" r:id="rId35"/>
+    <p:sldId id="288" r:id="rId36"/>
+    <p:sldId id="304" r:id="rId37"/>
+    <p:sldId id="289" r:id="rId38"/>
+    <p:sldId id="299" r:id="rId39"/>
+    <p:sldId id="290" r:id="rId40"/>
+    <p:sldId id="266" r:id="rId41"/>
   </p:sldIdLst>
   <p:sldSz cx="9144000" cy="6858000" type="screen4x3"/>
   <p:notesSz cx="6858000" cy="9144000"/>
@@ -548,19 +546,23 @@
           <a:p>
             <a:r>
               <a:rPr lang="en-US" dirty="0" smtClean="0"/>
-              <a:t>Key</a:t>
+              <a:t>Another correlation</a:t>
             </a:r>
             <a:r>
               <a:rPr lang="en-US" baseline="0" dirty="0" smtClean="0"/>
-              <a:t> points: describe </a:t>
-            </a:r>
-            <a:r>
-              <a:rPr lang="en-US" baseline="0" dirty="0" err="1" smtClean="0"/>
-              <a:t>pca</a:t>
-            </a:r>
+              <a:t> technique used is PCA…</a:t>
+            </a:r>
+          </a:p>
+          <a:p>
             <a:r>
               <a:rPr lang="en-US" baseline="0" dirty="0" smtClean="0"/>
-              <a:t>.  Show the coefficients.  Show how to compute the residual.</a:t>
+              <a:t>Decomposes images into U,S,V</a:t>
+            </a:r>
+          </a:p>
+          <a:p>
+            <a:r>
+              <a:rPr lang="en-US" baseline="0" dirty="0" smtClean="0"/>
+              <a:t>Can represent each image by a few numbers</a:t>
             </a:r>
             <a:endParaRPr lang="en-US" dirty="0"/>
           </a:p>
@@ -581,10 +583,10 @@
           <a:bodyPr/>
           <a:lstStyle/>
           <a:p>
-            <a:fld id="{6D11F7CA-E56A-464B-A398-B0F3C7D3A8C7}" type="slidenum">
+            <a:fld id="{5ECBF4DF-172D-42A1-9E0F-400D1B677C2C}" type="slidenum">
               <a:rPr lang="en-US" smtClean="0"/>
               <a:pPr/>
-              <a:t>9</a:t>
+              <a:t>8</a:t>
             </a:fld>
             <a:endParaRPr lang="en-US"/>
           </a:p>
@@ -646,34 +648,8 @@
           <a:p>
             <a:r>
               <a:rPr lang="en-US" dirty="0" smtClean="0"/>
-              <a:t>Projected should read “reconstructed”.</a:t>
-            </a:r>
-          </a:p>
-          <a:p>
-            <a:r>
-              <a:rPr lang="en-US" dirty="0" smtClean="0"/>
-              <a:t>Why does error go up?!</a:t>
-            </a:r>
-          </a:p>
-          <a:p>
-            <a:r>
-              <a:rPr lang="en-US" dirty="0" smtClean="0"/>
-              <a:t>  (incremental PCA does not guarantee</a:t>
-            </a:r>
-            <a:r>
-              <a:rPr lang="en-US" baseline="0" dirty="0" smtClean="0"/>
-              <a:t> orthogonal bases).  (check if you </a:t>
-            </a:r>
-            <a:r>
-              <a:rPr lang="en-US" baseline="0" dirty="0" err="1" smtClean="0"/>
-              <a:t>recompute</a:t>
-            </a:r>
-            <a:r>
-              <a:rPr lang="en-US" baseline="0" dirty="0" smtClean="0"/>
-              <a:t> v matrix).</a:t>
-            </a:r>
-          </a:p>
-          <a:p>
+              <a:t>Further explanation</a:t>
+            </a:r>
             <a:endParaRPr lang="en-US" dirty="0"/>
           </a:p>
         </p:txBody>
@@ -693,10 +669,10 @@
           <a:bodyPr/>
           <a:lstStyle/>
           <a:p>
-            <a:fld id="{6D11F7CA-E56A-464B-A398-B0F3C7D3A8C7}" type="slidenum">
+            <a:fld id="{5ECBF4DF-172D-42A1-9E0F-400D1B677C2C}" type="slidenum">
               <a:rPr lang="en-US" smtClean="0"/>
               <a:pPr/>
-              <a:t>13</a:t>
+              <a:t>9</a:t>
             </a:fld>
             <a:endParaRPr lang="en-US"/>
           </a:p>
@@ -758,14 +734,20 @@
           <a:p>
             <a:r>
               <a:rPr lang="en-US" dirty="0" smtClean="0"/>
-              <a:t>Here, need to talk to the desire to understand images by their relationship</a:t>
+              <a:t>Visual example. See day/night, dawn/dusk</a:t>
+            </a:r>
+            <a:r>
+              <a:rPr lang="en-US" b="1" dirty="0" smtClean="0"/>
+              <a:t>.</a:t>
+            </a:r>
+            <a:r>
+              <a:rPr lang="en-US" b="1" baseline="0" dirty="0" smtClean="0"/>
+              <a:t> Keep?? </a:t>
             </a:r>
             <a:r>
               <a:rPr lang="en-US" baseline="0" dirty="0" smtClean="0"/>
-              <a:t> to the PCA basis.</a:t>
-            </a:r>
-          </a:p>
-          <a:p>
+              <a:t>Shows why we cannot use images from entire day, localize to certain range of hours</a:t>
+            </a:r>
             <a:endParaRPr lang="en-US" dirty="0"/>
           </a:p>
         </p:txBody>
@@ -785,10 +767,10 @@
           <a:bodyPr/>
           <a:lstStyle/>
           <a:p>
-            <a:fld id="{6D11F7CA-E56A-464B-A398-B0F3C7D3A8C7}" type="slidenum">
+            <a:fld id="{5ECBF4DF-172D-42A1-9E0F-400D1B677C2C}" type="slidenum">
               <a:rPr lang="en-US" smtClean="0"/>
               <a:pPr/>
-              <a:t>25</a:t>
+              <a:t>10</a:t>
             </a:fld>
             <a:endParaRPr lang="en-US"/>
           </a:p>
@@ -850,32 +832,35 @@
           <a:p>
             <a:r>
               <a:rPr lang="en-US" dirty="0" smtClean="0"/>
-              <a:t>Where are those Gaussians?!</a:t>
-            </a:r>
-          </a:p>
-          <a:p>
-            <a:r>
-              <a:rPr lang="en-US" dirty="0" smtClean="0"/>
-              <a:t>Scale</a:t>
+              <a:t>Projected should read “reconstructed”.</a:t>
+            </a:r>
+          </a:p>
+          <a:p>
+            <a:r>
+              <a:rPr lang="en-US" dirty="0" smtClean="0"/>
+              <a:t>Why does error go up?!</a:t>
+            </a:r>
+          </a:p>
+          <a:p>
+            <a:r>
+              <a:rPr lang="en-US" dirty="0" smtClean="0"/>
+              <a:t>  (incremental PCA does not guarantee</a:t>
             </a:r>
             <a:r>
               <a:rPr lang="en-US" baseline="0" dirty="0" smtClean="0"/>
-              <a:t> by # pixels -&gt; better results</a:t>
-            </a:r>
-          </a:p>
-          <a:p>
+              <a:t> orthogonal bases).  (check if you </a:t>
+            </a:r>
+            <a:r>
+              <a:rPr lang="en-US" baseline="0" dirty="0" err="1" smtClean="0"/>
+              <a:t>recompute</a:t>
+            </a:r>
             <a:r>
               <a:rPr lang="en-US" baseline="0" dirty="0" smtClean="0"/>
-              <a:t>-show the pictures + residuals (scaled so you can see errors (maybe show log(1+abs(</a:t>
-            </a:r>
-            <a:r>
-              <a:rPr lang="en-US" baseline="0" dirty="0" err="1" smtClean="0"/>
-              <a:t>resid</a:t>
-            </a:r>
-            <a:r>
-              <a:rPr lang="en-US" baseline="0" smtClean="0"/>
-              <a:t>))))</a:t>
-            </a:r>
+              <a:t> v matrix).</a:t>
+            </a:r>
+          </a:p>
+          <a:p>
+            <a:endParaRPr lang="en-US" dirty="0"/>
           </a:p>
         </p:txBody>
       </p:sp>
@@ -897,7 +882,7 @@
             <a:fld id="{6D11F7CA-E56A-464B-A398-B0F3C7D3A8C7}" type="slidenum">
               <a:rPr lang="en-US" smtClean="0"/>
               <a:pPr/>
-              <a:t>33</a:t>
+              <a:t>11</a:t>
             </a:fld>
             <a:endParaRPr lang="en-US"/>
           </a:p>
@@ -959,18 +944,15 @@
           <a:p>
             <a:r>
               <a:rPr lang="en-US" dirty="0" smtClean="0"/>
-              <a:t>Show pictures</a:t>
+              <a:t>Here, need to talk to the desire to understand images by their relationship</a:t>
             </a:r>
             <a:r>
               <a:rPr lang="en-US" baseline="0" dirty="0" smtClean="0"/>
-              <a:t> sorted by both and say how it didn’t work</a:t>
-            </a:r>
-          </a:p>
-          <a:p>
-            <a:r>
-              <a:rPr lang="en-US" baseline="0" dirty="0" smtClean="0"/>
-              <a:t>The effect of small objects is dominated by the noise in the (larger) rest of the image.  </a:t>
-            </a:r>
+              <a:t> to the PCA basis.</a:t>
+            </a:r>
+          </a:p>
+          <a:p>
+            <a:endParaRPr lang="en-US" dirty="0"/>
           </a:p>
         </p:txBody>
       </p:sp>
@@ -992,7 +974,211 @@
             <a:fld id="{6D11F7CA-E56A-464B-A398-B0F3C7D3A8C7}" type="slidenum">
               <a:rPr lang="en-US" smtClean="0"/>
               <a:pPr/>
-              <a:t>39</a:t>
+              <a:t>23</a:t>
+            </a:fld>
+            <a:endParaRPr lang="en-US"/>
+          </a:p>
+        </p:txBody>
+      </p:sp>
+    </p:spTree>
+  </p:cSld>
+  <p:clrMapOvr>
+    <a:masterClrMapping/>
+  </p:clrMapOvr>
+</p:notes>
+</file>
+
+<file path=ppt/notesSlides/notesSlide6.xml><?xml version="1.0" encoding="utf-8"?>
+<p:notes xmlns:a="http://schemas.openxmlformats.org/drawingml/2006/main" xmlns:r="http://schemas.openxmlformats.org/officeDocument/2006/relationships" xmlns:p="http://schemas.openxmlformats.org/presentationml/2006/main">
+  <p:cSld>
+    <p:spTree>
+      <p:nvGrpSpPr>
+        <p:cNvPr id="1" name=""/>
+        <p:cNvGrpSpPr/>
+        <p:nvPr/>
+      </p:nvGrpSpPr>
+      <p:grpSpPr>
+        <a:xfrm>
+          <a:off x="0" y="0"/>
+          <a:ext cx="0" cy="0"/>
+          <a:chOff x="0" y="0"/>
+          <a:chExt cx="0" cy="0"/>
+        </a:xfrm>
+      </p:grpSpPr>
+      <p:sp>
+        <p:nvSpPr>
+          <p:cNvPr id="2" name="Slide Image Placeholder 1"/>
+          <p:cNvSpPr>
+            <a:spLocks noGrp="1" noRot="1" noChangeAspect="1"/>
+          </p:cNvSpPr>
+          <p:nvPr>
+            <p:ph type="sldImg"/>
+          </p:nvPr>
+        </p:nvSpPr>
+        <p:spPr/>
+      </p:sp>
+      <p:sp>
+        <p:nvSpPr>
+          <p:cNvPr id="3" name="Notes Placeholder 2"/>
+          <p:cNvSpPr>
+            <a:spLocks noGrp="1"/>
+          </p:cNvSpPr>
+          <p:nvPr>
+            <p:ph type="body" idx="1"/>
+          </p:nvPr>
+        </p:nvSpPr>
+        <p:spPr/>
+        <p:txBody>
+          <a:bodyPr>
+            <a:normAutofit/>
+          </a:bodyPr>
+          <a:lstStyle/>
+          <a:p>
+            <a:r>
+              <a:rPr lang="en-US" dirty="0" smtClean="0"/>
+              <a:t>Where are those Gaussians?!</a:t>
+            </a:r>
+          </a:p>
+          <a:p>
+            <a:r>
+              <a:rPr lang="en-US" dirty="0" smtClean="0"/>
+              <a:t>Scale</a:t>
+            </a:r>
+            <a:r>
+              <a:rPr lang="en-US" baseline="0" dirty="0" smtClean="0"/>
+              <a:t> by # pixels -&gt; better results</a:t>
+            </a:r>
+          </a:p>
+          <a:p>
+            <a:r>
+              <a:rPr lang="en-US" baseline="0" dirty="0" smtClean="0"/>
+              <a:t>-show the pictures + residuals (scaled so you can see errors (maybe show log(1+abs(</a:t>
+            </a:r>
+            <a:r>
+              <a:rPr lang="en-US" baseline="0" dirty="0" err="1" smtClean="0"/>
+              <a:t>resid</a:t>
+            </a:r>
+            <a:r>
+              <a:rPr lang="en-US" baseline="0" smtClean="0"/>
+              <a:t>))))</a:t>
+            </a:r>
+          </a:p>
+        </p:txBody>
+      </p:sp>
+      <p:sp>
+        <p:nvSpPr>
+          <p:cNvPr id="4" name="Slide Number Placeholder 3"/>
+          <p:cNvSpPr>
+            <a:spLocks noGrp="1"/>
+          </p:cNvSpPr>
+          <p:nvPr>
+            <p:ph type="sldNum" sz="quarter" idx="10"/>
+          </p:nvPr>
+        </p:nvSpPr>
+        <p:spPr/>
+        <p:txBody>
+          <a:bodyPr/>
+          <a:lstStyle/>
+          <a:p>
+            <a:fld id="{6D11F7CA-E56A-464B-A398-B0F3C7D3A8C7}" type="slidenum">
+              <a:rPr lang="en-US" smtClean="0"/>
+              <a:pPr/>
+              <a:t>31</a:t>
+            </a:fld>
+            <a:endParaRPr lang="en-US"/>
+          </a:p>
+        </p:txBody>
+      </p:sp>
+    </p:spTree>
+  </p:cSld>
+  <p:clrMapOvr>
+    <a:masterClrMapping/>
+  </p:clrMapOvr>
+</p:notes>
+</file>
+
+<file path=ppt/notesSlides/notesSlide7.xml><?xml version="1.0" encoding="utf-8"?>
+<p:notes xmlns:a="http://schemas.openxmlformats.org/drawingml/2006/main" xmlns:r="http://schemas.openxmlformats.org/officeDocument/2006/relationships" xmlns:p="http://schemas.openxmlformats.org/presentationml/2006/main">
+  <p:cSld>
+    <p:spTree>
+      <p:nvGrpSpPr>
+        <p:cNvPr id="1" name=""/>
+        <p:cNvGrpSpPr/>
+        <p:nvPr/>
+      </p:nvGrpSpPr>
+      <p:grpSpPr>
+        <a:xfrm>
+          <a:off x="0" y="0"/>
+          <a:ext cx="0" cy="0"/>
+          <a:chOff x="0" y="0"/>
+          <a:chExt cx="0" cy="0"/>
+        </a:xfrm>
+      </p:grpSpPr>
+      <p:sp>
+        <p:nvSpPr>
+          <p:cNvPr id="2" name="Slide Image Placeholder 1"/>
+          <p:cNvSpPr>
+            <a:spLocks noGrp="1" noRot="1" noChangeAspect="1"/>
+          </p:cNvSpPr>
+          <p:nvPr>
+            <p:ph type="sldImg"/>
+          </p:nvPr>
+        </p:nvSpPr>
+        <p:spPr/>
+      </p:sp>
+      <p:sp>
+        <p:nvSpPr>
+          <p:cNvPr id="3" name="Notes Placeholder 2"/>
+          <p:cNvSpPr>
+            <a:spLocks noGrp="1"/>
+          </p:cNvSpPr>
+          <p:nvPr>
+            <p:ph type="body" idx="1"/>
+          </p:nvPr>
+        </p:nvSpPr>
+        <p:spPr/>
+        <p:txBody>
+          <a:bodyPr>
+            <a:normAutofit/>
+          </a:bodyPr>
+          <a:lstStyle/>
+          <a:p>
+            <a:r>
+              <a:rPr lang="en-US" dirty="0" smtClean="0"/>
+              <a:t>Show pictures</a:t>
+            </a:r>
+            <a:r>
+              <a:rPr lang="en-US" baseline="0" dirty="0" smtClean="0"/>
+              <a:t> sorted by both and say how it didn’t work</a:t>
+            </a:r>
+          </a:p>
+          <a:p>
+            <a:r>
+              <a:rPr lang="en-US" baseline="0" dirty="0" smtClean="0"/>
+              <a:t>The effect of small objects is dominated by the noise in the (larger) rest of the image.  </a:t>
+            </a:r>
+          </a:p>
+        </p:txBody>
+      </p:sp>
+      <p:sp>
+        <p:nvSpPr>
+          <p:cNvPr id="4" name="Slide Number Placeholder 3"/>
+          <p:cNvSpPr>
+            <a:spLocks noGrp="1"/>
+          </p:cNvSpPr>
+          <p:nvPr>
+            <p:ph type="sldNum" sz="quarter" idx="10"/>
+          </p:nvPr>
+        </p:nvSpPr>
+        <p:spPr/>
+        <p:txBody>
+          <a:bodyPr/>
+          <a:lstStyle/>
+          <a:p>
+            <a:fld id="{6D11F7CA-E56A-464B-A398-B0F3C7D3A8C7}" type="slidenum">
+              <a:rPr lang="en-US" smtClean="0"/>
+              <a:pPr/>
+              <a:t>37</a:t>
             </a:fld>
             <a:endParaRPr lang="en-US"/>
           </a:p>
@@ -5154,83 +5340,25 @@
           <a:chExt cx="0" cy="0"/>
         </a:xfrm>
       </p:grpSpPr>
-      <p:sp>
-        <p:nvSpPr>
-          <p:cNvPr id="9" name="Footer Placeholder 3"/>
-          <p:cNvSpPr>
-            <a:spLocks noGrp="1"/>
-          </p:cNvSpPr>
-          <p:nvPr>
-            <p:ph type="ftr" sz="quarter" idx="10"/>
-          </p:nvPr>
-        </p:nvSpPr>
-        <p:spPr/>
-        <p:txBody>
-          <a:bodyPr/>
-          <a:lstStyle/>
-          <a:p>
-            <a:r>
-              <a:rPr lang="en-US"/>
-              <a:t>Computer Vision, Robert Pless</a:t>
-            </a:r>
-          </a:p>
-        </p:txBody>
-      </p:sp>
-      <p:sp>
-        <p:nvSpPr>
-          <p:cNvPr id="693250" name="Rectangle 2"/>
-          <p:cNvSpPr>
-            <a:spLocks noChangeArrowheads="1"/>
-          </p:cNvSpPr>
+      <p:pic>
+        <p:nvPicPr>
+          <p:cNvPr id="12290" name="Picture 2"/>
+          <p:cNvPicPr>
+            <a:picLocks noChangeAspect="1" noChangeArrowheads="1"/>
+          </p:cNvPicPr>
           <p:nvPr/>
-        </p:nvSpPr>
+        </p:nvPicPr>
+        <p:blipFill>
+          <a:blip r:embed="rId3"/>
+          <a:srcRect/>
+          <a:stretch>
+            <a:fillRect/>
+          </a:stretch>
+        </p:blipFill>
         <p:spPr bwMode="auto">
           <a:xfrm>
-            <a:off x="2819400" y="685800"/>
-            <a:ext cx="914400" cy="1752600"/>
-          </a:xfrm>
-          <a:prstGeom prst="rect">
-            <a:avLst/>
-          </a:prstGeom>
-          <a:solidFill>
-            <a:schemeClr val="accent1"/>
-          </a:solidFill>
-          <a:ln w="9525">
-            <a:solidFill>
-              <a:schemeClr val="tx1"/>
-            </a:solidFill>
-            <a:miter lim="800000"/>
-            <a:headEnd/>
-            <a:tailEnd/>
-          </a:ln>
-          <a:effectLst/>
-        </p:spPr>
-        <p:txBody>
-          <a:bodyPr wrap="none" anchor="ctr"/>
-          <a:lstStyle/>
-          <a:p>
-            <a:pPr algn="ctr"/>
-            <a:r>
-              <a:rPr lang="en-US" sz="1800" b="0">
-                <a:latin typeface="Arial" pitchFamily="34" charset="0"/>
-              </a:rPr>
-              <a:t>D</a:t>
-            </a:r>
-          </a:p>
-        </p:txBody>
-      </p:sp>
-      <p:sp>
-        <p:nvSpPr>
-          <p:cNvPr id="693251" name="Text Box 3"/>
-          <p:cNvSpPr txBox="1">
-            <a:spLocks noChangeArrowheads="1"/>
-          </p:cNvSpPr>
-          <p:nvPr/>
-        </p:nvSpPr>
-        <p:spPr bwMode="auto">
-          <a:xfrm>
-            <a:off x="3717925" y="1484313"/>
-            <a:ext cx="317500" cy="366712"/>
+            <a:off x="2652712" y="2133600"/>
+            <a:ext cx="4738688" cy="4160838"/>
           </a:xfrm>
           <a:prstGeom prst="rect">
             <a:avLst/>
@@ -5242,199 +5370,20 @@
             <a:headEnd/>
             <a:tailEnd/>
           </a:ln>
-          <a:effectLst/>
-        </p:spPr>
-        <p:txBody>
-          <a:bodyPr wrap="none">
-            <a:spAutoFit/>
-          </a:bodyPr>
-          <a:lstStyle/>
-          <a:p>
-            <a:r>
-              <a:rPr lang="en-US" sz="1800" b="0">
-                <a:latin typeface="Arial" pitchFamily="34" charset="0"/>
-              </a:rPr>
-              <a:t>=</a:t>
-            </a:r>
-          </a:p>
-        </p:txBody>
-      </p:sp>
-      <p:sp>
-        <p:nvSpPr>
-          <p:cNvPr id="693252" name="Rectangle 4"/>
-          <p:cNvSpPr>
+        </p:spPr>
+      </p:pic>
+      <p:sp>
+        <p:nvSpPr>
+          <p:cNvPr id="12292" name="Text Box 16"/>
+          <p:cNvSpPr txBox="1">
             <a:spLocks noChangeArrowheads="1"/>
           </p:cNvSpPr>
           <p:nvPr/>
         </p:nvSpPr>
         <p:spPr bwMode="auto">
           <a:xfrm>
-            <a:off x="4114800" y="685800"/>
-            <a:ext cx="381000" cy="1762125"/>
-          </a:xfrm>
-          <a:prstGeom prst="rect">
-            <a:avLst/>
-          </a:prstGeom>
-          <a:solidFill>
-            <a:schemeClr val="accent1"/>
-          </a:solidFill>
-          <a:ln w="9525">
-            <a:solidFill>
-              <a:schemeClr val="tx1"/>
-            </a:solidFill>
-            <a:miter lim="800000"/>
-            <a:headEnd/>
-            <a:tailEnd/>
-          </a:ln>
-          <a:effectLst/>
-        </p:spPr>
-        <p:txBody>
-          <a:bodyPr wrap="none" anchor="ctr"/>
-          <a:lstStyle/>
-          <a:p>
-            <a:pPr algn="ctr"/>
-            <a:r>
-              <a:rPr lang="en-US" sz="1800" b="0">
-                <a:latin typeface="Arial" pitchFamily="34" charset="0"/>
-              </a:rPr>
-              <a:t>U</a:t>
-            </a:r>
-          </a:p>
-        </p:txBody>
-      </p:sp>
-      <p:sp>
-        <p:nvSpPr>
-          <p:cNvPr id="693253" name="Rectangle 5"/>
-          <p:cNvSpPr>
-            <a:spLocks noChangeArrowheads="1"/>
-          </p:cNvSpPr>
-          <p:nvPr/>
-        </p:nvSpPr>
-        <p:spPr bwMode="auto">
-          <a:xfrm>
-            <a:off x="4648200" y="685800"/>
-            <a:ext cx="304800" cy="381000"/>
-          </a:xfrm>
-          <a:prstGeom prst="rect">
-            <a:avLst/>
-          </a:prstGeom>
-          <a:solidFill>
-            <a:schemeClr val="accent1"/>
-          </a:solidFill>
-          <a:ln w="9525">
-            <a:solidFill>
-              <a:schemeClr val="tx1"/>
-            </a:solidFill>
-            <a:miter lim="800000"/>
-            <a:headEnd/>
-            <a:tailEnd/>
-          </a:ln>
-          <a:effectLst/>
-        </p:spPr>
-        <p:txBody>
-          <a:bodyPr wrap="none" anchor="ctr"/>
-          <a:lstStyle/>
-          <a:p>
-            <a:pPr algn="ctr"/>
-            <a:r>
-              <a:rPr lang="en-US" sz="1800" b="0">
-                <a:latin typeface="Arial" pitchFamily="34" charset="0"/>
-              </a:rPr>
-              <a:t>S</a:t>
-            </a:r>
-          </a:p>
-        </p:txBody>
-      </p:sp>
-      <p:sp>
-        <p:nvSpPr>
-          <p:cNvPr id="693254" name="Rectangle 6"/>
-          <p:cNvSpPr>
-            <a:spLocks noChangeArrowheads="1"/>
-          </p:cNvSpPr>
-          <p:nvPr/>
-        </p:nvSpPr>
-        <p:spPr bwMode="auto">
-          <a:xfrm>
-            <a:off x="5181600" y="685800"/>
-            <a:ext cx="838200" cy="381000"/>
-          </a:xfrm>
-          <a:prstGeom prst="rect">
-            <a:avLst/>
-          </a:prstGeom>
-          <a:solidFill>
-            <a:schemeClr val="accent1"/>
-          </a:solidFill>
-          <a:ln w="9525">
-            <a:solidFill>
-              <a:schemeClr val="tx1"/>
-            </a:solidFill>
-            <a:miter lim="800000"/>
-            <a:headEnd/>
-            <a:tailEnd/>
-          </a:ln>
-          <a:effectLst/>
-        </p:spPr>
-        <p:txBody>
-          <a:bodyPr wrap="none" anchor="ctr"/>
-          <a:lstStyle/>
-          <a:p>
-            <a:pPr algn="ctr"/>
-            <a:r>
-              <a:rPr lang="en-US" sz="1800" b="0">
-                <a:latin typeface="Arial" pitchFamily="34" charset="0"/>
-              </a:rPr>
-              <a:t>V</a:t>
-            </a:r>
-          </a:p>
-        </p:txBody>
-      </p:sp>
-      <p:sp>
-        <p:nvSpPr>
-          <p:cNvPr id="693255" name="Oval 7"/>
-          <p:cNvSpPr>
-            <a:spLocks noChangeArrowheads="1"/>
-          </p:cNvSpPr>
-          <p:nvPr/>
-        </p:nvSpPr>
-        <p:spPr bwMode="auto">
-          <a:xfrm>
-            <a:off x="4610100" y="685800"/>
-            <a:ext cx="381000" cy="381000"/>
-          </a:xfrm>
-          <a:prstGeom prst="ellipse">
-            <a:avLst/>
-          </a:prstGeom>
-          <a:noFill/>
-          <a:ln w="9525">
-            <a:solidFill>
-              <a:srgbClr val="800000"/>
-            </a:solidFill>
-            <a:round/>
-            <a:headEnd/>
-            <a:tailEnd/>
-          </a:ln>
-          <a:effectLst/>
-        </p:spPr>
-        <p:txBody>
-          <a:bodyPr wrap="none" anchor="ctr"/>
-          <a:lstStyle/>
-          <a:p>
-            <a:endParaRPr lang="en-US"/>
-          </a:p>
-        </p:txBody>
-      </p:sp>
-      <p:sp>
-        <p:nvSpPr>
-          <p:cNvPr id="693256" name="Text Box 8"/>
-          <p:cNvSpPr txBox="1">
-            <a:spLocks noChangeArrowheads="1"/>
-          </p:cNvSpPr>
-          <p:nvPr/>
-        </p:nvSpPr>
-        <p:spPr bwMode="auto">
-          <a:xfrm>
-            <a:off x="669925" y="2474913"/>
-            <a:ext cx="8016875" cy="3387725"/>
+            <a:off x="1387475" y="2651125"/>
+            <a:ext cx="1298575" cy="396875"/>
           </a:xfrm>
           <a:prstGeom prst="rect">
             <a:avLst/>
@@ -5446,67 +5395,603 @@
             <a:headEnd/>
             <a:tailEnd/>
           </a:ln>
-          <a:effectLst/>
-        </p:spPr>
-        <p:txBody>
-          <a:bodyPr>
+        </p:spPr>
+        <p:txBody>
+          <a:bodyPr wrap="none">
             <a:spAutoFit/>
           </a:bodyPr>
           <a:lstStyle/>
           <a:p>
             <a:r>
-              <a:rPr lang="en-US" sz="1800" b="0">
-                <a:latin typeface="Arial" pitchFamily="34" charset="0"/>
-              </a:rPr>
-              <a:t>S is a diagonal matrix, so it only has diagonal elements, called singular values.</a:t>
-            </a:r>
-          </a:p>
-          <a:p>
-            <a:endParaRPr lang="en-US" sz="1800" b="0">
-              <a:latin typeface="Arial" pitchFamily="34" charset="0"/>
-            </a:endParaRPr>
-          </a:p>
-          <a:p>
-            <a:r>
-              <a:rPr lang="en-US" sz="1800" b="0">
-                <a:latin typeface="Arial" pitchFamily="34" charset="0"/>
-              </a:rPr>
-              <a:t>These numbers are the relative importance of each of the principle components.</a:t>
-            </a:r>
-          </a:p>
-          <a:p>
-            <a:endParaRPr lang="en-US" sz="1800" b="0">
-              <a:latin typeface="Arial" pitchFamily="34" charset="0"/>
-            </a:endParaRPr>
-          </a:p>
-          <a:p>
-            <a:r>
-              <a:rPr lang="en-US" sz="1800" b="0">
-                <a:latin typeface="Arial" pitchFamily="34" charset="0"/>
-              </a:rPr>
-              <a:t>If we want we can make the principle components be the columns of U * S, and have the columns of V be the coefficients.</a:t>
-            </a:r>
-          </a:p>
-          <a:p>
-            <a:r>
-              <a:rPr lang="en-US" sz="1800" b="0">
-                <a:latin typeface="Arial" pitchFamily="34" charset="0"/>
-              </a:rPr>
-              <a:t> </a:t>
-            </a:r>
-          </a:p>
-          <a:p>
-            <a:r>
-              <a:rPr lang="en-US" sz="1800" b="0">
-                <a:latin typeface="Arial" pitchFamily="34" charset="0"/>
-              </a:rPr>
-              <a:t>Alternatively, we can keep the columns of U, and make the coefficients be S * the columns of V.  This is more common.</a:t>
-            </a:r>
-          </a:p>
-          <a:p>
-            <a:endParaRPr lang="en-US" sz="1800" b="0">
-              <a:latin typeface="Arial" pitchFamily="34" charset="0"/>
-            </a:endParaRPr>
+              <a:rPr lang="en-US" dirty="0"/>
+              <a:t>Camera 1</a:t>
+            </a:r>
+          </a:p>
+        </p:txBody>
+      </p:sp>
+      <p:sp>
+        <p:nvSpPr>
+          <p:cNvPr id="12293" name="Text Box 17"/>
+          <p:cNvSpPr txBox="1">
+            <a:spLocks noChangeArrowheads="1"/>
+          </p:cNvSpPr>
+          <p:nvPr/>
+        </p:nvSpPr>
+        <p:spPr bwMode="auto">
+          <a:xfrm>
+            <a:off x="1371600" y="3592513"/>
+            <a:ext cx="1298575" cy="396875"/>
+          </a:xfrm>
+          <a:prstGeom prst="rect">
+            <a:avLst/>
+          </a:prstGeom>
+          <a:noFill/>
+          <a:ln w="9525">
+            <a:noFill/>
+            <a:miter lim="800000"/>
+            <a:headEnd/>
+            <a:tailEnd/>
+          </a:ln>
+        </p:spPr>
+        <p:txBody>
+          <a:bodyPr wrap="none">
+            <a:spAutoFit/>
+          </a:bodyPr>
+          <a:lstStyle/>
+          <a:p>
+            <a:r>
+              <a:rPr lang="en-US" dirty="0"/>
+              <a:t>Camera 2</a:t>
+            </a:r>
+          </a:p>
+        </p:txBody>
+      </p:sp>
+      <p:sp>
+        <p:nvSpPr>
+          <p:cNvPr id="12294" name="Text Box 18"/>
+          <p:cNvSpPr txBox="1">
+            <a:spLocks noChangeArrowheads="1"/>
+          </p:cNvSpPr>
+          <p:nvPr/>
+        </p:nvSpPr>
+        <p:spPr bwMode="auto">
+          <a:xfrm>
+            <a:off x="1371600" y="4506913"/>
+            <a:ext cx="1298575" cy="396875"/>
+          </a:xfrm>
+          <a:prstGeom prst="rect">
+            <a:avLst/>
+          </a:prstGeom>
+          <a:noFill/>
+          <a:ln w="9525">
+            <a:noFill/>
+            <a:miter lim="800000"/>
+            <a:headEnd/>
+            <a:tailEnd/>
+          </a:ln>
+        </p:spPr>
+        <p:txBody>
+          <a:bodyPr wrap="none">
+            <a:spAutoFit/>
+          </a:bodyPr>
+          <a:lstStyle/>
+          <a:p>
+            <a:r>
+              <a:rPr lang="en-US" dirty="0"/>
+              <a:t>Camera 3</a:t>
+            </a:r>
+          </a:p>
+        </p:txBody>
+      </p:sp>
+      <p:sp>
+        <p:nvSpPr>
+          <p:cNvPr id="12295" name="Text Box 19"/>
+          <p:cNvSpPr txBox="1">
+            <a:spLocks noChangeArrowheads="1"/>
+          </p:cNvSpPr>
+          <p:nvPr/>
+        </p:nvSpPr>
+        <p:spPr bwMode="auto">
+          <a:xfrm>
+            <a:off x="1371600" y="5497513"/>
+            <a:ext cx="1298575" cy="396875"/>
+          </a:xfrm>
+          <a:prstGeom prst="rect">
+            <a:avLst/>
+          </a:prstGeom>
+          <a:noFill/>
+          <a:ln w="9525">
+            <a:noFill/>
+            <a:miter lim="800000"/>
+            <a:headEnd/>
+            <a:tailEnd/>
+          </a:ln>
+        </p:spPr>
+        <p:txBody>
+          <a:bodyPr wrap="none">
+            <a:spAutoFit/>
+          </a:bodyPr>
+          <a:lstStyle/>
+          <a:p>
+            <a:r>
+              <a:rPr lang="en-US"/>
+              <a:t>Camera 4</a:t>
+            </a:r>
+          </a:p>
+        </p:txBody>
+      </p:sp>
+      <p:grpSp>
+        <p:nvGrpSpPr>
+          <p:cNvPr id="2" name="Group 4"/>
+          <p:cNvGrpSpPr>
+            <a:grpSpLocks/>
+          </p:cNvGrpSpPr>
+          <p:nvPr/>
+        </p:nvGrpSpPr>
+        <p:grpSpPr bwMode="auto">
+          <a:xfrm>
+            <a:off x="-1981200" y="77787"/>
+            <a:ext cx="15878175" cy="1790701"/>
+            <a:chOff x="-1242" y="2208"/>
+            <a:chExt cx="10002" cy="1128"/>
+          </a:xfrm>
+        </p:grpSpPr>
+        <p:sp>
+          <p:nvSpPr>
+            <p:cNvPr id="20" name="Text Box 9"/>
+            <p:cNvSpPr txBox="1">
+              <a:spLocks noChangeArrowheads="1"/>
+            </p:cNvSpPr>
+            <p:nvPr/>
+          </p:nvSpPr>
+          <p:spPr bwMode="auto">
+            <a:xfrm>
+              <a:off x="1392" y="2976"/>
+              <a:ext cx="7368" cy="360"/>
+            </a:xfrm>
+            <a:prstGeom prst="rect">
+              <a:avLst/>
+            </a:prstGeom>
+            <a:noFill/>
+            <a:ln w="9525" algn="in">
+              <a:noFill/>
+              <a:miter lim="800000"/>
+              <a:headEnd/>
+              <a:tailEnd/>
+            </a:ln>
+          </p:spPr>
+          <p:txBody>
+            <a:bodyPr lIns="36576" tIns="36576" rIns="36576" bIns="36576"/>
+            <a:lstStyle/>
+            <a:p>
+              <a:endParaRPr lang="en-US" sz="2800">
+                <a:latin typeface="+mj-lt"/>
+              </a:endParaRPr>
+            </a:p>
+          </p:txBody>
+        </p:sp>
+        <p:grpSp>
+          <p:nvGrpSpPr>
+            <p:cNvPr id="3" name="Group 32"/>
+            <p:cNvGrpSpPr>
+              <a:grpSpLocks/>
+            </p:cNvGrpSpPr>
+            <p:nvPr/>
+          </p:nvGrpSpPr>
+          <p:grpSpPr bwMode="auto">
+            <a:xfrm>
+              <a:off x="-1242" y="2208"/>
+              <a:ext cx="9114" cy="959"/>
+              <a:chOff x="-1819275" y="3505200"/>
+              <a:chExt cx="14468475" cy="1519548"/>
+            </a:xfrm>
+          </p:grpSpPr>
+          <p:grpSp>
+            <p:nvGrpSpPr>
+              <p:cNvPr id="4" name="Group 27"/>
+              <p:cNvGrpSpPr>
+                <a:grpSpLocks/>
+              </p:cNvGrpSpPr>
+              <p:nvPr/>
+            </p:nvGrpSpPr>
+            <p:grpSpPr bwMode="auto">
+              <a:xfrm>
+                <a:off x="381002" y="3505200"/>
+                <a:ext cx="8076599" cy="1066800"/>
+                <a:chOff x="4600575" y="3429000"/>
+                <a:chExt cx="12280863" cy="1888569"/>
+              </a:xfrm>
+            </p:grpSpPr>
+            <p:pic>
+              <p:nvPicPr>
+                <p:cNvPr id="29" name="Picture 4" descr="pc_1"/>
+                <p:cNvPicPr>
+                  <a:picLocks noChangeAspect="1" noChangeArrowheads="1"/>
+                </p:cNvPicPr>
+                <p:nvPr/>
+              </p:nvPicPr>
+              <p:blipFill>
+                <a:blip r:embed="rId4"/>
+                <a:srcRect/>
+                <a:stretch>
+                  <a:fillRect/>
+                </a:stretch>
+              </p:blipFill>
+              <p:spPr bwMode="auto">
+                <a:xfrm>
+                  <a:off x="14927113" y="3429000"/>
+                  <a:ext cx="1954325" cy="1888090"/>
+                </a:xfrm>
+                <a:prstGeom prst="rect">
+                  <a:avLst/>
+                </a:prstGeom>
+                <a:noFill/>
+                <a:ln w="9525" algn="in">
+                  <a:noFill/>
+                  <a:miter lim="800000"/>
+                  <a:headEnd/>
+                  <a:tailEnd/>
+                </a:ln>
+              </p:spPr>
+            </p:pic>
+            <p:pic>
+              <p:nvPicPr>
+                <p:cNvPr id="30" name="Picture 5" descr="pc_3"/>
+                <p:cNvPicPr>
+                  <a:picLocks noChangeAspect="1" noChangeArrowheads="1"/>
+                </p:cNvPicPr>
+                <p:nvPr/>
+              </p:nvPicPr>
+              <p:blipFill>
+                <a:blip r:embed="rId5"/>
+                <a:srcRect/>
+                <a:stretch>
+                  <a:fillRect/>
+                </a:stretch>
+              </p:blipFill>
+              <p:spPr bwMode="auto">
+                <a:xfrm>
+                  <a:off x="11219407" y="3429000"/>
+                  <a:ext cx="2169688" cy="1888090"/>
+                </a:xfrm>
+                <a:prstGeom prst="rect">
+                  <a:avLst/>
+                </a:prstGeom>
+                <a:noFill/>
+                <a:ln w="9525" algn="in">
+                  <a:noFill/>
+                  <a:miter lim="800000"/>
+                  <a:headEnd/>
+                  <a:tailEnd/>
+                </a:ln>
+              </p:spPr>
+            </p:pic>
+            <p:pic>
+              <p:nvPicPr>
+                <p:cNvPr id="31" name="Picture 6" descr="mean_month"/>
+                <p:cNvPicPr>
+                  <a:picLocks noChangeAspect="1" noChangeArrowheads="1"/>
+                </p:cNvPicPr>
+                <p:nvPr/>
+              </p:nvPicPr>
+              <p:blipFill>
+                <a:blip r:embed="rId6"/>
+                <a:srcRect/>
+                <a:stretch>
+                  <a:fillRect/>
+                </a:stretch>
+              </p:blipFill>
+              <p:spPr bwMode="auto">
+                <a:xfrm>
+                  <a:off x="7351417" y="3429000"/>
+                  <a:ext cx="2176559" cy="1888569"/>
+                </a:xfrm>
+                <a:prstGeom prst="rect">
+                  <a:avLst/>
+                </a:prstGeom>
+                <a:noFill/>
+                <a:ln w="9525" algn="in">
+                  <a:noFill/>
+                  <a:miter lim="800000"/>
+                  <a:headEnd/>
+                  <a:tailEnd/>
+                </a:ln>
+              </p:spPr>
+            </p:pic>
+            <p:pic>
+              <p:nvPicPr>
+                <p:cNvPr id="32" name="Picture 7" descr="200606_ave_02_16"/>
+                <p:cNvPicPr>
+                  <a:picLocks noChangeAspect="1" noChangeArrowheads="1"/>
+                </p:cNvPicPr>
+                <p:nvPr/>
+              </p:nvPicPr>
+              <p:blipFill>
+                <a:blip r:embed="rId7"/>
+                <a:srcRect/>
+                <a:stretch>
+                  <a:fillRect/>
+                </a:stretch>
+              </p:blipFill>
+              <p:spPr bwMode="auto">
+                <a:xfrm>
+                  <a:off x="4600575" y="3429000"/>
+                  <a:ext cx="2299205" cy="1888090"/>
+                </a:xfrm>
+                <a:prstGeom prst="rect">
+                  <a:avLst/>
+                </a:prstGeom>
+                <a:noFill/>
+                <a:ln w="9525" algn="in">
+                  <a:noFill/>
+                  <a:miter lim="800000"/>
+                  <a:headEnd/>
+                  <a:tailEnd/>
+                </a:ln>
+              </p:spPr>
+            </p:pic>
+          </p:grpSp>
+          <p:sp>
+            <p:nvSpPr>
+              <p:cNvPr id="23" name="Text Box 8"/>
+              <p:cNvSpPr txBox="1">
+                <a:spLocks noChangeArrowheads="1"/>
+              </p:cNvSpPr>
+              <p:nvPr/>
+            </p:nvSpPr>
+            <p:spPr bwMode="auto">
+              <a:xfrm>
+                <a:off x="-1819275" y="3810000"/>
+                <a:ext cx="14468475" cy="609600"/>
+              </a:xfrm>
+              <a:prstGeom prst="rect">
+                <a:avLst/>
+              </a:prstGeom>
+              <a:noFill/>
+              <a:ln w="9525" algn="in">
+                <a:noFill/>
+                <a:miter lim="800000"/>
+                <a:headEnd/>
+                <a:tailEnd/>
+              </a:ln>
+            </p:spPr>
+            <p:txBody>
+              <a:bodyPr lIns="36576" tIns="36576" rIns="36576" bIns="36576"/>
+              <a:lstStyle/>
+              <a:p>
+                <a:r>
+                  <a:rPr lang="en-US" sz="2800" dirty="0">
+                    <a:solidFill>
+                      <a:srgbClr val="000000"/>
+                    </a:solidFill>
+                  </a:rPr>
+                  <a:t>				 =            </a:t>
+                </a:r>
+                <a:r>
+                  <a:rPr lang="en-US" sz="2800" dirty="0" smtClean="0">
+                    <a:solidFill>
+                      <a:srgbClr val="000000"/>
+                    </a:solidFill>
+                  </a:rPr>
+                  <a:t>    + f</a:t>
+                </a:r>
+                <a:r>
+                  <a:rPr lang="en-US" sz="2800" baseline="-25000" dirty="0" smtClean="0">
+                    <a:solidFill>
+                      <a:srgbClr val="000000"/>
+                    </a:solidFill>
+                  </a:rPr>
+                  <a:t>1</a:t>
+                </a:r>
+                <a:r>
+                  <a:rPr lang="en-US" sz="2800" dirty="0" smtClean="0">
+                    <a:solidFill>
+                      <a:srgbClr val="000000"/>
+                    </a:solidFill>
+                  </a:rPr>
+                  <a:t>(t)                 + f</a:t>
+                </a:r>
+                <a:r>
+                  <a:rPr lang="en-US" sz="2800" baseline="-25000" dirty="0" smtClean="0">
+                    <a:solidFill>
+                      <a:srgbClr val="000000"/>
+                    </a:solidFill>
+                  </a:rPr>
+                  <a:t>2</a:t>
+                </a:r>
+                <a:r>
+                  <a:rPr lang="en-US" sz="2800" dirty="0" smtClean="0">
+                    <a:solidFill>
+                      <a:srgbClr val="000000"/>
+                    </a:solidFill>
+                  </a:rPr>
+                  <a:t>(t)               + </a:t>
+                </a:r>
+                <a:r>
+                  <a:rPr lang="en-US" sz="2800" dirty="0">
+                    <a:solidFill>
+                      <a:srgbClr val="000000"/>
+                    </a:solidFill>
+                  </a:rPr>
+                  <a:t>...</a:t>
+                </a:r>
+                <a:endParaRPr lang="en-US" sz="2800" dirty="0"/>
+              </a:p>
+            </p:txBody>
+          </p:sp>
+          <p:sp>
+            <p:nvSpPr>
+              <p:cNvPr id="24" name="Rectangle 28"/>
+              <p:cNvSpPr>
+                <a:spLocks noChangeArrowheads="1"/>
+              </p:cNvSpPr>
+              <p:nvPr/>
+            </p:nvSpPr>
+            <p:spPr bwMode="auto">
+              <a:xfrm>
+                <a:off x="4719978" y="4656256"/>
+                <a:ext cx="1461747" cy="368492"/>
+              </a:xfrm>
+              <a:prstGeom prst="rect">
+                <a:avLst/>
+              </a:prstGeom>
+              <a:noFill/>
+              <a:ln w="9525">
+                <a:noFill/>
+                <a:miter lim="800000"/>
+                <a:headEnd/>
+                <a:tailEnd/>
+              </a:ln>
+            </p:spPr>
+            <p:txBody>
+              <a:bodyPr wrap="none">
+                <a:spAutoFit/>
+              </a:bodyPr>
+              <a:lstStyle/>
+              <a:p>
+                <a:r>
+                  <a:rPr lang="en-US" dirty="0" smtClean="0">
+                    <a:solidFill>
+                      <a:srgbClr val="000000"/>
+                    </a:solidFill>
+                  </a:rPr>
+                  <a:t>component </a:t>
+                </a:r>
+                <a:r>
+                  <a:rPr lang="en-US" dirty="0">
+                    <a:solidFill>
+                      <a:srgbClr val="000000"/>
+                    </a:solidFill>
+                  </a:rPr>
+                  <a:t>1</a:t>
+                </a:r>
+                <a:endParaRPr lang="en-US" dirty="0"/>
+              </a:p>
+            </p:txBody>
+          </p:sp>
+          <p:sp>
+            <p:nvSpPr>
+              <p:cNvPr id="25" name="Rectangle 29"/>
+              <p:cNvSpPr>
+                <a:spLocks noChangeArrowheads="1"/>
+              </p:cNvSpPr>
+              <p:nvPr/>
+            </p:nvSpPr>
+            <p:spPr bwMode="auto">
+              <a:xfrm>
+                <a:off x="6953080" y="4651468"/>
+                <a:ext cx="1514645" cy="368527"/>
+              </a:xfrm>
+              <a:prstGeom prst="rect">
+                <a:avLst/>
+              </a:prstGeom>
+              <a:noFill/>
+              <a:ln w="9525">
+                <a:noFill/>
+                <a:miter lim="800000"/>
+                <a:headEnd/>
+                <a:tailEnd/>
+              </a:ln>
+            </p:spPr>
+            <p:txBody>
+              <a:bodyPr wrap="none">
+                <a:spAutoFit/>
+              </a:bodyPr>
+              <a:lstStyle/>
+              <a:p>
+                <a:r>
+                  <a:rPr lang="en-US" dirty="0" smtClean="0">
+                    <a:solidFill>
+                      <a:srgbClr val="000000"/>
+                    </a:solidFill>
+                  </a:rPr>
+                  <a:t>component </a:t>
+                </a:r>
+                <a:r>
+                  <a:rPr lang="en-US" dirty="0">
+                    <a:solidFill>
+                      <a:srgbClr val="000000"/>
+                    </a:solidFill>
+                  </a:rPr>
+                  <a:t>2 </a:t>
+                </a:r>
+                <a:endParaRPr lang="en-US" dirty="0"/>
+              </a:p>
+            </p:txBody>
+          </p:sp>
+          <p:sp>
+            <p:nvSpPr>
+              <p:cNvPr id="26" name="Rectangle 30"/>
+              <p:cNvSpPr>
+                <a:spLocks noChangeArrowheads="1"/>
+              </p:cNvSpPr>
+              <p:nvPr/>
+            </p:nvSpPr>
+            <p:spPr bwMode="auto">
+              <a:xfrm>
+                <a:off x="2209800" y="4651359"/>
+                <a:ext cx="1292341" cy="368637"/>
+              </a:xfrm>
+              <a:prstGeom prst="rect">
+                <a:avLst/>
+              </a:prstGeom>
+              <a:noFill/>
+              <a:ln w="9525">
+                <a:noFill/>
+                <a:miter lim="800000"/>
+                <a:headEnd/>
+                <a:tailEnd/>
+              </a:ln>
+            </p:spPr>
+            <p:txBody>
+              <a:bodyPr wrap="none">
+                <a:spAutoFit/>
+              </a:bodyPr>
+              <a:lstStyle/>
+              <a:p>
+                <a:r>
+                  <a:rPr lang="en-US" dirty="0" smtClean="0">
+                    <a:solidFill>
+                      <a:srgbClr val="000000"/>
+                    </a:solidFill>
+                  </a:rPr>
+                  <a:t>mean </a:t>
+                </a:r>
+                <a:r>
+                  <a:rPr lang="en-US" dirty="0">
+                    <a:solidFill>
+                      <a:srgbClr val="000000"/>
+                    </a:solidFill>
+                  </a:rPr>
+                  <a:t>Image</a:t>
+                </a:r>
+                <a:endParaRPr lang="en-US" dirty="0"/>
+              </a:p>
+            </p:txBody>
+          </p:sp>
+        </p:grpSp>
+      </p:grpSp>
+      <p:sp>
+        <p:nvSpPr>
+          <p:cNvPr id="27" name="Slide Number Placeholder 26"/>
+          <p:cNvSpPr>
+            <a:spLocks noGrp="1"/>
+          </p:cNvSpPr>
+          <p:nvPr>
+            <p:ph type="sldNum" sz="quarter" idx="12"/>
+          </p:nvPr>
+        </p:nvSpPr>
+        <p:spPr/>
+        <p:txBody>
+          <a:bodyPr/>
+          <a:lstStyle/>
+          <a:p>
+            <a:fld id="{B6F15528-21DE-4FAA-801E-634DDDAF4B2B}" type="slidenum">
+              <a:rPr lang="en-US" smtClean="0"/>
+              <a:pPr/>
+              <a:t>10</a:t>
+            </a:fld>
+            <a:endParaRPr lang="en-US"/>
           </a:p>
         </p:txBody>
       </p:sp>
@@ -5544,1327 +6029,6 @@
       </p:grpSpPr>
       <p:sp>
         <p:nvSpPr>
-          <p:cNvPr id="12" name="Footer Placeholder 3"/>
-          <p:cNvSpPr>
-            <a:spLocks noGrp="1"/>
-          </p:cNvSpPr>
-          <p:nvPr>
-            <p:ph type="ftr" sz="quarter" idx="10"/>
-          </p:nvPr>
-        </p:nvSpPr>
-        <p:spPr/>
-        <p:txBody>
-          <a:bodyPr/>
-          <a:lstStyle/>
-          <a:p>
-            <a:r>
-              <a:rPr lang="en-US"/>
-              <a:t>Computer Vision, Robert Pless</a:t>
-            </a:r>
-          </a:p>
-        </p:txBody>
-      </p:sp>
-      <p:sp>
-        <p:nvSpPr>
-          <p:cNvPr id="694274" name="Rectangle 2"/>
-          <p:cNvSpPr>
-            <a:spLocks noChangeArrowheads="1"/>
-          </p:cNvSpPr>
-          <p:nvPr/>
-        </p:nvSpPr>
-        <p:spPr bwMode="auto">
-          <a:xfrm>
-            <a:off x="2514600" y="762000"/>
-            <a:ext cx="914400" cy="1752600"/>
-          </a:xfrm>
-          <a:prstGeom prst="rect">
-            <a:avLst/>
-          </a:prstGeom>
-          <a:solidFill>
-            <a:schemeClr val="accent1"/>
-          </a:solidFill>
-          <a:ln w="9525">
-            <a:solidFill>
-              <a:schemeClr val="tx1"/>
-            </a:solidFill>
-            <a:miter lim="800000"/>
-            <a:headEnd/>
-            <a:tailEnd/>
-          </a:ln>
-          <a:effectLst/>
-        </p:spPr>
-        <p:txBody>
-          <a:bodyPr wrap="none" anchor="ctr"/>
-          <a:lstStyle/>
-          <a:p>
-            <a:pPr algn="ctr"/>
-            <a:r>
-              <a:rPr lang="en-US" sz="1800" b="0">
-                <a:latin typeface="Arial" pitchFamily="34" charset="0"/>
-              </a:rPr>
-              <a:t>D</a:t>
-            </a:r>
-          </a:p>
-        </p:txBody>
-      </p:sp>
-      <p:sp>
-        <p:nvSpPr>
-          <p:cNvPr id="694275" name="Text Box 3"/>
-          <p:cNvSpPr txBox="1">
-            <a:spLocks noChangeArrowheads="1"/>
-          </p:cNvSpPr>
-          <p:nvPr/>
-        </p:nvSpPr>
-        <p:spPr bwMode="auto">
-          <a:xfrm>
-            <a:off x="3413125" y="1560513"/>
-            <a:ext cx="317500" cy="366712"/>
-          </a:xfrm>
-          <a:prstGeom prst="rect">
-            <a:avLst/>
-          </a:prstGeom>
-          <a:noFill/>
-          <a:ln w="9525">
-            <a:noFill/>
-            <a:miter lim="800000"/>
-            <a:headEnd/>
-            <a:tailEnd/>
-          </a:ln>
-          <a:effectLst/>
-        </p:spPr>
-        <p:txBody>
-          <a:bodyPr wrap="none">
-            <a:spAutoFit/>
-          </a:bodyPr>
-          <a:lstStyle/>
-          <a:p>
-            <a:r>
-              <a:rPr lang="en-US" sz="1800" b="0">
-                <a:latin typeface="Arial" pitchFamily="34" charset="0"/>
-              </a:rPr>
-              <a:t>=</a:t>
-            </a:r>
-          </a:p>
-        </p:txBody>
-      </p:sp>
-      <p:sp>
-        <p:nvSpPr>
-          <p:cNvPr id="694276" name="Rectangle 4"/>
-          <p:cNvSpPr>
-            <a:spLocks noChangeArrowheads="1"/>
-          </p:cNvSpPr>
-          <p:nvPr/>
-        </p:nvSpPr>
-        <p:spPr bwMode="auto">
-          <a:xfrm>
-            <a:off x="3810000" y="762000"/>
-            <a:ext cx="381000" cy="1762125"/>
-          </a:xfrm>
-          <a:prstGeom prst="rect">
-            <a:avLst/>
-          </a:prstGeom>
-          <a:solidFill>
-            <a:schemeClr val="accent1"/>
-          </a:solidFill>
-          <a:ln w="9525">
-            <a:solidFill>
-              <a:schemeClr val="tx1"/>
-            </a:solidFill>
-            <a:miter lim="800000"/>
-            <a:headEnd/>
-            <a:tailEnd/>
-          </a:ln>
-          <a:effectLst/>
-        </p:spPr>
-        <p:txBody>
-          <a:bodyPr wrap="none" anchor="ctr"/>
-          <a:lstStyle/>
-          <a:p>
-            <a:pPr algn="ctr"/>
-            <a:r>
-              <a:rPr lang="en-US" sz="1800" b="0">
-                <a:latin typeface="Arial" pitchFamily="34" charset="0"/>
-              </a:rPr>
-              <a:t>U</a:t>
-            </a:r>
-          </a:p>
-        </p:txBody>
-      </p:sp>
-      <p:sp>
-        <p:nvSpPr>
-          <p:cNvPr id="694277" name="Rectangle 5"/>
-          <p:cNvSpPr>
-            <a:spLocks noChangeArrowheads="1"/>
-          </p:cNvSpPr>
-          <p:nvPr/>
-        </p:nvSpPr>
-        <p:spPr bwMode="auto">
-          <a:xfrm>
-            <a:off x="4343400" y="762000"/>
-            <a:ext cx="304800" cy="381000"/>
-          </a:xfrm>
-          <a:prstGeom prst="rect">
-            <a:avLst/>
-          </a:prstGeom>
-          <a:solidFill>
-            <a:schemeClr val="accent1"/>
-          </a:solidFill>
-          <a:ln w="9525">
-            <a:solidFill>
-              <a:schemeClr val="tx1"/>
-            </a:solidFill>
-            <a:miter lim="800000"/>
-            <a:headEnd/>
-            <a:tailEnd/>
-          </a:ln>
-          <a:effectLst/>
-        </p:spPr>
-        <p:txBody>
-          <a:bodyPr wrap="none" anchor="ctr"/>
-          <a:lstStyle/>
-          <a:p>
-            <a:pPr algn="ctr"/>
-            <a:r>
-              <a:rPr lang="en-US" sz="1800" b="0">
-                <a:latin typeface="Arial" pitchFamily="34" charset="0"/>
-              </a:rPr>
-              <a:t>S</a:t>
-            </a:r>
-          </a:p>
-        </p:txBody>
-      </p:sp>
-      <p:sp>
-        <p:nvSpPr>
-          <p:cNvPr id="694278" name="Rectangle 6"/>
-          <p:cNvSpPr>
-            <a:spLocks noChangeArrowheads="1"/>
-          </p:cNvSpPr>
-          <p:nvPr/>
-        </p:nvSpPr>
-        <p:spPr bwMode="auto">
-          <a:xfrm>
-            <a:off x="4876800" y="762000"/>
-            <a:ext cx="838200" cy="381000"/>
-          </a:xfrm>
-          <a:prstGeom prst="rect">
-            <a:avLst/>
-          </a:prstGeom>
-          <a:solidFill>
-            <a:schemeClr val="accent1"/>
-          </a:solidFill>
-          <a:ln w="9525">
-            <a:solidFill>
-              <a:schemeClr val="tx1"/>
-            </a:solidFill>
-            <a:miter lim="800000"/>
-            <a:headEnd/>
-            <a:tailEnd/>
-          </a:ln>
-          <a:effectLst/>
-        </p:spPr>
-        <p:txBody>
-          <a:bodyPr wrap="none" anchor="ctr"/>
-          <a:lstStyle/>
-          <a:p>
-            <a:pPr algn="ctr"/>
-            <a:r>
-              <a:rPr lang="en-US" sz="1800" b="0">
-                <a:latin typeface="Arial" pitchFamily="34" charset="0"/>
-              </a:rPr>
-              <a:t>V</a:t>
-            </a:r>
-          </a:p>
-        </p:txBody>
-      </p:sp>
-      <p:sp>
-        <p:nvSpPr>
-          <p:cNvPr id="694279" name="Text Box 7"/>
-          <p:cNvSpPr txBox="1">
-            <a:spLocks noChangeArrowheads="1"/>
-          </p:cNvSpPr>
-          <p:nvPr/>
-        </p:nvSpPr>
-        <p:spPr bwMode="auto">
-          <a:xfrm>
-            <a:off x="1600200" y="2138363"/>
-            <a:ext cx="962025" cy="366712"/>
-          </a:xfrm>
-          <a:prstGeom prst="rect">
-            <a:avLst/>
-          </a:prstGeom>
-          <a:noFill/>
-          <a:ln w="9525">
-            <a:noFill/>
-            <a:miter lim="800000"/>
-            <a:headEnd/>
-            <a:tailEnd/>
-          </a:ln>
-          <a:effectLst/>
-        </p:spPr>
-        <p:txBody>
-          <a:bodyPr wrap="none">
-            <a:spAutoFit/>
-          </a:bodyPr>
-          <a:lstStyle/>
-          <a:p>
-            <a:r>
-              <a:rPr lang="en-US" sz="1800" b="0"/>
-              <a:t>Images</a:t>
-            </a:r>
-          </a:p>
-        </p:txBody>
-      </p:sp>
-      <p:sp>
-        <p:nvSpPr>
-          <p:cNvPr id="694280" name="Text Box 8"/>
-          <p:cNvSpPr txBox="1">
-            <a:spLocks noChangeArrowheads="1"/>
-          </p:cNvSpPr>
-          <p:nvPr/>
-        </p:nvSpPr>
-        <p:spPr bwMode="auto">
-          <a:xfrm>
-            <a:off x="4251325" y="2098675"/>
-            <a:ext cx="1577975" cy="366713"/>
-          </a:xfrm>
-          <a:prstGeom prst="rect">
-            <a:avLst/>
-          </a:prstGeom>
-          <a:noFill/>
-          <a:ln w="9525">
-            <a:noFill/>
-            <a:miter lim="800000"/>
-            <a:headEnd/>
-            <a:tailEnd/>
-          </a:ln>
-          <a:effectLst/>
-        </p:spPr>
-        <p:txBody>
-          <a:bodyPr wrap="none">
-            <a:spAutoFit/>
-          </a:bodyPr>
-          <a:lstStyle/>
-          <a:p>
-            <a:r>
-              <a:rPr lang="en-US" sz="1800" b="0"/>
-              <a:t>Basis Images</a:t>
-            </a:r>
-          </a:p>
-        </p:txBody>
-      </p:sp>
-      <p:sp>
-        <p:nvSpPr>
-          <p:cNvPr id="694281" name="Text Box 9"/>
-          <p:cNvSpPr txBox="1">
-            <a:spLocks noChangeArrowheads="1"/>
-          </p:cNvSpPr>
-          <p:nvPr/>
-        </p:nvSpPr>
-        <p:spPr bwMode="auto">
-          <a:xfrm>
-            <a:off x="5029200" y="1143000"/>
-            <a:ext cx="1390650" cy="366713"/>
-          </a:xfrm>
-          <a:prstGeom prst="rect">
-            <a:avLst/>
-          </a:prstGeom>
-          <a:noFill/>
-          <a:ln w="9525">
-            <a:noFill/>
-            <a:miter lim="800000"/>
-            <a:headEnd/>
-            <a:tailEnd/>
-          </a:ln>
-          <a:effectLst/>
-        </p:spPr>
-        <p:txBody>
-          <a:bodyPr wrap="none">
-            <a:spAutoFit/>
-          </a:bodyPr>
-          <a:lstStyle/>
-          <a:p>
-            <a:r>
-              <a:rPr lang="en-US" sz="1800" b="0">
-                <a:latin typeface="Arial" pitchFamily="34" charset="0"/>
-              </a:rPr>
-              <a:t>coefficients.</a:t>
-            </a:r>
-          </a:p>
-        </p:txBody>
-      </p:sp>
-      <p:sp>
-        <p:nvSpPr>
-          <p:cNvPr id="694282" name="Text Box 10"/>
-          <p:cNvSpPr txBox="1">
-            <a:spLocks noChangeArrowheads="1"/>
-          </p:cNvSpPr>
-          <p:nvPr/>
-        </p:nvSpPr>
-        <p:spPr bwMode="auto">
-          <a:xfrm>
-            <a:off x="609600" y="2590800"/>
-            <a:ext cx="6421951" cy="2308324"/>
-          </a:xfrm>
-          <a:prstGeom prst="rect">
-            <a:avLst/>
-          </a:prstGeom>
-          <a:noFill/>
-          <a:ln w="9525">
-            <a:noFill/>
-            <a:miter lim="800000"/>
-            <a:headEnd/>
-            <a:tailEnd/>
-          </a:ln>
-          <a:effectLst/>
-        </p:spPr>
-        <p:txBody>
-          <a:bodyPr wrap="none">
-            <a:spAutoFit/>
-          </a:bodyPr>
-          <a:lstStyle/>
-          <a:p>
-            <a:pPr eaLnBrk="1" hangingPunct="1"/>
-            <a:r>
-              <a:rPr lang="en-US" sz="1800" b="0" dirty="0"/>
-              <a:t>Special properties:</a:t>
-            </a:r>
-          </a:p>
-          <a:p>
-            <a:pPr eaLnBrk="1" hangingPunct="1"/>
-            <a:r>
-              <a:rPr lang="en-US" sz="1800" b="0" dirty="0"/>
-              <a:t>   U,V are both </a:t>
-            </a:r>
-            <a:r>
-              <a:rPr lang="en-US" sz="1800" b="0" dirty="0" err="1"/>
-              <a:t>orthonormal</a:t>
-            </a:r>
-            <a:r>
-              <a:rPr lang="en-US" sz="1800" b="0" dirty="0"/>
-              <a:t> matrices.</a:t>
-            </a:r>
-          </a:p>
-          <a:p>
-            <a:pPr eaLnBrk="1" hangingPunct="1"/>
-            <a:endParaRPr lang="en-US" sz="1800" b="0" dirty="0"/>
-          </a:p>
-          <a:p>
-            <a:pPr eaLnBrk="1" hangingPunct="1"/>
-            <a:r>
-              <a:rPr lang="en-US" sz="1800" b="0" dirty="0"/>
-              <a:t>This is cool:</a:t>
-            </a:r>
-          </a:p>
-          <a:p>
-            <a:pPr eaLnBrk="1" hangingPunct="1"/>
-            <a:r>
-              <a:rPr lang="en-US" sz="1800" b="0" dirty="0"/>
-              <a:t>   Given a new image W, to get its coefficients </a:t>
-            </a:r>
-            <a:r>
-              <a:rPr lang="en-US" sz="1800" b="0" dirty="0" err="1"/>
-              <a:t>v</a:t>
-            </a:r>
-            <a:r>
-              <a:rPr lang="en-US" sz="1800" b="0" baseline="-25000" dirty="0" err="1"/>
-              <a:t>w</a:t>
-            </a:r>
-            <a:r>
-              <a:rPr lang="en-US" sz="1800" b="0" dirty="0"/>
-              <a:t>, you can use:</a:t>
-            </a:r>
-          </a:p>
-          <a:p>
-            <a:pPr eaLnBrk="1" hangingPunct="1"/>
-            <a:r>
-              <a:rPr lang="en-US" sz="1800" b="0" dirty="0"/>
-              <a:t>       </a:t>
-            </a:r>
-            <a:r>
-              <a:rPr lang="en-US" sz="1800" b="0" dirty="0" err="1" smtClean="0"/>
-              <a:t>v</a:t>
-            </a:r>
-            <a:r>
-              <a:rPr lang="en-US" sz="1800" b="0" baseline="-25000" dirty="0" err="1" smtClean="0"/>
-              <a:t>w</a:t>
-            </a:r>
-            <a:r>
-              <a:rPr lang="en-US" sz="1800" b="0" dirty="0" smtClean="0"/>
-              <a:t>=U</a:t>
-            </a:r>
-            <a:r>
-              <a:rPr lang="en-US" baseline="30000" dirty="0">
-                <a:latin typeface="cmsy10" pitchFamily="34" charset="0"/>
-              </a:rPr>
-              <a:t>T</a:t>
-            </a:r>
-            <a:r>
-              <a:rPr lang="en-US" sz="1800" b="0" dirty="0" smtClean="0"/>
-              <a:t>W</a:t>
-            </a:r>
-            <a:endParaRPr lang="en-US" sz="1800" b="0" dirty="0"/>
-          </a:p>
-          <a:p>
-            <a:pPr eaLnBrk="1" hangingPunct="1"/>
-            <a:r>
-              <a:rPr lang="en-US" sz="1800" b="0" dirty="0"/>
-              <a:t> </a:t>
-            </a:r>
-          </a:p>
-          <a:p>
-            <a:pPr eaLnBrk="1" hangingPunct="1"/>
-            <a:r>
-              <a:rPr lang="en-US" sz="1800" b="0" dirty="0"/>
-              <a:t>   Then U </a:t>
-            </a:r>
-            <a:r>
-              <a:rPr lang="en-US" sz="1800" b="0" dirty="0" err="1"/>
-              <a:t>v</a:t>
-            </a:r>
-            <a:r>
-              <a:rPr lang="en-US" sz="1800" b="0" baseline="-25000" dirty="0" err="1"/>
-              <a:t>w</a:t>
-            </a:r>
-            <a:r>
-              <a:rPr lang="en-US" sz="1800" b="0" dirty="0"/>
-              <a:t> approximately reconstructs W.  Why?</a:t>
-            </a:r>
-            <a:endParaRPr lang="en-US" sz="1800" b="0" baseline="-25000" dirty="0"/>
-          </a:p>
-        </p:txBody>
-      </p:sp>
-      <p:sp>
-        <p:nvSpPr>
-          <p:cNvPr id="694283" name="Text Box 11"/>
-          <p:cNvSpPr txBox="1">
-            <a:spLocks noChangeArrowheads="1"/>
-          </p:cNvSpPr>
-          <p:nvPr/>
-        </p:nvSpPr>
-        <p:spPr bwMode="auto">
-          <a:xfrm>
-            <a:off x="609600" y="4876800"/>
-            <a:ext cx="7550150" cy="1739900"/>
-          </a:xfrm>
-          <a:prstGeom prst="rect">
-            <a:avLst/>
-          </a:prstGeom>
-          <a:noFill/>
-          <a:ln w="9525">
-            <a:noFill/>
-            <a:miter lim="800000"/>
-            <a:headEnd/>
-            <a:tailEnd/>
-          </a:ln>
-          <a:effectLst/>
-        </p:spPr>
-        <p:txBody>
-          <a:bodyPr>
-            <a:spAutoFit/>
-          </a:bodyPr>
-          <a:lstStyle/>
-          <a:p>
-            <a:pPr eaLnBrk="1" hangingPunct="1"/>
-            <a:endParaRPr lang="en-US" sz="1800" b="0" dirty="0"/>
-          </a:p>
-          <a:p>
-            <a:pPr eaLnBrk="1" hangingPunct="1"/>
-            <a:r>
-              <a:rPr lang="en-US" sz="1800" b="0" dirty="0"/>
-              <a:t>   U </a:t>
-            </a:r>
-            <a:r>
-              <a:rPr lang="en-US" sz="1800" b="0" dirty="0" err="1"/>
-              <a:t>v</a:t>
-            </a:r>
-            <a:r>
-              <a:rPr lang="en-US" sz="1800" b="0" baseline="-25000" dirty="0" err="1"/>
-              <a:t>w</a:t>
-            </a:r>
-            <a:r>
-              <a:rPr lang="en-US" sz="1800" b="0" dirty="0"/>
-              <a:t> </a:t>
-            </a:r>
-          </a:p>
-          <a:p>
-            <a:pPr eaLnBrk="1" hangingPunct="1"/>
-            <a:r>
-              <a:rPr lang="en-US" sz="1800" b="0" dirty="0"/>
-              <a:t>= U (</a:t>
-            </a:r>
-            <a:r>
-              <a:rPr lang="en-US" sz="1800" b="0" dirty="0" smtClean="0"/>
-              <a:t>U</a:t>
-            </a:r>
-            <a:r>
-              <a:rPr lang="en-US" baseline="30000" dirty="0">
-                <a:latin typeface="cmsy10" pitchFamily="34" charset="0"/>
-              </a:rPr>
-              <a:t>T</a:t>
-            </a:r>
-            <a:r>
-              <a:rPr lang="en-US" sz="1800" b="0" dirty="0" smtClean="0"/>
-              <a:t>W</a:t>
-            </a:r>
-            <a:r>
-              <a:rPr lang="en-US" sz="1800" b="0" dirty="0"/>
-              <a:t>)  </a:t>
-            </a:r>
-          </a:p>
-          <a:p>
-            <a:pPr eaLnBrk="1" hangingPunct="1"/>
-            <a:r>
-              <a:rPr lang="en-US" sz="1800" b="0" dirty="0"/>
-              <a:t>=  (U </a:t>
-            </a:r>
-            <a:r>
-              <a:rPr lang="en-US" sz="1800" b="0" dirty="0" smtClean="0"/>
-              <a:t>U</a:t>
-            </a:r>
-            <a:r>
-              <a:rPr lang="en-US" baseline="30000" dirty="0">
-                <a:latin typeface="cmsy10" pitchFamily="34" charset="0"/>
-              </a:rPr>
-              <a:t>T</a:t>
-            </a:r>
-            <a:r>
-              <a:rPr lang="en-US" sz="1800" b="0" dirty="0" smtClean="0"/>
-              <a:t>)W </a:t>
-            </a:r>
-            <a:endParaRPr lang="en-US" sz="1800" b="0" dirty="0"/>
-          </a:p>
-          <a:p>
-            <a:pPr eaLnBrk="1" hangingPunct="1"/>
-            <a:r>
-              <a:rPr lang="en-US" sz="1800" b="0" dirty="0"/>
-              <a:t>= I W </a:t>
-            </a:r>
-          </a:p>
-          <a:p>
-            <a:pPr eaLnBrk="1" hangingPunct="1"/>
-            <a:r>
-              <a:rPr lang="en-US" sz="1800" b="0" dirty="0"/>
-              <a:t>= W. </a:t>
-            </a:r>
-          </a:p>
-        </p:txBody>
-      </p:sp>
-    </p:spTree>
-  </p:cSld>
-  <p:clrMapOvr>
-    <a:masterClrMapping/>
-  </p:clrMapOvr>
-  <p:timing>
-    <p:tnLst>
-      <p:par>
-        <p:cTn id="1" dur="indefinite" restart="never" nodeType="tmRoot">
-          <p:childTnLst>
-            <p:seq concurrent="1" nextAc="seek">
-              <p:cTn id="2" dur="indefinite" nodeType="mainSeq">
-                <p:childTnLst>
-                  <p:par>
-                    <p:cTn id="3" fill="hold">
-                      <p:stCondLst>
-                        <p:cond delay="indefinite"/>
-                        <p:cond evt="onBegin" delay="0">
-                          <p:tn val="2"/>
-                        </p:cond>
-                      </p:stCondLst>
-                      <p:childTnLst>
-                        <p:par>
-                          <p:cTn id="4" fill="hold">
-                            <p:stCondLst>
-                              <p:cond delay="0"/>
-                            </p:stCondLst>
-                            <p:childTnLst>
-                              <p:par>
-                                <p:cTn id="5" presetID="3" presetClass="entr" presetSubtype="10" fill="hold" grpId="0" nodeType="withEffect">
-                                  <p:stCondLst>
-                                    <p:cond delay="0"/>
-                                  </p:stCondLst>
-                                  <p:childTnLst>
-                                    <p:set>
-                                      <p:cBhvr>
-                                        <p:cTn id="6" dur="1" fill="hold">
-                                          <p:stCondLst>
-                                            <p:cond delay="0"/>
-                                          </p:stCondLst>
-                                        </p:cTn>
-                                        <p:tgtEl>
-                                          <p:spTgt spid="694281"/>
-                                        </p:tgtEl>
-                                        <p:attrNameLst>
-                                          <p:attrName>style.visibility</p:attrName>
-                                        </p:attrNameLst>
-                                      </p:cBhvr>
-                                      <p:to>
-                                        <p:strVal val="visible"/>
-                                      </p:to>
-                                    </p:set>
-                                    <p:animEffect transition="in" filter="blinds(horizontal)">
-                                      <p:cBhvr>
-                                        <p:cTn id="7" dur="500"/>
-                                        <p:tgtEl>
-                                          <p:spTgt spid="694281"/>
-                                        </p:tgtEl>
-                                      </p:cBhvr>
-                                    </p:animEffect>
-                                  </p:childTnLst>
-                                </p:cTn>
-                              </p:par>
-                              <p:par>
-                                <p:cTn id="8" presetID="24" presetClass="exit" presetSubtype="0" fill="hold" grpId="1" nodeType="withEffect">
-                                  <p:stCondLst>
-                                    <p:cond delay="0"/>
-                                  </p:stCondLst>
-                                  <p:childTnLst>
-                                    <p:anim to="" calcmode="lin" valueType="num">
-                                      <p:cBhvr>
-                                        <p:cTn id="9" dur="1"/>
-                                        <p:tgtEl>
-                                          <p:spTgt spid="694281"/>
-                                        </p:tgtEl>
-                                        <p:attrNameLst>
-                                          <p:attrName/>
-                                        </p:attrNameLst>
-                                      </p:cBhvr>
-                                    </p:anim>
-                                    <p:set>
-                                      <p:cBhvr>
-                                        <p:cTn id="10" dur="1" fill="hold">
-                                          <p:stCondLst>
-                                            <p:cond delay="0"/>
-                                          </p:stCondLst>
-                                        </p:cTn>
-                                        <p:tgtEl>
-                                          <p:spTgt spid="694281"/>
-                                        </p:tgtEl>
-                                        <p:attrNameLst>
-                                          <p:attrName>style.visibility</p:attrName>
-                                        </p:attrNameLst>
-                                      </p:cBhvr>
-                                      <p:to>
-                                        <p:strVal val="hidden"/>
-                                      </p:to>
-                                    </p:set>
-                                  </p:childTnLst>
-                                </p:cTn>
-                              </p:par>
-                            </p:childTnLst>
-                          </p:cTn>
-                        </p:par>
-                      </p:childTnLst>
-                    </p:cTn>
-                  </p:par>
-                  <p:par>
-                    <p:cTn id="11" fill="hold">
-                      <p:stCondLst>
-                        <p:cond delay="indefinite"/>
-                      </p:stCondLst>
-                      <p:childTnLst>
-                        <p:par>
-                          <p:cTn id="12" fill="hold">
-                            <p:stCondLst>
-                              <p:cond delay="0"/>
-                            </p:stCondLst>
-                            <p:childTnLst>
-                              <p:par>
-                                <p:cTn id="13" presetID="24" presetClass="entr" presetSubtype="0" fill="hold" grpId="0" nodeType="clickEffect">
-                                  <p:stCondLst>
-                                    <p:cond delay="0"/>
-                                  </p:stCondLst>
-                                  <p:childTnLst>
-                                    <p:set>
-                                      <p:cBhvr>
-                                        <p:cTn id="14" dur="1" fill="hold">
-                                          <p:stCondLst>
-                                            <p:cond delay="0"/>
-                                          </p:stCondLst>
-                                        </p:cTn>
-                                        <p:tgtEl>
-                                          <p:spTgt spid="694283"/>
-                                        </p:tgtEl>
-                                        <p:attrNameLst>
-                                          <p:attrName>style.visibility</p:attrName>
-                                        </p:attrNameLst>
-                                      </p:cBhvr>
-                                      <p:to>
-                                        <p:strVal val="visible"/>
-                                      </p:to>
-                                    </p:set>
-                                    <p:anim to="" calcmode="lin" valueType="num">
-                                      <p:cBhvr>
-                                        <p:cTn id="15" dur="1" fill="hold"/>
-                                        <p:tgtEl>
-                                          <p:spTgt spid="694283"/>
-                                        </p:tgtEl>
-                                        <p:attrNameLst>
-                                          <p:attrName/>
-                                        </p:attrNameLst>
-                                      </p:cBhvr>
-                                    </p:anim>
-                                  </p:childTnLst>
-                                </p:cTn>
-                              </p:par>
-                            </p:childTnLst>
-                          </p:cTn>
-                        </p:par>
-                      </p:childTnLst>
-                    </p:cTn>
-                  </p:par>
-                </p:childTnLst>
-              </p:cTn>
-              <p:prevCondLst>
-                <p:cond evt="onPrev" delay="0">
-                  <p:tgtEl>
-                    <p:sldTgt/>
-                  </p:tgtEl>
-                </p:cond>
-              </p:prevCondLst>
-              <p:nextCondLst>
-                <p:cond evt="onNext" delay="0">
-                  <p:tgtEl>
-                    <p:sldTgt/>
-                  </p:tgtEl>
-                </p:cond>
-              </p:nextCondLst>
-            </p:seq>
-          </p:childTnLst>
-        </p:cTn>
-      </p:par>
-    </p:tnLst>
-    <p:bldLst>
-      <p:bldP spid="694281" grpId="0"/>
-      <p:bldP spid="694281" grpId="1"/>
-      <p:bldP spid="694283" grpId="0"/>
-    </p:bldLst>
-  </p:timing>
-</p:sld>
-</file>
-
-<file path=ppt/slides/slide12.xml><?xml version="1.0" encoding="utf-8"?>
-<p:sld xmlns:a="http://schemas.openxmlformats.org/drawingml/2006/main" xmlns:r="http://schemas.openxmlformats.org/officeDocument/2006/relationships" xmlns:p="http://schemas.openxmlformats.org/presentationml/2006/main">
-  <p:cSld>
-    <p:spTree>
-      <p:nvGrpSpPr>
-        <p:cNvPr id="1" name=""/>
-        <p:cNvGrpSpPr/>
-        <p:nvPr/>
-      </p:nvGrpSpPr>
-      <p:grpSpPr>
-        <a:xfrm>
-          <a:off x="0" y="0"/>
-          <a:ext cx="0" cy="0"/>
-          <a:chOff x="0" y="0"/>
-          <a:chExt cx="0" cy="0"/>
-        </a:xfrm>
-      </p:grpSpPr>
-      <p:sp>
-        <p:nvSpPr>
-          <p:cNvPr id="11" name="Footer Placeholder 3"/>
-          <p:cNvSpPr>
-            <a:spLocks noGrp="1"/>
-          </p:cNvSpPr>
-          <p:nvPr>
-            <p:ph type="ftr" sz="quarter" idx="10"/>
-          </p:nvPr>
-        </p:nvSpPr>
-        <p:spPr/>
-        <p:txBody>
-          <a:bodyPr/>
-          <a:lstStyle/>
-          <a:p>
-            <a:r>
-              <a:rPr lang="en-US"/>
-              <a:t>Computer Vision, Robert Pless</a:t>
-            </a:r>
-          </a:p>
-        </p:txBody>
-      </p:sp>
-      <p:sp>
-        <p:nvSpPr>
-          <p:cNvPr id="695298" name="Rectangle 2"/>
-          <p:cNvSpPr>
-            <a:spLocks noChangeArrowheads="1"/>
-          </p:cNvSpPr>
-          <p:nvPr/>
-        </p:nvSpPr>
-        <p:spPr bwMode="auto">
-          <a:xfrm>
-            <a:off x="2819400" y="676275"/>
-            <a:ext cx="914400" cy="1752600"/>
-          </a:xfrm>
-          <a:prstGeom prst="rect">
-            <a:avLst/>
-          </a:prstGeom>
-          <a:solidFill>
-            <a:schemeClr val="accent1"/>
-          </a:solidFill>
-          <a:ln w="9525">
-            <a:solidFill>
-              <a:schemeClr val="tx1"/>
-            </a:solidFill>
-            <a:miter lim="800000"/>
-            <a:headEnd/>
-            <a:tailEnd/>
-          </a:ln>
-          <a:effectLst/>
-        </p:spPr>
-        <p:txBody>
-          <a:bodyPr wrap="none" anchor="ctr"/>
-          <a:lstStyle/>
-          <a:p>
-            <a:pPr algn="ctr"/>
-            <a:r>
-              <a:rPr lang="en-US" sz="1800" b="0">
-                <a:latin typeface="Arial" pitchFamily="34" charset="0"/>
-              </a:rPr>
-              <a:t>D</a:t>
-            </a:r>
-          </a:p>
-        </p:txBody>
-      </p:sp>
-      <p:sp>
-        <p:nvSpPr>
-          <p:cNvPr id="695299" name="Text Box 3"/>
-          <p:cNvSpPr txBox="1">
-            <a:spLocks noChangeArrowheads="1"/>
-          </p:cNvSpPr>
-          <p:nvPr/>
-        </p:nvSpPr>
-        <p:spPr bwMode="auto">
-          <a:xfrm>
-            <a:off x="3717925" y="1474788"/>
-            <a:ext cx="317500" cy="366712"/>
-          </a:xfrm>
-          <a:prstGeom prst="rect">
-            <a:avLst/>
-          </a:prstGeom>
-          <a:noFill/>
-          <a:ln w="9525">
-            <a:noFill/>
-            <a:miter lim="800000"/>
-            <a:headEnd/>
-            <a:tailEnd/>
-          </a:ln>
-          <a:effectLst/>
-        </p:spPr>
-        <p:txBody>
-          <a:bodyPr wrap="none">
-            <a:spAutoFit/>
-          </a:bodyPr>
-          <a:lstStyle/>
-          <a:p>
-            <a:r>
-              <a:rPr lang="en-US" sz="1800" b="0">
-                <a:latin typeface="Arial" pitchFamily="34" charset="0"/>
-              </a:rPr>
-              <a:t>=</a:t>
-            </a:r>
-          </a:p>
-        </p:txBody>
-      </p:sp>
-      <p:sp>
-        <p:nvSpPr>
-          <p:cNvPr id="695300" name="Rectangle 4"/>
-          <p:cNvSpPr>
-            <a:spLocks noChangeArrowheads="1"/>
-          </p:cNvSpPr>
-          <p:nvPr/>
-        </p:nvSpPr>
-        <p:spPr bwMode="auto">
-          <a:xfrm>
-            <a:off x="4114800" y="676275"/>
-            <a:ext cx="381000" cy="1762125"/>
-          </a:xfrm>
-          <a:prstGeom prst="rect">
-            <a:avLst/>
-          </a:prstGeom>
-          <a:solidFill>
-            <a:schemeClr val="accent1"/>
-          </a:solidFill>
-          <a:ln w="9525">
-            <a:solidFill>
-              <a:schemeClr val="tx1"/>
-            </a:solidFill>
-            <a:miter lim="800000"/>
-            <a:headEnd/>
-            <a:tailEnd/>
-          </a:ln>
-          <a:effectLst/>
-        </p:spPr>
-        <p:txBody>
-          <a:bodyPr wrap="none" anchor="ctr"/>
-          <a:lstStyle/>
-          <a:p>
-            <a:pPr algn="ctr"/>
-            <a:r>
-              <a:rPr lang="en-US" sz="1800" b="0">
-                <a:latin typeface="Arial" pitchFamily="34" charset="0"/>
-              </a:rPr>
-              <a:t>U</a:t>
-            </a:r>
-          </a:p>
-        </p:txBody>
-      </p:sp>
-      <p:sp>
-        <p:nvSpPr>
-          <p:cNvPr id="695301" name="Rectangle 5"/>
-          <p:cNvSpPr>
-            <a:spLocks noChangeArrowheads="1"/>
-          </p:cNvSpPr>
-          <p:nvPr/>
-        </p:nvSpPr>
-        <p:spPr bwMode="auto">
-          <a:xfrm>
-            <a:off x="4648200" y="676275"/>
-            <a:ext cx="304800" cy="381000"/>
-          </a:xfrm>
-          <a:prstGeom prst="rect">
-            <a:avLst/>
-          </a:prstGeom>
-          <a:solidFill>
-            <a:schemeClr val="accent1"/>
-          </a:solidFill>
-          <a:ln w="9525">
-            <a:solidFill>
-              <a:schemeClr val="tx1"/>
-            </a:solidFill>
-            <a:miter lim="800000"/>
-            <a:headEnd/>
-            <a:tailEnd/>
-          </a:ln>
-          <a:effectLst/>
-        </p:spPr>
-        <p:txBody>
-          <a:bodyPr wrap="none" anchor="ctr"/>
-          <a:lstStyle/>
-          <a:p>
-            <a:pPr algn="ctr"/>
-            <a:r>
-              <a:rPr lang="en-US" sz="1800" b="0">
-                <a:latin typeface="Arial" pitchFamily="34" charset="0"/>
-              </a:rPr>
-              <a:t>S</a:t>
-            </a:r>
-          </a:p>
-        </p:txBody>
-      </p:sp>
-      <p:sp>
-        <p:nvSpPr>
-          <p:cNvPr id="695302" name="Rectangle 6"/>
-          <p:cNvSpPr>
-            <a:spLocks noChangeArrowheads="1"/>
-          </p:cNvSpPr>
-          <p:nvPr/>
-        </p:nvSpPr>
-        <p:spPr bwMode="auto">
-          <a:xfrm>
-            <a:off x="5181600" y="676275"/>
-            <a:ext cx="838200" cy="381000"/>
-          </a:xfrm>
-          <a:prstGeom prst="rect">
-            <a:avLst/>
-          </a:prstGeom>
-          <a:solidFill>
-            <a:schemeClr val="accent1"/>
-          </a:solidFill>
-          <a:ln w="9525">
-            <a:solidFill>
-              <a:schemeClr val="tx1"/>
-            </a:solidFill>
-            <a:miter lim="800000"/>
-            <a:headEnd/>
-            <a:tailEnd/>
-          </a:ln>
-          <a:effectLst/>
-        </p:spPr>
-        <p:txBody>
-          <a:bodyPr wrap="none" anchor="ctr"/>
-          <a:lstStyle/>
-          <a:p>
-            <a:pPr algn="ctr"/>
-            <a:r>
-              <a:rPr lang="en-US" sz="1800" b="0">
-                <a:latin typeface="Arial" pitchFamily="34" charset="0"/>
-              </a:rPr>
-              <a:t>V</a:t>
-            </a:r>
-          </a:p>
-        </p:txBody>
-      </p:sp>
-      <p:sp>
-        <p:nvSpPr>
-          <p:cNvPr id="695303" name="Text Box 7"/>
-          <p:cNvSpPr txBox="1">
-            <a:spLocks noChangeArrowheads="1"/>
-          </p:cNvSpPr>
-          <p:nvPr/>
-        </p:nvSpPr>
-        <p:spPr bwMode="auto">
-          <a:xfrm>
-            <a:off x="4556125" y="2012950"/>
-            <a:ext cx="1577975" cy="366713"/>
-          </a:xfrm>
-          <a:prstGeom prst="rect">
-            <a:avLst/>
-          </a:prstGeom>
-          <a:noFill/>
-          <a:ln w="9525">
-            <a:noFill/>
-            <a:miter lim="800000"/>
-            <a:headEnd/>
-            <a:tailEnd/>
-          </a:ln>
-          <a:effectLst/>
-        </p:spPr>
-        <p:txBody>
-          <a:bodyPr wrap="none">
-            <a:spAutoFit/>
-          </a:bodyPr>
-          <a:lstStyle/>
-          <a:p>
-            <a:r>
-              <a:rPr lang="en-US" sz="1800" b="0"/>
-              <a:t>Basis Images</a:t>
-            </a:r>
-          </a:p>
-        </p:txBody>
-      </p:sp>
-      <p:sp>
-        <p:nvSpPr>
-          <p:cNvPr id="695304" name="Text Box 8"/>
-          <p:cNvSpPr txBox="1">
-            <a:spLocks noChangeArrowheads="1"/>
-          </p:cNvSpPr>
-          <p:nvPr/>
-        </p:nvSpPr>
-        <p:spPr bwMode="auto">
-          <a:xfrm>
-            <a:off x="5181600" y="1138238"/>
-            <a:ext cx="1487488" cy="366712"/>
-          </a:xfrm>
-          <a:prstGeom prst="rect">
-            <a:avLst/>
-          </a:prstGeom>
-          <a:noFill/>
-          <a:ln w="9525">
-            <a:noFill/>
-            <a:miter lim="800000"/>
-            <a:headEnd/>
-            <a:tailEnd/>
-          </a:ln>
-          <a:effectLst/>
-        </p:spPr>
-        <p:txBody>
-          <a:bodyPr wrap="none">
-            <a:spAutoFit/>
-          </a:bodyPr>
-          <a:lstStyle/>
-          <a:p>
-            <a:r>
-              <a:rPr lang="en-US" sz="1800" b="0"/>
-              <a:t>coefficients</a:t>
-            </a:r>
-          </a:p>
-        </p:txBody>
-      </p:sp>
-      <p:sp>
-        <p:nvSpPr>
-          <p:cNvPr id="695305" name="Oval 9"/>
-          <p:cNvSpPr>
-            <a:spLocks noChangeArrowheads="1"/>
-          </p:cNvSpPr>
-          <p:nvPr/>
-        </p:nvSpPr>
-        <p:spPr bwMode="auto">
-          <a:xfrm>
-            <a:off x="4800600" y="371475"/>
-            <a:ext cx="1600200" cy="914400"/>
-          </a:xfrm>
-          <a:prstGeom prst="ellipse">
-            <a:avLst/>
-          </a:prstGeom>
-          <a:noFill/>
-          <a:ln w="9525">
-            <a:solidFill>
-              <a:srgbClr val="800000"/>
-            </a:solidFill>
-            <a:round/>
-            <a:headEnd/>
-            <a:tailEnd/>
-          </a:ln>
-          <a:effectLst/>
-        </p:spPr>
-        <p:txBody>
-          <a:bodyPr wrap="none" anchor="ctr"/>
-          <a:lstStyle/>
-          <a:p>
-            <a:endParaRPr lang="en-US"/>
-          </a:p>
-        </p:txBody>
-      </p:sp>
-      <p:sp>
-        <p:nvSpPr>
-          <p:cNvPr id="695306" name="Text Box 10"/>
-          <p:cNvSpPr txBox="1">
-            <a:spLocks noChangeArrowheads="1"/>
-          </p:cNvSpPr>
-          <p:nvPr/>
-        </p:nvSpPr>
-        <p:spPr bwMode="auto">
-          <a:xfrm>
-            <a:off x="152400" y="2474913"/>
-            <a:ext cx="8839200" cy="3662362"/>
-          </a:xfrm>
-          <a:prstGeom prst="rect">
-            <a:avLst/>
-          </a:prstGeom>
-          <a:noFill/>
-          <a:ln w="9525">
-            <a:noFill/>
-            <a:miter lim="800000"/>
-            <a:headEnd/>
-            <a:tailEnd/>
-          </a:ln>
-          <a:effectLst/>
-        </p:spPr>
-        <p:txBody>
-          <a:bodyPr>
-            <a:spAutoFit/>
-          </a:bodyPr>
-          <a:lstStyle/>
-          <a:p>
-            <a:r>
-              <a:rPr lang="en-US" sz="1800" b="0" dirty="0"/>
-              <a:t>These coefficients define the appearance of the image.</a:t>
-            </a:r>
-          </a:p>
-          <a:p>
-            <a:endParaRPr lang="en-US" sz="1800" b="0" dirty="0"/>
-          </a:p>
-          <a:p>
-            <a:r>
-              <a:rPr lang="en-US" sz="1800" b="0" dirty="0"/>
-              <a:t>The U matrix defines the space of possible images within this video.</a:t>
-            </a:r>
-          </a:p>
-          <a:p>
-            <a:endParaRPr lang="en-US" sz="1800" b="0" dirty="0"/>
-          </a:p>
-          <a:p>
-            <a:r>
-              <a:rPr lang="en-US" sz="1800" b="0" dirty="0"/>
-              <a:t>Given a new set of coefficients ( a new column of V ), we can make a new image. </a:t>
-            </a:r>
-          </a:p>
-          <a:p>
-            <a:pPr algn="ctr"/>
-            <a:r>
-              <a:rPr lang="en-US" sz="1800" b="0" dirty="0"/>
-              <a:t> </a:t>
-            </a:r>
-          </a:p>
-          <a:p>
-            <a:pPr algn="ctr"/>
-            <a:r>
-              <a:rPr lang="en-US" sz="1800" b="0" dirty="0"/>
-              <a:t>New image = U v</a:t>
-            </a:r>
-          </a:p>
-          <a:p>
-            <a:pPr algn="ctr"/>
-            <a:endParaRPr lang="en-US" sz="1800" b="0" dirty="0"/>
-          </a:p>
-          <a:p>
-            <a:pPr algn="ctr"/>
-            <a:r>
-              <a:rPr lang="en-US" sz="1800" b="0" dirty="0"/>
-              <a:t>(</a:t>
-            </a:r>
-            <a:r>
-              <a:rPr lang="en-US" sz="1400" b="0" i="1" dirty="0"/>
-              <a:t>this will give us a column vector of the pixel values… </a:t>
-            </a:r>
-          </a:p>
-          <a:p>
-            <a:pPr algn="ctr"/>
-            <a:r>
-              <a:rPr lang="en-US" sz="1400" b="0" i="1" dirty="0"/>
-              <a:t>you have to rearrange it into the shape of the image</a:t>
-            </a:r>
-            <a:r>
-              <a:rPr lang="en-US" sz="1800" b="0" dirty="0"/>
-              <a:t>).</a:t>
-            </a:r>
-          </a:p>
-          <a:p>
-            <a:endParaRPr lang="en-US" sz="1800" b="0" dirty="0"/>
-          </a:p>
-          <a:p>
-            <a:r>
-              <a:rPr lang="en-US" sz="1800" b="0" dirty="0"/>
-              <a:t>Given a new image W we can find its coefficients </a:t>
-            </a:r>
-          </a:p>
-          <a:p>
-            <a:pPr algn="ctr"/>
-            <a:r>
-              <a:rPr lang="en-US" sz="1800" b="0" dirty="0"/>
-              <a:t>v = </a:t>
-            </a:r>
-            <a:r>
-              <a:rPr lang="en-US" sz="1800" b="0" dirty="0" smtClean="0"/>
-              <a:t>U</a:t>
-            </a:r>
-            <a:r>
-              <a:rPr lang="en-US" sz="1800" b="0" baseline="30000" dirty="0" smtClean="0">
-                <a:latin typeface="cmsy10" pitchFamily="34" charset="0"/>
-              </a:rPr>
-              <a:t>T</a:t>
-            </a:r>
-            <a:r>
-              <a:rPr lang="en-US" sz="1800" b="0" dirty="0" smtClean="0"/>
-              <a:t>W</a:t>
-            </a:r>
-            <a:endParaRPr lang="en-US" sz="1800" b="0" dirty="0"/>
-          </a:p>
-        </p:txBody>
-      </p:sp>
-    </p:spTree>
-  </p:cSld>
-  <p:clrMapOvr>
-    <a:masterClrMapping/>
-  </p:clrMapOvr>
-  <p:timing>
-    <p:tnLst>
-      <p:par>
-        <p:cTn id="1" dur="indefinite" restart="never" nodeType="tmRoot"/>
-      </p:par>
-    </p:tnLst>
-  </p:timing>
-</p:sld>
-</file>
-
-<file path=ppt/slides/slide13.xml><?xml version="1.0" encoding="utf-8"?>
-<p:sld xmlns:a="http://schemas.openxmlformats.org/drawingml/2006/main" xmlns:r="http://schemas.openxmlformats.org/officeDocument/2006/relationships" xmlns:p="http://schemas.openxmlformats.org/presentationml/2006/main">
-  <p:cSld>
-    <p:spTree>
-      <p:nvGrpSpPr>
-        <p:cNvPr id="1" name=""/>
-        <p:cNvGrpSpPr/>
-        <p:nvPr/>
-      </p:nvGrpSpPr>
-      <p:grpSpPr>
-        <a:xfrm>
-          <a:off x="0" y="0"/>
-          <a:ext cx="0" cy="0"/>
-          <a:chOff x="0" y="0"/>
-          <a:chExt cx="0" cy="0"/>
-        </a:xfrm>
-      </p:grpSpPr>
-      <p:sp>
-        <p:nvSpPr>
           <p:cNvPr id="2" name="Title 1"/>
           <p:cNvSpPr>
             <a:spLocks noGrp="1"/>
@@ -6970,7 +6134,7 @@
 </p:sld>
 </file>
 
-<file path=ppt/slides/slide14.xml><?xml version="1.0" encoding="utf-8"?>
+<file path=ppt/slides/slide12.xml><?xml version="1.0" encoding="utf-8"?>
 <p:sld xmlns:a="http://schemas.openxmlformats.org/drawingml/2006/main" xmlns:r="http://schemas.openxmlformats.org/officeDocument/2006/relationships" xmlns:p="http://schemas.openxmlformats.org/presentationml/2006/main">
   <p:cSld>
     <p:spTree>
@@ -7028,6 +6192,257 @@
 </p:sld>
 </file>
 
+<file path=ppt/slides/slide13.xml><?xml version="1.0" encoding="utf-8"?>
+<p:sld xmlns:a="http://schemas.openxmlformats.org/drawingml/2006/main" xmlns:r="http://schemas.openxmlformats.org/officeDocument/2006/relationships" xmlns:p="http://schemas.openxmlformats.org/presentationml/2006/main">
+  <p:cSld>
+    <p:spTree>
+      <p:nvGrpSpPr>
+        <p:cNvPr id="1" name=""/>
+        <p:cNvGrpSpPr/>
+        <p:nvPr/>
+      </p:nvGrpSpPr>
+      <p:grpSpPr>
+        <a:xfrm>
+          <a:off x="0" y="0"/>
+          <a:ext cx="0" cy="0"/>
+          <a:chOff x="0" y="0"/>
+          <a:chExt cx="0" cy="0"/>
+        </a:xfrm>
+      </p:grpSpPr>
+      <p:sp>
+        <p:nvSpPr>
+          <p:cNvPr id="2" name="Title 1"/>
+          <p:cNvSpPr>
+            <a:spLocks noGrp="1"/>
+          </p:cNvSpPr>
+          <p:nvPr>
+            <p:ph type="title"/>
+          </p:nvPr>
+        </p:nvSpPr>
+        <p:spPr/>
+        <p:txBody>
+          <a:bodyPr/>
+          <a:lstStyle/>
+          <a:p>
+            <a:r>
+              <a:rPr lang="en-US" dirty="0" smtClean="0"/>
+              <a:t>Incremental PCA</a:t>
+            </a:r>
+            <a:endParaRPr lang="en-US" dirty="0"/>
+          </a:p>
+        </p:txBody>
+      </p:sp>
+      <p:sp>
+        <p:nvSpPr>
+          <p:cNvPr id="3" name="Content Placeholder 2"/>
+          <p:cNvSpPr>
+            <a:spLocks noGrp="1"/>
+          </p:cNvSpPr>
+          <p:nvPr>
+            <p:ph idx="1"/>
+          </p:nvPr>
+        </p:nvSpPr>
+        <p:spPr/>
+        <p:txBody>
+          <a:bodyPr/>
+          <a:lstStyle/>
+          <a:p>
+            <a:r>
+              <a:rPr lang="en-US" dirty="0" smtClean="0"/>
+              <a:t>Too many images to fit into memory at once</a:t>
+            </a:r>
+          </a:p>
+          <a:p>
+            <a:r>
+              <a:rPr lang="en-US" dirty="0" smtClean="0"/>
+              <a:t>Can iteratively update our U, S, and V matrices for new images</a:t>
+            </a:r>
+          </a:p>
+          <a:p>
+            <a:pPr lvl="1"/>
+            <a:r>
+              <a:rPr lang="en-US" dirty="0" smtClean="0"/>
+              <a:t>Good estimate for U and S</a:t>
+            </a:r>
+          </a:p>
+          <a:p>
+            <a:pPr lvl="1"/>
+            <a:r>
+              <a:rPr lang="en-US" dirty="0" smtClean="0"/>
+              <a:t>V coefficient for early images not updated well for later changes to U and S</a:t>
+            </a:r>
+          </a:p>
+          <a:p>
+            <a:pPr lvl="2"/>
+            <a:r>
+              <a:rPr lang="en-US" dirty="0" smtClean="0"/>
+              <a:t>Can fix S and V on a second pass</a:t>
+            </a:r>
+          </a:p>
+          <a:p>
+            <a:pPr lvl="2"/>
+            <a:r>
+              <a:rPr lang="en-US" dirty="0" smtClean="0"/>
+              <a:t>(S * </a:t>
+            </a:r>
+            <a:r>
+              <a:rPr lang="en-US" dirty="0" err="1" smtClean="0"/>
+              <a:t>V</a:t>
+            </a:r>
+            <a:r>
+              <a:rPr lang="en-US" baseline="-25000" dirty="0" err="1" smtClean="0"/>
+              <a:t>x</a:t>
+            </a:r>
+            <a:r>
+              <a:rPr lang="en-US" dirty="0" smtClean="0"/>
+              <a:t>)</a:t>
+            </a:r>
+            <a:r>
+              <a:rPr lang="en-US" baseline="-25000" dirty="0" smtClean="0"/>
+              <a:t>fixed</a:t>
+            </a:r>
+            <a:r>
+              <a:rPr lang="en-US" dirty="0" smtClean="0"/>
+              <a:t>= (I</a:t>
+            </a:r>
+            <a:r>
+              <a:rPr lang="en-US" baseline="-25000" dirty="0" smtClean="0"/>
+              <a:t>x</a:t>
+            </a:r>
+            <a:r>
+              <a:rPr lang="en-US" dirty="0" smtClean="0"/>
+              <a:t> – </a:t>
+            </a:r>
+            <a:r>
+              <a:rPr lang="en-US" dirty="0" err="1" smtClean="0"/>
+              <a:t>I</a:t>
+            </a:r>
+            <a:r>
+              <a:rPr lang="en-US" baseline="-25000" dirty="0" err="1" smtClean="0"/>
+              <a:t>mean</a:t>
+            </a:r>
+            <a:r>
+              <a:rPr lang="en-US" dirty="0" smtClean="0"/>
+              <a:t>) * U</a:t>
+            </a:r>
+          </a:p>
+          <a:p>
+            <a:pPr lvl="2"/>
+            <a:endParaRPr lang="en-US" dirty="0"/>
+          </a:p>
+        </p:txBody>
+      </p:sp>
+    </p:spTree>
+  </p:cSld>
+  <p:clrMapOvr>
+    <a:masterClrMapping/>
+  </p:clrMapOvr>
+  <p:timing>
+    <p:tnLst>
+      <p:par>
+        <p:cTn id="1" dur="indefinite" restart="never" nodeType="tmRoot"/>
+      </p:par>
+    </p:tnLst>
+  </p:timing>
+</p:sld>
+</file>
+
+<file path=ppt/slides/slide14.xml><?xml version="1.0" encoding="utf-8"?>
+<p:sld xmlns:a="http://schemas.openxmlformats.org/drawingml/2006/main" xmlns:r="http://schemas.openxmlformats.org/officeDocument/2006/relationships" xmlns:p="http://schemas.openxmlformats.org/presentationml/2006/main">
+  <p:cSld>
+    <p:spTree>
+      <p:nvGrpSpPr>
+        <p:cNvPr id="1" name=""/>
+        <p:cNvGrpSpPr/>
+        <p:nvPr/>
+      </p:nvGrpSpPr>
+      <p:grpSpPr>
+        <a:xfrm>
+          <a:off x="0" y="0"/>
+          <a:ext cx="0" cy="0"/>
+          <a:chOff x="0" y="0"/>
+          <a:chExt cx="0" cy="0"/>
+        </a:xfrm>
+      </p:grpSpPr>
+      <p:sp>
+        <p:nvSpPr>
+          <p:cNvPr id="2" name="Title 1"/>
+          <p:cNvSpPr>
+            <a:spLocks noGrp="1"/>
+          </p:cNvSpPr>
+          <p:nvPr>
+            <p:ph type="title"/>
+          </p:nvPr>
+        </p:nvSpPr>
+        <p:spPr/>
+        <p:txBody>
+          <a:bodyPr/>
+          <a:lstStyle/>
+          <a:p>
+            <a:r>
+              <a:rPr lang="en-US" dirty="0" smtClean="0"/>
+              <a:t>But what do we take PCA of?</a:t>
+            </a:r>
+            <a:endParaRPr lang="en-US" dirty="0"/>
+          </a:p>
+        </p:txBody>
+      </p:sp>
+      <p:sp>
+        <p:nvSpPr>
+          <p:cNvPr id="3" name="Content Placeholder 2"/>
+          <p:cNvSpPr>
+            <a:spLocks noGrp="1"/>
+          </p:cNvSpPr>
+          <p:nvPr>
+            <p:ph idx="1"/>
+          </p:nvPr>
+        </p:nvSpPr>
+        <p:spPr/>
+        <p:txBody>
+          <a:bodyPr/>
+          <a:lstStyle/>
+          <a:p>
+            <a:r>
+              <a:rPr lang="en-US" dirty="0" smtClean="0"/>
+              <a:t>Daytime images</a:t>
+            </a:r>
+          </a:p>
+          <a:p>
+            <a:endParaRPr lang="en-US" dirty="0" smtClean="0"/>
+          </a:p>
+          <a:p>
+            <a:r>
+              <a:rPr lang="en-US" dirty="0" smtClean="0"/>
+              <a:t>Sky Mask</a:t>
+            </a:r>
+          </a:p>
+          <a:p>
+            <a:endParaRPr lang="en-US" dirty="0" smtClean="0"/>
+          </a:p>
+          <a:p>
+            <a:r>
+              <a:rPr lang="en-US" dirty="0" smtClean="0"/>
+              <a:t>Gradient Magnitude Images</a:t>
+            </a:r>
+            <a:endParaRPr lang="en-US" dirty="0"/>
+          </a:p>
+        </p:txBody>
+      </p:sp>
+    </p:spTree>
+  </p:cSld>
+  <p:clrMapOvr>
+    <a:masterClrMapping/>
+  </p:clrMapOvr>
+  <p:timing>
+    <p:tnLst>
+      <p:par>
+        <p:cTn id="1" dur="indefinite" restart="never" nodeType="tmRoot"/>
+      </p:par>
+    </p:tnLst>
+  </p:timing>
+</p:sld>
+</file>
+
 <file path=ppt/slides/slide15.xml><?xml version="1.0" encoding="utf-8"?>
 <p:sld xmlns:a="http://schemas.openxmlformats.org/drawingml/2006/main" xmlns:r="http://schemas.openxmlformats.org/officeDocument/2006/relationships" xmlns:p="http://schemas.openxmlformats.org/presentationml/2006/main">
   <p:cSld>
@@ -7062,7 +6477,7 @@
           <a:p>
             <a:r>
               <a:rPr lang="en-US" dirty="0" smtClean="0"/>
-              <a:t>Incremental PCA</a:t>
+              <a:t>Daytime Images</a:t>
             </a:r>
             <a:endParaRPr lang="en-US" dirty="0"/>
           </a:p>
@@ -7085,107 +6500,35 @@
           <a:p>
             <a:r>
               <a:rPr lang="en-US" dirty="0" smtClean="0"/>
-              <a:t>Too many images to fit into memory at once</a:t>
-            </a:r>
-          </a:p>
-          <a:p>
-            <a:r>
-              <a:rPr lang="en-US" dirty="0" smtClean="0"/>
-              <a:t>Can iteratively update </a:t>
-            </a:r>
-            <a:r>
-              <a:rPr lang="en-US" dirty="0" smtClean="0"/>
-              <a:t>our U, S, and V matrices </a:t>
-            </a:r>
-            <a:r>
-              <a:rPr lang="en-US" dirty="0" smtClean="0"/>
-              <a:t>for new </a:t>
-            </a:r>
-            <a:r>
-              <a:rPr lang="en-US" dirty="0" smtClean="0"/>
-              <a:t>images</a:t>
+              <a:t>Could take PCA of the entire set of images from one camera</a:t>
             </a:r>
           </a:p>
           <a:p>
             <a:pPr lvl="1"/>
             <a:r>
               <a:rPr lang="en-US" dirty="0" smtClean="0"/>
-              <a:t>Good estimate for U and S</a:t>
+              <a:t>Not interested in how image varies from day to night</a:t>
             </a:r>
           </a:p>
           <a:p>
             <a:pPr lvl="1"/>
             <a:r>
               <a:rPr lang="en-US" dirty="0" smtClean="0"/>
-              <a:t>V coefficient for early images not updated well for later changes to U and S</a:t>
-            </a:r>
-            <a:endParaRPr lang="en-US" dirty="0" smtClean="0"/>
-          </a:p>
-          <a:p>
-            <a:pPr lvl="2"/>
-            <a:r>
-              <a:rPr lang="en-US" dirty="0" smtClean="0"/>
-              <a:t>Can fix S and V </a:t>
-            </a:r>
-            <a:r>
-              <a:rPr lang="en-US" dirty="0" smtClean="0"/>
-              <a:t>on a second pass</a:t>
-            </a:r>
-          </a:p>
-          <a:p>
-            <a:pPr lvl="2"/>
-            <a:r>
-              <a:rPr lang="en-US" dirty="0" smtClean="0"/>
-              <a:t>(S * </a:t>
-            </a:r>
-            <a:r>
-              <a:rPr lang="en-US" dirty="0" err="1" smtClean="0"/>
-              <a:t>V</a:t>
-            </a:r>
-            <a:r>
-              <a:rPr lang="en-US" baseline="-25000" dirty="0" err="1" smtClean="0"/>
-              <a:t>x</a:t>
-            </a:r>
-            <a:r>
-              <a:rPr lang="en-US" dirty="0" smtClean="0"/>
-              <a:t>)</a:t>
-            </a:r>
-            <a:r>
-              <a:rPr lang="en-US" baseline="-25000" dirty="0" smtClean="0"/>
-              <a:t>fixed</a:t>
-            </a:r>
-            <a:r>
-              <a:rPr lang="en-US" dirty="0" smtClean="0"/>
-              <a:t>= (I</a:t>
-            </a:r>
-            <a:r>
-              <a:rPr lang="en-US" baseline="-25000" dirty="0" smtClean="0"/>
-              <a:t>x</a:t>
-            </a:r>
-            <a:r>
-              <a:rPr lang="en-US" dirty="0" smtClean="0"/>
-              <a:t> </a:t>
-            </a:r>
-            <a:r>
-              <a:rPr lang="en-US" dirty="0" smtClean="0"/>
-              <a:t>– </a:t>
-            </a:r>
-            <a:r>
-              <a:rPr lang="en-US" dirty="0" err="1" smtClean="0"/>
-              <a:t>I</a:t>
-            </a:r>
-            <a:r>
-              <a:rPr lang="en-US" baseline="-25000" dirty="0" err="1" smtClean="0"/>
-              <a:t>mean</a:t>
-            </a:r>
-            <a:r>
-              <a:rPr lang="en-US" dirty="0" smtClean="0"/>
-              <a:t>) * U</a:t>
-            </a:r>
-            <a:endParaRPr lang="en-US" dirty="0" smtClean="0"/>
-          </a:p>
-          <a:p>
-            <a:pPr lvl="2"/>
+              <a:t>Camera noise in low light</a:t>
+            </a:r>
+          </a:p>
+          <a:p>
+            <a:r>
+              <a:rPr lang="en-US" dirty="0" smtClean="0"/>
+              <a:t>Choose only daytime images</a:t>
+            </a:r>
+          </a:p>
+          <a:p>
+            <a:pPr lvl="1"/>
+            <a:r>
+              <a:rPr lang="en-US" dirty="0" smtClean="0"/>
+              <a:t>Input images have least natural variation</a:t>
+            </a:r>
             <a:endParaRPr lang="en-US" dirty="0"/>
           </a:p>
         </p:txBody>
@@ -7239,7 +6582,7 @@
           <a:p>
             <a:r>
               <a:rPr lang="en-US" dirty="0" smtClean="0"/>
-              <a:t>But what do we take PCA of?</a:t>
+              <a:t>Sky Mask</a:t>
             </a:r>
             <a:endParaRPr lang="en-US" dirty="0"/>
           </a:p>
@@ -7262,38 +6605,51 @@
           <a:p>
             <a:r>
               <a:rPr lang="en-US" dirty="0" smtClean="0"/>
-              <a:t>Daytime </a:t>
-            </a:r>
-            <a:r>
-              <a:rPr lang="en-US" dirty="0" smtClean="0"/>
-              <a:t>images</a:t>
-            </a:r>
-          </a:p>
-          <a:p>
-            <a:endParaRPr lang="en-US" dirty="0" smtClean="0"/>
-          </a:p>
-          <a:p>
-            <a:r>
-              <a:rPr lang="en-US" dirty="0" smtClean="0"/>
-              <a:t>Sky </a:t>
-            </a:r>
-            <a:r>
-              <a:rPr lang="en-US" dirty="0" smtClean="0"/>
-              <a:t>Mask</a:t>
-            </a:r>
-          </a:p>
-          <a:p>
-            <a:endParaRPr lang="en-US" dirty="0" smtClean="0"/>
-          </a:p>
-          <a:p>
-            <a:r>
-              <a:rPr lang="en-US" dirty="0" smtClean="0"/>
-              <a:t>Gradient Magnitude Images</a:t>
-            </a:r>
-            <a:endParaRPr lang="en-US" dirty="0"/>
-          </a:p>
-        </p:txBody>
-      </p:sp>
+              <a:t>Sky is another source of unnatural variation</a:t>
+            </a:r>
+          </a:p>
+          <a:p>
+            <a:pPr lvl="1"/>
+            <a:r>
+              <a:rPr lang="en-US" dirty="0" smtClean="0"/>
+              <a:t>Sun, clouds, hard to model</a:t>
+            </a:r>
+          </a:p>
+          <a:p>
+            <a:pPr lvl="1"/>
+            <a:r>
+              <a:rPr lang="en-US" dirty="0" smtClean="0"/>
+              <a:t>Not what we are interested in, so why waste effort?</a:t>
+            </a:r>
+          </a:p>
+        </p:txBody>
+      </p:sp>
+      <p:pic>
+        <p:nvPicPr>
+          <p:cNvPr id="7" name="Picture 4" descr="C:\Documents and Settings\gpu\Desktop\David Ross\davidrossmastersproject\mastersProject\writeup\figures\skyMaskFig.jpg"/>
+          <p:cNvPicPr>
+            <a:picLocks noChangeAspect="1" noChangeArrowheads="1"/>
+          </p:cNvPicPr>
+          <p:nvPr/>
+        </p:nvPicPr>
+        <p:blipFill>
+          <a:blip r:embed="rId2"/>
+          <a:srcRect/>
+          <a:stretch>
+            <a:fillRect/>
+          </a:stretch>
+        </p:blipFill>
+        <p:spPr bwMode="auto">
+          <a:xfrm>
+            <a:off x="2819400" y="3657600"/>
+            <a:ext cx="5126181" cy="2971800"/>
+          </a:xfrm>
+          <a:prstGeom prst="rect">
+            <a:avLst/>
+          </a:prstGeom>
+          <a:noFill/>
+        </p:spPr>
+      </p:pic>
     </p:spTree>
   </p:cSld>
   <p:clrMapOvr>
@@ -7343,7 +6699,7 @@
           <a:p>
             <a:r>
               <a:rPr lang="en-US" dirty="0" smtClean="0"/>
-              <a:t>Daytime Images</a:t>
+              <a:t>Sky Mask - algorithm</a:t>
             </a:r>
             <a:endParaRPr lang="en-US" dirty="0"/>
           </a:p>
@@ -7359,46 +6715,108 @@
             <p:ph idx="1"/>
           </p:nvPr>
         </p:nvSpPr>
-        <p:spPr/>
+        <p:spPr>
+          <a:xfrm>
+            <a:off x="457200" y="2209800"/>
+            <a:ext cx="5105400" cy="4364736"/>
+          </a:xfrm>
+        </p:spPr>
         <p:txBody>
           <a:bodyPr/>
           <a:lstStyle/>
           <a:p>
             <a:r>
               <a:rPr lang="en-US" dirty="0" smtClean="0"/>
-              <a:t>Could take PCA of the entire set of images from one camera</a:t>
+              <a:t>Luckily, we can mask it away</a:t>
             </a:r>
           </a:p>
           <a:p>
             <a:pPr lvl="1"/>
             <a:r>
               <a:rPr lang="en-US" dirty="0" smtClean="0"/>
-              <a:t>Not interested in how image varies from day to night</a:t>
+              <a:t>1</a:t>
+            </a:r>
+            <a:r>
+              <a:rPr lang="en-US" baseline="30000" dirty="0" smtClean="0"/>
+              <a:t>st</a:t>
+            </a:r>
+            <a:r>
+              <a:rPr lang="en-US" dirty="0" smtClean="0"/>
+              <a:t> PCA Component of most natural scenes (all times of day) is the sky</a:t>
             </a:r>
           </a:p>
           <a:p>
             <a:pPr lvl="1"/>
             <a:r>
               <a:rPr lang="en-US" dirty="0" smtClean="0"/>
-              <a:t>Camera noise in low light</a:t>
-            </a:r>
-          </a:p>
-          <a:p>
-            <a:r>
-              <a:rPr lang="en-US" dirty="0" smtClean="0"/>
-              <a:t>Choose only daytime images</a:t>
-            </a:r>
-          </a:p>
-          <a:p>
-            <a:pPr lvl="1"/>
-            <a:r>
-              <a:rPr lang="en-US" dirty="0" smtClean="0"/>
-              <a:t>Input images have least natural variation</a:t>
-            </a:r>
+              <a:t>Simple </a:t>
+            </a:r>
+            <a:r>
+              <a:rPr lang="en-US" dirty="0" err="1" smtClean="0"/>
+              <a:t>thresholding</a:t>
+            </a:r>
+            <a:r>
+              <a:rPr lang="en-US" dirty="0" smtClean="0"/>
+              <a:t> can accurately segment the scene</a:t>
+            </a:r>
+          </a:p>
+          <a:p>
             <a:endParaRPr lang="en-US" dirty="0"/>
           </a:p>
         </p:txBody>
       </p:sp>
+      <p:pic>
+        <p:nvPicPr>
+          <p:cNvPr id="4" name="Picture 2" descr="C:\Documents and Settings\gpu\Desktop\David Ross\davidrossmastersproject\mastersProject\writeup\figures\2skyMask.jpg"/>
+          <p:cNvPicPr>
+            <a:picLocks noChangeAspect="1" noChangeArrowheads="1"/>
+          </p:cNvPicPr>
+          <p:nvPr/>
+        </p:nvPicPr>
+        <p:blipFill>
+          <a:blip r:embed="rId2"/>
+          <a:srcRect l="10000"/>
+          <a:stretch>
+            <a:fillRect/>
+          </a:stretch>
+        </p:blipFill>
+        <p:spPr bwMode="auto">
+          <a:xfrm>
+            <a:off x="5715000" y="3581400"/>
+            <a:ext cx="3429000" cy="2857500"/>
+          </a:xfrm>
+          <a:prstGeom prst="rect">
+            <a:avLst/>
+          </a:prstGeom>
+          <a:noFill/>
+        </p:spPr>
+      </p:pic>
+      <p:pic>
+        <p:nvPicPr>
+          <p:cNvPr id="5" name="Picture 3" descr="C:\Documents and Settings\gpu\Desktop\David Ross\davidrossmastersproject\mastersProject\writeup\figures\2skyPCA.jpg"/>
+          <p:cNvPicPr>
+            <a:picLocks noChangeAspect="1" noChangeArrowheads="1"/>
+          </p:cNvPicPr>
+          <p:nvPr/>
+        </p:nvPicPr>
+        <p:blipFill>
+          <a:blip r:embed="rId3"/>
+          <a:srcRect l="8511"/>
+          <a:stretch>
+            <a:fillRect/>
+          </a:stretch>
+        </p:blipFill>
+        <p:spPr bwMode="auto">
+          <a:xfrm>
+            <a:off x="5715000" y="990600"/>
+            <a:ext cx="3276600" cy="2686050"/>
+          </a:xfrm>
+          <a:prstGeom prst="rect">
+            <a:avLst/>
+          </a:prstGeom>
+          <a:noFill/>
+        </p:spPr>
+      </p:pic>
     </p:spTree>
   </p:cSld>
   <p:clrMapOvr>
@@ -7448,7 +6866,7 @@
           <a:p>
             <a:r>
               <a:rPr lang="en-US" dirty="0" smtClean="0"/>
-              <a:t>Sky Mask</a:t>
+              <a:t>Gradient Magnitude Images</a:t>
             </a:r>
             <a:endParaRPr lang="en-US" dirty="0"/>
           </a:p>
@@ -7471,28 +6889,21 @@
           <a:p>
             <a:r>
               <a:rPr lang="en-US" dirty="0" smtClean="0"/>
-              <a:t>Sky is another source of unnatural variation</a:t>
+              <a:t>Can take the gradient magnitude of images</a:t>
             </a:r>
           </a:p>
           <a:p>
             <a:pPr lvl="1"/>
             <a:r>
               <a:rPr lang="en-US" dirty="0" smtClean="0"/>
-              <a:t>Sun, clouds, hard to model</a:t>
-            </a:r>
-          </a:p>
-          <a:p>
-            <a:pPr lvl="1"/>
-            <a:r>
-              <a:rPr lang="en-US" dirty="0" smtClean="0"/>
-              <a:t>Not what we are interested in, so why waste effort?</a:t>
+              <a:t>Ignores changes in overall image intensity while retaining the scene structure</a:t>
             </a:r>
           </a:p>
         </p:txBody>
       </p:sp>
       <p:pic>
         <p:nvPicPr>
-          <p:cNvPr id="7" name="Picture 4" descr="C:\Documents and Settings\gpu\Desktop\David Ross\davidrossmastersproject\mastersProject\writeup\figures\skyMaskFig.jpg"/>
+          <p:cNvPr id="7170" name="Picture 2" descr="C:\Documents and Settings\gpu\Desktop\David Ross\davidrossmastersproject\mastersProject\writeup\figures\194cars.jpg"/>
           <p:cNvPicPr>
             <a:picLocks noChangeAspect="1" noChangeArrowheads="1"/>
           </p:cNvPicPr>
@@ -7500,6 +6911,58 @@
         </p:nvPicPr>
         <p:blipFill>
           <a:blip r:embed="rId2"/>
+          <a:srcRect l="11429" t="5714" r="7143" b="8571"/>
+          <a:stretch>
+            <a:fillRect/>
+          </a:stretch>
+        </p:blipFill>
+        <p:spPr bwMode="auto">
+          <a:xfrm>
+            <a:off x="914400" y="4572000"/>
+            <a:ext cx="2362200" cy="1864895"/>
+          </a:xfrm>
+          <a:prstGeom prst="rect">
+            <a:avLst/>
+          </a:prstGeom>
+          <a:noFill/>
+        </p:spPr>
+      </p:pic>
+      <p:pic>
+        <p:nvPicPr>
+          <p:cNvPr id="7171" name="Picture 3" descr="C:\Documents and Settings\gpu\Desktop\David Ross\davidrossmastersproject\mastersProject\writeup\figures\194carsGradient.jpg"/>
+          <p:cNvPicPr>
+            <a:picLocks noChangeAspect="1" noChangeArrowheads="1"/>
+          </p:cNvPicPr>
+          <p:nvPr/>
+        </p:nvPicPr>
+        <p:blipFill>
+          <a:blip r:embed="rId3"/>
+          <a:srcRect l="11429" t="5714" r="7143" b="8571"/>
+          <a:stretch>
+            <a:fillRect/>
+          </a:stretch>
+        </p:blipFill>
+        <p:spPr bwMode="auto">
+          <a:xfrm>
+            <a:off x="3657600" y="4572000"/>
+            <a:ext cx="2367280" cy="1868905"/>
+          </a:xfrm>
+          <a:prstGeom prst="rect">
+            <a:avLst/>
+          </a:prstGeom>
+          <a:noFill/>
+        </p:spPr>
+      </p:pic>
+      <p:pic>
+        <p:nvPicPr>
+          <p:cNvPr id="3075" name="Picture 3"/>
+          <p:cNvPicPr>
+            <a:picLocks noChangeAspect="1" noChangeArrowheads="1"/>
+          </p:cNvPicPr>
+          <p:nvPr/>
+        </p:nvPicPr>
+        <p:blipFill>
+          <a:blip r:embed="rId4"/>
           <a:srcRect/>
           <a:stretch>
             <a:fillRect/>
@@ -7507,15 +6970,118 @@
         </p:blipFill>
         <p:spPr bwMode="auto">
           <a:xfrm>
-            <a:off x="2819400" y="3657600"/>
-            <a:ext cx="5126181" cy="2971800"/>
+            <a:off x="762000" y="3581400"/>
+            <a:ext cx="2895599" cy="363633"/>
           </a:xfrm>
           <a:prstGeom prst="rect">
             <a:avLst/>
           </a:prstGeom>
           <a:noFill/>
+          <a:ln w="9525">
+            <a:noFill/>
+            <a:miter lim="800000"/>
+            <a:headEnd/>
+            <a:tailEnd/>
+          </a:ln>
+          <a:effectLst/>
         </p:spPr>
       </p:pic>
+      <p:pic>
+        <p:nvPicPr>
+          <p:cNvPr id="3076" name="Picture 4"/>
+          <p:cNvPicPr>
+            <a:picLocks noChangeAspect="1" noChangeArrowheads="1"/>
+          </p:cNvPicPr>
+          <p:nvPr/>
+        </p:nvPicPr>
+        <p:blipFill>
+          <a:blip r:embed="rId5"/>
+          <a:srcRect/>
+          <a:stretch>
+            <a:fillRect/>
+          </a:stretch>
+        </p:blipFill>
+        <p:spPr bwMode="auto">
+          <a:xfrm>
+            <a:off x="4038600" y="3581400"/>
+            <a:ext cx="2753487" cy="314325"/>
+          </a:xfrm>
+          <a:prstGeom prst="rect">
+            <a:avLst/>
+          </a:prstGeom>
+          <a:noFill/>
+          <a:ln w="9525">
+            <a:noFill/>
+            <a:miter lim="800000"/>
+            <a:headEnd/>
+            <a:tailEnd/>
+          </a:ln>
+          <a:effectLst/>
+        </p:spPr>
+      </p:pic>
+      <p:pic>
+        <p:nvPicPr>
+          <p:cNvPr id="3077" name="Picture 5"/>
+          <p:cNvPicPr>
+            <a:picLocks noChangeAspect="1" noChangeArrowheads="1"/>
+          </p:cNvPicPr>
+          <p:nvPr/>
+        </p:nvPicPr>
+        <p:blipFill>
+          <a:blip r:embed="rId6"/>
+          <a:srcRect/>
+          <a:stretch>
+            <a:fillRect/>
+          </a:stretch>
+        </p:blipFill>
+        <p:spPr bwMode="auto">
+          <a:xfrm>
+            <a:off x="762000" y="4038600"/>
+            <a:ext cx="3549650" cy="409575"/>
+          </a:xfrm>
+          <a:prstGeom prst="rect">
+            <a:avLst/>
+          </a:prstGeom>
+          <a:noFill/>
+          <a:ln w="9525">
+            <a:noFill/>
+            <a:miter lim="800000"/>
+            <a:headEnd/>
+            <a:tailEnd/>
+          </a:ln>
+          <a:effectLst/>
+        </p:spPr>
+      </p:pic>
+      <p:sp>
+        <p:nvSpPr>
+          <p:cNvPr id="11" name="TextBox 10"/>
+          <p:cNvSpPr txBox="1"/>
+          <p:nvPr/>
+        </p:nvSpPr>
+        <p:spPr>
+          <a:xfrm>
+            <a:off x="6324600" y="4953000"/>
+            <a:ext cx="2057400" cy="369332"/>
+          </a:xfrm>
+          <a:prstGeom prst="rect">
+            <a:avLst/>
+          </a:prstGeom>
+          <a:noFill/>
+        </p:spPr>
+        <p:txBody>
+          <a:bodyPr wrap="square" rtlCol="0">
+            <a:spAutoFit/>
+          </a:bodyPr>
+          <a:lstStyle/>
+          <a:p>
+            <a:r>
+              <a:rPr lang="en-US" dirty="0" smtClean="0"/>
+              <a:t>Not that useful</a:t>
+            </a:r>
+            <a:endParaRPr lang="en-US" dirty="0"/>
+          </a:p>
+        </p:txBody>
+      </p:sp>
     </p:spTree>
   </p:cSld>
   <p:clrMapOvr>
@@ -7565,11 +7131,7 @@
           <a:p>
             <a:r>
               <a:rPr lang="en-US" dirty="0" smtClean="0"/>
-              <a:t>Sky </a:t>
-            </a:r>
-            <a:r>
-              <a:rPr lang="en-US" dirty="0" smtClean="0"/>
-              <a:t>Mask - algorithm</a:t>
+              <a:t>How do we display results?</a:t>
             </a:r>
             <a:endParaRPr lang="en-US" dirty="0"/>
           </a:p>
@@ -7585,59 +7147,73 @@
             <p:ph idx="1"/>
           </p:nvPr>
         </p:nvSpPr>
-        <p:spPr>
-          <a:xfrm>
-            <a:off x="457200" y="2209800"/>
-            <a:ext cx="5105400" cy="4364736"/>
-          </a:xfrm>
-        </p:spPr>
-        <p:txBody>
-          <a:bodyPr/>
-          <a:lstStyle/>
-          <a:p>
-            <a:r>
-              <a:rPr lang="en-US" dirty="0" smtClean="0"/>
-              <a:t>Luckily, we can mask it away</a:t>
+        <p:spPr/>
+        <p:txBody>
+          <a:bodyPr>
+            <a:normAutofit fontScale="77500" lnSpcReduction="20000"/>
+          </a:bodyPr>
+          <a:lstStyle/>
+          <a:p>
+            <a:r>
+              <a:rPr lang="en-US" dirty="0" smtClean="0"/>
+              <a:t>Image montage – show most interesting images </a:t>
             </a:r>
           </a:p>
           <a:p>
             <a:pPr lvl="1"/>
             <a:r>
               <a:rPr lang="en-US" dirty="0" smtClean="0"/>
-              <a:t>1</a:t>
-            </a:r>
-            <a:r>
-              <a:rPr lang="en-US" baseline="30000" dirty="0" smtClean="0"/>
-              <a:t>st</a:t>
-            </a:r>
-            <a:r>
-              <a:rPr lang="en-US" dirty="0" smtClean="0"/>
-              <a:t> PCA Component of most natural scenes (all times of day) is the sky</a:t>
-            </a:r>
-          </a:p>
-          <a:p>
-            <a:pPr lvl="1"/>
-            <a:r>
-              <a:rPr lang="en-US" dirty="0" smtClean="0"/>
-              <a:t>Simple </a:t>
-            </a:r>
-            <a:r>
-              <a:rPr lang="en-US" dirty="0" err="1" smtClean="0"/>
-              <a:t>thresholding</a:t>
-            </a:r>
-            <a:r>
-              <a:rPr lang="en-US" dirty="0" smtClean="0"/>
-              <a:t> can accurately segment the scene</a:t>
-            </a:r>
-          </a:p>
-          <a:p>
+              <a:t>Highest value of some score</a:t>
+            </a:r>
+          </a:p>
+          <a:p>
+            <a:endParaRPr lang="en-US" dirty="0" smtClean="0"/>
+          </a:p>
+          <a:p>
+            <a:endParaRPr lang="en-US" dirty="0" smtClean="0"/>
+          </a:p>
+          <a:p>
+            <a:endParaRPr lang="en-US" dirty="0" smtClean="0"/>
+          </a:p>
+          <a:p>
+            <a:endParaRPr lang="en-US" dirty="0" smtClean="0"/>
+          </a:p>
+          <a:p>
+            <a:endParaRPr lang="en-US" dirty="0" smtClean="0"/>
+          </a:p>
+          <a:p>
+            <a:endParaRPr lang="en-US" dirty="0" smtClean="0"/>
+          </a:p>
+          <a:p>
+            <a:endParaRPr lang="en-US" dirty="0" smtClean="0"/>
+          </a:p>
+          <a:p>
+            <a:endParaRPr lang="en-US" dirty="0" smtClean="0"/>
+          </a:p>
+          <a:p>
+            <a:pPr>
+              <a:buNone/>
+            </a:pPr>
+            <a:endParaRPr lang="en-US" dirty="0" smtClean="0"/>
+          </a:p>
+          <a:p>
+            <a:r>
+              <a:rPr lang="en-US" dirty="0" smtClean="0"/>
+              <a:t>Well-Separated Set Montage</a:t>
+            </a:r>
+          </a:p>
+          <a:p>
+            <a:r>
+              <a:rPr lang="en-US" dirty="0" smtClean="0"/>
+              <a:t>2D GUI</a:t>
+            </a:r>
             <a:endParaRPr lang="en-US" dirty="0"/>
           </a:p>
         </p:txBody>
       </p:sp>
       <p:pic>
         <p:nvPicPr>
-          <p:cNvPr id="4" name="Picture 2" descr="C:\Documents and Settings\gpu\Desktop\David Ross\davidrossmastersproject\mastersProject\writeup\figures\2skyMask.jpg"/>
+          <p:cNvPr id="4098" name="Picture 2" descr="C:\Documents and Settings\gpu\Desktop\David Ross\davidrossmastersproject\mastersProject\writeup\figures\golfMontageNaive.jpg"/>
           <p:cNvPicPr>
             <a:picLocks noChangeAspect="1" noChangeArrowheads="1"/>
           </p:cNvPicPr>
@@ -7645,41 +7221,15 @@
         </p:nvPicPr>
         <p:blipFill>
           <a:blip r:embed="rId2"/>
-          <a:srcRect l="10000"/>
+          <a:srcRect l="14202" t="1546" r="13905" b="4128"/>
           <a:stretch>
             <a:fillRect/>
           </a:stretch>
         </p:blipFill>
         <p:spPr bwMode="auto">
           <a:xfrm>
-            <a:off x="5715000" y="3581400"/>
-            <a:ext cx="3429000" cy="2857500"/>
-          </a:xfrm>
-          <a:prstGeom prst="rect">
-            <a:avLst/>
-          </a:prstGeom>
-          <a:noFill/>
-        </p:spPr>
-      </p:pic>
-      <p:pic>
-        <p:nvPicPr>
-          <p:cNvPr id="5" name="Picture 3" descr="C:\Documents and Settings\gpu\Desktop\David Ross\davidrossmastersproject\mastersProject\writeup\figures\2skyPCA.jpg"/>
-          <p:cNvPicPr>
-            <a:picLocks noChangeAspect="1" noChangeArrowheads="1"/>
-          </p:cNvPicPr>
-          <p:nvPr/>
-        </p:nvPicPr>
-        <p:blipFill>
-          <a:blip r:embed="rId3"/>
-          <a:srcRect l="8511"/>
-          <a:stretch>
-            <a:fillRect/>
-          </a:stretch>
-        </p:blipFill>
-        <p:spPr bwMode="auto">
-          <a:xfrm>
-            <a:off x="5715000" y="990600"/>
-            <a:ext cx="3276600" cy="2686050"/>
+            <a:off x="2438400" y="2895600"/>
+            <a:ext cx="3352800" cy="2524948"/>
           </a:xfrm>
           <a:prstGeom prst="rect">
             <a:avLst/>
@@ -7766,7 +7316,7 @@
             <a:pPr lvl="1"/>
             <a:r>
               <a:rPr lang="en-US" dirty="0" smtClean="0"/>
-              <a:t>Robert </a:t>
+              <a:t>Professor Robert </a:t>
             </a:r>
             <a:r>
               <a:rPr lang="en-US" dirty="0" err="1" smtClean="0"/>
@@ -7784,7 +7334,7 @@
             <a:pPr lvl="1"/>
             <a:r>
               <a:rPr lang="en-US" dirty="0" smtClean="0"/>
-              <a:t>Tao </a:t>
+              <a:t>Professor Tao </a:t>
             </a:r>
             <a:r>
               <a:rPr lang="en-US" dirty="0" err="1" smtClean="0"/>
@@ -7796,7 +7346,11 @@
             <a:pPr lvl="1"/>
             <a:r>
               <a:rPr lang="en-US" dirty="0" smtClean="0"/>
-              <a:t>Bill Smart</a:t>
+              <a:t>Professor Bill </a:t>
+            </a:r>
+            <a:r>
+              <a:rPr lang="en-US" dirty="0" smtClean="0"/>
+              <a:t>Smart</a:t>
             </a:r>
           </a:p>
           <a:p>
@@ -7845,426 +7399,6 @@
 </file>
 
 <file path=ppt/slides/slide20.xml><?xml version="1.0" encoding="utf-8"?>
-<p:sld xmlns:a="http://schemas.openxmlformats.org/drawingml/2006/main" xmlns:r="http://schemas.openxmlformats.org/officeDocument/2006/relationships" xmlns:p="http://schemas.openxmlformats.org/presentationml/2006/main">
-  <p:cSld>
-    <p:spTree>
-      <p:nvGrpSpPr>
-        <p:cNvPr id="1" name=""/>
-        <p:cNvGrpSpPr/>
-        <p:nvPr/>
-      </p:nvGrpSpPr>
-      <p:grpSpPr>
-        <a:xfrm>
-          <a:off x="0" y="0"/>
-          <a:ext cx="0" cy="0"/>
-          <a:chOff x="0" y="0"/>
-          <a:chExt cx="0" cy="0"/>
-        </a:xfrm>
-      </p:grpSpPr>
-      <p:sp>
-        <p:nvSpPr>
-          <p:cNvPr id="2" name="Title 1"/>
-          <p:cNvSpPr>
-            <a:spLocks noGrp="1"/>
-          </p:cNvSpPr>
-          <p:nvPr>
-            <p:ph type="title"/>
-          </p:nvPr>
-        </p:nvSpPr>
-        <p:spPr/>
-        <p:txBody>
-          <a:bodyPr/>
-          <a:lstStyle/>
-          <a:p>
-            <a:r>
-              <a:rPr lang="en-US" dirty="0" smtClean="0"/>
-              <a:t>Gradient Magnitude Images</a:t>
-            </a:r>
-            <a:endParaRPr lang="en-US" dirty="0"/>
-          </a:p>
-        </p:txBody>
-      </p:sp>
-      <p:sp>
-        <p:nvSpPr>
-          <p:cNvPr id="3" name="Content Placeholder 2"/>
-          <p:cNvSpPr>
-            <a:spLocks noGrp="1"/>
-          </p:cNvSpPr>
-          <p:nvPr>
-            <p:ph idx="1"/>
-          </p:nvPr>
-        </p:nvSpPr>
-        <p:spPr/>
-        <p:txBody>
-          <a:bodyPr/>
-          <a:lstStyle/>
-          <a:p>
-            <a:r>
-              <a:rPr lang="en-US" dirty="0" smtClean="0"/>
-              <a:t>Can take the gradient magnitude of images</a:t>
-            </a:r>
-          </a:p>
-          <a:p>
-            <a:pPr lvl="1"/>
-            <a:r>
-              <a:rPr lang="en-US" dirty="0" smtClean="0"/>
-              <a:t>Ignores changes in overall image intensity while retaining the scene structure</a:t>
-            </a:r>
-          </a:p>
-        </p:txBody>
-      </p:sp>
-      <p:pic>
-        <p:nvPicPr>
-          <p:cNvPr id="7170" name="Picture 2" descr="C:\Documents and Settings\gpu\Desktop\David Ross\davidrossmastersproject\mastersProject\writeup\figures\194cars.jpg"/>
-          <p:cNvPicPr>
-            <a:picLocks noChangeAspect="1" noChangeArrowheads="1"/>
-          </p:cNvPicPr>
-          <p:nvPr/>
-        </p:nvPicPr>
-        <p:blipFill>
-          <a:blip r:embed="rId2"/>
-          <a:srcRect l="11429" t="5714" r="7143" b="8571"/>
-          <a:stretch>
-            <a:fillRect/>
-          </a:stretch>
-        </p:blipFill>
-        <p:spPr bwMode="auto">
-          <a:xfrm>
-            <a:off x="914400" y="4572000"/>
-            <a:ext cx="2362200" cy="1864895"/>
-          </a:xfrm>
-          <a:prstGeom prst="rect">
-            <a:avLst/>
-          </a:prstGeom>
-          <a:noFill/>
-        </p:spPr>
-      </p:pic>
-      <p:pic>
-        <p:nvPicPr>
-          <p:cNvPr id="7171" name="Picture 3" descr="C:\Documents and Settings\gpu\Desktop\David Ross\davidrossmastersproject\mastersProject\writeup\figures\194carsGradient.jpg"/>
-          <p:cNvPicPr>
-            <a:picLocks noChangeAspect="1" noChangeArrowheads="1"/>
-          </p:cNvPicPr>
-          <p:nvPr/>
-        </p:nvPicPr>
-        <p:blipFill>
-          <a:blip r:embed="rId3"/>
-          <a:srcRect l="11429" t="5714" r="7143" b="8571"/>
-          <a:stretch>
-            <a:fillRect/>
-          </a:stretch>
-        </p:blipFill>
-        <p:spPr bwMode="auto">
-          <a:xfrm>
-            <a:off x="3657600" y="4572000"/>
-            <a:ext cx="2367280" cy="1868905"/>
-          </a:xfrm>
-          <a:prstGeom prst="rect">
-            <a:avLst/>
-          </a:prstGeom>
-          <a:noFill/>
-        </p:spPr>
-      </p:pic>
-      <p:pic>
-        <p:nvPicPr>
-          <p:cNvPr id="3075" name="Picture 3"/>
-          <p:cNvPicPr>
-            <a:picLocks noChangeAspect="1" noChangeArrowheads="1"/>
-          </p:cNvPicPr>
-          <p:nvPr/>
-        </p:nvPicPr>
-        <p:blipFill>
-          <a:blip r:embed="rId4"/>
-          <a:srcRect/>
-          <a:stretch>
-            <a:fillRect/>
-          </a:stretch>
-        </p:blipFill>
-        <p:spPr bwMode="auto">
-          <a:xfrm>
-            <a:off x="762000" y="3581400"/>
-            <a:ext cx="2895599" cy="363633"/>
-          </a:xfrm>
-          <a:prstGeom prst="rect">
-            <a:avLst/>
-          </a:prstGeom>
-          <a:noFill/>
-          <a:ln w="9525">
-            <a:noFill/>
-            <a:miter lim="800000"/>
-            <a:headEnd/>
-            <a:tailEnd/>
-          </a:ln>
-          <a:effectLst/>
-        </p:spPr>
-      </p:pic>
-      <p:pic>
-        <p:nvPicPr>
-          <p:cNvPr id="3076" name="Picture 4"/>
-          <p:cNvPicPr>
-            <a:picLocks noChangeAspect="1" noChangeArrowheads="1"/>
-          </p:cNvPicPr>
-          <p:nvPr/>
-        </p:nvPicPr>
-        <p:blipFill>
-          <a:blip r:embed="rId5"/>
-          <a:srcRect/>
-          <a:stretch>
-            <a:fillRect/>
-          </a:stretch>
-        </p:blipFill>
-        <p:spPr bwMode="auto">
-          <a:xfrm>
-            <a:off x="4038600" y="3581400"/>
-            <a:ext cx="2753487" cy="314325"/>
-          </a:xfrm>
-          <a:prstGeom prst="rect">
-            <a:avLst/>
-          </a:prstGeom>
-          <a:noFill/>
-          <a:ln w="9525">
-            <a:noFill/>
-            <a:miter lim="800000"/>
-            <a:headEnd/>
-            <a:tailEnd/>
-          </a:ln>
-          <a:effectLst/>
-        </p:spPr>
-      </p:pic>
-      <p:pic>
-        <p:nvPicPr>
-          <p:cNvPr id="3077" name="Picture 5"/>
-          <p:cNvPicPr>
-            <a:picLocks noChangeAspect="1" noChangeArrowheads="1"/>
-          </p:cNvPicPr>
-          <p:nvPr/>
-        </p:nvPicPr>
-        <p:blipFill>
-          <a:blip r:embed="rId6"/>
-          <a:srcRect/>
-          <a:stretch>
-            <a:fillRect/>
-          </a:stretch>
-        </p:blipFill>
-        <p:spPr bwMode="auto">
-          <a:xfrm>
-            <a:off x="762000" y="4038600"/>
-            <a:ext cx="3549650" cy="409575"/>
-          </a:xfrm>
-          <a:prstGeom prst="rect">
-            <a:avLst/>
-          </a:prstGeom>
-          <a:noFill/>
-          <a:ln w="9525">
-            <a:noFill/>
-            <a:miter lim="800000"/>
-            <a:headEnd/>
-            <a:tailEnd/>
-          </a:ln>
-          <a:effectLst/>
-        </p:spPr>
-      </p:pic>
-      <p:sp>
-        <p:nvSpPr>
-          <p:cNvPr id="11" name="TextBox 10"/>
-          <p:cNvSpPr txBox="1"/>
-          <p:nvPr/>
-        </p:nvSpPr>
-        <p:spPr>
-          <a:xfrm>
-            <a:off x="6324600" y="4953000"/>
-            <a:ext cx="2057400" cy="369332"/>
-          </a:xfrm>
-          <a:prstGeom prst="rect">
-            <a:avLst/>
-          </a:prstGeom>
-          <a:noFill/>
-        </p:spPr>
-        <p:txBody>
-          <a:bodyPr wrap="square" rtlCol="0">
-            <a:spAutoFit/>
-          </a:bodyPr>
-          <a:lstStyle/>
-          <a:p>
-            <a:r>
-              <a:rPr lang="en-US" dirty="0" smtClean="0"/>
-              <a:t>Not that useful</a:t>
-            </a:r>
-            <a:endParaRPr lang="en-US" dirty="0"/>
-          </a:p>
-        </p:txBody>
-      </p:sp>
-    </p:spTree>
-  </p:cSld>
-  <p:clrMapOvr>
-    <a:masterClrMapping/>
-  </p:clrMapOvr>
-  <p:timing>
-    <p:tnLst>
-      <p:par>
-        <p:cTn id="1" dur="indefinite" restart="never" nodeType="tmRoot"/>
-      </p:par>
-    </p:tnLst>
-  </p:timing>
-</p:sld>
-</file>
-
-<file path=ppt/slides/slide21.xml><?xml version="1.0" encoding="utf-8"?>
-<p:sld xmlns:a="http://schemas.openxmlformats.org/drawingml/2006/main" xmlns:r="http://schemas.openxmlformats.org/officeDocument/2006/relationships" xmlns:p="http://schemas.openxmlformats.org/presentationml/2006/main">
-  <p:cSld>
-    <p:spTree>
-      <p:nvGrpSpPr>
-        <p:cNvPr id="1" name=""/>
-        <p:cNvGrpSpPr/>
-        <p:nvPr/>
-      </p:nvGrpSpPr>
-      <p:grpSpPr>
-        <a:xfrm>
-          <a:off x="0" y="0"/>
-          <a:ext cx="0" cy="0"/>
-          <a:chOff x="0" y="0"/>
-          <a:chExt cx="0" cy="0"/>
-        </a:xfrm>
-      </p:grpSpPr>
-      <p:sp>
-        <p:nvSpPr>
-          <p:cNvPr id="2" name="Title 1"/>
-          <p:cNvSpPr>
-            <a:spLocks noGrp="1"/>
-          </p:cNvSpPr>
-          <p:nvPr>
-            <p:ph type="title"/>
-          </p:nvPr>
-        </p:nvSpPr>
-        <p:spPr/>
-        <p:txBody>
-          <a:bodyPr/>
-          <a:lstStyle/>
-          <a:p>
-            <a:r>
-              <a:rPr lang="en-US" dirty="0" smtClean="0"/>
-              <a:t>How do we display results?</a:t>
-            </a:r>
-            <a:endParaRPr lang="en-US" dirty="0"/>
-          </a:p>
-        </p:txBody>
-      </p:sp>
-      <p:sp>
-        <p:nvSpPr>
-          <p:cNvPr id="3" name="Content Placeholder 2"/>
-          <p:cNvSpPr>
-            <a:spLocks noGrp="1"/>
-          </p:cNvSpPr>
-          <p:nvPr>
-            <p:ph idx="1"/>
-          </p:nvPr>
-        </p:nvSpPr>
-        <p:spPr/>
-        <p:txBody>
-          <a:bodyPr>
-            <a:normAutofit fontScale="77500" lnSpcReduction="20000"/>
-          </a:bodyPr>
-          <a:lstStyle/>
-          <a:p>
-            <a:r>
-              <a:rPr lang="en-US" dirty="0" smtClean="0"/>
-              <a:t>Image montage – show most interesting images </a:t>
-            </a:r>
-          </a:p>
-          <a:p>
-            <a:pPr lvl="1"/>
-            <a:r>
-              <a:rPr lang="en-US" dirty="0" smtClean="0"/>
-              <a:t>Highest value of some score</a:t>
-            </a:r>
-          </a:p>
-          <a:p>
-            <a:endParaRPr lang="en-US" dirty="0" smtClean="0"/>
-          </a:p>
-          <a:p>
-            <a:endParaRPr lang="en-US" dirty="0" smtClean="0"/>
-          </a:p>
-          <a:p>
-            <a:endParaRPr lang="en-US" dirty="0" smtClean="0"/>
-          </a:p>
-          <a:p>
-            <a:endParaRPr lang="en-US" dirty="0" smtClean="0"/>
-          </a:p>
-          <a:p>
-            <a:endParaRPr lang="en-US" dirty="0" smtClean="0"/>
-          </a:p>
-          <a:p>
-            <a:endParaRPr lang="en-US" dirty="0" smtClean="0"/>
-          </a:p>
-          <a:p>
-            <a:endParaRPr lang="en-US" dirty="0" smtClean="0"/>
-          </a:p>
-          <a:p>
-            <a:endParaRPr lang="en-US" dirty="0" smtClean="0"/>
-          </a:p>
-          <a:p>
-            <a:pPr>
-              <a:buNone/>
-            </a:pPr>
-            <a:endParaRPr lang="en-US" dirty="0" smtClean="0"/>
-          </a:p>
-          <a:p>
-            <a:r>
-              <a:rPr lang="en-US" dirty="0" smtClean="0"/>
-              <a:t>Well-Separated Set Montage</a:t>
-            </a:r>
-          </a:p>
-          <a:p>
-            <a:r>
-              <a:rPr lang="en-US" dirty="0" smtClean="0"/>
-              <a:t>2D GUI</a:t>
-            </a:r>
-            <a:endParaRPr lang="en-US" dirty="0"/>
-          </a:p>
-        </p:txBody>
-      </p:sp>
-      <p:pic>
-        <p:nvPicPr>
-          <p:cNvPr id="4098" name="Picture 2" descr="C:\Documents and Settings\gpu\Desktop\David Ross\davidrossmastersproject\mastersProject\writeup\figures\golfMontageNaive.jpg"/>
-          <p:cNvPicPr>
-            <a:picLocks noChangeAspect="1" noChangeArrowheads="1"/>
-          </p:cNvPicPr>
-          <p:nvPr/>
-        </p:nvPicPr>
-        <p:blipFill>
-          <a:blip r:embed="rId2"/>
-          <a:srcRect l="14202" t="1546" r="13905" b="4128"/>
-          <a:stretch>
-            <a:fillRect/>
-          </a:stretch>
-        </p:blipFill>
-        <p:spPr bwMode="auto">
-          <a:xfrm>
-            <a:off x="2438400" y="2895600"/>
-            <a:ext cx="3352800" cy="2524948"/>
-          </a:xfrm>
-          <a:prstGeom prst="rect">
-            <a:avLst/>
-          </a:prstGeom>
-          <a:noFill/>
-        </p:spPr>
-      </p:pic>
-    </p:spTree>
-  </p:cSld>
-  <p:clrMapOvr>
-    <a:masterClrMapping/>
-  </p:clrMapOvr>
-  <p:timing>
-    <p:tnLst>
-      <p:par>
-        <p:cTn id="1" dur="indefinite" restart="never" nodeType="tmRoot"/>
-      </p:par>
-    </p:tnLst>
-  </p:timing>
-</p:sld>
-</file>
-
-<file path=ppt/slides/slide22.xml><?xml version="1.0" encoding="utf-8"?>
 <p:sld xmlns:a="http://schemas.openxmlformats.org/drawingml/2006/main" xmlns:r="http://schemas.openxmlformats.org/officeDocument/2006/relationships" xmlns:p="http://schemas.openxmlformats.org/presentationml/2006/main">
   <p:cSld>
     <p:spTree>
@@ -8472,7 +7606,7 @@
 </p:sld>
 </file>
 
-<file path=ppt/slides/slide23.xml><?xml version="1.0" encoding="utf-8"?>
+<file path=ppt/slides/slide21.xml><?xml version="1.0" encoding="utf-8"?>
 <p:sld xmlns:a="http://schemas.openxmlformats.org/drawingml/2006/main" xmlns:r="http://schemas.openxmlformats.org/officeDocument/2006/relationships" xmlns:p="http://schemas.openxmlformats.org/presentationml/2006/main">
   <p:cSld>
     <p:spTree>
@@ -8553,6 +7687,216 @@
           <a:noFill/>
         </p:spPr>
       </p:pic>
+    </p:spTree>
+  </p:cSld>
+  <p:clrMapOvr>
+    <a:masterClrMapping/>
+  </p:clrMapOvr>
+  <p:timing>
+    <p:tnLst>
+      <p:par>
+        <p:cTn id="1" dur="indefinite" restart="never" nodeType="tmRoot"/>
+      </p:par>
+    </p:tnLst>
+  </p:timing>
+</p:sld>
+</file>
+
+<file path=ppt/slides/slide22.xml><?xml version="1.0" encoding="utf-8"?>
+<p:sld xmlns:a="http://schemas.openxmlformats.org/drawingml/2006/main" xmlns:r="http://schemas.openxmlformats.org/officeDocument/2006/relationships" xmlns:p="http://schemas.openxmlformats.org/presentationml/2006/main">
+  <p:cSld>
+    <p:spTree>
+      <p:nvGrpSpPr>
+        <p:cNvPr id="1" name=""/>
+        <p:cNvGrpSpPr/>
+        <p:nvPr/>
+      </p:nvGrpSpPr>
+      <p:grpSpPr>
+        <a:xfrm>
+          <a:off x="0" y="0"/>
+          <a:ext cx="0" cy="0"/>
+          <a:chOff x="0" y="0"/>
+          <a:chExt cx="0" cy="0"/>
+        </a:xfrm>
+      </p:grpSpPr>
+      <p:sp>
+        <p:nvSpPr>
+          <p:cNvPr id="2" name="Title 1"/>
+          <p:cNvSpPr>
+            <a:spLocks noGrp="1"/>
+          </p:cNvSpPr>
+          <p:nvPr>
+            <p:ph type="title"/>
+          </p:nvPr>
+        </p:nvSpPr>
+        <p:spPr/>
+        <p:txBody>
+          <a:bodyPr/>
+          <a:lstStyle/>
+          <a:p>
+            <a:r>
+              <a:rPr lang="en-US" dirty="0" smtClean="0"/>
+              <a:t>2D GUI</a:t>
+            </a:r>
+            <a:endParaRPr lang="en-US" dirty="0"/>
+          </a:p>
+        </p:txBody>
+      </p:sp>
+      <p:sp>
+        <p:nvSpPr>
+          <p:cNvPr id="3" name="Content Placeholder 2"/>
+          <p:cNvSpPr>
+            <a:spLocks noGrp="1"/>
+          </p:cNvSpPr>
+          <p:nvPr>
+            <p:ph idx="1"/>
+          </p:nvPr>
+        </p:nvSpPr>
+        <p:spPr/>
+        <p:txBody>
+          <a:bodyPr/>
+          <a:lstStyle/>
+          <a:p>
+            <a:r>
+              <a:rPr lang="en-US" dirty="0" smtClean="0"/>
+              <a:t>Explore two dimensions at once (example later)</a:t>
+            </a:r>
+            <a:endParaRPr lang="en-US" dirty="0"/>
+          </a:p>
+        </p:txBody>
+      </p:sp>
+      <p:pic>
+        <p:nvPicPr>
+          <p:cNvPr id="1026" name="Picture 2" descr="C:\Documents and Settings\gpu\Desktop\David Ross\davidrossmastersproject\mastersProject\writeup\figures\2dGui.jpg"/>
+          <p:cNvPicPr>
+            <a:picLocks noChangeAspect="1" noChangeArrowheads="1"/>
+          </p:cNvPicPr>
+          <p:nvPr/>
+        </p:nvPicPr>
+        <p:blipFill>
+          <a:blip r:embed="rId2"/>
+          <a:srcRect l="8787" t="2093" r="7796" b="3517"/>
+          <a:stretch>
+            <a:fillRect/>
+          </a:stretch>
+        </p:blipFill>
+        <p:spPr bwMode="auto">
+          <a:xfrm>
+            <a:off x="762000" y="2895600"/>
+            <a:ext cx="7086600" cy="3443955"/>
+          </a:xfrm>
+          <a:prstGeom prst="rect">
+            <a:avLst/>
+          </a:prstGeom>
+          <a:noFill/>
+        </p:spPr>
+      </p:pic>
+    </p:spTree>
+  </p:cSld>
+  <p:clrMapOvr>
+    <a:masterClrMapping/>
+  </p:clrMapOvr>
+  <p:timing>
+    <p:tnLst>
+      <p:par>
+        <p:cTn id="1" dur="indefinite" restart="never" nodeType="tmRoot"/>
+      </p:par>
+    </p:tnLst>
+  </p:timing>
+</p:sld>
+</file>
+
+<file path=ppt/slides/slide23.xml><?xml version="1.0" encoding="utf-8"?>
+<p:sld xmlns:a="http://schemas.openxmlformats.org/drawingml/2006/main" xmlns:r="http://schemas.openxmlformats.org/officeDocument/2006/relationships" xmlns:p="http://schemas.openxmlformats.org/presentationml/2006/main">
+  <p:cSld>
+    <p:spTree>
+      <p:nvGrpSpPr>
+        <p:cNvPr id="1" name=""/>
+        <p:cNvGrpSpPr/>
+        <p:nvPr/>
+      </p:nvGrpSpPr>
+      <p:grpSpPr>
+        <a:xfrm>
+          <a:off x="0" y="0"/>
+          <a:ext cx="0" cy="0"/>
+          <a:chOff x="0" y="0"/>
+          <a:chExt cx="0" cy="0"/>
+        </a:xfrm>
+      </p:grpSpPr>
+      <p:sp>
+        <p:nvSpPr>
+          <p:cNvPr id="2" name="Title 1"/>
+          <p:cNvSpPr>
+            <a:spLocks noGrp="1"/>
+          </p:cNvSpPr>
+          <p:nvPr>
+            <p:ph type="title"/>
+          </p:nvPr>
+        </p:nvSpPr>
+        <p:spPr/>
+        <p:txBody>
+          <a:bodyPr/>
+          <a:lstStyle/>
+          <a:p>
+            <a:r>
+              <a:rPr lang="en-US" dirty="0" smtClean="0"/>
+              <a:t>How do we evaluate images?</a:t>
+            </a:r>
+            <a:endParaRPr lang="en-US" dirty="0"/>
+          </a:p>
+        </p:txBody>
+      </p:sp>
+      <p:sp>
+        <p:nvSpPr>
+          <p:cNvPr id="3" name="Content Placeholder 2"/>
+          <p:cNvSpPr>
+            <a:spLocks noGrp="1"/>
+          </p:cNvSpPr>
+          <p:nvPr>
+            <p:ph idx="1"/>
+          </p:nvPr>
+        </p:nvSpPr>
+        <p:spPr/>
+        <p:txBody>
+          <a:bodyPr/>
+          <a:lstStyle/>
+          <a:p>
+            <a:r>
+              <a:rPr lang="en-US" dirty="0" smtClean="0"/>
+              <a:t>PCA will capture the uninteresting variation, need to analyze the error to find interesting variation</a:t>
+            </a:r>
+          </a:p>
+          <a:p>
+            <a:pPr lvl="1"/>
+            <a:r>
+              <a:rPr lang="en-US" dirty="0" smtClean="0"/>
+              <a:t>Coefficient Vector Magnitude</a:t>
+            </a:r>
+          </a:p>
+          <a:p>
+            <a:pPr lvl="1"/>
+            <a:r>
+              <a:rPr lang="en-US" dirty="0" smtClean="0"/>
+              <a:t>Reconstruction Error</a:t>
+            </a:r>
+          </a:p>
+          <a:p>
+            <a:pPr lvl="1"/>
+            <a:r>
+              <a:rPr lang="en-US" dirty="0" smtClean="0"/>
+              <a:t>Variance Model</a:t>
+            </a:r>
+          </a:p>
+          <a:p>
+            <a:pPr lvl="1"/>
+            <a:r>
+              <a:rPr lang="en-US" dirty="0" smtClean="0"/>
+              <a:t>Distribution of Residuals</a:t>
+            </a:r>
+            <a:endParaRPr lang="en-US" dirty="0"/>
+          </a:p>
+        </p:txBody>
+      </p:sp>
     </p:spTree>
   </p:cSld>
   <p:clrMapOvr>
@@ -8602,7 +7946,7 @@
           <a:p>
             <a:r>
               <a:rPr lang="en-US" dirty="0" smtClean="0"/>
-              <a:t>2D GUI</a:t>
+              <a:t>PCA Coefficient Vector Magnitude</a:t>
             </a:r>
             <a:endParaRPr lang="en-US" dirty="0"/>
           </a:p>
@@ -8620,20 +7964,52 @@
         </p:nvSpPr>
         <p:spPr/>
         <p:txBody>
-          <a:bodyPr/>
-          <a:lstStyle/>
-          <a:p>
-            <a:r>
-              <a:rPr lang="en-US" dirty="0" smtClean="0"/>
-              <a:t>Explore two dimensions at once (example later)</a:t>
-            </a:r>
-            <a:endParaRPr lang="en-US" dirty="0"/>
+          <a:bodyPr>
+            <a:normAutofit/>
+          </a:bodyPr>
+          <a:lstStyle/>
+          <a:p>
+            <a:r>
+              <a:rPr lang="en-US" sz="1800" dirty="0" smtClean="0"/>
+              <a:t>D (:,x) ~= U S V(x,</a:t>
+            </a:r>
+            <a:r>
+              <a:rPr lang="en-US" sz="1800" dirty="0" smtClean="0">
+                <a:sym typeface="Wingdings" pitchFamily="2" charset="2"/>
+              </a:rPr>
+              <a:t>:)</a:t>
+            </a:r>
+            <a:endParaRPr lang="en-US" sz="1800" dirty="0" smtClean="0"/>
+          </a:p>
+          <a:p>
+            <a:r>
+              <a:rPr lang="en-US" sz="1800" dirty="0" smtClean="0"/>
+              <a:t>S * V(x,:) is a vector of dimension k corresponding to the linear combination of U columns that best approximates D(:,x)</a:t>
+            </a:r>
+          </a:p>
+          <a:p>
+            <a:r>
+              <a:rPr lang="en-US" sz="1800" dirty="0" smtClean="0"/>
+              <a:t>D is mean subtracted so</a:t>
+            </a:r>
+          </a:p>
+          <a:p>
+            <a:r>
+              <a:rPr lang="en-US" sz="1800" dirty="0" smtClean="0"/>
+              <a:t>||SV(x,:)|| gives a measure of how far from the mean image is each image</a:t>
+            </a:r>
+          </a:p>
+          <a:p>
+            <a:endParaRPr lang="en-US" sz="1800" dirty="0" smtClean="0"/>
+          </a:p>
+          <a:p>
+            <a:endParaRPr lang="en-US" sz="1800" dirty="0" smtClean="0"/>
           </a:p>
         </p:txBody>
       </p:sp>
       <p:pic>
         <p:nvPicPr>
-          <p:cNvPr id="1026" name="Picture 2" descr="C:\Documents and Settings\gpu\Desktop\David Ross\davidrossmastersproject\mastersProject\writeup\figures\2dGui.jpg"/>
+          <p:cNvPr id="4" name="Picture 4" descr="C:\Documents and Settings\gpu\Desktop\David Ross\davidrossmastersproject\mastersProject\writeup\figures\vectorMagnitudeMean.jpg"/>
           <p:cNvPicPr>
             <a:picLocks noChangeAspect="1" noChangeArrowheads="1"/>
           </p:cNvPicPr>
@@ -8641,15 +8017,15 @@
         </p:nvPicPr>
         <p:blipFill>
           <a:blip r:embed="rId2"/>
-          <a:srcRect l="8787" t="2093" r="7796" b="3517"/>
+          <a:srcRect l="12660" t="7234" r="7762" b="10776"/>
           <a:stretch>
             <a:fillRect/>
           </a:stretch>
         </p:blipFill>
         <p:spPr bwMode="auto">
           <a:xfrm>
-            <a:off x="762000" y="2895600"/>
-            <a:ext cx="7086600" cy="3443955"/>
+            <a:off x="2819400" y="3962400"/>
+            <a:ext cx="3352800" cy="2590800"/>
           </a:xfrm>
           <a:prstGeom prst="rect">
             <a:avLst/>
@@ -8704,11 +8080,7 @@
           <a:bodyPr/>
           <a:lstStyle/>
           <a:p>
-            <a:r>
-              <a:rPr lang="en-US" dirty="0" smtClean="0"/>
-              <a:t>How do we evaluate images?</a:t>
-            </a:r>
-            <a:endParaRPr lang="en-US" dirty="0"/>
+            <a:endParaRPr lang="en-US"/>
           </a:p>
         </p:txBody>
       </p:sp>
@@ -8727,46 +8099,36 @@
           <a:bodyPr/>
           <a:lstStyle/>
           <a:p>
-            <a:r>
-              <a:rPr lang="en-US" dirty="0" smtClean="0"/>
-              <a:t>PCA will capture the uninteresting variation, need to analyze the error to find interesting variation</a:t>
-            </a:r>
-          </a:p>
-          <a:p>
-            <a:pPr lvl="1"/>
-            <a:r>
-              <a:rPr lang="en-US" dirty="0" smtClean="0"/>
-              <a:t>Coefficient </a:t>
-            </a:r>
-            <a:r>
-              <a:rPr lang="en-US" dirty="0" smtClean="0"/>
-              <a:t>Vector Magnitude</a:t>
-            </a:r>
-          </a:p>
-          <a:p>
-            <a:pPr lvl="1"/>
-            <a:r>
-              <a:rPr lang="en-US" dirty="0" smtClean="0"/>
-              <a:t>Reconstruction Error</a:t>
-            </a:r>
-          </a:p>
-          <a:p>
-            <a:pPr lvl="1"/>
-            <a:r>
-              <a:rPr lang="en-US" dirty="0" smtClean="0"/>
-              <a:t>Variance Model</a:t>
-            </a:r>
-          </a:p>
-          <a:p>
-            <a:pPr lvl="1"/>
-            <a:r>
-              <a:rPr lang="en-US" dirty="0" smtClean="0"/>
-              <a:t>Distribution of Residuals</a:t>
-            </a:r>
-            <a:endParaRPr lang="en-US" dirty="0"/>
-          </a:p>
-        </p:txBody>
-      </p:sp>
+            <a:endParaRPr lang="en-US"/>
+          </a:p>
+        </p:txBody>
+      </p:sp>
+      <p:pic>
+        <p:nvPicPr>
+          <p:cNvPr id="1029" name="Picture 5" descr="C:\Documents and Settings\gpu\Desktop\David Ross\davidrossmastersproject\mastersProject\writeup\figures\vectorMagnitudeMontage.jpg"/>
+          <p:cNvPicPr>
+            <a:picLocks noChangeAspect="1" noChangeArrowheads="1"/>
+          </p:cNvPicPr>
+          <p:nvPr/>
+        </p:nvPicPr>
+        <p:blipFill>
+          <a:blip r:embed="rId2"/>
+          <a:srcRect l="16393" t="3256" r="16066" b="5563"/>
+          <a:stretch>
+            <a:fillRect/>
+          </a:stretch>
+        </p:blipFill>
+        <p:spPr bwMode="auto">
+          <a:xfrm>
+            <a:off x="457200" y="84337"/>
+            <a:ext cx="8305800" cy="6773663"/>
+          </a:xfrm>
+          <a:prstGeom prst="rect">
+            <a:avLst/>
+          </a:prstGeom>
+          <a:noFill/>
+        </p:spPr>
+      </p:pic>
     </p:spTree>
   </p:cSld>
   <p:clrMapOvr>
@@ -8816,7 +8178,7 @@
           <a:p>
             <a:r>
               <a:rPr lang="en-US" dirty="0" smtClean="0"/>
-              <a:t>PCA Coefficient Vector Magnitude</a:t>
+              <a:t>Residual Error</a:t>
             </a:r>
             <a:endParaRPr lang="en-US" dirty="0"/>
           </a:p>
@@ -8834,75 +8196,62 @@
         </p:nvSpPr>
         <p:spPr/>
         <p:txBody>
-          <a:bodyPr>
-            <a:normAutofit/>
-          </a:bodyPr>
-          <a:lstStyle/>
-          <a:p>
-            <a:r>
-              <a:rPr lang="en-US" sz="1800" dirty="0" smtClean="0"/>
-              <a:t>D (:,x) ~= U S V(x,</a:t>
-            </a:r>
-            <a:r>
-              <a:rPr lang="en-US" sz="1800" dirty="0" smtClean="0">
-                <a:sym typeface="Wingdings" pitchFamily="2" charset="2"/>
-              </a:rPr>
-              <a:t>:)</a:t>
-            </a:r>
-            <a:endParaRPr lang="en-US" sz="1800" dirty="0" smtClean="0"/>
-          </a:p>
-          <a:p>
-            <a:r>
-              <a:rPr lang="en-US" sz="1800" dirty="0" smtClean="0"/>
-              <a:t>S * V(x,:) is a vector of dimension k corresponding to the linear combination of U columns that best approximates D(:,x)</a:t>
-            </a:r>
-          </a:p>
-          <a:p>
-            <a:r>
-              <a:rPr lang="en-US" sz="1800" dirty="0" smtClean="0"/>
-              <a:t>D is mean subtracted so</a:t>
-            </a:r>
-          </a:p>
-          <a:p>
-            <a:r>
-              <a:rPr lang="en-US" sz="1800" dirty="0" smtClean="0"/>
-              <a:t>||SV(x,:)|| gives a measure of how far from the mean image is each image</a:t>
-            </a:r>
-          </a:p>
-          <a:p>
-            <a:endParaRPr lang="en-US" sz="1800" dirty="0" smtClean="0"/>
-          </a:p>
-          <a:p>
-            <a:endParaRPr lang="en-US" sz="1800" dirty="0" smtClean="0"/>
-          </a:p>
-        </p:txBody>
-      </p:sp>
-      <p:pic>
-        <p:nvPicPr>
-          <p:cNvPr id="4" name="Picture 4" descr="C:\Documents and Settings\gpu\Desktop\David Ross\davidrossmastersproject\mastersProject\writeup\figures\vectorMagnitudeMean.jpg"/>
-          <p:cNvPicPr>
-            <a:picLocks noChangeAspect="1" noChangeArrowheads="1"/>
-          </p:cNvPicPr>
-          <p:nvPr/>
-        </p:nvPicPr>
-        <p:blipFill>
-          <a:blip r:embed="rId2"/>
-          <a:srcRect l="12660" t="7234" r="7762" b="10776"/>
-          <a:stretch>
-            <a:fillRect/>
-          </a:stretch>
-        </p:blipFill>
-        <p:spPr bwMode="auto">
-          <a:xfrm>
-            <a:off x="2819400" y="3962400"/>
-            <a:ext cx="3352800" cy="2590800"/>
-          </a:xfrm>
-          <a:prstGeom prst="rect">
-            <a:avLst/>
-          </a:prstGeom>
-          <a:noFill/>
-        </p:spPr>
-      </p:pic>
+          <a:bodyPr/>
+          <a:lstStyle/>
+          <a:p>
+            <a:r>
+              <a:rPr lang="en-US" dirty="0" smtClean="0"/>
+              <a:t>PCA gives a reconstructed image</a:t>
+            </a:r>
+          </a:p>
+          <a:p>
+            <a:r>
+              <a:rPr lang="en-US" dirty="0" err="1" smtClean="0"/>
+              <a:t>I</a:t>
+            </a:r>
+            <a:r>
+              <a:rPr lang="en-US" baseline="-25000" dirty="0" err="1" smtClean="0"/>
+              <a:t>residual</a:t>
+            </a:r>
+            <a:r>
+              <a:rPr lang="en-US" dirty="0" smtClean="0"/>
+              <a:t> = (I – </a:t>
+            </a:r>
+            <a:r>
+              <a:rPr lang="en-US" dirty="0" err="1" smtClean="0"/>
+              <a:t>I</a:t>
+            </a:r>
+            <a:r>
+              <a:rPr lang="en-US" baseline="-25000" dirty="0" err="1" smtClean="0"/>
+              <a:t>mean</a:t>
+            </a:r>
+            <a:r>
+              <a:rPr lang="en-US" baseline="30000" dirty="0" smtClean="0"/>
+              <a:t> </a:t>
+            </a:r>
+            <a:r>
+              <a:rPr lang="en-US" dirty="0" smtClean="0"/>
+              <a:t>) – </a:t>
+            </a:r>
+            <a:r>
+              <a:rPr lang="en-US" dirty="0" err="1" smtClean="0"/>
+              <a:t>I</a:t>
+            </a:r>
+            <a:r>
+              <a:rPr lang="en-US" baseline="-25000" dirty="0" err="1" smtClean="0"/>
+              <a:t>recontsructed</a:t>
+            </a:r>
+            <a:endParaRPr lang="en-US" baseline="-25000" dirty="0" smtClean="0"/>
+          </a:p>
+          <a:p>
+            <a:r>
+              <a:rPr lang="en-US" dirty="0" smtClean="0"/>
+              <a:t> Sum of the squared residual values gives a good measure for “how much variation did we not capture”</a:t>
+            </a:r>
+            <a:endParaRPr lang="en-US" dirty="0"/>
+          </a:p>
+        </p:txBody>
+      </p:sp>
     </p:spTree>
   </p:cSld>
   <p:clrMapOvr>
@@ -8975,7 +8324,7 @@
       </p:sp>
       <p:pic>
         <p:nvPicPr>
-          <p:cNvPr id="1029" name="Picture 5" descr="C:\Documents and Settings\gpu\Desktop\David Ross\davidrossmastersproject\mastersProject\writeup\figures\vectorMagnitudeMontage.jpg"/>
+          <p:cNvPr id="4" name="Picture 2" descr="C:\Documents and Settings\gpu\Desktop\David Ross\davidrossmastersproject\mastersProject\writeup\figures\residualSSDmontage.jpg"/>
           <p:cNvPicPr>
             <a:picLocks noChangeAspect="1" noChangeArrowheads="1"/>
           </p:cNvPicPr>
@@ -8983,15 +8332,15 @@
         </p:nvPicPr>
         <p:blipFill>
           <a:blip r:embed="rId2"/>
-          <a:srcRect l="16393" t="3256" r="16066" b="5563"/>
+          <a:srcRect/>
           <a:stretch>
             <a:fillRect/>
           </a:stretch>
         </p:blipFill>
         <p:spPr bwMode="auto">
           <a:xfrm>
-            <a:off x="457200" y="84337"/>
-            <a:ext cx="8305800" cy="6773663"/>
+            <a:off x="304800" y="133350"/>
+            <a:ext cx="9025189" cy="6724650"/>
           </a:xfrm>
           <a:prstGeom prst="rect">
             <a:avLst/>
@@ -9004,13 +8353,6 @@
   <p:clrMapOvr>
     <a:masterClrMapping/>
   </p:clrMapOvr>
-  <p:timing>
-    <p:tnLst>
-      <p:par>
-        <p:cTn id="1" dur="indefinite" restart="never" nodeType="tmRoot"/>
-      </p:par>
-    </p:tnLst>
-  </p:timing>
 </p:sld>
 </file>
 
@@ -9048,7 +8390,7 @@
           <a:p>
             <a:r>
               <a:rPr lang="en-US" dirty="0" smtClean="0"/>
-              <a:t>Residual Error</a:t>
+              <a:t>Variance Model</a:t>
             </a:r>
             <a:endParaRPr lang="en-US" dirty="0"/>
           </a:p>
@@ -9064,64 +8406,50 @@
             <p:ph idx="1"/>
           </p:nvPr>
         </p:nvSpPr>
-        <p:spPr/>
+        <p:spPr>
+          <a:xfrm>
+            <a:off x="457200" y="2249424"/>
+            <a:ext cx="3581400" cy="4325112"/>
+          </a:xfrm>
+        </p:spPr>
         <p:txBody>
           <a:bodyPr/>
           <a:lstStyle/>
           <a:p>
             <a:r>
               <a:rPr lang="en-US" dirty="0" smtClean="0"/>
-              <a:t>PCA gives a reconstructed image</a:t>
-            </a:r>
-          </a:p>
-          <a:p>
-            <a:r>
-              <a:rPr lang="en-US" dirty="0" err="1" smtClean="0"/>
-              <a:t>I</a:t>
-            </a:r>
-            <a:r>
-              <a:rPr lang="en-US" baseline="-25000" dirty="0" err="1" smtClean="0"/>
-              <a:t>residual</a:t>
-            </a:r>
-            <a:r>
-              <a:rPr lang="en-US" dirty="0" smtClean="0"/>
-              <a:t> = (I – </a:t>
-            </a:r>
-            <a:r>
-              <a:rPr lang="en-US" dirty="0" err="1" smtClean="0"/>
-              <a:t>I</a:t>
-            </a:r>
-            <a:r>
-              <a:rPr lang="en-US" baseline="-25000" dirty="0" err="1" smtClean="0"/>
-              <a:t>mean</a:t>
-            </a:r>
-            <a:r>
-              <a:rPr lang="en-US" baseline="30000" dirty="0" smtClean="0"/>
-              <a:t> </a:t>
-            </a:r>
-            <a:r>
-              <a:rPr lang="en-US" dirty="0" smtClean="0"/>
-              <a:t>) – </a:t>
-            </a:r>
-            <a:r>
-              <a:rPr lang="en-US" dirty="0" err="1" smtClean="0"/>
-              <a:t>I</a:t>
-            </a:r>
-            <a:r>
-              <a:rPr lang="en-US" baseline="-25000" dirty="0" err="1" smtClean="0"/>
-              <a:t>recontsructed</a:t>
-            </a:r>
-            <a:endParaRPr lang="en-US" baseline="-25000" dirty="0" smtClean="0"/>
-          </a:p>
-          <a:p>
-            <a:r>
-              <a:rPr lang="en-US" dirty="0" smtClean="0"/>
-              <a:t> Sum of the squared residual values gives a good measure for “how much variation did we not capture”</a:t>
+              <a:t>Can estimate the variance image of a scene by averaging sum squared residual at each pixel across all images</a:t>
             </a:r>
             <a:endParaRPr lang="en-US" dirty="0"/>
           </a:p>
         </p:txBody>
       </p:sp>
+      <p:pic>
+        <p:nvPicPr>
+          <p:cNvPr id="4" name="Picture 2" descr="C:\Documents and Settings\gpu\Desktop\David Ross\davidrossmastersproject\mastersProject\writeup\figures\severalVarianceImages.jpg"/>
+          <p:cNvPicPr>
+            <a:picLocks noChangeAspect="1" noChangeArrowheads="1"/>
+          </p:cNvPicPr>
+          <p:nvPr/>
+        </p:nvPicPr>
+        <p:blipFill>
+          <a:blip r:embed="rId2"/>
+          <a:srcRect l="10766" t="3030" r="8075" b="8432"/>
+          <a:stretch>
+            <a:fillRect/>
+          </a:stretch>
+        </p:blipFill>
+        <p:spPr bwMode="auto">
+          <a:xfrm>
+            <a:off x="3962400" y="1828800"/>
+            <a:ext cx="4889500" cy="4191000"/>
+          </a:xfrm>
+          <a:prstGeom prst="rect">
+            <a:avLst/>
+          </a:prstGeom>
+          <a:noFill/>
+        </p:spPr>
+      </p:pic>
     </p:spTree>
   </p:cSld>
   <p:clrMapOvr>
@@ -9169,7 +8497,11 @@
           <a:bodyPr/>
           <a:lstStyle/>
           <a:p>
-            <a:endParaRPr lang="en-US"/>
+            <a:r>
+              <a:rPr lang="en-US" smtClean="0"/>
+              <a:t>Z-score Image</a:t>
+            </a:r>
+            <a:endParaRPr lang="en-US" dirty="0"/>
           </a:p>
         </p:txBody>
       </p:sp>
@@ -9188,41 +8520,75 @@
           <a:bodyPr/>
           <a:lstStyle/>
           <a:p>
-            <a:endParaRPr lang="en-US"/>
-          </a:p>
-        </p:txBody>
-      </p:sp>
-      <p:pic>
-        <p:nvPicPr>
-          <p:cNvPr id="4" name="Picture 2" descr="C:\Documents and Settings\gpu\Desktop\David Ross\davidrossmastersproject\mastersProject\writeup\figures\residualSSDmontage.jpg"/>
-          <p:cNvPicPr>
-            <a:picLocks noChangeAspect="1" noChangeArrowheads="1"/>
-          </p:cNvPicPr>
-          <p:nvPr/>
-        </p:nvPicPr>
-        <p:blipFill>
-          <a:blip r:embed="rId2"/>
-          <a:srcRect/>
-          <a:stretch>
-            <a:fillRect/>
-          </a:stretch>
-        </p:blipFill>
-        <p:spPr bwMode="auto">
-          <a:xfrm>
-            <a:off x="304800" y="133350"/>
-            <a:ext cx="9025189" cy="6724650"/>
-          </a:xfrm>
-          <a:prstGeom prst="rect">
-            <a:avLst/>
-          </a:prstGeom>
-          <a:noFill/>
-        </p:spPr>
-      </p:pic>
+            <a:r>
+              <a:rPr lang="en-US" dirty="0" smtClean="0"/>
+              <a:t>To find which variation is most unusual, can calculate the z-score at each pixel</a:t>
+            </a:r>
+          </a:p>
+          <a:p>
+            <a:r>
+              <a:rPr lang="en-US" dirty="0" smtClean="0"/>
+              <a:t>Z-score(</a:t>
+            </a:r>
+            <a:r>
+              <a:rPr lang="en-US" dirty="0" err="1" smtClean="0"/>
+              <a:t>x,y</a:t>
+            </a:r>
+            <a:r>
+              <a:rPr lang="en-US" dirty="0" smtClean="0"/>
+              <a:t>) = Residual(</a:t>
+            </a:r>
+            <a:r>
+              <a:rPr lang="en-US" dirty="0" err="1" smtClean="0"/>
+              <a:t>x,y</a:t>
+            </a:r>
+            <a:r>
+              <a:rPr lang="en-US" dirty="0" smtClean="0"/>
+              <a:t>) / Variance(</a:t>
+            </a:r>
+            <a:r>
+              <a:rPr lang="en-US" dirty="0" err="1" smtClean="0"/>
+              <a:t>x,y</a:t>
+            </a:r>
+            <a:r>
+              <a:rPr lang="en-US" dirty="0" smtClean="0"/>
+              <a:t>)</a:t>
+            </a:r>
+          </a:p>
+          <a:p>
+            <a:r>
+              <a:rPr lang="en-US" dirty="0" smtClean="0"/>
+              <a:t>Now we have a more context-based system for evaluating how interesting variation is</a:t>
+            </a:r>
+          </a:p>
+          <a:p>
+            <a:r>
+              <a:rPr lang="en-US" dirty="0" smtClean="0"/>
+              <a:t>Most marketable contribution</a:t>
+            </a:r>
+          </a:p>
+          <a:p>
+            <a:pPr lvl="1"/>
+            <a:r>
+              <a:rPr lang="en-US" dirty="0" smtClean="0"/>
+              <a:t>security</a:t>
+            </a:r>
+            <a:endParaRPr lang="en-US" dirty="0"/>
+          </a:p>
+        </p:txBody>
+      </p:sp>
     </p:spTree>
   </p:cSld>
   <p:clrMapOvr>
     <a:masterClrMapping/>
   </p:clrMapOvr>
+  <p:timing>
+    <p:tnLst>
+      <p:par>
+        <p:cTn id="1" dur="indefinite" restart="never" nodeType="tmRoot"/>
+      </p:par>
+    </p:tnLst>
+  </p:timing>
 </p:sld>
 </file>
 
@@ -9366,246 +8732,6 @@
 </file>
 
 <file path=ppt/slides/slide30.xml><?xml version="1.0" encoding="utf-8"?>
-<p:sld xmlns:a="http://schemas.openxmlformats.org/drawingml/2006/main" xmlns:r="http://schemas.openxmlformats.org/officeDocument/2006/relationships" xmlns:p="http://schemas.openxmlformats.org/presentationml/2006/main">
-  <p:cSld>
-    <p:spTree>
-      <p:nvGrpSpPr>
-        <p:cNvPr id="1" name=""/>
-        <p:cNvGrpSpPr/>
-        <p:nvPr/>
-      </p:nvGrpSpPr>
-      <p:grpSpPr>
-        <a:xfrm>
-          <a:off x="0" y="0"/>
-          <a:ext cx="0" cy="0"/>
-          <a:chOff x="0" y="0"/>
-          <a:chExt cx="0" cy="0"/>
-        </a:xfrm>
-      </p:grpSpPr>
-      <p:sp>
-        <p:nvSpPr>
-          <p:cNvPr id="2" name="Title 1"/>
-          <p:cNvSpPr>
-            <a:spLocks noGrp="1"/>
-          </p:cNvSpPr>
-          <p:nvPr>
-            <p:ph type="title"/>
-          </p:nvPr>
-        </p:nvSpPr>
-        <p:spPr/>
-        <p:txBody>
-          <a:bodyPr/>
-          <a:lstStyle/>
-          <a:p>
-            <a:r>
-              <a:rPr lang="en-US" dirty="0" smtClean="0"/>
-              <a:t>Variance Model</a:t>
-            </a:r>
-            <a:endParaRPr lang="en-US" dirty="0"/>
-          </a:p>
-        </p:txBody>
-      </p:sp>
-      <p:sp>
-        <p:nvSpPr>
-          <p:cNvPr id="3" name="Content Placeholder 2"/>
-          <p:cNvSpPr>
-            <a:spLocks noGrp="1"/>
-          </p:cNvSpPr>
-          <p:nvPr>
-            <p:ph idx="1"/>
-          </p:nvPr>
-        </p:nvSpPr>
-        <p:spPr>
-          <a:xfrm>
-            <a:off x="457200" y="2249424"/>
-            <a:ext cx="3581400" cy="4325112"/>
-          </a:xfrm>
-        </p:spPr>
-        <p:txBody>
-          <a:bodyPr/>
-          <a:lstStyle/>
-          <a:p>
-            <a:r>
-              <a:rPr lang="en-US" dirty="0" smtClean="0"/>
-              <a:t>Can estimate the variance image of a scene by </a:t>
-            </a:r>
-            <a:r>
-              <a:rPr lang="en-US" dirty="0" smtClean="0"/>
-              <a:t>averaging sum squared residual at each pixel across all images</a:t>
-            </a:r>
-            <a:endParaRPr lang="en-US" dirty="0"/>
-          </a:p>
-        </p:txBody>
-      </p:sp>
-      <p:pic>
-        <p:nvPicPr>
-          <p:cNvPr id="4" name="Picture 2" descr="C:\Documents and Settings\gpu\Desktop\David Ross\davidrossmastersproject\mastersProject\writeup\figures\severalVarianceImages.jpg"/>
-          <p:cNvPicPr>
-            <a:picLocks noChangeAspect="1" noChangeArrowheads="1"/>
-          </p:cNvPicPr>
-          <p:nvPr/>
-        </p:nvPicPr>
-        <p:blipFill>
-          <a:blip r:embed="rId2"/>
-          <a:srcRect l="10766" t="3030" r="8075" b="8432"/>
-          <a:stretch>
-            <a:fillRect/>
-          </a:stretch>
-        </p:blipFill>
-        <p:spPr bwMode="auto">
-          <a:xfrm>
-            <a:off x="3962400" y="1828800"/>
-            <a:ext cx="4889500" cy="4191000"/>
-          </a:xfrm>
-          <a:prstGeom prst="rect">
-            <a:avLst/>
-          </a:prstGeom>
-          <a:noFill/>
-        </p:spPr>
-      </p:pic>
-    </p:spTree>
-  </p:cSld>
-  <p:clrMapOvr>
-    <a:masterClrMapping/>
-  </p:clrMapOvr>
-  <p:timing>
-    <p:tnLst>
-      <p:par>
-        <p:cTn id="1" dur="indefinite" restart="never" nodeType="tmRoot"/>
-      </p:par>
-    </p:tnLst>
-  </p:timing>
-</p:sld>
-</file>
-
-<file path=ppt/slides/slide31.xml><?xml version="1.0" encoding="utf-8"?>
-<p:sld xmlns:a="http://schemas.openxmlformats.org/drawingml/2006/main" xmlns:r="http://schemas.openxmlformats.org/officeDocument/2006/relationships" xmlns:p="http://schemas.openxmlformats.org/presentationml/2006/main">
-  <p:cSld>
-    <p:spTree>
-      <p:nvGrpSpPr>
-        <p:cNvPr id="1" name=""/>
-        <p:cNvGrpSpPr/>
-        <p:nvPr/>
-      </p:nvGrpSpPr>
-      <p:grpSpPr>
-        <a:xfrm>
-          <a:off x="0" y="0"/>
-          <a:ext cx="0" cy="0"/>
-          <a:chOff x="0" y="0"/>
-          <a:chExt cx="0" cy="0"/>
-        </a:xfrm>
-      </p:grpSpPr>
-      <p:sp>
-        <p:nvSpPr>
-          <p:cNvPr id="2" name="Title 1"/>
-          <p:cNvSpPr>
-            <a:spLocks noGrp="1"/>
-          </p:cNvSpPr>
-          <p:nvPr>
-            <p:ph type="title"/>
-          </p:nvPr>
-        </p:nvSpPr>
-        <p:spPr/>
-        <p:txBody>
-          <a:bodyPr/>
-          <a:lstStyle/>
-          <a:p>
-            <a:r>
-              <a:rPr lang="en-US" smtClean="0"/>
-              <a:t>Z-score Image</a:t>
-            </a:r>
-            <a:endParaRPr lang="en-US" dirty="0"/>
-          </a:p>
-        </p:txBody>
-      </p:sp>
-      <p:sp>
-        <p:nvSpPr>
-          <p:cNvPr id="3" name="Content Placeholder 2"/>
-          <p:cNvSpPr>
-            <a:spLocks noGrp="1"/>
-          </p:cNvSpPr>
-          <p:nvPr>
-            <p:ph idx="1"/>
-          </p:nvPr>
-        </p:nvSpPr>
-        <p:spPr/>
-        <p:txBody>
-          <a:bodyPr/>
-          <a:lstStyle/>
-          <a:p>
-            <a:r>
-              <a:rPr lang="en-US" dirty="0" smtClean="0"/>
-              <a:t>To find which variation is most unusual, can calculate the z-score at each pixel</a:t>
-            </a:r>
-          </a:p>
-          <a:p>
-            <a:r>
-              <a:rPr lang="en-US" dirty="0" smtClean="0"/>
-              <a:t>Z-score(</a:t>
-            </a:r>
-            <a:r>
-              <a:rPr lang="en-US" dirty="0" err="1" smtClean="0"/>
-              <a:t>x,y</a:t>
-            </a:r>
-            <a:r>
-              <a:rPr lang="en-US" dirty="0" smtClean="0"/>
-              <a:t>) = Residual(</a:t>
-            </a:r>
-            <a:r>
-              <a:rPr lang="en-US" dirty="0" err="1" smtClean="0"/>
-              <a:t>x,y</a:t>
-            </a:r>
-            <a:r>
-              <a:rPr lang="en-US" dirty="0" smtClean="0"/>
-              <a:t>) / Variance(</a:t>
-            </a:r>
-            <a:r>
-              <a:rPr lang="en-US" dirty="0" err="1" smtClean="0"/>
-              <a:t>x,y</a:t>
-            </a:r>
-            <a:r>
-              <a:rPr lang="en-US" dirty="0" smtClean="0"/>
-              <a:t>)</a:t>
-            </a:r>
-          </a:p>
-          <a:p>
-            <a:r>
-              <a:rPr lang="en-US" dirty="0" smtClean="0"/>
-              <a:t>Now we have a more context-based system for evaluating how interesting variation is</a:t>
-            </a:r>
-          </a:p>
-          <a:p>
-            <a:r>
-              <a:rPr lang="en-US" dirty="0" smtClean="0"/>
-              <a:t>Most marketable contribution</a:t>
-            </a:r>
-          </a:p>
-          <a:p>
-            <a:pPr lvl="1"/>
-            <a:r>
-              <a:rPr lang="en-US" dirty="0" smtClean="0"/>
-              <a:t>security</a:t>
-            </a:r>
-            <a:endParaRPr lang="en-US" dirty="0"/>
-          </a:p>
-        </p:txBody>
-      </p:sp>
-    </p:spTree>
-  </p:cSld>
-  <p:clrMapOvr>
-    <a:masterClrMapping/>
-  </p:clrMapOvr>
-  <p:timing>
-    <p:tnLst>
-      <p:par>
-        <p:cTn id="1" dur="indefinite" restart="never" nodeType="tmRoot"/>
-      </p:par>
-    </p:tnLst>
-  </p:timing>
-</p:sld>
-</file>
-
-<file path=ppt/slides/slide32.xml><?xml version="1.0" encoding="utf-8"?>
 <p:sld xmlns:a="http://schemas.openxmlformats.org/drawingml/2006/main" xmlns:r="http://schemas.openxmlformats.org/officeDocument/2006/relationships" xmlns:p="http://schemas.openxmlformats.org/presentationml/2006/main">
   <p:cSld>
     <p:spTree>
@@ -9656,7 +8782,7 @@
 </p:sld>
 </file>
 
-<file path=ppt/slides/slide33.xml><?xml version="1.0" encoding="utf-8"?>
+<file path=ppt/slides/slide31.xml><?xml version="1.0" encoding="utf-8"?>
 <p:sld xmlns:a="http://schemas.openxmlformats.org/drawingml/2006/main" xmlns:r="http://schemas.openxmlformats.org/officeDocument/2006/relationships" xmlns:p="http://schemas.openxmlformats.org/presentationml/2006/main">
   <p:cSld>
     <p:spTree>
@@ -9777,7 +8903,7 @@
 </p:sld>
 </file>
 
-<file path=ppt/slides/slide34.xml><?xml version="1.0" encoding="utf-8"?>
+<file path=ppt/slides/slide32.xml><?xml version="1.0" encoding="utf-8"?>
 <p:sld xmlns:a="http://schemas.openxmlformats.org/drawingml/2006/main" xmlns:r="http://schemas.openxmlformats.org/officeDocument/2006/relationships" xmlns:p="http://schemas.openxmlformats.org/presentationml/2006/main">
   <p:cSld>
     <p:spTree>
@@ -9835,7 +8961,7 @@
 </p:sld>
 </file>
 
-<file path=ppt/slides/slide35.xml><?xml version="1.0" encoding="utf-8"?>
+<file path=ppt/slides/slide33.xml><?xml version="1.0" encoding="utf-8"?>
 <p:sld xmlns:a="http://schemas.openxmlformats.org/drawingml/2006/main" xmlns:r="http://schemas.openxmlformats.org/officeDocument/2006/relationships" xmlns:p="http://schemas.openxmlformats.org/presentationml/2006/main">
   <p:cSld>
     <p:spTree>
@@ -9954,7 +9080,7 @@
 </p:sld>
 </file>
 
-<file path=ppt/slides/slide36.xml><?xml version="1.0" encoding="utf-8"?>
+<file path=ppt/slides/slide34.xml><?xml version="1.0" encoding="utf-8"?>
 <p:sld xmlns:a="http://schemas.openxmlformats.org/drawingml/2006/main" xmlns:r="http://schemas.openxmlformats.org/officeDocument/2006/relationships" xmlns:p="http://schemas.openxmlformats.org/presentationml/2006/main">
   <p:cSld>
     <p:spTree>
@@ -10043,7 +9169,7 @@
 </p:sld>
 </file>
 
-<file path=ppt/slides/slide37.xml><?xml version="1.0" encoding="utf-8"?>
+<file path=ppt/slides/slide35.xml><?xml version="1.0" encoding="utf-8"?>
 <p:sld xmlns:a="http://schemas.openxmlformats.org/drawingml/2006/main" xmlns:r="http://schemas.openxmlformats.org/officeDocument/2006/relationships" xmlns:p="http://schemas.openxmlformats.org/presentationml/2006/main">
   <p:cSld>
     <p:spTree>
@@ -10174,7 +9300,7 @@
 </p:sld>
 </file>
 
-<file path=ppt/slides/slide38.xml><?xml version="1.0" encoding="utf-8"?>
+<file path=ppt/slides/slide36.xml><?xml version="1.0" encoding="utf-8"?>
 <p:sld xmlns:a="http://schemas.openxmlformats.org/drawingml/2006/main" xmlns:r="http://schemas.openxmlformats.org/officeDocument/2006/relationships" xmlns:p="http://schemas.openxmlformats.org/presentationml/2006/main">
   <p:cSld>
     <p:spTree>
@@ -10225,7 +9351,7 @@
 </p:sld>
 </file>
 
-<file path=ppt/slides/slide39.xml><?xml version="1.0" encoding="utf-8"?>
+<file path=ppt/slides/slide37.xml><?xml version="1.0" encoding="utf-8"?>
 <p:sld xmlns:a="http://schemas.openxmlformats.org/drawingml/2006/main" xmlns:r="http://schemas.openxmlformats.org/officeDocument/2006/relationships" xmlns:p="http://schemas.openxmlformats.org/presentationml/2006/main">
   <p:cSld>
     <p:spTree>
@@ -10435,6 +9561,230 @@
           <a:effectLst/>
         </p:spPr>
       </p:pic>
+    </p:spTree>
+  </p:cSld>
+  <p:clrMapOvr>
+    <a:masterClrMapping/>
+  </p:clrMapOvr>
+  <p:timing>
+    <p:tnLst>
+      <p:par>
+        <p:cTn id="1" dur="indefinite" restart="never" nodeType="tmRoot"/>
+      </p:par>
+    </p:tnLst>
+  </p:timing>
+</p:sld>
+</file>
+
+<file path=ppt/slides/slide38.xml><?xml version="1.0" encoding="utf-8"?>
+<p:sld xmlns:a="http://schemas.openxmlformats.org/drawingml/2006/main" xmlns:r="http://schemas.openxmlformats.org/officeDocument/2006/relationships" xmlns:p="http://schemas.openxmlformats.org/presentationml/2006/main">
+  <p:cSld>
+    <p:spTree>
+      <p:nvGrpSpPr>
+        <p:cNvPr id="1" name=""/>
+        <p:cNvGrpSpPr/>
+        <p:nvPr/>
+      </p:nvGrpSpPr>
+      <p:grpSpPr>
+        <a:xfrm>
+          <a:off x="0" y="0"/>
+          <a:ext cx="0" cy="0"/>
+          <a:chOff x="0" y="0"/>
+          <a:chExt cx="0" cy="0"/>
+        </a:xfrm>
+      </p:grpSpPr>
+      <p:sp>
+        <p:nvSpPr>
+          <p:cNvPr id="2" name="Title 1"/>
+          <p:cNvSpPr>
+            <a:spLocks noGrp="1"/>
+          </p:cNvSpPr>
+          <p:nvPr>
+            <p:ph type="title"/>
+          </p:nvPr>
+        </p:nvSpPr>
+        <p:spPr/>
+        <p:txBody>
+          <a:bodyPr/>
+          <a:lstStyle/>
+          <a:p>
+            <a:r>
+              <a:rPr lang="en-US" dirty="0" smtClean="0"/>
+              <a:t>Conclusion</a:t>
+            </a:r>
+            <a:endParaRPr lang="en-US" dirty="0"/>
+          </a:p>
+        </p:txBody>
+      </p:sp>
+      <p:sp>
+        <p:nvSpPr>
+          <p:cNvPr id="3" name="Content Placeholder 2"/>
+          <p:cNvSpPr>
+            <a:spLocks noGrp="1"/>
+          </p:cNvSpPr>
+          <p:nvPr>
+            <p:ph idx="1"/>
+          </p:nvPr>
+        </p:nvSpPr>
+        <p:spPr/>
+        <p:txBody>
+          <a:bodyPr/>
+          <a:lstStyle/>
+          <a:p>
+            <a:r>
+              <a:rPr lang="en-US" dirty="0" smtClean="0"/>
+              <a:t>AMOS Dataset too big to keep track of interesting variation in each scene</a:t>
+            </a:r>
+          </a:p>
+          <a:p>
+            <a:r>
+              <a:rPr lang="en-US" dirty="0" smtClean="0"/>
+              <a:t>Developed automatic visualization tools to help</a:t>
+            </a:r>
+          </a:p>
+          <a:p>
+            <a:pPr lvl="1"/>
+            <a:r>
+              <a:rPr lang="en-US" dirty="0" smtClean="0"/>
+              <a:t>Use PCA to learn less interesting variation</a:t>
+            </a:r>
+          </a:p>
+          <a:p>
+            <a:pPr lvl="2"/>
+            <a:r>
+              <a:rPr lang="en-US" dirty="0" smtClean="0"/>
+              <a:t>Daytime images, sky mask -&gt; useful</a:t>
+            </a:r>
+          </a:p>
+          <a:p>
+            <a:pPr lvl="2"/>
+            <a:r>
+              <a:rPr lang="en-US" dirty="0" smtClean="0"/>
+              <a:t>Gradient images -&gt; not useful</a:t>
+            </a:r>
+          </a:p>
+          <a:p>
+            <a:pPr lvl="1"/>
+            <a:r>
+              <a:rPr lang="en-US" dirty="0" smtClean="0"/>
+              <a:t>Interesting images from evaluating PCA error</a:t>
+            </a:r>
+          </a:p>
+          <a:p>
+            <a:pPr lvl="2"/>
+            <a:r>
+              <a:rPr lang="en-US" dirty="0" smtClean="0"/>
+              <a:t>Reconstruction error and Variance Models -&gt; useful</a:t>
+            </a:r>
+          </a:p>
+          <a:p>
+            <a:pPr lvl="2"/>
+            <a:r>
+              <a:rPr lang="en-US" dirty="0" smtClean="0"/>
+              <a:t>Statistical models -&gt; mixed results</a:t>
+            </a:r>
+          </a:p>
+          <a:p>
+            <a:endParaRPr lang="en-US" dirty="0"/>
+          </a:p>
+        </p:txBody>
+      </p:sp>
+    </p:spTree>
+  </p:cSld>
+  <p:clrMapOvr>
+    <a:masterClrMapping/>
+  </p:clrMapOvr>
+  <p:timing>
+    <p:tnLst>
+      <p:par>
+        <p:cTn id="1" dur="indefinite" restart="never" nodeType="tmRoot"/>
+      </p:par>
+    </p:tnLst>
+  </p:timing>
+</p:sld>
+</file>
+
+<file path=ppt/slides/slide39.xml><?xml version="1.0" encoding="utf-8"?>
+<p:sld xmlns:a="http://schemas.openxmlformats.org/drawingml/2006/main" xmlns:r="http://schemas.openxmlformats.org/officeDocument/2006/relationships" xmlns:p="http://schemas.openxmlformats.org/presentationml/2006/main">
+  <p:cSld>
+    <p:spTree>
+      <p:nvGrpSpPr>
+        <p:cNvPr id="1" name=""/>
+        <p:cNvGrpSpPr/>
+        <p:nvPr/>
+      </p:nvGrpSpPr>
+      <p:grpSpPr>
+        <a:xfrm>
+          <a:off x="0" y="0"/>
+          <a:ext cx="0" cy="0"/>
+          <a:chOff x="0" y="0"/>
+          <a:chExt cx="0" cy="0"/>
+        </a:xfrm>
+      </p:grpSpPr>
+      <p:sp>
+        <p:nvSpPr>
+          <p:cNvPr id="2" name="Title 1"/>
+          <p:cNvSpPr>
+            <a:spLocks noGrp="1"/>
+          </p:cNvSpPr>
+          <p:nvPr>
+            <p:ph type="title"/>
+          </p:nvPr>
+        </p:nvSpPr>
+        <p:spPr/>
+        <p:txBody>
+          <a:bodyPr/>
+          <a:lstStyle/>
+          <a:p>
+            <a:r>
+              <a:rPr lang="en-US" dirty="0" smtClean="0"/>
+              <a:t>Future Work</a:t>
+            </a:r>
+            <a:endParaRPr lang="en-US" dirty="0"/>
+          </a:p>
+        </p:txBody>
+      </p:sp>
+      <p:sp>
+        <p:nvSpPr>
+          <p:cNvPr id="3" name="Content Placeholder 2"/>
+          <p:cNvSpPr>
+            <a:spLocks noGrp="1"/>
+          </p:cNvSpPr>
+          <p:nvPr>
+            <p:ph idx="1"/>
+          </p:nvPr>
+        </p:nvSpPr>
+        <p:spPr/>
+        <p:txBody>
+          <a:bodyPr/>
+          <a:lstStyle/>
+          <a:p>
+            <a:r>
+              <a:rPr lang="en-US" dirty="0" smtClean="0"/>
+              <a:t>Interface with AMOS site</a:t>
+            </a:r>
+          </a:p>
+          <a:p>
+            <a:endParaRPr lang="en-US" dirty="0" smtClean="0"/>
+          </a:p>
+          <a:p>
+            <a:r>
+              <a:rPr lang="en-US" dirty="0" smtClean="0"/>
+              <a:t>Object Extraction</a:t>
+            </a:r>
+          </a:p>
+          <a:p>
+            <a:endParaRPr lang="en-US" dirty="0" smtClean="0"/>
+          </a:p>
+          <a:p>
+            <a:r>
+              <a:rPr lang="en-US" dirty="0" smtClean="0"/>
+              <a:t>User customizability</a:t>
+            </a:r>
+            <a:endParaRPr lang="en-US" dirty="0"/>
+          </a:p>
+        </p:txBody>
+      </p:sp>
     </p:spTree>
   </p:cSld>
   <p:clrMapOvr>
@@ -10552,231 +9902,6 @@
 </file>
 
 <file path=ppt/slides/slide40.xml><?xml version="1.0" encoding="utf-8"?>
-<p:sld xmlns:a="http://schemas.openxmlformats.org/drawingml/2006/main" xmlns:r="http://schemas.openxmlformats.org/officeDocument/2006/relationships" xmlns:p="http://schemas.openxmlformats.org/presentationml/2006/main">
-  <p:cSld>
-    <p:spTree>
-      <p:nvGrpSpPr>
-        <p:cNvPr id="1" name=""/>
-        <p:cNvGrpSpPr/>
-        <p:nvPr/>
-      </p:nvGrpSpPr>
-      <p:grpSpPr>
-        <a:xfrm>
-          <a:off x="0" y="0"/>
-          <a:ext cx="0" cy="0"/>
-          <a:chOff x="0" y="0"/>
-          <a:chExt cx="0" cy="0"/>
-        </a:xfrm>
-      </p:grpSpPr>
-      <p:sp>
-        <p:nvSpPr>
-          <p:cNvPr id="2" name="Title 1"/>
-          <p:cNvSpPr>
-            <a:spLocks noGrp="1"/>
-          </p:cNvSpPr>
-          <p:nvPr>
-            <p:ph type="title"/>
-          </p:nvPr>
-        </p:nvSpPr>
-        <p:spPr/>
-        <p:txBody>
-          <a:bodyPr/>
-          <a:lstStyle/>
-          <a:p>
-            <a:r>
-              <a:rPr lang="en-US" dirty="0" smtClean="0"/>
-              <a:t>Conclusion</a:t>
-            </a:r>
-            <a:endParaRPr lang="en-US" dirty="0"/>
-          </a:p>
-        </p:txBody>
-      </p:sp>
-      <p:sp>
-        <p:nvSpPr>
-          <p:cNvPr id="3" name="Content Placeholder 2"/>
-          <p:cNvSpPr>
-            <a:spLocks noGrp="1"/>
-          </p:cNvSpPr>
-          <p:nvPr>
-            <p:ph idx="1"/>
-          </p:nvPr>
-        </p:nvSpPr>
-        <p:spPr/>
-        <p:txBody>
-          <a:bodyPr/>
-          <a:lstStyle/>
-          <a:p>
-            <a:r>
-              <a:rPr lang="en-US" dirty="0" smtClean="0"/>
-              <a:t>AMOS Dataset too big to keep track of interesting variation in each scene</a:t>
-            </a:r>
-          </a:p>
-          <a:p>
-            <a:r>
-              <a:rPr lang="en-US" dirty="0" smtClean="0"/>
-              <a:t>Developed automatic visualization tools to help</a:t>
-            </a:r>
-          </a:p>
-          <a:p>
-            <a:pPr lvl="1"/>
-            <a:r>
-              <a:rPr lang="en-US" dirty="0" smtClean="0"/>
-              <a:t>Use PCA to learn less interesting variation</a:t>
-            </a:r>
-          </a:p>
-          <a:p>
-            <a:pPr lvl="2"/>
-            <a:r>
-              <a:rPr lang="en-US" dirty="0" smtClean="0"/>
-              <a:t>Daytime images, sky mask -&gt; useful</a:t>
-            </a:r>
-          </a:p>
-          <a:p>
-            <a:pPr lvl="2"/>
-            <a:r>
-              <a:rPr lang="en-US" dirty="0" smtClean="0"/>
-              <a:t>Gradient images -&gt; not useful</a:t>
-            </a:r>
-          </a:p>
-          <a:p>
-            <a:pPr lvl="1"/>
-            <a:r>
-              <a:rPr lang="en-US" dirty="0" smtClean="0"/>
-              <a:t>Interesting images from evaluating PCA error</a:t>
-            </a:r>
-          </a:p>
-          <a:p>
-            <a:pPr lvl="2"/>
-            <a:r>
-              <a:rPr lang="en-US" dirty="0" smtClean="0"/>
-              <a:t>Reconstruction error and Variance Models -&gt; useful</a:t>
-            </a:r>
-          </a:p>
-          <a:p>
-            <a:pPr lvl="2"/>
-            <a:r>
-              <a:rPr lang="en-US" dirty="0" smtClean="0"/>
-              <a:t>Statistical models -&gt; mixed results</a:t>
-            </a:r>
-            <a:endParaRPr lang="en-US" dirty="0" smtClean="0"/>
-          </a:p>
-          <a:p>
-            <a:endParaRPr lang="en-US" dirty="0"/>
-          </a:p>
-        </p:txBody>
-      </p:sp>
-    </p:spTree>
-  </p:cSld>
-  <p:clrMapOvr>
-    <a:masterClrMapping/>
-  </p:clrMapOvr>
-  <p:timing>
-    <p:tnLst>
-      <p:par>
-        <p:cTn id="1" dur="indefinite" restart="never" nodeType="tmRoot"/>
-      </p:par>
-    </p:tnLst>
-  </p:timing>
-</p:sld>
-</file>
-
-<file path=ppt/slides/slide41.xml><?xml version="1.0" encoding="utf-8"?>
-<p:sld xmlns:a="http://schemas.openxmlformats.org/drawingml/2006/main" xmlns:r="http://schemas.openxmlformats.org/officeDocument/2006/relationships" xmlns:p="http://schemas.openxmlformats.org/presentationml/2006/main">
-  <p:cSld>
-    <p:spTree>
-      <p:nvGrpSpPr>
-        <p:cNvPr id="1" name=""/>
-        <p:cNvGrpSpPr/>
-        <p:nvPr/>
-      </p:nvGrpSpPr>
-      <p:grpSpPr>
-        <a:xfrm>
-          <a:off x="0" y="0"/>
-          <a:ext cx="0" cy="0"/>
-          <a:chOff x="0" y="0"/>
-          <a:chExt cx="0" cy="0"/>
-        </a:xfrm>
-      </p:grpSpPr>
-      <p:sp>
-        <p:nvSpPr>
-          <p:cNvPr id="2" name="Title 1"/>
-          <p:cNvSpPr>
-            <a:spLocks noGrp="1"/>
-          </p:cNvSpPr>
-          <p:nvPr>
-            <p:ph type="title"/>
-          </p:nvPr>
-        </p:nvSpPr>
-        <p:spPr/>
-        <p:txBody>
-          <a:bodyPr/>
-          <a:lstStyle/>
-          <a:p>
-            <a:r>
-              <a:rPr lang="en-US" dirty="0" smtClean="0"/>
-              <a:t>Future Work</a:t>
-            </a:r>
-            <a:endParaRPr lang="en-US" dirty="0"/>
-          </a:p>
-        </p:txBody>
-      </p:sp>
-      <p:sp>
-        <p:nvSpPr>
-          <p:cNvPr id="3" name="Content Placeholder 2"/>
-          <p:cNvSpPr>
-            <a:spLocks noGrp="1"/>
-          </p:cNvSpPr>
-          <p:nvPr>
-            <p:ph idx="1"/>
-          </p:nvPr>
-        </p:nvSpPr>
-        <p:spPr/>
-        <p:txBody>
-          <a:bodyPr/>
-          <a:lstStyle/>
-          <a:p>
-            <a:r>
-              <a:rPr lang="en-US" dirty="0" smtClean="0"/>
-              <a:t>Interface with AMOS site</a:t>
-            </a:r>
-          </a:p>
-          <a:p>
-            <a:endParaRPr lang="en-US" dirty="0" smtClean="0"/>
-          </a:p>
-          <a:p>
-            <a:r>
-              <a:rPr lang="en-US" dirty="0" smtClean="0"/>
-              <a:t>Object Extraction</a:t>
-            </a:r>
-          </a:p>
-          <a:p>
-            <a:endParaRPr lang="en-US" dirty="0" smtClean="0"/>
-          </a:p>
-          <a:p>
-            <a:r>
-              <a:rPr lang="en-US" dirty="0" smtClean="0"/>
-              <a:t>User customizability</a:t>
-            </a:r>
-            <a:endParaRPr lang="en-US" dirty="0"/>
-          </a:p>
-        </p:txBody>
-      </p:sp>
-    </p:spTree>
-  </p:cSld>
-  <p:clrMapOvr>
-    <a:masterClrMapping/>
-  </p:clrMapOvr>
-  <p:timing>
-    <p:tnLst>
-      <p:par>
-        <p:cTn id="1" dur="indefinite" restart="never" nodeType="tmRoot"/>
-      </p:par>
-    </p:tnLst>
-  </p:timing>
-</p:sld>
-</file>
-
-<file path=ppt/slides/slide42.xml><?xml version="1.0" encoding="utf-8"?>
 <p:sld xmlns:a="http://schemas.openxmlformats.org/drawingml/2006/main" xmlns:r="http://schemas.openxmlformats.org/officeDocument/2006/relationships" xmlns:p="http://schemas.openxmlformats.org/presentationml/2006/main">
   <p:cSld>
     <p:spTree>
@@ -11714,6 +10839,39 @@
           <a:chExt cx="0" cy="0"/>
         </a:xfrm>
       </p:grpSpPr>
+      <p:pic>
+        <p:nvPicPr>
+          <p:cNvPr id="5" name="Picture 4"/>
+          <p:cNvPicPr>
+            <a:picLocks noChangeAspect="1" noChangeArrowheads="1"/>
+          </p:cNvPicPr>
+          <p:nvPr/>
+        </p:nvPicPr>
+        <p:blipFill>
+          <a:blip r:embed="rId3"/>
+          <a:srcRect t="23079" b="14364"/>
+          <a:stretch>
+            <a:fillRect/>
+          </a:stretch>
+        </p:blipFill>
+        <p:spPr bwMode="auto">
+          <a:xfrm>
+            <a:off x="2971800" y="5867400"/>
+            <a:ext cx="2158999" cy="761999"/>
+          </a:xfrm>
+          <a:prstGeom prst="rect">
+            <a:avLst/>
+          </a:prstGeom>
+          <a:noFill/>
+          <a:ln w="9525">
+            <a:noFill/>
+            <a:miter lim="800000"/>
+            <a:headEnd/>
+            <a:tailEnd/>
+          </a:ln>
+          <a:effectLst/>
+        </p:spPr>
+      </p:pic>
       <p:sp>
         <p:nvSpPr>
           <p:cNvPr id="2" name="Title 1"/>
@@ -11726,338 +10884,133 @@
         </p:nvSpPr>
         <p:spPr/>
         <p:txBody>
+          <a:bodyPr>
+            <a:normAutofit fontScale="90000"/>
+          </a:bodyPr>
+          <a:lstStyle/>
+          <a:p>
+            <a:r>
+              <a:rPr lang="en-US" dirty="0" smtClean="0"/>
+              <a:t>Principal </a:t>
+            </a:r>
+            <a:r>
+              <a:rPr lang="en-US" dirty="0" smtClean="0"/>
+              <a:t>Component Analysis </a:t>
+            </a:r>
+            <a:r>
+              <a:rPr lang="en-US" dirty="0" smtClean="0"/>
+              <a:t>(PCA)</a:t>
+            </a:r>
+            <a:endParaRPr lang="en-US" dirty="0"/>
+          </a:p>
+        </p:txBody>
+      </p:sp>
+      <p:sp>
+        <p:nvSpPr>
+          <p:cNvPr id="3" name="Content Placeholder 2"/>
+          <p:cNvSpPr>
+            <a:spLocks noGrp="1"/>
+          </p:cNvSpPr>
+          <p:nvPr>
+            <p:ph sz="quarter" idx="1"/>
+          </p:nvPr>
+        </p:nvSpPr>
+        <p:spPr>
+          <a:xfrm>
+            <a:off x="381000" y="1981200"/>
+            <a:ext cx="8229600" cy="4419600"/>
+          </a:xfrm>
+        </p:spPr>
+        <p:txBody>
+          <a:bodyPr>
+            <a:normAutofit fontScale="92500" lnSpcReduction="20000"/>
+          </a:bodyPr>
+          <a:lstStyle/>
+          <a:p>
+            <a:r>
+              <a:rPr lang="en-US" dirty="0" smtClean="0"/>
+              <a:t>PCA is a method used to extract the most significant features from given dataset</a:t>
+            </a:r>
+          </a:p>
+          <a:p>
+            <a:r>
+              <a:rPr lang="en-US" dirty="0" smtClean="0"/>
+              <a:t>Given a set of images I and a number k&gt;0, finds the k most important features in the set of images</a:t>
+            </a:r>
+          </a:p>
+          <a:p>
+            <a:r>
+              <a:rPr lang="en-US" dirty="0" smtClean="0"/>
+              <a:t>[U S V] = PCA(</a:t>
+            </a:r>
+            <a:r>
+              <a:rPr lang="en-US" dirty="0" err="1" smtClean="0"/>
+              <a:t>I,k</a:t>
+            </a:r>
+            <a:r>
+              <a:rPr lang="en-US" dirty="0" smtClean="0"/>
+              <a:t>)</a:t>
+            </a:r>
+          </a:p>
+          <a:p>
+            <a:pPr lvl="1"/>
+            <a:r>
+              <a:rPr lang="en-US" dirty="0" smtClean="0"/>
+              <a:t>U contains the k feature, or basis, images, all of which are orthogonal to each other</a:t>
+            </a:r>
+          </a:p>
+          <a:p>
+            <a:pPr lvl="1"/>
+            <a:r>
+              <a:rPr lang="en-US" dirty="0" smtClean="0"/>
+              <a:t>S is a diagonal matrix which contains the weights of each feature vector</a:t>
+            </a:r>
+          </a:p>
+          <a:p>
+            <a:pPr lvl="1"/>
+            <a:r>
+              <a:rPr lang="en-US" dirty="0" smtClean="0"/>
+              <a:t>V contains the coefficients of each basis image for each actual image</a:t>
+            </a:r>
+          </a:p>
+          <a:p>
+            <a:r>
+              <a:rPr lang="en-US" dirty="0" smtClean="0"/>
+              <a:t>Will extract the most significant features to </a:t>
+            </a:r>
+            <a:r>
+              <a:rPr lang="en-US" dirty="0" smtClean="0"/>
+              <a:t>minimize</a:t>
+            </a:r>
+            <a:endParaRPr lang="en-US" dirty="0" smtClean="0"/>
+          </a:p>
+          <a:p>
+            <a:pPr lvl="1"/>
+            <a:endParaRPr lang="en-US" b="1" dirty="0" smtClean="0"/>
+          </a:p>
+        </p:txBody>
+      </p:sp>
+      <p:sp>
+        <p:nvSpPr>
+          <p:cNvPr id="4" name="Slide Number Placeholder 3"/>
+          <p:cNvSpPr>
+            <a:spLocks noGrp="1"/>
+          </p:cNvSpPr>
+          <p:nvPr>
+            <p:ph type="sldNum" sz="quarter" idx="12"/>
+          </p:nvPr>
+        </p:nvSpPr>
+        <p:spPr/>
+        <p:txBody>
           <a:bodyPr/>
           <a:lstStyle/>
           <a:p>
-            <a:r>
-              <a:rPr lang="en-US" dirty="0" smtClean="0"/>
-              <a:t>Principal Component Analysis</a:t>
-            </a:r>
-            <a:endParaRPr lang="en-US" dirty="0"/>
-          </a:p>
-        </p:txBody>
-      </p:sp>
-      <p:sp>
-        <p:nvSpPr>
-          <p:cNvPr id="3" name="Content Placeholder 2"/>
-          <p:cNvSpPr>
-            <a:spLocks noGrp="1"/>
-          </p:cNvSpPr>
-          <p:nvPr>
-            <p:ph idx="1"/>
-          </p:nvPr>
-        </p:nvSpPr>
-        <p:spPr/>
-        <p:txBody>
-          <a:bodyPr>
-            <a:normAutofit lnSpcReduction="10000"/>
-          </a:bodyPr>
-          <a:lstStyle/>
-          <a:p>
-            <a:pPr>
-              <a:lnSpc>
-                <a:spcPct val="90000"/>
-              </a:lnSpc>
-              <a:buFontTx/>
-              <a:buNone/>
-            </a:pPr>
-            <a:r>
-              <a:rPr lang="en-US" dirty="0" smtClean="0"/>
-              <a:t>Given: a collection of sample images, {I</a:t>
-            </a:r>
-            <a:r>
-              <a:rPr lang="en-US" baseline="-25000" dirty="0" smtClean="0"/>
-              <a:t>1</a:t>
-            </a:r>
-            <a:r>
-              <a:rPr lang="en-US" dirty="0" smtClean="0"/>
-              <a:t>,…I</a:t>
-            </a:r>
-            <a:r>
-              <a:rPr lang="en-US" baseline="-25000" dirty="0" smtClean="0"/>
-              <a:t>n</a:t>
-            </a:r>
-            <a:r>
-              <a:rPr lang="en-US" dirty="0" smtClean="0"/>
-              <a:t>}</a:t>
-            </a:r>
-          </a:p>
-          <a:p>
-            <a:pPr>
-              <a:lnSpc>
-                <a:spcPct val="90000"/>
-              </a:lnSpc>
-              <a:buFontTx/>
-              <a:buNone/>
-            </a:pPr>
-            <a:r>
-              <a:rPr lang="en-US" dirty="0" smtClean="0"/>
-              <a:t>Find: A mean image </a:t>
-            </a:r>
-            <a:r>
-              <a:rPr lang="en-US" dirty="0" smtClean="0">
-                <a:latin typeface="Symbol" pitchFamily="18" charset="2"/>
-              </a:rPr>
-              <a:t>m</a:t>
-            </a:r>
-            <a:r>
-              <a:rPr lang="en-US" dirty="0" smtClean="0"/>
-              <a:t>, and a collection of principle components {B</a:t>
-            </a:r>
-            <a:r>
-              <a:rPr lang="en-US" baseline="-25000" dirty="0" smtClean="0"/>
-              <a:t>1</a:t>
-            </a:r>
-            <a:r>
-              <a:rPr lang="en-US" dirty="0" smtClean="0"/>
-              <a:t>, B</a:t>
-            </a:r>
-            <a:r>
-              <a:rPr lang="en-US" baseline="-25000" dirty="0" smtClean="0"/>
-              <a:t>2</a:t>
-            </a:r>
-            <a:r>
-              <a:rPr lang="en-US" dirty="0" smtClean="0"/>
-              <a:t>, …</a:t>
-            </a:r>
-            <a:r>
-              <a:rPr lang="en-US" dirty="0" err="1" smtClean="0"/>
-              <a:t>B</a:t>
-            </a:r>
-            <a:r>
-              <a:rPr lang="en-US" baseline="-25000" dirty="0" err="1" smtClean="0"/>
-              <a:t>k</a:t>
-            </a:r>
-            <a:r>
-              <a:rPr lang="en-US" dirty="0" smtClean="0"/>
-              <a:t>}, such that:</a:t>
-            </a:r>
-          </a:p>
-          <a:p>
-            <a:pPr>
-              <a:lnSpc>
-                <a:spcPct val="90000"/>
-              </a:lnSpc>
-            </a:pPr>
-            <a:endParaRPr lang="en-US" dirty="0" smtClean="0"/>
-          </a:p>
-          <a:p>
-            <a:pPr>
-              <a:lnSpc>
-                <a:spcPct val="90000"/>
-              </a:lnSpc>
-              <a:buFontTx/>
-              <a:buNone/>
-            </a:pPr>
-            <a:r>
-              <a:rPr lang="en-US" dirty="0" smtClean="0"/>
-              <a:t>Each sample image I</a:t>
-            </a:r>
-            <a:r>
-              <a:rPr lang="en-US" baseline="-25000" dirty="0" smtClean="0"/>
-              <a:t>i</a:t>
-            </a:r>
-            <a:r>
-              <a:rPr lang="en-US" dirty="0" smtClean="0"/>
-              <a:t> can be approximated as:</a:t>
-            </a:r>
-          </a:p>
-          <a:p>
-            <a:pPr algn="ctr">
-              <a:lnSpc>
-                <a:spcPct val="90000"/>
-              </a:lnSpc>
-              <a:buFontTx/>
-              <a:buNone/>
-            </a:pPr>
-            <a:r>
-              <a:rPr lang="en-US" dirty="0" smtClean="0"/>
-              <a:t> I</a:t>
-            </a:r>
-            <a:r>
-              <a:rPr lang="en-US" baseline="-25000" dirty="0" smtClean="0"/>
-              <a:t>i</a:t>
-            </a:r>
-            <a:r>
-              <a:rPr lang="en-US" dirty="0" smtClean="0"/>
-              <a:t> </a:t>
-            </a:r>
-            <a:r>
-              <a:rPr lang="en-US" dirty="0" smtClean="0">
-                <a:latin typeface="cmsy10" pitchFamily="34" charset="0"/>
-              </a:rPr>
-              <a:t>¼</a:t>
-            </a:r>
-            <a:r>
-              <a:rPr lang="en-US" dirty="0" smtClean="0"/>
-              <a:t> </a:t>
-            </a:r>
-            <a:r>
-              <a:rPr lang="en-US" dirty="0" smtClean="0">
-                <a:latin typeface="Symbol" pitchFamily="18" charset="2"/>
-              </a:rPr>
-              <a:t>m</a:t>
-            </a:r>
-            <a:r>
-              <a:rPr lang="en-US" dirty="0" smtClean="0"/>
-              <a:t> + c</a:t>
-            </a:r>
-            <a:r>
-              <a:rPr lang="en-US" baseline="-25000" dirty="0" smtClean="0"/>
-              <a:t>1,i</a:t>
-            </a:r>
-            <a:r>
-              <a:rPr lang="en-US" dirty="0" smtClean="0"/>
-              <a:t> B</a:t>
-            </a:r>
-            <a:r>
-              <a:rPr lang="en-US" baseline="-25000" dirty="0" smtClean="0"/>
-              <a:t>1,i</a:t>
-            </a:r>
-            <a:r>
-              <a:rPr lang="en-US" dirty="0" smtClean="0"/>
-              <a:t> + c</a:t>
-            </a:r>
-            <a:r>
-              <a:rPr lang="en-US" baseline="-25000" dirty="0" smtClean="0">
-                <a:latin typeface="Symbol" pitchFamily="18" charset="2"/>
-              </a:rPr>
-              <a:t>2</a:t>
-            </a:r>
-            <a:r>
-              <a:rPr lang="en-US" baseline="-25000" dirty="0" smtClean="0"/>
-              <a:t>,i</a:t>
-            </a:r>
-            <a:r>
-              <a:rPr lang="en-US" dirty="0" smtClean="0"/>
-              <a:t> B</a:t>
-            </a:r>
-            <a:r>
-              <a:rPr lang="en-US" baseline="-25000" dirty="0" smtClean="0">
-                <a:latin typeface="Symbol" pitchFamily="18" charset="2"/>
-              </a:rPr>
-              <a:t>2</a:t>
-            </a:r>
-            <a:r>
-              <a:rPr lang="en-US" dirty="0" smtClean="0"/>
-              <a:t> + … </a:t>
-            </a:r>
-            <a:r>
-              <a:rPr lang="en-US" dirty="0" err="1" smtClean="0"/>
-              <a:t>c</a:t>
-            </a:r>
-            <a:r>
-              <a:rPr lang="en-US" baseline="-25000" dirty="0" err="1" smtClean="0">
-                <a:latin typeface="Symbol" pitchFamily="18" charset="2"/>
-              </a:rPr>
-              <a:t>k</a:t>
-            </a:r>
-            <a:r>
-              <a:rPr lang="en-US" baseline="-25000" dirty="0" err="1" smtClean="0"/>
-              <a:t>,i</a:t>
-            </a:r>
-            <a:r>
-              <a:rPr lang="en-US" dirty="0" smtClean="0"/>
-              <a:t> </a:t>
-            </a:r>
-            <a:r>
-              <a:rPr lang="en-US" dirty="0" err="1" smtClean="0"/>
-              <a:t>B</a:t>
-            </a:r>
-            <a:r>
-              <a:rPr lang="en-US" baseline="-25000" dirty="0" err="1" smtClean="0">
-                <a:latin typeface="Symbol" pitchFamily="18" charset="2"/>
-              </a:rPr>
-              <a:t>k</a:t>
-            </a:r>
-            <a:r>
-              <a:rPr lang="en-US" dirty="0" smtClean="0"/>
-              <a:t> </a:t>
-            </a:r>
-            <a:r>
-              <a:rPr lang="en-US" dirty="0" smtClean="0">
-                <a:latin typeface="Symbol" pitchFamily="18" charset="2"/>
-              </a:rPr>
-              <a:t> </a:t>
-            </a:r>
-            <a:endParaRPr lang="en-US" dirty="0" smtClean="0"/>
-          </a:p>
-          <a:p>
-            <a:pPr>
-              <a:lnSpc>
-                <a:spcPct val="90000"/>
-              </a:lnSpc>
-            </a:pPr>
-            <a:endParaRPr lang="en-US" dirty="0" smtClean="0"/>
-          </a:p>
-          <a:p>
-            <a:pPr>
-              <a:lnSpc>
-                <a:spcPct val="90000"/>
-              </a:lnSpc>
-            </a:pPr>
-            <a:r>
-              <a:rPr lang="en-US" dirty="0" smtClean="0"/>
-              <a:t> c</a:t>
-            </a:r>
-            <a:r>
-              <a:rPr lang="en-US" baseline="-25000" dirty="0" smtClean="0"/>
-              <a:t>1</a:t>
-            </a:r>
-            <a:r>
-              <a:rPr lang="en-US" dirty="0" smtClean="0"/>
-              <a:t>, c</a:t>
-            </a:r>
-            <a:r>
-              <a:rPr lang="en-US" baseline="-25000" dirty="0" smtClean="0"/>
-              <a:t>2</a:t>
-            </a:r>
-            <a:r>
-              <a:rPr lang="en-US" dirty="0" smtClean="0"/>
-              <a:t>, … c</a:t>
-            </a:r>
-            <a:r>
-              <a:rPr lang="en-US" i="1" baseline="-25000" dirty="0" smtClean="0"/>
-              <a:t>k</a:t>
-            </a:r>
-            <a:r>
-              <a:rPr lang="en-US" dirty="0" smtClean="0"/>
-              <a:t> are </a:t>
-            </a:r>
-            <a:r>
-              <a:rPr lang="en-US" i="1" dirty="0" smtClean="0"/>
-              <a:t>coefficients</a:t>
-            </a:r>
-            <a:r>
-              <a:rPr lang="en-US" dirty="0" smtClean="0"/>
-              <a:t>.</a:t>
-            </a:r>
-            <a:endParaRPr lang="en-US" dirty="0" smtClean="0"/>
-          </a:p>
-          <a:p>
-            <a:pPr>
-              <a:lnSpc>
-                <a:spcPct val="90000"/>
-              </a:lnSpc>
-            </a:pPr>
-            <a:r>
-              <a:rPr lang="en-US" dirty="0" smtClean="0"/>
-              <a:t>Each image has different coefficients.</a:t>
-            </a:r>
-          </a:p>
-          <a:p>
-            <a:pPr>
-              <a:lnSpc>
-                <a:spcPct val="90000"/>
-              </a:lnSpc>
-            </a:pPr>
-            <a:r>
-              <a:rPr lang="en-US" dirty="0" smtClean="0"/>
-              <a:t>But the whole *set* of images shares principle components.</a:t>
-            </a:r>
-          </a:p>
-          <a:p>
-            <a:endParaRPr lang="en-US" dirty="0"/>
+            <a:fld id="{45E96854-6E70-484C-818F-A5764320AC80}" type="slidenum">
+              <a:rPr lang="en-US" smtClean="0"/>
+              <a:pPr/>
+              <a:t>8</a:t>
+            </a:fld>
+            <a:endParaRPr lang="en-US"/>
           </a:p>
         </p:txBody>
       </p:sp>
@@ -12066,6 +11019,13 @@
   <p:clrMapOvr>
     <a:masterClrMapping/>
   </p:clrMapOvr>
+  <p:timing>
+    <p:tnLst>
+      <p:par>
+        <p:cTn id="1" dur="indefinite" restart="never" nodeType="tmRoot"/>
+      </p:par>
+    </p:tnLst>
+  </p:timing>
 </p:sld>
 </file>
 
@@ -12088,12 +11048,12 @@
       </p:grpSpPr>
       <p:sp>
         <p:nvSpPr>
-          <p:cNvPr id="16" name="Footer Placeholder 3"/>
-          <p:cNvSpPr>
-            <a:spLocks noGrp="1"/>
-          </p:cNvSpPr>
-          <p:nvPr>
-            <p:ph type="ftr" sz="quarter" idx="10"/>
+          <p:cNvPr id="2" name="Title 1"/>
+          <p:cNvSpPr>
+            <a:spLocks noGrp="1"/>
+          </p:cNvSpPr>
+          <p:nvPr>
+            <p:ph type="title"/>
           </p:nvPr>
         </p:nvSpPr>
         <p:spPr/>
@@ -12102,87 +11062,153 @@
           <a:lstStyle/>
           <a:p>
             <a:r>
-              <a:rPr lang="en-US"/>
-              <a:t>Computer Vision, Robert Pless</a:t>
-            </a:r>
-          </a:p>
-        </p:txBody>
-      </p:sp>
-      <p:sp>
-        <p:nvSpPr>
-          <p:cNvPr id="692226" name="Rectangle 2"/>
-          <p:cNvSpPr>
-            <a:spLocks noGrp="1" noChangeArrowheads="1"/>
-          </p:cNvSpPr>
-          <p:nvPr>
-            <p:ph type="title"/>
-          </p:nvPr>
-        </p:nvSpPr>
-        <p:spPr/>
-        <p:txBody>
-          <a:bodyPr/>
-          <a:lstStyle/>
-          <a:p>
-            <a:r>
-              <a:rPr lang="en-US"/>
-              <a:t>PCA Math</a:t>
-            </a:r>
-          </a:p>
-        </p:txBody>
-      </p:sp>
-      <p:sp>
-        <p:nvSpPr>
-          <p:cNvPr id="692227" name="Rectangle 3"/>
-          <p:cNvSpPr>
-            <a:spLocks noGrp="1" noChangeArrowheads="1"/>
-          </p:cNvSpPr>
-          <p:nvPr>
-            <p:ph type="body" idx="1"/>
-          </p:nvPr>
-        </p:nvSpPr>
-        <p:spPr/>
-        <p:txBody>
-          <a:bodyPr/>
-          <a:lstStyle/>
-          <a:p>
-            <a:r>
-              <a:rPr lang="en-US" sz="2000"/>
-              <a:t>Principle component analysis. </a:t>
+              <a:rPr lang="en-US" dirty="0" smtClean="0"/>
+              <a:t>PCA</a:t>
+            </a:r>
+            <a:endParaRPr lang="en-US" dirty="0"/>
+          </a:p>
+        </p:txBody>
+      </p:sp>
+      <p:sp>
+        <p:nvSpPr>
+          <p:cNvPr id="3" name="Content Placeholder 2"/>
+          <p:cNvSpPr>
+            <a:spLocks noGrp="1"/>
+          </p:cNvSpPr>
+          <p:nvPr>
+            <p:ph sz="quarter" idx="1"/>
+          </p:nvPr>
+        </p:nvSpPr>
+        <p:spPr>
+          <a:xfrm>
+            <a:off x="457200" y="3200400"/>
+            <a:ext cx="8229600" cy="2956560"/>
+          </a:xfrm>
+        </p:spPr>
+        <p:txBody>
+          <a:bodyPr>
+            <a:normAutofit fontScale="77500" lnSpcReduction="20000"/>
+          </a:bodyPr>
+          <a:lstStyle/>
+          <a:p>
+            <a:r>
+              <a:rPr lang="en-US" dirty="0" smtClean="0"/>
+              <a:t>We can reconstruct image x as a linear combination of the basis images: i</a:t>
+            </a:r>
+            <a:r>
+              <a:rPr lang="en-US" baseline="-25000" dirty="0" smtClean="0"/>
+              <a:t>x</a:t>
+            </a:r>
+            <a:r>
+              <a:rPr lang="en-US" dirty="0" smtClean="0"/>
+              <a:t>=</a:t>
+            </a:r>
+            <a:r>
+              <a:rPr lang="en-US" dirty="0" err="1" smtClean="0"/>
+              <a:t>USv</a:t>
+            </a:r>
+            <a:r>
+              <a:rPr lang="en-US" baseline="-25000" dirty="0" err="1" smtClean="0"/>
+              <a:t>x</a:t>
+            </a:r>
+            <a:endParaRPr lang="en-US" dirty="0" smtClean="0"/>
+          </a:p>
+          <a:p>
+            <a:r>
+              <a:rPr lang="en-US" dirty="0" smtClean="0"/>
+              <a:t>Reconstructed images will not exactly match the original images</a:t>
             </a:r>
           </a:p>
           <a:p>
             <a:pPr lvl="1"/>
             <a:r>
-              <a:rPr lang="en-US" sz="1800"/>
-              <a:t>Images are in a 3D matrix I(x,y,t).</a:t>
+              <a:rPr lang="en-US" dirty="0" smtClean="0"/>
+              <a:t>Similarity increases as we increase the number of coefficients </a:t>
+            </a:r>
+            <a:r>
+              <a:rPr lang="en-US" dirty="0" smtClean="0"/>
+              <a:t>k</a:t>
+            </a:r>
+          </a:p>
+          <a:p>
+            <a:r>
+              <a:rPr lang="en-US" dirty="0" smtClean="0"/>
+              <a:t>Given a new image W we can find its coefficients </a:t>
             </a:r>
           </a:p>
           <a:p>
             <a:pPr lvl="1"/>
             <a:r>
-              <a:rPr lang="en-US" sz="1800"/>
-              <a:t>Change that matrix into a data matrix D(p,t), listing the pixel values in each frame.</a:t>
+              <a:rPr lang="en-US" dirty="0" smtClean="0"/>
+              <a:t>v = </a:t>
+            </a:r>
+            <a:r>
+              <a:rPr lang="en-US" dirty="0" smtClean="0"/>
+              <a:t>U</a:t>
+            </a:r>
+            <a:r>
+              <a:rPr lang="en-US" baseline="30000" dirty="0" smtClean="0"/>
+              <a:t>T</a:t>
+            </a:r>
+            <a:r>
+              <a:rPr lang="en-US" dirty="0" smtClean="0"/>
+              <a:t>W</a:t>
+            </a:r>
+          </a:p>
+          <a:p>
+            <a:r>
+              <a:rPr lang="en-US" dirty="0" smtClean="0"/>
+              <a:t>Residual Image or reconstruction error</a:t>
             </a:r>
           </a:p>
           <a:p>
             <a:pPr lvl="1"/>
             <a:r>
-              <a:rPr lang="en-US" sz="1800"/>
-              <a:t>Do the “SVD” decomposition:</a:t>
-            </a:r>
-          </a:p>
-          <a:p>
-            <a:pPr lvl="1"/>
-            <a:r>
-              <a:rPr lang="en-US" sz="1800"/>
-              <a:t>D = U S V</a:t>
-            </a:r>
-          </a:p>
-        </p:txBody>
-      </p:sp>
-      <p:sp>
-        <p:nvSpPr>
-          <p:cNvPr id="692228" name="Rectangle 4"/>
+              <a:rPr lang="en-US" dirty="0" err="1" smtClean="0"/>
+              <a:t>I</a:t>
+            </a:r>
+            <a:r>
+              <a:rPr lang="en-US" baseline="-25000" dirty="0" err="1" smtClean="0"/>
+              <a:t>residual</a:t>
+            </a:r>
+            <a:r>
+              <a:rPr lang="en-US" dirty="0" smtClean="0"/>
+              <a:t> = (I – </a:t>
+            </a:r>
+            <a:r>
+              <a:rPr lang="en-US" dirty="0" err="1" smtClean="0"/>
+              <a:t>I</a:t>
+            </a:r>
+            <a:r>
+              <a:rPr lang="en-US" baseline="-25000" dirty="0" err="1" smtClean="0"/>
+              <a:t>mean</a:t>
+            </a:r>
+            <a:r>
+              <a:rPr lang="en-US" baseline="30000" dirty="0" smtClean="0"/>
+              <a:t> </a:t>
+            </a:r>
+            <a:r>
+              <a:rPr lang="en-US" dirty="0" smtClean="0"/>
+              <a:t>) – </a:t>
+            </a:r>
+            <a:r>
+              <a:rPr lang="en-US" dirty="0" err="1" smtClean="0"/>
+              <a:t>I</a:t>
+            </a:r>
+            <a:r>
+              <a:rPr lang="en-US" baseline="-25000" dirty="0" err="1" smtClean="0"/>
+              <a:t>recontsructed</a:t>
+            </a:r>
+            <a:endParaRPr lang="en-US" dirty="0" smtClean="0"/>
+          </a:p>
+          <a:p>
+            <a:endParaRPr lang="en-US" dirty="0"/>
+          </a:p>
+        </p:txBody>
+      </p:sp>
+      <p:sp>
+        <p:nvSpPr>
+          <p:cNvPr id="4" name="Rectangle 2"/>
           <p:cNvSpPr>
             <a:spLocks noChangeArrowheads="1"/>
           </p:cNvSpPr>
@@ -12190,7 +11216,7 @@
         </p:nvSpPr>
         <p:spPr bwMode="auto">
           <a:xfrm>
-            <a:off x="3352800" y="4545013"/>
+            <a:off x="2057400" y="1371600"/>
             <a:ext cx="914400" cy="1752600"/>
           </a:xfrm>
           <a:prstGeom prst="rect">
@@ -12225,7 +11251,7 @@
       </p:sp>
       <p:sp>
         <p:nvSpPr>
-          <p:cNvPr id="692229" name="Text Box 5"/>
+          <p:cNvPr id="5" name="Text Box 3"/>
           <p:cNvSpPr txBox="1">
             <a:spLocks noChangeArrowheads="1"/>
           </p:cNvSpPr>
@@ -12233,8 +11259,8 @@
         </p:nvSpPr>
         <p:spPr bwMode="auto">
           <a:xfrm>
-            <a:off x="4251325" y="5343525"/>
-            <a:ext cx="317500" cy="366713"/>
+            <a:off x="2955925" y="2170113"/>
+            <a:ext cx="317500" cy="366712"/>
           </a:xfrm>
           <a:prstGeom prst="rect">
             <a:avLst/>
@@ -12265,7 +11291,7 @@
       </p:sp>
       <p:sp>
         <p:nvSpPr>
-          <p:cNvPr id="692230" name="Rectangle 6"/>
+          <p:cNvPr id="6" name="Rectangle 4"/>
           <p:cNvSpPr>
             <a:spLocks noChangeArrowheads="1"/>
           </p:cNvSpPr>
@@ -12273,7 +11299,7 @@
         </p:nvSpPr>
         <p:spPr bwMode="auto">
           <a:xfrm>
-            <a:off x="4648200" y="4545013"/>
+            <a:off x="3352800" y="1371600"/>
             <a:ext cx="381000" cy="1762125"/>
           </a:xfrm>
           <a:prstGeom prst="rect">
@@ -12308,7 +11334,7 @@
       </p:sp>
       <p:sp>
         <p:nvSpPr>
-          <p:cNvPr id="692231" name="Rectangle 7"/>
+          <p:cNvPr id="7" name="Rectangle 5"/>
           <p:cNvSpPr>
             <a:spLocks noChangeArrowheads="1"/>
           </p:cNvSpPr>
@@ -12316,7 +11342,7 @@
         </p:nvSpPr>
         <p:spPr bwMode="auto">
           <a:xfrm>
-            <a:off x="5181600" y="4545013"/>
+            <a:off x="3886200" y="1371600"/>
             <a:ext cx="304800" cy="381000"/>
           </a:xfrm>
           <a:prstGeom prst="rect">
@@ -12351,7 +11377,7 @@
       </p:sp>
       <p:sp>
         <p:nvSpPr>
-          <p:cNvPr id="692232" name="Rectangle 8"/>
+          <p:cNvPr id="8" name="Rectangle 6"/>
           <p:cNvSpPr>
             <a:spLocks noChangeArrowheads="1"/>
           </p:cNvSpPr>
@@ -12359,7 +11385,7 @@
         </p:nvSpPr>
         <p:spPr bwMode="auto">
           <a:xfrm>
-            <a:off x="5715000" y="4545013"/>
+            <a:off x="4343400" y="1371600"/>
             <a:ext cx="838200" cy="381000"/>
           </a:xfrm>
           <a:prstGeom prst="rect">
@@ -12394,7 +11420,7 @@
       </p:sp>
       <p:sp>
         <p:nvSpPr>
-          <p:cNvPr id="692233" name="Text Box 9"/>
+          <p:cNvPr id="9" name="Text Box 7"/>
           <p:cNvSpPr txBox="1">
             <a:spLocks noChangeArrowheads="1"/>
           </p:cNvSpPr>
@@ -12402,8 +11428,8 @@
         </p:nvSpPr>
         <p:spPr bwMode="auto">
           <a:xfrm>
-            <a:off x="2438400" y="5921375"/>
-            <a:ext cx="962025" cy="366713"/>
+            <a:off x="1143000" y="2833688"/>
+            <a:ext cx="962025" cy="366712"/>
           </a:xfrm>
           <a:prstGeom prst="rect">
             <a:avLst/>
@@ -12424,7 +11450,7 @@
           <a:lstStyle/>
           <a:p>
             <a:r>
-              <a:rPr lang="en-US" sz="1800" b="0"/>
+              <a:rPr lang="en-US" sz="1800" b="0" dirty="0"/>
               <a:t>Images</a:t>
             </a:r>
           </a:p>
@@ -12432,7 +11458,7 @@
       </p:sp>
       <p:sp>
         <p:nvSpPr>
-          <p:cNvPr id="692234" name="Text Box 10"/>
+          <p:cNvPr id="10" name="Text Box 8"/>
           <p:cNvSpPr txBox="1">
             <a:spLocks noChangeArrowheads="1"/>
           </p:cNvSpPr>
@@ -12440,8 +11466,8 @@
         </p:nvSpPr>
         <p:spPr bwMode="auto">
           <a:xfrm>
-            <a:off x="5089525" y="5881688"/>
-            <a:ext cx="1577975" cy="366712"/>
+            <a:off x="3733800" y="2757487"/>
+            <a:ext cx="1577975" cy="366713"/>
           </a:xfrm>
           <a:prstGeom prst="rect">
             <a:avLst/>
@@ -12462,7 +11488,7 @@
           <a:lstStyle/>
           <a:p>
             <a:r>
-              <a:rPr lang="en-US" sz="1800" b="0"/>
+              <a:rPr lang="en-US" sz="1800" b="0" dirty="0"/>
               <a:t>Basis Images</a:t>
             </a:r>
           </a:p>
@@ -12470,7 +11496,7 @@
       </p:sp>
       <p:sp>
         <p:nvSpPr>
-          <p:cNvPr id="692235" name="Text Box 11"/>
+          <p:cNvPr id="11" name="Text Box 9"/>
           <p:cNvSpPr txBox="1">
             <a:spLocks noChangeArrowheads="1"/>
           </p:cNvSpPr>
@@ -12478,8 +11504,8 @@
         </p:nvSpPr>
         <p:spPr bwMode="auto">
           <a:xfrm>
-            <a:off x="5715000" y="5006975"/>
-            <a:ext cx="1487488" cy="366713"/>
+            <a:off x="4724400" y="1752600"/>
+            <a:ext cx="1334661" cy="369332"/>
           </a:xfrm>
           <a:prstGeom prst="rect">
             <a:avLst/>
@@ -12500,159 +11526,38 @@
           <a:lstStyle/>
           <a:p>
             <a:r>
-              <a:rPr lang="en-US" sz="1800" b="0"/>
-              <a:t>coefficients</a:t>
-            </a:r>
-          </a:p>
-        </p:txBody>
-      </p:sp>
-      <p:sp>
-        <p:nvSpPr>
-          <p:cNvPr id="692236" name="Line 12"/>
-          <p:cNvSpPr>
-            <a:spLocks noChangeShapeType="1"/>
-          </p:cNvSpPr>
-          <p:nvPr/>
-        </p:nvSpPr>
-        <p:spPr bwMode="auto">
-          <a:xfrm>
-            <a:off x="5791200" y="4468813"/>
-            <a:ext cx="0" cy="533400"/>
-          </a:xfrm>
-          <a:prstGeom prst="line">
-            <a:avLst/>
-          </a:prstGeom>
-          <a:noFill/>
-          <a:ln w="9525">
-            <a:solidFill>
-              <a:schemeClr val="tx1"/>
-            </a:solidFill>
-            <a:round/>
-            <a:headEnd/>
-            <a:tailEnd/>
-          </a:ln>
-          <a:effectLst/>
-        </p:spPr>
-        <p:txBody>
-          <a:bodyPr/>
-          <a:lstStyle/>
-          <a:p>
-            <a:endParaRPr lang="en-US"/>
-          </a:p>
-        </p:txBody>
-      </p:sp>
-      <p:sp>
-        <p:nvSpPr>
-          <p:cNvPr id="692237" name="Text Box 13"/>
-          <p:cNvSpPr txBox="1">
-            <a:spLocks noChangeArrowheads="1"/>
-          </p:cNvSpPr>
-          <p:nvPr/>
-        </p:nvSpPr>
-        <p:spPr bwMode="auto">
-          <a:xfrm>
-            <a:off x="5546725" y="4048125"/>
-            <a:ext cx="2305050" cy="366713"/>
-          </a:xfrm>
-          <a:prstGeom prst="rect">
-            <a:avLst/>
-          </a:prstGeom>
-          <a:noFill/>
-          <a:ln w="9525">
-            <a:noFill/>
-            <a:miter lim="800000"/>
-            <a:headEnd/>
-            <a:tailEnd/>
-          </a:ln>
-          <a:effectLst/>
-        </p:spPr>
-        <p:txBody>
-          <a:bodyPr wrap="none">
-            <a:spAutoFit/>
-          </a:bodyPr>
-          <a:lstStyle/>
-          <a:p>
-            <a:r>
-              <a:rPr lang="en-US" sz="1800" b="0">
+              <a:rPr lang="en-US" sz="1800" b="0" dirty="0" smtClean="0">
                 <a:latin typeface="Arial" pitchFamily="34" charset="0"/>
               </a:rPr>
-              <a:t>Frame 1 coefficients.</a:t>
-            </a:r>
-          </a:p>
-        </p:txBody>
-      </p:sp>
-      <p:sp>
-        <p:nvSpPr>
-          <p:cNvPr id="692238" name="Line 14"/>
-          <p:cNvSpPr>
-            <a:spLocks noChangeShapeType="1"/>
-          </p:cNvSpPr>
-          <p:nvPr/>
-        </p:nvSpPr>
-        <p:spPr bwMode="auto">
-          <a:xfrm>
-            <a:off x="5867400" y="4468813"/>
-            <a:ext cx="0" cy="533400"/>
-          </a:xfrm>
-          <a:prstGeom prst="line">
-            <a:avLst/>
-          </a:prstGeom>
-          <a:noFill/>
-          <a:ln w="9525">
-            <a:solidFill>
-              <a:schemeClr val="tx1"/>
-            </a:solidFill>
-            <a:round/>
-            <a:headEnd/>
-            <a:tailEnd/>
-          </a:ln>
-          <a:effectLst/>
-        </p:spPr>
+              <a:t>coefficients</a:t>
+            </a:r>
+            <a:endParaRPr lang="en-US" sz="1800" b="0" dirty="0">
+              <a:latin typeface="Arial" pitchFamily="34" charset="0"/>
+            </a:endParaRPr>
+          </a:p>
+        </p:txBody>
+      </p:sp>
+      <p:sp>
+        <p:nvSpPr>
+          <p:cNvPr id="13" name="Slide Number Placeholder 12"/>
+          <p:cNvSpPr>
+            <a:spLocks noGrp="1"/>
+          </p:cNvSpPr>
+          <p:nvPr>
+            <p:ph type="sldNum" sz="quarter" idx="12"/>
+          </p:nvPr>
+        </p:nvSpPr>
+        <p:spPr/>
         <p:txBody>
           <a:bodyPr/>
           <a:lstStyle/>
           <a:p>
+            <a:fld id="{45E96854-6E70-484C-818F-A5764320AC80}" type="slidenum">
+              <a:rPr lang="en-US" smtClean="0"/>
+              <a:pPr/>
+              <a:t>9</a:t>
+            </a:fld>
             <a:endParaRPr lang="en-US"/>
-          </a:p>
-        </p:txBody>
-      </p:sp>
-      <p:sp>
-        <p:nvSpPr>
-          <p:cNvPr id="692239" name="Text Box 15"/>
-          <p:cNvSpPr txBox="1">
-            <a:spLocks noChangeArrowheads="1"/>
-          </p:cNvSpPr>
-          <p:nvPr/>
-        </p:nvSpPr>
-        <p:spPr bwMode="auto">
-          <a:xfrm>
-            <a:off x="5543550" y="4038600"/>
-            <a:ext cx="2305050" cy="366713"/>
-          </a:xfrm>
-          <a:prstGeom prst="rect">
-            <a:avLst/>
-          </a:prstGeom>
-          <a:noFill/>
-          <a:ln w="9525">
-            <a:noFill/>
-            <a:miter lim="800000"/>
-            <a:headEnd/>
-            <a:tailEnd/>
-          </a:ln>
-          <a:effectLst/>
-        </p:spPr>
-        <p:txBody>
-          <a:bodyPr wrap="none">
-            <a:spAutoFit/>
-          </a:bodyPr>
-          <a:lstStyle/>
-          <a:p>
-            <a:r>
-              <a:rPr lang="en-US" sz="1800" b="0">
-                <a:latin typeface="Arial" pitchFamily="34" charset="0"/>
-              </a:rPr>
-              <a:t>Frame 2 coefficients.</a:t>
-            </a:r>
           </a:p>
         </p:txBody>
       </p:sp>
@@ -12664,276 +11569,9 @@
   <p:timing>
     <p:tnLst>
       <p:par>
-        <p:cTn id="1" dur="indefinite" restart="never" nodeType="tmRoot">
-          <p:childTnLst>
-            <p:seq concurrent="1" nextAc="seek">
-              <p:cTn id="2" dur="indefinite" nodeType="mainSeq">
-                <p:childTnLst>
-                  <p:par>
-                    <p:cTn id="3" fill="hold">
-                      <p:stCondLst>
-                        <p:cond delay="indefinite"/>
-                      </p:stCondLst>
-                      <p:childTnLst>
-                        <p:par>
-                          <p:cTn id="4" fill="hold">
-                            <p:stCondLst>
-                              <p:cond delay="0"/>
-                            </p:stCondLst>
-                            <p:childTnLst>
-                              <p:par>
-                                <p:cTn id="5" presetID="3" presetClass="entr" presetSubtype="10" fill="hold" grpId="0" nodeType="clickEffect">
-                                  <p:stCondLst>
-                                    <p:cond delay="0"/>
-                                  </p:stCondLst>
-                                  <p:childTnLst>
-                                    <p:set>
-                                      <p:cBhvr>
-                                        <p:cTn id="6" dur="1" fill="hold">
-                                          <p:stCondLst>
-                                            <p:cond delay="0"/>
-                                          </p:stCondLst>
-                                        </p:cTn>
-                                        <p:tgtEl>
-                                          <p:spTgt spid="692236"/>
-                                        </p:tgtEl>
-                                        <p:attrNameLst>
-                                          <p:attrName>style.visibility</p:attrName>
-                                        </p:attrNameLst>
-                                      </p:cBhvr>
-                                      <p:to>
-                                        <p:strVal val="visible"/>
-                                      </p:to>
-                                    </p:set>
-                                    <p:animEffect transition="in" filter="blinds(horizontal)">
-                                      <p:cBhvr>
-                                        <p:cTn id="7" dur="500"/>
-                                        <p:tgtEl>
-                                          <p:spTgt spid="692236"/>
-                                        </p:tgtEl>
-                                      </p:cBhvr>
-                                    </p:animEffect>
-                                  </p:childTnLst>
-                                </p:cTn>
-                              </p:par>
-                              <p:par>
-                                <p:cTn id="8" presetID="3" presetClass="entr" presetSubtype="10" fill="hold" grpId="0" nodeType="withEffect">
-                                  <p:stCondLst>
-                                    <p:cond delay="0"/>
-                                  </p:stCondLst>
-                                  <p:childTnLst>
-                                    <p:set>
-                                      <p:cBhvr>
-                                        <p:cTn id="9" dur="1" fill="hold">
-                                          <p:stCondLst>
-                                            <p:cond delay="0"/>
-                                          </p:stCondLst>
-                                        </p:cTn>
-                                        <p:tgtEl>
-                                          <p:spTgt spid="692237"/>
-                                        </p:tgtEl>
-                                        <p:attrNameLst>
-                                          <p:attrName>style.visibility</p:attrName>
-                                        </p:attrNameLst>
-                                      </p:cBhvr>
-                                      <p:to>
-                                        <p:strVal val="visible"/>
-                                      </p:to>
-                                    </p:set>
-                                    <p:animEffect transition="in" filter="blinds(horizontal)">
-                                      <p:cBhvr>
-                                        <p:cTn id="10" dur="500"/>
-                                        <p:tgtEl>
-                                          <p:spTgt spid="692237"/>
-                                        </p:tgtEl>
-                                      </p:cBhvr>
-                                    </p:animEffect>
-                                  </p:childTnLst>
-                                </p:cTn>
-                              </p:par>
-                            </p:childTnLst>
-                          </p:cTn>
-                        </p:par>
-                      </p:childTnLst>
-                    </p:cTn>
-                  </p:par>
-                  <p:par>
-                    <p:cTn id="11" fill="hold">
-                      <p:stCondLst>
-                        <p:cond delay="indefinite"/>
-                      </p:stCondLst>
-                      <p:childTnLst>
-                        <p:par>
-                          <p:cTn id="12" fill="hold">
-                            <p:stCondLst>
-                              <p:cond delay="0"/>
-                            </p:stCondLst>
-                            <p:childTnLst>
-                              <p:par>
-                                <p:cTn id="13" presetID="1" presetClass="entr" presetSubtype="0" fill="hold" grpId="0" nodeType="clickEffect">
-                                  <p:stCondLst>
-                                    <p:cond delay="0"/>
-                                  </p:stCondLst>
-                                  <p:childTnLst>
-                                    <p:set>
-                                      <p:cBhvr>
-                                        <p:cTn id="14" dur="1" fill="hold">
-                                          <p:stCondLst>
-                                            <p:cond delay="0"/>
-                                          </p:stCondLst>
-                                        </p:cTn>
-                                        <p:tgtEl>
-                                          <p:spTgt spid="692239"/>
-                                        </p:tgtEl>
-                                        <p:attrNameLst>
-                                          <p:attrName>style.visibility</p:attrName>
-                                        </p:attrNameLst>
-                                      </p:cBhvr>
-                                      <p:to>
-                                        <p:strVal val="visible"/>
-                                      </p:to>
-                                    </p:set>
-                                  </p:childTnLst>
-                                </p:cTn>
-                              </p:par>
-                              <p:par>
-                                <p:cTn id="15" presetID="1" presetClass="entr" presetSubtype="0" fill="hold" grpId="0" nodeType="withEffect">
-                                  <p:stCondLst>
-                                    <p:cond delay="0"/>
-                                  </p:stCondLst>
-                                  <p:childTnLst>
-                                    <p:set>
-                                      <p:cBhvr>
-                                        <p:cTn id="16" dur="1" fill="hold">
-                                          <p:stCondLst>
-                                            <p:cond delay="0"/>
-                                          </p:stCondLst>
-                                        </p:cTn>
-                                        <p:tgtEl>
-                                          <p:spTgt spid="692238"/>
-                                        </p:tgtEl>
-                                        <p:attrNameLst>
-                                          <p:attrName>style.visibility</p:attrName>
-                                        </p:attrNameLst>
-                                      </p:cBhvr>
-                                      <p:to>
-                                        <p:strVal val="visible"/>
-                                      </p:to>
-                                    </p:set>
-                                  </p:childTnLst>
-                                </p:cTn>
-                              </p:par>
-                              <p:par>
-                                <p:cTn id="17" presetID="24" presetClass="exit" presetSubtype="0" fill="hold" grpId="1" nodeType="withEffect">
-                                  <p:stCondLst>
-                                    <p:cond delay="0"/>
-                                  </p:stCondLst>
-                                  <p:childTnLst>
-                                    <p:anim to="" calcmode="lin" valueType="num">
-                                      <p:cBhvr>
-                                        <p:cTn id="18" dur="1"/>
-                                        <p:tgtEl>
-                                          <p:spTgt spid="692236"/>
-                                        </p:tgtEl>
-                                        <p:attrNameLst>
-                                          <p:attrName/>
-                                        </p:attrNameLst>
-                                      </p:cBhvr>
-                                    </p:anim>
-                                    <p:set>
-                                      <p:cBhvr>
-                                        <p:cTn id="19" dur="1" fill="hold">
-                                          <p:stCondLst>
-                                            <p:cond delay="0"/>
-                                          </p:stCondLst>
-                                        </p:cTn>
-                                        <p:tgtEl>
-                                          <p:spTgt spid="692236"/>
-                                        </p:tgtEl>
-                                        <p:attrNameLst>
-                                          <p:attrName>style.visibility</p:attrName>
-                                        </p:attrNameLst>
-                                      </p:cBhvr>
-                                      <p:to>
-                                        <p:strVal val="hidden"/>
-                                      </p:to>
-                                    </p:set>
-                                  </p:childTnLst>
-                                </p:cTn>
-                              </p:par>
-                              <p:par>
-                                <p:cTn id="20" presetID="24" presetClass="exit" presetSubtype="0" fill="hold" grpId="1" nodeType="withEffect">
-                                  <p:stCondLst>
-                                    <p:cond delay="0"/>
-                                  </p:stCondLst>
-                                  <p:childTnLst>
-                                    <p:anim to="" calcmode="lin" valueType="num">
-                                      <p:cBhvr>
-                                        <p:cTn id="21" dur="1"/>
-                                        <p:tgtEl>
-                                          <p:spTgt spid="692237"/>
-                                        </p:tgtEl>
-                                        <p:attrNameLst>
-                                          <p:attrName/>
-                                        </p:attrNameLst>
-                                      </p:cBhvr>
-                                    </p:anim>
-                                    <p:set>
-                                      <p:cBhvr>
-                                        <p:cTn id="22" dur="1" fill="hold">
-                                          <p:stCondLst>
-                                            <p:cond delay="0"/>
-                                          </p:stCondLst>
-                                        </p:cTn>
-                                        <p:tgtEl>
-                                          <p:spTgt spid="692237"/>
-                                        </p:tgtEl>
-                                        <p:attrNameLst>
-                                          <p:attrName>style.visibility</p:attrName>
-                                        </p:attrNameLst>
-                                      </p:cBhvr>
-                                      <p:to>
-                                        <p:strVal val="hidden"/>
-                                      </p:to>
-                                    </p:set>
-                                  </p:childTnLst>
-                                </p:cTn>
-                              </p:par>
-                            </p:childTnLst>
-                          </p:cTn>
-                        </p:par>
-                      </p:childTnLst>
-                    </p:cTn>
-                  </p:par>
-                </p:childTnLst>
-              </p:cTn>
-              <p:prevCondLst>
-                <p:cond evt="onPrev" delay="0">
-                  <p:tgtEl>
-                    <p:sldTgt/>
-                  </p:tgtEl>
-                </p:cond>
-              </p:prevCondLst>
-              <p:nextCondLst>
-                <p:cond evt="onNext" delay="0">
-                  <p:tgtEl>
-                    <p:sldTgt/>
-                  </p:tgtEl>
-                </p:cond>
-              </p:nextCondLst>
-            </p:seq>
-          </p:childTnLst>
-        </p:cTn>
+        <p:cTn id="1" dur="indefinite" restart="never" nodeType="tmRoot"/>
       </p:par>
     </p:tnLst>
-    <p:bldLst>
-      <p:bldP spid="692236" grpId="0" animBg="1"/>
-      <p:bldP spid="692236" grpId="1" animBg="1"/>
-      <p:bldP spid="692237" grpId="0"/>
-      <p:bldP spid="692237" grpId="1"/>
-      <p:bldP spid="692238" grpId="0" animBg="1"/>
-      <p:bldP spid="692239" grpId="0"/>
-    </p:bldLst>
   </p:timing>
 </p:sld>
 </file>

--- a/trunk/mastersProject/presentation/visualizationToolsForWebcams.pptx
+++ b/trunk/mastersProject/presentation/visualizationToolsForWebcams.pptx
@@ -7346,11 +7346,7 @@
             <a:pPr lvl="1"/>
             <a:r>
               <a:rPr lang="en-US" dirty="0" smtClean="0"/>
-              <a:t>Professor Bill </a:t>
-            </a:r>
-            <a:r>
-              <a:rPr lang="en-US" dirty="0" smtClean="0"/>
-              <a:t>Smart</a:t>
+              <a:t>Professor Bill Smart</a:t>
             </a:r>
           </a:p>
           <a:p>
@@ -9097,44 +9093,6 @@
           <a:chExt cx="0" cy="0"/>
         </a:xfrm>
       </p:grpSpPr>
-      <p:sp>
-        <p:nvSpPr>
-          <p:cNvPr id="2" name="Title 1"/>
-          <p:cNvSpPr>
-            <a:spLocks noGrp="1"/>
-          </p:cNvSpPr>
-          <p:nvPr>
-            <p:ph type="title"/>
-          </p:nvPr>
-        </p:nvSpPr>
-        <p:spPr/>
-        <p:txBody>
-          <a:bodyPr/>
-          <a:lstStyle/>
-          <a:p>
-            <a:endParaRPr lang="en-US"/>
-          </a:p>
-        </p:txBody>
-      </p:sp>
-      <p:sp>
-        <p:nvSpPr>
-          <p:cNvPr id="3" name="Content Placeholder 2"/>
-          <p:cNvSpPr>
-            <a:spLocks noGrp="1"/>
-          </p:cNvSpPr>
-          <p:nvPr>
-            <p:ph idx="1"/>
-          </p:nvPr>
-        </p:nvSpPr>
-        <p:spPr/>
-        <p:txBody>
-          <a:bodyPr/>
-          <a:lstStyle/>
-          <a:p>
-            <a:endParaRPr lang="en-US"/>
-          </a:p>
-        </p:txBody>
-      </p:sp>
       <p:pic>
         <p:nvPicPr>
           <p:cNvPr id="4" name="Picture 2" descr="C:\Documents and Settings\gpu\Desktop\David Ross\davidrossmastersproject\mastersProject\writeup\figures\leastNormal.jpg"/>
@@ -9334,7 +9292,7 @@
         </p:blipFill>
         <p:spPr bwMode="auto">
           <a:xfrm>
-            <a:off x="762000" y="1066800"/>
+            <a:off x="762000" y="457200"/>
             <a:ext cx="7573818" cy="6248400"/>
           </a:xfrm>
           <a:prstGeom prst="rect">
@@ -9385,11 +9343,15 @@
           <a:p>
             <a:r>
               <a:rPr lang="en-US" dirty="0" smtClean="0"/>
-              <a:t>Bonus – Kurtosis and </a:t>
+              <a:t>Bonus – </a:t>
             </a:r>
             <a:r>
               <a:rPr lang="en-US" dirty="0" err="1" smtClean="0"/>
               <a:t>Skewness</a:t>
+            </a:r>
+            <a:r>
+              <a:rPr lang="en-US" dirty="0" smtClean="0"/>
+              <a:t> and Kurtosis</a:t>
             </a:r>
             <a:endParaRPr lang="en-US" dirty="0"/>
           </a:p>
@@ -10891,15 +10853,7 @@
           <a:p>
             <a:r>
               <a:rPr lang="en-US" dirty="0" smtClean="0"/>
-              <a:t>Principal </a:t>
-            </a:r>
-            <a:r>
-              <a:rPr lang="en-US" dirty="0" smtClean="0"/>
-              <a:t>Component Analysis </a:t>
-            </a:r>
-            <a:r>
-              <a:rPr lang="en-US" dirty="0" smtClean="0"/>
-              <a:t>(PCA)</a:t>
+              <a:t>Principal Component Analysis (PCA)</a:t>
             </a:r>
             <a:endParaRPr lang="en-US" dirty="0"/>
           </a:p>
@@ -10976,13 +10930,8 @@
           <a:p>
             <a:r>
               <a:rPr lang="en-US" dirty="0" smtClean="0"/>
-              <a:t>Will extract the most significant features to </a:t>
-            </a:r>
-            <a:r>
-              <a:rPr lang="en-US" dirty="0" smtClean="0"/>
-              <a:t>minimize</a:t>
-            </a:r>
-            <a:endParaRPr lang="en-US" dirty="0" smtClean="0"/>
+              <a:t>Will extract the most significant features to minimize</a:t>
+            </a:r>
           </a:p>
           <a:p>
             <a:pPr lvl="1"/>
@@ -11123,11 +11072,7 @@
             <a:pPr lvl="1"/>
             <a:r>
               <a:rPr lang="en-US" dirty="0" smtClean="0"/>
-              <a:t>Similarity increases as we increase the number of coefficients </a:t>
-            </a:r>
-            <a:r>
-              <a:rPr lang="en-US" dirty="0" smtClean="0"/>
-              <a:t>k</a:t>
+              <a:t>Similarity increases as we increase the number of coefficients k</a:t>
             </a:r>
           </a:p>
           <a:p>
@@ -11140,11 +11085,7 @@
             <a:pPr lvl="1"/>
             <a:r>
               <a:rPr lang="en-US" dirty="0" smtClean="0"/>
-              <a:t>v = </a:t>
-            </a:r>
-            <a:r>
-              <a:rPr lang="en-US" dirty="0" smtClean="0"/>
-              <a:t>U</a:t>
+              <a:t>v = U</a:t>
             </a:r>
             <a:r>
               <a:rPr lang="en-US" baseline="30000" dirty="0" smtClean="0"/>

--- a/trunk/mastersProject/presentation/visualizationToolsForWebcams.pptx
+++ b/trunk/mastersProject/presentation/visualizationToolsForWebcams.pptx
@@ -5,7 +5,7 @@
     <p:sldMasterId id="2147483744" r:id="rId1"/>
   </p:sldMasterIdLst>
   <p:notesMasterIdLst>
-    <p:notesMasterId r:id="rId42"/>
+    <p:notesMasterId r:id="rId45"/>
   </p:notesMasterIdLst>
   <p:sldIdLst>
     <p:sldId id="256" r:id="rId2"/>
@@ -26,28 +26,31 @@
     <p:sldId id="275" r:id="rId17"/>
     <p:sldId id="298" r:id="rId18"/>
     <p:sldId id="276" r:id="rId19"/>
-    <p:sldId id="264" r:id="rId20"/>
-    <p:sldId id="277" r:id="rId21"/>
-    <p:sldId id="285" r:id="rId22"/>
-    <p:sldId id="295" r:id="rId23"/>
-    <p:sldId id="265" r:id="rId24"/>
-    <p:sldId id="279" r:id="rId25"/>
-    <p:sldId id="282" r:id="rId26"/>
-    <p:sldId id="280" r:id="rId27"/>
-    <p:sldId id="301" r:id="rId28"/>
-    <p:sldId id="283" r:id="rId29"/>
-    <p:sldId id="291" r:id="rId30"/>
-    <p:sldId id="302" r:id="rId31"/>
-    <p:sldId id="281" r:id="rId32"/>
-    <p:sldId id="300" r:id="rId33"/>
-    <p:sldId id="287" r:id="rId34"/>
-    <p:sldId id="303" r:id="rId35"/>
-    <p:sldId id="288" r:id="rId36"/>
-    <p:sldId id="304" r:id="rId37"/>
-    <p:sldId id="289" r:id="rId38"/>
-    <p:sldId id="299" r:id="rId39"/>
-    <p:sldId id="290" r:id="rId40"/>
-    <p:sldId id="266" r:id="rId41"/>
+    <p:sldId id="309" r:id="rId20"/>
+    <p:sldId id="264" r:id="rId21"/>
+    <p:sldId id="277" r:id="rId22"/>
+    <p:sldId id="285" r:id="rId23"/>
+    <p:sldId id="295" r:id="rId24"/>
+    <p:sldId id="311" r:id="rId25"/>
+    <p:sldId id="265" r:id="rId26"/>
+    <p:sldId id="279" r:id="rId27"/>
+    <p:sldId id="282" r:id="rId28"/>
+    <p:sldId id="280" r:id="rId29"/>
+    <p:sldId id="301" r:id="rId30"/>
+    <p:sldId id="283" r:id="rId31"/>
+    <p:sldId id="291" r:id="rId32"/>
+    <p:sldId id="302" r:id="rId33"/>
+    <p:sldId id="281" r:id="rId34"/>
+    <p:sldId id="300" r:id="rId35"/>
+    <p:sldId id="287" r:id="rId36"/>
+    <p:sldId id="303" r:id="rId37"/>
+    <p:sldId id="288" r:id="rId38"/>
+    <p:sldId id="304" r:id="rId39"/>
+    <p:sldId id="289" r:id="rId40"/>
+    <p:sldId id="310" r:id="rId41"/>
+    <p:sldId id="299" r:id="rId42"/>
+    <p:sldId id="290" r:id="rId43"/>
+    <p:sldId id="266" r:id="rId44"/>
   </p:sldIdLst>
   <p:sldSz cx="9144000" cy="6858000" type="screen4x3"/>
   <p:notesSz cx="6858000" cy="9144000"/>
@@ -232,7 +235,7 @@
             <a:fld id="{D579512F-5032-4F9D-8BC7-C321A60EEFEA}" type="datetimeFigureOut">
               <a:rPr lang="en-US" smtClean="0"/>
               <a:pPr/>
-              <a:t>4/23/2009</a:t>
+              <a:t>4/24/2009</a:t>
             </a:fld>
             <a:endParaRPr lang="en-US"/>
           </a:p>
@@ -974,7 +977,7 @@
             <a:fld id="{6D11F7CA-E56A-464B-A398-B0F3C7D3A8C7}" type="slidenum">
               <a:rPr lang="en-US" smtClean="0"/>
               <a:pPr/>
-              <a:t>23</a:t>
+              <a:t>25</a:t>
             </a:fld>
             <a:endParaRPr lang="en-US"/>
           </a:p>
@@ -1083,7 +1086,7 @@
             <a:fld id="{6D11F7CA-E56A-464B-A398-B0F3C7D3A8C7}" type="slidenum">
               <a:rPr lang="en-US" smtClean="0"/>
               <a:pPr/>
-              <a:t>31</a:t>
+              <a:t>33</a:t>
             </a:fld>
             <a:endParaRPr lang="en-US"/>
           </a:p>
@@ -1178,7 +1181,99 @@
             <a:fld id="{6D11F7CA-E56A-464B-A398-B0F3C7D3A8C7}" type="slidenum">
               <a:rPr lang="en-US" smtClean="0"/>
               <a:pPr/>
-              <a:t>37</a:t>
+              <a:t>39</a:t>
+            </a:fld>
+            <a:endParaRPr lang="en-US"/>
+          </a:p>
+        </p:txBody>
+      </p:sp>
+    </p:spTree>
+  </p:cSld>
+  <p:clrMapOvr>
+    <a:masterClrMapping/>
+  </p:clrMapOvr>
+</p:notes>
+</file>
+
+<file path=ppt/notesSlides/notesSlide8.xml><?xml version="1.0" encoding="utf-8"?>
+<p:notes xmlns:a="http://schemas.openxmlformats.org/drawingml/2006/main" xmlns:r="http://schemas.openxmlformats.org/officeDocument/2006/relationships" xmlns:p="http://schemas.openxmlformats.org/presentationml/2006/main">
+  <p:cSld>
+    <p:spTree>
+      <p:nvGrpSpPr>
+        <p:cNvPr id="1" name=""/>
+        <p:cNvGrpSpPr/>
+        <p:nvPr/>
+      </p:nvGrpSpPr>
+      <p:grpSpPr>
+        <a:xfrm>
+          <a:off x="0" y="0"/>
+          <a:ext cx="0" cy="0"/>
+          <a:chOff x="0" y="0"/>
+          <a:chExt cx="0" cy="0"/>
+        </a:xfrm>
+      </p:grpSpPr>
+      <p:sp>
+        <p:nvSpPr>
+          <p:cNvPr id="2" name="Slide Image Placeholder 1"/>
+          <p:cNvSpPr>
+            <a:spLocks noGrp="1" noRot="1" noChangeAspect="1"/>
+          </p:cNvSpPr>
+          <p:nvPr>
+            <p:ph type="sldImg"/>
+          </p:nvPr>
+        </p:nvSpPr>
+        <p:spPr/>
+      </p:sp>
+      <p:sp>
+        <p:nvSpPr>
+          <p:cNvPr id="3" name="Notes Placeholder 2"/>
+          <p:cNvSpPr>
+            <a:spLocks noGrp="1"/>
+          </p:cNvSpPr>
+          <p:nvPr>
+            <p:ph type="body" idx="1"/>
+          </p:nvPr>
+        </p:nvSpPr>
+        <p:spPr/>
+        <p:txBody>
+          <a:bodyPr>
+            <a:normAutofit/>
+          </a:bodyPr>
+          <a:lstStyle/>
+          <a:p>
+            <a:r>
+              <a:rPr lang="en-US" dirty="0" smtClean="0"/>
+              <a:t>Here, need to talk to the desire to understand images by their relationship</a:t>
+            </a:r>
+            <a:r>
+              <a:rPr lang="en-US" baseline="0" dirty="0" smtClean="0"/>
+              <a:t> to the PCA basis.</a:t>
+            </a:r>
+          </a:p>
+          <a:p>
+            <a:endParaRPr lang="en-US" dirty="0"/>
+          </a:p>
+        </p:txBody>
+      </p:sp>
+      <p:sp>
+        <p:nvSpPr>
+          <p:cNvPr id="4" name="Slide Number Placeholder 3"/>
+          <p:cNvSpPr>
+            <a:spLocks noGrp="1"/>
+          </p:cNvSpPr>
+          <p:nvPr>
+            <p:ph type="sldNum" sz="quarter" idx="10"/>
+          </p:nvPr>
+        </p:nvSpPr>
+        <p:spPr/>
+        <p:txBody>
+          <a:bodyPr/>
+          <a:lstStyle/>
+          <a:p>
+            <a:fld id="{6D11F7CA-E56A-464B-A398-B0F3C7D3A8C7}" type="slidenum">
+              <a:rPr lang="en-US" smtClean="0"/>
+              <a:pPr/>
+              <a:t>40</a:t>
             </a:fld>
             <a:endParaRPr lang="en-US"/>
           </a:p>
@@ -1851,7 +1946,7 @@
             <a:fld id="{1D8BD707-D9CF-40AE-B4C6-C98DA3205C09}" type="datetimeFigureOut">
               <a:rPr lang="en-US" smtClean="0"/>
               <a:pPr/>
-              <a:t>4/23/2009</a:t>
+              <a:t>4/24/2009</a:t>
             </a:fld>
             <a:endParaRPr lang="en-US"/>
           </a:p>
@@ -2036,7 +2131,7 @@
             <a:fld id="{1D8BD707-D9CF-40AE-B4C6-C98DA3205C09}" type="datetimeFigureOut">
               <a:rPr lang="en-US" smtClean="0"/>
               <a:pPr/>
-              <a:t>4/23/2009</a:t>
+              <a:t>4/24/2009</a:t>
             </a:fld>
             <a:endParaRPr lang="en-US"/>
           </a:p>
@@ -2213,7 +2308,7 @@
             <a:fld id="{1D8BD707-D9CF-40AE-B4C6-C98DA3205C09}" type="datetimeFigureOut">
               <a:rPr lang="en-US" smtClean="0"/>
               <a:pPr/>
-              <a:t>4/23/2009</a:t>
+              <a:t>4/24/2009</a:t>
             </a:fld>
             <a:endParaRPr lang="en-US"/>
           </a:p>
@@ -2380,7 +2475,7 @@
             <a:fld id="{1D8BD707-D9CF-40AE-B4C6-C98DA3205C09}" type="datetimeFigureOut">
               <a:rPr lang="en-US" smtClean="0"/>
               <a:pPr/>
-              <a:t>4/23/2009</a:t>
+              <a:t>4/24/2009</a:t>
             </a:fld>
             <a:endParaRPr lang="en-US"/>
           </a:p>
@@ -2603,7 +2698,7 @@
             <a:fld id="{1D8BD707-D9CF-40AE-B4C6-C98DA3205C09}" type="datetimeFigureOut">
               <a:rPr lang="en-US" smtClean="0"/>
               <a:pPr/>
-              <a:t>4/23/2009</a:t>
+              <a:t>4/24/2009</a:t>
             </a:fld>
             <a:endParaRPr lang="en-US"/>
           </a:p>
@@ -2864,7 +2959,7 @@
             <a:fld id="{1D8BD707-D9CF-40AE-B4C6-C98DA3205C09}" type="datetimeFigureOut">
               <a:rPr lang="en-US" smtClean="0"/>
               <a:pPr/>
-              <a:t>4/23/2009</a:t>
+              <a:t>4/24/2009</a:t>
             </a:fld>
             <a:endParaRPr lang="en-US"/>
           </a:p>
@@ -3270,7 +3365,7 @@
             <a:fld id="{1D8BD707-D9CF-40AE-B4C6-C98DA3205C09}" type="datetimeFigureOut">
               <a:rPr lang="en-US" smtClean="0"/>
               <a:pPr/>
-              <a:t>4/23/2009</a:t>
+              <a:t>4/24/2009</a:t>
             </a:fld>
             <a:endParaRPr lang="en-US"/>
           </a:p>
@@ -3403,7 +3498,7 @@
             <a:fld id="{1D8BD707-D9CF-40AE-B4C6-C98DA3205C09}" type="datetimeFigureOut">
               <a:rPr lang="en-US" smtClean="0"/>
               <a:pPr/>
-              <a:t>4/23/2009</a:t>
+              <a:t>4/24/2009</a:t>
             </a:fld>
             <a:endParaRPr lang="en-US"/>
           </a:p>
@@ -3505,7 +3600,7 @@
             <a:fld id="{1D8BD707-D9CF-40AE-B4C6-C98DA3205C09}" type="datetimeFigureOut">
               <a:rPr lang="en-US" smtClean="0"/>
               <a:pPr/>
-              <a:t>4/23/2009</a:t>
+              <a:t>4/24/2009</a:t>
             </a:fld>
             <a:endParaRPr lang="en-US"/>
           </a:p>
@@ -3752,7 +3847,7 @@
             <a:fld id="{1D8BD707-D9CF-40AE-B4C6-C98DA3205C09}" type="datetimeFigureOut">
               <a:rPr lang="en-US" smtClean="0"/>
               <a:pPr/>
-              <a:t>4/23/2009</a:t>
+              <a:t>4/24/2009</a:t>
             </a:fld>
             <a:endParaRPr lang="en-US"/>
           </a:p>
@@ -3998,7 +4093,7 @@
             <a:fld id="{1D8BD707-D9CF-40AE-B4C6-C98DA3205C09}" type="datetimeFigureOut">
               <a:rPr lang="en-US" smtClean="0"/>
               <a:pPr/>
-              <a:t>4/23/2009</a:t>
+              <a:t>4/24/2009</a:t>
             </a:fld>
             <a:endParaRPr lang="en-US"/>
           </a:p>
@@ -4824,7 +4919,7 @@
             <a:fld id="{1D8BD707-D9CF-40AE-B4C6-C98DA3205C09}" type="datetimeFigureOut">
               <a:rPr lang="en-US" smtClean="0"/>
               <a:pPr/>
-              <a:t>4/23/2009</a:t>
+              <a:t>4/24/2009</a:t>
             </a:fld>
             <a:endParaRPr lang="en-US"/>
           </a:p>
@@ -6381,7 +6476,11 @@
           <a:p>
             <a:r>
               <a:rPr lang="en-US" dirty="0" smtClean="0"/>
-              <a:t>But what do we take PCA of?</a:t>
+              <a:t>What do </a:t>
+            </a:r>
+            <a:r>
+              <a:rPr lang="en-US" dirty="0" smtClean="0"/>
+              <a:t>we take PCA of?</a:t>
             </a:r>
             <a:endParaRPr lang="en-US" dirty="0"/>
           </a:p>
@@ -7131,7 +7230,15 @@
           <a:p>
             <a:r>
               <a:rPr lang="en-US" dirty="0" smtClean="0"/>
-              <a:t>How do we display results?</a:t>
+              <a:t>What </a:t>
+            </a:r>
+            <a:r>
+              <a:rPr lang="en-US" dirty="0" smtClean="0"/>
+              <a:t>do </a:t>
+            </a:r>
+            <a:r>
+              <a:rPr lang="en-US" dirty="0" smtClean="0"/>
+              <a:t>we take PCA of?</a:t>
             </a:r>
             <a:endParaRPr lang="en-US" dirty="0"/>
           </a:p>
@@ -7149,94 +7256,49 @@
         </p:nvSpPr>
         <p:spPr/>
         <p:txBody>
-          <a:bodyPr>
-            <a:normAutofit fontScale="77500" lnSpcReduction="20000"/>
-          </a:bodyPr>
-          <a:lstStyle/>
-          <a:p>
-            <a:r>
-              <a:rPr lang="en-US" dirty="0" smtClean="0"/>
-              <a:t>Image montage – show most interesting images </a:t>
-            </a:r>
-          </a:p>
-          <a:p>
-            <a:pPr lvl="1"/>
-            <a:r>
-              <a:rPr lang="en-US" dirty="0" smtClean="0"/>
-              <a:t>Highest value of some score</a:t>
-            </a:r>
-          </a:p>
-          <a:p>
+          <a:bodyPr/>
+          <a:lstStyle/>
+          <a:p>
+            <a:r>
+              <a:rPr lang="en-US" dirty="0" smtClean="0"/>
+              <a:t>Daytime </a:t>
+            </a:r>
+            <a:r>
+              <a:rPr lang="en-US" dirty="0" smtClean="0"/>
+              <a:t>images - yes</a:t>
+            </a:r>
             <a:endParaRPr lang="en-US" dirty="0" smtClean="0"/>
           </a:p>
           <a:p>
             <a:endParaRPr lang="en-US" dirty="0" smtClean="0"/>
           </a:p>
           <a:p>
+            <a:r>
+              <a:rPr lang="en-US" dirty="0" smtClean="0"/>
+              <a:t>Sky </a:t>
+            </a:r>
+            <a:r>
+              <a:rPr lang="en-US" dirty="0" smtClean="0"/>
+              <a:t>Mask - yes</a:t>
+            </a:r>
             <a:endParaRPr lang="en-US" dirty="0" smtClean="0"/>
           </a:p>
           <a:p>
             <a:endParaRPr lang="en-US" dirty="0" smtClean="0"/>
           </a:p>
           <a:p>
-            <a:endParaRPr lang="en-US" dirty="0" smtClean="0"/>
-          </a:p>
-          <a:p>
-            <a:endParaRPr lang="en-US" dirty="0" smtClean="0"/>
-          </a:p>
-          <a:p>
-            <a:endParaRPr lang="en-US" dirty="0" smtClean="0"/>
-          </a:p>
-          <a:p>
-            <a:endParaRPr lang="en-US" dirty="0" smtClean="0"/>
-          </a:p>
-          <a:p>
-            <a:pPr>
-              <a:buNone/>
-            </a:pPr>
-            <a:endParaRPr lang="en-US" dirty="0" smtClean="0"/>
-          </a:p>
-          <a:p>
-            <a:r>
-              <a:rPr lang="en-US" dirty="0" smtClean="0"/>
-              <a:t>Well-Separated Set Montage</a:t>
-            </a:r>
-          </a:p>
-          <a:p>
-            <a:r>
-              <a:rPr lang="en-US" dirty="0" smtClean="0"/>
-              <a:t>2D GUI</a:t>
+            <a:r>
+              <a:rPr lang="en-US" dirty="0" smtClean="0"/>
+              <a:t>Gradient Magnitude </a:t>
+            </a:r>
+            <a:r>
+              <a:rPr lang="en-US" dirty="0" smtClean="0"/>
+              <a:t>Images - no</a:t>
             </a:r>
             <a:endParaRPr lang="en-US" dirty="0"/>
           </a:p>
         </p:txBody>
       </p:sp>
-      <p:pic>
-        <p:nvPicPr>
-          <p:cNvPr id="4098" name="Picture 2" descr="C:\Documents and Settings\gpu\Desktop\David Ross\davidrossmastersproject\mastersProject\writeup\figures\golfMontageNaive.jpg"/>
-          <p:cNvPicPr>
-            <a:picLocks noChangeAspect="1" noChangeArrowheads="1"/>
-          </p:cNvPicPr>
-          <p:nvPr/>
-        </p:nvPicPr>
-        <p:blipFill>
-          <a:blip r:embed="rId2"/>
-          <a:srcRect l="14202" t="1546" r="13905" b="4128"/>
-          <a:stretch>
-            <a:fillRect/>
-          </a:stretch>
-        </p:blipFill>
-        <p:spPr bwMode="auto">
-          <a:xfrm>
-            <a:off x="2438400" y="2895600"/>
-            <a:ext cx="3352800" cy="2524948"/>
-          </a:xfrm>
-          <a:prstGeom prst="rect">
-            <a:avLst/>
-          </a:prstGeom>
-          <a:noFill/>
-        </p:spPr>
-      </p:pic>
     </p:spTree>
   </p:cSld>
   <p:clrMapOvr>
@@ -7373,7 +7435,7 @@
             <a:pPr lvl="1"/>
             <a:r>
               <a:rPr lang="en-US" dirty="0" smtClean="0"/>
-              <a:t>and others</a:t>
+              <a:t>others</a:t>
             </a:r>
             <a:endParaRPr lang="en-US" dirty="0"/>
           </a:p>
@@ -7395,6 +7457,161 @@
 </file>
 
 <file path=ppt/slides/slide20.xml><?xml version="1.0" encoding="utf-8"?>
+<p:sld xmlns:a="http://schemas.openxmlformats.org/drawingml/2006/main" xmlns:r="http://schemas.openxmlformats.org/officeDocument/2006/relationships" xmlns:p="http://schemas.openxmlformats.org/presentationml/2006/main">
+  <p:cSld>
+    <p:spTree>
+      <p:nvGrpSpPr>
+        <p:cNvPr id="1" name=""/>
+        <p:cNvGrpSpPr/>
+        <p:nvPr/>
+      </p:nvGrpSpPr>
+      <p:grpSpPr>
+        <a:xfrm>
+          <a:off x="0" y="0"/>
+          <a:ext cx="0" cy="0"/>
+          <a:chOff x="0" y="0"/>
+          <a:chExt cx="0" cy="0"/>
+        </a:xfrm>
+      </p:grpSpPr>
+      <p:sp>
+        <p:nvSpPr>
+          <p:cNvPr id="2" name="Title 1"/>
+          <p:cNvSpPr>
+            <a:spLocks noGrp="1"/>
+          </p:cNvSpPr>
+          <p:nvPr>
+            <p:ph type="title"/>
+          </p:nvPr>
+        </p:nvSpPr>
+        <p:spPr/>
+        <p:txBody>
+          <a:bodyPr/>
+          <a:lstStyle/>
+          <a:p>
+            <a:r>
+              <a:rPr lang="en-US" dirty="0" smtClean="0"/>
+              <a:t>How do we display results?</a:t>
+            </a:r>
+            <a:endParaRPr lang="en-US" dirty="0"/>
+          </a:p>
+        </p:txBody>
+      </p:sp>
+      <p:sp>
+        <p:nvSpPr>
+          <p:cNvPr id="3" name="Content Placeholder 2"/>
+          <p:cNvSpPr>
+            <a:spLocks noGrp="1"/>
+          </p:cNvSpPr>
+          <p:nvPr>
+            <p:ph idx="1"/>
+          </p:nvPr>
+        </p:nvSpPr>
+        <p:spPr/>
+        <p:txBody>
+          <a:bodyPr>
+            <a:normAutofit fontScale="77500" lnSpcReduction="20000"/>
+          </a:bodyPr>
+          <a:lstStyle/>
+          <a:p>
+            <a:r>
+              <a:rPr lang="en-US" dirty="0" smtClean="0"/>
+              <a:t>Image montage – show most interesting images </a:t>
+            </a:r>
+          </a:p>
+          <a:p>
+            <a:pPr lvl="1"/>
+            <a:r>
+              <a:rPr lang="en-US" dirty="0" smtClean="0"/>
+              <a:t>Highest value of some score</a:t>
+            </a:r>
+          </a:p>
+          <a:p>
+            <a:endParaRPr lang="en-US" dirty="0" smtClean="0"/>
+          </a:p>
+          <a:p>
+            <a:endParaRPr lang="en-US" dirty="0" smtClean="0"/>
+          </a:p>
+          <a:p>
+            <a:endParaRPr lang="en-US" dirty="0" smtClean="0"/>
+          </a:p>
+          <a:p>
+            <a:endParaRPr lang="en-US" dirty="0" smtClean="0"/>
+          </a:p>
+          <a:p>
+            <a:endParaRPr lang="en-US" dirty="0" smtClean="0"/>
+          </a:p>
+          <a:p>
+            <a:endParaRPr lang="en-US" dirty="0" smtClean="0"/>
+          </a:p>
+          <a:p>
+            <a:endParaRPr lang="en-US" dirty="0" smtClean="0"/>
+          </a:p>
+          <a:p>
+            <a:endParaRPr lang="en-US" dirty="0" smtClean="0"/>
+          </a:p>
+          <a:p>
+            <a:pPr>
+              <a:buNone/>
+            </a:pPr>
+            <a:endParaRPr lang="en-US" dirty="0" smtClean="0"/>
+          </a:p>
+          <a:p>
+            <a:r>
+              <a:rPr lang="en-US" dirty="0" smtClean="0"/>
+              <a:t>Well-Separated Set Montage</a:t>
+            </a:r>
+          </a:p>
+          <a:p>
+            <a:r>
+              <a:rPr lang="en-US" dirty="0" smtClean="0"/>
+              <a:t>2D GUI</a:t>
+            </a:r>
+            <a:endParaRPr lang="en-US" dirty="0"/>
+          </a:p>
+        </p:txBody>
+      </p:sp>
+      <p:pic>
+        <p:nvPicPr>
+          <p:cNvPr id="4098" name="Picture 2" descr="C:\Documents and Settings\gpu\Desktop\David Ross\davidrossmastersproject\mastersProject\writeup\figures\golfMontageNaive.jpg"/>
+          <p:cNvPicPr>
+            <a:picLocks noChangeAspect="1" noChangeArrowheads="1"/>
+          </p:cNvPicPr>
+          <p:nvPr/>
+        </p:nvPicPr>
+        <p:blipFill>
+          <a:blip r:embed="rId2"/>
+          <a:srcRect l="14202" t="1546" r="13905" b="4128"/>
+          <a:stretch>
+            <a:fillRect/>
+          </a:stretch>
+        </p:blipFill>
+        <p:spPr bwMode="auto">
+          <a:xfrm>
+            <a:off x="2438400" y="2895600"/>
+            <a:ext cx="3352800" cy="2524948"/>
+          </a:xfrm>
+          <a:prstGeom prst="rect">
+            <a:avLst/>
+          </a:prstGeom>
+          <a:noFill/>
+        </p:spPr>
+      </p:pic>
+    </p:spTree>
+  </p:cSld>
+  <p:clrMapOvr>
+    <a:masterClrMapping/>
+  </p:clrMapOvr>
+  <p:timing>
+    <p:tnLst>
+      <p:par>
+        <p:cTn id="1" dur="indefinite" restart="never" nodeType="tmRoot"/>
+      </p:par>
+    </p:tnLst>
+  </p:timing>
+</p:sld>
+</file>
+
+<file path=ppt/slides/slide21.xml><?xml version="1.0" encoding="utf-8"?>
 <p:sld xmlns:a="http://schemas.openxmlformats.org/drawingml/2006/main" xmlns:r="http://schemas.openxmlformats.org/officeDocument/2006/relationships" xmlns:p="http://schemas.openxmlformats.org/presentationml/2006/main">
   <p:cSld>
     <p:spTree>
@@ -7602,7 +7819,7 @@
 </p:sld>
 </file>
 
-<file path=ppt/slides/slide21.xml><?xml version="1.0" encoding="utf-8"?>
+<file path=ppt/slides/slide22.xml><?xml version="1.0" encoding="utf-8"?>
 <p:sld xmlns:a="http://schemas.openxmlformats.org/drawingml/2006/main" xmlns:r="http://schemas.openxmlformats.org/officeDocument/2006/relationships" xmlns:p="http://schemas.openxmlformats.org/presentationml/2006/main">
   <p:cSld>
     <p:spTree>
@@ -7676,110 +7893,6 @@
           <a:xfrm>
             <a:off x="609600" y="762000"/>
             <a:ext cx="7848600" cy="5943600"/>
-          </a:xfrm>
-          <a:prstGeom prst="rect">
-            <a:avLst/>
-          </a:prstGeom>
-          <a:noFill/>
-        </p:spPr>
-      </p:pic>
-    </p:spTree>
-  </p:cSld>
-  <p:clrMapOvr>
-    <a:masterClrMapping/>
-  </p:clrMapOvr>
-  <p:timing>
-    <p:tnLst>
-      <p:par>
-        <p:cTn id="1" dur="indefinite" restart="never" nodeType="tmRoot"/>
-      </p:par>
-    </p:tnLst>
-  </p:timing>
-</p:sld>
-</file>
-
-<file path=ppt/slides/slide22.xml><?xml version="1.0" encoding="utf-8"?>
-<p:sld xmlns:a="http://schemas.openxmlformats.org/drawingml/2006/main" xmlns:r="http://schemas.openxmlformats.org/officeDocument/2006/relationships" xmlns:p="http://schemas.openxmlformats.org/presentationml/2006/main">
-  <p:cSld>
-    <p:spTree>
-      <p:nvGrpSpPr>
-        <p:cNvPr id="1" name=""/>
-        <p:cNvGrpSpPr/>
-        <p:nvPr/>
-      </p:nvGrpSpPr>
-      <p:grpSpPr>
-        <a:xfrm>
-          <a:off x="0" y="0"/>
-          <a:ext cx="0" cy="0"/>
-          <a:chOff x="0" y="0"/>
-          <a:chExt cx="0" cy="0"/>
-        </a:xfrm>
-      </p:grpSpPr>
-      <p:sp>
-        <p:nvSpPr>
-          <p:cNvPr id="2" name="Title 1"/>
-          <p:cNvSpPr>
-            <a:spLocks noGrp="1"/>
-          </p:cNvSpPr>
-          <p:nvPr>
-            <p:ph type="title"/>
-          </p:nvPr>
-        </p:nvSpPr>
-        <p:spPr/>
-        <p:txBody>
-          <a:bodyPr/>
-          <a:lstStyle/>
-          <a:p>
-            <a:r>
-              <a:rPr lang="en-US" dirty="0" smtClean="0"/>
-              <a:t>2D GUI</a:t>
-            </a:r>
-            <a:endParaRPr lang="en-US" dirty="0"/>
-          </a:p>
-        </p:txBody>
-      </p:sp>
-      <p:sp>
-        <p:nvSpPr>
-          <p:cNvPr id="3" name="Content Placeholder 2"/>
-          <p:cNvSpPr>
-            <a:spLocks noGrp="1"/>
-          </p:cNvSpPr>
-          <p:nvPr>
-            <p:ph idx="1"/>
-          </p:nvPr>
-        </p:nvSpPr>
-        <p:spPr/>
-        <p:txBody>
-          <a:bodyPr/>
-          <a:lstStyle/>
-          <a:p>
-            <a:r>
-              <a:rPr lang="en-US" dirty="0" smtClean="0"/>
-              <a:t>Explore two dimensions at once (example later)</a:t>
-            </a:r>
-            <a:endParaRPr lang="en-US" dirty="0"/>
-          </a:p>
-        </p:txBody>
-      </p:sp>
-      <p:pic>
-        <p:nvPicPr>
-          <p:cNvPr id="1026" name="Picture 2" descr="C:\Documents and Settings\gpu\Desktop\David Ross\davidrossmastersproject\mastersProject\writeup\figures\2dGui.jpg"/>
-          <p:cNvPicPr>
-            <a:picLocks noChangeAspect="1" noChangeArrowheads="1"/>
-          </p:cNvPicPr>
-          <p:nvPr/>
-        </p:nvPicPr>
-        <p:blipFill>
-          <a:blip r:embed="rId2"/>
-          <a:srcRect l="8787" t="2093" r="7796" b="3517"/>
-          <a:stretch>
-            <a:fillRect/>
-          </a:stretch>
-        </p:blipFill>
-        <p:spPr bwMode="auto">
-          <a:xfrm>
-            <a:off x="762000" y="2895600"/>
-            <a:ext cx="7086600" cy="3443955"/>
           </a:xfrm>
           <a:prstGeom prst="rect">
             <a:avLst/>
@@ -7836,7 +7949,7 @@
           <a:p>
             <a:r>
               <a:rPr lang="en-US" dirty="0" smtClean="0"/>
-              <a:t>How do we evaluate images?</a:t>
+              <a:t>2D GUI</a:t>
             </a:r>
             <a:endParaRPr lang="en-US" dirty="0"/>
           </a:p>
@@ -7859,40 +7972,38 @@
           <a:p>
             <a:r>
               <a:rPr lang="en-US" dirty="0" smtClean="0"/>
-              <a:t>PCA will capture the uninteresting variation, need to analyze the error to find interesting variation</a:t>
-            </a:r>
-          </a:p>
-          <a:p>
-            <a:pPr lvl="1"/>
-            <a:r>
-              <a:rPr lang="en-US" dirty="0" smtClean="0"/>
-              <a:t>Coefficient Vector Magnitude</a:t>
-            </a:r>
-          </a:p>
-          <a:p>
-            <a:pPr lvl="1"/>
-            <a:r>
-              <a:rPr lang="en-US" dirty="0" smtClean="0"/>
-              <a:t>Reconstruction Error</a:t>
-            </a:r>
-          </a:p>
-          <a:p>
-            <a:pPr lvl="1"/>
-            <a:r>
-              <a:rPr lang="en-US" dirty="0" smtClean="0"/>
-              <a:t>Variance Model</a:t>
-            </a:r>
-          </a:p>
-          <a:p>
-            <a:pPr lvl="1"/>
-            <a:r>
-              <a:rPr lang="en-US" dirty="0" smtClean="0"/>
-              <a:t>Distribution of Residuals</a:t>
+              <a:t>Explore two dimensions at once (example later)</a:t>
             </a:r>
             <a:endParaRPr lang="en-US" dirty="0"/>
           </a:p>
         </p:txBody>
       </p:sp>
+      <p:pic>
+        <p:nvPicPr>
+          <p:cNvPr id="1026" name="Picture 2" descr="C:\Documents and Settings\gpu\Desktop\David Ross\davidrossmastersproject\mastersProject\writeup\figures\2dGui.jpg"/>
+          <p:cNvPicPr>
+            <a:picLocks noChangeAspect="1" noChangeArrowheads="1"/>
+          </p:cNvPicPr>
+          <p:nvPr/>
+        </p:nvPicPr>
+        <p:blipFill>
+          <a:blip r:embed="rId2"/>
+          <a:srcRect l="8787" t="2093" r="7796" b="3517"/>
+          <a:stretch>
+            <a:fillRect/>
+          </a:stretch>
+        </p:blipFill>
+        <p:spPr bwMode="auto">
+          <a:xfrm>
+            <a:off x="762000" y="2895600"/>
+            <a:ext cx="7086600" cy="3443955"/>
+          </a:xfrm>
+          <a:prstGeom prst="rect">
+            <a:avLst/>
+          </a:prstGeom>
+          <a:noFill/>
+        </p:spPr>
+      </p:pic>
     </p:spTree>
   </p:cSld>
   <p:clrMapOvr>
@@ -7942,7 +8053,7 @@
           <a:p>
             <a:r>
               <a:rPr lang="en-US" dirty="0" smtClean="0"/>
-              <a:t>PCA Coefficient Vector Magnitude</a:t>
+              <a:t>How do we display results?</a:t>
             </a:r>
             <a:endParaRPr lang="en-US" dirty="0"/>
           </a:p>
@@ -7966,69 +8077,45 @@
           <a:lstStyle/>
           <a:p>
             <a:r>
-              <a:rPr lang="en-US" sz="1800" dirty="0" smtClean="0"/>
-              <a:t>D (:,x) ~= U S V(x,</a:t>
-            </a:r>
-            <a:r>
-              <a:rPr lang="en-US" sz="1800" dirty="0" smtClean="0">
-                <a:sym typeface="Wingdings" pitchFamily="2" charset="2"/>
-              </a:rPr>
-              <a:t>:)</a:t>
-            </a:r>
-            <a:endParaRPr lang="en-US" sz="1800" dirty="0" smtClean="0"/>
-          </a:p>
-          <a:p>
-            <a:r>
-              <a:rPr lang="en-US" sz="1800" dirty="0" smtClean="0"/>
-              <a:t>S * V(x,:) is a vector of dimension k corresponding to the linear combination of U columns that best approximates D(:,x)</a:t>
-            </a:r>
-          </a:p>
-          <a:p>
-            <a:r>
-              <a:rPr lang="en-US" sz="1800" dirty="0" smtClean="0"/>
-              <a:t>D is mean subtracted so</a:t>
-            </a:r>
-          </a:p>
-          <a:p>
-            <a:r>
-              <a:rPr lang="en-US" sz="1800" dirty="0" smtClean="0"/>
-              <a:t>||SV(x,:)|| gives a measure of how far from the mean image is each image</a:t>
-            </a:r>
-          </a:p>
-          <a:p>
-            <a:endParaRPr lang="en-US" sz="1800" dirty="0" smtClean="0"/>
-          </a:p>
-          <a:p>
-            <a:endParaRPr lang="en-US" sz="1800" dirty="0" smtClean="0"/>
-          </a:p>
-        </p:txBody>
-      </p:sp>
-      <p:pic>
-        <p:nvPicPr>
-          <p:cNvPr id="4" name="Picture 4" descr="C:\Documents and Settings\gpu\Desktop\David Ross\davidrossmastersproject\mastersProject\writeup\figures\vectorMagnitudeMean.jpg"/>
-          <p:cNvPicPr>
-            <a:picLocks noChangeAspect="1" noChangeArrowheads="1"/>
-          </p:cNvPicPr>
-          <p:nvPr/>
-        </p:nvPicPr>
-        <p:blipFill>
-          <a:blip r:embed="rId2"/>
-          <a:srcRect l="12660" t="7234" r="7762" b="10776"/>
-          <a:stretch>
-            <a:fillRect/>
-          </a:stretch>
-        </p:blipFill>
-        <p:spPr bwMode="auto">
-          <a:xfrm>
-            <a:off x="2819400" y="3962400"/>
-            <a:ext cx="3352800" cy="2590800"/>
-          </a:xfrm>
-          <a:prstGeom prst="rect">
-            <a:avLst/>
-          </a:prstGeom>
-          <a:noFill/>
-        </p:spPr>
-      </p:pic>
+              <a:rPr lang="en-US" dirty="0" smtClean="0"/>
+              <a:t>Image montage – </a:t>
+            </a:r>
+            <a:r>
+              <a:rPr lang="en-US" dirty="0" smtClean="0"/>
+              <a:t>good</a:t>
+            </a:r>
+            <a:endParaRPr lang="en-US" dirty="0" smtClean="0"/>
+          </a:p>
+          <a:p>
+            <a:endParaRPr lang="en-US" dirty="0" smtClean="0"/>
+          </a:p>
+          <a:p>
+            <a:r>
+              <a:rPr lang="en-US" dirty="0" smtClean="0"/>
+              <a:t>Well-Separated </a:t>
+            </a:r>
+            <a:r>
+              <a:rPr lang="en-US" dirty="0" smtClean="0"/>
+              <a:t>Set </a:t>
+            </a:r>
+            <a:r>
+              <a:rPr lang="en-US" dirty="0" smtClean="0"/>
+              <a:t>Montage - better</a:t>
+            </a:r>
+            <a:endParaRPr lang="en-US" dirty="0" smtClean="0"/>
+          </a:p>
+          <a:p>
+            <a:endParaRPr lang="en-US" dirty="0" smtClean="0"/>
+          </a:p>
+          <a:p>
+            <a:r>
+              <a:rPr lang="en-US" dirty="0" smtClean="0"/>
+              <a:t>2D GUI - best</a:t>
+            </a:r>
+            <a:endParaRPr lang="en-US" dirty="0"/>
+          </a:p>
+        </p:txBody>
+      </p:sp>
     </p:spTree>
   </p:cSld>
   <p:clrMapOvr>
@@ -8076,7 +8163,11 @@
           <a:bodyPr/>
           <a:lstStyle/>
           <a:p>
-            <a:endParaRPr lang="en-US"/>
+            <a:r>
+              <a:rPr lang="en-US" dirty="0" smtClean="0"/>
+              <a:t>How do we evaluate images?</a:t>
+            </a:r>
+            <a:endParaRPr lang="en-US" dirty="0"/>
           </a:p>
         </p:txBody>
       </p:sp>
@@ -8095,36 +8186,54 @@
           <a:bodyPr/>
           <a:lstStyle/>
           <a:p>
-            <a:endParaRPr lang="en-US"/>
-          </a:p>
-        </p:txBody>
-      </p:sp>
-      <p:pic>
-        <p:nvPicPr>
-          <p:cNvPr id="1029" name="Picture 5" descr="C:\Documents and Settings\gpu\Desktop\David Ross\davidrossmastersproject\mastersProject\writeup\figures\vectorMagnitudeMontage.jpg"/>
-          <p:cNvPicPr>
-            <a:picLocks noChangeAspect="1" noChangeArrowheads="1"/>
-          </p:cNvPicPr>
-          <p:nvPr/>
-        </p:nvPicPr>
-        <p:blipFill>
-          <a:blip r:embed="rId2"/>
-          <a:srcRect l="16393" t="3256" r="16066" b="5563"/>
-          <a:stretch>
-            <a:fillRect/>
-          </a:stretch>
-        </p:blipFill>
-        <p:spPr bwMode="auto">
-          <a:xfrm>
-            <a:off x="457200" y="84337"/>
-            <a:ext cx="8305800" cy="6773663"/>
-          </a:xfrm>
-          <a:prstGeom prst="rect">
-            <a:avLst/>
-          </a:prstGeom>
-          <a:noFill/>
-        </p:spPr>
-      </p:pic>
+            <a:r>
+              <a:rPr lang="en-US" dirty="0" smtClean="0"/>
+              <a:t>PCA will capture the uninteresting variation, need to analyze the error to find interesting variation</a:t>
+            </a:r>
+          </a:p>
+          <a:p>
+            <a:pPr lvl="1"/>
+            <a:r>
+              <a:rPr lang="en-US" dirty="0" smtClean="0"/>
+              <a:t>PCA Basis Coefficient </a:t>
+            </a:r>
+            <a:r>
+              <a:rPr lang="en-US" dirty="0" smtClean="0"/>
+              <a:t>Vector Magnitude</a:t>
+            </a:r>
+          </a:p>
+          <a:p>
+            <a:pPr lvl="1"/>
+            <a:r>
+              <a:rPr lang="en-US" dirty="0" smtClean="0"/>
+              <a:t>Reconstruction </a:t>
+            </a:r>
+            <a:r>
+              <a:rPr lang="en-US" dirty="0" smtClean="0"/>
+              <a:t>Error</a:t>
+            </a:r>
+          </a:p>
+          <a:p>
+            <a:pPr lvl="1"/>
+            <a:r>
+              <a:rPr lang="en-US" dirty="0" smtClean="0"/>
+              <a:t>Variance Model</a:t>
+            </a:r>
+          </a:p>
+          <a:p>
+            <a:pPr lvl="1"/>
+            <a:r>
+              <a:rPr lang="en-US" dirty="0" smtClean="0"/>
+              <a:t>Distribution of </a:t>
+            </a:r>
+            <a:r>
+              <a:rPr lang="en-US" dirty="0" smtClean="0"/>
+              <a:t>Residual Values</a:t>
+            </a:r>
+            <a:endParaRPr lang="en-US" dirty="0"/>
+          </a:p>
+        </p:txBody>
+      </p:sp>
     </p:spTree>
   </p:cSld>
   <p:clrMapOvr>
@@ -8174,7 +8283,7 @@
           <a:p>
             <a:r>
               <a:rPr lang="en-US" dirty="0" smtClean="0"/>
-              <a:t>Residual Error</a:t>
+              <a:t>PCA Coefficient Vector Magnitude</a:t>
             </a:r>
             <a:endParaRPr lang="en-US" dirty="0"/>
           </a:p>
@@ -8192,62 +8301,75 @@
         </p:nvSpPr>
         <p:spPr/>
         <p:txBody>
-          <a:bodyPr/>
-          <a:lstStyle/>
-          <a:p>
-            <a:r>
-              <a:rPr lang="en-US" dirty="0" smtClean="0"/>
-              <a:t>PCA gives a reconstructed image</a:t>
-            </a:r>
-          </a:p>
-          <a:p>
-            <a:r>
-              <a:rPr lang="en-US" dirty="0" err="1" smtClean="0"/>
-              <a:t>I</a:t>
-            </a:r>
-            <a:r>
-              <a:rPr lang="en-US" baseline="-25000" dirty="0" err="1" smtClean="0"/>
-              <a:t>residual</a:t>
-            </a:r>
-            <a:r>
-              <a:rPr lang="en-US" dirty="0" smtClean="0"/>
-              <a:t> = (I – </a:t>
-            </a:r>
-            <a:r>
-              <a:rPr lang="en-US" dirty="0" err="1" smtClean="0"/>
-              <a:t>I</a:t>
-            </a:r>
-            <a:r>
-              <a:rPr lang="en-US" baseline="-25000" dirty="0" err="1" smtClean="0"/>
-              <a:t>mean</a:t>
-            </a:r>
-            <a:r>
-              <a:rPr lang="en-US" baseline="30000" dirty="0" smtClean="0"/>
-              <a:t> </a:t>
-            </a:r>
-            <a:r>
-              <a:rPr lang="en-US" dirty="0" smtClean="0"/>
-              <a:t>) – </a:t>
-            </a:r>
-            <a:r>
-              <a:rPr lang="en-US" dirty="0" err="1" smtClean="0"/>
-              <a:t>I</a:t>
-            </a:r>
-            <a:r>
-              <a:rPr lang="en-US" baseline="-25000" dirty="0" err="1" smtClean="0"/>
-              <a:t>recontsructed</a:t>
-            </a:r>
-            <a:endParaRPr lang="en-US" baseline="-25000" dirty="0" smtClean="0"/>
-          </a:p>
-          <a:p>
-            <a:r>
-              <a:rPr lang="en-US" dirty="0" smtClean="0"/>
-              <a:t> Sum of the squared residual values gives a good measure for “how much variation did we not capture”</a:t>
-            </a:r>
-            <a:endParaRPr lang="en-US" dirty="0"/>
-          </a:p>
-        </p:txBody>
-      </p:sp>
+          <a:bodyPr>
+            <a:normAutofit/>
+          </a:bodyPr>
+          <a:lstStyle/>
+          <a:p>
+            <a:r>
+              <a:rPr lang="en-US" sz="1800" dirty="0" smtClean="0"/>
+              <a:t>D (:,x) ~= U S V(x,</a:t>
+            </a:r>
+            <a:r>
+              <a:rPr lang="en-US" sz="1800" dirty="0" smtClean="0">
+                <a:sym typeface="Wingdings" pitchFamily="2" charset="2"/>
+              </a:rPr>
+              <a:t>:)</a:t>
+            </a:r>
+            <a:endParaRPr lang="en-US" sz="1800" dirty="0" smtClean="0"/>
+          </a:p>
+          <a:p>
+            <a:r>
+              <a:rPr lang="en-US" sz="1800" dirty="0" smtClean="0"/>
+              <a:t>S * V(x,:) is a vector of dimension k corresponding to the linear combination of U columns that best approximates D(:,x)</a:t>
+            </a:r>
+          </a:p>
+          <a:p>
+            <a:r>
+              <a:rPr lang="en-US" sz="1800" dirty="0" smtClean="0"/>
+              <a:t>D is mean subtracted so</a:t>
+            </a:r>
+          </a:p>
+          <a:p>
+            <a:r>
+              <a:rPr lang="en-US" sz="1800" dirty="0" smtClean="0"/>
+              <a:t>||SV(x,:)|| gives a measure of how far from the mean image is each image</a:t>
+            </a:r>
+          </a:p>
+          <a:p>
+            <a:endParaRPr lang="en-US" sz="1800" dirty="0" smtClean="0"/>
+          </a:p>
+          <a:p>
+            <a:endParaRPr lang="en-US" sz="1800" dirty="0" smtClean="0"/>
+          </a:p>
+        </p:txBody>
+      </p:sp>
+      <p:pic>
+        <p:nvPicPr>
+          <p:cNvPr id="4" name="Picture 4" descr="C:\Documents and Settings\gpu\Desktop\David Ross\davidrossmastersproject\mastersProject\writeup\figures\vectorMagnitudeMean.jpg"/>
+          <p:cNvPicPr>
+            <a:picLocks noChangeAspect="1" noChangeArrowheads="1"/>
+          </p:cNvPicPr>
+          <p:nvPr/>
+        </p:nvPicPr>
+        <p:blipFill>
+          <a:blip r:embed="rId2"/>
+          <a:srcRect l="12660" t="7234" r="7762" b="10776"/>
+          <a:stretch>
+            <a:fillRect/>
+          </a:stretch>
+        </p:blipFill>
+        <p:spPr bwMode="auto">
+          <a:xfrm>
+            <a:off x="2819400" y="3962400"/>
+            <a:ext cx="3352800" cy="2590800"/>
+          </a:xfrm>
+          <a:prstGeom prst="rect">
+            <a:avLst/>
+          </a:prstGeom>
+          <a:noFill/>
+        </p:spPr>
+      </p:pic>
     </p:spTree>
   </p:cSld>
   <p:clrMapOvr>
@@ -8320,7 +8442,7 @@
       </p:sp>
       <p:pic>
         <p:nvPicPr>
-          <p:cNvPr id="4" name="Picture 2" descr="C:\Documents and Settings\gpu\Desktop\David Ross\davidrossmastersproject\mastersProject\writeup\figures\residualSSDmontage.jpg"/>
+          <p:cNvPr id="1029" name="Picture 5" descr="C:\Documents and Settings\gpu\Desktop\David Ross\davidrossmastersproject\mastersProject\writeup\figures\vectorMagnitudeMontage.jpg"/>
           <p:cNvPicPr>
             <a:picLocks noChangeAspect="1" noChangeArrowheads="1"/>
           </p:cNvPicPr>
@@ -8328,15 +8450,15 @@
         </p:nvPicPr>
         <p:blipFill>
           <a:blip r:embed="rId2"/>
-          <a:srcRect/>
+          <a:srcRect l="16393" t="3256" r="16066" b="5563"/>
           <a:stretch>
             <a:fillRect/>
           </a:stretch>
         </p:blipFill>
         <p:spPr bwMode="auto">
           <a:xfrm>
-            <a:off x="304800" y="133350"/>
-            <a:ext cx="9025189" cy="6724650"/>
+            <a:off x="457200" y="84337"/>
+            <a:ext cx="8305800" cy="6773663"/>
           </a:xfrm>
           <a:prstGeom prst="rect">
             <a:avLst/>
@@ -8349,6 +8471,13 @@
   <p:clrMapOvr>
     <a:masterClrMapping/>
   </p:clrMapOvr>
+  <p:timing>
+    <p:tnLst>
+      <p:par>
+        <p:cTn id="1" dur="indefinite" restart="never" nodeType="tmRoot"/>
+      </p:par>
+    </p:tnLst>
+  </p:timing>
 </p:sld>
 </file>
 
@@ -8386,7 +8515,7 @@
           <a:p>
             <a:r>
               <a:rPr lang="en-US" dirty="0" smtClean="0"/>
-              <a:t>Variance Model</a:t>
+              <a:t>Residual Error</a:t>
             </a:r>
             <a:endParaRPr lang="en-US" dirty="0"/>
           </a:p>
@@ -8402,50 +8531,64 @@
             <p:ph idx="1"/>
           </p:nvPr>
         </p:nvSpPr>
-        <p:spPr>
-          <a:xfrm>
-            <a:off x="457200" y="2249424"/>
-            <a:ext cx="3581400" cy="4325112"/>
-          </a:xfrm>
-        </p:spPr>
+        <p:spPr/>
         <p:txBody>
           <a:bodyPr/>
           <a:lstStyle/>
           <a:p>
             <a:r>
               <a:rPr lang="en-US" dirty="0" smtClean="0"/>
-              <a:t>Can estimate the variance image of a scene by averaging sum squared residual at each pixel across all images</a:t>
+              <a:t>PCA gives a reconstructed image</a:t>
+            </a:r>
+          </a:p>
+          <a:p>
+            <a:r>
+              <a:rPr lang="en-US" dirty="0" err="1" smtClean="0"/>
+              <a:t>I</a:t>
+            </a:r>
+            <a:r>
+              <a:rPr lang="en-US" baseline="-25000" dirty="0" err="1" smtClean="0"/>
+              <a:t>residual</a:t>
+            </a:r>
+            <a:r>
+              <a:rPr lang="en-US" dirty="0" smtClean="0"/>
+              <a:t> = (I – </a:t>
+            </a:r>
+            <a:r>
+              <a:rPr lang="en-US" dirty="0" err="1" smtClean="0"/>
+              <a:t>I</a:t>
+            </a:r>
+            <a:r>
+              <a:rPr lang="en-US" baseline="-25000" dirty="0" err="1" smtClean="0"/>
+              <a:t>mean</a:t>
+            </a:r>
+            <a:r>
+              <a:rPr lang="en-US" baseline="30000" dirty="0" smtClean="0"/>
+              <a:t> </a:t>
+            </a:r>
+            <a:r>
+              <a:rPr lang="en-US" dirty="0" smtClean="0"/>
+              <a:t>) – </a:t>
+            </a:r>
+            <a:r>
+              <a:rPr lang="en-US" dirty="0" err="1" smtClean="0"/>
+              <a:t>I</a:t>
+            </a:r>
+            <a:r>
+              <a:rPr lang="en-US" baseline="-25000" dirty="0" err="1" smtClean="0"/>
+              <a:t>recontsructed</a:t>
+            </a:r>
+            <a:endParaRPr lang="en-US" baseline="-25000" dirty="0" smtClean="0"/>
+          </a:p>
+          <a:p>
+            <a:r>
+              <a:rPr lang="en-US" dirty="0" smtClean="0"/>
+              <a:t> Sum of the squared residual values gives a good measure for “how much variation did we not capture”</a:t>
             </a:r>
             <a:endParaRPr lang="en-US" dirty="0"/>
           </a:p>
         </p:txBody>
       </p:sp>
-      <p:pic>
-        <p:nvPicPr>
-          <p:cNvPr id="4" name="Picture 2" descr="C:\Documents and Settings\gpu\Desktop\David Ross\davidrossmastersproject\mastersProject\writeup\figures\severalVarianceImages.jpg"/>
-          <p:cNvPicPr>
-            <a:picLocks noChangeAspect="1" noChangeArrowheads="1"/>
-          </p:cNvPicPr>
-          <p:nvPr/>
-        </p:nvPicPr>
-        <p:blipFill>
-          <a:blip r:embed="rId2"/>
-          <a:srcRect l="10766" t="3030" r="8075" b="8432"/>
-          <a:stretch>
-            <a:fillRect/>
-          </a:stretch>
-        </p:blipFill>
-        <p:spPr bwMode="auto">
-          <a:xfrm>
-            <a:off x="3962400" y="1828800"/>
-            <a:ext cx="4889500" cy="4191000"/>
-          </a:xfrm>
-          <a:prstGeom prst="rect">
-            <a:avLst/>
-          </a:prstGeom>
-          <a:noFill/>
-        </p:spPr>
-      </p:pic>
     </p:spTree>
   </p:cSld>
   <p:clrMapOvr>
@@ -8493,11 +8636,7 @@
           <a:bodyPr/>
           <a:lstStyle/>
           <a:p>
-            <a:r>
-              <a:rPr lang="en-US" smtClean="0"/>
-              <a:t>Z-score Image</a:t>
-            </a:r>
-            <a:endParaRPr lang="en-US" dirty="0"/>
+            <a:endParaRPr lang="en-US"/>
           </a:p>
         </p:txBody>
       </p:sp>
@@ -8516,63 +8655,36 @@
           <a:bodyPr/>
           <a:lstStyle/>
           <a:p>
-            <a:r>
-              <a:rPr lang="en-US" dirty="0" smtClean="0"/>
-              <a:t>To find which variation is most unusual, can calculate the z-score at each pixel</a:t>
-            </a:r>
-          </a:p>
-          <a:p>
-            <a:r>
-              <a:rPr lang="en-US" dirty="0" smtClean="0"/>
-              <a:t>Z-score(</a:t>
-            </a:r>
-            <a:r>
-              <a:rPr lang="en-US" dirty="0" err="1" smtClean="0"/>
-              <a:t>x,y</a:t>
-            </a:r>
-            <a:r>
-              <a:rPr lang="en-US" dirty="0" smtClean="0"/>
-              <a:t>) = Residual(</a:t>
-            </a:r>
-            <a:r>
-              <a:rPr lang="en-US" dirty="0" err="1" smtClean="0"/>
-              <a:t>x,y</a:t>
-            </a:r>
-            <a:r>
-              <a:rPr lang="en-US" dirty="0" smtClean="0"/>
-              <a:t>) / Variance(</a:t>
-            </a:r>
-            <a:r>
-              <a:rPr lang="en-US" dirty="0" err="1" smtClean="0"/>
-              <a:t>x,y</a:t>
-            </a:r>
-            <a:r>
-              <a:rPr lang="en-US" dirty="0" smtClean="0"/>
-              <a:t>)</a:t>
-            </a:r>
-          </a:p>
-          <a:p>
-            <a:r>
-              <a:rPr lang="en-US" dirty="0" smtClean="0"/>
-              <a:t>Now we have a more context-based system for evaluating how interesting variation is</a:t>
-            </a:r>
-          </a:p>
-          <a:p>
-            <a:r>
-              <a:rPr lang="en-US" dirty="0" smtClean="0"/>
-              <a:t>Most marketable contribution</a:t>
-            </a:r>
-          </a:p>
-          <a:p>
-            <a:pPr lvl="1"/>
-            <a:r>
-              <a:rPr lang="en-US" dirty="0" smtClean="0"/>
-              <a:t>security</a:t>
-            </a:r>
-            <a:endParaRPr lang="en-US" dirty="0"/>
-          </a:p>
-        </p:txBody>
-      </p:sp>
+            <a:endParaRPr lang="en-US"/>
+          </a:p>
+        </p:txBody>
+      </p:sp>
+      <p:pic>
+        <p:nvPicPr>
+          <p:cNvPr id="4" name="Picture 2" descr="C:\Documents and Settings\gpu\Desktop\David Ross\davidrossmastersproject\mastersProject\writeup\figures\residualSSDmontage.jpg"/>
+          <p:cNvPicPr>
+            <a:picLocks noChangeAspect="1" noChangeArrowheads="1"/>
+          </p:cNvPicPr>
+          <p:nvPr/>
+        </p:nvPicPr>
+        <p:blipFill>
+          <a:blip r:embed="rId2"/>
+          <a:srcRect/>
+          <a:stretch>
+            <a:fillRect/>
+          </a:stretch>
+        </p:blipFill>
+        <p:spPr bwMode="auto">
+          <a:xfrm>
+            <a:off x="304800" y="133350"/>
+            <a:ext cx="9025189" cy="6724650"/>
+          </a:xfrm>
+          <a:prstGeom prst="rect">
+            <a:avLst/>
+          </a:prstGeom>
+          <a:noFill/>
+        </p:spPr>
+      </p:pic>
     </p:spTree>
   </p:cSld>
   <p:clrMapOvr>
@@ -8728,6 +8840,242 @@
 </file>
 
 <file path=ppt/slides/slide30.xml><?xml version="1.0" encoding="utf-8"?>
+<p:sld xmlns:a="http://schemas.openxmlformats.org/drawingml/2006/main" xmlns:r="http://schemas.openxmlformats.org/officeDocument/2006/relationships" xmlns:p="http://schemas.openxmlformats.org/presentationml/2006/main">
+  <p:cSld>
+    <p:spTree>
+      <p:nvGrpSpPr>
+        <p:cNvPr id="1" name=""/>
+        <p:cNvGrpSpPr/>
+        <p:nvPr/>
+      </p:nvGrpSpPr>
+      <p:grpSpPr>
+        <a:xfrm>
+          <a:off x="0" y="0"/>
+          <a:ext cx="0" cy="0"/>
+          <a:chOff x="0" y="0"/>
+          <a:chExt cx="0" cy="0"/>
+        </a:xfrm>
+      </p:grpSpPr>
+      <p:sp>
+        <p:nvSpPr>
+          <p:cNvPr id="2" name="Title 1"/>
+          <p:cNvSpPr>
+            <a:spLocks noGrp="1"/>
+          </p:cNvSpPr>
+          <p:nvPr>
+            <p:ph type="title"/>
+          </p:nvPr>
+        </p:nvSpPr>
+        <p:spPr/>
+        <p:txBody>
+          <a:bodyPr/>
+          <a:lstStyle/>
+          <a:p>
+            <a:r>
+              <a:rPr lang="en-US" dirty="0" smtClean="0"/>
+              <a:t>Variance Model</a:t>
+            </a:r>
+            <a:endParaRPr lang="en-US" dirty="0"/>
+          </a:p>
+        </p:txBody>
+      </p:sp>
+      <p:sp>
+        <p:nvSpPr>
+          <p:cNvPr id="3" name="Content Placeholder 2"/>
+          <p:cNvSpPr>
+            <a:spLocks noGrp="1"/>
+          </p:cNvSpPr>
+          <p:nvPr>
+            <p:ph idx="1"/>
+          </p:nvPr>
+        </p:nvSpPr>
+        <p:spPr>
+          <a:xfrm>
+            <a:off x="457200" y="2249424"/>
+            <a:ext cx="3581400" cy="4325112"/>
+          </a:xfrm>
+        </p:spPr>
+        <p:txBody>
+          <a:bodyPr/>
+          <a:lstStyle/>
+          <a:p>
+            <a:r>
+              <a:rPr lang="en-US" dirty="0" smtClean="0"/>
+              <a:t>Can estimate the variance image of a scene by averaging sum squared residual at each pixel across all images</a:t>
+            </a:r>
+            <a:endParaRPr lang="en-US" dirty="0"/>
+          </a:p>
+        </p:txBody>
+      </p:sp>
+      <p:pic>
+        <p:nvPicPr>
+          <p:cNvPr id="4" name="Picture 2" descr="C:\Documents and Settings\gpu\Desktop\David Ross\davidrossmastersproject\mastersProject\writeup\figures\severalVarianceImages.jpg"/>
+          <p:cNvPicPr>
+            <a:picLocks noChangeAspect="1" noChangeArrowheads="1"/>
+          </p:cNvPicPr>
+          <p:nvPr/>
+        </p:nvPicPr>
+        <p:blipFill>
+          <a:blip r:embed="rId2"/>
+          <a:srcRect l="10766" t="3030" r="8075" b="8432"/>
+          <a:stretch>
+            <a:fillRect/>
+          </a:stretch>
+        </p:blipFill>
+        <p:spPr bwMode="auto">
+          <a:xfrm>
+            <a:off x="3962400" y="1828800"/>
+            <a:ext cx="4889500" cy="4191000"/>
+          </a:xfrm>
+          <a:prstGeom prst="rect">
+            <a:avLst/>
+          </a:prstGeom>
+          <a:noFill/>
+        </p:spPr>
+      </p:pic>
+    </p:spTree>
+  </p:cSld>
+  <p:clrMapOvr>
+    <a:masterClrMapping/>
+  </p:clrMapOvr>
+  <p:timing>
+    <p:tnLst>
+      <p:par>
+        <p:cTn id="1" dur="indefinite" restart="never" nodeType="tmRoot"/>
+      </p:par>
+    </p:tnLst>
+  </p:timing>
+</p:sld>
+</file>
+
+<file path=ppt/slides/slide31.xml><?xml version="1.0" encoding="utf-8"?>
+<p:sld xmlns:a="http://schemas.openxmlformats.org/drawingml/2006/main" xmlns:r="http://schemas.openxmlformats.org/officeDocument/2006/relationships" xmlns:p="http://schemas.openxmlformats.org/presentationml/2006/main">
+  <p:cSld>
+    <p:spTree>
+      <p:nvGrpSpPr>
+        <p:cNvPr id="1" name=""/>
+        <p:cNvGrpSpPr/>
+        <p:nvPr/>
+      </p:nvGrpSpPr>
+      <p:grpSpPr>
+        <a:xfrm>
+          <a:off x="0" y="0"/>
+          <a:ext cx="0" cy="0"/>
+          <a:chOff x="0" y="0"/>
+          <a:chExt cx="0" cy="0"/>
+        </a:xfrm>
+      </p:grpSpPr>
+      <p:sp>
+        <p:nvSpPr>
+          <p:cNvPr id="2" name="Title 1"/>
+          <p:cNvSpPr>
+            <a:spLocks noGrp="1"/>
+          </p:cNvSpPr>
+          <p:nvPr>
+            <p:ph type="title"/>
+          </p:nvPr>
+        </p:nvSpPr>
+        <p:spPr/>
+        <p:txBody>
+          <a:bodyPr/>
+          <a:lstStyle/>
+          <a:p>
+            <a:r>
+              <a:rPr lang="en-US" smtClean="0"/>
+              <a:t>Z-score Image</a:t>
+            </a:r>
+            <a:endParaRPr lang="en-US" dirty="0"/>
+          </a:p>
+        </p:txBody>
+      </p:sp>
+      <p:sp>
+        <p:nvSpPr>
+          <p:cNvPr id="3" name="Content Placeholder 2"/>
+          <p:cNvSpPr>
+            <a:spLocks noGrp="1"/>
+          </p:cNvSpPr>
+          <p:nvPr>
+            <p:ph idx="1"/>
+          </p:nvPr>
+        </p:nvSpPr>
+        <p:spPr/>
+        <p:txBody>
+          <a:bodyPr/>
+          <a:lstStyle/>
+          <a:p>
+            <a:r>
+              <a:rPr lang="en-US" dirty="0" smtClean="0"/>
+              <a:t>To find which variation is most unusual, can calculate the z-score at each pixel</a:t>
+            </a:r>
+          </a:p>
+          <a:p>
+            <a:r>
+              <a:rPr lang="en-US" dirty="0" smtClean="0"/>
+              <a:t>Z-score(</a:t>
+            </a:r>
+            <a:r>
+              <a:rPr lang="en-US" dirty="0" err="1" smtClean="0"/>
+              <a:t>x,y</a:t>
+            </a:r>
+            <a:r>
+              <a:rPr lang="en-US" dirty="0" smtClean="0"/>
+              <a:t>) = Residual(</a:t>
+            </a:r>
+            <a:r>
+              <a:rPr lang="en-US" dirty="0" err="1" smtClean="0"/>
+              <a:t>x,y</a:t>
+            </a:r>
+            <a:r>
+              <a:rPr lang="en-US" dirty="0" smtClean="0"/>
+              <a:t>) / Variance(</a:t>
+            </a:r>
+            <a:r>
+              <a:rPr lang="en-US" dirty="0" err="1" smtClean="0"/>
+              <a:t>x,y</a:t>
+            </a:r>
+            <a:r>
+              <a:rPr lang="en-US" dirty="0" smtClean="0"/>
+              <a:t>)</a:t>
+            </a:r>
+          </a:p>
+          <a:p>
+            <a:r>
+              <a:rPr lang="en-US" dirty="0" smtClean="0"/>
+              <a:t>Now we have a more context-based system for evaluating how interesting variation is</a:t>
+            </a:r>
+          </a:p>
+          <a:p>
+            <a:r>
+              <a:rPr lang="en-US" dirty="0" smtClean="0"/>
+              <a:t>Most marketable contribution</a:t>
+            </a:r>
+          </a:p>
+          <a:p>
+            <a:pPr lvl="1"/>
+            <a:r>
+              <a:rPr lang="en-US" dirty="0" smtClean="0"/>
+              <a:t>Security systems</a:t>
+            </a:r>
+            <a:endParaRPr lang="en-US" dirty="0"/>
+          </a:p>
+        </p:txBody>
+      </p:sp>
+    </p:spTree>
+  </p:cSld>
+  <p:clrMapOvr>
+    <a:masterClrMapping/>
+  </p:clrMapOvr>
+  <p:timing>
+    <p:tnLst>
+      <p:par>
+        <p:cTn id="1" dur="indefinite" restart="never" nodeType="tmRoot"/>
+      </p:par>
+    </p:tnLst>
+  </p:timing>
+</p:sld>
+</file>
+
+<file path=ppt/slides/slide32.xml><?xml version="1.0" encoding="utf-8"?>
 <p:sld xmlns:a="http://schemas.openxmlformats.org/drawingml/2006/main" xmlns:r="http://schemas.openxmlformats.org/officeDocument/2006/relationships" xmlns:p="http://schemas.openxmlformats.org/presentationml/2006/main">
   <p:cSld>
     <p:spTree>
@@ -8763,178 +9111,6 @@
           <a:xfrm>
             <a:off x="762000" y="609600"/>
             <a:ext cx="7848600" cy="5904825"/>
-          </a:xfrm>
-          <a:prstGeom prst="rect">
-            <a:avLst/>
-          </a:prstGeom>
-          <a:noFill/>
-        </p:spPr>
-      </p:pic>
-    </p:spTree>
-  </p:cSld>
-  <p:clrMapOvr>
-    <a:masterClrMapping/>
-  </p:clrMapOvr>
-</p:sld>
-</file>
-
-<file path=ppt/slides/slide31.xml><?xml version="1.0" encoding="utf-8"?>
-<p:sld xmlns:a="http://schemas.openxmlformats.org/drawingml/2006/main" xmlns:r="http://schemas.openxmlformats.org/officeDocument/2006/relationships" xmlns:p="http://schemas.openxmlformats.org/presentationml/2006/main">
-  <p:cSld>
-    <p:spTree>
-      <p:nvGrpSpPr>
-        <p:cNvPr id="1" name=""/>
-        <p:cNvGrpSpPr/>
-        <p:nvPr/>
-      </p:nvGrpSpPr>
-      <p:grpSpPr>
-        <a:xfrm>
-          <a:off x="0" y="0"/>
-          <a:ext cx="0" cy="0"/>
-          <a:chOff x="0" y="0"/>
-          <a:chExt cx="0" cy="0"/>
-        </a:xfrm>
-      </p:grpSpPr>
-      <p:sp>
-        <p:nvSpPr>
-          <p:cNvPr id="2" name="Title 1"/>
-          <p:cNvSpPr>
-            <a:spLocks noGrp="1"/>
-          </p:cNvSpPr>
-          <p:nvPr>
-            <p:ph type="title"/>
-          </p:nvPr>
-        </p:nvSpPr>
-        <p:spPr/>
-        <p:txBody>
-          <a:bodyPr>
-            <a:normAutofit fontScale="90000"/>
-          </a:bodyPr>
-          <a:lstStyle/>
-          <a:p>
-            <a:r>
-              <a:rPr lang="en-US" dirty="0" smtClean="0"/>
-              <a:t>Statistical Distribution of Residual Images</a:t>
-            </a:r>
-            <a:endParaRPr lang="en-US" dirty="0"/>
-          </a:p>
-        </p:txBody>
-      </p:sp>
-      <p:sp>
-        <p:nvSpPr>
-          <p:cNvPr id="3" name="Content Placeholder 2"/>
-          <p:cNvSpPr>
-            <a:spLocks noGrp="1"/>
-          </p:cNvSpPr>
-          <p:nvPr>
-            <p:ph idx="1"/>
-          </p:nvPr>
-        </p:nvSpPr>
-        <p:spPr/>
-        <p:txBody>
-          <a:bodyPr/>
-          <a:lstStyle/>
-          <a:p>
-            <a:r>
-              <a:rPr lang="en-US" dirty="0" smtClean="0"/>
-              <a:t>Can treat R(</a:t>
-            </a:r>
-            <a:r>
-              <a:rPr lang="en-US" dirty="0" err="1" smtClean="0"/>
-              <a:t>x,y</a:t>
-            </a:r>
-            <a:r>
-              <a:rPr lang="en-US" dirty="0" smtClean="0"/>
-              <a:t>) as a sample from an underlying PDF</a:t>
-            </a:r>
-          </a:p>
-          <a:p>
-            <a:pPr lvl="1"/>
-            <a:r>
-              <a:rPr lang="en-US" dirty="0" smtClean="0"/>
-              <a:t>Expect noise to be Gaussian, objects to be non-Gaussian</a:t>
-            </a:r>
-            <a:endParaRPr lang="en-US" dirty="0"/>
-          </a:p>
-        </p:txBody>
-      </p:sp>
-      <p:pic>
-        <p:nvPicPr>
-          <p:cNvPr id="5" name="Picture 2" descr="C:\Documents and Settings\gpu\Desktop\David Ross\davidrossmastersproject\mastersProject\writeup\figures\severalHists2.jpg"/>
-          <p:cNvPicPr>
-            <a:picLocks noChangeAspect="1" noChangeArrowheads="1"/>
-          </p:cNvPicPr>
-          <p:nvPr/>
-        </p:nvPicPr>
-        <p:blipFill>
-          <a:blip r:embed="rId3"/>
-          <a:srcRect/>
-          <a:stretch>
-            <a:fillRect/>
-          </a:stretch>
-        </p:blipFill>
-        <p:spPr bwMode="auto">
-          <a:xfrm>
-            <a:off x="1219200" y="4191000"/>
-            <a:ext cx="6705600" cy="2408335"/>
-          </a:xfrm>
-          <a:prstGeom prst="rect">
-            <a:avLst/>
-          </a:prstGeom>
-          <a:noFill/>
-        </p:spPr>
-      </p:pic>
-    </p:spTree>
-  </p:cSld>
-  <p:clrMapOvr>
-    <a:masterClrMapping/>
-  </p:clrMapOvr>
-  <p:timing>
-    <p:tnLst>
-      <p:par>
-        <p:cTn id="1" dur="indefinite" restart="never" nodeType="tmRoot"/>
-      </p:par>
-    </p:tnLst>
-  </p:timing>
-</p:sld>
-</file>
-
-<file path=ppt/slides/slide32.xml><?xml version="1.0" encoding="utf-8"?>
-<p:sld xmlns:a="http://schemas.openxmlformats.org/drawingml/2006/main" xmlns:r="http://schemas.openxmlformats.org/officeDocument/2006/relationships" xmlns:p="http://schemas.openxmlformats.org/presentationml/2006/main">
-  <p:cSld>
-    <p:spTree>
-      <p:nvGrpSpPr>
-        <p:cNvPr id="1" name=""/>
-        <p:cNvGrpSpPr/>
-        <p:nvPr/>
-      </p:nvGrpSpPr>
-      <p:grpSpPr>
-        <a:xfrm>
-          <a:off x="0" y="0"/>
-          <a:ext cx="0" cy="0"/>
-          <a:chOff x="0" y="0"/>
-          <a:chExt cx="0" cy="0"/>
-        </a:xfrm>
-      </p:grpSpPr>
-      <p:pic>
-        <p:nvPicPr>
-          <p:cNvPr id="1026" name="Picture 2" descr="C:\Documents and Settings\gpu\Desktop\David Ross\davidrossmastersproject\mastersProject\writeup\figures\severalHistsReconstruction.jpg"/>
-          <p:cNvPicPr>
-            <a:picLocks noChangeAspect="1" noChangeArrowheads="1"/>
-          </p:cNvPicPr>
-          <p:nvPr/>
-        </p:nvPicPr>
-        <p:blipFill>
-          <a:blip r:embed="rId2"/>
-          <a:srcRect/>
-          <a:stretch>
-            <a:fillRect/>
-          </a:stretch>
-        </p:blipFill>
-        <p:spPr bwMode="auto">
-          <a:xfrm>
-            <a:off x="2133600" y="838200"/>
-            <a:ext cx="4648200" cy="5639907"/>
           </a:xfrm>
           <a:prstGeom prst="rect">
             <a:avLst/>
@@ -8986,35 +9162,37 @@
         </p:nvSpPr>
         <p:spPr/>
         <p:txBody>
+          <a:bodyPr>
+            <a:normAutofit fontScale="90000"/>
+          </a:bodyPr>
+          <a:lstStyle/>
+          <a:p>
+            <a:r>
+              <a:rPr lang="en-US" dirty="0" smtClean="0"/>
+              <a:t>Statistical Distribution of Residual Images</a:t>
+            </a:r>
+            <a:endParaRPr lang="en-US" dirty="0"/>
+          </a:p>
+        </p:txBody>
+      </p:sp>
+      <p:sp>
+        <p:nvSpPr>
+          <p:cNvPr id="3" name="Content Placeholder 2"/>
+          <p:cNvSpPr>
+            <a:spLocks noGrp="1"/>
+          </p:cNvSpPr>
+          <p:nvPr>
+            <p:ph idx="1"/>
+          </p:nvPr>
+        </p:nvSpPr>
+        <p:spPr/>
+        <p:txBody>
           <a:bodyPr/>
           <a:lstStyle/>
           <a:p>
             <a:r>
               <a:rPr lang="en-US" dirty="0" smtClean="0"/>
-              <a:t>Normal Distribution</a:t>
-            </a:r>
-            <a:endParaRPr lang="en-US" dirty="0"/>
-          </a:p>
-        </p:txBody>
-      </p:sp>
-      <p:sp>
-        <p:nvSpPr>
-          <p:cNvPr id="3" name="Content Placeholder 2"/>
-          <p:cNvSpPr>
-            <a:spLocks noGrp="1"/>
-          </p:cNvSpPr>
-          <p:nvPr>
-            <p:ph idx="1"/>
-          </p:nvPr>
-        </p:nvSpPr>
-        <p:spPr/>
-        <p:txBody>
-          <a:bodyPr/>
-          <a:lstStyle/>
-          <a:p>
-            <a:r>
-              <a:rPr lang="en-US" dirty="0" smtClean="0"/>
-              <a:t>If we expect R(</a:t>
+              <a:t>Can treat R(</a:t>
             </a:r>
             <a:r>
               <a:rPr lang="en-US" dirty="0" err="1" smtClean="0"/>
@@ -9022,7 +9200,14 @@
             </a:r>
             <a:r>
               <a:rPr lang="en-US" dirty="0" smtClean="0"/>
-              <a:t>) to sample from a normal distribution, we can easy estimate that and then evaluate each value using</a:t>
+              <a:t>) as a sample from an underlying PDF</a:t>
+            </a:r>
+          </a:p>
+          <a:p>
+            <a:pPr lvl="1"/>
+            <a:r>
+              <a:rPr lang="en-US" dirty="0" smtClean="0"/>
+              <a:t>Expect noise to be Gaussian, objects to be non-Gaussian</a:t>
             </a:r>
             <a:endParaRPr lang="en-US" dirty="0"/>
           </a:p>
@@ -9030,14 +9215,14 @@
       </p:sp>
       <p:pic>
         <p:nvPicPr>
-          <p:cNvPr id="2050" name="Picture 2"/>
+          <p:cNvPr id="5" name="Picture 2" descr="C:\Documents and Settings\gpu\Desktop\David Ross\davidrossmastersproject\mastersProject\writeup\figures\severalHists2.jpg"/>
           <p:cNvPicPr>
             <a:picLocks noChangeAspect="1" noChangeArrowheads="1"/>
           </p:cNvPicPr>
           <p:nvPr/>
         </p:nvPicPr>
         <p:blipFill>
-          <a:blip r:embed="rId2"/>
+          <a:blip r:embed="rId3"/>
           <a:srcRect/>
           <a:stretch>
             <a:fillRect/>
@@ -9045,20 +9230,13 @@
         </p:blipFill>
         <p:spPr bwMode="auto">
           <a:xfrm>
-            <a:off x="2514600" y="3962400"/>
-            <a:ext cx="3389909" cy="1052512"/>
+            <a:off x="1219200" y="4191000"/>
+            <a:ext cx="6705600" cy="2408335"/>
           </a:xfrm>
           <a:prstGeom prst="rect">
             <a:avLst/>
           </a:prstGeom>
           <a:noFill/>
-          <a:ln w="9525">
-            <a:noFill/>
-            <a:miter lim="800000"/>
-            <a:headEnd/>
-            <a:tailEnd/>
-          </a:ln>
-          <a:effectLst/>
         </p:spPr>
       </p:pic>
     </p:spTree>
@@ -9095,7 +9273,7 @@
       </p:grpSpPr>
       <p:pic>
         <p:nvPicPr>
-          <p:cNvPr id="4" name="Picture 2" descr="C:\Documents and Settings\gpu\Desktop\David Ross\davidrossmastersproject\mastersProject\writeup\figures\leastNormal.jpg"/>
+          <p:cNvPr id="1026" name="Picture 2" descr="C:\Documents and Settings\gpu\Desktop\David Ross\davidrossmastersproject\mastersProject\writeup\figures\severalHistsReconstruction.jpg"/>
           <p:cNvPicPr>
             <a:picLocks noChangeAspect="1" noChangeArrowheads="1"/>
           </p:cNvPicPr>
@@ -9103,15 +9281,15 @@
         </p:nvPicPr>
         <p:blipFill>
           <a:blip r:embed="rId2"/>
-          <a:srcRect l="6528" t="2810" r="7162" b="4450"/>
+          <a:srcRect/>
           <a:stretch>
             <a:fillRect/>
           </a:stretch>
         </p:blipFill>
         <p:spPr bwMode="auto">
           <a:xfrm>
-            <a:off x="1066800" y="533400"/>
-            <a:ext cx="7239000" cy="6022361"/>
+            <a:off x="2133600" y="838200"/>
+            <a:ext cx="4648200" cy="5639907"/>
           </a:xfrm>
           <a:prstGeom prst="rect">
             <a:avLst/>
@@ -9124,6 +9302,13 @@
   <p:clrMapOvr>
     <a:masterClrMapping/>
   </p:clrMapOvr>
+  <p:timing>
+    <p:tnLst>
+      <p:par>
+        <p:cTn id="1" dur="indefinite" restart="never" nodeType="tmRoot"/>
+      </p:par>
+    </p:tnLst>
+  </p:timing>
 </p:sld>
 </file>
 
@@ -9160,51 +9345,39 @@
           <a:lstStyle/>
           <a:p>
             <a:r>
+              <a:rPr lang="en-US" dirty="0" smtClean="0"/>
+              <a:t>Normal Distribution</a:t>
+            </a:r>
+            <a:endParaRPr lang="en-US" dirty="0"/>
+          </a:p>
+        </p:txBody>
+      </p:sp>
+      <p:sp>
+        <p:nvSpPr>
+          <p:cNvPr id="3" name="Content Placeholder 2"/>
+          <p:cNvSpPr>
+            <a:spLocks noGrp="1"/>
+          </p:cNvSpPr>
+          <p:nvPr>
+            <p:ph idx="1"/>
+          </p:nvPr>
+        </p:nvSpPr>
+        <p:spPr/>
+        <p:txBody>
+          <a:bodyPr/>
+          <a:lstStyle/>
+          <a:p>
+            <a:r>
+              <a:rPr lang="en-US" dirty="0" smtClean="0"/>
+              <a:t>If we expect R(</a:t>
+            </a:r>
+            <a:r>
               <a:rPr lang="en-US" dirty="0" err="1" smtClean="0"/>
-              <a:t>Laplacian</a:t>
-            </a:r>
-            <a:r>
-              <a:rPr lang="en-US" dirty="0" smtClean="0"/>
-              <a:t> Distribution</a:t>
-            </a:r>
-            <a:endParaRPr lang="en-US" dirty="0"/>
-          </a:p>
-        </p:txBody>
-      </p:sp>
-      <p:sp>
-        <p:nvSpPr>
-          <p:cNvPr id="3" name="Content Placeholder 2"/>
-          <p:cNvSpPr>
-            <a:spLocks noGrp="1"/>
-          </p:cNvSpPr>
-          <p:nvPr>
-            <p:ph idx="1"/>
-          </p:nvPr>
-        </p:nvSpPr>
-        <p:spPr/>
-        <p:txBody>
-          <a:bodyPr/>
-          <a:lstStyle/>
-          <a:p>
-            <a:r>
-              <a:rPr lang="en-US" dirty="0" smtClean="0"/>
-              <a:t>Many histograms look more like </a:t>
-            </a:r>
-            <a:r>
-              <a:rPr lang="en-US" dirty="0" err="1" smtClean="0"/>
-              <a:t>Laplacian</a:t>
-            </a:r>
-            <a:r>
-              <a:rPr lang="en-US" dirty="0" smtClean="0"/>
-              <a:t> Distributions, so we can do the same algorithm but for the </a:t>
-            </a:r>
-            <a:r>
-              <a:rPr lang="en-US" dirty="0" err="1" smtClean="0"/>
-              <a:t>Laplacian</a:t>
-            </a:r>
-            <a:r>
-              <a:rPr lang="en-US" dirty="0" smtClean="0"/>
-              <a:t> distribution </a:t>
+              <a:t>x,y</a:t>
+            </a:r>
+            <a:r>
+              <a:rPr lang="en-US" dirty="0" smtClean="0"/>
+              <a:t>) to sample from a normal distribution, we can easy estimate that and then evaluate each value using</a:t>
             </a:r>
             <a:endParaRPr lang="en-US" dirty="0"/>
           </a:p>
@@ -9212,7 +9385,7 @@
       </p:sp>
       <p:pic>
         <p:nvPicPr>
-          <p:cNvPr id="3075" name="Picture 3"/>
+          <p:cNvPr id="2050" name="Picture 2"/>
           <p:cNvPicPr>
             <a:picLocks noChangeAspect="1" noChangeArrowheads="1"/>
           </p:cNvPicPr>
@@ -9227,8 +9400,8 @@
         </p:blipFill>
         <p:spPr bwMode="auto">
           <a:xfrm>
-            <a:off x="2667000" y="4038600"/>
-            <a:ext cx="2801587" cy="1084031"/>
+            <a:off x="2514600" y="3962400"/>
+            <a:ext cx="3389909" cy="1052512"/>
           </a:xfrm>
           <a:prstGeom prst="rect">
             <a:avLst/>
@@ -9277,7 +9450,7 @@
       </p:grpSpPr>
       <p:pic>
         <p:nvPicPr>
-          <p:cNvPr id="4" name="Picture 3" descr="C:\Documents and Settings\gpu\Desktop\David Ross\davidrossmastersproject\mastersProject\writeup\figures\leastLaplacian.jpg"/>
+          <p:cNvPr id="4" name="Picture 2" descr="C:\Documents and Settings\gpu\Desktop\David Ross\davidrossmastersproject\mastersProject\writeup\figures\leastNormal.jpg"/>
           <p:cNvPicPr>
             <a:picLocks noChangeAspect="1" noChangeArrowheads="1"/>
           </p:cNvPicPr>
@@ -9285,15 +9458,15 @@
         </p:nvPicPr>
         <p:blipFill>
           <a:blip r:embed="rId2"/>
-          <a:srcRect l="6089" t="2947" r="6875" b="4313"/>
+          <a:srcRect l="6528" t="2810" r="7162" b="4450"/>
           <a:stretch>
             <a:fillRect/>
           </a:stretch>
         </p:blipFill>
         <p:spPr bwMode="auto">
           <a:xfrm>
-            <a:off x="762000" y="457200"/>
-            <a:ext cx="7573818" cy="6248400"/>
+            <a:off x="1066800" y="533400"/>
+            <a:ext cx="7239000" cy="6022361"/>
           </a:xfrm>
           <a:prstGeom prst="rect">
             <a:avLst/>
@@ -9306,6 +9479,13 @@
   <p:clrMapOvr>
     <a:masterClrMapping/>
   </p:clrMapOvr>
+  <p:timing>
+    <p:tnLst>
+      <p:par>
+        <p:cTn id="1" dur="indefinite" restart="never" nodeType="tmRoot"/>
+      </p:par>
+    </p:tnLst>
+  </p:timing>
 </p:sld>
 </file>
 
@@ -9342,16 +9522,12 @@
           <a:lstStyle/>
           <a:p>
             <a:r>
-              <a:rPr lang="en-US" dirty="0" smtClean="0"/>
-              <a:t>Bonus – </a:t>
-            </a:r>
-            <a:r>
               <a:rPr lang="en-US" dirty="0" err="1" smtClean="0"/>
-              <a:t>Skewness</a:t>
-            </a:r>
-            <a:r>
-              <a:rPr lang="en-US" dirty="0" smtClean="0"/>
-              <a:t> and Kurtosis</a:t>
+              <a:t>Laplacian</a:t>
+            </a:r>
+            <a:r>
+              <a:rPr lang="en-US" dirty="0" smtClean="0"/>
+              <a:t> Distribution</a:t>
             </a:r>
             <a:endParaRPr lang="en-US" dirty="0"/>
           </a:p>
@@ -9374,51 +9550,23 @@
           <a:p>
             <a:r>
               <a:rPr lang="en-US" dirty="0" smtClean="0"/>
-              <a:t>Statistics for “non-</a:t>
+              <a:t>Many histograms look more like </a:t>
             </a:r>
             <a:r>
               <a:rPr lang="en-US" dirty="0" err="1" smtClean="0"/>
-              <a:t>Guassiannesss</a:t>
-            </a:r>
-            <a:r>
-              <a:rPr lang="en-US" dirty="0" smtClean="0"/>
-              <a:t>”</a:t>
-            </a:r>
-          </a:p>
-          <a:p>
+              <a:t>Laplacian</a:t>
+            </a:r>
+            <a:r>
+              <a:rPr lang="en-US" dirty="0" smtClean="0"/>
+              <a:t> Distributions, so we can do the same algorithm but for the </a:t>
+            </a:r>
             <a:r>
               <a:rPr lang="en-US" dirty="0" err="1" smtClean="0"/>
-              <a:t>Skewness</a:t>
-            </a:r>
-            <a:r>
-              <a:rPr lang="en-US" dirty="0" smtClean="0"/>
-              <a:t> measures asymmetry</a:t>
-            </a:r>
-          </a:p>
-          <a:p>
-            <a:pPr lvl="1"/>
-            <a:r>
-              <a:rPr lang="en-US" dirty="0" smtClean="0"/>
-              <a:t>No good results</a:t>
-            </a:r>
-          </a:p>
-          <a:p>
-            <a:r>
-              <a:rPr lang="en-US" dirty="0" smtClean="0"/>
-              <a:t>Kurtosis measures unlikely deviation</a:t>
-            </a:r>
-          </a:p>
-          <a:p>
-            <a:pPr lvl="1"/>
-            <a:r>
-              <a:rPr lang="en-US" dirty="0" smtClean="0"/>
-              <a:t>Tends to mirror the residual sum squared error scores</a:t>
-            </a:r>
-          </a:p>
-          <a:p>
-            <a:r>
-              <a:rPr lang="en-US" dirty="0" smtClean="0"/>
-              <a:t>The effect of small objects is dominated by the noise over the rest of the image</a:t>
+              <a:t>Laplacian</a:t>
+            </a:r>
+            <a:r>
+              <a:rPr lang="en-US" dirty="0" smtClean="0"/>
+              <a:t> distribution </a:t>
             </a:r>
             <a:endParaRPr lang="en-US" dirty="0"/>
           </a:p>
@@ -9426,14 +9574,14 @@
       </p:sp>
       <p:pic>
         <p:nvPicPr>
-          <p:cNvPr id="4098" name="Picture 2"/>
+          <p:cNvPr id="3075" name="Picture 3"/>
           <p:cNvPicPr>
             <a:picLocks noChangeAspect="1" noChangeArrowheads="1"/>
           </p:cNvPicPr>
           <p:nvPr/>
         </p:nvPicPr>
         <p:blipFill>
-          <a:blip r:embed="rId3"/>
+          <a:blip r:embed="rId2"/>
           <a:srcRect/>
           <a:stretch>
             <a:fillRect/>
@@ -9441,74 +9589,8 @@
         </p:blipFill>
         <p:spPr bwMode="auto">
           <a:xfrm>
-            <a:off x="6248400" y="3200400"/>
-            <a:ext cx="2124075" cy="533400"/>
-          </a:xfrm>
-          <a:prstGeom prst="rect">
-            <a:avLst/>
-          </a:prstGeom>
-          <a:noFill/>
-          <a:ln w="9525">
-            <a:noFill/>
-            <a:miter lim="800000"/>
-            <a:headEnd/>
-            <a:tailEnd/>
-          </a:ln>
-          <a:effectLst/>
-        </p:spPr>
-      </p:pic>
-      <p:pic>
-        <p:nvPicPr>
-          <p:cNvPr id="4100" name="Picture 4"/>
-          <p:cNvPicPr>
-            <a:picLocks noChangeAspect="1" noChangeArrowheads="1"/>
-          </p:cNvPicPr>
-          <p:nvPr/>
-        </p:nvPicPr>
-        <p:blipFill>
-          <a:blip r:embed="rId4"/>
-          <a:srcRect/>
-          <a:stretch>
-            <a:fillRect/>
-          </a:stretch>
-        </p:blipFill>
-        <p:spPr bwMode="auto">
-          <a:xfrm>
-            <a:off x="6781800" y="3581400"/>
-            <a:ext cx="1038225" cy="542925"/>
-          </a:xfrm>
-          <a:prstGeom prst="rect">
-            <a:avLst/>
-          </a:prstGeom>
-          <a:noFill/>
-          <a:ln w="9525">
-            <a:noFill/>
-            <a:miter lim="800000"/>
-            <a:headEnd/>
-            <a:tailEnd/>
-          </a:ln>
-          <a:effectLst/>
-        </p:spPr>
-      </p:pic>
-      <p:pic>
-        <p:nvPicPr>
-          <p:cNvPr id="4101" name="Picture 5"/>
-          <p:cNvPicPr>
-            <a:picLocks noChangeAspect="1" noChangeArrowheads="1"/>
-          </p:cNvPicPr>
-          <p:nvPr/>
-        </p:nvPicPr>
-        <p:blipFill>
-          <a:blip r:embed="rId5"/>
-          <a:srcRect/>
-          <a:stretch>
-            <a:fillRect/>
-          </a:stretch>
-        </p:blipFill>
-        <p:spPr bwMode="auto">
-          <a:xfrm>
-            <a:off x="6629400" y="2743200"/>
-            <a:ext cx="1295400" cy="514350"/>
+            <a:off x="2667000" y="4038600"/>
+            <a:ext cx="2801587" cy="1084031"/>
           </a:xfrm>
           <a:prstGeom prst="rect">
             <a:avLst/>
@@ -9555,102 +9637,32 @@
           <a:chExt cx="0" cy="0"/>
         </a:xfrm>
       </p:grpSpPr>
-      <p:sp>
-        <p:nvSpPr>
-          <p:cNvPr id="2" name="Title 1"/>
-          <p:cNvSpPr>
-            <a:spLocks noGrp="1"/>
-          </p:cNvSpPr>
-          <p:nvPr>
-            <p:ph type="title"/>
-          </p:nvPr>
-        </p:nvSpPr>
-        <p:spPr/>
-        <p:txBody>
-          <a:bodyPr/>
-          <a:lstStyle/>
-          <a:p>
-            <a:r>
-              <a:rPr lang="en-US" dirty="0" smtClean="0"/>
-              <a:t>Conclusion</a:t>
-            </a:r>
-            <a:endParaRPr lang="en-US" dirty="0"/>
-          </a:p>
-        </p:txBody>
-      </p:sp>
-      <p:sp>
-        <p:nvSpPr>
-          <p:cNvPr id="3" name="Content Placeholder 2"/>
-          <p:cNvSpPr>
-            <a:spLocks noGrp="1"/>
-          </p:cNvSpPr>
-          <p:nvPr>
-            <p:ph idx="1"/>
-          </p:nvPr>
-        </p:nvSpPr>
-        <p:spPr/>
-        <p:txBody>
-          <a:bodyPr/>
-          <a:lstStyle/>
-          <a:p>
-            <a:r>
-              <a:rPr lang="en-US" dirty="0" smtClean="0"/>
-              <a:t>AMOS Dataset too big to keep track of interesting variation in each scene</a:t>
-            </a:r>
-          </a:p>
-          <a:p>
-            <a:r>
-              <a:rPr lang="en-US" dirty="0" smtClean="0"/>
-              <a:t>Developed automatic visualization tools to help</a:t>
-            </a:r>
-          </a:p>
-          <a:p>
-            <a:pPr lvl="1"/>
-            <a:r>
-              <a:rPr lang="en-US" dirty="0" smtClean="0"/>
-              <a:t>Use PCA to learn less interesting variation</a:t>
-            </a:r>
-          </a:p>
-          <a:p>
-            <a:pPr lvl="2"/>
-            <a:r>
-              <a:rPr lang="en-US" dirty="0" smtClean="0"/>
-              <a:t>Daytime images, sky mask -&gt; useful</a:t>
-            </a:r>
-          </a:p>
-          <a:p>
-            <a:pPr lvl="2"/>
-            <a:r>
-              <a:rPr lang="en-US" dirty="0" smtClean="0"/>
-              <a:t>Gradient images -&gt; not useful</a:t>
-            </a:r>
-          </a:p>
-          <a:p>
-            <a:pPr lvl="1"/>
-            <a:r>
-              <a:rPr lang="en-US" dirty="0" smtClean="0"/>
-              <a:t>Interesting images from evaluating PCA error</a:t>
-            </a:r>
-          </a:p>
-          <a:p>
-            <a:pPr lvl="2"/>
-            <a:r>
-              <a:rPr lang="en-US" dirty="0" smtClean="0"/>
-              <a:t>Reconstruction error and Variance Models -&gt; useful</a:t>
-            </a:r>
-          </a:p>
-          <a:p>
-            <a:pPr lvl="2"/>
-            <a:r>
-              <a:rPr lang="en-US" dirty="0" smtClean="0"/>
-              <a:t>Statistical models -&gt; mixed results</a:t>
-            </a:r>
-          </a:p>
-          <a:p>
-            <a:endParaRPr lang="en-US" dirty="0"/>
-          </a:p>
-        </p:txBody>
-      </p:sp>
+      <p:pic>
+        <p:nvPicPr>
+          <p:cNvPr id="4" name="Picture 3" descr="C:\Documents and Settings\gpu\Desktop\David Ross\davidrossmastersproject\mastersProject\writeup\figures\leastLaplacian.jpg"/>
+          <p:cNvPicPr>
+            <a:picLocks noChangeAspect="1" noChangeArrowheads="1"/>
+          </p:cNvPicPr>
+          <p:nvPr/>
+        </p:nvPicPr>
+        <p:blipFill>
+          <a:blip r:embed="rId2"/>
+          <a:srcRect l="6089" t="2947" r="6875" b="4313"/>
+          <a:stretch>
+            <a:fillRect/>
+          </a:stretch>
+        </p:blipFill>
+        <p:spPr bwMode="auto">
+          <a:xfrm>
+            <a:off x="762000" y="457200"/>
+            <a:ext cx="7573818" cy="6248400"/>
+          </a:xfrm>
+          <a:prstGeom prst="rect">
+            <a:avLst/>
+          </a:prstGeom>
+          <a:noFill/>
+        </p:spPr>
+      </p:pic>
     </p:spTree>
   </p:cSld>
   <p:clrMapOvr>
@@ -9700,7 +9712,15 @@
           <a:p>
             <a:r>
               <a:rPr lang="en-US" dirty="0" smtClean="0"/>
-              <a:t>Future Work</a:t>
+              <a:t>Bonus – </a:t>
+            </a:r>
+            <a:r>
+              <a:rPr lang="en-US" dirty="0" err="1" smtClean="0"/>
+              <a:t>Skewness</a:t>
+            </a:r>
+            <a:r>
+              <a:rPr lang="en-US" dirty="0" smtClean="0"/>
+              <a:t> and Kurtosis</a:t>
             </a:r>
             <a:endParaRPr lang="en-US" dirty="0"/>
           </a:p>
@@ -9723,30 +9743,155 @@
           <a:p>
             <a:r>
               <a:rPr lang="en-US" dirty="0" smtClean="0"/>
-              <a:t>Interface with AMOS site</a:t>
-            </a:r>
-          </a:p>
-          <a:p>
-            <a:endParaRPr lang="en-US" dirty="0" smtClean="0"/>
-          </a:p>
-          <a:p>
-            <a:r>
-              <a:rPr lang="en-US" dirty="0" smtClean="0"/>
-              <a:t>Object Extraction</a:t>
-            </a:r>
-          </a:p>
-          <a:p>
-            <a:endParaRPr lang="en-US" dirty="0" smtClean="0"/>
-          </a:p>
-          <a:p>
-            <a:r>
-              <a:rPr lang="en-US" dirty="0" smtClean="0"/>
-              <a:t>User customizability</a:t>
+              <a:t>Statistics for “non-</a:t>
+            </a:r>
+            <a:r>
+              <a:rPr lang="en-US" dirty="0" err="1" smtClean="0"/>
+              <a:t>Guassiannesss</a:t>
+            </a:r>
+            <a:r>
+              <a:rPr lang="en-US" dirty="0" smtClean="0"/>
+              <a:t>”</a:t>
+            </a:r>
+          </a:p>
+          <a:p>
+            <a:r>
+              <a:rPr lang="en-US" dirty="0" err="1" smtClean="0"/>
+              <a:t>Skewness</a:t>
+            </a:r>
+            <a:r>
+              <a:rPr lang="en-US" dirty="0" smtClean="0"/>
+              <a:t> measures asymmetry</a:t>
+            </a:r>
+          </a:p>
+          <a:p>
+            <a:pPr lvl="1"/>
+            <a:r>
+              <a:rPr lang="en-US" dirty="0" smtClean="0"/>
+              <a:t>No good results</a:t>
+            </a:r>
+          </a:p>
+          <a:p>
+            <a:r>
+              <a:rPr lang="en-US" dirty="0" smtClean="0"/>
+              <a:t>Kurtosis measures unlikely deviation</a:t>
+            </a:r>
+          </a:p>
+          <a:p>
+            <a:pPr lvl="1"/>
+            <a:r>
+              <a:rPr lang="en-US" dirty="0" smtClean="0"/>
+              <a:t>Tends to mirror the residual sum squared error scores</a:t>
+            </a:r>
+          </a:p>
+          <a:p>
+            <a:r>
+              <a:rPr lang="en-US" dirty="0" smtClean="0"/>
+              <a:t>The effect of small objects is dominated by the noise over the rest of the image</a:t>
             </a:r>
             <a:endParaRPr lang="en-US" dirty="0"/>
           </a:p>
         </p:txBody>
       </p:sp>
+      <p:pic>
+        <p:nvPicPr>
+          <p:cNvPr id="4098" name="Picture 2"/>
+          <p:cNvPicPr>
+            <a:picLocks noChangeAspect="1" noChangeArrowheads="1"/>
+          </p:cNvPicPr>
+          <p:nvPr/>
+        </p:nvPicPr>
+        <p:blipFill>
+          <a:blip r:embed="rId3"/>
+          <a:srcRect/>
+          <a:stretch>
+            <a:fillRect/>
+          </a:stretch>
+        </p:blipFill>
+        <p:spPr bwMode="auto">
+          <a:xfrm>
+            <a:off x="6248400" y="3200400"/>
+            <a:ext cx="2124075" cy="533400"/>
+          </a:xfrm>
+          <a:prstGeom prst="rect">
+            <a:avLst/>
+          </a:prstGeom>
+          <a:noFill/>
+          <a:ln w="9525">
+            <a:noFill/>
+            <a:miter lim="800000"/>
+            <a:headEnd/>
+            <a:tailEnd/>
+          </a:ln>
+          <a:effectLst/>
+        </p:spPr>
+      </p:pic>
+      <p:pic>
+        <p:nvPicPr>
+          <p:cNvPr id="4100" name="Picture 4"/>
+          <p:cNvPicPr>
+            <a:picLocks noChangeAspect="1" noChangeArrowheads="1"/>
+          </p:cNvPicPr>
+          <p:nvPr/>
+        </p:nvPicPr>
+        <p:blipFill>
+          <a:blip r:embed="rId4"/>
+          <a:srcRect/>
+          <a:stretch>
+            <a:fillRect/>
+          </a:stretch>
+        </p:blipFill>
+        <p:spPr bwMode="auto">
+          <a:xfrm>
+            <a:off x="6781800" y="3581400"/>
+            <a:ext cx="1038225" cy="542925"/>
+          </a:xfrm>
+          <a:prstGeom prst="rect">
+            <a:avLst/>
+          </a:prstGeom>
+          <a:noFill/>
+          <a:ln w="9525">
+            <a:noFill/>
+            <a:miter lim="800000"/>
+            <a:headEnd/>
+            <a:tailEnd/>
+          </a:ln>
+          <a:effectLst/>
+        </p:spPr>
+      </p:pic>
+      <p:pic>
+        <p:nvPicPr>
+          <p:cNvPr id="4101" name="Picture 5"/>
+          <p:cNvPicPr>
+            <a:picLocks noChangeAspect="1" noChangeArrowheads="1"/>
+          </p:cNvPicPr>
+          <p:nvPr/>
+        </p:nvPicPr>
+        <p:blipFill>
+          <a:blip r:embed="rId5"/>
+          <a:srcRect/>
+          <a:stretch>
+            <a:fillRect/>
+          </a:stretch>
+        </p:blipFill>
+        <p:spPr bwMode="auto">
+          <a:xfrm>
+            <a:off x="6629400" y="2743200"/>
+            <a:ext cx="1295400" cy="514350"/>
+          </a:xfrm>
+          <a:prstGeom prst="rect">
+            <a:avLst/>
+          </a:prstGeom>
+          <a:noFill/>
+          <a:ln w="9525">
+            <a:noFill/>
+            <a:miter lim="800000"/>
+            <a:headEnd/>
+            <a:tailEnd/>
+          </a:ln>
+          <a:effectLst/>
+        </p:spPr>
+      </p:pic>
     </p:spTree>
   </p:cSld>
   <p:clrMapOvr>
@@ -9864,6 +10009,397 @@
 </file>
 
 <file path=ppt/slides/slide40.xml><?xml version="1.0" encoding="utf-8"?>
+<p:sld xmlns:a="http://schemas.openxmlformats.org/drawingml/2006/main" xmlns:r="http://schemas.openxmlformats.org/officeDocument/2006/relationships" xmlns:p="http://schemas.openxmlformats.org/presentationml/2006/main">
+  <p:cSld>
+    <p:spTree>
+      <p:nvGrpSpPr>
+        <p:cNvPr id="1" name=""/>
+        <p:cNvGrpSpPr/>
+        <p:nvPr/>
+      </p:nvGrpSpPr>
+      <p:grpSpPr>
+        <a:xfrm>
+          <a:off x="0" y="0"/>
+          <a:ext cx="0" cy="0"/>
+          <a:chOff x="0" y="0"/>
+          <a:chExt cx="0" cy="0"/>
+        </a:xfrm>
+      </p:grpSpPr>
+      <p:sp>
+        <p:nvSpPr>
+          <p:cNvPr id="2" name="Title 1"/>
+          <p:cNvSpPr>
+            <a:spLocks noGrp="1"/>
+          </p:cNvSpPr>
+          <p:nvPr>
+            <p:ph type="title"/>
+          </p:nvPr>
+        </p:nvSpPr>
+        <p:spPr/>
+        <p:txBody>
+          <a:bodyPr/>
+          <a:lstStyle/>
+          <a:p>
+            <a:r>
+              <a:rPr lang="en-US" dirty="0" smtClean="0"/>
+              <a:t>How do we evaluate images?</a:t>
+            </a:r>
+            <a:endParaRPr lang="en-US" dirty="0"/>
+          </a:p>
+        </p:txBody>
+      </p:sp>
+      <p:sp>
+        <p:nvSpPr>
+          <p:cNvPr id="3" name="Content Placeholder 2"/>
+          <p:cNvSpPr>
+            <a:spLocks noGrp="1"/>
+          </p:cNvSpPr>
+          <p:nvPr>
+            <p:ph idx="1"/>
+          </p:nvPr>
+        </p:nvSpPr>
+        <p:spPr/>
+        <p:txBody>
+          <a:bodyPr>
+            <a:normAutofit fontScale="92500" lnSpcReduction="20000"/>
+          </a:bodyPr>
+          <a:lstStyle/>
+          <a:p>
+            <a:r>
+              <a:rPr lang="en-US" dirty="0" smtClean="0"/>
+              <a:t>PCA Basis Coefficient </a:t>
+            </a:r>
+            <a:r>
+              <a:rPr lang="en-US" dirty="0" smtClean="0"/>
+              <a:t>Vector </a:t>
+            </a:r>
+            <a:r>
+              <a:rPr lang="en-US" dirty="0" smtClean="0"/>
+              <a:t>Magnitude</a:t>
+            </a:r>
+          </a:p>
+          <a:p>
+            <a:pPr lvl="1"/>
+            <a:r>
+              <a:rPr lang="en-US" dirty="0" smtClean="0"/>
+              <a:t>distance from mean</a:t>
+            </a:r>
+            <a:endParaRPr lang="en-US" dirty="0" smtClean="0"/>
+          </a:p>
+          <a:p>
+            <a:pPr lvl="1"/>
+            <a:endParaRPr lang="en-US" dirty="0" smtClean="0"/>
+          </a:p>
+          <a:p>
+            <a:r>
+              <a:rPr lang="en-US" dirty="0" smtClean="0"/>
+              <a:t>Reconstruction Error</a:t>
+            </a:r>
+          </a:p>
+          <a:p>
+            <a:pPr lvl="1"/>
+            <a:r>
+              <a:rPr lang="en-US" dirty="0" smtClean="0"/>
+              <a:t>Interesting variation</a:t>
+            </a:r>
+            <a:endParaRPr lang="en-US" dirty="0" smtClean="0"/>
+          </a:p>
+          <a:p>
+            <a:endParaRPr lang="en-US" dirty="0" smtClean="0"/>
+          </a:p>
+          <a:p>
+            <a:r>
+              <a:rPr lang="en-US" dirty="0" smtClean="0"/>
+              <a:t>Variance Model</a:t>
+            </a:r>
+          </a:p>
+          <a:p>
+            <a:pPr lvl="1"/>
+            <a:r>
+              <a:rPr lang="en-US" dirty="0" smtClean="0"/>
+              <a:t>Least common interesting variation</a:t>
+            </a:r>
+            <a:endParaRPr lang="en-US" dirty="0" smtClean="0"/>
+          </a:p>
+          <a:p>
+            <a:endParaRPr lang="en-US" dirty="0" smtClean="0"/>
+          </a:p>
+          <a:p>
+            <a:r>
+              <a:rPr lang="en-US" dirty="0" smtClean="0"/>
+              <a:t>Distribution </a:t>
+            </a:r>
+            <a:r>
+              <a:rPr lang="en-US" dirty="0" smtClean="0"/>
+              <a:t>of </a:t>
+            </a:r>
+            <a:r>
+              <a:rPr lang="en-US" dirty="0" smtClean="0"/>
+              <a:t>Residual Values</a:t>
+            </a:r>
+          </a:p>
+          <a:p>
+            <a:pPr lvl="1"/>
+            <a:r>
+              <a:rPr lang="en-US" dirty="0" err="1" smtClean="0"/>
+              <a:t>Laplacian</a:t>
+            </a:r>
+            <a:r>
+              <a:rPr lang="en-US" dirty="0" smtClean="0"/>
+              <a:t> Likelihood works best, but not </a:t>
+            </a:r>
+            <a:r>
+              <a:rPr lang="en-US" smtClean="0"/>
+              <a:t>better than variance model</a:t>
+            </a:r>
+            <a:endParaRPr lang="en-US" dirty="0" smtClean="0"/>
+          </a:p>
+          <a:p>
+            <a:pPr lvl="1"/>
+            <a:endParaRPr lang="en-US" dirty="0"/>
+          </a:p>
+        </p:txBody>
+      </p:sp>
+    </p:spTree>
+  </p:cSld>
+  <p:clrMapOvr>
+    <a:masterClrMapping/>
+  </p:clrMapOvr>
+  <p:timing>
+    <p:tnLst>
+      <p:par>
+        <p:cTn id="1" dur="indefinite" restart="never" nodeType="tmRoot"/>
+      </p:par>
+    </p:tnLst>
+  </p:timing>
+</p:sld>
+</file>
+
+<file path=ppt/slides/slide41.xml><?xml version="1.0" encoding="utf-8"?>
+<p:sld xmlns:a="http://schemas.openxmlformats.org/drawingml/2006/main" xmlns:r="http://schemas.openxmlformats.org/officeDocument/2006/relationships" xmlns:p="http://schemas.openxmlformats.org/presentationml/2006/main">
+  <p:cSld>
+    <p:spTree>
+      <p:nvGrpSpPr>
+        <p:cNvPr id="1" name=""/>
+        <p:cNvGrpSpPr/>
+        <p:nvPr/>
+      </p:nvGrpSpPr>
+      <p:grpSpPr>
+        <a:xfrm>
+          <a:off x="0" y="0"/>
+          <a:ext cx="0" cy="0"/>
+          <a:chOff x="0" y="0"/>
+          <a:chExt cx="0" cy="0"/>
+        </a:xfrm>
+      </p:grpSpPr>
+      <p:sp>
+        <p:nvSpPr>
+          <p:cNvPr id="2" name="Title 1"/>
+          <p:cNvSpPr>
+            <a:spLocks noGrp="1"/>
+          </p:cNvSpPr>
+          <p:nvPr>
+            <p:ph type="title"/>
+          </p:nvPr>
+        </p:nvSpPr>
+        <p:spPr/>
+        <p:txBody>
+          <a:bodyPr/>
+          <a:lstStyle/>
+          <a:p>
+            <a:r>
+              <a:rPr lang="en-US" dirty="0" smtClean="0"/>
+              <a:t>Conclusion</a:t>
+            </a:r>
+            <a:endParaRPr lang="en-US" dirty="0"/>
+          </a:p>
+        </p:txBody>
+      </p:sp>
+      <p:sp>
+        <p:nvSpPr>
+          <p:cNvPr id="3" name="Content Placeholder 2"/>
+          <p:cNvSpPr>
+            <a:spLocks noGrp="1"/>
+          </p:cNvSpPr>
+          <p:nvPr>
+            <p:ph idx="1"/>
+          </p:nvPr>
+        </p:nvSpPr>
+        <p:spPr/>
+        <p:txBody>
+          <a:bodyPr/>
+          <a:lstStyle/>
+          <a:p>
+            <a:r>
+              <a:rPr lang="en-US" dirty="0" smtClean="0"/>
+              <a:t>AMOS Dataset too big to keep track of interesting variation in each scene</a:t>
+            </a:r>
+          </a:p>
+          <a:p>
+            <a:r>
+              <a:rPr lang="en-US" dirty="0" smtClean="0"/>
+              <a:t>Developed automatic visualization tools to help</a:t>
+            </a:r>
+          </a:p>
+          <a:p>
+            <a:pPr lvl="1"/>
+            <a:r>
+              <a:rPr lang="en-US" dirty="0" smtClean="0"/>
+              <a:t>Use PCA to learn less interesting variation</a:t>
+            </a:r>
+          </a:p>
+          <a:p>
+            <a:pPr lvl="2"/>
+            <a:r>
+              <a:rPr lang="en-US" dirty="0" smtClean="0"/>
+              <a:t>Daytime images, sky mask -&gt; useful</a:t>
+            </a:r>
+          </a:p>
+          <a:p>
+            <a:pPr lvl="2"/>
+            <a:r>
+              <a:rPr lang="en-US" dirty="0" smtClean="0"/>
+              <a:t>Gradient images -&gt; not useful</a:t>
+            </a:r>
+          </a:p>
+          <a:p>
+            <a:pPr lvl="1"/>
+            <a:r>
+              <a:rPr lang="en-US" dirty="0" smtClean="0"/>
+              <a:t>Interesting images from evaluating PCA error</a:t>
+            </a:r>
+          </a:p>
+          <a:p>
+            <a:pPr lvl="2"/>
+            <a:r>
+              <a:rPr lang="en-US" dirty="0" smtClean="0"/>
+              <a:t>Reconstruction error and Variance Models -&gt; useful</a:t>
+            </a:r>
+          </a:p>
+          <a:p>
+            <a:pPr lvl="2"/>
+            <a:r>
+              <a:rPr lang="en-US" dirty="0" smtClean="0"/>
+              <a:t>Statistical models -&gt; mixed results</a:t>
+            </a:r>
+          </a:p>
+          <a:p>
+            <a:endParaRPr lang="en-US" dirty="0"/>
+          </a:p>
+        </p:txBody>
+      </p:sp>
+    </p:spTree>
+  </p:cSld>
+  <p:clrMapOvr>
+    <a:masterClrMapping/>
+  </p:clrMapOvr>
+  <p:timing>
+    <p:tnLst>
+      <p:par>
+        <p:cTn id="1" dur="indefinite" restart="never" nodeType="tmRoot"/>
+      </p:par>
+    </p:tnLst>
+  </p:timing>
+</p:sld>
+</file>
+
+<file path=ppt/slides/slide42.xml><?xml version="1.0" encoding="utf-8"?>
+<p:sld xmlns:a="http://schemas.openxmlformats.org/drawingml/2006/main" xmlns:r="http://schemas.openxmlformats.org/officeDocument/2006/relationships" xmlns:p="http://schemas.openxmlformats.org/presentationml/2006/main">
+  <p:cSld>
+    <p:spTree>
+      <p:nvGrpSpPr>
+        <p:cNvPr id="1" name=""/>
+        <p:cNvGrpSpPr/>
+        <p:nvPr/>
+      </p:nvGrpSpPr>
+      <p:grpSpPr>
+        <a:xfrm>
+          <a:off x="0" y="0"/>
+          <a:ext cx="0" cy="0"/>
+          <a:chOff x="0" y="0"/>
+          <a:chExt cx="0" cy="0"/>
+        </a:xfrm>
+      </p:grpSpPr>
+      <p:sp>
+        <p:nvSpPr>
+          <p:cNvPr id="2" name="Title 1"/>
+          <p:cNvSpPr>
+            <a:spLocks noGrp="1"/>
+          </p:cNvSpPr>
+          <p:nvPr>
+            <p:ph type="title"/>
+          </p:nvPr>
+        </p:nvSpPr>
+        <p:spPr/>
+        <p:txBody>
+          <a:bodyPr/>
+          <a:lstStyle/>
+          <a:p>
+            <a:r>
+              <a:rPr lang="en-US" dirty="0" smtClean="0"/>
+              <a:t>Future Work</a:t>
+            </a:r>
+            <a:endParaRPr lang="en-US" dirty="0"/>
+          </a:p>
+        </p:txBody>
+      </p:sp>
+      <p:sp>
+        <p:nvSpPr>
+          <p:cNvPr id="3" name="Content Placeholder 2"/>
+          <p:cNvSpPr>
+            <a:spLocks noGrp="1"/>
+          </p:cNvSpPr>
+          <p:nvPr>
+            <p:ph idx="1"/>
+          </p:nvPr>
+        </p:nvSpPr>
+        <p:spPr/>
+        <p:txBody>
+          <a:bodyPr/>
+          <a:lstStyle/>
+          <a:p>
+            <a:r>
+              <a:rPr lang="en-US" dirty="0" smtClean="0"/>
+              <a:t>Interface with AMOS site</a:t>
+            </a:r>
+          </a:p>
+          <a:p>
+            <a:endParaRPr lang="en-US" dirty="0" smtClean="0"/>
+          </a:p>
+          <a:p>
+            <a:r>
+              <a:rPr lang="en-US" dirty="0" smtClean="0"/>
+              <a:t>Object Extraction</a:t>
+            </a:r>
+          </a:p>
+          <a:p>
+            <a:endParaRPr lang="en-US" dirty="0" smtClean="0"/>
+          </a:p>
+          <a:p>
+            <a:r>
+              <a:rPr lang="en-US" dirty="0" smtClean="0"/>
+              <a:t>User customizability</a:t>
+            </a:r>
+            <a:endParaRPr lang="en-US" dirty="0"/>
+          </a:p>
+        </p:txBody>
+      </p:sp>
+    </p:spTree>
+  </p:cSld>
+  <p:clrMapOvr>
+    <a:masterClrMapping/>
+  </p:clrMapOvr>
+  <p:timing>
+    <p:tnLst>
+      <p:par>
+        <p:cTn id="1" dur="indefinite" restart="never" nodeType="tmRoot"/>
+      </p:par>
+    </p:tnLst>
+  </p:timing>
+</p:sld>
+</file>
+
+<file path=ppt/slides/slide43.xml><?xml version="1.0" encoding="utf-8"?>
 <p:sld xmlns:a="http://schemas.openxmlformats.org/drawingml/2006/main" xmlns:r="http://schemas.openxmlformats.org/officeDocument/2006/relationships" xmlns:p="http://schemas.openxmlformats.org/presentationml/2006/main">
   <p:cSld>
     <p:spTree>
